--- a/第7讲 素材与图文消息.pptx
+++ b/第7讲 素材与图文消息.pptx
@@ -17,8 +17,8 @@
   <p:sldIdLst>
     <p:sldId id="257" r:id="rId6"/>
     <p:sldId id="446" r:id="rId7"/>
-    <p:sldId id="451" r:id="rId8"/>
-    <p:sldId id="454" r:id="rId9"/>
+    <p:sldId id="454" r:id="rId8"/>
+    <p:sldId id="451" r:id="rId9"/>
     <p:sldId id="481" r:id="rId10"/>
     <p:sldId id="482" r:id="rId11"/>
     <p:sldId id="466" r:id="rId12"/>
@@ -192,6 +192,10 @@
 </p:cmAuthorLst>
 </file>
 
+<file path=ppt/revisionInfo.xml><?xml version="1.0" encoding="utf-8"?>
+<p1510:revInfo xmlns:a="http://schemas.openxmlformats.org/drawingml/2006/main" xmlns:r="http://schemas.openxmlformats.org/officeDocument/2006/relationships" xmlns:p1510="http://schemas.microsoft.com/office/powerpoint/2015/10/main"/>
+</file>
+
 <file path=ppt/handoutMasters/handoutMaster1.xml><?xml version="1.0" encoding="utf-8"?>
 <p:handoutMaster xmlns:a="http://schemas.openxmlformats.org/drawingml/2006/main" xmlns:r="http://schemas.openxmlformats.org/officeDocument/2006/relationships" xmlns:p="http://schemas.openxmlformats.org/presentationml/2006/main">
   <p:cSld>
@@ -274,7 +278,7 @@
           <a:p>
             <a:fld id="{2B71C804-97F5-4B36-A7AC-EEEC7F44F6C2}" type="datetimeFigureOut">
               <a:rPr lang="zh-CN" altLang="en-US" smtClean="0"/>
-              <a:t>2017/7/20</a:t>
+              <a:t>2017/8/20</a:t>
             </a:fld>
             <a:endParaRPr lang="zh-CN" altLang="en-US"/>
           </a:p>
@@ -440,7 +444,7 @@
           <a:p>
             <a:fld id="{0568D9C6-D8DC-4CC3-8480-E0C4DBA1CC07}" type="datetimeFigureOut">
               <a:rPr lang="zh-CN" altLang="en-US" smtClean="0"/>
-              <a:t>2017/7/20</a:t>
+              <a:t>2017/8/20</a:t>
             </a:fld>
             <a:endParaRPr lang="zh-CN" altLang="en-US"/>
           </a:p>
@@ -1053,7 +1057,7 @@
           <a:p>
             <a:fld id="{DB9D664F-4C68-42D2-B189-678958EFAFDA}" type="datetime1">
               <a:rPr lang="zh-CN" altLang="en-US" smtClean="0"/>
-              <a:t>2017/7/20</a:t>
+              <a:t>2017/8/20</a:t>
             </a:fld>
             <a:endParaRPr lang="zh-CN" altLang="en-US"/>
           </a:p>
@@ -2035,7 +2039,7 @@
           <a:p>
             <a:fld id="{ED5513C8-E3A4-4D78-B249-887659A958FF}" type="datetime1">
               <a:rPr lang="en-US" altLang="zh-CN" smtClean="0"/>
-              <a:t>7/20/2017</a:t>
+              <a:t>8/20/2017</a:t>
             </a:fld>
             <a:endParaRPr lang="en-US"/>
           </a:p>
@@ -2213,7 +2217,7 @@
           <a:p>
             <a:fld id="{EBEDA52C-3EEE-4289-818C-901C0A7814FE}" type="datetime1">
               <a:rPr lang="en-US" altLang="zh-CN" smtClean="0"/>
-              <a:t>7/20/2017</a:t>
+              <a:t>8/20/2017</a:t>
             </a:fld>
             <a:endParaRPr lang="en-US"/>
           </a:p>
@@ -2467,7 +2471,7 @@
           <a:p>
             <a:fld id="{09EF5D7F-EA15-485C-85DD-8FDC010A62D4}" type="datetime1">
               <a:rPr lang="en-US" altLang="zh-CN" smtClean="0"/>
-              <a:t>7/20/2017</a:t>
+              <a:t>8/20/2017</a:t>
             </a:fld>
             <a:endParaRPr lang="en-US"/>
           </a:p>
@@ -2707,7 +2711,7 @@
           <a:p>
             <a:fld id="{9541C2B2-0BAB-4CD4-83EE-25F1A7138896}" type="datetime1">
               <a:rPr lang="en-US" altLang="zh-CN" smtClean="0"/>
-              <a:t>7/20/2017</a:t>
+              <a:t>8/20/2017</a:t>
             </a:fld>
             <a:endParaRPr lang="en-US"/>
           </a:p>
@@ -3082,7 +3086,7 @@
           <a:p>
             <a:fld id="{7DEA23E7-D0FC-41DC-8745-BE6FC447B182}" type="datetime1">
               <a:rPr lang="en-US" altLang="zh-CN" smtClean="0"/>
-              <a:t>7/20/2017</a:t>
+              <a:t>8/20/2017</a:t>
             </a:fld>
             <a:endParaRPr lang="en-US"/>
           </a:p>
@@ -3867,7 +3871,7 @@
           <a:p>
             <a:fld id="{5DEA8378-5F33-490B-8120-8DE6B7EE2781}" type="datetime1">
               <a:rPr lang="en-US" altLang="zh-CN" smtClean="0"/>
-              <a:t>7/20/2017</a:t>
+              <a:t>8/20/2017</a:t>
             </a:fld>
             <a:endParaRPr lang="en-US"/>
           </a:p>
@@ -4121,7 +4125,7 @@
           <a:p>
             <a:fld id="{38DD30CF-78A7-4C73-91B4-38D3E3317745}" type="datetime1">
               <a:rPr lang="en-US" altLang="zh-CN" smtClean="0"/>
-              <a:t>7/20/2017</a:t>
+              <a:t>8/20/2017</a:t>
             </a:fld>
             <a:endParaRPr lang="en-US"/>
           </a:p>
@@ -4224,7 +4228,7 @@
           <a:p>
             <a:fld id="{A1BE0A72-8501-4974-A7B7-5BD248ABBAFC}" type="datetime1">
               <a:rPr lang="zh-CN" altLang="en-US" smtClean="0"/>
-              <a:t>2017/7/20</a:t>
+              <a:t>2017/8/20</a:t>
             </a:fld>
             <a:endParaRPr lang="zh-CN" altLang="en-US"/>
           </a:p>
@@ -4485,7 +4489,7 @@
           <a:p>
             <a:fld id="{0B7E01DD-16D0-4DBA-9C1A-51468BA0B73A}" type="datetime1">
               <a:rPr lang="en-US" altLang="zh-CN" smtClean="0"/>
-              <a:t>7/20/2017</a:t>
+              <a:t>8/20/2017</a:t>
             </a:fld>
             <a:endParaRPr lang="en-US"/>
           </a:p>
@@ -4663,7 +4667,7 @@
           <a:p>
             <a:fld id="{B587E63F-0E62-4A50-901F-E071D77F7634}" type="datetime1">
               <a:rPr lang="en-US" altLang="zh-CN" smtClean="0"/>
-              <a:t>7/20/2017</a:t>
+              <a:t>8/20/2017</a:t>
             </a:fld>
             <a:endParaRPr lang="en-US"/>
           </a:p>
@@ -4851,7 +4855,7 @@
           <a:p>
             <a:fld id="{BD8521E8-9297-400B-AD8C-0A4D05699D33}" type="datetime1">
               <a:rPr lang="en-US" altLang="zh-CN" smtClean="0"/>
-              <a:t>7/20/2017</a:t>
+              <a:t>8/20/2017</a:t>
             </a:fld>
             <a:endParaRPr lang="en-US"/>
           </a:p>
@@ -5082,7 +5086,7 @@
           <a:p>
             <a:fld id="{ED5513C8-E3A4-4D78-B249-887659A958FF}" type="datetime1">
               <a:rPr lang="en-US" altLang="zh-CN" smtClean="0"/>
-              <a:t>7/20/2017</a:t>
+              <a:t>8/20/2017</a:t>
             </a:fld>
             <a:endParaRPr lang="en-US"/>
           </a:p>
@@ -5260,7 +5264,7 @@
           <a:p>
             <a:fld id="{EBEDA52C-3EEE-4289-818C-901C0A7814FE}" type="datetime1">
               <a:rPr lang="en-US" altLang="zh-CN" smtClean="0"/>
-              <a:t>7/20/2017</a:t>
+              <a:t>8/20/2017</a:t>
             </a:fld>
             <a:endParaRPr lang="en-US"/>
           </a:p>
@@ -5514,7 +5518,7 @@
           <a:p>
             <a:fld id="{09EF5D7F-EA15-485C-85DD-8FDC010A62D4}" type="datetime1">
               <a:rPr lang="en-US" altLang="zh-CN" smtClean="0"/>
-              <a:t>7/20/2017</a:t>
+              <a:t>8/20/2017</a:t>
             </a:fld>
             <a:endParaRPr lang="en-US"/>
           </a:p>
@@ -5754,7 +5758,7 @@
           <a:p>
             <a:fld id="{9541C2B2-0BAB-4CD4-83EE-25F1A7138896}" type="datetime1">
               <a:rPr lang="en-US" altLang="zh-CN" smtClean="0"/>
-              <a:t>7/20/2017</a:t>
+              <a:t>8/20/2017</a:t>
             </a:fld>
             <a:endParaRPr lang="en-US"/>
           </a:p>
@@ -6129,7 +6133,7 @@
           <a:p>
             <a:fld id="{7DEA23E7-D0FC-41DC-8745-BE6FC447B182}" type="datetime1">
               <a:rPr lang="en-US" altLang="zh-CN" smtClean="0"/>
-              <a:t>7/20/2017</a:t>
+              <a:t>8/20/2017</a:t>
             </a:fld>
             <a:endParaRPr lang="en-US"/>
           </a:p>
@@ -6914,7 +6918,7 @@
           <a:p>
             <a:fld id="{A1BE0A72-8501-4974-A7B7-5BD248ABBAFC}" type="datetime1">
               <a:rPr lang="zh-CN" altLang="en-US" smtClean="0"/>
-              <a:t>2017/7/20</a:t>
+              <a:t>2017/8/20</a:t>
             </a:fld>
             <a:endParaRPr lang="zh-CN" altLang="en-US"/>
           </a:p>
@@ -6967,7 +6971,7 @@
           <a:p>
             <a:fld id="{5DEA8378-5F33-490B-8120-8DE6B7EE2781}" type="datetime1">
               <a:rPr lang="en-US" altLang="zh-CN" smtClean="0"/>
-              <a:t>7/20/2017</a:t>
+              <a:t>8/20/2017</a:t>
             </a:fld>
             <a:endParaRPr lang="en-US"/>
           </a:p>
@@ -7221,7 +7225,7 @@
           <a:p>
             <a:fld id="{38DD30CF-78A7-4C73-91B4-38D3E3317745}" type="datetime1">
               <a:rPr lang="en-US" altLang="zh-CN" smtClean="0"/>
-              <a:t>7/20/2017</a:t>
+              <a:t>8/20/2017</a:t>
             </a:fld>
             <a:endParaRPr lang="en-US"/>
           </a:p>
@@ -7486,7 +7490,7 @@
           <a:p>
             <a:fld id="{0B7E01DD-16D0-4DBA-9C1A-51468BA0B73A}" type="datetime1">
               <a:rPr lang="en-US" altLang="zh-CN" smtClean="0"/>
-              <a:t>7/20/2017</a:t>
+              <a:t>8/20/2017</a:t>
             </a:fld>
             <a:endParaRPr lang="en-US"/>
           </a:p>
@@ -7664,7 +7668,7 @@
           <a:p>
             <a:fld id="{B587E63F-0E62-4A50-901F-E071D77F7634}" type="datetime1">
               <a:rPr lang="en-US" altLang="zh-CN" smtClean="0"/>
-              <a:t>7/20/2017</a:t>
+              <a:t>8/20/2017</a:t>
             </a:fld>
             <a:endParaRPr lang="en-US"/>
           </a:p>
@@ -7852,7 +7856,7 @@
           <a:p>
             <a:fld id="{BD8521E8-9297-400B-AD8C-0A4D05699D33}" type="datetime1">
               <a:rPr lang="en-US" altLang="zh-CN" smtClean="0"/>
-              <a:t>7/20/2017</a:t>
+              <a:t>8/20/2017</a:t>
             </a:fld>
             <a:endParaRPr lang="en-US"/>
           </a:p>
@@ -7955,7 +7959,7 @@
           <a:p>
             <a:fld id="{EF452D9C-F9EB-4417-9C3A-C876C2AF9415}" type="datetime1">
               <a:rPr lang="zh-CN" altLang="en-US" smtClean="0"/>
-              <a:t>2017/7/20</a:t>
+              <a:t>2017/8/20</a:t>
             </a:fld>
             <a:endParaRPr lang="zh-CN" altLang="en-US"/>
           </a:p>
@@ -8141,7 +8145,7 @@
           <a:p>
             <a:fld id="{2F2E9289-9B4C-49AE-BDDA-70D6EDC89D17}" type="datetime1">
               <a:rPr lang="zh-CN" altLang="en-US" smtClean="0"/>
-              <a:t>2017/7/20</a:t>
+              <a:t>2017/8/20</a:t>
             </a:fld>
             <a:endParaRPr lang="zh-CN" altLang="en-US"/>
           </a:p>
@@ -8311,7 +8315,7 @@
           <a:p>
             <a:fld id="{2F2E9289-9B4C-49AE-BDDA-70D6EDC89D17}" type="datetime1">
               <a:rPr lang="zh-CN" altLang="en-US" smtClean="0"/>
-              <a:t>2017/7/20</a:t>
+              <a:t>2017/8/20</a:t>
             </a:fld>
             <a:endParaRPr lang="zh-CN" altLang="en-US"/>
           </a:p>
@@ -8547,7 +8551,7 @@
           <a:p>
             <a:fld id="{8C5BA751-A251-47D6-8494-C134D9EBED5F}" type="datetime1">
               <a:rPr lang="zh-CN" altLang="en-US" smtClean="0"/>
-              <a:t>2017/7/20</a:t>
+              <a:t>2017/8/20</a:t>
             </a:fld>
             <a:endParaRPr lang="zh-CN" altLang="en-US"/>
           </a:p>
@@ -8903,7 +8907,7 @@
           <a:p>
             <a:fld id="{C46E2078-F302-4651-A2A2-2FC6C4E1A3F1}" type="datetime1">
               <a:rPr lang="zh-CN" altLang="en-US" smtClean="0"/>
-              <a:t>2017/7/20</a:t>
+              <a:t>2017/8/20</a:t>
             </a:fld>
             <a:endParaRPr lang="zh-CN" altLang="en-US"/>
           </a:p>
@@ -9025,7 +9029,7 @@
               <a:pPr>
                 <a:defRPr/>
               </a:pPr>
-              <a:t>2017/7/20</a:t>
+              <a:t>2017/8/20</a:t>
             </a:fld>
             <a:endParaRPr lang="zh-CN" altLang="en-US"/>
           </a:p>
@@ -9173,7 +9177,7 @@
           <a:p>
             <a:fld id="{A1BE0A72-8501-4974-A7B7-5BD248ABBAFC}" type="datetime1">
               <a:rPr lang="zh-CN" altLang="en-US" smtClean="0"/>
-              <a:t>2017/7/20</a:t>
+              <a:t>2017/8/20</a:t>
             </a:fld>
             <a:endParaRPr lang="zh-CN" altLang="en-US"/>
           </a:p>
@@ -9687,7 +9691,7 @@
           <a:p>
             <a:fld id="{A1BE0A72-8501-4974-A7B7-5BD248ABBAFC}" type="datetime1">
               <a:rPr lang="zh-CN" altLang="en-US" smtClean="0"/>
-              <a:t>2017/7/20</a:t>
+              <a:t>2017/8/20</a:t>
             </a:fld>
             <a:endParaRPr lang="zh-CN" altLang="en-US"/>
           </a:p>
@@ -10293,7 +10297,7 @@
           <a:p>
             <a:fld id="{7A78726F-0AD2-4A20-BC72-263D2D3F3A2F}" type="datetime1">
               <a:rPr lang="en-US" altLang="zh-CN" smtClean="0"/>
-              <a:t>7/20/2017</a:t>
+              <a:t>8/20/2017</a:t>
             </a:fld>
             <a:endParaRPr lang="en-US"/>
           </a:p>
@@ -11274,7 +11278,7 @@
           <a:p>
             <a:fld id="{A1BE0A72-8501-4974-A7B7-5BD248ABBAFC}" type="datetime1">
               <a:rPr lang="zh-CN" altLang="en-US" smtClean="0"/>
-              <a:t>2017/7/20</a:t>
+              <a:t>2017/8/20</a:t>
             </a:fld>
             <a:endParaRPr lang="zh-CN" altLang="en-US"/>
           </a:p>
@@ -11880,7 +11884,7 @@
           <a:p>
             <a:fld id="{7A78726F-0AD2-4A20-BC72-263D2D3F3A2F}" type="datetime1">
               <a:rPr lang="en-US" altLang="zh-CN" smtClean="0"/>
-              <a:t>7/20/2017</a:t>
+              <a:t>8/20/2017</a:t>
             </a:fld>
             <a:endParaRPr lang="en-US"/>
           </a:p>
@@ -12751,18 +12755,17 @@
           <a:lstStyle/>
           <a:p>
             <a:r>
-              <a:rPr lang="zh-CN" altLang="en-US" dirty="0" smtClean="0"/>
+              <a:rPr lang="zh-CN" altLang="en-US" dirty="0"/>
               <a:t>第</a:t>
             </a:r>
             <a:r>
-              <a:rPr lang="en-US" altLang="zh-CN" dirty="0" smtClean="0"/>
-              <a:t>6</a:t>
-            </a:r>
-            <a:r>
-              <a:rPr lang="zh-CN" altLang="en-US" dirty="0" smtClean="0"/>
-              <a:t>讲 事件消息</a:t>
-            </a:r>
-            <a:endParaRPr lang="zh-CN" altLang="en-US" dirty="0"/>
+              <a:rPr lang="en-US" altLang="zh-CN" dirty="0"/>
+              <a:t>7</a:t>
+            </a:r>
+            <a:r>
+              <a:rPr lang="zh-CN" altLang="en-US" dirty="0"/>
+              <a:t>讲 素材与图文消息</a:t>
+            </a:r>
           </a:p>
         </p:txBody>
       </p:sp>
@@ -12815,13 +12818,6 @@
   <p:clrMapOvr>
     <a:masterClrMapping/>
   </p:clrMapOvr>
-  <p:timing>
-    <p:tnLst>
-      <p:par>
-        <p:cTn id="1" dur="indefinite" restart="never" nodeType="tmRoot"/>
-      </p:par>
-    </p:tnLst>
-  </p:timing>
 </p:sld>
 </file>
 
@@ -12863,15 +12859,15 @@
           <a:lstStyle/>
           <a:p>
             <a:r>
-              <a:rPr lang="en-US" altLang="zh-CN" dirty="0" smtClean="0"/>
+              <a:rPr lang="en-US" altLang="zh-CN" dirty="0"/>
               <a:t>PHP</a:t>
             </a:r>
             <a:r>
-              <a:rPr lang="zh-CN" altLang="en-US" dirty="0" smtClean="0"/>
+              <a:rPr lang="zh-CN" altLang="en-US" dirty="0"/>
               <a:t>扩展</a:t>
             </a:r>
             <a:r>
-              <a:rPr lang="en-US" altLang="zh-CN" dirty="0" smtClean="0"/>
+              <a:rPr lang="en-US" altLang="zh-CN" dirty="0"/>
               <a:t>CURL</a:t>
             </a:r>
             <a:endParaRPr lang="zh-CN" altLang="en-US" dirty="0"/>
@@ -12908,7 +12904,7 @@
               <a:buChar char="•"/>
             </a:pPr>
             <a:r>
-              <a:rPr lang="en-US" altLang="zh-CN" sz="2000" dirty="0" smtClean="0">
+              <a:rPr lang="en-US" altLang="zh-CN" sz="2000" dirty="0">
                 <a:latin typeface="微软雅黑" panose="020B0503020204020204" pitchFamily="34" charset="-122"/>
                 <a:ea typeface="微软雅黑" panose="020B0503020204020204" pitchFamily="34" charset="-122"/>
               </a:rPr>
@@ -12919,28 +12915,28 @@
                 <a:latin typeface="微软雅黑" panose="020B0503020204020204" pitchFamily="34" charset="-122"/>
                 <a:ea typeface="微软雅黑" panose="020B0503020204020204" pitchFamily="34" charset="-122"/>
               </a:rPr>
-              <a:t>能够连接通讯各种服务器、使用各种</a:t>
-            </a:r>
-            <a:r>
-              <a:rPr lang="zh-CN" altLang="en-US" sz="2000" dirty="0" smtClean="0">
-                <a:latin typeface="微软雅黑" panose="020B0503020204020204" pitchFamily="34" charset="-122"/>
-                <a:ea typeface="微软雅黑" panose="020B0503020204020204" pitchFamily="34" charset="-122"/>
-              </a:rPr>
-              <a:t>协议。</a:t>
+              <a:t>能够连接通讯各种服务器、使用各种协议。目前支持的协议有 </a:t>
+            </a:r>
+            <a:r>
+              <a:rPr lang="en-US" altLang="zh-CN" sz="2000" dirty="0">
+                <a:latin typeface="微软雅黑" panose="020B0503020204020204" pitchFamily="34" charset="-122"/>
+                <a:ea typeface="微软雅黑" panose="020B0503020204020204" pitchFamily="34" charset="-122"/>
+              </a:rPr>
+              <a:t>http</a:t>
             </a:r>
             <a:r>
               <a:rPr lang="zh-CN" altLang="en-US" sz="2000" dirty="0">
                 <a:latin typeface="微软雅黑" panose="020B0503020204020204" pitchFamily="34" charset="-122"/>
                 <a:ea typeface="微软雅黑" panose="020B0503020204020204" pitchFamily="34" charset="-122"/>
               </a:rPr>
-              <a:t>目前支持的协议有 </a:t>
+              <a:t>、</a:t>
             </a:r>
             <a:r>
               <a:rPr lang="en-US" altLang="zh-CN" sz="2000" dirty="0">
                 <a:latin typeface="微软雅黑" panose="020B0503020204020204" pitchFamily="34" charset="-122"/>
                 <a:ea typeface="微软雅黑" panose="020B0503020204020204" pitchFamily="34" charset="-122"/>
               </a:rPr>
-              <a:t>http</a:t>
+              <a:t>https</a:t>
             </a:r>
             <a:r>
               <a:rPr lang="zh-CN" altLang="en-US" sz="2000" dirty="0">
@@ -12954,7 +12950,7 @@
                 <a:latin typeface="微软雅黑" panose="020B0503020204020204" pitchFamily="34" charset="-122"/>
                 <a:ea typeface="微软雅黑" panose="020B0503020204020204" pitchFamily="34" charset="-122"/>
               </a:rPr>
-              <a:t>https</a:t>
+              <a:t>ftp</a:t>
             </a:r>
             <a:r>
               <a:rPr lang="zh-CN" altLang="en-US" sz="2000" dirty="0">
@@ -12968,30 +12964,16 @@
                 <a:latin typeface="微软雅黑" panose="020B0503020204020204" pitchFamily="34" charset="-122"/>
                 <a:ea typeface="微软雅黑" panose="020B0503020204020204" pitchFamily="34" charset="-122"/>
               </a:rPr>
-              <a:t>ftp</a:t>
-            </a:r>
-            <a:r>
-              <a:rPr lang="zh-CN" altLang="en-US" sz="2000" dirty="0" smtClean="0">
-                <a:latin typeface="微软雅黑" panose="020B0503020204020204" pitchFamily="34" charset="-122"/>
-                <a:ea typeface="微软雅黑" panose="020B0503020204020204" pitchFamily="34" charset="-122"/>
-              </a:rPr>
-              <a:t>、</a:t>
-            </a:r>
-            <a:r>
-              <a:rPr lang="en-US" altLang="zh-CN" sz="2000" dirty="0" smtClean="0">
-                <a:latin typeface="微软雅黑" panose="020B0503020204020204" pitchFamily="34" charset="-122"/>
-                <a:ea typeface="微软雅黑" panose="020B0503020204020204" pitchFamily="34" charset="-122"/>
-              </a:rPr>
               <a:t>telnet</a:t>
             </a:r>
             <a:r>
-              <a:rPr lang="zh-CN" altLang="en-US" sz="2000" dirty="0" smtClean="0">
+              <a:rPr lang="zh-CN" altLang="en-US" sz="2000" dirty="0">
                 <a:latin typeface="微软雅黑" panose="020B0503020204020204" pitchFamily="34" charset="-122"/>
                 <a:ea typeface="微软雅黑" panose="020B0503020204020204" pitchFamily="34" charset="-122"/>
               </a:rPr>
               <a:t>等。</a:t>
             </a:r>
-            <a:endParaRPr lang="en-US" altLang="zh-CN" sz="2000" dirty="0" smtClean="0">
+            <a:endParaRPr lang="en-US" altLang="zh-CN" sz="2000" dirty="0">
               <a:latin typeface="微软雅黑" panose="020B0503020204020204" pitchFamily="34" charset="-122"/>
               <a:ea typeface="微软雅黑" panose="020B0503020204020204" pitchFamily="34" charset="-122"/>
             </a:endParaRPr>
@@ -13005,48 +12987,48 @@
               <a:buChar char="•"/>
             </a:pPr>
             <a:r>
-              <a:rPr lang="en-US" altLang="zh-CN" sz="2000" dirty="0" smtClean="0">
+              <a:rPr lang="en-US" altLang="zh-CN" sz="2000" dirty="0">
                 <a:latin typeface="微软雅黑" panose="020B0503020204020204" pitchFamily="34" charset="-122"/>
                 <a:ea typeface="微软雅黑" panose="020B0503020204020204" pitchFamily="34" charset="-122"/>
               </a:rPr>
               <a:t>PHP</a:t>
             </a:r>
             <a:r>
-              <a:rPr lang="zh-CN" altLang="en-US" sz="2000" dirty="0" smtClean="0">
+              <a:rPr lang="zh-CN" altLang="en-US" sz="2000" dirty="0">
                 <a:latin typeface="微软雅黑" panose="020B0503020204020204" pitchFamily="34" charset="-122"/>
                 <a:ea typeface="微软雅黑" panose="020B0503020204020204" pitchFamily="34" charset="-122"/>
               </a:rPr>
               <a:t>使用</a:t>
             </a:r>
             <a:r>
-              <a:rPr lang="en-US" altLang="zh-CN" sz="2000" dirty="0" smtClean="0">
+              <a:rPr lang="en-US" altLang="zh-CN" sz="2000" dirty="0">
                 <a:latin typeface="微软雅黑" panose="020B0503020204020204" pitchFamily="34" charset="-122"/>
                 <a:ea typeface="微软雅黑" panose="020B0503020204020204" pitchFamily="34" charset="-122"/>
               </a:rPr>
               <a:t>curl</a:t>
             </a:r>
             <a:r>
-              <a:rPr lang="zh-CN" altLang="en-US" sz="2000" dirty="0" smtClean="0">
+              <a:rPr lang="zh-CN" altLang="en-US" sz="2000" dirty="0">
                 <a:latin typeface="微软雅黑" panose="020B0503020204020204" pitchFamily="34" charset="-122"/>
                 <a:ea typeface="微软雅黑" panose="020B0503020204020204" pitchFamily="34" charset="-122"/>
               </a:rPr>
               <a:t>发起</a:t>
             </a:r>
             <a:r>
-              <a:rPr lang="en-US" altLang="zh-CN" sz="2000" dirty="0" smtClean="0">
+              <a:rPr lang="en-US" altLang="zh-CN" sz="2000" dirty="0">
                 <a:latin typeface="微软雅黑" panose="020B0503020204020204" pitchFamily="34" charset="-122"/>
                 <a:ea typeface="微软雅黑" panose="020B0503020204020204" pitchFamily="34" charset="-122"/>
               </a:rPr>
               <a:t>http</a:t>
             </a:r>
             <a:r>
-              <a:rPr lang="zh-CN" altLang="en-US" sz="2000" dirty="0" smtClean="0">
+              <a:rPr lang="zh-CN" altLang="en-US" sz="2000" dirty="0">
                 <a:latin typeface="微软雅黑" panose="020B0503020204020204" pitchFamily="34" charset="-122"/>
                 <a:ea typeface="微软雅黑" panose="020B0503020204020204" pitchFamily="34" charset="-122"/>
               </a:rPr>
               <a:t>请求。</a:t>
             </a:r>
-            <a:endParaRPr lang="en-US" altLang="zh-CN" sz="2000" dirty="0" smtClean="0">
+            <a:endParaRPr lang="en-US" altLang="zh-CN" sz="2000" dirty="0">
               <a:latin typeface="微软雅黑" panose="020B0503020204020204" pitchFamily="34" charset="-122"/>
               <a:ea typeface="微软雅黑" panose="020B0503020204020204" pitchFamily="34" charset="-122"/>
             </a:endParaRPr>
@@ -13060,48 +13042,48 @@
               <a:buChar char="•"/>
             </a:pPr>
             <a:r>
-              <a:rPr lang="en-US" altLang="zh-CN" sz="2000" dirty="0" smtClean="0">
+              <a:rPr lang="en-US" altLang="zh-CN" sz="2000" dirty="0">
                 <a:latin typeface="微软雅黑" panose="020B0503020204020204" pitchFamily="34" charset="-122"/>
                 <a:ea typeface="微软雅黑" panose="020B0503020204020204" pitchFamily="34" charset="-122"/>
               </a:rPr>
               <a:t>PHP</a:t>
             </a:r>
             <a:r>
-              <a:rPr lang="zh-CN" altLang="en-US" sz="2000" dirty="0" smtClean="0">
+              <a:rPr lang="zh-CN" altLang="en-US" sz="2000" dirty="0">
                 <a:latin typeface="微软雅黑" panose="020B0503020204020204" pitchFamily="34" charset="-122"/>
                 <a:ea typeface="微软雅黑" panose="020B0503020204020204" pitchFamily="34" charset="-122"/>
               </a:rPr>
               <a:t>调用微信接口需要使用</a:t>
             </a:r>
             <a:r>
-              <a:rPr lang="en-US" altLang="zh-CN" sz="2000" dirty="0" smtClean="0">
+              <a:rPr lang="en-US" altLang="zh-CN" sz="2000" dirty="0">
                 <a:latin typeface="微软雅黑" panose="020B0503020204020204" pitchFamily="34" charset="-122"/>
                 <a:ea typeface="微软雅黑" panose="020B0503020204020204" pitchFamily="34" charset="-122"/>
               </a:rPr>
               <a:t>curl</a:t>
             </a:r>
             <a:r>
-              <a:rPr lang="zh-CN" altLang="en-US" sz="2000" dirty="0" smtClean="0">
+              <a:rPr lang="zh-CN" altLang="en-US" sz="2000" dirty="0">
                 <a:latin typeface="微软雅黑" panose="020B0503020204020204" pitchFamily="34" charset="-122"/>
                 <a:ea typeface="微软雅黑" panose="020B0503020204020204" pitchFamily="34" charset="-122"/>
               </a:rPr>
               <a:t>扩展或是基于</a:t>
             </a:r>
             <a:r>
-              <a:rPr lang="en-US" altLang="zh-CN" sz="2000" dirty="0" smtClean="0">
+              <a:rPr lang="en-US" altLang="zh-CN" sz="2000" dirty="0">
                 <a:latin typeface="微软雅黑" panose="020B0503020204020204" pitchFamily="34" charset="-122"/>
                 <a:ea typeface="微软雅黑" panose="020B0503020204020204" pitchFamily="34" charset="-122"/>
               </a:rPr>
               <a:t>curl</a:t>
             </a:r>
             <a:r>
-              <a:rPr lang="zh-CN" altLang="en-US" sz="2000" dirty="0" smtClean="0">
+              <a:rPr lang="zh-CN" altLang="en-US" sz="2000" dirty="0">
                 <a:latin typeface="微软雅黑" panose="020B0503020204020204" pitchFamily="34" charset="-122"/>
                 <a:ea typeface="微软雅黑" panose="020B0503020204020204" pitchFamily="34" charset="-122"/>
               </a:rPr>
               <a:t>的第三方库。</a:t>
             </a:r>
-            <a:endParaRPr lang="en-US" altLang="zh-CN" sz="2000" dirty="0" smtClean="0">
+            <a:endParaRPr lang="en-US" altLang="zh-CN" sz="2000" dirty="0">
               <a:latin typeface="微软雅黑" panose="020B0503020204020204" pitchFamily="34" charset="-122"/>
               <a:ea typeface="微软雅黑" panose="020B0503020204020204" pitchFamily="34" charset="-122"/>
             </a:endParaRPr>
@@ -13115,27 +13097,27 @@
               <a:buChar char="•"/>
             </a:pPr>
             <a:r>
-              <a:rPr lang="zh-CN" altLang="en-US" sz="2000" dirty="0" smtClean="0">
+              <a:rPr lang="zh-CN" altLang="en-US" sz="2000" dirty="0">
                 <a:latin typeface="微软雅黑" panose="020B0503020204020204" pitchFamily="34" charset="-122"/>
                 <a:ea typeface="微软雅黑" panose="020B0503020204020204" pitchFamily="34" charset="-122"/>
               </a:rPr>
               <a:t>使用</a:t>
             </a:r>
             <a:r>
-              <a:rPr lang="en-US" altLang="zh-CN" sz="2000" dirty="0" smtClean="0">
+              <a:rPr lang="en-US" altLang="zh-CN" sz="2000" dirty="0">
                 <a:latin typeface="微软雅黑" panose="020B0503020204020204" pitchFamily="34" charset="-122"/>
                 <a:ea typeface="微软雅黑" panose="020B0503020204020204" pitchFamily="34" charset="-122"/>
               </a:rPr>
               <a:t>CURL</a:t>
             </a:r>
             <a:r>
-              <a:rPr lang="zh-CN" altLang="en-US" sz="2000" dirty="0" smtClean="0">
+              <a:rPr lang="zh-CN" altLang="en-US" sz="2000" dirty="0">
                 <a:latin typeface="微软雅黑" panose="020B0503020204020204" pitchFamily="34" charset="-122"/>
                 <a:ea typeface="微软雅黑" panose="020B0503020204020204" pitchFamily="34" charset="-122"/>
               </a:rPr>
               <a:t>与浏览器访问网站：</a:t>
             </a:r>
-            <a:endParaRPr lang="en-US" altLang="zh-CN" sz="2000" dirty="0" smtClean="0">
+            <a:endParaRPr lang="en-US" altLang="zh-CN" sz="2000" dirty="0">
               <a:latin typeface="微软雅黑" panose="020B0503020204020204" pitchFamily="34" charset="-122"/>
               <a:ea typeface="微软雅黑" panose="020B0503020204020204" pitchFamily="34" charset="-122"/>
             </a:endParaRPr>
@@ -13147,77 +13129,63 @@
               </a:lnSpc>
             </a:pPr>
             <a:r>
-              <a:rPr lang="zh-CN" altLang="en-US" sz="2000" dirty="0" smtClean="0">
-                <a:latin typeface="微软雅黑" panose="020B0503020204020204" pitchFamily="34" charset="-122"/>
-                <a:ea typeface="微软雅黑" panose="020B0503020204020204" pitchFamily="34" charset="-122"/>
-              </a:rPr>
-              <a:t>在</a:t>
-            </a:r>
-            <a:r>
               <a:rPr lang="zh-CN" altLang="en-US" sz="2000" dirty="0">
                 <a:latin typeface="微软雅黑" panose="020B0503020204020204" pitchFamily="34" charset="-122"/>
                 <a:ea typeface="微软雅黑" panose="020B0503020204020204" pitchFamily="34" charset="-122"/>
               </a:rPr>
-              <a:t>浏览器</a:t>
-            </a:r>
-            <a:r>
-              <a:rPr lang="zh-CN" altLang="en-US" sz="2000" dirty="0" smtClean="0">
-                <a:latin typeface="微软雅黑" panose="020B0503020204020204" pitchFamily="34" charset="-122"/>
-                <a:ea typeface="微软雅黑" panose="020B0503020204020204" pitchFamily="34" charset="-122"/>
-              </a:rPr>
-              <a:t>上输入网址后，是浏览器发起的</a:t>
-            </a:r>
-            <a:r>
-              <a:rPr lang="en-US" altLang="zh-CN" sz="2000" dirty="0" smtClean="0">
+              <a:t>在浏览器上输入网址后，是浏览器发起的</a:t>
+            </a:r>
+            <a:r>
+              <a:rPr lang="en-US" altLang="zh-CN" sz="2000" dirty="0">
                 <a:latin typeface="微软雅黑" panose="020B0503020204020204" pitchFamily="34" charset="-122"/>
                 <a:ea typeface="微软雅黑" panose="020B0503020204020204" pitchFamily="34" charset="-122"/>
               </a:rPr>
               <a:t>http</a:t>
             </a:r>
             <a:r>
-              <a:rPr lang="zh-CN" altLang="en-US" sz="2000" dirty="0" smtClean="0">
+              <a:rPr lang="zh-CN" altLang="en-US" sz="2000" dirty="0">
                 <a:latin typeface="微软雅黑" panose="020B0503020204020204" pitchFamily="34" charset="-122"/>
                 <a:ea typeface="微软雅黑" panose="020B0503020204020204" pitchFamily="34" charset="-122"/>
               </a:rPr>
               <a:t>请求获取数据，现在进行微信接口调用，无法使用浏览器实现，需要程序发起</a:t>
             </a:r>
             <a:r>
-              <a:rPr lang="en-US" altLang="zh-CN" sz="2000" dirty="0" smtClean="0">
+              <a:rPr lang="en-US" altLang="zh-CN" sz="2000" dirty="0">
                 <a:latin typeface="微软雅黑" panose="020B0503020204020204" pitchFamily="34" charset="-122"/>
                 <a:ea typeface="微软雅黑" panose="020B0503020204020204" pitchFamily="34" charset="-122"/>
               </a:rPr>
               <a:t>http</a:t>
             </a:r>
             <a:r>
-              <a:rPr lang="zh-CN" altLang="en-US" sz="2000" dirty="0" smtClean="0">
+              <a:rPr lang="zh-CN" altLang="en-US" sz="2000" dirty="0">
                 <a:latin typeface="微软雅黑" panose="020B0503020204020204" pitchFamily="34" charset="-122"/>
                 <a:ea typeface="微软雅黑" panose="020B0503020204020204" pitchFamily="34" charset="-122"/>
               </a:rPr>
               <a:t>请求获取数据，此时</a:t>
             </a:r>
             <a:r>
-              <a:rPr lang="en-US" altLang="zh-CN" sz="2000" dirty="0" smtClean="0">
+              <a:rPr lang="en-US" altLang="zh-CN" sz="2000" dirty="0">
                 <a:latin typeface="微软雅黑" panose="020B0503020204020204" pitchFamily="34" charset="-122"/>
                 <a:ea typeface="微软雅黑" panose="020B0503020204020204" pitchFamily="34" charset="-122"/>
               </a:rPr>
               <a:t>CURL</a:t>
             </a:r>
             <a:r>
-              <a:rPr lang="zh-CN" altLang="en-US" sz="2000" dirty="0" smtClean="0">
+              <a:rPr lang="zh-CN" altLang="en-US" sz="2000" dirty="0">
                 <a:latin typeface="微软雅黑" panose="020B0503020204020204" pitchFamily="34" charset="-122"/>
                 <a:ea typeface="微软雅黑" panose="020B0503020204020204" pitchFamily="34" charset="-122"/>
               </a:rPr>
               <a:t>就像是浏览器，提供了</a:t>
             </a:r>
             <a:r>
-              <a:rPr lang="en-US" altLang="zh-CN" sz="2000" dirty="0" smtClean="0">
+              <a:rPr lang="en-US" altLang="zh-CN" sz="2000" dirty="0">
                 <a:latin typeface="微软雅黑" panose="020B0503020204020204" pitchFamily="34" charset="-122"/>
                 <a:ea typeface="微软雅黑" panose="020B0503020204020204" pitchFamily="34" charset="-122"/>
               </a:rPr>
               <a:t>http</a:t>
             </a:r>
             <a:r>
-              <a:rPr lang="zh-CN" altLang="en-US" sz="2000" dirty="0" smtClean="0">
+              <a:rPr lang="zh-CN" altLang="en-US" sz="2000" dirty="0">
                 <a:latin typeface="微软雅黑" panose="020B0503020204020204" pitchFamily="34" charset="-122"/>
                 <a:ea typeface="微软雅黑" panose="020B0503020204020204" pitchFamily="34" charset="-122"/>
               </a:rPr>
@@ -13240,13 +13208,6 @@
   <p:clrMapOvr>
     <a:masterClrMapping/>
   </p:clrMapOvr>
-  <p:timing>
-    <p:tnLst>
-      <p:par>
-        <p:cTn id="1" dur="indefinite" restart="never" nodeType="tmRoot"/>
-      </p:par>
-    </p:tnLst>
-  </p:timing>
 </p:sld>
 </file>
 
@@ -13289,14 +13250,10 @@
           <a:p>
             <a:r>
               <a:rPr lang="zh-CN" altLang="en-US" dirty="0"/>
-              <a:t>如何</a:t>
-            </a:r>
-            <a:r>
-              <a:rPr lang="zh-CN" altLang="en-US" dirty="0" smtClean="0"/>
-              <a:t>使用</a:t>
-            </a:r>
-            <a:r>
-              <a:rPr lang="en-US" altLang="zh-CN" dirty="0" smtClean="0"/>
+              <a:t>如何使用</a:t>
+            </a:r>
+            <a:r>
+              <a:rPr lang="en-US" altLang="zh-CN" dirty="0"/>
               <a:t>CURL</a:t>
             </a:r>
             <a:endParaRPr lang="zh-CN" altLang="en-US" dirty="0"/>
@@ -13337,30 +13294,23 @@
                 <a:latin typeface="微软雅黑" panose="020B0503020204020204" pitchFamily="34" charset="-122"/>
                 <a:ea typeface="微软雅黑" panose="020B0503020204020204" pitchFamily="34" charset="-122"/>
               </a:rPr>
-              <a:t>原</a:t>
-            </a:r>
-            <a:r>
-              <a:rPr lang="zh-CN" altLang="en-US" sz="2000" dirty="0" smtClean="0">
-                <a:latin typeface="微软雅黑" panose="020B0503020204020204" pitchFamily="34" charset="-122"/>
-                <a:ea typeface="微软雅黑" panose="020B0503020204020204" pitchFamily="34" charset="-122"/>
-              </a:rPr>
-              <a:t>生</a:t>
-            </a:r>
-            <a:r>
-              <a:rPr lang="en-US" altLang="zh-CN" sz="2000" dirty="0" smtClean="0">
+              <a:t>原生</a:t>
+            </a:r>
+            <a:r>
+              <a:rPr lang="en-US" altLang="zh-CN" sz="2000" dirty="0">
                 <a:latin typeface="微软雅黑" panose="020B0503020204020204" pitchFamily="34" charset="-122"/>
                 <a:ea typeface="微软雅黑" panose="020B0503020204020204" pitchFamily="34" charset="-122"/>
               </a:rPr>
               <a:t>CURL</a:t>
             </a:r>
             <a:r>
-              <a:rPr lang="zh-CN" altLang="en-US" sz="2000" dirty="0" smtClean="0">
+              <a:rPr lang="zh-CN" altLang="en-US" sz="2000" dirty="0">
                 <a:latin typeface="微软雅黑" panose="020B0503020204020204" pitchFamily="34" charset="-122"/>
                 <a:ea typeface="微软雅黑" panose="020B0503020204020204" pitchFamily="34" charset="-122"/>
               </a:rPr>
               <a:t>的使用流程：</a:t>
             </a:r>
-            <a:endParaRPr lang="en-US" altLang="zh-CN" sz="2000" dirty="0" smtClean="0">
+            <a:endParaRPr lang="en-US" altLang="zh-CN" sz="2000" dirty="0">
               <a:latin typeface="微软雅黑" panose="020B0503020204020204" pitchFamily="34" charset="-122"/>
               <a:ea typeface="微软雅黑" panose="020B0503020204020204" pitchFamily="34" charset="-122"/>
             </a:endParaRPr>
@@ -13372,20 +13322,20 @@
               </a:lnSpc>
             </a:pPr>
             <a:r>
-              <a:rPr lang="en-US" altLang="zh-CN" sz="2000" dirty="0" err="1" smtClean="0">
+              <a:rPr lang="en-US" altLang="zh-CN" sz="2000" dirty="0" err="1">
                 <a:latin typeface="微软雅黑" panose="020B0503020204020204" pitchFamily="34" charset="-122"/>
                 <a:ea typeface="微软雅黑" panose="020B0503020204020204" pitchFamily="34" charset="-122"/>
               </a:rPr>
               <a:t>curl_init</a:t>
             </a:r>
             <a:r>
-              <a:rPr lang="zh-CN" altLang="en-US" sz="2000" dirty="0" smtClean="0">
+              <a:rPr lang="zh-CN" altLang="en-US" sz="2000" dirty="0">
                 <a:latin typeface="微软雅黑" panose="020B0503020204020204" pitchFamily="34" charset="-122"/>
                 <a:ea typeface="微软雅黑" panose="020B0503020204020204" pitchFamily="34" charset="-122"/>
               </a:rPr>
               <a:t>初始化连接</a:t>
             </a:r>
-            <a:endParaRPr lang="en-US" altLang="zh-CN" sz="2000" dirty="0" smtClean="0">
+            <a:endParaRPr lang="en-US" altLang="zh-CN" sz="2000" dirty="0">
               <a:latin typeface="微软雅黑" panose="020B0503020204020204" pitchFamily="34" charset="-122"/>
               <a:ea typeface="微软雅黑" panose="020B0503020204020204" pitchFamily="34" charset="-122"/>
             </a:endParaRPr>
@@ -13397,20 +13347,20 @@
               </a:lnSpc>
             </a:pPr>
             <a:r>
-              <a:rPr lang="en-US" altLang="zh-CN" sz="2000" dirty="0" err="1" smtClean="0">
+              <a:rPr lang="en-US" altLang="zh-CN" sz="2000" dirty="0" err="1">
                 <a:latin typeface="微软雅黑" panose="020B0503020204020204" pitchFamily="34" charset="-122"/>
                 <a:ea typeface="微软雅黑" panose="020B0503020204020204" pitchFamily="34" charset="-122"/>
               </a:rPr>
               <a:t>curl_setopt</a:t>
             </a:r>
             <a:r>
-              <a:rPr lang="zh-CN" altLang="en-US" sz="2000" dirty="0" smtClean="0">
+              <a:rPr lang="zh-CN" altLang="en-US" sz="2000" dirty="0">
                 <a:latin typeface="微软雅黑" panose="020B0503020204020204" pitchFamily="34" charset="-122"/>
                 <a:ea typeface="微软雅黑" panose="020B0503020204020204" pitchFamily="34" charset="-122"/>
               </a:rPr>
               <a:t>设置选项值</a:t>
             </a:r>
-            <a:endParaRPr lang="en-US" altLang="zh-CN" sz="2000" dirty="0" smtClean="0">
+            <a:endParaRPr lang="en-US" altLang="zh-CN" sz="2000" dirty="0">
               <a:latin typeface="微软雅黑" panose="020B0503020204020204" pitchFamily="34" charset="-122"/>
               <a:ea typeface="微软雅黑" panose="020B0503020204020204" pitchFamily="34" charset="-122"/>
             </a:endParaRPr>
@@ -13422,20 +13372,20 @@
               </a:lnSpc>
             </a:pPr>
             <a:r>
-              <a:rPr lang="en-US" altLang="zh-CN" sz="2000" dirty="0" err="1" smtClean="0">
+              <a:rPr lang="en-US" altLang="zh-CN" sz="2000" dirty="0" err="1">
                 <a:latin typeface="微软雅黑" panose="020B0503020204020204" pitchFamily="34" charset="-122"/>
                 <a:ea typeface="微软雅黑" panose="020B0503020204020204" pitchFamily="34" charset="-122"/>
               </a:rPr>
               <a:t>curl_exec</a:t>
             </a:r>
             <a:r>
-              <a:rPr lang="zh-CN" altLang="en-US" sz="2000" dirty="0" smtClean="0">
+              <a:rPr lang="zh-CN" altLang="en-US" sz="2000" dirty="0">
                 <a:latin typeface="微软雅黑" panose="020B0503020204020204" pitchFamily="34" charset="-122"/>
                 <a:ea typeface="微软雅黑" panose="020B0503020204020204" pitchFamily="34" charset="-122"/>
               </a:rPr>
               <a:t>运行连接结果</a:t>
             </a:r>
-            <a:endParaRPr lang="en-US" altLang="zh-CN" sz="2000" dirty="0" smtClean="0">
+            <a:endParaRPr lang="en-US" altLang="zh-CN" sz="2000" dirty="0">
               <a:latin typeface="微软雅黑" panose="020B0503020204020204" pitchFamily="34" charset="-122"/>
               <a:ea typeface="微软雅黑" panose="020B0503020204020204" pitchFamily="34" charset="-122"/>
             </a:endParaRPr>
@@ -13447,20 +13397,20 @@
               </a:lnSpc>
             </a:pPr>
             <a:r>
-              <a:rPr lang="en-US" altLang="zh-CN" sz="2000" dirty="0" err="1" smtClean="0">
+              <a:rPr lang="en-US" altLang="zh-CN" sz="2000" dirty="0" err="1">
                 <a:latin typeface="微软雅黑" panose="020B0503020204020204" pitchFamily="34" charset="-122"/>
                 <a:ea typeface="微软雅黑" panose="020B0503020204020204" pitchFamily="34" charset="-122"/>
               </a:rPr>
               <a:t>curl_close</a:t>
             </a:r>
             <a:r>
-              <a:rPr lang="zh-CN" altLang="en-US" sz="2000" dirty="0" smtClean="0">
+              <a:rPr lang="zh-CN" altLang="en-US" sz="2000" dirty="0">
                 <a:latin typeface="微软雅黑" panose="020B0503020204020204" pitchFamily="34" charset="-122"/>
                 <a:ea typeface="微软雅黑" panose="020B0503020204020204" pitchFamily="34" charset="-122"/>
               </a:rPr>
               <a:t>关闭连接。</a:t>
             </a:r>
-            <a:endParaRPr lang="en-US" altLang="zh-CN" sz="2000" dirty="0" smtClean="0">
+            <a:endParaRPr lang="en-US" altLang="zh-CN" sz="2000" dirty="0">
               <a:latin typeface="微软雅黑" panose="020B0503020204020204" pitchFamily="34" charset="-122"/>
               <a:ea typeface="微软雅黑" panose="020B0503020204020204" pitchFamily="34" charset="-122"/>
             </a:endParaRPr>
@@ -13476,16 +13426,9 @@
                 <a:latin typeface="微软雅黑" panose="020B0503020204020204" pitchFamily="34" charset="-122"/>
                 <a:ea typeface="微软雅黑" panose="020B0503020204020204" pitchFamily="34" charset="-122"/>
               </a:rPr>
-              <a:t>输出</a:t>
-            </a:r>
-            <a:r>
-              <a:rPr lang="zh-CN" altLang="en-US" sz="2000" dirty="0" smtClean="0">
-                <a:latin typeface="微软雅黑" panose="020B0503020204020204" pitchFamily="34" charset="-122"/>
-                <a:ea typeface="微软雅黑" panose="020B0503020204020204" pitchFamily="34" charset="-122"/>
-              </a:rPr>
-              <a:t>结果。</a:t>
-            </a:r>
-            <a:endParaRPr lang="en-US" altLang="zh-CN" sz="2000" dirty="0" smtClean="0">
+              <a:t>输出结果。</a:t>
+            </a:r>
+            <a:endParaRPr lang="en-US" altLang="zh-CN" sz="2000" dirty="0">
               <a:latin typeface="微软雅黑" panose="020B0503020204020204" pitchFamily="34" charset="-122"/>
               <a:ea typeface="微软雅黑" panose="020B0503020204020204" pitchFamily="34" charset="-122"/>
             </a:endParaRPr>
@@ -13496,7 +13439,7 @@
                 <a:spcPct val="150000"/>
               </a:lnSpc>
             </a:pPr>
-            <a:endParaRPr lang="en-US" altLang="zh-CN" dirty="0" smtClean="0">
+            <a:endParaRPr lang="en-US" altLang="zh-CN" dirty="0">
               <a:latin typeface="微软雅黑" panose="020B0503020204020204" pitchFamily="34" charset="-122"/>
               <a:ea typeface="微软雅黑" panose="020B0503020204020204" pitchFamily="34" charset="-122"/>
             </a:endParaRPr>
@@ -13555,21 +13498,16 @@
           <a:p>
             <a:r>
               <a:rPr lang="zh-CN" altLang="en-US" dirty="0"/>
-              <a:t>原</a:t>
-            </a:r>
-            <a:r>
-              <a:rPr lang="zh-CN" altLang="en-US" dirty="0" smtClean="0"/>
-              <a:t>生</a:t>
-            </a:r>
-            <a:r>
-              <a:rPr lang="en-US" altLang="zh-CN" dirty="0" smtClean="0"/>
+              <a:t>原生</a:t>
+            </a:r>
+            <a:r>
+              <a:rPr lang="en-US" altLang="zh-CN" dirty="0"/>
               <a:t>CURL</a:t>
             </a:r>
             <a:r>
-              <a:rPr lang="zh-CN" altLang="en-US" dirty="0" smtClean="0"/>
+              <a:rPr lang="zh-CN" altLang="en-US" dirty="0"/>
               <a:t>示例</a:t>
             </a:r>
-            <a:endParaRPr lang="zh-CN" altLang="en-US" dirty="0"/>
           </a:p>
         </p:txBody>
       </p:sp>
@@ -13601,7 +13539,7 @@
               </a:lnSpc>
             </a:pPr>
             <a:r>
-              <a:rPr lang="en-US" altLang="zh-CN" dirty="0" smtClean="0">
+              <a:rPr lang="en-US" altLang="zh-CN" dirty="0">
                 <a:latin typeface="Microsoft JhengHei" panose="020B0604030504040204" pitchFamily="34" charset="-120"/>
                 <a:ea typeface="Microsoft JhengHei" panose="020B0604030504040204" pitchFamily="34" charset="-120"/>
               </a:rPr>
@@ -13640,19 +13578,8 @@
                 <a:latin typeface="Microsoft JhengHei" panose="020B0604030504040204" pitchFamily="34" charset="-120"/>
                 <a:ea typeface="Microsoft JhengHei" panose="020B0604030504040204" pitchFamily="34" charset="-120"/>
               </a:rPr>
-              <a:t>('http://www.baidu.com</a:t>
-            </a:r>
-            <a:r>
-              <a:rPr lang="en-US" altLang="zh-CN" dirty="0" smtClean="0">
-                <a:latin typeface="Microsoft JhengHei" panose="020B0604030504040204" pitchFamily="34" charset="-120"/>
-                <a:ea typeface="Microsoft JhengHei" panose="020B0604030504040204" pitchFamily="34" charset="-120"/>
-              </a:rPr>
-              <a:t>');</a:t>
-            </a:r>
-            <a:endParaRPr lang="en-US" altLang="zh-CN" dirty="0">
-              <a:latin typeface="Microsoft JhengHei" panose="020B0604030504040204" pitchFamily="34" charset="-120"/>
-              <a:ea typeface="Microsoft JhengHei" panose="020B0604030504040204" pitchFamily="34" charset="-120"/>
-            </a:endParaRPr>
+              <a:t>('http://www.baidu.com');</a:t>
+            </a:r>
           </a:p>
           <a:p>
             <a:pPr>
@@ -13724,16 +13651,12 @@
               <a:t>c,CURLOPT_RETURNTRANSFER,true</a:t>
             </a:r>
             <a:r>
-              <a:rPr lang="en-US" altLang="zh-CN" dirty="0" smtClean="0">
+              <a:rPr lang="en-US" altLang="zh-CN" dirty="0">
                 <a:latin typeface="Microsoft JhengHei" panose="020B0604030504040204" pitchFamily="34" charset="-120"/>
                 <a:ea typeface="Microsoft JhengHei" panose="020B0604030504040204" pitchFamily="34" charset="-120"/>
               </a:rPr>
               <a:t>);</a:t>
             </a:r>
-            <a:endParaRPr lang="en-US" altLang="zh-CN" dirty="0">
-              <a:latin typeface="Microsoft JhengHei" panose="020B0604030504040204" pitchFamily="34" charset="-120"/>
-              <a:ea typeface="Microsoft JhengHei" panose="020B0604030504040204" pitchFamily="34" charset="-120"/>
-            </a:endParaRPr>
           </a:p>
           <a:p>
             <a:pPr>
@@ -13840,16 +13763,12 @@
               <a:t>c,CURLOPT_SSL_VERIFYPEER,false</a:t>
             </a:r>
             <a:r>
-              <a:rPr lang="en-US" altLang="zh-CN" dirty="0" smtClean="0">
+              <a:rPr lang="en-US" altLang="zh-CN" dirty="0">
                 <a:latin typeface="Microsoft JhengHei" panose="020B0604030504040204" pitchFamily="34" charset="-120"/>
                 <a:ea typeface="Microsoft JhengHei" panose="020B0604030504040204" pitchFamily="34" charset="-120"/>
               </a:rPr>
               <a:t>);</a:t>
             </a:r>
-            <a:endParaRPr lang="en-US" altLang="zh-CN" dirty="0">
-              <a:latin typeface="Microsoft JhengHei" panose="020B0604030504040204" pitchFamily="34" charset="-120"/>
-              <a:ea typeface="Microsoft JhengHei" panose="020B0604030504040204" pitchFamily="34" charset="-120"/>
-            </a:endParaRPr>
           </a:p>
           <a:p>
             <a:pPr>
@@ -13897,19 +13816,8 @@
                 <a:latin typeface="Microsoft JhengHei" panose="020B0604030504040204" pitchFamily="34" charset="-120"/>
                 <a:ea typeface="Microsoft JhengHei" panose="020B0604030504040204" pitchFamily="34" charset="-120"/>
               </a:rPr>
-              <a:t>($c</a:t>
-            </a:r>
-            <a:r>
-              <a:rPr lang="en-US" altLang="zh-CN" dirty="0" smtClean="0">
-                <a:latin typeface="Microsoft JhengHei" panose="020B0604030504040204" pitchFamily="34" charset="-120"/>
-                <a:ea typeface="Microsoft JhengHei" panose="020B0604030504040204" pitchFamily="34" charset="-120"/>
-              </a:rPr>
-              <a:t>);</a:t>
-            </a:r>
-            <a:endParaRPr lang="en-US" altLang="zh-CN" dirty="0">
-              <a:latin typeface="Microsoft JhengHei" panose="020B0604030504040204" pitchFamily="34" charset="-120"/>
-              <a:ea typeface="Microsoft JhengHei" panose="020B0604030504040204" pitchFamily="34" charset="-120"/>
-            </a:endParaRPr>
+              <a:t>($c);</a:t>
+            </a:r>
           </a:p>
           <a:p>
             <a:pPr>
@@ -13950,19 +13858,8 @@
                 <a:latin typeface="Microsoft JhengHei" panose="020B0604030504040204" pitchFamily="34" charset="-120"/>
                 <a:ea typeface="Microsoft JhengHei" panose="020B0604030504040204" pitchFamily="34" charset="-120"/>
               </a:rPr>
-              <a:t>($c</a:t>
-            </a:r>
-            <a:r>
-              <a:rPr lang="en-US" altLang="zh-CN" dirty="0" smtClean="0">
-                <a:latin typeface="Microsoft JhengHei" panose="020B0604030504040204" pitchFamily="34" charset="-120"/>
-                <a:ea typeface="Microsoft JhengHei" panose="020B0604030504040204" pitchFamily="34" charset="-120"/>
-              </a:rPr>
-              <a:t>);</a:t>
-            </a:r>
-            <a:endParaRPr lang="en-US" altLang="zh-CN" dirty="0">
-              <a:latin typeface="Microsoft JhengHei" panose="020B0604030504040204" pitchFamily="34" charset="-120"/>
-              <a:ea typeface="Microsoft JhengHei" panose="020B0604030504040204" pitchFamily="34" charset="-120"/>
-            </a:endParaRPr>
+              <a:t>($c);</a:t>
+            </a:r>
           </a:p>
           <a:p>
             <a:pPr>
@@ -14015,19 +13912,8 @@
                 <a:latin typeface="微软雅黑" panose="020B0503020204020204" pitchFamily="34" charset="-122"/>
                 <a:ea typeface="微软雅黑" panose="020B0503020204020204" pitchFamily="34" charset="-122"/>
               </a:rPr>
-              <a:t>运行</a:t>
-            </a:r>
-            <a:r>
-              <a:rPr lang="zh-CN" altLang="en-US" sz="2000" dirty="0" smtClean="0">
-                <a:latin typeface="微软雅黑" panose="020B0503020204020204" pitchFamily="34" charset="-122"/>
-                <a:ea typeface="微软雅黑" panose="020B0503020204020204" pitchFamily="34" charset="-122"/>
-              </a:rPr>
-              <a:t>此示例会显示百度搜索页面。</a:t>
-            </a:r>
-            <a:endParaRPr lang="zh-CN" altLang="en-US" sz="2000" dirty="0">
-              <a:latin typeface="微软雅黑" panose="020B0503020204020204" pitchFamily="34" charset="-122"/>
-              <a:ea typeface="微软雅黑" panose="020B0503020204020204" pitchFamily="34" charset="-122"/>
-            </a:endParaRPr>
+              <a:t>运行此示例会显示百度搜索页面。</a:t>
+            </a:r>
           </a:p>
         </p:txBody>
       </p:sp>
@@ -14041,13 +13927,6 @@
   <p:clrMapOvr>
     <a:masterClrMapping/>
   </p:clrMapOvr>
-  <p:timing>
-    <p:tnLst>
-      <p:par>
-        <p:cTn id="1" dur="indefinite" restart="never" nodeType="tmRoot"/>
-      </p:par>
-    </p:tnLst>
-  </p:timing>
 </p:sld>
 </file>
 
@@ -14084,10 +13963,9 @@
           <a:lstStyle/>
           <a:p>
             <a:r>
-              <a:rPr lang="zh-CN" altLang="en-US" dirty="0" smtClean="0"/>
+              <a:rPr lang="zh-CN" altLang="en-US" dirty="0"/>
               <a:t>使用第三方扩展库</a:t>
             </a:r>
-            <a:endParaRPr lang="zh-CN" altLang="en-US" dirty="0"/>
           </a:p>
         </p:txBody>
       </p:sp>
@@ -14118,21 +13996,21 @@
               <a:buChar char="•"/>
             </a:pPr>
             <a:r>
-              <a:rPr lang="zh-CN" altLang="en-US" sz="2000" dirty="0" smtClean="0">
+              <a:rPr lang="zh-CN" altLang="en-US" sz="2000" dirty="0">
                 <a:latin typeface="微软雅黑" panose="020B0503020204020204" pitchFamily="34" charset="-122"/>
                 <a:ea typeface="微软雅黑" panose="020B0503020204020204" pitchFamily="34" charset="-122"/>
               </a:rPr>
               <a:t>使用</a:t>
             </a:r>
             <a:r>
-              <a:rPr lang="en-US" altLang="zh-CN" sz="2000" dirty="0" err="1" smtClean="0">
+              <a:rPr lang="en-US" altLang="zh-CN" sz="2000" dirty="0" err="1">
                 <a:latin typeface="微软雅黑" panose="020B0503020204020204" pitchFamily="34" charset="-122"/>
                 <a:ea typeface="微软雅黑" panose="020B0503020204020204" pitchFamily="34" charset="-122"/>
               </a:rPr>
               <a:t>anlutro</a:t>
             </a:r>
             <a:r>
-              <a:rPr lang="en-US" altLang="zh-CN" sz="2000" dirty="0" smtClean="0">
+              <a:rPr lang="en-US" altLang="zh-CN" sz="2000" dirty="0">
                 <a:latin typeface="微软雅黑" panose="020B0503020204020204" pitchFamily="34" charset="-122"/>
                 <a:ea typeface="微软雅黑" panose="020B0503020204020204" pitchFamily="34" charset="-122"/>
               </a:rPr>
@@ -14146,24 +14024,17 @@
                 <a:latin typeface="微软雅黑" panose="020B0503020204020204" pitchFamily="34" charset="-122"/>
                 <a:ea typeface="微软雅黑" panose="020B0503020204020204" pitchFamily="34" charset="-122"/>
               </a:rPr>
-              <a:t>composer </a:t>
-            </a:r>
-            <a:r>
-              <a:rPr lang="en-US" altLang="zh-CN" sz="2000" dirty="0" smtClean="0">
-                <a:latin typeface="微软雅黑" panose="020B0503020204020204" pitchFamily="34" charset="-122"/>
-                <a:ea typeface="微软雅黑" panose="020B0503020204020204" pitchFamily="34" charset="-122"/>
-              </a:rPr>
-              <a:t>require </a:t>
-            </a:r>
-            <a:r>
-              <a:rPr lang="en-US" altLang="zh-CN" sz="2000" dirty="0" err="1" smtClean="0">
+              <a:t>composer require </a:t>
+            </a:r>
+            <a:r>
+              <a:rPr lang="en-US" altLang="zh-CN" sz="2000" dirty="0" err="1">
                 <a:latin typeface="微软雅黑" panose="020B0503020204020204" pitchFamily="34" charset="-122"/>
                 <a:ea typeface="微软雅黑" panose="020B0503020204020204" pitchFamily="34" charset="-122"/>
               </a:rPr>
               <a:t>anlutro</a:t>
             </a:r>
             <a:r>
-              <a:rPr lang="en-US" altLang="zh-CN" sz="2000" dirty="0" smtClean="0">
+              <a:rPr lang="en-US" altLang="zh-CN" sz="2000" dirty="0">
                 <a:latin typeface="微软雅黑" panose="020B0503020204020204" pitchFamily="34" charset="-122"/>
                 <a:ea typeface="微软雅黑" panose="020B0503020204020204" pitchFamily="34" charset="-122"/>
               </a:rPr>
@@ -14176,13 +14047,13 @@
               <a:buChar char="•"/>
             </a:pPr>
             <a:r>
-              <a:rPr lang="zh-CN" altLang="en-US" sz="2000" dirty="0" smtClean="0">
+              <a:rPr lang="zh-CN" altLang="en-US" sz="2000" dirty="0">
                 <a:latin typeface="微软雅黑" panose="020B0503020204020204" pitchFamily="34" charset="-122"/>
                 <a:ea typeface="微软雅黑" panose="020B0503020204020204" pitchFamily="34" charset="-122"/>
               </a:rPr>
               <a:t>示例代码：</a:t>
             </a:r>
-            <a:endParaRPr lang="en-US" altLang="zh-CN" sz="2000" dirty="0" smtClean="0">
+            <a:endParaRPr lang="en-US" altLang="zh-CN" sz="2000" dirty="0">
               <a:latin typeface="微软雅黑" panose="020B0503020204020204" pitchFamily="34" charset="-122"/>
               <a:ea typeface="微软雅黑" panose="020B0503020204020204" pitchFamily="34" charset="-122"/>
             </a:endParaRPr>
@@ -14201,51 +14072,47 @@
               <a:t>use </a:t>
             </a:r>
             <a:r>
-              <a:rPr lang="en-US" altLang="zh-CN" sz="2000" dirty="0" err="1" smtClean="0">
+              <a:rPr lang="en-US" altLang="zh-CN" sz="2000" dirty="0" err="1">
                 <a:latin typeface="Microsoft JhengHei" panose="020B0604030504040204" pitchFamily="34" charset="-120"/>
                 <a:ea typeface="Microsoft JhengHei" panose="020B0604030504040204" pitchFamily="34" charset="-120"/>
               </a:rPr>
               <a:t>anlutro</a:t>
             </a:r>
             <a:r>
-              <a:rPr lang="en-US" altLang="zh-CN" sz="2000" dirty="0" smtClean="0">
+              <a:rPr lang="en-US" altLang="zh-CN" sz="2000" dirty="0">
                 <a:latin typeface="Microsoft JhengHei" panose="020B0604030504040204" pitchFamily="34" charset="-120"/>
                 <a:ea typeface="Microsoft JhengHei" panose="020B0604030504040204" pitchFamily="34" charset="-120"/>
               </a:rPr>
               <a:t>\</a:t>
             </a:r>
             <a:r>
-              <a:rPr lang="en-US" altLang="zh-CN" sz="2000" dirty="0" err="1" smtClean="0">
+              <a:rPr lang="en-US" altLang="zh-CN" sz="2000" dirty="0" err="1">
                 <a:latin typeface="Microsoft JhengHei" panose="020B0604030504040204" pitchFamily="34" charset="-120"/>
                 <a:ea typeface="Microsoft JhengHei" panose="020B0604030504040204" pitchFamily="34" charset="-120"/>
               </a:rPr>
               <a:t>cURL</a:t>
             </a:r>
             <a:r>
-              <a:rPr lang="en-US" altLang="zh-CN" sz="2000" dirty="0" smtClean="0">
+              <a:rPr lang="en-US" altLang="zh-CN" sz="2000" dirty="0">
                 <a:latin typeface="Microsoft JhengHei" panose="020B0604030504040204" pitchFamily="34" charset="-120"/>
                 <a:ea typeface="Microsoft JhengHei" panose="020B0604030504040204" pitchFamily="34" charset="-120"/>
               </a:rPr>
               <a:t>\</a:t>
             </a:r>
             <a:r>
-              <a:rPr lang="en-US" altLang="zh-CN" sz="2000" dirty="0" err="1" smtClean="0">
+              <a:rPr lang="en-US" altLang="zh-CN" sz="2000" dirty="0" err="1">
                 <a:latin typeface="Microsoft JhengHei" panose="020B0604030504040204" pitchFamily="34" charset="-120"/>
                 <a:ea typeface="Microsoft JhengHei" panose="020B0604030504040204" pitchFamily="34" charset="-120"/>
               </a:rPr>
               <a:t>cURL</a:t>
             </a:r>
             <a:r>
-              <a:rPr lang="en-US" altLang="zh-CN" sz="2000" dirty="0" smtClean="0">
+              <a:rPr lang="en-US" altLang="zh-CN" sz="2000" dirty="0">
                 <a:latin typeface="Microsoft JhengHei" panose="020B0604030504040204" pitchFamily="34" charset="-120"/>
                 <a:ea typeface="Microsoft JhengHei" panose="020B0604030504040204" pitchFamily="34" charset="-120"/>
               </a:rPr>
               <a:t>;</a:t>
             </a:r>
-            <a:endParaRPr lang="en-US" altLang="zh-CN" sz="2000" dirty="0">
-              <a:latin typeface="Microsoft JhengHei" panose="020B0604030504040204" pitchFamily="34" charset="-120"/>
-              <a:ea typeface="Microsoft JhengHei" panose="020B0604030504040204" pitchFamily="34" charset="-120"/>
-            </a:endParaRPr>
           </a:p>
           <a:p>
             <a:pPr lvl="1">
@@ -14289,35 +14156,35 @@
               <a:t>$curl = new </a:t>
             </a:r>
             <a:r>
-              <a:rPr lang="en-US" altLang="zh-CN" sz="2000" dirty="0" err="1" smtClean="0">
+              <a:rPr lang="en-US" altLang="zh-CN" sz="2000" dirty="0" err="1">
                 <a:latin typeface="Microsoft JhengHei" panose="020B0604030504040204" pitchFamily="34" charset="-120"/>
                 <a:ea typeface="Microsoft JhengHei" panose="020B0604030504040204" pitchFamily="34" charset="-120"/>
               </a:rPr>
               <a:t>anlutro</a:t>
             </a:r>
             <a:r>
-              <a:rPr lang="en-US" altLang="zh-CN" sz="2000" dirty="0" smtClean="0">
+              <a:rPr lang="en-US" altLang="zh-CN" sz="2000" dirty="0">
                 <a:latin typeface="Microsoft JhengHei" panose="020B0604030504040204" pitchFamily="34" charset="-120"/>
                 <a:ea typeface="Microsoft JhengHei" panose="020B0604030504040204" pitchFamily="34" charset="-120"/>
               </a:rPr>
               <a:t>\</a:t>
             </a:r>
             <a:r>
-              <a:rPr lang="en-US" altLang="zh-CN" sz="2000" dirty="0" err="1" smtClean="0">
+              <a:rPr lang="en-US" altLang="zh-CN" sz="2000" dirty="0" err="1">
                 <a:latin typeface="Microsoft JhengHei" panose="020B0604030504040204" pitchFamily="34" charset="-120"/>
                 <a:ea typeface="Microsoft JhengHei" panose="020B0604030504040204" pitchFamily="34" charset="-120"/>
               </a:rPr>
               <a:t>cURL</a:t>
             </a:r>
             <a:r>
-              <a:rPr lang="en-US" altLang="zh-CN" sz="2000" dirty="0" smtClean="0">
+              <a:rPr lang="en-US" altLang="zh-CN" sz="2000" dirty="0">
                 <a:latin typeface="Microsoft JhengHei" panose="020B0604030504040204" pitchFamily="34" charset="-120"/>
                 <a:ea typeface="Microsoft JhengHei" panose="020B0604030504040204" pitchFamily="34" charset="-120"/>
               </a:rPr>
               <a:t>\</a:t>
             </a:r>
             <a:r>
-              <a:rPr lang="en-US" altLang="zh-CN" sz="2000" dirty="0" err="1" smtClean="0">
+              <a:rPr lang="en-US" altLang="zh-CN" sz="2000" dirty="0" err="1">
                 <a:latin typeface="Microsoft JhengHei" panose="020B0604030504040204" pitchFamily="34" charset="-120"/>
                 <a:ea typeface="Microsoft JhengHei" panose="020B0604030504040204" pitchFamily="34" charset="-120"/>
               </a:rPr>
@@ -14384,14 +14251,7 @@
                 <a:latin typeface="Microsoft JhengHei" panose="020B0604030504040204" pitchFamily="34" charset="-120"/>
                 <a:ea typeface="Microsoft JhengHei" panose="020B0604030504040204" pitchFamily="34" charset="-120"/>
               </a:rPr>
-              <a:t>  </a:t>
-            </a:r>
-            <a:r>
-              <a:rPr lang="en-US" altLang="zh-CN" sz="2000" dirty="0" smtClean="0">
-                <a:latin typeface="Microsoft JhengHei" panose="020B0604030504040204" pitchFamily="34" charset="-120"/>
-                <a:ea typeface="Microsoft JhengHei" panose="020B0604030504040204" pitchFamily="34" charset="-120"/>
-              </a:rPr>
-              <a:t>    -&gt;</a:t>
+              <a:t>      -&gt;</a:t>
             </a:r>
             <a:r>
               <a:rPr lang="en-US" altLang="zh-CN" sz="2000" dirty="0" err="1">
@@ -14419,14 +14279,7 @@
                 <a:latin typeface="Microsoft JhengHei" panose="020B0604030504040204" pitchFamily="34" charset="-120"/>
                 <a:ea typeface="Microsoft JhengHei" panose="020B0604030504040204" pitchFamily="34" charset="-120"/>
               </a:rPr>
-              <a:t>  </a:t>
-            </a:r>
-            <a:r>
-              <a:rPr lang="en-US" altLang="zh-CN" sz="2000" dirty="0" smtClean="0">
-                <a:latin typeface="Microsoft JhengHei" panose="020B0604030504040204" pitchFamily="34" charset="-120"/>
-                <a:ea typeface="Microsoft JhengHei" panose="020B0604030504040204" pitchFamily="34" charset="-120"/>
-              </a:rPr>
-              <a:t>    -&gt;</a:t>
+              <a:t>      -&gt;</a:t>
             </a:r>
             <a:r>
               <a:rPr lang="en-US" altLang="zh-CN" sz="2000" dirty="0" err="1">
@@ -14454,14 +14307,7 @@
                 <a:latin typeface="Microsoft JhengHei" panose="020B0604030504040204" pitchFamily="34" charset="-120"/>
                 <a:ea typeface="Microsoft JhengHei" panose="020B0604030504040204" pitchFamily="34" charset="-120"/>
               </a:rPr>
-              <a:t>  </a:t>
-            </a:r>
-            <a:r>
-              <a:rPr lang="en-US" altLang="zh-CN" sz="2000" dirty="0" smtClean="0">
-                <a:latin typeface="Microsoft JhengHei" panose="020B0604030504040204" pitchFamily="34" charset="-120"/>
-                <a:ea typeface="Microsoft JhengHei" panose="020B0604030504040204" pitchFamily="34" charset="-120"/>
-              </a:rPr>
-              <a:t>    -&gt;</a:t>
+              <a:t>      -&gt;</a:t>
             </a:r>
             <a:r>
               <a:rPr lang="en-US" altLang="zh-CN" sz="2000" dirty="0" err="1">
@@ -14503,19 +14349,8 @@
                 <a:latin typeface="Microsoft JhengHei" panose="020B0604030504040204" pitchFamily="34" charset="-120"/>
                 <a:ea typeface="Microsoft JhengHei" panose="020B0604030504040204" pitchFamily="34" charset="-120"/>
               </a:rPr>
-              <a:t>echo $response</a:t>
-            </a:r>
-            <a:r>
-              <a:rPr lang="en-US" altLang="zh-CN" sz="2000" dirty="0" smtClean="0">
-                <a:latin typeface="Microsoft JhengHei" panose="020B0604030504040204" pitchFamily="34" charset="-120"/>
-                <a:ea typeface="Microsoft JhengHei" panose="020B0604030504040204" pitchFamily="34" charset="-120"/>
-              </a:rPr>
-              <a:t>;</a:t>
-            </a:r>
-            <a:endParaRPr lang="en-US" altLang="zh-CN" sz="2000" dirty="0">
-              <a:latin typeface="Microsoft JhengHei" panose="020B0604030504040204" pitchFamily="34" charset="-120"/>
-              <a:ea typeface="Microsoft JhengHei" panose="020B0604030504040204" pitchFamily="34" charset="-120"/>
-            </a:endParaRPr>
+              <a:t>echo $response;</a:t>
+            </a:r>
           </a:p>
           <a:p>
             <a:pPr marL="342900" indent="-342900">
@@ -14526,27 +14361,27 @@
               <a:buChar char="•"/>
             </a:pPr>
             <a:r>
-              <a:rPr lang="zh-CN" altLang="en-US" sz="2000" dirty="0" smtClean="0">
+              <a:rPr lang="zh-CN" altLang="en-US" sz="2000" dirty="0">
                 <a:latin typeface="Microsoft JhengHei" panose="020B0604030504040204" pitchFamily="34" charset="-120"/>
                 <a:ea typeface="Microsoft JhengHei" panose="020B0604030504040204" pitchFamily="34" charset="-120"/>
               </a:rPr>
               <a:t>运行此代码显示</a:t>
             </a:r>
             <a:r>
-              <a:rPr lang="en-US" altLang="zh-CN" sz="2000" dirty="0" smtClean="0">
+              <a:rPr lang="en-US" altLang="zh-CN" sz="2000" dirty="0">
                 <a:latin typeface="Microsoft JhengHei" panose="020B0604030504040204" pitchFamily="34" charset="-120"/>
                 <a:ea typeface="Microsoft JhengHei" panose="020B0604030504040204" pitchFamily="34" charset="-120"/>
               </a:rPr>
               <a:t>PHP</a:t>
             </a:r>
             <a:r>
-              <a:rPr lang="zh-CN" altLang="en-US" sz="2000" dirty="0" smtClean="0">
+              <a:rPr lang="zh-CN" altLang="en-US" sz="2000" dirty="0">
                 <a:latin typeface="Microsoft JhengHei" panose="020B0604030504040204" pitchFamily="34" charset="-120"/>
                 <a:ea typeface="Microsoft JhengHei" panose="020B0604030504040204" pitchFamily="34" charset="-120"/>
               </a:rPr>
               <a:t>官方网站页面</a:t>
             </a:r>
-            <a:endParaRPr lang="en-US" altLang="zh-CN" sz="2000" dirty="0" smtClean="0">
+            <a:endParaRPr lang="en-US" altLang="zh-CN" sz="2000" dirty="0">
               <a:latin typeface="Microsoft JhengHei" panose="020B0604030504040204" pitchFamily="34" charset="-120"/>
               <a:ea typeface="Microsoft JhengHei" panose="020B0604030504040204" pitchFamily="34" charset="-120"/>
             </a:endParaRPr>
@@ -14599,14 +14434,13 @@
           <a:lstStyle/>
           <a:p>
             <a:r>
-              <a:rPr lang="en-US" altLang="zh-CN" dirty="0" smtClean="0"/>
+              <a:rPr lang="en-US" altLang="zh-CN" dirty="0"/>
               <a:t>CURL</a:t>
             </a:r>
             <a:r>
-              <a:rPr lang="zh-CN" altLang="en-US" dirty="0" smtClean="0"/>
+              <a:rPr lang="zh-CN" altLang="en-US" dirty="0"/>
               <a:t>上传文件</a:t>
             </a:r>
-            <a:endParaRPr lang="zh-CN" altLang="en-US" dirty="0"/>
           </a:p>
         </p:txBody>
       </p:sp>
@@ -14655,27 +14489,27 @@
           </a:p>
           <a:p>
             <a:r>
-              <a:rPr lang="en-US" altLang="zh-CN" dirty="0" smtClean="0"/>
+              <a:rPr lang="en-US" altLang="zh-CN" dirty="0"/>
               <a:t>//</a:t>
             </a:r>
             <a:r>
-              <a:rPr lang="zh-CN" altLang="en-US" dirty="0" smtClean="0"/>
+              <a:rPr lang="zh-CN" altLang="en-US" dirty="0"/>
               <a:t>创建</a:t>
             </a:r>
             <a:r>
-              <a:rPr lang="en-US" altLang="zh-CN" dirty="0" smtClean="0"/>
+              <a:rPr lang="en-US" altLang="zh-CN" dirty="0"/>
               <a:t>CURL</a:t>
             </a:r>
             <a:r>
-              <a:rPr lang="zh-CN" altLang="en-US" dirty="0" smtClean="0"/>
+              <a:rPr lang="zh-CN" altLang="en-US" dirty="0"/>
               <a:t>文件对象，用于</a:t>
             </a:r>
             <a:r>
-              <a:rPr lang="en-US" altLang="zh-CN" dirty="0" smtClean="0"/>
+              <a:rPr lang="en-US" altLang="zh-CN" dirty="0"/>
               <a:t>CURL</a:t>
             </a:r>
             <a:r>
-              <a:rPr lang="zh-CN" altLang="en-US" dirty="0" smtClean="0"/>
+              <a:rPr lang="zh-CN" altLang="en-US" dirty="0"/>
               <a:t>上传文件</a:t>
             </a:r>
             <a:endParaRPr lang="en-US" altLang="zh-CN" dirty="0"/>
@@ -14791,25 +14625,25 @@
               <a:t>ch,CURLOPT_SSL_VERIFYPEER,false</a:t>
             </a:r>
             <a:r>
-              <a:rPr lang="en-US" altLang="zh-CN" dirty="0" smtClean="0"/>
+              <a:rPr lang="en-US" altLang="zh-CN" dirty="0"/>
               <a:t>);</a:t>
             </a:r>
           </a:p>
           <a:p>
             <a:r>
-              <a:rPr lang="en-US" altLang="zh-CN" i="1" dirty="0" smtClean="0"/>
+              <a:rPr lang="en-US" altLang="zh-CN" i="1" dirty="0"/>
               <a:t>//</a:t>
             </a:r>
             <a:r>
-              <a:rPr lang="zh-CN" altLang="en-US" i="1" dirty="0" smtClean="0"/>
+              <a:rPr lang="zh-CN" altLang="en-US" i="1" dirty="0"/>
               <a:t>设置使用</a:t>
             </a:r>
             <a:r>
-              <a:rPr lang="en-US" altLang="zh-CN" i="1" dirty="0" smtClean="0"/>
+              <a:rPr lang="en-US" altLang="zh-CN" i="1" dirty="0"/>
               <a:t>POST</a:t>
             </a:r>
             <a:r>
-              <a:rPr lang="zh-CN" altLang="en-US" i="1" dirty="0" smtClean="0"/>
+              <a:rPr lang="zh-CN" altLang="en-US" i="1" dirty="0"/>
               <a:t>提交数据</a:t>
             </a:r>
             <a:endParaRPr lang="en-US" altLang="zh-CN" i="1" dirty="0"/>
@@ -14829,20 +14663,16 @@
             </a:r>
             <a:r>
               <a:rPr lang="en-US" altLang="zh-CN" dirty="0"/>
-              <a:t>, CURLOPT_POST, true</a:t>
-            </a:r>
-            <a:r>
-              <a:rPr lang="en-US" altLang="zh-CN" dirty="0" smtClean="0"/>
-              <a:t>);</a:t>
-            </a:r>
-          </a:p>
-          <a:p>
-            <a:r>
-              <a:rPr lang="en-US" altLang="zh-CN" i="1" dirty="0" smtClean="0"/>
+              <a:t>, CURLOPT_POST, true);</a:t>
+            </a:r>
+          </a:p>
+          <a:p>
+            <a:r>
+              <a:rPr lang="en-US" altLang="zh-CN" i="1" dirty="0"/>
               <a:t>//</a:t>
             </a:r>
             <a:r>
-              <a:rPr lang="zh-CN" altLang="en-US" i="1" dirty="0" smtClean="0"/>
+              <a:rPr lang="zh-CN" altLang="en-US" i="1" dirty="0"/>
               <a:t>设置文件数据</a:t>
             </a:r>
             <a:endParaRPr lang="en-US" altLang="zh-CN" i="1" dirty="0"/>
@@ -14908,13 +14738,8 @@
           <a:p>
             <a:r>
               <a:rPr lang="en-US" altLang="zh-CN" dirty="0"/>
-              <a:t>exit($ret</a:t>
-            </a:r>
-            <a:r>
-              <a:rPr lang="en-US" altLang="zh-CN" dirty="0" smtClean="0"/>
-              <a:t>);</a:t>
-            </a:r>
-            <a:endParaRPr lang="en-US" altLang="zh-CN" dirty="0"/>
+              <a:t>exit($ret);</a:t>
+            </a:r>
           </a:p>
         </p:txBody>
       </p:sp>
@@ -14928,13 +14753,6 @@
   <p:clrMapOvr>
     <a:masterClrMapping/>
   </p:clrMapOvr>
-  <p:timing>
-    <p:tnLst>
-      <p:par>
-        <p:cTn id="1" dur="indefinite" restart="never" nodeType="tmRoot"/>
-      </p:par>
-    </p:tnLst>
-  </p:timing>
 </p:sld>
 </file>
 
@@ -14976,10 +14794,9 @@
           <a:lstStyle/>
           <a:p>
             <a:r>
-              <a:rPr lang="zh-CN" altLang="en-US" dirty="0" smtClean="0"/>
+              <a:rPr lang="zh-CN" altLang="en-US" dirty="0"/>
               <a:t>上传文件注意的问题</a:t>
             </a:r>
-            <a:endParaRPr lang="zh-CN" altLang="en-US" dirty="0"/>
           </a:p>
         </p:txBody>
       </p:sp>
@@ -15031,14 +14848,7 @@
                 <a:latin typeface="微软雅黑" panose="020B0503020204020204" pitchFamily="34" charset="-122"/>
                 <a:ea typeface="微软雅黑" panose="020B0503020204020204" pitchFamily="34" charset="-122"/>
               </a:rPr>
-              <a:t>选项的示例</a:t>
-            </a:r>
-            <a:r>
-              <a:rPr lang="zh-CN" altLang="en-US" sz="2000" dirty="0" smtClean="0">
-                <a:latin typeface="微软雅黑" panose="020B0503020204020204" pitchFamily="34" charset="-122"/>
-                <a:ea typeface="微软雅黑" panose="020B0503020204020204" pitchFamily="34" charset="-122"/>
-              </a:rPr>
-              <a:t>，通过设置此选项为</a:t>
+              <a:t>选项的示例，通过设置此选项为</a:t>
             </a:r>
             <a:r>
               <a:rPr lang="en-US" altLang="zh-CN" sz="2000" dirty="0">
@@ -15048,41 +14858,41 @@
               <a:t>false</a:t>
             </a:r>
             <a:r>
-              <a:rPr lang="zh-CN" altLang="en-US" sz="2000" dirty="0" smtClean="0">
+              <a:rPr lang="zh-CN" altLang="en-US" sz="2000" dirty="0">
                 <a:latin typeface="微软雅黑" panose="020B0503020204020204" pitchFamily="34" charset="-122"/>
                 <a:ea typeface="微软雅黑" panose="020B0503020204020204" pitchFamily="34" charset="-122"/>
               </a:rPr>
               <a:t>，构造</a:t>
             </a:r>
             <a:r>
-              <a:rPr lang="en-US" altLang="zh-CN" sz="2000" dirty="0" smtClean="0">
+              <a:rPr lang="en-US" altLang="zh-CN" sz="2000" dirty="0">
                 <a:latin typeface="微软雅黑" panose="020B0503020204020204" pitchFamily="34" charset="-122"/>
                 <a:ea typeface="微软雅黑" panose="020B0503020204020204" pitchFamily="34" charset="-122"/>
               </a:rPr>
               <a:t>data</a:t>
             </a:r>
             <a:r>
-              <a:rPr lang="zh-CN" altLang="en-US" sz="2000" dirty="0" smtClean="0">
+              <a:rPr lang="zh-CN" altLang="en-US" sz="2000" dirty="0">
                 <a:latin typeface="微软雅黑" panose="020B0503020204020204" pitchFamily="34" charset="-122"/>
                 <a:ea typeface="微软雅黑" panose="020B0503020204020204" pitchFamily="34" charset="-122"/>
               </a:rPr>
               <a:t>文件上传数组时，可以使用</a:t>
             </a:r>
             <a:r>
-              <a:rPr lang="en-US" altLang="zh-CN" sz="2000" dirty="0" smtClean="0">
+              <a:rPr lang="en-US" altLang="zh-CN" sz="2000" dirty="0">
                 <a:latin typeface="微软雅黑" panose="020B0503020204020204" pitchFamily="34" charset="-122"/>
                 <a:ea typeface="微软雅黑" panose="020B0503020204020204" pitchFamily="34" charset="-122"/>
               </a:rPr>
               <a:t>@</a:t>
             </a:r>
             <a:r>
-              <a:rPr lang="zh-CN" altLang="en-US" sz="2000" dirty="0" smtClean="0">
+              <a:rPr lang="zh-CN" altLang="en-US" sz="2000" dirty="0">
                 <a:latin typeface="微软雅黑" panose="020B0503020204020204" pitchFamily="34" charset="-122"/>
                 <a:ea typeface="微软雅黑" panose="020B0503020204020204" pitchFamily="34" charset="-122"/>
               </a:rPr>
               <a:t>字符开头后面加上文件路径的方式。</a:t>
             </a:r>
-            <a:endParaRPr lang="en-US" altLang="zh-CN" sz="2000" dirty="0" smtClean="0">
+            <a:endParaRPr lang="en-US" altLang="zh-CN" sz="2000" dirty="0">
               <a:latin typeface="微软雅黑" panose="020B0503020204020204" pitchFamily="34" charset="-122"/>
               <a:ea typeface="微软雅黑" panose="020B0503020204020204" pitchFamily="34" charset="-122"/>
             </a:endParaRPr>
@@ -15100,28 +14910,14 @@
                 <a:latin typeface="微软雅黑" panose="020B0503020204020204" pitchFamily="34" charset="-122"/>
                 <a:ea typeface="微软雅黑" panose="020B0503020204020204" pitchFamily="34" charset="-122"/>
               </a:rPr>
-              <a:t>此</a:t>
-            </a:r>
-            <a:r>
-              <a:rPr lang="zh-CN" altLang="en-US" sz="2000" dirty="0" smtClean="0">
-                <a:latin typeface="微软雅黑" panose="020B0503020204020204" pitchFamily="34" charset="-122"/>
-                <a:ea typeface="微软雅黑" panose="020B0503020204020204" pitchFamily="34" charset="-122"/>
-              </a:rPr>
-              <a:t>选项在</a:t>
-            </a:r>
-            <a:r>
-              <a:rPr lang="en-US" altLang="zh-CN" sz="2000" dirty="0" smtClean="0">
-                <a:latin typeface="微软雅黑" panose="020B0503020204020204" pitchFamily="34" charset="-122"/>
-                <a:ea typeface="微软雅黑" panose="020B0503020204020204" pitchFamily="34" charset="-122"/>
-              </a:rPr>
-              <a:t>PHP </a:t>
+              <a:t>此选项在</a:t>
             </a:r>
             <a:r>
               <a:rPr lang="en-US" altLang="zh-CN" sz="2000" dirty="0">
                 <a:latin typeface="微软雅黑" panose="020B0503020204020204" pitchFamily="34" charset="-122"/>
                 <a:ea typeface="微软雅黑" panose="020B0503020204020204" pitchFamily="34" charset="-122"/>
               </a:rPr>
-              <a:t>5.5.0 </a:t>
+              <a:t>PHP 5.5.0 </a:t>
             </a:r>
             <a:r>
               <a:rPr lang="zh-CN" altLang="en-US" sz="2000" dirty="0">
@@ -15187,34 +14983,20 @@
               <a:t>删除了此选项， 必须使用 </a:t>
             </a:r>
             <a:r>
-              <a:rPr lang="en-US" altLang="zh-CN" sz="2000" dirty="0" err="1" smtClean="0">
+              <a:rPr lang="en-US" altLang="zh-CN" sz="2000" dirty="0" err="1">
                 <a:latin typeface="微软雅黑" panose="020B0503020204020204" pitchFamily="34" charset="-122"/>
                 <a:ea typeface="微软雅黑" panose="020B0503020204020204" pitchFamily="34" charset="-122"/>
               </a:rPr>
               <a:t>CURLFile</a:t>
             </a:r>
             <a:r>
-              <a:rPr lang="zh-CN" altLang="en-US" sz="2000" dirty="0" smtClean="0">
-                <a:latin typeface="微软雅黑" panose="020B0503020204020204" pitchFamily="34" charset="-122"/>
-                <a:ea typeface="微软雅黑" panose="020B0503020204020204" pitchFamily="34" charset="-122"/>
-              </a:rPr>
-              <a:t>来</a:t>
-            </a:r>
-            <a:r>
               <a:rPr lang="zh-CN" altLang="en-US" sz="2000" dirty="0">
                 <a:latin typeface="微软雅黑" panose="020B0503020204020204" pitchFamily="34" charset="-122"/>
                 <a:ea typeface="微软雅黑" panose="020B0503020204020204" pitchFamily="34" charset="-122"/>
               </a:rPr>
-              <a:t>上传文件</a:t>
-            </a:r>
-            <a:r>
-              <a:rPr lang="zh-CN" altLang="en-US" sz="2000" dirty="0" smtClean="0">
-                <a:latin typeface="微软雅黑" panose="020B0503020204020204" pitchFamily="34" charset="-122"/>
-                <a:ea typeface="微软雅黑" panose="020B0503020204020204" pitchFamily="34" charset="-122"/>
-              </a:rPr>
-              <a:t>。</a:t>
-            </a:r>
-            <a:endParaRPr lang="en-US" altLang="zh-CN" sz="2000" dirty="0" smtClean="0">
+              <a:t>来上传文件。</a:t>
+            </a:r>
+            <a:endParaRPr lang="en-US" altLang="zh-CN" sz="2000" dirty="0">
               <a:latin typeface="微软雅黑" panose="020B0503020204020204" pitchFamily="34" charset="-122"/>
               <a:ea typeface="微软雅黑" panose="020B0503020204020204" pitchFamily="34" charset="-122"/>
             </a:endParaRPr>
@@ -15228,35 +15010,35 @@
               <a:buChar char="•"/>
             </a:pPr>
             <a:r>
-              <a:rPr lang="zh-CN" altLang="en-US" sz="2000" dirty="0" smtClean="0">
+              <a:rPr lang="zh-CN" altLang="en-US" sz="2000" dirty="0">
                 <a:latin typeface="微软雅黑" panose="020B0503020204020204" pitchFamily="34" charset="-122"/>
                 <a:ea typeface="微软雅黑" panose="020B0503020204020204" pitchFamily="34" charset="-122"/>
               </a:rPr>
               <a:t>由于以后旧版本</a:t>
             </a:r>
             <a:r>
-              <a:rPr lang="en-US" altLang="zh-CN" sz="2000" dirty="0" smtClean="0">
+              <a:rPr lang="en-US" altLang="zh-CN" sz="2000" dirty="0">
                 <a:latin typeface="微软雅黑" panose="020B0503020204020204" pitchFamily="34" charset="-122"/>
                 <a:ea typeface="微软雅黑" panose="020B0503020204020204" pitchFamily="34" charset="-122"/>
               </a:rPr>
               <a:t>PHP</a:t>
             </a:r>
             <a:r>
-              <a:rPr lang="zh-CN" altLang="en-US" sz="2000" dirty="0" smtClean="0">
+              <a:rPr lang="zh-CN" altLang="en-US" sz="2000" dirty="0">
                 <a:latin typeface="微软雅黑" panose="020B0503020204020204" pitchFamily="34" charset="-122"/>
                 <a:ea typeface="微软雅黑" panose="020B0503020204020204" pitchFamily="34" charset="-122"/>
               </a:rPr>
               <a:t>都会被淘汰，不建议使用此种方式上传文件，而是使用</a:t>
             </a:r>
             <a:r>
-              <a:rPr lang="en-US" altLang="zh-CN" sz="2000" dirty="0" err="1" smtClean="0">
+              <a:rPr lang="en-US" altLang="zh-CN" sz="2000" dirty="0" err="1">
                 <a:latin typeface="微软雅黑" panose="020B0503020204020204" pitchFamily="34" charset="-122"/>
                 <a:ea typeface="微软雅黑" panose="020B0503020204020204" pitchFamily="34" charset="-122"/>
               </a:rPr>
               <a:t>CURLFile</a:t>
             </a:r>
             <a:r>
-              <a:rPr lang="zh-CN" altLang="en-US" sz="2000" dirty="0" smtClean="0">
+              <a:rPr lang="zh-CN" altLang="en-US" sz="2000" dirty="0">
                 <a:latin typeface="微软雅黑" panose="020B0503020204020204" pitchFamily="34" charset="-122"/>
                 <a:ea typeface="微软雅黑" panose="020B0503020204020204" pitchFamily="34" charset="-122"/>
               </a:rPr>
@@ -15320,10 +15102,9 @@
           <a:lstStyle/>
           <a:p>
             <a:r>
-              <a:rPr lang="zh-CN" altLang="en-US" dirty="0" smtClean="0"/>
+              <a:rPr lang="zh-CN" altLang="en-US" dirty="0"/>
               <a:t>使用第三方扩展上传文件</a:t>
             </a:r>
-            <a:endParaRPr lang="zh-CN" altLang="en-US" dirty="0"/>
           </a:p>
         </p:txBody>
       </p:sp>
@@ -15533,14 +15314,13 @@
           <a:lstStyle/>
           <a:p>
             <a:r>
-              <a:rPr lang="en-US" altLang="zh-CN" dirty="0" smtClean="0"/>
+              <a:rPr lang="en-US" altLang="zh-CN" dirty="0"/>
               <a:t>JSON</a:t>
             </a:r>
             <a:r>
-              <a:rPr lang="zh-CN" altLang="en-US" dirty="0" smtClean="0"/>
+              <a:rPr lang="zh-CN" altLang="en-US" dirty="0"/>
               <a:t>基础</a:t>
             </a:r>
-            <a:endParaRPr lang="zh-CN" altLang="en-US" dirty="0"/>
           </a:p>
         </p:txBody>
       </p:sp>
@@ -15595,13 +15375,13 @@
               <a:t>XML</a:t>
             </a:r>
             <a:r>
-              <a:rPr lang="zh-CN" altLang="en-US" dirty="0" smtClean="0">
+              <a:rPr lang="zh-CN" altLang="en-US" dirty="0">
                 <a:latin typeface="微软雅黑" panose="020B0503020204020204" pitchFamily="34" charset="-122"/>
                 <a:ea typeface="微软雅黑" panose="020B0503020204020204" pitchFamily="34" charset="-122"/>
               </a:rPr>
               <a:t>。</a:t>
             </a:r>
-            <a:endParaRPr lang="en-US" altLang="zh-CN" dirty="0" smtClean="0">
+            <a:endParaRPr lang="en-US" altLang="zh-CN" dirty="0">
               <a:latin typeface="微软雅黑" panose="020B0503020204020204" pitchFamily="34" charset="-122"/>
               <a:ea typeface="微软雅黑" panose="020B0503020204020204" pitchFamily="34" charset="-122"/>
             </a:endParaRPr>
@@ -15640,16 +15420,9 @@
                 <a:latin typeface="微软雅黑" panose="020B0503020204020204" pitchFamily="34" charset="-122"/>
                 <a:ea typeface="微软雅黑" panose="020B0503020204020204" pitchFamily="34" charset="-122"/>
               </a:rPr>
-              <a:t>更小、更快，更易解析</a:t>
-            </a:r>
-            <a:r>
-              <a:rPr lang="zh-CN" altLang="en-US" dirty="0" smtClean="0">
-                <a:latin typeface="微软雅黑" panose="020B0503020204020204" pitchFamily="34" charset="-122"/>
-                <a:ea typeface="微软雅黑" panose="020B0503020204020204" pitchFamily="34" charset="-122"/>
-              </a:rPr>
-              <a:t>。</a:t>
-            </a:r>
-            <a:endParaRPr lang="en-US" altLang="zh-CN" dirty="0" smtClean="0">
+              <a:t>更小、更快，更易解析。</a:t>
+            </a:r>
+            <a:endParaRPr lang="en-US" altLang="zh-CN" dirty="0">
               <a:latin typeface="微软雅黑" panose="020B0503020204020204" pitchFamily="34" charset="-122"/>
               <a:ea typeface="微软雅黑" panose="020B0503020204020204" pitchFamily="34" charset="-122"/>
             </a:endParaRPr>
@@ -15730,16 +15503,9 @@
                 <a:latin typeface="微软雅黑" panose="020B0503020204020204" pitchFamily="34" charset="-122"/>
                 <a:ea typeface="微软雅黑" panose="020B0503020204020204" pitchFamily="34" charset="-122"/>
               </a:rPr>
-              <a:t>库支持许多不同的编程语言</a:t>
-            </a:r>
-            <a:r>
-              <a:rPr lang="zh-CN" altLang="en-US" dirty="0" smtClean="0">
-                <a:latin typeface="微软雅黑" panose="020B0503020204020204" pitchFamily="34" charset="-122"/>
-                <a:ea typeface="微软雅黑" panose="020B0503020204020204" pitchFamily="34" charset="-122"/>
-              </a:rPr>
-              <a:t>。</a:t>
-            </a:r>
-            <a:endParaRPr lang="en-US" altLang="zh-CN" dirty="0" smtClean="0">
+              <a:t>库支持许多不同的编程语言。</a:t>
+            </a:r>
+            <a:endParaRPr lang="en-US" altLang="zh-CN" dirty="0">
               <a:latin typeface="微软雅黑" panose="020B0503020204020204" pitchFamily="34" charset="-122"/>
               <a:ea typeface="微软雅黑" panose="020B0503020204020204" pitchFamily="34" charset="-122"/>
             </a:endParaRPr>
@@ -15780,7 +15546,7 @@
               </a:rPr>
               <a:t>语法的子集。</a:t>
             </a:r>
-            <a:endParaRPr lang="en-US" altLang="zh-CN" dirty="0" smtClean="0">
+            <a:endParaRPr lang="en-US" altLang="zh-CN" dirty="0">
               <a:latin typeface="微软雅黑" panose="020B0503020204020204" pitchFamily="34" charset="-122"/>
               <a:ea typeface="微软雅黑" panose="020B0503020204020204" pitchFamily="34" charset="-122"/>
             </a:endParaRPr>
@@ -15819,19 +15585,8 @@
                 <a:latin typeface="微软雅黑" panose="020B0503020204020204" pitchFamily="34" charset="-122"/>
                 <a:ea typeface="微软雅黑" panose="020B0503020204020204" pitchFamily="34" charset="-122"/>
               </a:rPr>
-              <a:t>对象表示法语法的</a:t>
-            </a:r>
-            <a:r>
-              <a:rPr lang="zh-CN" altLang="en-US" dirty="0" smtClean="0">
-                <a:latin typeface="微软雅黑" panose="020B0503020204020204" pitchFamily="34" charset="-122"/>
-                <a:ea typeface="微软雅黑" panose="020B0503020204020204" pitchFamily="34" charset="-122"/>
-              </a:rPr>
-              <a:t>子集：</a:t>
-            </a:r>
-            <a:endParaRPr lang="zh-CN" altLang="en-US" dirty="0">
-              <a:latin typeface="微软雅黑" panose="020B0503020204020204" pitchFamily="34" charset="-122"/>
-              <a:ea typeface="微软雅黑" panose="020B0503020204020204" pitchFamily="34" charset="-122"/>
-            </a:endParaRPr>
+              <a:t>对象表示法语法的子集：</a:t>
+            </a:r>
           </a:p>
           <a:p>
             <a:pPr lvl="1">
@@ -15900,19 +15655,8 @@
                 <a:latin typeface="微软雅黑" panose="020B0503020204020204" pitchFamily="34" charset="-122"/>
                 <a:ea typeface="微软雅黑" panose="020B0503020204020204" pitchFamily="34" charset="-122"/>
               </a:rPr>
-              <a:t>    中括号保存</a:t>
-            </a:r>
-            <a:r>
-              <a:rPr lang="zh-CN" altLang="en-US" dirty="0" smtClean="0">
-                <a:latin typeface="微软雅黑" panose="020B0503020204020204" pitchFamily="34" charset="-122"/>
-                <a:ea typeface="微软雅黑" panose="020B0503020204020204" pitchFamily="34" charset="-122"/>
-              </a:rPr>
-              <a:t>数组</a:t>
-            </a:r>
-            <a:endParaRPr lang="zh-CN" altLang="en-US" dirty="0">
-              <a:latin typeface="微软雅黑" panose="020B0503020204020204" pitchFamily="34" charset="-122"/>
-              <a:ea typeface="微软雅黑" panose="020B0503020204020204" pitchFamily="34" charset="-122"/>
-            </a:endParaRPr>
+              <a:t>    中括号保存数组</a:t>
+            </a:r>
           </a:p>
         </p:txBody>
       </p:sp>
@@ -15939,83 +15683,47 @@
           <a:lstStyle/>
           <a:p>
             <a:r>
-              <a:rPr lang="zh-CN" altLang="en-US" dirty="0" smtClean="0"/>
+              <a:rPr lang="zh-CN" altLang="en-US" dirty="0"/>
               <a:t>示例：</a:t>
             </a:r>
-            <a:endParaRPr lang="en-US" altLang="zh-CN" dirty="0" smtClean="0"/>
-          </a:p>
-          <a:p>
-            <a:r>
-              <a:rPr lang="en-US" altLang="zh-CN" dirty="0" smtClean="0"/>
+            <a:endParaRPr lang="en-US" altLang="zh-CN" dirty="0"/>
+          </a:p>
+          <a:p>
+            <a:r>
+              <a:rPr lang="en-US" altLang="zh-CN" dirty="0"/>
               <a:t>{</a:t>
             </a:r>
           </a:p>
           <a:p>
             <a:r>
               <a:rPr lang="en-US" altLang="zh-CN" dirty="0"/>
-              <a:t> </a:t>
-            </a:r>
-            <a:r>
-              <a:rPr lang="en-US" altLang="zh-CN" dirty="0" smtClean="0"/>
-              <a:t>   "</a:t>
-            </a:r>
-            <a:r>
-              <a:rPr lang="en-US" altLang="zh-CN" dirty="0"/>
-              <a:t>name":"</a:t>
+              <a:t>    "name":"</a:t>
             </a:r>
             <a:r>
               <a:rPr lang="en-US" altLang="zh-CN" dirty="0" err="1"/>
               <a:t>AlbertWang</a:t>
             </a:r>
             <a:r>
-              <a:rPr lang="en-US" altLang="zh-CN" dirty="0" smtClean="0"/>
+              <a:rPr lang="en-US" altLang="zh-CN" dirty="0"/>
               <a:t>",</a:t>
             </a:r>
           </a:p>
           <a:p>
             <a:r>
-              <a:rPr lang="en-US" altLang="zh-CN" dirty="0" smtClean="0"/>
-              <a:t>    </a:t>
-            </a:r>
-            <a:r>
               <a:rPr lang="en-US" altLang="zh-CN" dirty="0"/>
-              <a:t>"age":"27",    </a:t>
-            </a:r>
-            <a:r>
-              <a:rPr lang="en-US" altLang="zh-CN" dirty="0" smtClean="0"/>
-              <a:t>        </a:t>
+              <a:t>    "age":"27",            </a:t>
             </a:r>
           </a:p>
           <a:p>
             <a:r>
               <a:rPr lang="en-US" altLang="zh-CN" dirty="0"/>
-              <a:t> </a:t>
-            </a:r>
-            <a:r>
-              <a:rPr lang="en-US" altLang="zh-CN" dirty="0" smtClean="0"/>
-              <a:t>   "</a:t>
-            </a:r>
+              <a:t>    "info":{</a:t>
+            </a:r>
+          </a:p>
+          <a:p>
             <a:r>
               <a:rPr lang="en-US" altLang="zh-CN" dirty="0"/>
-              <a:t>info</a:t>
-            </a:r>
-            <a:r>
-              <a:rPr lang="en-US" altLang="zh-CN" dirty="0" smtClean="0"/>
-              <a:t>":{</a:t>
-            </a:r>
-          </a:p>
-          <a:p>
-            <a:r>
-              <a:rPr lang="en-US" altLang="zh-CN" dirty="0"/>
-              <a:t> </a:t>
-            </a:r>
-            <a:r>
-              <a:rPr lang="en-US" altLang="zh-CN" dirty="0" smtClean="0"/>
-              <a:t>         </a:t>
-            </a:r>
-            <a:r>
-              <a:rPr lang="en-US" altLang="zh-CN" dirty="0"/>
-              <a:t>"</a:t>
+              <a:t>          "</a:t>
             </a:r>
             <a:r>
               <a:rPr lang="en-US" altLang="zh-CN" dirty="0" err="1"/>
@@ -16023,118 +15731,62 @@
             </a:r>
             <a:r>
               <a:rPr lang="en-US" altLang="zh-CN" dirty="0"/>
-              <a:t>",      </a:t>
-            </a:r>
-            <a:r>
-              <a:rPr lang="en-US" altLang="zh-CN" dirty="0" smtClean="0"/>
-              <a:t>  </a:t>
+              <a:t>",        </a:t>
             </a:r>
           </a:p>
           <a:p>
             <a:r>
               <a:rPr lang="en-US" altLang="zh-CN" dirty="0"/>
-              <a:t> </a:t>
-            </a:r>
-            <a:r>
-              <a:rPr lang="en-US" altLang="zh-CN" dirty="0" smtClean="0"/>
-              <a:t>         "</a:t>
+              <a:t>          "</a:t>
             </a:r>
             <a:r>
               <a:rPr lang="en-US" altLang="zh-CN" dirty="0" err="1"/>
-              <a:t>native_place":"</a:t>
-            </a:r>
-            <a:r>
-              <a:rPr lang="en-US" altLang="zh-CN" dirty="0" err="1" smtClean="0"/>
-              <a:t>Hebei</a:t>
-            </a:r>
-            <a:r>
-              <a:rPr lang="en-US" altLang="zh-CN" dirty="0" smtClean="0"/>
+              <a:t>native_place":"Hebei</a:t>
+            </a:r>
+            <a:r>
+              <a:rPr lang="en-US" altLang="zh-CN" dirty="0"/>
               <a:t>“</a:t>
             </a:r>
           </a:p>
           <a:p>
             <a:r>
-              <a:rPr lang="en-US" altLang="zh-CN" dirty="0" smtClean="0"/>
+              <a:rPr lang="en-US" altLang="zh-CN" dirty="0"/>
               <a:t>    },</a:t>
             </a:r>
           </a:p>
           <a:p>
             <a:r>
-              <a:rPr lang="en-US" altLang="zh-CN" dirty="0" smtClean="0"/>
-              <a:t>    </a:t>
-            </a:r>
-            <a:r>
               <a:rPr lang="en-US" altLang="zh-CN" dirty="0"/>
-              <a:t>"skill</a:t>
-            </a:r>
-            <a:r>
-              <a:rPr lang="en-US" altLang="zh-CN" dirty="0" smtClean="0"/>
-              <a:t>":[</a:t>
+              <a:t>    "skill":[</a:t>
             </a:r>
           </a:p>
           <a:p>
             <a:r>
               <a:rPr lang="en-US" altLang="zh-CN" dirty="0"/>
-              <a:t> </a:t>
-            </a:r>
-            <a:r>
-              <a:rPr lang="en-US" altLang="zh-CN" dirty="0" smtClean="0"/>
-              <a:t>        </a:t>
-            </a:r>
+              <a:t>         "PHP",</a:t>
+            </a:r>
+          </a:p>
+          <a:p>
             <a:r>
               <a:rPr lang="en-US" altLang="zh-CN" dirty="0"/>
-              <a:t>"PHP</a:t>
-            </a:r>
-            <a:r>
-              <a:rPr lang="en-US" altLang="zh-CN" dirty="0" smtClean="0"/>
-              <a:t>",</a:t>
+              <a:t>         "Python",</a:t>
             </a:r>
           </a:p>
           <a:p>
             <a:r>
               <a:rPr lang="en-US" altLang="zh-CN" dirty="0"/>
-              <a:t> </a:t>
-            </a:r>
-            <a:r>
-              <a:rPr lang="en-US" altLang="zh-CN" dirty="0" smtClean="0"/>
-              <a:t>        </a:t>
-            </a:r>
+              <a:t>         "Linux“</a:t>
+            </a:r>
+          </a:p>
+          <a:p>
             <a:r>
               <a:rPr lang="en-US" altLang="zh-CN" dirty="0"/>
-              <a:t>"Python</a:t>
-            </a:r>
-            <a:r>
-              <a:rPr lang="en-US" altLang="zh-CN" dirty="0" smtClean="0"/>
-              <a:t>",</a:t>
+              <a:t>    ]</a:t>
             </a:r>
           </a:p>
           <a:p>
             <a:r>
               <a:rPr lang="en-US" altLang="zh-CN" dirty="0"/>
-              <a:t> </a:t>
-            </a:r>
-            <a:r>
-              <a:rPr lang="en-US" altLang="zh-CN" dirty="0" smtClean="0"/>
-              <a:t>        </a:t>
-            </a:r>
-            <a:r>
-              <a:rPr lang="en-US" altLang="zh-CN" dirty="0"/>
-              <a:t>"</a:t>
-            </a:r>
-            <a:r>
-              <a:rPr lang="en-US" altLang="zh-CN" dirty="0" smtClean="0"/>
-              <a:t>Linux“</a:t>
-            </a:r>
-          </a:p>
-          <a:p>
-            <a:r>
-              <a:rPr lang="en-US" altLang="zh-CN" dirty="0" smtClean="0"/>
-              <a:t>    ]</a:t>
-            </a:r>
-          </a:p>
-          <a:p>
-            <a:r>
-              <a:rPr lang="en-US" altLang="zh-CN" dirty="0" smtClean="0"/>
               <a:t>}</a:t>
             </a:r>
             <a:endParaRPr lang="zh-CN" altLang="en-US" dirty="0"/>
@@ -16151,13 +15803,6 @@
   <p:clrMapOvr>
     <a:masterClrMapping/>
   </p:clrMapOvr>
-  <p:timing>
-    <p:tnLst>
-      <p:par>
-        <p:cTn id="1" dur="indefinite" restart="never" nodeType="tmRoot"/>
-      </p:par>
-    </p:tnLst>
-  </p:timing>
 </p:sld>
 </file>
 
@@ -16199,14 +15844,13 @@
           <a:lstStyle/>
           <a:p>
             <a:r>
-              <a:rPr lang="en-US" altLang="zh-CN" dirty="0" smtClean="0"/>
+              <a:rPr lang="en-US" altLang="zh-CN" dirty="0"/>
               <a:t>JSON</a:t>
             </a:r>
             <a:r>
-              <a:rPr lang="zh-CN" altLang="en-US" dirty="0" smtClean="0"/>
+              <a:rPr lang="zh-CN" altLang="en-US" dirty="0"/>
               <a:t>格式解析处理</a:t>
             </a:r>
-            <a:endParaRPr lang="zh-CN" altLang="en-US" dirty="0"/>
           </a:p>
         </p:txBody>
       </p:sp>
@@ -16240,20 +15884,20 @@
               <a:buChar char="•"/>
             </a:pPr>
             <a:r>
-              <a:rPr lang="en-US" altLang="zh-CN" sz="2000" dirty="0" smtClean="0">
+              <a:rPr lang="en-US" altLang="zh-CN" sz="2000" dirty="0">
                 <a:latin typeface="微软雅黑" panose="020B0503020204020204" pitchFamily="34" charset="-122"/>
                 <a:ea typeface="微软雅黑" panose="020B0503020204020204" pitchFamily="34" charset="-122"/>
               </a:rPr>
               <a:t>PHP</a:t>
             </a:r>
             <a:r>
-              <a:rPr lang="zh-CN" altLang="en-US" sz="2000" dirty="0" smtClean="0">
+              <a:rPr lang="zh-CN" altLang="en-US" sz="2000" dirty="0">
                 <a:latin typeface="微软雅黑" panose="020B0503020204020204" pitchFamily="34" charset="-122"/>
                 <a:ea typeface="微软雅黑" panose="020B0503020204020204" pitchFamily="34" charset="-122"/>
               </a:rPr>
               <a:t>处理：</a:t>
             </a:r>
-            <a:endParaRPr lang="en-US" altLang="zh-CN" sz="2000" dirty="0" smtClean="0">
+            <a:endParaRPr lang="en-US" altLang="zh-CN" sz="2000" dirty="0">
               <a:latin typeface="微软雅黑" panose="020B0503020204020204" pitchFamily="34" charset="-122"/>
               <a:ea typeface="微软雅黑" panose="020B0503020204020204" pitchFamily="34" charset="-122"/>
             </a:endParaRPr>
@@ -16267,41 +15911,41 @@
               <a:buChar char="•"/>
             </a:pPr>
             <a:r>
-              <a:rPr lang="en-US" altLang="zh-CN" sz="2000" dirty="0" err="1" smtClean="0">
+              <a:rPr lang="en-US" altLang="zh-CN" sz="2000" dirty="0" err="1">
                 <a:latin typeface="微软雅黑" panose="020B0503020204020204" pitchFamily="34" charset="-122"/>
                 <a:ea typeface="微软雅黑" panose="020B0503020204020204" pitchFamily="34" charset="-122"/>
               </a:rPr>
               <a:t>json_encode</a:t>
             </a:r>
             <a:r>
-              <a:rPr lang="en-US" altLang="zh-CN" sz="2000" dirty="0" smtClean="0">
+              <a:rPr lang="en-US" altLang="zh-CN" sz="2000" dirty="0">
                 <a:latin typeface="微软雅黑" panose="020B0503020204020204" pitchFamily="34" charset="-122"/>
                 <a:ea typeface="微软雅黑" panose="020B0503020204020204" pitchFamily="34" charset="-122"/>
               </a:rPr>
               <a:t>($data);</a:t>
             </a:r>
             <a:r>
-              <a:rPr lang="zh-CN" altLang="en-US" sz="2000" dirty="0" smtClean="0">
+              <a:rPr lang="zh-CN" altLang="en-US" sz="2000" dirty="0">
                 <a:latin typeface="微软雅黑" panose="020B0503020204020204" pitchFamily="34" charset="-122"/>
                 <a:ea typeface="微软雅黑" panose="020B0503020204020204" pitchFamily="34" charset="-122"/>
               </a:rPr>
               <a:t>把数组转换成</a:t>
             </a:r>
             <a:r>
-              <a:rPr lang="en-US" altLang="zh-CN" sz="2000" dirty="0" smtClean="0">
+              <a:rPr lang="en-US" altLang="zh-CN" sz="2000" dirty="0">
                 <a:latin typeface="微软雅黑" panose="020B0503020204020204" pitchFamily="34" charset="-122"/>
                 <a:ea typeface="微软雅黑" panose="020B0503020204020204" pitchFamily="34" charset="-122"/>
               </a:rPr>
               <a:t>JSON</a:t>
             </a:r>
             <a:r>
-              <a:rPr lang="zh-CN" altLang="en-US" sz="2000" dirty="0" smtClean="0">
+              <a:rPr lang="zh-CN" altLang="en-US" sz="2000" dirty="0">
                 <a:latin typeface="微软雅黑" panose="020B0503020204020204" pitchFamily="34" charset="-122"/>
                 <a:ea typeface="微软雅黑" panose="020B0503020204020204" pitchFamily="34" charset="-122"/>
               </a:rPr>
               <a:t>格式字符串。</a:t>
             </a:r>
-            <a:endParaRPr lang="en-US" altLang="zh-CN" sz="2000" dirty="0" smtClean="0">
+            <a:endParaRPr lang="en-US" altLang="zh-CN" sz="2000" dirty="0">
               <a:latin typeface="微软雅黑" panose="020B0503020204020204" pitchFamily="34" charset="-122"/>
               <a:ea typeface="微软雅黑" panose="020B0503020204020204" pitchFamily="34" charset="-122"/>
             </a:endParaRPr>
@@ -16319,38 +15963,31 @@
                 <a:latin typeface="微软雅黑" panose="020B0503020204020204" pitchFamily="34" charset="-122"/>
                 <a:ea typeface="微软雅黑" panose="020B0503020204020204" pitchFamily="34" charset="-122"/>
               </a:rPr>
-              <a:t>j</a:t>
-            </a:r>
-            <a:r>
-              <a:rPr lang="en-US" altLang="zh-CN" sz="2000" dirty="0" err="1" smtClean="0">
-                <a:latin typeface="微软雅黑" panose="020B0503020204020204" pitchFamily="34" charset="-122"/>
-                <a:ea typeface="微软雅黑" panose="020B0503020204020204" pitchFamily="34" charset="-122"/>
-              </a:rPr>
-              <a:t>son_decode</a:t>
-            </a:r>
-            <a:r>
-              <a:rPr lang="en-US" altLang="zh-CN" sz="2000" dirty="0" smtClean="0">
+              <a:t>json_decode</a:t>
+            </a:r>
+            <a:r>
+              <a:rPr lang="en-US" altLang="zh-CN" sz="2000" dirty="0">
                 <a:latin typeface="微软雅黑" panose="020B0503020204020204" pitchFamily="34" charset="-122"/>
                 <a:ea typeface="微软雅黑" panose="020B0503020204020204" pitchFamily="34" charset="-122"/>
               </a:rPr>
               <a:t>($</a:t>
             </a:r>
             <a:r>
-              <a:rPr lang="en-US" altLang="zh-CN" sz="2000" dirty="0" err="1" smtClean="0">
+              <a:rPr lang="en-US" altLang="zh-CN" sz="2000" dirty="0" err="1">
                 <a:latin typeface="微软雅黑" panose="020B0503020204020204" pitchFamily="34" charset="-122"/>
                 <a:ea typeface="微软雅黑" panose="020B0503020204020204" pitchFamily="34" charset="-122"/>
               </a:rPr>
               <a:t>data,true</a:t>
             </a:r>
             <a:r>
-              <a:rPr lang="en-US" altLang="zh-CN" sz="2000" dirty="0" smtClean="0">
+              <a:rPr lang="en-US" altLang="zh-CN" sz="2000" dirty="0">
                 <a:latin typeface="微软雅黑" panose="020B0503020204020204" pitchFamily="34" charset="-122"/>
                 <a:ea typeface="微软雅黑" panose="020B0503020204020204" pitchFamily="34" charset="-122"/>
               </a:rPr>
               <a:t>);</a:t>
             </a:r>
             <a:r>
-              <a:rPr lang="zh-CN" altLang="en-US" sz="2000" dirty="0" smtClean="0">
+              <a:rPr lang="zh-CN" altLang="en-US" sz="2000" dirty="0">
                 <a:latin typeface="微软雅黑" panose="020B0503020204020204" pitchFamily="34" charset="-122"/>
                 <a:ea typeface="微软雅黑" panose="020B0503020204020204" pitchFamily="34" charset="-122"/>
               </a:rPr>
@@ -16368,30 +16005,23 @@
                 <a:latin typeface="微软雅黑" panose="020B0503020204020204" pitchFamily="34" charset="-122"/>
                 <a:ea typeface="微软雅黑" panose="020B0503020204020204" pitchFamily="34" charset="-122"/>
               </a:rPr>
-              <a:t>格式</a:t>
-            </a:r>
-            <a:r>
-              <a:rPr lang="zh-CN" altLang="en-US" sz="2000" dirty="0" smtClean="0">
-                <a:latin typeface="微软雅黑" panose="020B0503020204020204" pitchFamily="34" charset="-122"/>
-                <a:ea typeface="微软雅黑" panose="020B0503020204020204" pitchFamily="34" charset="-122"/>
-              </a:rPr>
-              <a:t>字符串转换成</a:t>
-            </a:r>
-            <a:r>
-              <a:rPr lang="en-US" altLang="zh-CN" sz="2000" dirty="0" smtClean="0">
+              <a:t>格式字符串转换成</a:t>
+            </a:r>
+            <a:r>
+              <a:rPr lang="en-US" altLang="zh-CN" sz="2000" dirty="0">
                 <a:latin typeface="微软雅黑" panose="020B0503020204020204" pitchFamily="34" charset="-122"/>
                 <a:ea typeface="微软雅黑" panose="020B0503020204020204" pitchFamily="34" charset="-122"/>
               </a:rPr>
               <a:t>PHP</a:t>
             </a:r>
             <a:r>
-              <a:rPr lang="zh-CN" altLang="en-US" sz="2000" dirty="0" smtClean="0">
+              <a:rPr lang="zh-CN" altLang="en-US" sz="2000" dirty="0">
                 <a:latin typeface="微软雅黑" panose="020B0503020204020204" pitchFamily="34" charset="-122"/>
                 <a:ea typeface="微软雅黑" panose="020B0503020204020204" pitchFamily="34" charset="-122"/>
               </a:rPr>
               <a:t>数组。</a:t>
             </a:r>
-            <a:endParaRPr lang="en-US" altLang="zh-CN" sz="2000" dirty="0" smtClean="0">
+            <a:endParaRPr lang="en-US" altLang="zh-CN" sz="2000" dirty="0">
               <a:latin typeface="微软雅黑" panose="020B0503020204020204" pitchFamily="34" charset="-122"/>
               <a:ea typeface="微软雅黑" panose="020B0503020204020204" pitchFamily="34" charset="-122"/>
             </a:endParaRPr>
@@ -16405,20 +16035,20 @@
               <a:buChar char="•"/>
             </a:pPr>
             <a:r>
-              <a:rPr lang="en-US" altLang="zh-CN" sz="2000" dirty="0" smtClean="0">
+              <a:rPr lang="en-US" altLang="zh-CN" sz="2000" dirty="0">
                 <a:latin typeface="微软雅黑" panose="020B0503020204020204" pitchFamily="34" charset="-122"/>
                 <a:ea typeface="微软雅黑" panose="020B0503020204020204" pitchFamily="34" charset="-122"/>
               </a:rPr>
               <a:t>JS</a:t>
             </a:r>
             <a:r>
-              <a:rPr lang="zh-CN" altLang="en-US" sz="2000" dirty="0" smtClean="0">
+              <a:rPr lang="zh-CN" altLang="en-US" sz="2000" dirty="0">
                 <a:latin typeface="微软雅黑" panose="020B0503020204020204" pitchFamily="34" charset="-122"/>
                 <a:ea typeface="微软雅黑" panose="020B0503020204020204" pitchFamily="34" charset="-122"/>
               </a:rPr>
               <a:t>处理方式：</a:t>
             </a:r>
-            <a:endParaRPr lang="en-US" altLang="zh-CN" sz="2000" dirty="0" smtClean="0">
+            <a:endParaRPr lang="en-US" altLang="zh-CN" sz="2000" dirty="0">
               <a:latin typeface="微软雅黑" panose="020B0503020204020204" pitchFamily="34" charset="-122"/>
               <a:ea typeface="微软雅黑" panose="020B0503020204020204" pitchFamily="34" charset="-122"/>
             </a:endParaRPr>
@@ -16432,55 +16062,55 @@
               <a:buChar char="•"/>
             </a:pPr>
             <a:r>
-              <a:rPr lang="en-US" altLang="zh-CN" sz="2000" dirty="0" err="1" smtClean="0">
+              <a:rPr lang="en-US" altLang="zh-CN" sz="2000" dirty="0" err="1">
                 <a:latin typeface="微软雅黑" panose="020B0503020204020204" pitchFamily="34" charset="-122"/>
                 <a:ea typeface="微软雅黑" panose="020B0503020204020204" pitchFamily="34" charset="-122"/>
               </a:rPr>
               <a:t>JSON.parse</a:t>
             </a:r>
             <a:r>
-              <a:rPr lang="en-US" altLang="zh-CN" sz="2000" dirty="0" smtClean="0">
+              <a:rPr lang="en-US" altLang="zh-CN" sz="2000" dirty="0">
                 <a:latin typeface="微软雅黑" panose="020B0503020204020204" pitchFamily="34" charset="-122"/>
                 <a:ea typeface="微软雅黑" panose="020B0503020204020204" pitchFamily="34" charset="-122"/>
               </a:rPr>
               <a:t>(data);</a:t>
             </a:r>
             <a:r>
-              <a:rPr lang="zh-CN" altLang="en-US" sz="2000" dirty="0" smtClean="0">
+              <a:rPr lang="zh-CN" altLang="en-US" sz="2000" dirty="0">
                 <a:latin typeface="微软雅黑" panose="020B0503020204020204" pitchFamily="34" charset="-122"/>
                 <a:ea typeface="微软雅黑" panose="020B0503020204020204" pitchFamily="34" charset="-122"/>
               </a:rPr>
               <a:t>把</a:t>
             </a:r>
             <a:r>
-              <a:rPr lang="en-US" altLang="zh-CN" sz="2000" dirty="0" smtClean="0">
+              <a:rPr lang="en-US" altLang="zh-CN" sz="2000" dirty="0">
                 <a:latin typeface="微软雅黑" panose="020B0503020204020204" pitchFamily="34" charset="-122"/>
                 <a:ea typeface="微软雅黑" panose="020B0503020204020204" pitchFamily="34" charset="-122"/>
               </a:rPr>
               <a:t>JSON</a:t>
             </a:r>
             <a:r>
-              <a:rPr lang="zh-CN" altLang="en-US" sz="2000" dirty="0" smtClean="0">
+              <a:rPr lang="zh-CN" altLang="en-US" sz="2000" dirty="0">
                 <a:latin typeface="微软雅黑" panose="020B0503020204020204" pitchFamily="34" charset="-122"/>
                 <a:ea typeface="微软雅黑" panose="020B0503020204020204" pitchFamily="34" charset="-122"/>
               </a:rPr>
               <a:t>格式的字符串转换成</a:t>
             </a:r>
             <a:r>
-              <a:rPr lang="en-US" altLang="zh-CN" sz="2000" dirty="0" smtClean="0">
+              <a:rPr lang="en-US" altLang="zh-CN" sz="2000" dirty="0">
                 <a:latin typeface="微软雅黑" panose="020B0503020204020204" pitchFamily="34" charset="-122"/>
                 <a:ea typeface="微软雅黑" panose="020B0503020204020204" pitchFamily="34" charset="-122"/>
               </a:rPr>
               <a:t>JSON</a:t>
             </a:r>
             <a:r>
-              <a:rPr lang="zh-CN" altLang="en-US" sz="2000" dirty="0" smtClean="0">
+              <a:rPr lang="zh-CN" altLang="en-US" sz="2000" dirty="0">
                 <a:latin typeface="微软雅黑" panose="020B0503020204020204" pitchFamily="34" charset="-122"/>
                 <a:ea typeface="微软雅黑" panose="020B0503020204020204" pitchFamily="34" charset="-122"/>
               </a:rPr>
               <a:t>对象</a:t>
             </a:r>
-            <a:endParaRPr lang="en-US" altLang="zh-CN" sz="2000" dirty="0" smtClean="0">
+            <a:endParaRPr lang="en-US" altLang="zh-CN" sz="2000" dirty="0">
               <a:latin typeface="微软雅黑" panose="020B0503020204020204" pitchFamily="34" charset="-122"/>
               <a:ea typeface="微软雅黑" panose="020B0503020204020204" pitchFamily="34" charset="-122"/>
             </a:endParaRPr>
@@ -16494,58 +16124,54 @@
               <a:buChar char="•"/>
             </a:pPr>
             <a:r>
-              <a:rPr lang="en-US" altLang="zh-CN" sz="2000" dirty="0" err="1" smtClean="0">
+              <a:rPr lang="en-US" altLang="zh-CN" sz="2000" dirty="0" err="1">
                 <a:latin typeface="微软雅黑" panose="020B0503020204020204" pitchFamily="34" charset="-122"/>
                 <a:ea typeface="微软雅黑" panose="020B0503020204020204" pitchFamily="34" charset="-122"/>
               </a:rPr>
               <a:t>JSON.stringify</a:t>
             </a:r>
             <a:r>
-              <a:rPr lang="en-US" altLang="zh-CN" sz="2000" dirty="0" smtClean="0">
+              <a:rPr lang="en-US" altLang="zh-CN" sz="2000" dirty="0">
                 <a:latin typeface="微软雅黑" panose="020B0503020204020204" pitchFamily="34" charset="-122"/>
                 <a:ea typeface="微软雅黑" panose="020B0503020204020204" pitchFamily="34" charset="-122"/>
               </a:rPr>
               <a:t>(data);</a:t>
             </a:r>
             <a:r>
-              <a:rPr lang="zh-CN" altLang="en-US" sz="2000" dirty="0" smtClean="0">
+              <a:rPr lang="zh-CN" altLang="en-US" sz="2000" dirty="0">
                 <a:latin typeface="微软雅黑" panose="020B0503020204020204" pitchFamily="34" charset="-122"/>
                 <a:ea typeface="微软雅黑" panose="020B0503020204020204" pitchFamily="34" charset="-122"/>
               </a:rPr>
               <a:t>把</a:t>
             </a:r>
             <a:r>
-              <a:rPr lang="en-US" altLang="zh-CN" sz="2000" dirty="0" err="1" smtClean="0">
+              <a:rPr lang="en-US" altLang="zh-CN" sz="2000" dirty="0" err="1">
                 <a:latin typeface="微软雅黑" panose="020B0503020204020204" pitchFamily="34" charset="-122"/>
                 <a:ea typeface="微软雅黑" panose="020B0503020204020204" pitchFamily="34" charset="-122"/>
               </a:rPr>
               <a:t>js</a:t>
             </a:r>
             <a:r>
-              <a:rPr lang="zh-CN" altLang="en-US" sz="2000" dirty="0" smtClean="0">
+              <a:rPr lang="zh-CN" altLang="en-US" sz="2000" dirty="0">
                 <a:latin typeface="微软雅黑" panose="020B0503020204020204" pitchFamily="34" charset="-122"/>
                 <a:ea typeface="微软雅黑" panose="020B0503020204020204" pitchFamily="34" charset="-122"/>
               </a:rPr>
               <a:t>对象转换成</a:t>
             </a:r>
             <a:r>
-              <a:rPr lang="en-US" altLang="zh-CN" sz="2000" dirty="0" smtClean="0">
+              <a:rPr lang="en-US" altLang="zh-CN" sz="2000" dirty="0">
                 <a:latin typeface="微软雅黑" panose="020B0503020204020204" pitchFamily="34" charset="-122"/>
                 <a:ea typeface="微软雅黑" panose="020B0503020204020204" pitchFamily="34" charset="-122"/>
               </a:rPr>
               <a:t>JSON</a:t>
             </a:r>
             <a:r>
-              <a:rPr lang="zh-CN" altLang="en-US" sz="2000" dirty="0" smtClean="0">
+              <a:rPr lang="zh-CN" altLang="en-US" sz="2000" dirty="0">
                 <a:latin typeface="微软雅黑" panose="020B0503020204020204" pitchFamily="34" charset="-122"/>
                 <a:ea typeface="微软雅黑" panose="020B0503020204020204" pitchFamily="34" charset="-122"/>
               </a:rPr>
               <a:t>格式字符串</a:t>
             </a:r>
-            <a:endParaRPr lang="zh-CN" altLang="en-US" sz="2000" dirty="0">
-              <a:latin typeface="微软雅黑" panose="020B0503020204020204" pitchFamily="34" charset="-122"/>
-              <a:ea typeface="微软雅黑" panose="020B0503020204020204" pitchFamily="34" charset="-122"/>
-            </a:endParaRPr>
           </a:p>
         </p:txBody>
       </p:sp>
@@ -16559,13 +16185,6 @@
   <p:clrMapOvr>
     <a:masterClrMapping/>
   </p:clrMapOvr>
-  <p:timing>
-    <p:tnLst>
-      <p:par>
-        <p:cTn id="1" dur="indefinite" restart="never" nodeType="tmRoot"/>
-      </p:par>
-    </p:tnLst>
-  </p:timing>
 </p:sld>
 </file>
 
@@ -16607,10 +16226,9 @@
           <a:lstStyle/>
           <a:p>
             <a:r>
-              <a:rPr lang="zh-CN" altLang="en-US" dirty="0" smtClean="0"/>
+              <a:rPr lang="zh-CN" altLang="en-US" dirty="0"/>
               <a:t>第三讲</a:t>
             </a:r>
-            <a:endParaRPr lang="zh-CN" altLang="en-US" dirty="0"/>
           </a:p>
         </p:txBody>
       </p:sp>
@@ -16676,7 +16294,7 @@
               <a:buAutoNum type="ea1JpnChsDbPeriod"/>
             </a:pPr>
             <a:r>
-              <a:rPr lang="en-US" altLang="zh-CN" sz="2000" dirty="0" smtClean="0">
+              <a:rPr lang="en-US" altLang="zh-CN" sz="2000" dirty="0">
                 <a:solidFill>
                   <a:schemeClr val="tx1">
                     <a:lumMod val="65000"/>
@@ -16689,7 +16307,7 @@
               <a:t>CURL</a:t>
             </a:r>
             <a:r>
-              <a:rPr lang="zh-CN" altLang="en-US" sz="2000" dirty="0" smtClean="0">
+              <a:rPr lang="zh-CN" altLang="en-US" sz="2000" dirty="0">
                 <a:solidFill>
                   <a:schemeClr val="tx1">
                     <a:lumMod val="65000"/>
@@ -16702,7 +16320,7 @@
               <a:t>与</a:t>
             </a:r>
             <a:r>
-              <a:rPr lang="en-US" altLang="zh-CN" sz="2000" dirty="0" smtClean="0">
+              <a:rPr lang="en-US" altLang="zh-CN" sz="2000" dirty="0">
                 <a:solidFill>
                   <a:schemeClr val="tx1">
                     <a:lumMod val="65000"/>
@@ -16714,16 +16332,6 @@
               </a:rPr>
               <a:t>JSON</a:t>
             </a:r>
-            <a:endParaRPr lang="en-US" altLang="zh-CN" sz="2000" dirty="0">
-              <a:solidFill>
-                <a:schemeClr val="tx1">
-                  <a:lumMod val="65000"/>
-                  <a:lumOff val="35000"/>
-                </a:schemeClr>
-              </a:solidFill>
-              <a:latin typeface="微软雅黑" panose="020B0503020204020204" pitchFamily="34" charset="-122"/>
-              <a:ea typeface="微软雅黑" panose="020B0503020204020204" pitchFamily="34" charset="-122"/>
-            </a:endParaRPr>
           </a:p>
           <a:p>
             <a:pPr marL="514350" indent="-514350">
@@ -16803,10 +16411,9 @@
           <a:lstStyle/>
           <a:p>
             <a:r>
-              <a:rPr lang="zh-CN" altLang="en-US" b="0" dirty="0" smtClean="0"/>
+              <a:rPr lang="zh-CN" altLang="en-US" b="0" dirty="0"/>
               <a:t>本次课程目录</a:t>
             </a:r>
-            <a:endParaRPr lang="zh-CN" altLang="en-US" b="0" dirty="0"/>
           </a:p>
         </p:txBody>
       </p:sp>
@@ -16819,7 +16426,7 @@
         <p:spPr>
           <a:xfrm>
             <a:off x="4058444" y="2343152"/>
-            <a:ext cx="5385594" cy="2308324"/>
+            <a:ext cx="5385594" cy="2196883"/>
           </a:xfrm>
           <a:prstGeom prst="rect">
             <a:avLst/>
@@ -16840,7 +16447,7 @@
               <a:buAutoNum type="ea1JpnChsDbPeriod"/>
             </a:pPr>
             <a:r>
-              <a:rPr lang="zh-CN" altLang="en-US" sz="2400" dirty="0" smtClean="0">
+              <a:rPr lang="zh-CN" altLang="en-US" sz="2400" dirty="0">
                 <a:solidFill>
                   <a:schemeClr val="tx1">
                     <a:lumMod val="65000"/>
@@ -16850,7 +16457,7 @@
                 <a:latin typeface="微软雅黑" panose="020B0503020204020204" pitchFamily="34" charset="-122"/>
                 <a:ea typeface="微软雅黑" panose="020B0503020204020204" pitchFamily="34" charset="-122"/>
               </a:rPr>
-              <a:t>事件消息类型</a:t>
+              <a:t>素材管理基础</a:t>
             </a:r>
             <a:endParaRPr lang="en-US" altLang="zh-CN" sz="2400" dirty="0">
               <a:solidFill>
@@ -16872,7 +16479,7 @@
               <a:buAutoNum type="ea1JpnChsDbPeriod"/>
             </a:pPr>
             <a:r>
-              <a:rPr lang="zh-CN" altLang="en-US" sz="2400" dirty="0" smtClean="0">
+              <a:rPr lang="zh-CN" altLang="en-US" sz="2400" dirty="0">
                 <a:solidFill>
                   <a:schemeClr val="tx1">
                     <a:lumMod val="65000"/>
@@ -16882,33 +16489,7 @@
                 <a:latin typeface="微软雅黑" panose="020B0503020204020204" pitchFamily="34" charset="-122"/>
                 <a:ea typeface="微软雅黑" panose="020B0503020204020204" pitchFamily="34" charset="-122"/>
               </a:rPr>
-              <a:t>关注</a:t>
-            </a:r>
-            <a:r>
-              <a:rPr lang="en-US" altLang="zh-CN" sz="2400" dirty="0" smtClean="0">
-                <a:solidFill>
-                  <a:schemeClr val="tx1">
-                    <a:lumMod val="65000"/>
-                    <a:lumOff val="35000"/>
-                  </a:schemeClr>
-                </a:solidFill>
-                <a:latin typeface="微软雅黑" panose="020B0503020204020204" pitchFamily="34" charset="-122"/>
-                <a:ea typeface="微软雅黑" panose="020B0503020204020204" pitchFamily="34" charset="-122"/>
-              </a:rPr>
-              <a:t>/</a:t>
-            </a:r>
-            <a:r>
-              <a:rPr lang="zh-CN" altLang="en-US" sz="2400" dirty="0" smtClean="0">
-                <a:solidFill>
-                  <a:schemeClr val="tx1">
-                    <a:lumMod val="65000"/>
-                    <a:lumOff val="35000"/>
-                  </a:schemeClr>
-                </a:solidFill>
-                <a:latin typeface="微软雅黑" panose="020B0503020204020204" pitchFamily="34" charset="-122"/>
-                <a:ea typeface="微软雅黑" panose="020B0503020204020204" pitchFamily="34" charset="-122"/>
-              </a:rPr>
-              <a:t>取消关注事件</a:t>
+              <a:t>图文素材</a:t>
             </a:r>
             <a:endParaRPr lang="en-US" altLang="zh-CN" sz="2400" dirty="0">
               <a:solidFill>
@@ -16930,7 +16511,7 @@
               <a:buAutoNum type="ea1JpnChsDbPeriod"/>
             </a:pPr>
             <a:r>
-              <a:rPr lang="zh-CN" altLang="en-US" sz="2400" dirty="0" smtClean="0">
+              <a:rPr lang="zh-CN" altLang="en-US" sz="2400" dirty="0">
                 <a:solidFill>
                   <a:schemeClr val="tx1">
                     <a:lumMod val="65000"/>
@@ -16940,7 +16521,7 @@
                 <a:latin typeface="微软雅黑" panose="020B0503020204020204" pitchFamily="34" charset="-122"/>
                 <a:ea typeface="微软雅黑" panose="020B0503020204020204" pitchFamily="34" charset="-122"/>
               </a:rPr>
-              <a:t>扫描二维码与地理位置事件</a:t>
+              <a:t>编写完整的处理代码</a:t>
             </a:r>
             <a:endParaRPr lang="en-US" altLang="zh-CN" sz="2400" dirty="0">
               <a:solidFill>
@@ -16965,13 +16546,6 @@
   <p:clrMapOvr>
     <a:masterClrMapping/>
   </p:clrMapOvr>
-  <p:timing>
-    <p:tnLst>
-      <p:par>
-        <p:cTn id="1" dur="indefinite" restart="never" nodeType="tmRoot"/>
-      </p:par>
-    </p:tnLst>
-  </p:timing>
 </p:sld>
 </file>
 
@@ -17008,14 +16582,13 @@
           <a:lstStyle/>
           <a:p>
             <a:r>
-              <a:rPr lang="en-US" altLang="zh-CN" dirty="0" smtClean="0"/>
+              <a:rPr lang="en-US" altLang="zh-CN" dirty="0"/>
               <a:t>IP</a:t>
             </a:r>
             <a:r>
-              <a:rPr lang="zh-CN" altLang="en-US" dirty="0" smtClean="0"/>
+              <a:rPr lang="zh-CN" altLang="en-US" dirty="0"/>
               <a:t>白名单</a:t>
             </a:r>
-            <a:endParaRPr lang="zh-CN" altLang="en-US" dirty="0"/>
           </a:p>
         </p:txBody>
       </p:sp>
@@ -17049,27 +16622,27 @@
               <a:buChar char="•"/>
             </a:pPr>
             <a:r>
-              <a:rPr lang="zh-CN" altLang="en-US" sz="2000" dirty="0" smtClean="0">
+              <a:rPr lang="zh-CN" altLang="en-US" sz="2000" dirty="0">
                 <a:latin typeface="微软雅黑" panose="020B0503020204020204" pitchFamily="34" charset="-122"/>
                 <a:ea typeface="微软雅黑" panose="020B0503020204020204" pitchFamily="34" charset="-122"/>
               </a:rPr>
               <a:t>调用接口以前需要先把开发者服务器的</a:t>
             </a:r>
             <a:r>
-              <a:rPr lang="en-US" altLang="zh-CN" sz="2000" dirty="0" smtClean="0">
+              <a:rPr lang="en-US" altLang="zh-CN" sz="2000" dirty="0">
                 <a:latin typeface="微软雅黑" panose="020B0503020204020204" pitchFamily="34" charset="-122"/>
                 <a:ea typeface="微软雅黑" panose="020B0503020204020204" pitchFamily="34" charset="-122"/>
               </a:rPr>
               <a:t>IP</a:t>
             </a:r>
             <a:r>
-              <a:rPr lang="zh-CN" altLang="en-US" sz="2000" dirty="0" smtClean="0">
+              <a:rPr lang="zh-CN" altLang="en-US" sz="2000" dirty="0">
                 <a:latin typeface="微软雅黑" panose="020B0503020204020204" pitchFamily="34" charset="-122"/>
                 <a:ea typeface="微软雅黑" panose="020B0503020204020204" pitchFamily="34" charset="-122"/>
               </a:rPr>
               <a:t>地址加入白名单列表</a:t>
             </a:r>
-            <a:endParaRPr lang="en-US" altLang="zh-CN" sz="2000" dirty="0" smtClean="0">
+            <a:endParaRPr lang="en-US" altLang="zh-CN" sz="2000" dirty="0">
               <a:latin typeface="微软雅黑" panose="020B0503020204020204" pitchFamily="34" charset="-122"/>
               <a:ea typeface="微软雅黑" panose="020B0503020204020204" pitchFamily="34" charset="-122"/>
             </a:endParaRPr>
@@ -17083,27 +16656,27 @@
               <a:buChar char="•"/>
             </a:pPr>
             <a:r>
-              <a:rPr lang="zh-CN" altLang="en-US" sz="2000" dirty="0" smtClean="0">
+              <a:rPr lang="zh-CN" altLang="en-US" sz="2000" dirty="0">
                 <a:latin typeface="微软雅黑" panose="020B0503020204020204" pitchFamily="34" charset="-122"/>
                 <a:ea typeface="微软雅黑" panose="020B0503020204020204" pitchFamily="34" charset="-122"/>
               </a:rPr>
               <a:t>如果在本地测试，则把本地所在公网</a:t>
             </a:r>
             <a:r>
-              <a:rPr lang="en-US" altLang="zh-CN" sz="2000" dirty="0" smtClean="0">
+              <a:rPr lang="en-US" altLang="zh-CN" sz="2000" dirty="0">
                 <a:latin typeface="微软雅黑" panose="020B0503020204020204" pitchFamily="34" charset="-122"/>
                 <a:ea typeface="微软雅黑" panose="020B0503020204020204" pitchFamily="34" charset="-122"/>
               </a:rPr>
               <a:t>IP</a:t>
             </a:r>
             <a:r>
-              <a:rPr lang="zh-CN" altLang="en-US" sz="2000" dirty="0" smtClean="0">
+              <a:rPr lang="zh-CN" altLang="en-US" sz="2000" dirty="0">
                 <a:latin typeface="微软雅黑" panose="020B0503020204020204" pitchFamily="34" charset="-122"/>
                 <a:ea typeface="微软雅黑" panose="020B0503020204020204" pitchFamily="34" charset="-122"/>
               </a:rPr>
               <a:t>也加入到白名单</a:t>
             </a:r>
-            <a:endParaRPr lang="en-US" altLang="zh-CN" sz="2000" dirty="0" smtClean="0">
+            <a:endParaRPr lang="en-US" altLang="zh-CN" sz="2000" dirty="0">
               <a:latin typeface="微软雅黑" panose="020B0503020204020204" pitchFamily="34" charset="-122"/>
               <a:ea typeface="微软雅黑" panose="020B0503020204020204" pitchFamily="34" charset="-122"/>
             </a:endParaRPr>
@@ -17121,16 +16694,9 @@
                 <a:latin typeface="微软雅黑" panose="020B0503020204020204" pitchFamily="34" charset="-122"/>
                 <a:ea typeface="微软雅黑" panose="020B0503020204020204" pitchFamily="34" charset="-122"/>
               </a:rPr>
-              <a:t>不</a:t>
-            </a:r>
-            <a:r>
-              <a:rPr lang="zh-CN" altLang="en-US" sz="2000" dirty="0" smtClean="0">
-                <a:latin typeface="微软雅黑" panose="020B0503020204020204" pitchFamily="34" charset="-122"/>
-                <a:ea typeface="微软雅黑" panose="020B0503020204020204" pitchFamily="34" charset="-122"/>
-              </a:rPr>
-              <a:t>加入白名单，调用接口会失败</a:t>
-            </a:r>
-            <a:endParaRPr lang="en-US" altLang="zh-CN" sz="2000" dirty="0" smtClean="0">
+              <a:t>不加入白名单，调用接口会失败</a:t>
+            </a:r>
+            <a:endParaRPr lang="en-US" altLang="zh-CN" sz="2000" dirty="0">
               <a:latin typeface="微软雅黑" panose="020B0503020204020204" pitchFamily="34" charset="-122"/>
               <a:ea typeface="微软雅黑" panose="020B0503020204020204" pitchFamily="34" charset="-122"/>
             </a:endParaRPr>
@@ -17148,16 +16714,9 @@
                 <a:latin typeface="微软雅黑" panose="020B0503020204020204" pitchFamily="34" charset="-122"/>
                 <a:ea typeface="微软雅黑" panose="020B0503020204020204" pitchFamily="34" charset="-122"/>
               </a:rPr>
-              <a:t>白名单</a:t>
-            </a:r>
-            <a:r>
-              <a:rPr lang="zh-CN" altLang="en-US" sz="2000" dirty="0" smtClean="0">
-                <a:latin typeface="微软雅黑" panose="020B0503020204020204" pitchFamily="34" charset="-122"/>
-                <a:ea typeface="微软雅黑" panose="020B0503020204020204" pitchFamily="34" charset="-122"/>
-              </a:rPr>
-              <a:t>机制是为了安全性考虑</a:t>
-            </a:r>
-            <a:endParaRPr lang="en-US" altLang="zh-CN" sz="2000" dirty="0" smtClean="0">
+              <a:t>白名单机制是为了安全性考虑</a:t>
+            </a:r>
+            <a:endParaRPr lang="en-US" altLang="zh-CN" sz="2000" dirty="0">
               <a:latin typeface="微软雅黑" panose="020B0503020204020204" pitchFamily="34" charset="-122"/>
               <a:ea typeface="微软雅黑" panose="020B0503020204020204" pitchFamily="34" charset="-122"/>
             </a:endParaRPr>
@@ -17211,11 +16770,7 @@
           <a:p>
             <a:r>
               <a:rPr lang="en-US" altLang="zh-CN" dirty="0" err="1"/>
-              <a:t>a</a:t>
-            </a:r>
-            <a:r>
-              <a:rPr lang="en-US" altLang="zh-CN" dirty="0" err="1" smtClean="0"/>
-              <a:t>ccess_token</a:t>
+              <a:t>access_token</a:t>
             </a:r>
             <a:endParaRPr lang="zh-CN" altLang="en-US" dirty="0"/>
           </a:p>
@@ -17272,13 +16827,13 @@
               <a:t>access_token</a:t>
             </a:r>
             <a:r>
-              <a:rPr lang="zh-CN" altLang="en-US" sz="2000" dirty="0" smtClean="0">
+              <a:rPr lang="zh-CN" altLang="en-US" sz="2000" dirty="0">
                 <a:latin typeface="微软雅黑" panose="020B0503020204020204" pitchFamily="34" charset="-122"/>
                 <a:ea typeface="微软雅黑" panose="020B0503020204020204" pitchFamily="34" charset="-122"/>
               </a:rPr>
               <a:t>。</a:t>
             </a:r>
-            <a:endParaRPr lang="en-US" altLang="zh-CN" sz="2000" dirty="0" smtClean="0">
+            <a:endParaRPr lang="en-US" altLang="zh-CN" sz="2000" dirty="0">
               <a:latin typeface="微软雅黑" panose="020B0503020204020204" pitchFamily="34" charset="-122"/>
               <a:ea typeface="微软雅黑" panose="020B0503020204020204" pitchFamily="34" charset="-122"/>
             </a:endParaRPr>
@@ -17317,16 +16872,9 @@
                 <a:latin typeface="微软雅黑" panose="020B0503020204020204" pitchFamily="34" charset="-122"/>
                 <a:ea typeface="微软雅黑" panose="020B0503020204020204" pitchFamily="34" charset="-122"/>
               </a:rPr>
-              <a:t>个字符空间</a:t>
-            </a:r>
-            <a:r>
-              <a:rPr lang="zh-CN" altLang="en-US" sz="2000" dirty="0" smtClean="0">
-                <a:latin typeface="微软雅黑" panose="020B0503020204020204" pitchFamily="34" charset="-122"/>
-                <a:ea typeface="微软雅黑" panose="020B0503020204020204" pitchFamily="34" charset="-122"/>
-              </a:rPr>
-              <a:t>。</a:t>
-            </a:r>
-            <a:endParaRPr lang="en-US" altLang="zh-CN" sz="2000" dirty="0" smtClean="0">
+              <a:t>个字符空间。</a:t>
+            </a:r>
+            <a:endParaRPr lang="en-US" altLang="zh-CN" sz="2000" dirty="0">
               <a:latin typeface="微软雅黑" panose="020B0503020204020204" pitchFamily="34" charset="-122"/>
               <a:ea typeface="微软雅黑" panose="020B0503020204020204" pitchFamily="34" charset="-122"/>
             </a:endParaRPr>
@@ -17340,7 +16888,7 @@
               <a:buChar char="•"/>
             </a:pPr>
             <a:r>
-              <a:rPr lang="en-US" altLang="zh-CN" sz="2000" dirty="0" smtClean="0">
+              <a:rPr lang="en-US" altLang="zh-CN" sz="2000" dirty="0">
                 <a:latin typeface="微软雅黑" panose="020B0503020204020204" pitchFamily="34" charset="-122"/>
                 <a:ea typeface="微软雅黑" panose="020B0503020204020204" pitchFamily="34" charset="-122"/>
               </a:rPr>
@@ -17365,16 +16913,9 @@
                 <a:latin typeface="微软雅黑" panose="020B0503020204020204" pitchFamily="34" charset="-122"/>
                 <a:ea typeface="微软雅黑" panose="020B0503020204020204" pitchFamily="34" charset="-122"/>
               </a:rPr>
-              <a:t>个小时，需定时</a:t>
-            </a:r>
-            <a:r>
-              <a:rPr lang="zh-CN" altLang="en-US" sz="2000" dirty="0" smtClean="0">
-                <a:latin typeface="微软雅黑" panose="020B0503020204020204" pitchFamily="34" charset="-122"/>
-                <a:ea typeface="微软雅黑" panose="020B0503020204020204" pitchFamily="34" charset="-122"/>
-              </a:rPr>
-              <a:t>刷新。</a:t>
-            </a:r>
-            <a:endParaRPr lang="en-US" altLang="zh-CN" sz="2000" dirty="0" smtClean="0">
+              <a:t>个小时，需定时刷新。</a:t>
+            </a:r>
+            <a:endParaRPr lang="en-US" altLang="zh-CN" sz="2000" dirty="0">
               <a:latin typeface="微软雅黑" panose="020B0503020204020204" pitchFamily="34" charset="-122"/>
               <a:ea typeface="微软雅黑" panose="020B0503020204020204" pitchFamily="34" charset="-122"/>
             </a:endParaRPr>
@@ -17388,18 +16929,11 @@
               <a:buChar char="•"/>
             </a:pPr>
             <a:r>
-              <a:rPr lang="zh-CN" altLang="en-US" sz="2000" dirty="0" smtClean="0">
-                <a:latin typeface="微软雅黑" panose="020B0503020204020204" pitchFamily="34" charset="-122"/>
-                <a:ea typeface="微软雅黑" panose="020B0503020204020204" pitchFamily="34" charset="-122"/>
-              </a:rPr>
-              <a:t>重复</a:t>
-            </a:r>
-            <a:r>
               <a:rPr lang="zh-CN" altLang="en-US" sz="2000" dirty="0">
                 <a:latin typeface="微软雅黑" panose="020B0503020204020204" pitchFamily="34" charset="-122"/>
                 <a:ea typeface="微软雅黑" panose="020B0503020204020204" pitchFamily="34" charset="-122"/>
               </a:rPr>
-              <a:t>获取将导致上次获取的</a:t>
+              <a:t>重复获取将导致上次获取的</a:t>
             </a:r>
             <a:r>
               <a:rPr lang="en-US" altLang="zh-CN" sz="2000" dirty="0">
@@ -17469,10 +17003,9 @@
           <a:lstStyle/>
           <a:p>
             <a:r>
-              <a:rPr lang="zh-CN" altLang="en-US" dirty="0" smtClean="0"/>
+              <a:rPr lang="zh-CN" altLang="en-US" dirty="0"/>
               <a:t>调用微信接口的凭据</a:t>
             </a:r>
-            <a:endParaRPr lang="zh-CN" altLang="en-US" dirty="0"/>
           </a:p>
         </p:txBody>
       </p:sp>
@@ -17513,48 +17046,48 @@
               <a:t>开发者</a:t>
             </a:r>
             <a:r>
-              <a:rPr lang="en-US" altLang="zh-CN" sz="2000" dirty="0" smtClean="0">
+              <a:rPr lang="en-US" altLang="zh-CN" sz="2000" dirty="0">
                 <a:latin typeface="微软雅黑" panose="020B0503020204020204" pitchFamily="34" charset="-122"/>
                 <a:ea typeface="微软雅黑" panose="020B0503020204020204" pitchFamily="34" charset="-122"/>
               </a:rPr>
               <a:t>ID</a:t>
             </a:r>
             <a:r>
-              <a:rPr lang="zh-CN" altLang="en-US" sz="2000" dirty="0" smtClean="0">
+              <a:rPr lang="zh-CN" altLang="en-US" sz="2000" dirty="0">
                 <a:latin typeface="微软雅黑" panose="020B0503020204020204" pitchFamily="34" charset="-122"/>
                 <a:ea typeface="微软雅黑" panose="020B0503020204020204" pitchFamily="34" charset="-122"/>
               </a:rPr>
               <a:t>（</a:t>
             </a:r>
             <a:r>
-              <a:rPr lang="en-US" altLang="zh-CN" sz="2000" dirty="0" smtClean="0">
+              <a:rPr lang="en-US" altLang="zh-CN" sz="2000" dirty="0">
                 <a:latin typeface="微软雅黑" panose="020B0503020204020204" pitchFamily="34" charset="-122"/>
                 <a:ea typeface="微软雅黑" panose="020B0503020204020204" pitchFamily="34" charset="-122"/>
               </a:rPr>
               <a:t>AppId</a:t>
             </a:r>
             <a:r>
-              <a:rPr lang="zh-CN" altLang="en-US" sz="2000" dirty="0" smtClean="0">
+              <a:rPr lang="zh-CN" altLang="en-US" sz="2000" dirty="0">
                 <a:latin typeface="微软雅黑" panose="020B0503020204020204" pitchFamily="34" charset="-122"/>
                 <a:ea typeface="微软雅黑" panose="020B0503020204020204" pitchFamily="34" charset="-122"/>
               </a:rPr>
               <a:t>）：申请微信公众号产生的唯一</a:t>
             </a:r>
             <a:r>
-              <a:rPr lang="en-US" altLang="zh-CN" sz="2000" dirty="0" smtClean="0">
+              <a:rPr lang="en-US" altLang="zh-CN" sz="2000" dirty="0">
                 <a:latin typeface="微软雅黑" panose="020B0503020204020204" pitchFamily="34" charset="-122"/>
                 <a:ea typeface="微软雅黑" panose="020B0503020204020204" pitchFamily="34" charset="-122"/>
               </a:rPr>
               <a:t>ID</a:t>
             </a:r>
             <a:r>
-              <a:rPr lang="zh-CN" altLang="en-US" sz="2000" dirty="0" smtClean="0">
+              <a:rPr lang="zh-CN" altLang="en-US" sz="2000" dirty="0">
                 <a:latin typeface="微软雅黑" panose="020B0503020204020204" pitchFamily="34" charset="-122"/>
                 <a:ea typeface="微软雅黑" panose="020B0503020204020204" pitchFamily="34" charset="-122"/>
               </a:rPr>
               <a:t>标识</a:t>
             </a:r>
-            <a:endParaRPr lang="en-US" altLang="zh-CN" sz="2000" dirty="0" smtClean="0">
+            <a:endParaRPr lang="en-US" altLang="zh-CN" sz="2000" dirty="0">
               <a:latin typeface="微软雅黑" panose="020B0503020204020204" pitchFamily="34" charset="-122"/>
               <a:ea typeface="微软雅黑" panose="020B0503020204020204" pitchFamily="34" charset="-122"/>
             </a:endParaRPr>
@@ -17572,37 +17105,23 @@
                 <a:latin typeface="微软雅黑" panose="020B0503020204020204" pitchFamily="34" charset="-122"/>
                 <a:ea typeface="微软雅黑" panose="020B0503020204020204" pitchFamily="34" charset="-122"/>
               </a:rPr>
-              <a:t>开发者</a:t>
-            </a:r>
-            <a:r>
-              <a:rPr lang="zh-CN" altLang="en-US" sz="2000" dirty="0" smtClean="0">
-                <a:latin typeface="微软雅黑" panose="020B0503020204020204" pitchFamily="34" charset="-122"/>
-                <a:ea typeface="微软雅黑" panose="020B0503020204020204" pitchFamily="34" charset="-122"/>
-              </a:rPr>
-              <a:t>密码（</a:t>
-            </a:r>
-            <a:r>
-              <a:rPr lang="en-US" altLang="zh-CN" sz="2000" dirty="0" smtClean="0">
+              <a:t>开发者密码（</a:t>
+            </a:r>
+            <a:r>
+              <a:rPr lang="en-US" altLang="zh-CN" sz="2000" dirty="0">
                 <a:latin typeface="微软雅黑" panose="020B0503020204020204" pitchFamily="34" charset="-122"/>
                 <a:ea typeface="微软雅黑" panose="020B0503020204020204" pitchFamily="34" charset="-122"/>
               </a:rPr>
               <a:t>AppSecret</a:t>
             </a:r>
             <a:r>
-              <a:rPr lang="zh-CN" altLang="en-US" sz="2000" dirty="0" smtClean="0">
-                <a:latin typeface="微软雅黑" panose="020B0503020204020204" pitchFamily="34" charset="-122"/>
-                <a:ea typeface="微软雅黑" panose="020B0503020204020204" pitchFamily="34" charset="-122"/>
-              </a:rPr>
-              <a:t>）：</a:t>
-            </a:r>
-            <a:r>
               <a:rPr lang="zh-CN" altLang="en-US" sz="2000" dirty="0">
                 <a:latin typeface="微软雅黑" panose="020B0503020204020204" pitchFamily="34" charset="-122"/>
                 <a:ea typeface="微软雅黑" panose="020B0503020204020204" pitchFamily="34" charset="-122"/>
               </a:rPr>
-              <a:t>开发者密码是校验公众号开发者身份的密码</a:t>
-            </a:r>
-            <a:endParaRPr lang="en-US" altLang="zh-CN" sz="2000" dirty="0" smtClean="0">
+              <a:t>）：开发者密码是校验公众号开发者身份的密码</a:t>
+            </a:r>
+            <a:endParaRPr lang="en-US" altLang="zh-CN" sz="2000" dirty="0">
               <a:latin typeface="微软雅黑" panose="020B0503020204020204" pitchFamily="34" charset="-122"/>
               <a:ea typeface="微软雅黑" panose="020B0503020204020204" pitchFamily="34" charset="-122"/>
             </a:endParaRPr>
@@ -17620,37 +17139,30 @@
                 <a:latin typeface="微软雅黑" panose="020B0503020204020204" pitchFamily="34" charset="-122"/>
                 <a:ea typeface="微软雅黑" panose="020B0503020204020204" pitchFamily="34" charset="-122"/>
               </a:rPr>
-              <a:t>a</a:t>
-            </a:r>
-            <a:r>
-              <a:rPr lang="en-US" altLang="zh-CN" sz="2000" dirty="0" err="1" smtClean="0">
-                <a:latin typeface="微软雅黑" panose="020B0503020204020204" pitchFamily="34" charset="-122"/>
-                <a:ea typeface="微软雅黑" panose="020B0503020204020204" pitchFamily="34" charset="-122"/>
-              </a:rPr>
-              <a:t>ccess_token</a:t>
-            </a:r>
-            <a:r>
-              <a:rPr lang="zh-CN" altLang="en-US" sz="2000" dirty="0" smtClean="0">
+              <a:t>access_token</a:t>
+            </a:r>
+            <a:r>
+              <a:rPr lang="zh-CN" altLang="en-US" sz="2000" dirty="0">
                 <a:latin typeface="微软雅黑" panose="020B0503020204020204" pitchFamily="34" charset="-122"/>
                 <a:ea typeface="微软雅黑" panose="020B0503020204020204" pitchFamily="34" charset="-122"/>
               </a:rPr>
               <a:t>：每次由获取</a:t>
             </a:r>
             <a:r>
-              <a:rPr lang="en-US" altLang="zh-CN" sz="2000" dirty="0" err="1" smtClean="0">
+              <a:rPr lang="en-US" altLang="zh-CN" sz="2000" dirty="0" err="1">
                 <a:latin typeface="微软雅黑" panose="020B0503020204020204" pitchFamily="34" charset="-122"/>
                 <a:ea typeface="微软雅黑" panose="020B0503020204020204" pitchFamily="34" charset="-122"/>
               </a:rPr>
               <a:t>access_token</a:t>
             </a:r>
             <a:r>
-              <a:rPr lang="zh-CN" altLang="en-US" sz="2000" dirty="0" smtClean="0">
+              <a:rPr lang="zh-CN" altLang="en-US" sz="2000" dirty="0">
                 <a:latin typeface="微软雅黑" panose="020B0503020204020204" pitchFamily="34" charset="-122"/>
                 <a:ea typeface="微软雅黑" panose="020B0503020204020204" pitchFamily="34" charset="-122"/>
               </a:rPr>
               <a:t>接口获取后保存并用于其他接口的调用</a:t>
             </a:r>
-            <a:endParaRPr lang="en-US" altLang="zh-CN" sz="2000" dirty="0" smtClean="0">
+            <a:endParaRPr lang="en-US" altLang="zh-CN" sz="2000" dirty="0">
               <a:latin typeface="微软雅黑" panose="020B0503020204020204" pitchFamily="34" charset="-122"/>
               <a:ea typeface="微软雅黑" panose="020B0503020204020204" pitchFamily="34" charset="-122"/>
             </a:endParaRPr>
@@ -17664,27 +17176,27 @@
               <a:buChar char="•"/>
             </a:pPr>
             <a:r>
-              <a:rPr lang="zh-CN" altLang="en-US" sz="2000" dirty="0" smtClean="0">
+              <a:rPr lang="zh-CN" altLang="en-US" sz="2000" dirty="0">
                 <a:latin typeface="微软雅黑" panose="020B0503020204020204" pitchFamily="34" charset="-122"/>
                 <a:ea typeface="微软雅黑" panose="020B0503020204020204" pitchFamily="34" charset="-122"/>
               </a:rPr>
               <a:t>除</a:t>
             </a:r>
             <a:r>
-              <a:rPr lang="en-US" altLang="zh-CN" sz="2000" dirty="0" err="1" smtClean="0">
+              <a:rPr lang="en-US" altLang="zh-CN" sz="2000" dirty="0" err="1">
                 <a:latin typeface="微软雅黑" panose="020B0503020204020204" pitchFamily="34" charset="-122"/>
                 <a:ea typeface="微软雅黑" panose="020B0503020204020204" pitchFamily="34" charset="-122"/>
               </a:rPr>
               <a:t>access_token</a:t>
             </a:r>
             <a:r>
-              <a:rPr lang="zh-CN" altLang="en-US" sz="2000" dirty="0" smtClean="0">
+              <a:rPr lang="zh-CN" altLang="en-US" sz="2000" dirty="0">
                 <a:latin typeface="微软雅黑" panose="020B0503020204020204" pitchFamily="34" charset="-122"/>
                 <a:ea typeface="微软雅黑" panose="020B0503020204020204" pitchFamily="34" charset="-122"/>
               </a:rPr>
               <a:t>接口以外，其他接口的调用流程：</a:t>
             </a:r>
-            <a:endParaRPr lang="en-US" altLang="zh-CN" sz="2000" dirty="0" smtClean="0">
+            <a:endParaRPr lang="en-US" altLang="zh-CN" sz="2000" dirty="0">
               <a:latin typeface="微软雅黑" panose="020B0503020204020204" pitchFamily="34" charset="-122"/>
               <a:ea typeface="微软雅黑" panose="020B0503020204020204" pitchFamily="34" charset="-122"/>
             </a:endParaRPr>
@@ -17698,48 +17210,48 @@
               <a:buAutoNum type="arabicPeriod"/>
             </a:pPr>
             <a:r>
-              <a:rPr lang="zh-CN" altLang="en-US" sz="2000" dirty="0" smtClean="0">
+              <a:rPr lang="zh-CN" altLang="en-US" sz="2000" dirty="0">
                 <a:latin typeface="微软雅黑" panose="020B0503020204020204" pitchFamily="34" charset="-122"/>
                 <a:ea typeface="微软雅黑" panose="020B0503020204020204" pitchFamily="34" charset="-122"/>
               </a:rPr>
               <a:t>先使用</a:t>
             </a:r>
             <a:r>
-              <a:rPr lang="en-US" altLang="zh-CN" sz="2000" dirty="0" smtClean="0">
+              <a:rPr lang="en-US" altLang="zh-CN" sz="2000" dirty="0">
                 <a:latin typeface="微软雅黑" panose="020B0503020204020204" pitchFamily="34" charset="-122"/>
                 <a:ea typeface="微软雅黑" panose="020B0503020204020204" pitchFamily="34" charset="-122"/>
               </a:rPr>
               <a:t>AppId</a:t>
             </a:r>
             <a:r>
-              <a:rPr lang="zh-CN" altLang="en-US" sz="2000" dirty="0" smtClean="0">
+              <a:rPr lang="zh-CN" altLang="en-US" sz="2000" dirty="0">
                 <a:latin typeface="微软雅黑" panose="020B0503020204020204" pitchFamily="34" charset="-122"/>
                 <a:ea typeface="微软雅黑" panose="020B0503020204020204" pitchFamily="34" charset="-122"/>
               </a:rPr>
               <a:t>与</a:t>
             </a:r>
             <a:r>
-              <a:rPr lang="en-US" altLang="zh-CN" sz="2000" dirty="0" smtClean="0">
+              <a:rPr lang="en-US" altLang="zh-CN" sz="2000" dirty="0">
                 <a:latin typeface="微软雅黑" panose="020B0503020204020204" pitchFamily="34" charset="-122"/>
                 <a:ea typeface="微软雅黑" panose="020B0503020204020204" pitchFamily="34" charset="-122"/>
               </a:rPr>
               <a:t>AppSecret</a:t>
             </a:r>
             <a:r>
-              <a:rPr lang="zh-CN" altLang="en-US" sz="2000" dirty="0" smtClean="0">
+              <a:rPr lang="zh-CN" altLang="en-US" sz="2000" dirty="0">
                 <a:latin typeface="微软雅黑" panose="020B0503020204020204" pitchFamily="34" charset="-122"/>
                 <a:ea typeface="微软雅黑" panose="020B0503020204020204" pitchFamily="34" charset="-122"/>
               </a:rPr>
               <a:t>获取有效的</a:t>
             </a:r>
             <a:r>
-              <a:rPr lang="en-US" altLang="zh-CN" sz="2000" dirty="0" err="1" smtClean="0">
+              <a:rPr lang="en-US" altLang="zh-CN" sz="2000" dirty="0" err="1">
                 <a:latin typeface="微软雅黑" panose="020B0503020204020204" pitchFamily="34" charset="-122"/>
                 <a:ea typeface="微软雅黑" panose="020B0503020204020204" pitchFamily="34" charset="-122"/>
               </a:rPr>
               <a:t>access_token</a:t>
             </a:r>
-            <a:endParaRPr lang="en-US" altLang="zh-CN" sz="2000" dirty="0" smtClean="0">
+            <a:endParaRPr lang="en-US" altLang="zh-CN" sz="2000" dirty="0">
               <a:latin typeface="微软雅黑" panose="020B0503020204020204" pitchFamily="34" charset="-122"/>
               <a:ea typeface="微软雅黑" panose="020B0503020204020204" pitchFamily="34" charset="-122"/>
             </a:endParaRPr>
@@ -17753,30 +17265,26 @@
               <a:buAutoNum type="arabicPeriod"/>
             </a:pPr>
             <a:r>
-              <a:rPr lang="zh-CN" altLang="en-US" sz="2000" dirty="0" smtClean="0">
+              <a:rPr lang="zh-CN" altLang="en-US" sz="2000" dirty="0">
                 <a:latin typeface="微软雅黑" panose="020B0503020204020204" pitchFamily="34" charset="-122"/>
                 <a:ea typeface="微软雅黑" panose="020B0503020204020204" pitchFamily="34" charset="-122"/>
               </a:rPr>
               <a:t>之后要通过</a:t>
             </a:r>
             <a:r>
-              <a:rPr lang="en-US" altLang="zh-CN" sz="2000" dirty="0" err="1" smtClean="0">
+              <a:rPr lang="en-US" altLang="zh-CN" sz="2000" dirty="0" err="1">
                 <a:latin typeface="微软雅黑" panose="020B0503020204020204" pitchFamily="34" charset="-122"/>
                 <a:ea typeface="微软雅黑" panose="020B0503020204020204" pitchFamily="34" charset="-122"/>
               </a:rPr>
               <a:t>access_token</a:t>
             </a:r>
             <a:r>
-              <a:rPr lang="zh-CN" altLang="en-US" sz="2000" dirty="0" smtClean="0">
+              <a:rPr lang="zh-CN" altLang="en-US" sz="2000" dirty="0">
                 <a:latin typeface="微软雅黑" panose="020B0503020204020204" pitchFamily="34" charset="-122"/>
                 <a:ea typeface="微软雅黑" panose="020B0503020204020204" pitchFamily="34" charset="-122"/>
               </a:rPr>
               <a:t>与其他参数调用接口</a:t>
             </a:r>
-            <a:endParaRPr lang="zh-CN" altLang="en-US" sz="2000" dirty="0">
-              <a:latin typeface="微软雅黑" panose="020B0503020204020204" pitchFamily="34" charset="-122"/>
-              <a:ea typeface="微软雅黑" panose="020B0503020204020204" pitchFamily="34" charset="-122"/>
-            </a:endParaRPr>
           </a:p>
         </p:txBody>
       </p:sp>
@@ -17831,11 +17339,11 @@
           <a:lstStyle/>
           <a:p>
             <a:r>
-              <a:rPr lang="zh-CN" altLang="en-US" dirty="0" smtClean="0"/>
+              <a:rPr lang="zh-CN" altLang="en-US" dirty="0"/>
               <a:t>获取</a:t>
             </a:r>
             <a:r>
-              <a:rPr lang="en-US" altLang="zh-CN" dirty="0" err="1" smtClean="0"/>
+              <a:rPr lang="en-US" altLang="zh-CN" dirty="0" err="1"/>
               <a:t>access_token</a:t>
             </a:r>
             <a:endParaRPr lang="zh-CN" altLang="en-US" dirty="0"/>
@@ -17872,20 +17380,20 @@
               <a:buChar char="•"/>
             </a:pPr>
             <a:r>
-              <a:rPr lang="zh-CN" altLang="en-US" sz="2000" dirty="0" smtClean="0">
+              <a:rPr lang="zh-CN" altLang="en-US" sz="2000" dirty="0">
                 <a:latin typeface="微软雅黑" panose="020B0503020204020204" pitchFamily="34" charset="-122"/>
                 <a:ea typeface="微软雅黑" panose="020B0503020204020204" pitchFamily="34" charset="-122"/>
               </a:rPr>
               <a:t>调用微信接口，获取</a:t>
             </a:r>
             <a:r>
-              <a:rPr lang="en-US" altLang="zh-CN" sz="2000" dirty="0" err="1" smtClean="0">
+              <a:rPr lang="en-US" altLang="zh-CN" sz="2000" dirty="0" err="1">
                 <a:latin typeface="微软雅黑" panose="020B0503020204020204" pitchFamily="34" charset="-122"/>
                 <a:ea typeface="微软雅黑" panose="020B0503020204020204" pitchFamily="34" charset="-122"/>
               </a:rPr>
               <a:t>access_token</a:t>
             </a:r>
-            <a:endParaRPr lang="en-US" altLang="zh-CN" sz="2000" dirty="0" smtClean="0">
+            <a:endParaRPr lang="en-US" altLang="zh-CN" sz="2000" dirty="0">
               <a:latin typeface="微软雅黑" panose="020B0503020204020204" pitchFamily="34" charset="-122"/>
               <a:ea typeface="微软雅黑" panose="020B0503020204020204" pitchFamily="34" charset="-122"/>
             </a:endParaRPr>
@@ -17905,20 +17413,16 @@
               <a:t>appid</a:t>
             </a:r>
             <a:r>
-              <a:rPr lang="en-US" altLang="zh-CN" sz="2000" dirty="0" smtClean="0"/>
+              <a:rPr lang="en-US" altLang="zh-CN" sz="2000" dirty="0"/>
               <a:t>=‘wx02935b5sj83ca898’;//</a:t>
             </a:r>
             <a:r>
-              <a:rPr lang="zh-CN" altLang="en-US" sz="2000" dirty="0" smtClean="0"/>
+              <a:rPr lang="zh-CN" altLang="en-US" sz="2000" dirty="0"/>
               <a:t>公众号</a:t>
             </a:r>
             <a:r>
               <a:rPr lang="en-US" altLang="zh-CN" sz="2000" dirty="0" err="1"/>
-              <a:t>A</a:t>
-            </a:r>
-            <a:r>
-              <a:rPr lang="en-US" altLang="zh-CN" sz="2000" dirty="0" err="1" smtClean="0"/>
-              <a:t>ppID</a:t>
+              <a:t>AppID</a:t>
             </a:r>
             <a:endParaRPr lang="en-US" altLang="zh-CN" sz="2000" dirty="0"/>
           </a:p>
@@ -17930,21 +17434,16 @@
             </a:pPr>
             <a:r>
               <a:rPr lang="en-US" altLang="zh-CN" sz="2000" dirty="0"/>
-              <a:t>$secret</a:t>
-            </a:r>
-            <a:r>
-              <a:rPr lang="en-US" altLang="zh-CN" sz="2000" dirty="0" smtClean="0"/>
-              <a:t>=‘xa7060168afdd5410293c8as0e6b07f1’;//</a:t>
-            </a:r>
-            <a:r>
-              <a:rPr lang="zh-CN" altLang="en-US" sz="2000" dirty="0" smtClean="0"/>
+              <a:t>$secret=‘xa7060168afdd5410293c8as0e6b07f1’;//</a:t>
+            </a:r>
+            <a:r>
+              <a:rPr lang="zh-CN" altLang="en-US" sz="2000" dirty="0"/>
               <a:t>公众号 </a:t>
             </a:r>
             <a:r>
-              <a:rPr lang="en-US" altLang="zh-CN" sz="2000" dirty="0" smtClean="0"/>
+              <a:rPr lang="en-US" altLang="zh-CN" sz="2000" dirty="0"/>
               <a:t>AppSecret</a:t>
             </a:r>
-            <a:endParaRPr lang="en-US" altLang="zh-CN" sz="2000" dirty="0"/>
           </a:p>
           <a:p>
             <a:pPr lvl="1">
@@ -17996,7 +17495,7 @@
               </a:lnSpc>
             </a:pPr>
             <a:r>
-              <a:rPr lang="en-US" altLang="zh-CN" sz="2000" dirty="0" smtClean="0"/>
+              <a:rPr lang="en-US" altLang="zh-CN" sz="2000" dirty="0"/>
               <a:t>$</a:t>
             </a:r>
             <a:r>
@@ -18005,13 +17504,8 @@
             </a:r>
             <a:r>
               <a:rPr lang="en-US" altLang="zh-CN" sz="2000" dirty="0"/>
-              <a:t>.'&amp;secret='.$secret</a:t>
-            </a:r>
-            <a:r>
-              <a:rPr lang="en-US" altLang="zh-CN" sz="2000" dirty="0" smtClean="0"/>
-              <a:t>;</a:t>
-            </a:r>
-            <a:endParaRPr lang="en-US" altLang="zh-CN" sz="2000" dirty="0"/>
+              <a:t>.'&amp;secret='.$secret;</a:t>
+            </a:r>
           </a:p>
           <a:p>
             <a:pPr lvl="1">
@@ -18059,15 +17553,7 @@
             </a:pPr>
             <a:r>
               <a:rPr lang="en-US" altLang="zh-CN" sz="2000" dirty="0"/>
-              <a:t>  </a:t>
-            </a:r>
-            <a:r>
-              <a:rPr lang="en-US" altLang="zh-CN" sz="2000" dirty="0" smtClean="0"/>
-              <a:t>  exit</a:t>
-            </a:r>
-            <a:r>
-              <a:rPr lang="en-US" altLang="zh-CN" sz="2000" dirty="0"/>
-              <a:t>("failed to open </a:t>
+              <a:t>    exit("failed to open </a:t>
             </a:r>
             <a:r>
               <a:rPr lang="en-US" altLang="zh-CN" sz="2000" dirty="0" err="1"/>
@@ -18179,7 +17665,6 @@
               <a:rPr lang="en-US" altLang="zh-CN" sz="2000" dirty="0"/>
               <a:t>echo $ret;</a:t>
             </a:r>
-            <a:endParaRPr lang="en-US" altLang="zh-CN" sz="2000" dirty="0" smtClean="0"/>
           </a:p>
         </p:txBody>
       </p:sp>
@@ -18193,13 +17678,6 @@
   <p:clrMapOvr>
     <a:masterClrMapping/>
   </p:clrMapOvr>
-  <p:timing>
-    <p:tnLst>
-      <p:par>
-        <p:cTn id="1" dur="indefinite" restart="never" nodeType="tmRoot"/>
-      </p:par>
-    </p:tnLst>
-  </p:timing>
 </p:sld>
 </file>
 
@@ -18236,12 +17714,8 @@
           <a:lstStyle/>
           <a:p>
             <a:r>
-              <a:rPr lang="zh-CN" altLang="en-US" dirty="0" smtClean="0"/>
-              <a:t>实现自定义</a:t>
-            </a:r>
-            <a:r>
               <a:rPr lang="zh-CN" altLang="en-US" dirty="0"/>
-              <a:t>菜单</a:t>
+              <a:t>实现自定义菜单</a:t>
             </a:r>
           </a:p>
         </p:txBody>
@@ -18276,7 +17750,7 @@
               <a:buChar char="•"/>
             </a:pPr>
             <a:r>
-              <a:rPr lang="zh-CN" altLang="en-US" sz="2000" dirty="0" smtClean="0">
+              <a:rPr lang="zh-CN" altLang="en-US" sz="2000" dirty="0">
                 <a:latin typeface="微软雅黑" panose="020B0503020204020204" pitchFamily="34" charset="-122"/>
                 <a:ea typeface="微软雅黑" panose="020B0503020204020204" pitchFamily="34" charset="-122"/>
               </a:rPr>
@@ -18290,93 +17764,77 @@
               <a:t> </a:t>
             </a:r>
             <a:r>
-              <a:rPr lang="en-US" altLang="zh-CN" sz="2000" dirty="0" smtClean="0">
+              <a:rPr lang="en-US" altLang="zh-CN" sz="2000" dirty="0">
                 <a:latin typeface="微软雅黑" panose="020B0503020204020204" pitchFamily="34" charset="-122"/>
                 <a:ea typeface="微软雅黑" panose="020B0503020204020204" pitchFamily="34" charset="-122"/>
                 <a:hlinkClick r:id="rId2"/>
               </a:rPr>
-              <a:t>https</a:t>
+              <a:t>https://api.weixin.qq.com/cgi-bin/menu/create?access_token=ACCESS_TOKEN</a:t>
+            </a:r>
+            <a:r>
+              <a:rPr lang="zh-CN" altLang="en-US" sz="2000" dirty="0">
+                <a:latin typeface="微软雅黑" panose="020B0503020204020204" pitchFamily="34" charset="-122"/>
+                <a:ea typeface="微软雅黑" panose="020B0503020204020204" pitchFamily="34" charset="-122"/>
+              </a:rPr>
+              <a:t>是创建自定义菜单的接口，把之前获取到的</a:t>
+            </a:r>
+            <a:r>
+              <a:rPr lang="en-US" altLang="zh-CN" sz="2000" dirty="0" err="1">
+                <a:latin typeface="微软雅黑" panose="020B0503020204020204" pitchFamily="34" charset="-122"/>
+                <a:ea typeface="微软雅黑" panose="020B0503020204020204" pitchFamily="34" charset="-122"/>
+              </a:rPr>
+              <a:t>access_token</a:t>
+            </a:r>
+            <a:r>
+              <a:rPr lang="zh-CN" altLang="en-US" sz="2000" dirty="0">
+                <a:latin typeface="微软雅黑" panose="020B0503020204020204" pitchFamily="34" charset="-122"/>
+                <a:ea typeface="微软雅黑" panose="020B0503020204020204" pitchFamily="34" charset="-122"/>
+              </a:rPr>
+              <a:t>作为</a:t>
             </a:r>
             <a:r>
               <a:rPr lang="en-US" altLang="zh-CN" sz="2000" dirty="0">
                 <a:latin typeface="微软雅黑" panose="020B0503020204020204" pitchFamily="34" charset="-122"/>
                 <a:ea typeface="微软雅黑" panose="020B0503020204020204" pitchFamily="34" charset="-122"/>
-                <a:hlinkClick r:id="rId2"/>
-              </a:rPr>
-              <a:t>://</a:t>
-            </a:r>
-            <a:r>
-              <a:rPr lang="en-US" altLang="zh-CN" sz="2000" dirty="0" smtClean="0">
-                <a:latin typeface="微软雅黑" panose="020B0503020204020204" pitchFamily="34" charset="-122"/>
-                <a:ea typeface="微软雅黑" panose="020B0503020204020204" pitchFamily="34" charset="-122"/>
-                <a:hlinkClick r:id="rId2"/>
-              </a:rPr>
-              <a:t>api.weixin.qq.com/cgi-bin/menu/create?access_token=ACCESS_TOKEN</a:t>
-            </a:r>
-            <a:r>
-              <a:rPr lang="zh-CN" altLang="en-US" sz="2000" dirty="0" smtClean="0">
-                <a:latin typeface="微软雅黑" panose="020B0503020204020204" pitchFamily="34" charset="-122"/>
-                <a:ea typeface="微软雅黑" panose="020B0503020204020204" pitchFamily="34" charset="-122"/>
-              </a:rPr>
-              <a:t>是创建自定义菜单的接口，把之前获取到的</a:t>
-            </a:r>
-            <a:r>
-              <a:rPr lang="en-US" altLang="zh-CN" sz="2000" dirty="0" err="1" smtClean="0">
-                <a:latin typeface="微软雅黑" panose="020B0503020204020204" pitchFamily="34" charset="-122"/>
-                <a:ea typeface="微软雅黑" panose="020B0503020204020204" pitchFamily="34" charset="-122"/>
-              </a:rPr>
-              <a:t>access_token</a:t>
-            </a:r>
-            <a:r>
-              <a:rPr lang="zh-CN" altLang="en-US" sz="2000" dirty="0" smtClean="0">
-                <a:latin typeface="微软雅黑" panose="020B0503020204020204" pitchFamily="34" charset="-122"/>
-                <a:ea typeface="微软雅黑" panose="020B0503020204020204" pitchFamily="34" charset="-122"/>
-              </a:rPr>
-              <a:t>作为</a:t>
-            </a:r>
-            <a:r>
-              <a:rPr lang="en-US" altLang="zh-CN" sz="2000" dirty="0" smtClean="0">
-                <a:latin typeface="微软雅黑" panose="020B0503020204020204" pitchFamily="34" charset="-122"/>
-                <a:ea typeface="微软雅黑" panose="020B0503020204020204" pitchFamily="34" charset="-122"/>
               </a:rPr>
               <a:t>get</a:t>
             </a:r>
             <a:r>
-              <a:rPr lang="zh-CN" altLang="en-US" sz="2000" dirty="0" smtClean="0">
+              <a:rPr lang="zh-CN" altLang="en-US" sz="2000" dirty="0">
                 <a:latin typeface="微软雅黑" panose="020B0503020204020204" pitchFamily="34" charset="-122"/>
                 <a:ea typeface="微软雅黑" panose="020B0503020204020204" pitchFamily="34" charset="-122"/>
               </a:rPr>
               <a:t>参数，</a:t>
             </a:r>
             <a:r>
-              <a:rPr lang="en-US" altLang="zh-CN" sz="2000" dirty="0" smtClean="0">
+              <a:rPr lang="en-US" altLang="zh-CN" sz="2000" dirty="0">
                 <a:latin typeface="微软雅黑" panose="020B0503020204020204" pitchFamily="34" charset="-122"/>
                 <a:ea typeface="微软雅黑" panose="020B0503020204020204" pitchFamily="34" charset="-122"/>
               </a:rPr>
               <a:t>JSON</a:t>
             </a:r>
             <a:r>
-              <a:rPr lang="zh-CN" altLang="en-US" sz="2000" dirty="0" smtClean="0">
+              <a:rPr lang="zh-CN" altLang="en-US" sz="2000" dirty="0">
                 <a:latin typeface="微软雅黑" panose="020B0503020204020204" pitchFamily="34" charset="-122"/>
                 <a:ea typeface="微软雅黑" panose="020B0503020204020204" pitchFamily="34" charset="-122"/>
               </a:rPr>
               <a:t>格式的文本数据使用</a:t>
             </a:r>
             <a:r>
-              <a:rPr lang="en-US" altLang="zh-CN" sz="2000" dirty="0" smtClean="0">
+              <a:rPr lang="en-US" altLang="zh-CN" sz="2000" dirty="0">
                 <a:latin typeface="微软雅黑" panose="020B0503020204020204" pitchFamily="34" charset="-122"/>
                 <a:ea typeface="微软雅黑" panose="020B0503020204020204" pitchFamily="34" charset="-122"/>
               </a:rPr>
               <a:t>POST</a:t>
             </a:r>
             <a:r>
-              <a:rPr lang="zh-CN" altLang="en-US" sz="2000" dirty="0" smtClean="0">
+              <a:rPr lang="zh-CN" altLang="en-US" sz="2000" dirty="0">
                 <a:latin typeface="微软雅黑" panose="020B0503020204020204" pitchFamily="34" charset="-122"/>
                 <a:ea typeface="微软雅黑" panose="020B0503020204020204" pitchFamily="34" charset="-122"/>
               </a:rPr>
               <a:t>传递。</a:t>
             </a:r>
-            <a:endParaRPr lang="en-US" altLang="zh-CN" sz="2000" dirty="0" smtClean="0">
+            <a:endParaRPr lang="en-US" altLang="zh-CN" sz="2000" dirty="0">
               <a:latin typeface="微软雅黑" panose="020B0503020204020204" pitchFamily="34" charset="-122"/>
               <a:ea typeface="微软雅黑" panose="020B0503020204020204" pitchFamily="34" charset="-122"/>
             </a:endParaRPr>
@@ -18394,30 +17852,23 @@
                 <a:latin typeface="微软雅黑" panose="020B0503020204020204" pitchFamily="34" charset="-122"/>
                 <a:ea typeface="微软雅黑" panose="020B0503020204020204" pitchFamily="34" charset="-122"/>
               </a:rPr>
-              <a:t>返回</a:t>
-            </a:r>
-            <a:r>
-              <a:rPr lang="zh-CN" altLang="en-US" sz="2000" dirty="0" smtClean="0">
-                <a:latin typeface="微软雅黑" panose="020B0503020204020204" pitchFamily="34" charset="-122"/>
-                <a:ea typeface="微软雅黑" panose="020B0503020204020204" pitchFamily="34" charset="-122"/>
-              </a:rPr>
-              <a:t>值为</a:t>
-            </a:r>
-            <a:r>
-              <a:rPr lang="en-US" altLang="zh-CN" sz="2000" dirty="0" smtClean="0">
+              <a:t>返回值为</a:t>
+            </a:r>
+            <a:r>
+              <a:rPr lang="en-US" altLang="zh-CN" sz="2000" dirty="0">
                 <a:latin typeface="微软雅黑" panose="020B0503020204020204" pitchFamily="34" charset="-122"/>
                 <a:ea typeface="微软雅黑" panose="020B0503020204020204" pitchFamily="34" charset="-122"/>
               </a:rPr>
               <a:t>JSON</a:t>
             </a:r>
             <a:r>
-              <a:rPr lang="zh-CN" altLang="en-US" sz="2000" dirty="0" smtClean="0">
+              <a:rPr lang="zh-CN" altLang="en-US" sz="2000" dirty="0">
                 <a:latin typeface="微软雅黑" panose="020B0503020204020204" pitchFamily="34" charset="-122"/>
                 <a:ea typeface="微软雅黑" panose="020B0503020204020204" pitchFamily="34" charset="-122"/>
               </a:rPr>
               <a:t>格式的文本数据：</a:t>
             </a:r>
-            <a:endParaRPr lang="en-US" altLang="zh-CN" sz="2000" dirty="0" smtClean="0">
+            <a:endParaRPr lang="en-US" altLang="zh-CN" sz="2000" dirty="0">
               <a:latin typeface="微软雅黑" panose="020B0503020204020204" pitchFamily="34" charset="-122"/>
               <a:ea typeface="微软雅黑" panose="020B0503020204020204" pitchFamily="34" charset="-122"/>
             </a:endParaRPr>
@@ -18429,7 +17880,7 @@
               </a:lnSpc>
             </a:pPr>
             <a:r>
-              <a:rPr lang="zh-CN" altLang="en-US" sz="2000" dirty="0" smtClean="0">
+              <a:rPr lang="zh-CN" altLang="en-US" sz="2000" dirty="0">
                 <a:latin typeface="微软雅黑" panose="020B0503020204020204" pitchFamily="34" charset="-122"/>
                 <a:ea typeface="微软雅黑" panose="020B0503020204020204" pitchFamily="34" charset="-122"/>
               </a:rPr>
@@ -18440,14 +17891,7 @@
                 <a:latin typeface="微软雅黑" panose="020B0503020204020204" pitchFamily="34" charset="-122"/>
                 <a:ea typeface="微软雅黑" panose="020B0503020204020204" pitchFamily="34" charset="-122"/>
               </a:rPr>
-              <a:t>{"errcode":0,"errmsg":"ok</a:t>
-            </a:r>
-            <a:r>
-              <a:rPr lang="en-US" altLang="zh-CN" sz="2000" dirty="0" smtClean="0">
-                <a:latin typeface="微软雅黑" panose="020B0503020204020204" pitchFamily="34" charset="-122"/>
-                <a:ea typeface="微软雅黑" panose="020B0503020204020204" pitchFamily="34" charset="-122"/>
-              </a:rPr>
-              <a:t>"}</a:t>
+              <a:t>{"errcode":0,"errmsg":"ok"}</a:t>
             </a:r>
           </a:p>
           <a:p>
@@ -18457,7 +17901,7 @@
               </a:lnSpc>
             </a:pPr>
             <a:r>
-              <a:rPr lang="zh-CN" altLang="en-US" sz="2000" dirty="0" smtClean="0">
+              <a:rPr lang="zh-CN" altLang="en-US" sz="2000" dirty="0">
                 <a:latin typeface="微软雅黑" panose="020B0503020204020204" pitchFamily="34" charset="-122"/>
                 <a:ea typeface="微软雅黑" panose="020B0503020204020204" pitchFamily="34" charset="-122"/>
               </a:rPr>
@@ -18487,13 +17931,6 @@
   <p:clrMapOvr>
     <a:masterClrMapping/>
   </p:clrMapOvr>
-  <p:timing>
-    <p:tnLst>
-      <p:par>
-        <p:cTn id="1" dur="indefinite" restart="never" nodeType="tmRoot"/>
-      </p:par>
-    </p:tnLst>
-  </p:timing>
 </p:sld>
 </file>
 
@@ -18535,14 +17972,13 @@
           <a:lstStyle/>
           <a:p>
             <a:r>
-              <a:rPr lang="en-US" altLang="zh-CN" dirty="0" smtClean="0"/>
+              <a:rPr lang="en-US" altLang="zh-CN" dirty="0"/>
               <a:t>JSON</a:t>
             </a:r>
             <a:r>
-              <a:rPr lang="zh-CN" altLang="en-US" dirty="0" smtClean="0"/>
+              <a:rPr lang="zh-CN" altLang="en-US" dirty="0"/>
               <a:t>格式的字符串</a:t>
             </a:r>
-            <a:endParaRPr lang="zh-CN" altLang="en-US" dirty="0"/>
           </a:p>
         </p:txBody>
       </p:sp>
@@ -18569,7 +18005,7 @@
           <a:lstStyle/>
           <a:p>
             <a:r>
-              <a:rPr lang="en-US" altLang="zh-CN" sz="2000" dirty="0" smtClean="0">
+              <a:rPr lang="en-US" altLang="zh-CN" sz="2000" dirty="0">
                 <a:latin typeface="微软雅黑" panose="020B0503020204020204" pitchFamily="34" charset="-122"/>
                 <a:ea typeface="微软雅黑" panose="020B0503020204020204" pitchFamily="34" charset="-122"/>
               </a:rPr>
@@ -18578,18 +18014,11 @@
           </a:p>
           <a:p>
             <a:r>
-              <a:rPr lang="en-US" altLang="zh-CN" sz="2000" dirty="0" smtClean="0">
-                <a:latin typeface="微软雅黑" panose="020B0503020204020204" pitchFamily="34" charset="-122"/>
-                <a:ea typeface="微软雅黑" panose="020B0503020204020204" pitchFamily="34" charset="-122"/>
-              </a:rPr>
-              <a:t>  "</a:t>
-            </a:r>
-            <a:r>
               <a:rPr lang="en-US" altLang="zh-CN" sz="2000" dirty="0">
                 <a:latin typeface="微软雅黑" panose="020B0503020204020204" pitchFamily="34" charset="-122"/>
                 <a:ea typeface="微软雅黑" panose="020B0503020204020204" pitchFamily="34" charset="-122"/>
               </a:rPr>
-              <a:t>button":[</a:t>
+              <a:t>  "button":[</a:t>
             </a:r>
           </a:p>
           <a:p>
@@ -18598,14 +18027,7 @@
                 <a:latin typeface="微软雅黑" panose="020B0503020204020204" pitchFamily="34" charset="-122"/>
                 <a:ea typeface="微软雅黑" panose="020B0503020204020204" pitchFamily="34" charset="-122"/>
               </a:rPr>
-              <a:t>    </a:t>
-            </a:r>
-            <a:r>
-              <a:rPr lang="en-US" altLang="zh-CN" sz="2000" dirty="0" smtClean="0">
-                <a:latin typeface="微软雅黑" panose="020B0503020204020204" pitchFamily="34" charset="-122"/>
-                <a:ea typeface="微软雅黑" panose="020B0503020204020204" pitchFamily="34" charset="-122"/>
-              </a:rPr>
-              <a:t> {</a:t>
+              <a:t>     {</a:t>
             </a:r>
           </a:p>
           <a:p>
@@ -18614,34 +18036,75 @@
                 <a:latin typeface="微软雅黑" panose="020B0503020204020204" pitchFamily="34" charset="-122"/>
                 <a:ea typeface="微软雅黑" panose="020B0503020204020204" pitchFamily="34" charset="-122"/>
               </a:rPr>
-              <a:t> </a:t>
-            </a:r>
-            <a:r>
-              <a:rPr lang="en-US" altLang="zh-CN" sz="2000" dirty="0" smtClean="0">
-                <a:latin typeface="微软雅黑" panose="020B0503020204020204" pitchFamily="34" charset="-122"/>
-                <a:ea typeface="微软雅黑" panose="020B0503020204020204" pitchFamily="34" charset="-122"/>
-              </a:rPr>
-              <a:t>        "</a:t>
+              <a:t>         "name":"</a:t>
+            </a:r>
+            <a:r>
+              <a:rPr lang="zh-CN" altLang="en-US" sz="2000" dirty="0">
+                <a:latin typeface="微软雅黑" panose="020B0503020204020204" pitchFamily="34" charset="-122"/>
+                <a:ea typeface="微软雅黑" panose="020B0503020204020204" pitchFamily="34" charset="-122"/>
+              </a:rPr>
+              <a:t>搜索</a:t>
             </a:r>
             <a:r>
               <a:rPr lang="en-US" altLang="zh-CN" sz="2000" dirty="0">
                 <a:latin typeface="微软雅黑" panose="020B0503020204020204" pitchFamily="34" charset="-122"/>
                 <a:ea typeface="微软雅黑" panose="020B0503020204020204" pitchFamily="34" charset="-122"/>
               </a:rPr>
-              <a:t>name":"</a:t>
-            </a:r>
-            <a:r>
-              <a:rPr lang="zh-CN" altLang="en-US" sz="2000" dirty="0">
-                <a:latin typeface="微软雅黑" panose="020B0503020204020204" pitchFamily="34" charset="-122"/>
-                <a:ea typeface="微软雅黑" panose="020B0503020204020204" pitchFamily="34" charset="-122"/>
-              </a:rPr>
-              <a:t>搜索</a:t>
-            </a:r>
+              <a:t>",</a:t>
+            </a:r>
+          </a:p>
+          <a:p>
             <a:r>
               <a:rPr lang="en-US" altLang="zh-CN" sz="2000" dirty="0">
                 <a:latin typeface="微软雅黑" panose="020B0503020204020204" pitchFamily="34" charset="-122"/>
                 <a:ea typeface="微软雅黑" panose="020B0503020204020204" pitchFamily="34" charset="-122"/>
               </a:rPr>
+              <a:t>         "</a:t>
+            </a:r>
+            <a:r>
+              <a:rPr lang="en-US" altLang="zh-CN" sz="2000" dirty="0" err="1">
+                <a:latin typeface="微软雅黑" panose="020B0503020204020204" pitchFamily="34" charset="-122"/>
+                <a:ea typeface="微软雅黑" panose="020B0503020204020204" pitchFamily="34" charset="-122"/>
+              </a:rPr>
+              <a:t>sub_button</a:t>
+            </a:r>
+            <a:r>
+              <a:rPr lang="en-US" altLang="zh-CN" sz="2000" dirty="0">
+                <a:latin typeface="微软雅黑" panose="020B0503020204020204" pitchFamily="34" charset="-122"/>
+                <a:ea typeface="微软雅黑" panose="020B0503020204020204" pitchFamily="34" charset="-122"/>
+              </a:rPr>
+              <a:t>":[</a:t>
+            </a:r>
+          </a:p>
+          <a:p>
+            <a:r>
+              <a:rPr lang="en-US" altLang="zh-CN" sz="2000" dirty="0">
+                <a:latin typeface="微软雅黑" panose="020B0503020204020204" pitchFamily="34" charset="-122"/>
+                <a:ea typeface="微软雅黑" panose="020B0503020204020204" pitchFamily="34" charset="-122"/>
+              </a:rPr>
+              <a:t>             {</a:t>
+            </a:r>
+          </a:p>
+          <a:p>
+            <a:r>
+              <a:rPr lang="en-US" altLang="zh-CN" sz="2000" dirty="0">
+                <a:latin typeface="微软雅黑" panose="020B0503020204020204" pitchFamily="34" charset="-122"/>
+                <a:ea typeface="微软雅黑" panose="020B0503020204020204" pitchFamily="34" charset="-122"/>
+              </a:rPr>
+              <a:t>                "</a:t>
+            </a:r>
+            <a:r>
+              <a:rPr lang="en-US" altLang="zh-CN" sz="2000" dirty="0" err="1">
+                <a:latin typeface="微软雅黑" panose="020B0503020204020204" pitchFamily="34" charset="-122"/>
+                <a:ea typeface="微软雅黑" panose="020B0503020204020204" pitchFamily="34" charset="-122"/>
+              </a:rPr>
+              <a:t>type":"view</a:t>
+            </a:r>
+            <a:r>
+              <a:rPr lang="en-US" altLang="zh-CN" sz="2000" dirty="0">
+                <a:latin typeface="微软雅黑" panose="020B0503020204020204" pitchFamily="34" charset="-122"/>
+                <a:ea typeface="微软雅黑" panose="020B0503020204020204" pitchFamily="34" charset="-122"/>
+              </a:rPr>
               <a:t>",</a:t>
             </a:r>
           </a:p>
@@ -18651,28 +18114,21 @@
                 <a:latin typeface="微软雅黑" panose="020B0503020204020204" pitchFamily="34" charset="-122"/>
                 <a:ea typeface="微软雅黑" panose="020B0503020204020204" pitchFamily="34" charset="-122"/>
               </a:rPr>
-              <a:t>      </a:t>
-            </a:r>
-            <a:r>
-              <a:rPr lang="en-US" altLang="zh-CN" sz="2000" dirty="0" smtClean="0">
-                <a:latin typeface="微软雅黑" panose="020B0503020204020204" pitchFamily="34" charset="-122"/>
-                <a:ea typeface="微软雅黑" panose="020B0503020204020204" pitchFamily="34" charset="-122"/>
-              </a:rPr>
-              <a:t>   "</a:t>
+              <a:t>                "</a:t>
             </a:r>
             <a:r>
               <a:rPr lang="en-US" altLang="zh-CN" sz="2000" dirty="0" err="1">
                 <a:latin typeface="微软雅黑" panose="020B0503020204020204" pitchFamily="34" charset="-122"/>
                 <a:ea typeface="微软雅黑" panose="020B0503020204020204" pitchFamily="34" charset="-122"/>
               </a:rPr>
-              <a:t>sub_button</a:t>
+              <a:t>name":"Bing</a:t>
             </a:r>
             <a:r>
               <a:rPr lang="en-US" altLang="zh-CN" sz="2000" dirty="0">
                 <a:latin typeface="微软雅黑" panose="020B0503020204020204" pitchFamily="34" charset="-122"/>
                 <a:ea typeface="微软雅黑" panose="020B0503020204020204" pitchFamily="34" charset="-122"/>
               </a:rPr>
-              <a:t>":[</a:t>
+              <a:t>",</a:t>
             </a:r>
           </a:p>
           <a:p>
@@ -18681,48 +18137,30 @@
                 <a:latin typeface="微软雅黑" panose="020B0503020204020204" pitchFamily="34" charset="-122"/>
                 <a:ea typeface="微软雅黑" panose="020B0503020204020204" pitchFamily="34" charset="-122"/>
               </a:rPr>
-              <a:t>        </a:t>
-            </a:r>
-            <a:r>
-              <a:rPr lang="en-US" altLang="zh-CN" sz="2000" dirty="0" smtClean="0">
-                <a:latin typeface="微软雅黑" panose="020B0503020204020204" pitchFamily="34" charset="-122"/>
-                <a:ea typeface="微软雅黑" panose="020B0503020204020204" pitchFamily="34" charset="-122"/>
-              </a:rPr>
-              <a:t>     {</a:t>
-            </a:r>
-            <a:endParaRPr lang="en-US" altLang="zh-CN" sz="2000" dirty="0">
-              <a:latin typeface="微软雅黑" panose="020B0503020204020204" pitchFamily="34" charset="-122"/>
-              <a:ea typeface="微软雅黑" panose="020B0503020204020204" pitchFamily="34" charset="-122"/>
-            </a:endParaRPr>
-          </a:p>
-          <a:p>
+              <a:t>                "</a:t>
+            </a:r>
+            <a:r>
+              <a:rPr lang="en-US" altLang="zh-CN" sz="2000" dirty="0" err="1">
+                <a:latin typeface="微软雅黑" panose="020B0503020204020204" pitchFamily="34" charset="-122"/>
+                <a:ea typeface="微软雅黑" panose="020B0503020204020204" pitchFamily="34" charset="-122"/>
+              </a:rPr>
+              <a:t>url</a:t>
+            </a:r>
             <a:r>
               <a:rPr lang="en-US" altLang="zh-CN" sz="2000" dirty="0">
                 <a:latin typeface="微软雅黑" panose="020B0503020204020204" pitchFamily="34" charset="-122"/>
                 <a:ea typeface="微软雅黑" panose="020B0503020204020204" pitchFamily="34" charset="-122"/>
               </a:rPr>
-              <a:t>          </a:t>
-            </a:r>
-            <a:r>
-              <a:rPr lang="en-US" altLang="zh-CN" sz="2000" dirty="0" smtClean="0">
-                <a:latin typeface="微软雅黑" panose="020B0503020204020204" pitchFamily="34" charset="-122"/>
-                <a:ea typeface="微软雅黑" panose="020B0503020204020204" pitchFamily="34" charset="-122"/>
-              </a:rPr>
-              <a:t>      "</a:t>
-            </a:r>
-            <a:r>
-              <a:rPr lang="en-US" altLang="zh-CN" sz="2000" dirty="0" err="1">
-                <a:latin typeface="微软雅黑" panose="020B0503020204020204" pitchFamily="34" charset="-122"/>
-                <a:ea typeface="微软雅黑" panose="020B0503020204020204" pitchFamily="34" charset="-122"/>
-              </a:rPr>
-              <a:t>type":"view</a:t>
-            </a:r>
+              <a:t>":"http://cn.bing.com/"</a:t>
+            </a:r>
+          </a:p>
+          <a:p>
             <a:r>
               <a:rPr lang="en-US" altLang="zh-CN" sz="2000" dirty="0">
                 <a:latin typeface="微软雅黑" panose="020B0503020204020204" pitchFamily="34" charset="-122"/>
                 <a:ea typeface="微软雅黑" panose="020B0503020204020204" pitchFamily="34" charset="-122"/>
               </a:rPr>
-              <a:t>",</a:t>
+              <a:t>             }</a:t>
             </a:r>
           </a:p>
           <a:p>
@@ -18731,28 +18169,16 @@
                 <a:latin typeface="微软雅黑" panose="020B0503020204020204" pitchFamily="34" charset="-122"/>
                 <a:ea typeface="微软雅黑" panose="020B0503020204020204" pitchFamily="34" charset="-122"/>
               </a:rPr>
-              <a:t>          </a:t>
-            </a:r>
-            <a:r>
-              <a:rPr lang="en-US" altLang="zh-CN" sz="2000" dirty="0" smtClean="0">
-                <a:latin typeface="微软雅黑" panose="020B0503020204020204" pitchFamily="34" charset="-122"/>
-                <a:ea typeface="微软雅黑" panose="020B0503020204020204" pitchFamily="34" charset="-122"/>
-              </a:rPr>
-              <a:t>      "</a:t>
-            </a:r>
-            <a:r>
-              <a:rPr lang="en-US" altLang="zh-CN" sz="2000" dirty="0" err="1">
-                <a:latin typeface="微软雅黑" panose="020B0503020204020204" pitchFamily="34" charset="-122"/>
-                <a:ea typeface="微软雅黑" panose="020B0503020204020204" pitchFamily="34" charset="-122"/>
-              </a:rPr>
-              <a:t>name":"Bing</a:t>
-            </a:r>
+              <a:t>         ]</a:t>
+            </a:r>
+          </a:p>
+          <a:p>
             <a:r>
               <a:rPr lang="en-US" altLang="zh-CN" sz="2000" dirty="0">
                 <a:latin typeface="微软雅黑" panose="020B0503020204020204" pitchFamily="34" charset="-122"/>
                 <a:ea typeface="微软雅黑" panose="020B0503020204020204" pitchFamily="34" charset="-122"/>
               </a:rPr>
-              <a:t>",</a:t>
+              <a:t>     },</a:t>
             </a:r>
           </a:p>
           <a:p>
@@ -18761,98 +18187,12 @@
                 <a:latin typeface="微软雅黑" panose="020B0503020204020204" pitchFamily="34" charset="-122"/>
                 <a:ea typeface="微软雅黑" panose="020B0503020204020204" pitchFamily="34" charset="-122"/>
               </a:rPr>
-              <a:t>          </a:t>
-            </a:r>
-            <a:r>
-              <a:rPr lang="en-US" altLang="zh-CN" sz="2000" dirty="0" smtClean="0">
-                <a:latin typeface="微软雅黑" panose="020B0503020204020204" pitchFamily="34" charset="-122"/>
-                <a:ea typeface="微软雅黑" panose="020B0503020204020204" pitchFamily="34" charset="-122"/>
-              </a:rPr>
-              <a:t>      "</a:t>
-            </a:r>
-            <a:r>
-              <a:rPr lang="en-US" altLang="zh-CN" sz="2000" dirty="0" err="1">
-                <a:latin typeface="微软雅黑" panose="020B0503020204020204" pitchFamily="34" charset="-122"/>
-                <a:ea typeface="微软雅黑" panose="020B0503020204020204" pitchFamily="34" charset="-122"/>
-              </a:rPr>
-              <a:t>url</a:t>
-            </a:r>
+              <a:t>  ]</a:t>
+            </a:r>
+          </a:p>
+          <a:p>
             <a:r>
               <a:rPr lang="en-US" altLang="zh-CN" sz="2000" dirty="0">
-                <a:latin typeface="微软雅黑" panose="020B0503020204020204" pitchFamily="34" charset="-122"/>
-                <a:ea typeface="微软雅黑" panose="020B0503020204020204" pitchFamily="34" charset="-122"/>
-              </a:rPr>
-              <a:t>":"http://cn.bing.com/"</a:t>
-            </a:r>
-          </a:p>
-          <a:p>
-            <a:r>
-              <a:rPr lang="en-US" altLang="zh-CN" sz="2000" dirty="0">
-                <a:latin typeface="微软雅黑" panose="020B0503020204020204" pitchFamily="34" charset="-122"/>
-                <a:ea typeface="微软雅黑" panose="020B0503020204020204" pitchFamily="34" charset="-122"/>
-              </a:rPr>
-              <a:t>        </a:t>
-            </a:r>
-            <a:r>
-              <a:rPr lang="en-US" altLang="zh-CN" sz="2000" dirty="0" smtClean="0">
-                <a:latin typeface="微软雅黑" panose="020B0503020204020204" pitchFamily="34" charset="-122"/>
-                <a:ea typeface="微软雅黑" panose="020B0503020204020204" pitchFamily="34" charset="-122"/>
-              </a:rPr>
-              <a:t>     }</a:t>
-            </a:r>
-          </a:p>
-          <a:p>
-            <a:r>
-              <a:rPr lang="en-US" altLang="zh-CN" sz="2000" dirty="0">
-                <a:latin typeface="微软雅黑" panose="020B0503020204020204" pitchFamily="34" charset="-122"/>
-                <a:ea typeface="微软雅黑" panose="020B0503020204020204" pitchFamily="34" charset="-122"/>
-              </a:rPr>
-              <a:t> </a:t>
-            </a:r>
-            <a:r>
-              <a:rPr lang="en-US" altLang="zh-CN" sz="2000" dirty="0" smtClean="0">
-                <a:latin typeface="微软雅黑" panose="020B0503020204020204" pitchFamily="34" charset="-122"/>
-                <a:ea typeface="微软雅黑" panose="020B0503020204020204" pitchFamily="34" charset="-122"/>
-              </a:rPr>
-              <a:t>        ]</a:t>
-            </a:r>
-            <a:endParaRPr lang="en-US" altLang="zh-CN" sz="2000" dirty="0">
-              <a:latin typeface="微软雅黑" panose="020B0503020204020204" pitchFamily="34" charset="-122"/>
-              <a:ea typeface="微软雅黑" panose="020B0503020204020204" pitchFamily="34" charset="-122"/>
-            </a:endParaRPr>
-          </a:p>
-          <a:p>
-            <a:r>
-              <a:rPr lang="en-US" altLang="zh-CN" sz="2000" dirty="0">
-                <a:latin typeface="微软雅黑" panose="020B0503020204020204" pitchFamily="34" charset="-122"/>
-                <a:ea typeface="微软雅黑" panose="020B0503020204020204" pitchFamily="34" charset="-122"/>
-              </a:rPr>
-              <a:t>    </a:t>
-            </a:r>
-            <a:r>
-              <a:rPr lang="en-US" altLang="zh-CN" sz="2000" dirty="0" smtClean="0">
-                <a:latin typeface="微软雅黑" panose="020B0503020204020204" pitchFamily="34" charset="-122"/>
-                <a:ea typeface="微软雅黑" panose="020B0503020204020204" pitchFamily="34" charset="-122"/>
-              </a:rPr>
-              <a:t> },</a:t>
-            </a:r>
-            <a:endParaRPr lang="en-US" altLang="zh-CN" sz="2000" dirty="0">
-              <a:latin typeface="微软雅黑" panose="020B0503020204020204" pitchFamily="34" charset="-122"/>
-              <a:ea typeface="微软雅黑" panose="020B0503020204020204" pitchFamily="34" charset="-122"/>
-            </a:endParaRPr>
-          </a:p>
-          <a:p>
-            <a:r>
-              <a:rPr lang="en-US" altLang="zh-CN" sz="2000" dirty="0" smtClean="0">
-                <a:latin typeface="微软雅黑" panose="020B0503020204020204" pitchFamily="34" charset="-122"/>
-                <a:ea typeface="微软雅黑" panose="020B0503020204020204" pitchFamily="34" charset="-122"/>
-              </a:rPr>
-              <a:t>  ]</a:t>
-            </a:r>
-          </a:p>
-          <a:p>
-            <a:r>
-              <a:rPr lang="en-US" altLang="zh-CN" sz="2000" dirty="0" smtClean="0">
                 <a:latin typeface="微软雅黑" panose="020B0503020204020204" pitchFamily="34" charset="-122"/>
                 <a:ea typeface="微软雅黑" panose="020B0503020204020204" pitchFamily="34" charset="-122"/>
               </a:rPr>
@@ -18916,14 +18256,13 @@
           <a:lstStyle/>
           <a:p>
             <a:r>
-              <a:rPr lang="en-US" altLang="zh-CN" dirty="0" smtClean="0"/>
+              <a:rPr lang="en-US" altLang="zh-CN" dirty="0"/>
               <a:t>CURL</a:t>
             </a:r>
             <a:r>
-              <a:rPr lang="zh-CN" altLang="en-US" dirty="0" smtClean="0"/>
+              <a:rPr lang="zh-CN" altLang="en-US" dirty="0"/>
               <a:t>调用创建菜单接口</a:t>
             </a:r>
-            <a:endParaRPr lang="zh-CN" altLang="en-US" dirty="0"/>
           </a:p>
         </p:txBody>
       </p:sp>
@@ -19266,14 +18605,13 @@
           <a:lstStyle/>
           <a:p>
             <a:r>
-              <a:rPr lang="en-US" altLang="zh-CN" dirty="0" smtClean="0"/>
+              <a:rPr lang="en-US" altLang="zh-CN" dirty="0"/>
               <a:t>CURL</a:t>
             </a:r>
             <a:r>
-              <a:rPr lang="zh-CN" altLang="en-US" dirty="0" smtClean="0"/>
+              <a:rPr lang="zh-CN" altLang="en-US" dirty="0"/>
               <a:t>第三方扩展创建菜单</a:t>
             </a:r>
-            <a:endParaRPr lang="zh-CN" altLang="en-US" dirty="0"/>
           </a:p>
         </p:txBody>
       </p:sp>
@@ -19307,7 +18645,7 @@
               <a:buChar char="•"/>
             </a:pPr>
             <a:r>
-              <a:rPr lang="zh-CN" altLang="en-US" sz="2000" dirty="0" smtClean="0">
+              <a:rPr lang="zh-CN" altLang="en-US" sz="2000" dirty="0">
                 <a:latin typeface="Calibri" panose="020F0502020204030204" pitchFamily="34" charset="0"/>
                 <a:ea typeface="微软雅黑" panose="020B0503020204020204" pitchFamily="34" charset="-122"/>
                 <a:cs typeface="Calibri" panose="020F0502020204030204" pitchFamily="34" charset="0"/>
@@ -19315,7 +18653,7 @@
               <a:t>获取</a:t>
             </a:r>
             <a:r>
-              <a:rPr lang="en-US" altLang="zh-CN" sz="2000" dirty="0" err="1" smtClean="0">
+              <a:rPr lang="en-US" altLang="zh-CN" sz="2000" dirty="0" err="1">
                 <a:latin typeface="Calibri" panose="020F0502020204030204" pitchFamily="34" charset="0"/>
                 <a:ea typeface="微软雅黑" panose="020B0503020204020204" pitchFamily="34" charset="-122"/>
                 <a:cs typeface="Calibri" panose="020F0502020204030204" pitchFamily="34" charset="0"/>
@@ -19323,7 +18661,7 @@
               <a:t>access_token</a:t>
             </a:r>
             <a:r>
-              <a:rPr lang="zh-CN" altLang="en-US" sz="2000" dirty="0" smtClean="0">
+              <a:rPr lang="zh-CN" altLang="en-US" sz="2000" dirty="0">
                 <a:latin typeface="Calibri" panose="020F0502020204030204" pitchFamily="34" charset="0"/>
                 <a:ea typeface="微软雅黑" panose="020B0503020204020204" pitchFamily="34" charset="-122"/>
                 <a:cs typeface="Calibri" panose="020F0502020204030204" pitchFamily="34" charset="0"/>
@@ -19387,27 +18725,22 @@
               <a:t>cURL</a:t>
             </a:r>
             <a:r>
-              <a:rPr lang="en-US" altLang="zh-CN" sz="2000" dirty="0" smtClean="0">
-                <a:latin typeface="Calibri" panose="020F0502020204030204" pitchFamily="34" charset="0"/>
-                <a:ea typeface="微软雅黑" panose="020B0503020204020204" pitchFamily="34" charset="-122"/>
-                <a:cs typeface="Calibri" panose="020F0502020204030204" pitchFamily="34" charset="0"/>
-              </a:rPr>
-              <a:t>;</a:t>
-            </a:r>
-            <a:endParaRPr lang="en-US" altLang="zh-CN" sz="2000" dirty="0">
-              <a:latin typeface="Calibri" panose="020F0502020204030204" pitchFamily="34" charset="0"/>
-              <a:ea typeface="微软雅黑" panose="020B0503020204020204" pitchFamily="34" charset="-122"/>
-              <a:cs typeface="Calibri" panose="020F0502020204030204" pitchFamily="34" charset="0"/>
-            </a:endParaRPr>
-          </a:p>
-          <a:p>
-            <a:pPr lvl="1"/>
-            <a:r>
               <a:rPr lang="en-US" altLang="zh-CN" sz="2000" dirty="0">
                 <a:latin typeface="Calibri" panose="020F0502020204030204" pitchFamily="34" charset="0"/>
                 <a:ea typeface="微软雅黑" panose="020B0503020204020204" pitchFamily="34" charset="-122"/>
                 <a:cs typeface="Calibri" panose="020F0502020204030204" pitchFamily="34" charset="0"/>
               </a:rPr>
+              <a:t>;</a:t>
+            </a:r>
+          </a:p>
+          <a:p>
+            <a:pPr lvl="1"/>
+            <a:r>
+              <a:rPr lang="en-US" altLang="zh-CN" sz="2000" dirty="0">
+                <a:latin typeface="Calibri" panose="020F0502020204030204" pitchFamily="34" charset="0"/>
+                <a:ea typeface="微软雅黑" panose="020B0503020204020204" pitchFamily="34" charset="-122"/>
+                <a:cs typeface="Calibri" panose="020F0502020204030204" pitchFamily="34" charset="0"/>
+              </a:rPr>
               <a:t>$request = $curl-&gt;</a:t>
             </a:r>
             <a:r>
@@ -19451,15 +18784,7 @@
                 <a:ea typeface="微软雅黑" panose="020B0503020204020204" pitchFamily="34" charset="-122"/>
                 <a:cs typeface="Calibri" panose="020F0502020204030204" pitchFamily="34" charset="0"/>
               </a:rPr>
-              <a:t>  </a:t>
-            </a:r>
-            <a:r>
-              <a:rPr lang="en-US" altLang="zh-CN" sz="2000" dirty="0" smtClean="0">
-                <a:latin typeface="Calibri" panose="020F0502020204030204" pitchFamily="34" charset="0"/>
-                <a:ea typeface="微软雅黑" panose="020B0503020204020204" pitchFamily="34" charset="-122"/>
-                <a:cs typeface="Calibri" panose="020F0502020204030204" pitchFamily="34" charset="0"/>
-              </a:rPr>
-              <a:t>  -&gt;</a:t>
+              <a:t>    -&gt;</a:t>
             </a:r>
             <a:r>
               <a:rPr lang="en-US" altLang="zh-CN" sz="2000" dirty="0" err="1">
@@ -19486,15 +18811,7 @@
                 <a:ea typeface="微软雅黑" panose="020B0503020204020204" pitchFamily="34" charset="-122"/>
                 <a:cs typeface="Calibri" panose="020F0502020204030204" pitchFamily="34" charset="0"/>
               </a:rPr>
-              <a:t>  </a:t>
-            </a:r>
-            <a:r>
-              <a:rPr lang="en-US" altLang="zh-CN" sz="2000" smtClean="0">
-                <a:latin typeface="Calibri" panose="020F0502020204030204" pitchFamily="34" charset="0"/>
-                <a:ea typeface="微软雅黑" panose="020B0503020204020204" pitchFamily="34" charset="-122"/>
-                <a:cs typeface="Calibri" panose="020F0502020204030204" pitchFamily="34" charset="0"/>
-              </a:rPr>
-              <a:t>  -&gt;</a:t>
+              <a:t>    -&gt;</a:t>
             </a:r>
             <a:r>
               <a:rPr lang="en-US" altLang="zh-CN" sz="2000" dirty="0" err="1">
@@ -19537,21 +18854,8 @@
                 <a:ea typeface="微软雅黑" panose="020B0503020204020204" pitchFamily="34" charset="-122"/>
                 <a:cs typeface="Calibri" panose="020F0502020204030204" pitchFamily="34" charset="0"/>
               </a:rPr>
-              <a:t> = $request-&gt;send</a:t>
-            </a:r>
-            <a:r>
-              <a:rPr lang="en-US" altLang="zh-CN" sz="2000" dirty="0" smtClean="0">
-                <a:latin typeface="Calibri" panose="020F0502020204030204" pitchFamily="34" charset="0"/>
-                <a:ea typeface="微软雅黑" panose="020B0503020204020204" pitchFamily="34" charset="-122"/>
-                <a:cs typeface="Calibri" panose="020F0502020204030204" pitchFamily="34" charset="0"/>
-              </a:rPr>
-              <a:t>();</a:t>
-            </a:r>
-            <a:endParaRPr lang="en-US" altLang="zh-CN" sz="2000" dirty="0">
-              <a:latin typeface="Calibri" panose="020F0502020204030204" pitchFamily="34" charset="0"/>
-              <a:ea typeface="微软雅黑" panose="020B0503020204020204" pitchFamily="34" charset="-122"/>
-              <a:cs typeface="Calibri" panose="020F0502020204030204" pitchFamily="34" charset="0"/>
-            </a:endParaRPr>
+              <a:t> = $request-&gt;send();</a:t>
+            </a:r>
           </a:p>
           <a:p>
             <a:pPr marL="285750" indent="-285750">
@@ -19562,197 +18866,12 @@
               <a:buChar char="•"/>
             </a:pPr>
             <a:r>
-              <a:rPr lang="zh-CN" altLang="en-US" sz="2000" dirty="0" smtClean="0">
+              <a:rPr lang="zh-CN" altLang="en-US" sz="2000" dirty="0">
                 <a:latin typeface="Calibri" panose="020F0502020204030204" pitchFamily="34" charset="0"/>
                 <a:ea typeface="微软雅黑" panose="020B0503020204020204" pitchFamily="34" charset="-122"/>
                 <a:cs typeface="Calibri" panose="020F0502020204030204" pitchFamily="34" charset="0"/>
               </a:rPr>
               <a:t>创建菜单接口：</a:t>
-            </a:r>
-            <a:endParaRPr lang="en-US" altLang="zh-CN" sz="2000" dirty="0" smtClean="0">
-              <a:latin typeface="Calibri" panose="020F0502020204030204" pitchFamily="34" charset="0"/>
-              <a:ea typeface="微软雅黑" panose="020B0503020204020204" pitchFamily="34" charset="-122"/>
-              <a:cs typeface="Calibri" panose="020F0502020204030204" pitchFamily="34" charset="0"/>
-            </a:endParaRPr>
-          </a:p>
-          <a:p>
-            <a:pPr lvl="1"/>
-            <a:r>
-              <a:rPr lang="en-US" altLang="zh-CN" sz="2000" dirty="0">
-                <a:latin typeface="Calibri" panose="020F0502020204030204" pitchFamily="34" charset="0"/>
-                <a:ea typeface="微软雅黑" panose="020B0503020204020204" pitchFamily="34" charset="-122"/>
-                <a:cs typeface="Calibri" panose="020F0502020204030204" pitchFamily="34" charset="0"/>
-              </a:rPr>
-              <a:t>$request = $curl-&gt;</a:t>
-            </a:r>
-            <a:r>
-              <a:rPr lang="en-US" altLang="zh-CN" sz="2000" dirty="0" err="1">
-                <a:latin typeface="Calibri" panose="020F0502020204030204" pitchFamily="34" charset="0"/>
-                <a:ea typeface="微软雅黑" panose="020B0503020204020204" pitchFamily="34" charset="-122"/>
-                <a:cs typeface="Calibri" panose="020F0502020204030204" pitchFamily="34" charset="0"/>
-              </a:rPr>
-              <a:t>newRawRequest</a:t>
-            </a:r>
-            <a:r>
-              <a:rPr lang="en-US" altLang="zh-CN" sz="2000" dirty="0">
-                <a:latin typeface="Calibri" panose="020F0502020204030204" pitchFamily="34" charset="0"/>
-                <a:ea typeface="微软雅黑" panose="020B0503020204020204" pitchFamily="34" charset="-122"/>
-                <a:cs typeface="Calibri" panose="020F0502020204030204" pitchFamily="34" charset="0"/>
-              </a:rPr>
-              <a:t>('post', $</a:t>
-            </a:r>
-            <a:r>
-              <a:rPr lang="en-US" altLang="zh-CN" sz="2000" dirty="0" err="1">
-                <a:latin typeface="Calibri" panose="020F0502020204030204" pitchFamily="34" charset="0"/>
-                <a:ea typeface="微软雅黑" panose="020B0503020204020204" pitchFamily="34" charset="-122"/>
-                <a:cs typeface="Calibri" panose="020F0502020204030204" pitchFamily="34" charset="0"/>
-              </a:rPr>
-              <a:t>wx_menu_create_api</a:t>
-            </a:r>
-            <a:r>
-              <a:rPr lang="en-US" altLang="zh-CN" sz="2000" dirty="0">
-                <a:latin typeface="Calibri" panose="020F0502020204030204" pitchFamily="34" charset="0"/>
-                <a:ea typeface="微软雅黑" panose="020B0503020204020204" pitchFamily="34" charset="-122"/>
-                <a:cs typeface="Calibri" panose="020F0502020204030204" pitchFamily="34" charset="0"/>
-              </a:rPr>
-              <a:t>, $</a:t>
-            </a:r>
-            <a:r>
-              <a:rPr lang="en-US" altLang="zh-CN" sz="2000" dirty="0" err="1">
-                <a:latin typeface="Calibri" panose="020F0502020204030204" pitchFamily="34" charset="0"/>
-                <a:ea typeface="微软雅黑" panose="020B0503020204020204" pitchFamily="34" charset="-122"/>
-                <a:cs typeface="Calibri" panose="020F0502020204030204" pitchFamily="34" charset="0"/>
-              </a:rPr>
-              <a:t>json_menu</a:t>
-            </a:r>
-            <a:r>
-              <a:rPr lang="en-US" altLang="zh-CN" sz="2000" dirty="0">
-                <a:latin typeface="Calibri" panose="020F0502020204030204" pitchFamily="34" charset="0"/>
-                <a:ea typeface="微软雅黑" panose="020B0503020204020204" pitchFamily="34" charset="-122"/>
-                <a:cs typeface="Calibri" panose="020F0502020204030204" pitchFamily="34" charset="0"/>
-              </a:rPr>
-              <a:t>)</a:t>
-            </a:r>
-          </a:p>
-          <a:p>
-            <a:pPr lvl="1"/>
-            <a:r>
-              <a:rPr lang="en-US" altLang="zh-CN" sz="2000" dirty="0">
-                <a:latin typeface="Calibri" panose="020F0502020204030204" pitchFamily="34" charset="0"/>
-                <a:ea typeface="微软雅黑" panose="020B0503020204020204" pitchFamily="34" charset="-122"/>
-                <a:cs typeface="Calibri" panose="020F0502020204030204" pitchFamily="34" charset="0"/>
-              </a:rPr>
-              <a:t>  </a:t>
-            </a:r>
-            <a:r>
-              <a:rPr lang="en-US" altLang="zh-CN" sz="2000" dirty="0" smtClean="0">
-                <a:latin typeface="Calibri" panose="020F0502020204030204" pitchFamily="34" charset="0"/>
-                <a:ea typeface="微软雅黑" panose="020B0503020204020204" pitchFamily="34" charset="-122"/>
-                <a:cs typeface="Calibri" panose="020F0502020204030204" pitchFamily="34" charset="0"/>
-              </a:rPr>
-              <a:t>  -&gt;</a:t>
-            </a:r>
-            <a:r>
-              <a:rPr lang="en-US" altLang="zh-CN" sz="2000" dirty="0" err="1">
-                <a:latin typeface="Calibri" panose="020F0502020204030204" pitchFamily="34" charset="0"/>
-                <a:ea typeface="微软雅黑" panose="020B0503020204020204" pitchFamily="34" charset="-122"/>
-                <a:cs typeface="Calibri" panose="020F0502020204030204" pitchFamily="34" charset="0"/>
-              </a:rPr>
-              <a:t>setOption</a:t>
-            </a:r>
-            <a:r>
-              <a:rPr lang="en-US" altLang="zh-CN" sz="2000" dirty="0">
-                <a:latin typeface="Calibri" panose="020F0502020204030204" pitchFamily="34" charset="0"/>
-                <a:ea typeface="微软雅黑" panose="020B0503020204020204" pitchFamily="34" charset="-122"/>
-                <a:cs typeface="Calibri" panose="020F0502020204030204" pitchFamily="34" charset="0"/>
-              </a:rPr>
-              <a:t>(CURLOPT_RETURNTRANSFER, true)</a:t>
-            </a:r>
-          </a:p>
-          <a:p>
-            <a:pPr lvl="1"/>
-            <a:r>
-              <a:rPr lang="en-US" altLang="zh-CN" sz="2000" dirty="0">
-                <a:latin typeface="Calibri" panose="020F0502020204030204" pitchFamily="34" charset="0"/>
-                <a:ea typeface="微软雅黑" panose="020B0503020204020204" pitchFamily="34" charset="-122"/>
-                <a:cs typeface="Calibri" panose="020F0502020204030204" pitchFamily="34" charset="0"/>
-              </a:rPr>
-              <a:t>  </a:t>
-            </a:r>
-            <a:r>
-              <a:rPr lang="en-US" altLang="zh-CN" sz="2000" dirty="0" smtClean="0">
-                <a:latin typeface="Calibri" panose="020F0502020204030204" pitchFamily="34" charset="0"/>
-                <a:ea typeface="微软雅黑" panose="020B0503020204020204" pitchFamily="34" charset="-122"/>
-                <a:cs typeface="Calibri" panose="020F0502020204030204" pitchFamily="34" charset="0"/>
-              </a:rPr>
-              <a:t>  -&gt;</a:t>
-            </a:r>
-            <a:r>
-              <a:rPr lang="en-US" altLang="zh-CN" sz="2000" dirty="0" err="1">
-                <a:latin typeface="Calibri" panose="020F0502020204030204" pitchFamily="34" charset="0"/>
-                <a:ea typeface="微软雅黑" panose="020B0503020204020204" pitchFamily="34" charset="-122"/>
-                <a:cs typeface="Calibri" panose="020F0502020204030204" pitchFamily="34" charset="0"/>
-              </a:rPr>
-              <a:t>setOption</a:t>
-            </a:r>
-            <a:r>
-              <a:rPr lang="en-US" altLang="zh-CN" sz="2000" dirty="0">
-                <a:latin typeface="Calibri" panose="020F0502020204030204" pitchFamily="34" charset="0"/>
-                <a:ea typeface="微软雅黑" panose="020B0503020204020204" pitchFamily="34" charset="-122"/>
-                <a:cs typeface="Calibri" panose="020F0502020204030204" pitchFamily="34" charset="0"/>
-              </a:rPr>
-              <a:t>(CURLOPT_SSL_VERIFYPEER, false)</a:t>
-            </a:r>
-          </a:p>
-          <a:p>
-            <a:pPr lvl="1"/>
-            <a:r>
-              <a:rPr lang="en-US" altLang="zh-CN" sz="2000" dirty="0">
-                <a:latin typeface="Calibri" panose="020F0502020204030204" pitchFamily="34" charset="0"/>
-                <a:ea typeface="微软雅黑" panose="020B0503020204020204" pitchFamily="34" charset="-122"/>
-                <a:cs typeface="Calibri" panose="020F0502020204030204" pitchFamily="34" charset="0"/>
-              </a:rPr>
-              <a:t>  </a:t>
-            </a:r>
-            <a:r>
-              <a:rPr lang="en-US" altLang="zh-CN" sz="2000" dirty="0" smtClean="0">
-                <a:latin typeface="Calibri" panose="020F0502020204030204" pitchFamily="34" charset="0"/>
-                <a:ea typeface="微软雅黑" panose="020B0503020204020204" pitchFamily="34" charset="-122"/>
-                <a:cs typeface="Calibri" panose="020F0502020204030204" pitchFamily="34" charset="0"/>
-              </a:rPr>
-              <a:t>  -&gt;</a:t>
-            </a:r>
-            <a:r>
-              <a:rPr lang="en-US" altLang="zh-CN" sz="2000" dirty="0" err="1">
-                <a:latin typeface="Calibri" panose="020F0502020204030204" pitchFamily="34" charset="0"/>
-                <a:ea typeface="微软雅黑" panose="020B0503020204020204" pitchFamily="34" charset="-122"/>
-                <a:cs typeface="Calibri" panose="020F0502020204030204" pitchFamily="34" charset="0"/>
-              </a:rPr>
-              <a:t>setOption</a:t>
-            </a:r>
-            <a:r>
-              <a:rPr lang="en-US" altLang="zh-CN" sz="2000" dirty="0">
-                <a:latin typeface="Calibri" panose="020F0502020204030204" pitchFamily="34" charset="0"/>
-                <a:ea typeface="微软雅黑" panose="020B0503020204020204" pitchFamily="34" charset="-122"/>
-                <a:cs typeface="Calibri" panose="020F0502020204030204" pitchFamily="34" charset="0"/>
-              </a:rPr>
-              <a:t>(</a:t>
-            </a:r>
-            <a:r>
-              <a:rPr lang="en-US" altLang="zh-CN" sz="2000" dirty="0" err="1">
-                <a:latin typeface="Calibri" panose="020F0502020204030204" pitchFamily="34" charset="0"/>
-                <a:ea typeface="微软雅黑" panose="020B0503020204020204" pitchFamily="34" charset="-122"/>
-                <a:cs typeface="Calibri" panose="020F0502020204030204" pitchFamily="34" charset="0"/>
-              </a:rPr>
-              <a:t>CURLOPT_POST,true</a:t>
-            </a:r>
-            <a:r>
-              <a:rPr lang="en-US" altLang="zh-CN" sz="2000" dirty="0" smtClean="0">
-                <a:latin typeface="Calibri" panose="020F0502020204030204" pitchFamily="34" charset="0"/>
-                <a:ea typeface="微软雅黑" panose="020B0503020204020204" pitchFamily="34" charset="-122"/>
-                <a:cs typeface="Calibri" panose="020F0502020204030204" pitchFamily="34" charset="0"/>
-              </a:rPr>
-              <a:t>);</a:t>
             </a:r>
             <a:endParaRPr lang="en-US" altLang="zh-CN" sz="2000" dirty="0">
               <a:latin typeface="Calibri" panose="020F0502020204030204" pitchFamily="34" charset="0"/>
@@ -19768,15 +18887,163 @@
                 <a:ea typeface="微软雅黑" panose="020B0503020204020204" pitchFamily="34" charset="-122"/>
                 <a:cs typeface="Calibri" panose="020F0502020204030204" pitchFamily="34" charset="0"/>
               </a:rPr>
-              <a:t>$r = $request-&gt;send</a:t>
-            </a:r>
-            <a:r>
-              <a:rPr lang="en-US" altLang="zh-CN" sz="2000" dirty="0" smtClean="0">
+              <a:t>$request = $curl-&gt;</a:t>
+            </a:r>
+            <a:r>
+              <a:rPr lang="en-US" altLang="zh-CN" sz="2000" dirty="0" err="1">
                 <a:latin typeface="Calibri" panose="020F0502020204030204" pitchFamily="34" charset="0"/>
                 <a:ea typeface="微软雅黑" panose="020B0503020204020204" pitchFamily="34" charset="-122"/>
                 <a:cs typeface="Calibri" panose="020F0502020204030204" pitchFamily="34" charset="0"/>
               </a:rPr>
-              <a:t>();</a:t>
+              <a:t>newRawRequest</a:t>
+            </a:r>
+            <a:r>
+              <a:rPr lang="en-US" altLang="zh-CN" sz="2000" dirty="0">
+                <a:latin typeface="Calibri" panose="020F0502020204030204" pitchFamily="34" charset="0"/>
+                <a:ea typeface="微软雅黑" panose="020B0503020204020204" pitchFamily="34" charset="-122"/>
+                <a:cs typeface="Calibri" panose="020F0502020204030204" pitchFamily="34" charset="0"/>
+              </a:rPr>
+              <a:t>('post', $</a:t>
+            </a:r>
+            <a:r>
+              <a:rPr lang="en-US" altLang="zh-CN" sz="2000" dirty="0" err="1">
+                <a:latin typeface="Calibri" panose="020F0502020204030204" pitchFamily="34" charset="0"/>
+                <a:ea typeface="微软雅黑" panose="020B0503020204020204" pitchFamily="34" charset="-122"/>
+                <a:cs typeface="Calibri" panose="020F0502020204030204" pitchFamily="34" charset="0"/>
+              </a:rPr>
+              <a:t>wx_menu_create_api</a:t>
+            </a:r>
+            <a:r>
+              <a:rPr lang="en-US" altLang="zh-CN" sz="2000" dirty="0">
+                <a:latin typeface="Calibri" panose="020F0502020204030204" pitchFamily="34" charset="0"/>
+                <a:ea typeface="微软雅黑" panose="020B0503020204020204" pitchFamily="34" charset="-122"/>
+                <a:cs typeface="Calibri" panose="020F0502020204030204" pitchFamily="34" charset="0"/>
+              </a:rPr>
+              <a:t>, $</a:t>
+            </a:r>
+            <a:r>
+              <a:rPr lang="en-US" altLang="zh-CN" sz="2000" dirty="0" err="1">
+                <a:latin typeface="Calibri" panose="020F0502020204030204" pitchFamily="34" charset="0"/>
+                <a:ea typeface="微软雅黑" panose="020B0503020204020204" pitchFamily="34" charset="-122"/>
+                <a:cs typeface="Calibri" panose="020F0502020204030204" pitchFamily="34" charset="0"/>
+              </a:rPr>
+              <a:t>json_menu</a:t>
+            </a:r>
+            <a:r>
+              <a:rPr lang="en-US" altLang="zh-CN" sz="2000" dirty="0">
+                <a:latin typeface="Calibri" panose="020F0502020204030204" pitchFamily="34" charset="0"/>
+                <a:ea typeface="微软雅黑" panose="020B0503020204020204" pitchFamily="34" charset="-122"/>
+                <a:cs typeface="Calibri" panose="020F0502020204030204" pitchFamily="34" charset="0"/>
+              </a:rPr>
+              <a:t>)</a:t>
+            </a:r>
+          </a:p>
+          <a:p>
+            <a:pPr lvl="1"/>
+            <a:r>
+              <a:rPr lang="en-US" altLang="zh-CN" sz="2000" dirty="0">
+                <a:latin typeface="Calibri" panose="020F0502020204030204" pitchFamily="34" charset="0"/>
+                <a:ea typeface="微软雅黑" panose="020B0503020204020204" pitchFamily="34" charset="-122"/>
+                <a:cs typeface="Calibri" panose="020F0502020204030204" pitchFamily="34" charset="0"/>
+              </a:rPr>
+              <a:t>    -&gt;</a:t>
+            </a:r>
+            <a:r>
+              <a:rPr lang="en-US" altLang="zh-CN" sz="2000" dirty="0" err="1">
+                <a:latin typeface="Calibri" panose="020F0502020204030204" pitchFamily="34" charset="0"/>
+                <a:ea typeface="微软雅黑" panose="020B0503020204020204" pitchFamily="34" charset="-122"/>
+                <a:cs typeface="Calibri" panose="020F0502020204030204" pitchFamily="34" charset="0"/>
+              </a:rPr>
+              <a:t>setOption</a:t>
+            </a:r>
+            <a:r>
+              <a:rPr lang="en-US" altLang="zh-CN" sz="2000" dirty="0">
+                <a:latin typeface="Calibri" panose="020F0502020204030204" pitchFamily="34" charset="0"/>
+                <a:ea typeface="微软雅黑" panose="020B0503020204020204" pitchFamily="34" charset="-122"/>
+                <a:cs typeface="Calibri" panose="020F0502020204030204" pitchFamily="34" charset="0"/>
+              </a:rPr>
+              <a:t>(CURLOPT_RETURNTRANSFER, true)</a:t>
+            </a:r>
+          </a:p>
+          <a:p>
+            <a:pPr lvl="1"/>
+            <a:r>
+              <a:rPr lang="en-US" altLang="zh-CN" sz="2000" dirty="0">
+                <a:latin typeface="Calibri" panose="020F0502020204030204" pitchFamily="34" charset="0"/>
+                <a:ea typeface="微软雅黑" panose="020B0503020204020204" pitchFamily="34" charset="-122"/>
+                <a:cs typeface="Calibri" panose="020F0502020204030204" pitchFamily="34" charset="0"/>
+              </a:rPr>
+              <a:t>    -&gt;</a:t>
+            </a:r>
+            <a:r>
+              <a:rPr lang="en-US" altLang="zh-CN" sz="2000" dirty="0" err="1">
+                <a:latin typeface="Calibri" panose="020F0502020204030204" pitchFamily="34" charset="0"/>
+                <a:ea typeface="微软雅黑" panose="020B0503020204020204" pitchFamily="34" charset="-122"/>
+                <a:cs typeface="Calibri" panose="020F0502020204030204" pitchFamily="34" charset="0"/>
+              </a:rPr>
+              <a:t>setOption</a:t>
+            </a:r>
+            <a:r>
+              <a:rPr lang="en-US" altLang="zh-CN" sz="2000" dirty="0">
+                <a:latin typeface="Calibri" panose="020F0502020204030204" pitchFamily="34" charset="0"/>
+                <a:ea typeface="微软雅黑" panose="020B0503020204020204" pitchFamily="34" charset="-122"/>
+                <a:cs typeface="Calibri" panose="020F0502020204030204" pitchFamily="34" charset="0"/>
+              </a:rPr>
+              <a:t>(CURLOPT_SSL_VERIFYPEER, false)</a:t>
+            </a:r>
+          </a:p>
+          <a:p>
+            <a:pPr lvl="1"/>
+            <a:r>
+              <a:rPr lang="en-US" altLang="zh-CN" sz="2000" dirty="0">
+                <a:latin typeface="Calibri" panose="020F0502020204030204" pitchFamily="34" charset="0"/>
+                <a:ea typeface="微软雅黑" panose="020B0503020204020204" pitchFamily="34" charset="-122"/>
+                <a:cs typeface="Calibri" panose="020F0502020204030204" pitchFamily="34" charset="0"/>
+              </a:rPr>
+              <a:t>    -&gt;</a:t>
+            </a:r>
+            <a:r>
+              <a:rPr lang="en-US" altLang="zh-CN" sz="2000" dirty="0" err="1">
+                <a:latin typeface="Calibri" panose="020F0502020204030204" pitchFamily="34" charset="0"/>
+                <a:ea typeface="微软雅黑" panose="020B0503020204020204" pitchFamily="34" charset="-122"/>
+                <a:cs typeface="Calibri" panose="020F0502020204030204" pitchFamily="34" charset="0"/>
+              </a:rPr>
+              <a:t>setOption</a:t>
+            </a:r>
+            <a:r>
+              <a:rPr lang="en-US" altLang="zh-CN" sz="2000" dirty="0">
+                <a:latin typeface="Calibri" panose="020F0502020204030204" pitchFamily="34" charset="0"/>
+                <a:ea typeface="微软雅黑" panose="020B0503020204020204" pitchFamily="34" charset="-122"/>
+                <a:cs typeface="Calibri" panose="020F0502020204030204" pitchFamily="34" charset="0"/>
+              </a:rPr>
+              <a:t>(</a:t>
+            </a:r>
+            <a:r>
+              <a:rPr lang="en-US" altLang="zh-CN" sz="2000" dirty="0" err="1">
+                <a:latin typeface="Calibri" panose="020F0502020204030204" pitchFamily="34" charset="0"/>
+                <a:ea typeface="微软雅黑" panose="020B0503020204020204" pitchFamily="34" charset="-122"/>
+                <a:cs typeface="Calibri" panose="020F0502020204030204" pitchFamily="34" charset="0"/>
+              </a:rPr>
+              <a:t>CURLOPT_POST,true</a:t>
+            </a:r>
+            <a:r>
+              <a:rPr lang="en-US" altLang="zh-CN" sz="2000" dirty="0">
+                <a:latin typeface="Calibri" panose="020F0502020204030204" pitchFamily="34" charset="0"/>
+                <a:ea typeface="微软雅黑" panose="020B0503020204020204" pitchFamily="34" charset="-122"/>
+                <a:cs typeface="Calibri" panose="020F0502020204030204" pitchFamily="34" charset="0"/>
+              </a:rPr>
+              <a:t>);</a:t>
+            </a:r>
+          </a:p>
+          <a:p>
+            <a:pPr lvl="1"/>
+            <a:r>
+              <a:rPr lang="en-US" altLang="zh-CN" sz="2000" dirty="0">
+                <a:latin typeface="Calibri" panose="020F0502020204030204" pitchFamily="34" charset="0"/>
+                <a:ea typeface="微软雅黑" panose="020B0503020204020204" pitchFamily="34" charset="-122"/>
+                <a:cs typeface="Calibri" panose="020F0502020204030204" pitchFamily="34" charset="0"/>
+              </a:rPr>
+              <a:t>$r = $request-&gt;send();</a:t>
             </a:r>
           </a:p>
         </p:txBody>
@@ -20492,13 +19759,6 @@
   <p:clrMapOvr>
     <a:masterClrMapping/>
   </p:clrMapOvr>
-  <p:timing>
-    <p:tnLst>
-      <p:par>
-        <p:cTn id="1" dur="indefinite" restart="never" nodeType="tmRoot"/>
-      </p:par>
-    </p:tnLst>
-  </p:timing>
 </p:sld>
 </file>
 
@@ -20529,171 +19789,22 @@
             <p:ph sz="quarter" idx="13"/>
           </p:nvPr>
         </p:nvSpPr>
-        <p:spPr>
-          <a:xfrm>
-            <a:off x="1054099" y="543636"/>
-            <a:ext cx="6418263" cy="685800"/>
-          </a:xfrm>
-        </p:spPr>
+        <p:spPr/>
         <p:txBody>
           <a:bodyPr/>
           <a:lstStyle/>
           <a:p>
             <a:r>
-              <a:rPr lang="zh-CN" altLang="en-US" b="0" dirty="0" smtClean="0"/>
-              <a:t>第一节</a:t>
-            </a:r>
-            <a:endParaRPr lang="zh-CN" altLang="en-US" b="0" dirty="0"/>
-          </a:p>
-        </p:txBody>
-      </p:sp>
-      <p:sp>
-        <p:nvSpPr>
-          <p:cNvPr id="6" name="文本框 5"/>
-          <p:cNvSpPr txBox="1"/>
-          <p:nvPr/>
-        </p:nvSpPr>
-        <p:spPr>
-          <a:xfrm>
-            <a:off x="4058444" y="2343152"/>
-            <a:ext cx="5385594" cy="2062103"/>
-          </a:xfrm>
-          <a:prstGeom prst="rect">
-            <a:avLst/>
-          </a:prstGeom>
-          <a:noFill/>
-        </p:spPr>
-        <p:txBody>
-          <a:bodyPr wrap="square" rtlCol="0">
-            <a:spAutoFit/>
-          </a:bodyPr>
-          <a:lstStyle/>
-          <a:p>
-            <a:pPr marL="514350" indent="-514350">
-              <a:lnSpc>
-                <a:spcPct val="200000"/>
-              </a:lnSpc>
-              <a:buFont typeface="+mj-ea"/>
-              <a:buAutoNum type="ea1JpnChsDbPeriod"/>
-            </a:pPr>
-            <a:r>
-              <a:rPr lang="zh-CN" altLang="en-US" sz="2400" dirty="0" smtClean="0">
-                <a:solidFill>
-                  <a:schemeClr val="accent6">
-                    <a:lumMod val="75000"/>
-                  </a:schemeClr>
-                </a:solidFill>
-                <a:latin typeface="微软雅黑" panose="020B0503020204020204" pitchFamily="34" charset="-122"/>
-                <a:ea typeface="微软雅黑" panose="020B0503020204020204" pitchFamily="34" charset="-122"/>
-              </a:rPr>
-              <a:t>事件消息类型</a:t>
-            </a:r>
-            <a:endParaRPr lang="en-US" altLang="zh-CN" sz="2400" dirty="0">
-              <a:solidFill>
-                <a:schemeClr val="accent6">
-                  <a:lumMod val="75000"/>
-                </a:schemeClr>
-              </a:solidFill>
-              <a:latin typeface="微软雅黑" panose="020B0503020204020204" pitchFamily="34" charset="-122"/>
-              <a:ea typeface="微软雅黑" panose="020B0503020204020204" pitchFamily="34" charset="-122"/>
-            </a:endParaRPr>
-          </a:p>
-          <a:p>
-            <a:pPr marL="514350" indent="-514350">
-              <a:lnSpc>
-                <a:spcPct val="200000"/>
-              </a:lnSpc>
-              <a:buFont typeface="+mj-ea"/>
-              <a:buAutoNum type="ea1JpnChsDbPeriod"/>
-            </a:pPr>
-            <a:r>
-              <a:rPr lang="zh-CN" altLang="en-US" sz="2000" dirty="0" smtClean="0">
-                <a:solidFill>
-                  <a:schemeClr val="tx1">
-                    <a:lumMod val="65000"/>
-                    <a:lumOff val="35000"/>
-                  </a:schemeClr>
-                </a:solidFill>
-                <a:latin typeface="微软雅黑" panose="020B0503020204020204" pitchFamily="34" charset="-122"/>
-                <a:ea typeface="微软雅黑" panose="020B0503020204020204" pitchFamily="34" charset="-122"/>
-              </a:rPr>
-              <a:t>关注</a:t>
-            </a:r>
-            <a:r>
-              <a:rPr lang="en-US" altLang="zh-CN" sz="2000" dirty="0" smtClean="0">
-                <a:solidFill>
-                  <a:schemeClr val="tx1">
-                    <a:lumMod val="65000"/>
-                    <a:lumOff val="35000"/>
-                  </a:schemeClr>
-                </a:solidFill>
-                <a:latin typeface="微软雅黑" panose="020B0503020204020204" pitchFamily="34" charset="-122"/>
-                <a:ea typeface="微软雅黑" panose="020B0503020204020204" pitchFamily="34" charset="-122"/>
-              </a:rPr>
-              <a:t>/</a:t>
-            </a:r>
-            <a:r>
-              <a:rPr lang="zh-CN" altLang="en-US" sz="2000" dirty="0" smtClean="0">
-                <a:solidFill>
-                  <a:schemeClr val="tx1">
-                    <a:lumMod val="65000"/>
-                    <a:lumOff val="35000"/>
-                  </a:schemeClr>
-                </a:solidFill>
-                <a:latin typeface="微软雅黑" panose="020B0503020204020204" pitchFamily="34" charset="-122"/>
-                <a:ea typeface="微软雅黑" panose="020B0503020204020204" pitchFamily="34" charset="-122"/>
-              </a:rPr>
-              <a:t>取消关注事件</a:t>
-            </a:r>
-            <a:endParaRPr lang="en-US" altLang="zh-CN" sz="2000" dirty="0">
-              <a:solidFill>
-                <a:schemeClr val="tx1">
-                  <a:lumMod val="65000"/>
-                  <a:lumOff val="35000"/>
-                </a:schemeClr>
-              </a:solidFill>
-              <a:latin typeface="微软雅黑" panose="020B0503020204020204" pitchFamily="34" charset="-122"/>
-              <a:ea typeface="微软雅黑" panose="020B0503020204020204" pitchFamily="34" charset="-122"/>
-            </a:endParaRPr>
-          </a:p>
-          <a:p>
-            <a:pPr marL="514350" indent="-514350">
-              <a:lnSpc>
-                <a:spcPct val="200000"/>
-              </a:lnSpc>
-              <a:buFont typeface="+mj-ea"/>
-              <a:buAutoNum type="ea1JpnChsDbPeriod"/>
-            </a:pPr>
-            <a:r>
-              <a:rPr lang="zh-CN" altLang="en-US" sz="2000" dirty="0" smtClean="0">
-                <a:solidFill>
-                  <a:schemeClr val="tx1">
-                    <a:lumMod val="65000"/>
-                    <a:lumOff val="35000"/>
-                  </a:schemeClr>
-                </a:solidFill>
-                <a:latin typeface="微软雅黑" panose="020B0503020204020204" pitchFamily="34" charset="-122"/>
-                <a:ea typeface="微软雅黑" panose="020B0503020204020204" pitchFamily="34" charset="-122"/>
-              </a:rPr>
-              <a:t>扫描二维码与地理位置事件</a:t>
-            </a:r>
-            <a:endParaRPr lang="en-US" altLang="zh-CN" sz="2000" dirty="0">
-              <a:solidFill>
-                <a:schemeClr val="tx1">
-                  <a:lumMod val="65000"/>
-                  <a:lumOff val="35000"/>
-                </a:schemeClr>
-              </a:solidFill>
-              <a:latin typeface="微软雅黑" panose="020B0503020204020204" pitchFamily="34" charset="-122"/>
-              <a:ea typeface="微软雅黑" panose="020B0503020204020204" pitchFamily="34" charset="-122"/>
-            </a:endParaRPr>
+              <a:rPr lang="zh-CN" altLang="en-US" b="0" dirty="0"/>
+              <a:t>课程概要</a:t>
+            </a:r>
           </a:p>
         </p:txBody>
       </p:sp>
     </p:spTree>
     <p:extLst>
       <p:ext uri="{BB962C8B-B14F-4D97-AF65-F5344CB8AC3E}">
-        <p14:creationId xmlns:p14="http://schemas.microsoft.com/office/powerpoint/2010/main" val="2268354123"/>
+        <p14:creationId xmlns:p14="http://schemas.microsoft.com/office/powerpoint/2010/main" val="947354603"/>
       </p:ext>
     </p:extLst>
   </p:cSld>
@@ -20730,23 +19841,144 @@
             <p:ph sz="quarter" idx="13"/>
           </p:nvPr>
         </p:nvSpPr>
-        <p:spPr/>
+        <p:spPr>
+          <a:xfrm>
+            <a:off x="1054099" y="543636"/>
+            <a:ext cx="6418263" cy="685800"/>
+          </a:xfrm>
+        </p:spPr>
         <p:txBody>
           <a:bodyPr/>
           <a:lstStyle/>
           <a:p>
             <a:r>
-              <a:rPr lang="zh-CN" altLang="en-US" b="0" dirty="0" smtClean="0"/>
-              <a:t>课程概要</a:t>
-            </a:r>
-            <a:endParaRPr lang="zh-CN" altLang="en-US" b="0" dirty="0"/>
+              <a:rPr lang="zh-CN" altLang="en-US" b="0" dirty="0"/>
+              <a:t>第一节</a:t>
+            </a:r>
+          </a:p>
+        </p:txBody>
+      </p:sp>
+      <p:sp>
+        <p:nvSpPr>
+          <p:cNvPr id="4" name="文本框 3"/>
+          <p:cNvSpPr txBox="1"/>
+          <p:nvPr/>
+        </p:nvSpPr>
+        <p:spPr>
+          <a:xfrm>
+            <a:off x="4058444" y="2343152"/>
+            <a:ext cx="5385594" cy="2062103"/>
+          </a:xfrm>
+          <a:prstGeom prst="rect">
+            <a:avLst/>
+          </a:prstGeom>
+          <a:noFill/>
+        </p:spPr>
+        <p:txBody>
+          <a:bodyPr wrap="square" rtlCol="0">
+            <a:spAutoFit/>
+          </a:bodyPr>
+          <a:lstStyle/>
+          <a:p>
+            <a:pPr marL="514350" indent="-514350">
+              <a:lnSpc>
+                <a:spcPct val="200000"/>
+              </a:lnSpc>
+              <a:buFont typeface="+mj-ea"/>
+              <a:buAutoNum type="ea1JpnChsDbPeriod"/>
+            </a:pPr>
+            <a:r>
+              <a:rPr lang="zh-CN" altLang="en-US" sz="2400" dirty="0">
+                <a:solidFill>
+                  <a:schemeClr val="accent6">
+                    <a:lumMod val="75000"/>
+                  </a:schemeClr>
+                </a:solidFill>
+                <a:latin typeface="微软雅黑" panose="020B0503020204020204" pitchFamily="34" charset="-122"/>
+                <a:ea typeface="微软雅黑" panose="020B0503020204020204" pitchFamily="34" charset="-122"/>
+              </a:rPr>
+              <a:t>素材管理基础</a:t>
+            </a:r>
+            <a:endParaRPr lang="en-US" altLang="zh-CN" sz="2400" dirty="0">
+              <a:solidFill>
+                <a:schemeClr val="accent6">
+                  <a:lumMod val="75000"/>
+                </a:schemeClr>
+              </a:solidFill>
+              <a:latin typeface="微软雅黑" panose="020B0503020204020204" pitchFamily="34" charset="-122"/>
+              <a:ea typeface="微软雅黑" panose="020B0503020204020204" pitchFamily="34" charset="-122"/>
+            </a:endParaRPr>
+          </a:p>
+          <a:p>
+            <a:pPr marL="514350" indent="-514350">
+              <a:lnSpc>
+                <a:spcPct val="200000"/>
+              </a:lnSpc>
+              <a:buFont typeface="+mj-ea"/>
+              <a:buAutoNum type="ea1JpnChsDbPeriod"/>
+            </a:pPr>
+            <a:r>
+              <a:rPr lang="zh-CN" altLang="en-US" sz="2000" dirty="0">
+                <a:solidFill>
+                  <a:schemeClr val="tx1">
+                    <a:lumMod val="65000"/>
+                    <a:lumOff val="35000"/>
+                  </a:schemeClr>
+                </a:solidFill>
+                <a:latin typeface="微软雅黑" panose="020B0503020204020204" pitchFamily="34" charset="-122"/>
+                <a:ea typeface="微软雅黑" panose="020B0503020204020204" pitchFamily="34" charset="-122"/>
+              </a:rPr>
+              <a:t>图文素材</a:t>
+            </a:r>
+            <a:endParaRPr lang="en-US" altLang="zh-CN" sz="2000" dirty="0">
+              <a:solidFill>
+                <a:schemeClr val="tx1">
+                  <a:lumMod val="65000"/>
+                  <a:lumOff val="35000"/>
+                </a:schemeClr>
+              </a:solidFill>
+              <a:latin typeface="微软雅黑" panose="020B0503020204020204" pitchFamily="34" charset="-122"/>
+              <a:ea typeface="微软雅黑" panose="020B0503020204020204" pitchFamily="34" charset="-122"/>
+            </a:endParaRPr>
+          </a:p>
+          <a:p>
+            <a:pPr marL="514350" indent="-514350">
+              <a:lnSpc>
+                <a:spcPct val="200000"/>
+              </a:lnSpc>
+              <a:buFont typeface="+mj-ea"/>
+              <a:buAutoNum type="ea1JpnChsDbPeriod"/>
+            </a:pPr>
+            <a:r>
+              <a:rPr lang="zh-CN" altLang="en-US" sz="2000" dirty="0">
+                <a:solidFill>
+                  <a:schemeClr val="tx1">
+                    <a:lumMod val="65000"/>
+                    <a:lumOff val="35000"/>
+                  </a:schemeClr>
+                </a:solidFill>
+                <a:latin typeface="微软雅黑" panose="020B0503020204020204" pitchFamily="34" charset="-122"/>
+                <a:ea typeface="微软雅黑" panose="020B0503020204020204" pitchFamily="34" charset="-122"/>
+              </a:rPr>
+              <a:t>编写完整的处理代码</a:t>
+            </a:r>
+            <a:endParaRPr lang="en-US" altLang="zh-CN" sz="2000" dirty="0">
+              <a:solidFill>
+                <a:schemeClr val="tx1">
+                  <a:lumMod val="65000"/>
+                  <a:lumOff val="35000"/>
+                </a:schemeClr>
+              </a:solidFill>
+              <a:latin typeface="微软雅黑" panose="020B0503020204020204" pitchFamily="34" charset="-122"/>
+              <a:ea typeface="微软雅黑" panose="020B0503020204020204" pitchFamily="34" charset="-122"/>
+            </a:endParaRPr>
           </a:p>
         </p:txBody>
       </p:sp>
     </p:spTree>
     <p:extLst>
       <p:ext uri="{BB962C8B-B14F-4D97-AF65-F5344CB8AC3E}">
-        <p14:creationId xmlns:p14="http://schemas.microsoft.com/office/powerpoint/2010/main" val="947354603"/>
+        <p14:creationId xmlns:p14="http://schemas.microsoft.com/office/powerpoint/2010/main" val="2268354123"/>
       </p:ext>
     </p:extLst>
   </p:cSld>
@@ -20790,281 +20022,8 @@
           <a:p>
             <a:r>
               <a:rPr lang="zh-CN" altLang="en-US" b="0" dirty="0"/>
-              <a:t>微</a:t>
-            </a:r>
-            <a:r>
-              <a:rPr lang="zh-CN" altLang="en-US" b="0" dirty="0" smtClean="0"/>
-              <a:t>信事件消息类型</a:t>
-            </a:r>
-            <a:endParaRPr lang="zh-CN" altLang="en-US" b="0" dirty="0"/>
-          </a:p>
-        </p:txBody>
-      </p:sp>
-      <p:sp>
-        <p:nvSpPr>
-          <p:cNvPr id="4" name="文本框 3"/>
-          <p:cNvSpPr txBox="1"/>
-          <p:nvPr/>
-        </p:nvSpPr>
-        <p:spPr>
-          <a:xfrm>
-            <a:off x="1054100" y="1857375"/>
-            <a:ext cx="4889500" cy="2862322"/>
-          </a:xfrm>
-          <a:prstGeom prst="rect">
-            <a:avLst/>
-          </a:prstGeom>
-          <a:noFill/>
-        </p:spPr>
-        <p:txBody>
-          <a:bodyPr wrap="square" rtlCol="0">
-            <a:spAutoFit/>
-          </a:bodyPr>
-          <a:lstStyle/>
-          <a:p>
-            <a:pPr marL="285750" indent="-285750">
-              <a:lnSpc>
-                <a:spcPct val="150000"/>
-              </a:lnSpc>
-              <a:buFont typeface="Arial" panose="020B0604020202020204" pitchFamily="34" charset="0"/>
-              <a:buChar char="•"/>
-            </a:pPr>
-            <a:r>
-              <a:rPr lang="zh-CN" altLang="en-US" sz="2000" dirty="0" smtClean="0">
-                <a:latin typeface="微软雅黑" panose="020B0503020204020204" pitchFamily="34" charset="-122"/>
-                <a:ea typeface="微软雅黑" panose="020B0503020204020204" pitchFamily="34" charset="-122"/>
-              </a:rPr>
-              <a:t>关注</a:t>
-            </a:r>
-            <a:r>
-              <a:rPr lang="en-US" altLang="zh-CN" sz="2000" dirty="0" smtClean="0">
-                <a:latin typeface="微软雅黑" panose="020B0503020204020204" pitchFamily="34" charset="-122"/>
-                <a:ea typeface="微软雅黑" panose="020B0503020204020204" pitchFamily="34" charset="-122"/>
-              </a:rPr>
-              <a:t>/</a:t>
-            </a:r>
-            <a:r>
-              <a:rPr lang="zh-CN" altLang="en-US" sz="2000" dirty="0" smtClean="0">
-                <a:latin typeface="微软雅黑" panose="020B0503020204020204" pitchFamily="34" charset="-122"/>
-                <a:ea typeface="微软雅黑" panose="020B0503020204020204" pitchFamily="34" charset="-122"/>
-              </a:rPr>
-              <a:t>取消事件</a:t>
-            </a:r>
-            <a:endParaRPr lang="en-US" altLang="zh-CN" sz="2000" dirty="0" smtClean="0">
-              <a:latin typeface="微软雅黑" panose="020B0503020204020204" pitchFamily="34" charset="-122"/>
-              <a:ea typeface="微软雅黑" panose="020B0503020204020204" pitchFamily="34" charset="-122"/>
-            </a:endParaRPr>
-          </a:p>
-          <a:p>
-            <a:pPr marL="285750" indent="-285750">
-              <a:lnSpc>
-                <a:spcPct val="150000"/>
-              </a:lnSpc>
-              <a:buFont typeface="Arial" panose="020B0604020202020204" pitchFamily="34" charset="0"/>
-              <a:buChar char="•"/>
-            </a:pPr>
-            <a:r>
-              <a:rPr lang="zh-CN" altLang="en-US" sz="2000" dirty="0" smtClean="0">
-                <a:latin typeface="微软雅黑" panose="020B0503020204020204" pitchFamily="34" charset="-122"/>
-                <a:ea typeface="微软雅黑" panose="020B0503020204020204" pitchFamily="34" charset="-122"/>
-              </a:rPr>
-              <a:t>扫描带参数二维码事件</a:t>
-            </a:r>
-            <a:endParaRPr lang="en-US" altLang="zh-CN" sz="2000" dirty="0" smtClean="0">
-              <a:latin typeface="微软雅黑" panose="020B0503020204020204" pitchFamily="34" charset="-122"/>
-              <a:ea typeface="微软雅黑" panose="020B0503020204020204" pitchFamily="34" charset="-122"/>
-            </a:endParaRPr>
-          </a:p>
-          <a:p>
-            <a:pPr marL="285750" indent="-285750">
-              <a:lnSpc>
-                <a:spcPct val="150000"/>
-              </a:lnSpc>
-              <a:buFont typeface="Arial" panose="020B0604020202020204" pitchFamily="34" charset="0"/>
-              <a:buChar char="•"/>
-            </a:pPr>
-            <a:r>
-              <a:rPr lang="zh-CN" altLang="en-US" sz="2000" dirty="0" smtClean="0">
-                <a:latin typeface="微软雅黑" panose="020B0503020204020204" pitchFamily="34" charset="-122"/>
-                <a:ea typeface="微软雅黑" panose="020B0503020204020204" pitchFamily="34" charset="-122"/>
-              </a:rPr>
-              <a:t>上报地理位置事件</a:t>
-            </a:r>
-            <a:endParaRPr lang="en-US" altLang="zh-CN" sz="2000" dirty="0" smtClean="0">
-              <a:latin typeface="微软雅黑" panose="020B0503020204020204" pitchFamily="34" charset="-122"/>
-              <a:ea typeface="微软雅黑" panose="020B0503020204020204" pitchFamily="34" charset="-122"/>
-            </a:endParaRPr>
-          </a:p>
-          <a:p>
-            <a:pPr marL="285750" indent="-285750">
-              <a:lnSpc>
-                <a:spcPct val="150000"/>
-              </a:lnSpc>
-              <a:buFont typeface="Arial" panose="020B0604020202020204" pitchFamily="34" charset="0"/>
-              <a:buChar char="•"/>
-            </a:pPr>
-            <a:r>
-              <a:rPr lang="zh-CN" altLang="en-US" sz="2000" dirty="0">
-                <a:latin typeface="微软雅黑" panose="020B0503020204020204" pitchFamily="34" charset="-122"/>
-                <a:ea typeface="微软雅黑" panose="020B0503020204020204" pitchFamily="34" charset="-122"/>
-              </a:rPr>
-              <a:t>自定义</a:t>
-            </a:r>
-            <a:r>
-              <a:rPr lang="zh-CN" altLang="en-US" sz="2000" dirty="0" smtClean="0">
-                <a:latin typeface="微软雅黑" panose="020B0503020204020204" pitchFamily="34" charset="-122"/>
-                <a:ea typeface="微软雅黑" panose="020B0503020204020204" pitchFamily="34" charset="-122"/>
-              </a:rPr>
-              <a:t>菜单事件</a:t>
-            </a:r>
-            <a:endParaRPr lang="en-US" altLang="zh-CN" sz="2000" dirty="0" smtClean="0">
-              <a:latin typeface="微软雅黑" panose="020B0503020204020204" pitchFamily="34" charset="-122"/>
-              <a:ea typeface="微软雅黑" panose="020B0503020204020204" pitchFamily="34" charset="-122"/>
-            </a:endParaRPr>
-          </a:p>
-          <a:p>
-            <a:pPr marL="285750" indent="-285750">
-              <a:lnSpc>
-                <a:spcPct val="150000"/>
-              </a:lnSpc>
-              <a:buFont typeface="Arial" panose="020B0604020202020204" pitchFamily="34" charset="0"/>
-              <a:buChar char="•"/>
-            </a:pPr>
-            <a:r>
-              <a:rPr lang="zh-CN" altLang="en-US" sz="2000" dirty="0" smtClean="0">
-                <a:latin typeface="微软雅黑" panose="020B0503020204020204" pitchFamily="34" charset="-122"/>
-                <a:ea typeface="微软雅黑" panose="020B0503020204020204" pitchFamily="34" charset="-122"/>
-              </a:rPr>
-              <a:t>点击</a:t>
-            </a:r>
-            <a:r>
-              <a:rPr lang="zh-CN" altLang="en-US" sz="2000" dirty="0">
-                <a:latin typeface="微软雅黑" panose="020B0503020204020204" pitchFamily="34" charset="-122"/>
-                <a:ea typeface="微软雅黑" panose="020B0503020204020204" pitchFamily="34" charset="-122"/>
-              </a:rPr>
-              <a:t>菜单拉取消息时的事件推</a:t>
-            </a:r>
-            <a:r>
-              <a:rPr lang="zh-CN" altLang="en-US" sz="2000" dirty="0" smtClean="0">
-                <a:latin typeface="微软雅黑" panose="020B0503020204020204" pitchFamily="34" charset="-122"/>
-                <a:ea typeface="微软雅黑" panose="020B0503020204020204" pitchFamily="34" charset="-122"/>
-              </a:rPr>
-              <a:t>送</a:t>
-            </a:r>
-            <a:endParaRPr lang="zh-CN" altLang="en-US" sz="2000" dirty="0">
-              <a:latin typeface="微软雅黑" panose="020B0503020204020204" pitchFamily="34" charset="-122"/>
-              <a:ea typeface="微软雅黑" panose="020B0503020204020204" pitchFamily="34" charset="-122"/>
-            </a:endParaRPr>
-          </a:p>
-          <a:p>
-            <a:pPr marL="285750" indent="-285750">
-              <a:lnSpc>
-                <a:spcPct val="150000"/>
-              </a:lnSpc>
-              <a:buFont typeface="Arial" panose="020B0604020202020204" pitchFamily="34" charset="0"/>
-              <a:buChar char="•"/>
-            </a:pPr>
-            <a:r>
-              <a:rPr lang="zh-CN" altLang="en-US" sz="2000" dirty="0" smtClean="0">
-                <a:latin typeface="微软雅黑" panose="020B0503020204020204" pitchFamily="34" charset="-122"/>
-                <a:ea typeface="微软雅黑" panose="020B0503020204020204" pitchFamily="34" charset="-122"/>
-              </a:rPr>
-              <a:t>点击</a:t>
-            </a:r>
-            <a:r>
-              <a:rPr lang="zh-CN" altLang="en-US" sz="2000" dirty="0">
-                <a:latin typeface="微软雅黑" panose="020B0503020204020204" pitchFamily="34" charset="-122"/>
-                <a:ea typeface="微软雅黑" panose="020B0503020204020204" pitchFamily="34" charset="-122"/>
-              </a:rPr>
-              <a:t>菜单跳转链接时的事件推送</a:t>
-            </a:r>
-            <a:endParaRPr lang="en-US" altLang="zh-CN" sz="2000" dirty="0" smtClean="0">
-              <a:latin typeface="微软雅黑" panose="020B0503020204020204" pitchFamily="34" charset="-122"/>
-              <a:ea typeface="微软雅黑" panose="020B0503020204020204" pitchFamily="34" charset="-122"/>
-            </a:endParaRPr>
-          </a:p>
-        </p:txBody>
-      </p:sp>
-      <p:sp>
-        <p:nvSpPr>
-          <p:cNvPr id="3" name="文本框 2"/>
-          <p:cNvSpPr txBox="1"/>
-          <p:nvPr/>
-        </p:nvSpPr>
-        <p:spPr>
-          <a:xfrm>
-            <a:off x="1054100" y="4993693"/>
-            <a:ext cx="9390064" cy="1477328"/>
-          </a:xfrm>
-          <a:prstGeom prst="rect">
-            <a:avLst/>
-          </a:prstGeom>
-          <a:noFill/>
-        </p:spPr>
-        <p:txBody>
-          <a:bodyPr wrap="square" rtlCol="0">
-            <a:spAutoFit/>
-          </a:bodyPr>
-          <a:lstStyle/>
-          <a:p>
-            <a:pPr>
-              <a:lnSpc>
-                <a:spcPct val="150000"/>
-              </a:lnSpc>
-            </a:pPr>
-            <a:r>
-              <a:rPr lang="zh-CN" altLang="en-US" sz="2000" dirty="0" smtClean="0">
-                <a:latin typeface="微软雅黑" panose="020B0503020204020204" pitchFamily="34" charset="-122"/>
-                <a:ea typeface="微软雅黑" panose="020B0503020204020204" pitchFamily="34" charset="-122"/>
-              </a:rPr>
-              <a:t>当发生以上情况时，微信服务器会把事件类型的消息发送到开发者服务器。</a:t>
-            </a:r>
-            <a:r>
-              <a:rPr lang="zh-CN" altLang="en-US" sz="2000" dirty="0">
-                <a:latin typeface="微软雅黑" panose="020B0503020204020204" pitchFamily="34" charset="-122"/>
-                <a:ea typeface="微软雅黑" panose="020B0503020204020204" pitchFamily="34" charset="-122"/>
-              </a:rPr>
-              <a:t>但</a:t>
-            </a:r>
-            <a:r>
-              <a:rPr lang="zh-CN" altLang="en-US" sz="2000" dirty="0" smtClean="0">
-                <a:latin typeface="微软雅黑" panose="020B0503020204020204" pitchFamily="34" charset="-122"/>
-                <a:ea typeface="微软雅黑" panose="020B0503020204020204" pitchFamily="34" charset="-122"/>
-              </a:rPr>
-              <a:t>不是</a:t>
-            </a:r>
-            <a:r>
-              <a:rPr lang="zh-CN" altLang="en-US" sz="2000" dirty="0" smtClean="0">
-                <a:latin typeface="微软雅黑" panose="020B0503020204020204" pitchFamily="34" charset="-122"/>
-                <a:ea typeface="微软雅黑" panose="020B0503020204020204" pitchFamily="34" charset="-122"/>
-              </a:rPr>
-              <a:t>所有</a:t>
-            </a:r>
-            <a:r>
-              <a:rPr lang="zh-CN" altLang="en-US" sz="2000" dirty="0">
-                <a:latin typeface="微软雅黑" panose="020B0503020204020204" pitchFamily="34" charset="-122"/>
-                <a:ea typeface="微软雅黑" panose="020B0503020204020204" pitchFamily="34" charset="-122"/>
-              </a:rPr>
-              <a:t>事件</a:t>
-            </a:r>
-            <a:r>
-              <a:rPr lang="zh-CN" altLang="en-US" sz="2000" dirty="0" smtClean="0">
-                <a:latin typeface="微软雅黑" panose="020B0503020204020204" pitchFamily="34" charset="-122"/>
-                <a:ea typeface="微软雅黑" panose="020B0503020204020204" pitchFamily="34" charset="-122"/>
-              </a:rPr>
-              <a:t>回复</a:t>
-            </a:r>
-            <a:r>
-              <a:rPr lang="zh-CN" altLang="en-US" sz="2000" dirty="0" smtClean="0">
-                <a:latin typeface="微软雅黑" panose="020B0503020204020204" pitchFamily="34" charset="-122"/>
-                <a:ea typeface="微软雅黑" panose="020B0503020204020204" pitchFamily="34" charset="-122"/>
-              </a:rPr>
-              <a:t>消息都可以收到，只有部分事件微信服务器才会把返回的消息发送到客户端。</a:t>
-            </a:r>
-            <a:endParaRPr lang="en-US" altLang="zh-CN" sz="2000" dirty="0" smtClean="0">
-              <a:latin typeface="微软雅黑" panose="020B0503020204020204" pitchFamily="34" charset="-122"/>
-              <a:ea typeface="微软雅黑" panose="020B0503020204020204" pitchFamily="34" charset="-122"/>
-            </a:endParaRPr>
+              <a:t>新增永久素材</a:t>
+            </a:r>
           </a:p>
         </p:txBody>
       </p:sp>
@@ -21119,18 +20078,17 @@
           <a:lstStyle/>
           <a:p>
             <a:r>
-              <a:rPr lang="zh-CN" altLang="en-US" b="0" dirty="0" smtClean="0"/>
+              <a:rPr lang="zh-CN" altLang="en-US" b="0" dirty="0"/>
               <a:t>微信事件的</a:t>
             </a:r>
             <a:r>
-              <a:rPr lang="en-US" altLang="zh-CN" b="0" dirty="0" smtClean="0"/>
+              <a:rPr lang="en-US" altLang="zh-CN" b="0" dirty="0"/>
               <a:t>XML</a:t>
             </a:r>
             <a:r>
-              <a:rPr lang="zh-CN" altLang="en-US" b="0" dirty="0" smtClean="0"/>
+              <a:rPr lang="zh-CN" altLang="en-US" b="0" dirty="0"/>
               <a:t>格式</a:t>
             </a:r>
-            <a:endParaRPr lang="zh-CN" altLang="en-US" b="0" dirty="0"/>
           </a:p>
         </p:txBody>
       </p:sp>
@@ -21164,13 +20122,13 @@
               <a:buChar char="•"/>
             </a:pPr>
             <a:r>
-              <a:rPr lang="zh-CN" altLang="en-US" sz="2000" dirty="0" smtClean="0">
+              <a:rPr lang="zh-CN" altLang="en-US" sz="2000" dirty="0">
                 <a:latin typeface="微软雅黑" panose="020B0503020204020204" pitchFamily="34" charset="-122"/>
                 <a:ea typeface="微软雅黑" panose="020B0503020204020204" pitchFamily="34" charset="-122"/>
               </a:rPr>
               <a:t>关注公众号的事件格式</a:t>
             </a:r>
-            <a:endParaRPr lang="en-US" altLang="zh-CN" sz="2000" dirty="0" smtClean="0">
+            <a:endParaRPr lang="en-US" altLang="zh-CN" sz="2000" dirty="0">
               <a:latin typeface="微软雅黑" panose="020B0503020204020204" pitchFamily="34" charset="-122"/>
               <a:ea typeface="微软雅黑" panose="020B0503020204020204" pitchFamily="34" charset="-122"/>
             </a:endParaRPr>
@@ -21197,7 +20155,7 @@
               </a:lnSpc>
             </a:pPr>
             <a:r>
-              <a:rPr lang="en-US" altLang="zh-CN" sz="2000" dirty="0" smtClean="0">
+              <a:rPr lang="en-US" altLang="zh-CN" sz="2000" dirty="0">
                 <a:latin typeface="Calibri" panose="020F0502020204030204" pitchFamily="34" charset="0"/>
                 <a:ea typeface="微软雅黑" panose="020B0503020204020204" pitchFamily="34" charset="-122"/>
                 <a:cs typeface="Calibri" panose="020F0502020204030204" pitchFamily="34" charset="0"/>
@@ -21260,7 +20218,7 @@
               </a:lnSpc>
             </a:pPr>
             <a:r>
-              <a:rPr lang="en-US" altLang="zh-CN" sz="2000" dirty="0" smtClean="0">
+              <a:rPr lang="en-US" altLang="zh-CN" sz="2000" dirty="0">
                 <a:latin typeface="Calibri" panose="020F0502020204030204" pitchFamily="34" charset="0"/>
                 <a:ea typeface="微软雅黑" panose="020B0503020204020204" pitchFamily="34" charset="-122"/>
                 <a:cs typeface="Calibri" panose="020F0502020204030204" pitchFamily="34" charset="0"/>
@@ -21323,7 +20281,7 @@
               </a:lnSpc>
             </a:pPr>
             <a:r>
-              <a:rPr lang="en-US" altLang="zh-CN" sz="2000" dirty="0" smtClean="0">
+              <a:rPr lang="en-US" altLang="zh-CN" sz="2000" dirty="0">
                 <a:latin typeface="Calibri" panose="020F0502020204030204" pitchFamily="34" charset="0"/>
                 <a:ea typeface="微软雅黑" panose="020B0503020204020204" pitchFamily="34" charset="-122"/>
                 <a:cs typeface="Calibri" panose="020F0502020204030204" pitchFamily="34" charset="0"/>
@@ -21370,7 +20328,7 @@
               </a:lnSpc>
             </a:pPr>
             <a:r>
-              <a:rPr lang="en-US" altLang="zh-CN" sz="2000" dirty="0" smtClean="0">
+              <a:rPr lang="en-US" altLang="zh-CN" sz="2000" dirty="0">
                 <a:latin typeface="Calibri" panose="020F0502020204030204" pitchFamily="34" charset="0"/>
                 <a:ea typeface="微软雅黑" panose="020B0503020204020204" pitchFamily="34" charset="-122"/>
                 <a:cs typeface="Calibri" panose="020F0502020204030204" pitchFamily="34" charset="0"/>
@@ -21417,20 +20375,12 @@
               </a:lnSpc>
             </a:pPr>
             <a:r>
-              <a:rPr lang="en-US" altLang="zh-CN" sz="2000" dirty="0" smtClean="0">
-                <a:latin typeface="Calibri" panose="020F0502020204030204" pitchFamily="34" charset="0"/>
-                <a:ea typeface="微软雅黑" panose="020B0503020204020204" pitchFamily="34" charset="-122"/>
-                <a:cs typeface="Calibri" panose="020F0502020204030204" pitchFamily="34" charset="0"/>
-              </a:rPr>
-              <a:t>  &lt;</a:t>
-            </a:r>
-            <a:r>
               <a:rPr lang="en-US" altLang="zh-CN" sz="2000" dirty="0">
                 <a:latin typeface="Calibri" panose="020F0502020204030204" pitchFamily="34" charset="0"/>
                 <a:ea typeface="微软雅黑" panose="020B0503020204020204" pitchFamily="34" charset="-122"/>
                 <a:cs typeface="Calibri" panose="020F0502020204030204" pitchFamily="34" charset="0"/>
               </a:rPr>
-              <a:t>Event&gt;&lt;![CDATA[subscribe]]&gt;&lt;/Event&gt;</a:t>
+              <a:t>  &lt;Event&gt;&lt;![CDATA[subscribe]]&gt;&lt;/Event&gt;</a:t>
             </a:r>
           </a:p>
           <a:p>
@@ -21445,15 +20395,7 @@
                 <a:ea typeface="微软雅黑" panose="020B0503020204020204" pitchFamily="34" charset="-122"/>
                 <a:cs typeface="Calibri" panose="020F0502020204030204" pitchFamily="34" charset="0"/>
               </a:rPr>
-              <a:t>&lt;/xml</a:t>
-            </a:r>
-            <a:r>
-              <a:rPr lang="en-US" altLang="zh-CN" sz="2000" dirty="0" smtClean="0">
-                <a:latin typeface="Calibri" panose="020F0502020204030204" pitchFamily="34" charset="0"/>
-                <a:ea typeface="微软雅黑" panose="020B0503020204020204" pitchFamily="34" charset="-122"/>
-                <a:cs typeface="Calibri" panose="020F0502020204030204" pitchFamily="34" charset="0"/>
-              </a:rPr>
-              <a:t>&gt;</a:t>
+              <a:t>&lt;/xml&gt;</a:t>
             </a:r>
           </a:p>
           <a:p>
@@ -21465,7 +20407,7 @@
               <a:buChar char="•"/>
             </a:pPr>
             <a:r>
-              <a:rPr lang="zh-CN" altLang="en-US" sz="2000" dirty="0" smtClean="0">
+              <a:rPr lang="zh-CN" altLang="en-US" sz="2000" dirty="0">
                 <a:latin typeface="Calibri" panose="020F0502020204030204" pitchFamily="34" charset="0"/>
                 <a:ea typeface="微软雅黑" panose="020B0503020204020204" pitchFamily="34" charset="-122"/>
                 <a:cs typeface="Calibri" panose="020F0502020204030204" pitchFamily="34" charset="0"/>
@@ -21473,7 +20415,7 @@
               <a:t>事件格式与消息格式很相似，解析后，根据</a:t>
             </a:r>
             <a:r>
-              <a:rPr lang="en-US" altLang="zh-CN" sz="2000" dirty="0" err="1" smtClean="0">
+              <a:rPr lang="en-US" altLang="zh-CN" sz="2000" dirty="0" err="1">
                 <a:latin typeface="Calibri" panose="020F0502020204030204" pitchFamily="34" charset="0"/>
                 <a:ea typeface="微软雅黑" panose="020B0503020204020204" pitchFamily="34" charset="-122"/>
                 <a:cs typeface="Calibri" panose="020F0502020204030204" pitchFamily="34" charset="0"/>
@@ -21481,7 +20423,7 @@
               <a:t>MsgType</a:t>
             </a:r>
             <a:r>
-              <a:rPr lang="zh-CN" altLang="en-US" sz="2000" dirty="0" smtClean="0">
+              <a:rPr lang="zh-CN" altLang="en-US" sz="2000" dirty="0">
                 <a:latin typeface="Calibri" panose="020F0502020204030204" pitchFamily="34" charset="0"/>
                 <a:ea typeface="微软雅黑" panose="020B0503020204020204" pitchFamily="34" charset="-122"/>
                 <a:cs typeface="Calibri" panose="020F0502020204030204" pitchFamily="34" charset="0"/>
@@ -21489,7 +20431,7 @@
               <a:t>为</a:t>
             </a:r>
             <a:r>
-              <a:rPr lang="en-US" altLang="zh-CN" sz="2000" dirty="0" smtClean="0">
+              <a:rPr lang="en-US" altLang="zh-CN" sz="2000" dirty="0">
                 <a:latin typeface="Calibri" panose="020F0502020204030204" pitchFamily="34" charset="0"/>
                 <a:ea typeface="微软雅黑" panose="020B0503020204020204" pitchFamily="34" charset="-122"/>
                 <a:cs typeface="Calibri" panose="020F0502020204030204" pitchFamily="34" charset="0"/>
@@ -21497,18 +20439,13 @@
               <a:t>event</a:t>
             </a:r>
             <a:r>
-              <a:rPr lang="zh-CN" altLang="en-US" sz="2000" dirty="0" smtClean="0">
+              <a:rPr lang="zh-CN" altLang="en-US" sz="2000" dirty="0">
                 <a:latin typeface="Calibri" panose="020F0502020204030204" pitchFamily="34" charset="0"/>
                 <a:ea typeface="微软雅黑" panose="020B0503020204020204" pitchFamily="34" charset="-122"/>
                 <a:cs typeface="Calibri" panose="020F0502020204030204" pitchFamily="34" charset="0"/>
               </a:rPr>
               <a:t>判断是否为事件类型。</a:t>
             </a:r>
-            <a:endParaRPr lang="zh-CN" altLang="en-US" sz="2000" dirty="0">
-              <a:latin typeface="Calibri" panose="020F0502020204030204" pitchFamily="34" charset="0"/>
-              <a:ea typeface="微软雅黑" panose="020B0503020204020204" pitchFamily="34" charset="-122"/>
-              <a:cs typeface="Calibri" panose="020F0502020204030204" pitchFamily="34" charset="0"/>
-            </a:endParaRPr>
           </a:p>
         </p:txBody>
       </p:sp>
@@ -21558,10 +20495,9 @@
           <a:lstStyle/>
           <a:p>
             <a:r>
-              <a:rPr lang="zh-CN" altLang="en-US" b="0" dirty="0" smtClean="0"/>
+              <a:rPr lang="zh-CN" altLang="en-US" b="0" dirty="0"/>
               <a:t>事件与普通消息</a:t>
             </a:r>
-            <a:endParaRPr lang="zh-CN" altLang="en-US" b="0" dirty="0"/>
           </a:p>
         </p:txBody>
       </p:sp>
@@ -21595,41 +20531,34 @@
               <a:buChar char="•"/>
             </a:pPr>
             <a:r>
-              <a:rPr lang="zh-CN" altLang="en-US" sz="2000" dirty="0" smtClean="0">
+              <a:rPr lang="zh-CN" altLang="en-US" sz="2000" dirty="0">
                 <a:latin typeface="微软雅黑" panose="020B0503020204020204" pitchFamily="34" charset="-122"/>
                 <a:ea typeface="微软雅黑" panose="020B0503020204020204" pitchFamily="34" charset="-122"/>
               </a:rPr>
               <a:t>微信事件消息与普通消息并没有本质区别，只是并非由微信用户发送消息，而是微信服务器对用户的某些操作进行响应，并把结果通知到开发者服务器。使用</a:t>
             </a:r>
             <a:r>
-              <a:rPr lang="en-US" altLang="zh-CN" sz="2000" dirty="0" err="1" smtClean="0">
+              <a:rPr lang="en-US" altLang="zh-CN" sz="2000" dirty="0" err="1">
                 <a:latin typeface="微软雅黑" panose="020B0503020204020204" pitchFamily="34" charset="-122"/>
                 <a:ea typeface="微软雅黑" panose="020B0503020204020204" pitchFamily="34" charset="-122"/>
               </a:rPr>
               <a:t>MsgType</a:t>
             </a:r>
             <a:r>
-              <a:rPr lang="en-US" altLang="zh-CN" sz="2000" dirty="0" smtClean="0">
+              <a:rPr lang="en-US" altLang="zh-CN" sz="2000" dirty="0">
                 <a:latin typeface="微软雅黑" panose="020B0503020204020204" pitchFamily="34" charset="-122"/>
                 <a:ea typeface="微软雅黑" panose="020B0503020204020204" pitchFamily="34" charset="-122"/>
               </a:rPr>
               <a:t>=event</a:t>
             </a:r>
             <a:r>
-              <a:rPr lang="zh-CN" altLang="en-US" sz="2000" dirty="0" smtClean="0">
-                <a:latin typeface="微软雅黑" panose="020B0503020204020204" pitchFamily="34" charset="-122"/>
-                <a:ea typeface="微软雅黑" panose="020B0503020204020204" pitchFamily="34" charset="-122"/>
-              </a:rPr>
-              <a:t>标记为事件类型的消息</a:t>
-            </a:r>
-            <a:r>
               <a:rPr lang="zh-CN" altLang="en-US" sz="2000" dirty="0">
                 <a:latin typeface="微软雅黑" panose="020B0503020204020204" pitchFamily="34" charset="-122"/>
                 <a:ea typeface="微软雅黑" panose="020B0503020204020204" pitchFamily="34" charset="-122"/>
               </a:rPr>
-              <a:t>。</a:t>
-            </a:r>
-            <a:endParaRPr lang="en-US" altLang="zh-CN" sz="2000" dirty="0" smtClean="0">
+              <a:t>标记为事件类型的消息。</a:t>
+            </a:r>
+            <a:endParaRPr lang="en-US" altLang="zh-CN" sz="2000" dirty="0">
               <a:latin typeface="微软雅黑" panose="020B0503020204020204" pitchFamily="34" charset="-122"/>
               <a:ea typeface="微软雅黑" panose="020B0503020204020204" pitchFamily="34" charset="-122"/>
             </a:endParaRPr>
@@ -21682,10 +20611,9 @@
           <a:lstStyle/>
           <a:p>
             <a:r>
-              <a:rPr lang="zh-CN" altLang="en-US" dirty="0" smtClean="0"/>
+              <a:rPr lang="zh-CN" altLang="en-US" dirty="0"/>
               <a:t>第二讲</a:t>
             </a:r>
-            <a:endParaRPr lang="zh-CN" altLang="en-US" dirty="0"/>
           </a:p>
         </p:txBody>
       </p:sp>
@@ -21796,7 +20724,7 @@
               <a:buAutoNum type="ea1JpnChsDbPeriod"/>
             </a:pPr>
             <a:r>
-              <a:rPr lang="zh-CN" altLang="en-US" sz="2000" dirty="0" smtClean="0">
+              <a:rPr lang="zh-CN" altLang="en-US" sz="2000" dirty="0">
                 <a:solidFill>
                   <a:schemeClr val="tx1">
                     <a:lumMod val="65000"/>
@@ -21867,10 +20795,9 @@
           <a:lstStyle/>
           <a:p>
             <a:r>
-              <a:rPr lang="zh-CN" altLang="en-US" dirty="0" smtClean="0"/>
+              <a:rPr lang="zh-CN" altLang="en-US" dirty="0"/>
               <a:t>什么是微信接口</a:t>
             </a:r>
-            <a:endParaRPr lang="zh-CN" altLang="en-US" dirty="0"/>
           </a:p>
         </p:txBody>
       </p:sp>
@@ -21904,83 +20831,83 @@
               <a:buChar char="•"/>
             </a:pPr>
             <a:r>
-              <a:rPr lang="zh-CN" altLang="en-US" dirty="0" smtClean="0">
+              <a:rPr lang="zh-CN" altLang="en-US" dirty="0">
                 <a:latin typeface="微软雅黑" panose="020B0503020204020204" pitchFamily="34" charset="-122"/>
                 <a:ea typeface="微软雅黑" panose="020B0503020204020204" pitchFamily="34" charset="-122"/>
               </a:rPr>
               <a:t>微信接口其本质其实就是基于</a:t>
             </a:r>
             <a:r>
-              <a:rPr lang="en-US" altLang="zh-CN" dirty="0" smtClean="0">
+              <a:rPr lang="en-US" altLang="zh-CN" dirty="0">
                 <a:latin typeface="微软雅黑" panose="020B0503020204020204" pitchFamily="34" charset="-122"/>
                 <a:ea typeface="微软雅黑" panose="020B0503020204020204" pitchFamily="34" charset="-122"/>
               </a:rPr>
               <a:t>http</a:t>
             </a:r>
             <a:r>
-              <a:rPr lang="zh-CN" altLang="en-US" dirty="0" smtClean="0">
+              <a:rPr lang="zh-CN" altLang="en-US" dirty="0">
                 <a:latin typeface="微软雅黑" panose="020B0503020204020204" pitchFamily="34" charset="-122"/>
                 <a:ea typeface="微软雅黑" panose="020B0503020204020204" pitchFamily="34" charset="-122"/>
               </a:rPr>
               <a:t>协议的后台功能，使用</a:t>
             </a:r>
             <a:r>
-              <a:rPr lang="en-US" altLang="zh-CN" dirty="0" smtClean="0">
+              <a:rPr lang="en-US" altLang="zh-CN" dirty="0">
                 <a:latin typeface="微软雅黑" panose="020B0503020204020204" pitchFamily="34" charset="-122"/>
                 <a:ea typeface="微软雅黑" panose="020B0503020204020204" pitchFamily="34" charset="-122"/>
               </a:rPr>
               <a:t>http</a:t>
             </a:r>
             <a:r>
-              <a:rPr lang="zh-CN" altLang="en-US" dirty="0" smtClean="0">
+              <a:rPr lang="zh-CN" altLang="en-US" dirty="0">
                 <a:latin typeface="微软雅黑" panose="020B0503020204020204" pitchFamily="34" charset="-122"/>
                 <a:ea typeface="微软雅黑" panose="020B0503020204020204" pitchFamily="34" charset="-122"/>
               </a:rPr>
               <a:t>协议传递相应的参数获取需要的数据，返回的结果就是</a:t>
             </a:r>
             <a:r>
-              <a:rPr lang="en-US" altLang="zh-CN" dirty="0" smtClean="0">
+              <a:rPr lang="en-US" altLang="zh-CN" dirty="0">
                 <a:latin typeface="微软雅黑" panose="020B0503020204020204" pitchFamily="34" charset="-122"/>
                 <a:ea typeface="微软雅黑" panose="020B0503020204020204" pitchFamily="34" charset="-122"/>
               </a:rPr>
               <a:t>JSON</a:t>
             </a:r>
             <a:r>
-              <a:rPr lang="zh-CN" altLang="en-US" dirty="0" smtClean="0">
+              <a:rPr lang="zh-CN" altLang="en-US" dirty="0">
                 <a:latin typeface="微软雅黑" panose="020B0503020204020204" pitchFamily="34" charset="-122"/>
                 <a:ea typeface="微软雅黑" panose="020B0503020204020204" pitchFamily="34" charset="-122"/>
               </a:rPr>
               <a:t>格式的文本数据。若要使用程序调用接口，则需要支持</a:t>
             </a:r>
             <a:r>
-              <a:rPr lang="en-US" altLang="zh-CN" dirty="0" smtClean="0">
+              <a:rPr lang="en-US" altLang="zh-CN" dirty="0">
                 <a:latin typeface="微软雅黑" panose="020B0503020204020204" pitchFamily="34" charset="-122"/>
                 <a:ea typeface="微软雅黑" panose="020B0503020204020204" pitchFamily="34" charset="-122"/>
               </a:rPr>
               <a:t>http</a:t>
             </a:r>
             <a:r>
-              <a:rPr lang="zh-CN" altLang="en-US" dirty="0" smtClean="0">
+              <a:rPr lang="zh-CN" altLang="en-US" dirty="0">
                 <a:latin typeface="微软雅黑" panose="020B0503020204020204" pitchFamily="34" charset="-122"/>
                 <a:ea typeface="微软雅黑" panose="020B0503020204020204" pitchFamily="34" charset="-122"/>
               </a:rPr>
               <a:t>与</a:t>
             </a:r>
             <a:r>
-              <a:rPr lang="en-US" altLang="zh-CN" dirty="0" smtClean="0">
+              <a:rPr lang="en-US" altLang="zh-CN" dirty="0">
                 <a:latin typeface="微软雅黑" panose="020B0503020204020204" pitchFamily="34" charset="-122"/>
                 <a:ea typeface="微软雅黑" panose="020B0503020204020204" pitchFamily="34" charset="-122"/>
               </a:rPr>
               <a:t>https</a:t>
             </a:r>
             <a:r>
-              <a:rPr lang="zh-CN" altLang="en-US" dirty="0" smtClean="0">
+              <a:rPr lang="zh-CN" altLang="en-US" dirty="0">
                 <a:latin typeface="微软雅黑" panose="020B0503020204020204" pitchFamily="34" charset="-122"/>
                 <a:ea typeface="微软雅黑" panose="020B0503020204020204" pitchFamily="34" charset="-122"/>
               </a:rPr>
               <a:t>协议的扩展。</a:t>
             </a:r>
-            <a:endParaRPr lang="en-US" altLang="zh-CN" dirty="0" smtClean="0">
+            <a:endParaRPr lang="en-US" altLang="zh-CN" dirty="0">
               <a:latin typeface="微软雅黑" panose="020B0503020204020204" pitchFamily="34" charset="-122"/>
               <a:ea typeface="微软雅黑" panose="020B0503020204020204" pitchFamily="34" charset="-122"/>
             </a:endParaRPr>
@@ -21994,27 +20921,27 @@
               <a:buChar char="•"/>
             </a:pPr>
             <a:r>
-              <a:rPr lang="zh-CN" altLang="en-US" dirty="0" smtClean="0">
+              <a:rPr lang="zh-CN" altLang="en-US" dirty="0">
                 <a:latin typeface="微软雅黑" panose="020B0503020204020204" pitchFamily="34" charset="-122"/>
                 <a:ea typeface="微软雅黑" panose="020B0503020204020204" pitchFamily="34" charset="-122"/>
               </a:rPr>
               <a:t>使用</a:t>
             </a:r>
             <a:r>
-              <a:rPr lang="en-US" altLang="zh-CN" dirty="0" smtClean="0">
+              <a:rPr lang="en-US" altLang="zh-CN" dirty="0">
                 <a:latin typeface="微软雅黑" panose="020B0503020204020204" pitchFamily="34" charset="-122"/>
                 <a:ea typeface="微软雅黑" panose="020B0503020204020204" pitchFamily="34" charset="-122"/>
               </a:rPr>
               <a:t>PHP</a:t>
             </a:r>
             <a:r>
-              <a:rPr lang="zh-CN" altLang="en-US" dirty="0" smtClean="0">
+              <a:rPr lang="zh-CN" altLang="en-US" dirty="0">
                 <a:latin typeface="微软雅黑" panose="020B0503020204020204" pitchFamily="34" charset="-122"/>
                 <a:ea typeface="微软雅黑" panose="020B0503020204020204" pitchFamily="34" charset="-122"/>
               </a:rPr>
               <a:t>实现一个简单接口的示例：</a:t>
             </a:r>
-            <a:endParaRPr lang="en-US" altLang="zh-CN" dirty="0" smtClean="0">
+            <a:endParaRPr lang="en-US" altLang="zh-CN" dirty="0">
               <a:latin typeface="微软雅黑" panose="020B0503020204020204" pitchFamily="34" charset="-122"/>
               <a:ea typeface="微软雅黑" panose="020B0503020204020204" pitchFamily="34" charset="-122"/>
             </a:endParaRPr>
@@ -22062,21 +20989,8 @@
                 <a:ea typeface="微软雅黑" panose="020B0503020204020204" pitchFamily="34" charset="-122"/>
                 <a:cs typeface="Calibri" panose="020F0502020204030204" pitchFamily="34" charset="0"/>
               </a:rPr>
-              <a:t>$data</a:t>
-            </a:r>
-            <a:r>
-              <a:rPr lang="en-US" altLang="zh-CN" dirty="0" smtClean="0">
-                <a:latin typeface="Calibri" panose="020F0502020204030204" pitchFamily="34" charset="0"/>
-                <a:ea typeface="微软雅黑" panose="020B0503020204020204" pitchFamily="34" charset="-122"/>
-                <a:cs typeface="Calibri" panose="020F0502020204030204" pitchFamily="34" charset="0"/>
-              </a:rPr>
-              <a:t>=[];</a:t>
-            </a:r>
-            <a:endParaRPr lang="en-US" altLang="zh-CN" dirty="0">
-              <a:latin typeface="Calibri" panose="020F0502020204030204" pitchFamily="34" charset="0"/>
-              <a:ea typeface="微软雅黑" panose="020B0503020204020204" pitchFamily="34" charset="-122"/>
-              <a:cs typeface="Calibri" panose="020F0502020204030204" pitchFamily="34" charset="0"/>
-            </a:endParaRPr>
+              <a:t>$data=[];</a:t>
+            </a:r>
           </a:p>
           <a:p>
             <a:pPr lvl="1">
@@ -22105,31 +21019,15 @@
                 <a:ea typeface="微软雅黑" panose="020B0503020204020204" pitchFamily="34" charset="-122"/>
                 <a:cs typeface="Calibri" panose="020F0502020204030204" pitchFamily="34" charset="0"/>
               </a:rPr>
-              <a:t>  $data = </a:t>
-            </a:r>
-            <a:r>
-              <a:rPr lang="en-US" altLang="zh-CN" dirty="0" smtClean="0">
+              <a:t>  $data = ['name'=&gt;'</a:t>
+            </a:r>
+            <a:r>
+              <a:rPr lang="en-US" altLang="zh-CN" dirty="0" err="1">
                 <a:latin typeface="Calibri" panose="020F0502020204030204" pitchFamily="34" charset="0"/>
                 <a:ea typeface="微软雅黑" panose="020B0503020204020204" pitchFamily="34" charset="-122"/>
                 <a:cs typeface="Calibri" panose="020F0502020204030204" pitchFamily="34" charset="0"/>
               </a:rPr>
-              <a:t>['name'=&gt;'</a:t>
-            </a:r>
-            <a:r>
-              <a:rPr lang="en-US" altLang="zh-CN" dirty="0" err="1" smtClean="0">
-                <a:latin typeface="Calibri" panose="020F0502020204030204" pitchFamily="34" charset="0"/>
-                <a:ea typeface="微软雅黑" panose="020B0503020204020204" pitchFamily="34" charset="-122"/>
-                <a:cs typeface="Calibri" panose="020F0502020204030204" pitchFamily="34" charset="0"/>
-              </a:rPr>
               <a:t>BraveWang</a:t>
-            </a:r>
-            <a:r>
-              <a:rPr lang="en-US" altLang="zh-CN" dirty="0" smtClean="0">
-                <a:latin typeface="Calibri" panose="020F0502020204030204" pitchFamily="34" charset="0"/>
-                <a:ea typeface="微软雅黑" panose="020B0503020204020204" pitchFamily="34" charset="-122"/>
-                <a:cs typeface="Calibri" panose="020F0502020204030204" pitchFamily="34" charset="0"/>
-              </a:rPr>
-              <a:t>','age</a:t>
             </a:r>
             <a:r>
               <a:rPr lang="en-US" altLang="zh-CN" dirty="0">
@@ -22137,37 +21035,8 @@
                 <a:ea typeface="微软雅黑" panose="020B0503020204020204" pitchFamily="34" charset="-122"/>
                 <a:cs typeface="Calibri" panose="020F0502020204030204" pitchFamily="34" charset="0"/>
               </a:rPr>
-              <a:t>'=&gt;'27</a:t>
-            </a:r>
-            <a:r>
-              <a:rPr lang="en-US" altLang="zh-CN" dirty="0" smtClean="0">
-                <a:latin typeface="Calibri" panose="020F0502020204030204" pitchFamily="34" charset="0"/>
-                <a:ea typeface="微软雅黑" panose="020B0503020204020204" pitchFamily="34" charset="-122"/>
-                <a:cs typeface="Calibri" panose="020F0502020204030204" pitchFamily="34" charset="0"/>
-              </a:rPr>
-              <a:t>','sex</a:t>
-            </a:r>
-            <a:r>
-              <a:rPr lang="en-US" altLang="zh-CN" dirty="0">
-                <a:latin typeface="Calibri" panose="020F0502020204030204" pitchFamily="34" charset="0"/>
-                <a:ea typeface="微软雅黑" panose="020B0503020204020204" pitchFamily="34" charset="-122"/>
-                <a:cs typeface="Calibri" panose="020F0502020204030204" pitchFamily="34" charset="0"/>
-              </a:rPr>
-              <a:t>'=&gt;'male</a:t>
-            </a:r>
-            <a:r>
-              <a:rPr lang="en-US" altLang="zh-CN" dirty="0" smtClean="0">
-                <a:latin typeface="Calibri" panose="020F0502020204030204" pitchFamily="34" charset="0"/>
-                <a:ea typeface="微软雅黑" panose="020B0503020204020204" pitchFamily="34" charset="-122"/>
-                <a:cs typeface="Calibri" panose="020F0502020204030204" pitchFamily="34" charset="0"/>
-              </a:rPr>
-              <a:t>'];</a:t>
-            </a:r>
-            <a:endParaRPr lang="en-US" altLang="zh-CN" dirty="0">
-              <a:latin typeface="Calibri" panose="020F0502020204030204" pitchFamily="34" charset="0"/>
-              <a:ea typeface="微软雅黑" panose="020B0503020204020204" pitchFamily="34" charset="-122"/>
-              <a:cs typeface="Calibri" panose="020F0502020204030204" pitchFamily="34" charset="0"/>
-            </a:endParaRPr>
+              <a:t>','age'=&gt;'27','sex'=&gt;'male'];</a:t>
+            </a:r>
           </a:p>
           <a:p>
             <a:pPr lvl="1">
@@ -22283,11 +21152,6 @@
               </a:rPr>
               <a:t>}</a:t>
             </a:r>
-            <a:endParaRPr lang="en-US" altLang="zh-CN" dirty="0" smtClean="0">
-              <a:latin typeface="Calibri" panose="020F0502020204030204" pitchFamily="34" charset="0"/>
-              <a:ea typeface="微软雅黑" panose="020B0503020204020204" pitchFamily="34" charset="-122"/>
-              <a:cs typeface="Calibri" panose="020F0502020204030204" pitchFamily="34" charset="0"/>
-            </a:endParaRPr>
           </a:p>
           <a:p>
             <a:pPr lvl="1">
@@ -22296,28 +21160,20 @@
               </a:lnSpc>
             </a:pPr>
             <a:r>
-              <a:rPr lang="zh-CN" altLang="en-US" dirty="0" smtClean="0"/>
+              <a:rPr lang="zh-CN" altLang="en-US" dirty="0"/>
               <a:t>访问链接后面加上</a:t>
             </a:r>
             <a:r>
-              <a:rPr lang="en-US" altLang="zh-CN" dirty="0" smtClean="0"/>
+              <a:rPr lang="en-US" altLang="zh-CN" dirty="0"/>
               <a:t>?act=info</a:t>
             </a:r>
             <a:r>
-              <a:rPr lang="zh-CN" altLang="en-US" dirty="0" smtClean="0"/>
+              <a:rPr lang="zh-CN" altLang="en-US" dirty="0"/>
               <a:t>返回结果：</a:t>
             </a:r>
             <a:r>
-              <a:rPr lang="en-US" altLang="zh-CN" dirty="0" smtClean="0"/>
-              <a:t>{"</a:t>
-            </a:r>
-            <a:r>
               <a:rPr lang="en-US" altLang="zh-CN" dirty="0"/>
-              <a:t>name":"BraveWang","age":"27","sex":"male</a:t>
-            </a:r>
-            <a:r>
-              <a:rPr lang="en-US" altLang="zh-CN" dirty="0" smtClean="0"/>
-              <a:t>"}</a:t>
+              <a:t>{"name":"BraveWang","age":"27","sex":"male"}</a:t>
             </a:r>
           </a:p>
           <a:p>
@@ -22328,11 +21184,7 @@
             </a:pPr>
             <a:r>
               <a:rPr lang="zh-CN" altLang="en-US" dirty="0"/>
-              <a:t>什么也不加返回</a:t>
-            </a:r>
-            <a:r>
-              <a:rPr lang="zh-CN" altLang="en-US" dirty="0" smtClean="0"/>
-              <a:t>：</a:t>
+              <a:t>什么也不加返回：</a:t>
             </a:r>
             <a:r>
               <a:rPr lang="en-US" altLang="zh-CN" dirty="0"/>
@@ -22344,11 +21196,7 @@
             </a:r>
             <a:r>
               <a:rPr lang="en-US" altLang="zh-CN" dirty="0"/>
-              <a:t> is here</a:t>
-            </a:r>
-            <a:r>
-              <a:rPr lang="en-US" altLang="zh-CN" dirty="0" smtClean="0"/>
-              <a:t>"}</a:t>
+              <a:t> is here"}</a:t>
             </a:r>
           </a:p>
         </p:txBody>

--- a/第7讲 素材与图文消息.pptx
+++ b/第7讲 素材与图文消息.pptx
@@ -710,6 +710,90 @@
 </file>
 
 <file path=ppt/notesSlides/notesSlide1.xml><?xml version="1.0" encoding="utf-8"?>
+<p:notes xmlns:a="http://schemas.openxmlformats.org/drawingml/2006/main" xmlns:r="http://schemas.openxmlformats.org/officeDocument/2006/relationships" xmlns:p="http://schemas.openxmlformats.org/presentationml/2006/main">
+  <p:cSld>
+    <p:spTree>
+      <p:nvGrpSpPr>
+        <p:cNvPr id="1" name=""/>
+        <p:cNvGrpSpPr/>
+        <p:nvPr/>
+      </p:nvGrpSpPr>
+      <p:grpSpPr>
+        <a:xfrm>
+          <a:off x="0" y="0"/>
+          <a:ext cx="0" cy="0"/>
+          <a:chOff x="0" y="0"/>
+          <a:chExt cx="0" cy="0"/>
+        </a:xfrm>
+      </p:grpSpPr>
+      <p:sp>
+        <p:nvSpPr>
+          <p:cNvPr id="2" name="幻灯片图像占位符 1"/>
+          <p:cNvSpPr>
+            <a:spLocks noGrp="1" noRot="1" noChangeAspect="1"/>
+          </p:cNvSpPr>
+          <p:nvPr>
+            <p:ph type="sldImg"/>
+          </p:nvPr>
+        </p:nvSpPr>
+        <p:spPr/>
+      </p:sp>
+      <p:sp>
+        <p:nvSpPr>
+          <p:cNvPr id="3" name="备注占位符 2"/>
+          <p:cNvSpPr>
+            <a:spLocks noGrp="1"/>
+          </p:cNvSpPr>
+          <p:nvPr>
+            <p:ph type="body" idx="1"/>
+          </p:nvPr>
+        </p:nvSpPr>
+        <p:spPr/>
+        <p:txBody>
+          <a:bodyPr/>
+          <a:lstStyle/>
+          <a:p>
+            <a:endParaRPr lang="zh-CN" altLang="en-US"/>
+          </a:p>
+        </p:txBody>
+      </p:sp>
+      <p:sp>
+        <p:nvSpPr>
+          <p:cNvPr id="4" name="灯片编号占位符 3"/>
+          <p:cNvSpPr>
+            <a:spLocks noGrp="1"/>
+          </p:cNvSpPr>
+          <p:nvPr>
+            <p:ph type="sldNum" sz="quarter" idx="10"/>
+          </p:nvPr>
+        </p:nvSpPr>
+        <p:spPr/>
+        <p:txBody>
+          <a:bodyPr/>
+          <a:lstStyle/>
+          <a:p>
+            <a:fld id="{10E9C519-C3B1-4654-8EF9-A227F461FE5A}" type="slidenum">
+              <a:rPr lang="zh-CN" altLang="en-US" smtClean="0"/>
+              <a:t>16</a:t>
+            </a:fld>
+            <a:endParaRPr lang="zh-CN" altLang="en-US"/>
+          </a:p>
+        </p:txBody>
+      </p:sp>
+    </p:spTree>
+    <p:extLst>
+      <p:ext uri="{BB962C8B-B14F-4D97-AF65-F5344CB8AC3E}">
+        <p14:creationId xmlns:p14="http://schemas.microsoft.com/office/powerpoint/2010/main" val="3090702883"/>
+      </p:ext>
+    </p:extLst>
+  </p:cSld>
+  <p:clrMapOvr>
+    <a:masterClrMapping/>
+  </p:clrMapOvr>
+</p:notes>
+</file>
+
+<file path=ppt/notesSlides/notesSlide2.xml><?xml version="1.0" encoding="utf-8"?>
 <p:notes xmlns:a="http://schemas.openxmlformats.org/drawingml/2006/main" xmlns:r="http://schemas.openxmlformats.org/officeDocument/2006/relationships" xmlns:p="http://schemas.openxmlformats.org/presentationml/2006/main" showMasterSp="0">
   <p:cSld>
     <p:bg bwMode="auto">
@@ -14724,6 +14808,505 @@
           </a:p>
         </p:txBody>
       </p:sp>
+      <p:sp>
+        <p:nvSpPr>
+          <p:cNvPr id="4" name="文本框 3">
+            <a:extLst>
+              <a:ext uri="{FF2B5EF4-FFF2-40B4-BE49-F238E27FC236}">
+                <a16:creationId xmlns:a16="http://schemas.microsoft.com/office/drawing/2014/main" id="{0374DD1B-217B-4C1B-95A8-3BF601597954}"/>
+              </a:ext>
+            </a:extLst>
+          </p:cNvPr>
+          <p:cNvSpPr txBox="1"/>
+          <p:nvPr/>
+        </p:nvSpPr>
+        <p:spPr>
+          <a:xfrm>
+            <a:off x="1250731" y="1650124"/>
+            <a:ext cx="10005848" cy="1754326"/>
+          </a:xfrm>
+          <a:prstGeom prst="rect">
+            <a:avLst/>
+          </a:prstGeom>
+          <a:noFill/>
+        </p:spPr>
+        <p:txBody>
+          <a:bodyPr wrap="square" rtlCol="0">
+            <a:spAutoFit/>
+          </a:bodyPr>
+          <a:lstStyle/>
+          <a:p>
+            <a:pPr marL="285750" indent="-285750">
+              <a:buFont typeface="Arial" panose="020B0604020202020204" pitchFamily="34" charset="0"/>
+              <a:buChar char="•"/>
+            </a:pPr>
+            <a:r>
+              <a:rPr lang="zh-CN" altLang="en-US" dirty="0">
+                <a:latin typeface="微软雅黑" panose="020B0503020204020204" pitchFamily="34" charset="-122"/>
+                <a:ea typeface="微软雅黑" panose="020B0503020204020204" pitchFamily="34" charset="-122"/>
+              </a:rPr>
+              <a:t>调用接口</a:t>
+            </a:r>
+            <a:endParaRPr lang="en-US" altLang="zh-CN" dirty="0">
+              <a:latin typeface="微软雅黑" panose="020B0503020204020204" pitchFamily="34" charset="-122"/>
+              <a:ea typeface="微软雅黑" panose="020B0503020204020204" pitchFamily="34" charset="-122"/>
+            </a:endParaRPr>
+          </a:p>
+          <a:p>
+            <a:pPr lvl="1"/>
+            <a:r>
+              <a:rPr lang="en-US" altLang="zh-CN" dirty="0"/>
+              <a:t>https://api.weixin.qq.com/cgi-bin/material/get_material?access_token=ACCESS_TOKEN</a:t>
+            </a:r>
+          </a:p>
+          <a:p>
+            <a:pPr lvl="1"/>
+            <a:r>
+              <a:rPr lang="en-US" altLang="zh-CN" dirty="0"/>
+              <a:t>POST</a:t>
+            </a:r>
+            <a:r>
+              <a:rPr lang="zh-CN" altLang="en-US" dirty="0"/>
+              <a:t>提交数据：</a:t>
+            </a:r>
+            <a:endParaRPr lang="en-US" altLang="zh-CN" dirty="0"/>
+          </a:p>
+          <a:p>
+            <a:pPr lvl="1"/>
+            <a:r>
+              <a:rPr lang="en-US" altLang="zh-CN" dirty="0"/>
+              <a:t>{</a:t>
+            </a:r>
+            <a:br>
+              <a:rPr lang="en-US" altLang="zh-CN" dirty="0"/>
+            </a:br>
+            <a:r>
+              <a:rPr lang="en-US" altLang="zh-CN" dirty="0"/>
+              <a:t>"</a:t>
+            </a:r>
+            <a:r>
+              <a:rPr lang="en-US" altLang="zh-CN" dirty="0" err="1"/>
+              <a:t>media_id":MEDIA_ID</a:t>
+            </a:r>
+            <a:br>
+              <a:rPr lang="en-US" altLang="zh-CN" dirty="0"/>
+            </a:br>
+            <a:r>
+              <a:rPr lang="en-US" altLang="zh-CN" dirty="0"/>
+              <a:t>}</a:t>
+            </a:r>
+          </a:p>
+        </p:txBody>
+      </p:sp>
+      <p:graphicFrame>
+        <p:nvGraphicFramePr>
+          <p:cNvPr id="5" name="表格 4">
+            <a:extLst>
+              <a:ext uri="{FF2B5EF4-FFF2-40B4-BE49-F238E27FC236}">
+                <a16:creationId xmlns:a16="http://schemas.microsoft.com/office/drawing/2014/main" id="{2BF3DEAB-BB21-4B62-A666-EBADC8B0376C}"/>
+              </a:ext>
+            </a:extLst>
+          </p:cNvPr>
+          <p:cNvGraphicFramePr>
+            <a:graphicFrameLocks noGrp="1"/>
+          </p:cNvGraphicFramePr>
+          <p:nvPr>
+            <p:extLst>
+              <p:ext uri="{D42A27DB-BD31-4B8C-83A1-F6EECF244321}">
+                <p14:modId xmlns:p14="http://schemas.microsoft.com/office/powerpoint/2010/main" val="1951168730"/>
+              </p:ext>
+            </p:extLst>
+          </p:nvPr>
+        </p:nvGraphicFramePr>
+        <p:xfrm>
+          <a:off x="1250730" y="3704376"/>
+          <a:ext cx="9543393" cy="1097280"/>
+        </p:xfrm>
+        <a:graphic>
+          <a:graphicData uri="http://schemas.openxmlformats.org/drawingml/2006/table">
+            <a:tbl>
+              <a:tblPr/>
+              <a:tblGrid>
+                <a:gridCol w="3181131">
+                  <a:extLst>
+                    <a:ext uri="{9D8B030D-6E8A-4147-A177-3AD203B41FA5}">
+                      <a16:colId xmlns:a16="http://schemas.microsoft.com/office/drawing/2014/main" val="1180363473"/>
+                    </a:ext>
+                  </a:extLst>
+                </a:gridCol>
+                <a:gridCol w="3181131">
+                  <a:extLst>
+                    <a:ext uri="{9D8B030D-6E8A-4147-A177-3AD203B41FA5}">
+                      <a16:colId xmlns:a16="http://schemas.microsoft.com/office/drawing/2014/main" val="2290606644"/>
+                    </a:ext>
+                  </a:extLst>
+                </a:gridCol>
+                <a:gridCol w="3181131">
+                  <a:extLst>
+                    <a:ext uri="{9D8B030D-6E8A-4147-A177-3AD203B41FA5}">
+                      <a16:colId xmlns:a16="http://schemas.microsoft.com/office/drawing/2014/main" val="3685767141"/>
+                    </a:ext>
+                  </a:extLst>
+                </a:gridCol>
+              </a:tblGrid>
+              <a:tr h="0">
+                <a:tc>
+                  <a:txBody>
+                    <a:bodyPr/>
+                    <a:lstStyle/>
+                    <a:p>
+                      <a:pPr latinLnBrk="1"/>
+                      <a:r>
+                        <a:rPr lang="zh-CN" altLang="en-US">
+                          <a:effectLst/>
+                        </a:rPr>
+                        <a:t>参数</a:t>
+                      </a:r>
+                    </a:p>
+                  </a:txBody>
+                  <a:tcPr>
+                    <a:lnL>
+                      <a:noFill/>
+                    </a:lnL>
+                    <a:lnR>
+                      <a:noFill/>
+                    </a:lnR>
+                    <a:lnT>
+                      <a:noFill/>
+                    </a:lnT>
+                    <a:lnB>
+                      <a:noFill/>
+                    </a:lnB>
+                  </a:tcPr>
+                </a:tc>
+                <a:tc>
+                  <a:txBody>
+                    <a:bodyPr/>
+                    <a:lstStyle/>
+                    <a:p>
+                      <a:pPr latinLnBrk="1"/>
+                      <a:r>
+                        <a:rPr lang="zh-CN" altLang="en-US">
+                          <a:effectLst/>
+                        </a:rPr>
+                        <a:t>是否必须</a:t>
+                      </a:r>
+                    </a:p>
+                  </a:txBody>
+                  <a:tcPr>
+                    <a:lnL>
+                      <a:noFill/>
+                    </a:lnL>
+                    <a:lnR>
+                      <a:noFill/>
+                    </a:lnR>
+                    <a:lnT>
+                      <a:noFill/>
+                    </a:lnT>
+                    <a:lnB>
+                      <a:noFill/>
+                    </a:lnB>
+                  </a:tcPr>
+                </a:tc>
+                <a:tc>
+                  <a:txBody>
+                    <a:bodyPr/>
+                    <a:lstStyle/>
+                    <a:p>
+                      <a:pPr latinLnBrk="1"/>
+                      <a:r>
+                        <a:rPr lang="zh-CN" altLang="en-US">
+                          <a:effectLst/>
+                        </a:rPr>
+                        <a:t>说明</a:t>
+                      </a:r>
+                    </a:p>
+                  </a:txBody>
+                  <a:tcPr>
+                    <a:lnL>
+                      <a:noFill/>
+                    </a:lnL>
+                    <a:lnR>
+                      <a:noFill/>
+                    </a:lnR>
+                    <a:lnT>
+                      <a:noFill/>
+                    </a:lnT>
+                    <a:lnB>
+                      <a:noFill/>
+                    </a:lnB>
+                  </a:tcPr>
+                </a:tc>
+                <a:extLst>
+                  <a:ext uri="{0D108BD9-81ED-4DB2-BD59-A6C34878D82A}">
+                    <a16:rowId xmlns:a16="http://schemas.microsoft.com/office/drawing/2014/main" val="2394397194"/>
+                  </a:ext>
+                </a:extLst>
+              </a:tr>
+              <a:tr h="0">
+                <a:tc>
+                  <a:txBody>
+                    <a:bodyPr/>
+                    <a:lstStyle/>
+                    <a:p>
+                      <a:pPr latinLnBrk="1"/>
+                      <a:r>
+                        <a:rPr lang="en-US">
+                          <a:effectLst/>
+                        </a:rPr>
+                        <a:t>access_token</a:t>
+                      </a:r>
+                    </a:p>
+                  </a:txBody>
+                  <a:tcPr>
+                    <a:lnL>
+                      <a:noFill/>
+                    </a:lnL>
+                    <a:lnR>
+                      <a:noFill/>
+                    </a:lnR>
+                    <a:lnT>
+                      <a:noFill/>
+                    </a:lnT>
+                    <a:lnB>
+                      <a:noFill/>
+                    </a:lnB>
+                  </a:tcPr>
+                </a:tc>
+                <a:tc>
+                  <a:txBody>
+                    <a:bodyPr/>
+                    <a:lstStyle/>
+                    <a:p>
+                      <a:pPr latinLnBrk="1"/>
+                      <a:r>
+                        <a:rPr lang="zh-CN" altLang="en-US">
+                          <a:effectLst/>
+                        </a:rPr>
+                        <a:t>是</a:t>
+                      </a:r>
+                    </a:p>
+                  </a:txBody>
+                  <a:tcPr>
+                    <a:lnL>
+                      <a:noFill/>
+                    </a:lnL>
+                    <a:lnR>
+                      <a:noFill/>
+                    </a:lnR>
+                    <a:lnT>
+                      <a:noFill/>
+                    </a:lnT>
+                    <a:lnB>
+                      <a:noFill/>
+                    </a:lnB>
+                  </a:tcPr>
+                </a:tc>
+                <a:tc>
+                  <a:txBody>
+                    <a:bodyPr/>
+                    <a:lstStyle/>
+                    <a:p>
+                      <a:pPr latinLnBrk="1"/>
+                      <a:r>
+                        <a:rPr lang="zh-CN" altLang="en-US">
+                          <a:effectLst/>
+                        </a:rPr>
+                        <a:t>调用接口凭证</a:t>
+                      </a:r>
+                    </a:p>
+                  </a:txBody>
+                  <a:tcPr>
+                    <a:lnL>
+                      <a:noFill/>
+                    </a:lnL>
+                    <a:lnR>
+                      <a:noFill/>
+                    </a:lnR>
+                    <a:lnT>
+                      <a:noFill/>
+                    </a:lnT>
+                    <a:lnB>
+                      <a:noFill/>
+                    </a:lnB>
+                  </a:tcPr>
+                </a:tc>
+                <a:extLst>
+                  <a:ext uri="{0D108BD9-81ED-4DB2-BD59-A6C34878D82A}">
+                    <a16:rowId xmlns:a16="http://schemas.microsoft.com/office/drawing/2014/main" val="1788938502"/>
+                  </a:ext>
+                </a:extLst>
+              </a:tr>
+              <a:tr h="0">
+                <a:tc>
+                  <a:txBody>
+                    <a:bodyPr/>
+                    <a:lstStyle/>
+                    <a:p>
+                      <a:pPr latinLnBrk="1"/>
+                      <a:r>
+                        <a:rPr lang="en-US">
+                          <a:effectLst/>
+                        </a:rPr>
+                        <a:t>media_id</a:t>
+                      </a:r>
+                    </a:p>
+                  </a:txBody>
+                  <a:tcPr>
+                    <a:lnL>
+                      <a:noFill/>
+                    </a:lnL>
+                    <a:lnR>
+                      <a:noFill/>
+                    </a:lnR>
+                    <a:lnT>
+                      <a:noFill/>
+                    </a:lnT>
+                    <a:lnB>
+                      <a:noFill/>
+                    </a:lnB>
+                  </a:tcPr>
+                </a:tc>
+                <a:tc>
+                  <a:txBody>
+                    <a:bodyPr/>
+                    <a:lstStyle/>
+                    <a:p>
+                      <a:pPr latinLnBrk="1"/>
+                      <a:r>
+                        <a:rPr lang="zh-CN" altLang="en-US">
+                          <a:effectLst/>
+                        </a:rPr>
+                        <a:t>是</a:t>
+                      </a:r>
+                    </a:p>
+                  </a:txBody>
+                  <a:tcPr>
+                    <a:lnL>
+                      <a:noFill/>
+                    </a:lnL>
+                    <a:lnR>
+                      <a:noFill/>
+                    </a:lnR>
+                    <a:lnT>
+                      <a:noFill/>
+                    </a:lnT>
+                    <a:lnB>
+                      <a:noFill/>
+                    </a:lnB>
+                  </a:tcPr>
+                </a:tc>
+                <a:tc>
+                  <a:txBody>
+                    <a:bodyPr/>
+                    <a:lstStyle/>
+                    <a:p>
+                      <a:pPr latinLnBrk="1"/>
+                      <a:r>
+                        <a:rPr lang="zh-CN" altLang="en-US" dirty="0">
+                          <a:effectLst/>
+                        </a:rPr>
+                        <a:t>要获取的素材的</a:t>
+                      </a:r>
+                      <a:r>
+                        <a:rPr lang="en-US" dirty="0" err="1">
+                          <a:effectLst/>
+                        </a:rPr>
+                        <a:t>media_id</a:t>
+                      </a:r>
+                      <a:endParaRPr lang="en-US" dirty="0">
+                        <a:effectLst/>
+                      </a:endParaRPr>
+                    </a:p>
+                  </a:txBody>
+                  <a:tcPr>
+                    <a:lnL>
+                      <a:noFill/>
+                    </a:lnL>
+                    <a:lnR>
+                      <a:noFill/>
+                    </a:lnR>
+                    <a:lnT>
+                      <a:noFill/>
+                    </a:lnT>
+                    <a:lnB>
+                      <a:noFill/>
+                    </a:lnB>
+                  </a:tcPr>
+                </a:tc>
+                <a:extLst>
+                  <a:ext uri="{0D108BD9-81ED-4DB2-BD59-A6C34878D82A}">
+                    <a16:rowId xmlns:a16="http://schemas.microsoft.com/office/drawing/2014/main" val="939553846"/>
+                  </a:ext>
+                </a:extLst>
+              </a:tr>
+            </a:tbl>
+          </a:graphicData>
+        </a:graphic>
+      </p:graphicFrame>
+      <p:sp>
+        <p:nvSpPr>
+          <p:cNvPr id="6" name="文本框 5">
+            <a:extLst>
+              <a:ext uri="{FF2B5EF4-FFF2-40B4-BE49-F238E27FC236}">
+                <a16:creationId xmlns:a16="http://schemas.microsoft.com/office/drawing/2014/main" id="{A5C7E145-752F-4D67-8D20-9CD1BC15D446}"/>
+              </a:ext>
+            </a:extLst>
+          </p:cNvPr>
+          <p:cNvSpPr txBox="1"/>
+          <p:nvPr/>
+        </p:nvSpPr>
+        <p:spPr>
+          <a:xfrm>
+            <a:off x="1345324" y="5192110"/>
+            <a:ext cx="8702566" cy="369332"/>
+          </a:xfrm>
+          <a:prstGeom prst="rect">
+            <a:avLst/>
+          </a:prstGeom>
+          <a:noFill/>
+        </p:spPr>
+        <p:txBody>
+          <a:bodyPr wrap="square" rtlCol="0">
+            <a:spAutoFit/>
+          </a:bodyPr>
+          <a:lstStyle/>
+          <a:p>
+            <a:pPr marL="285750" indent="-285750">
+              <a:buFont typeface="Arial" panose="020B0604020202020204" pitchFamily="34" charset="0"/>
+              <a:buChar char="•"/>
+            </a:pPr>
+            <a:r>
+              <a:rPr lang="en-US" altLang="zh-CN" dirty="0" err="1">
+                <a:latin typeface="Calibri" panose="020F0502020204030204" pitchFamily="34" charset="0"/>
+                <a:ea typeface="微软雅黑" panose="020B0503020204020204" pitchFamily="34" charset="-122"/>
+              </a:rPr>
+              <a:t>Media_id</a:t>
+            </a:r>
+            <a:r>
+              <a:rPr lang="zh-CN" altLang="en-US" dirty="0">
+                <a:latin typeface="Calibri" panose="020F0502020204030204" pitchFamily="34" charset="0"/>
+                <a:ea typeface="微软雅黑" panose="020B0503020204020204" pitchFamily="34" charset="-122"/>
+              </a:rPr>
+              <a:t>要使用</a:t>
+            </a:r>
+            <a:r>
+              <a:rPr lang="en-US" altLang="zh-CN" dirty="0">
+                <a:latin typeface="Calibri" panose="020F0502020204030204" pitchFamily="34" charset="0"/>
+                <a:ea typeface="微软雅黑" panose="020B0503020204020204" pitchFamily="34" charset="-122"/>
+              </a:rPr>
+              <a:t>post</a:t>
+            </a:r>
+            <a:r>
+              <a:rPr lang="zh-CN" altLang="en-US" dirty="0">
+                <a:latin typeface="Calibri" panose="020F0502020204030204" pitchFamily="34" charset="0"/>
+                <a:ea typeface="微软雅黑" panose="020B0503020204020204" pitchFamily="34" charset="-122"/>
+              </a:rPr>
+              <a:t>提交</a:t>
+            </a:r>
+          </a:p>
+        </p:txBody>
+      </p:sp>
     </p:spTree>
     <p:extLst>
       <p:ext uri="{BB962C8B-B14F-4D97-AF65-F5344CB8AC3E}">
@@ -15486,7 +16069,7 @@
                 <a:latin typeface="微软雅黑" panose="020B0503020204020204" pitchFamily="34" charset="-122"/>
                 <a:ea typeface="微软雅黑" panose="020B0503020204020204" pitchFamily="34" charset="-122"/>
               </a:rPr>
-              <a:t>其他类型的素材直接返回文件内容</a:t>
+              <a:t>其他类型的素材直接返回文件内容，然后直接保存为文件</a:t>
             </a:r>
             <a:endParaRPr lang="en-US" altLang="zh-CN" dirty="0">
               <a:latin typeface="微软雅黑" panose="020B0503020204020204" pitchFamily="34" charset="-122"/>

--- a/第7讲 素材与图文消息.pptx
+++ b/第7讲 素材与图文消息.pptx
@@ -275,7 +275,7 @@
           <a:p>
             <a:fld id="{2B71C804-97F5-4B36-A7AC-EEEC7F44F6C2}" type="datetimeFigureOut">
               <a:rPr lang="zh-CN" altLang="en-US" smtClean="0"/>
-              <a:t>2017/8/21</a:t>
+              <a:t>2017/8/22</a:t>
             </a:fld>
             <a:endParaRPr lang="zh-CN" altLang="en-US"/>
           </a:p>
@@ -441,7 +441,7 @@
           <a:p>
             <a:fld id="{0568D9C6-D8DC-4CC3-8480-E0C4DBA1CC07}" type="datetimeFigureOut">
               <a:rPr lang="zh-CN" altLang="en-US" smtClean="0"/>
-              <a:t>2017/8/21</a:t>
+              <a:t>2017/8/22</a:t>
             </a:fld>
             <a:endParaRPr lang="zh-CN" altLang="en-US"/>
           </a:p>
@@ -1138,7 +1138,7 @@
           <a:p>
             <a:fld id="{DB9D664F-4C68-42D2-B189-678958EFAFDA}" type="datetime1">
               <a:rPr lang="zh-CN" altLang="en-US" smtClean="0"/>
-              <a:t>2017/8/21</a:t>
+              <a:t>2017/8/22</a:t>
             </a:fld>
             <a:endParaRPr lang="zh-CN" altLang="en-US"/>
           </a:p>
@@ -2120,7 +2120,7 @@
           <a:p>
             <a:fld id="{ED5513C8-E3A4-4D78-B249-887659A958FF}" type="datetime1">
               <a:rPr lang="en-US" altLang="zh-CN" smtClean="0"/>
-              <a:t>8/21/2017</a:t>
+              <a:t>8/22/2017</a:t>
             </a:fld>
             <a:endParaRPr lang="en-US"/>
           </a:p>
@@ -2298,7 +2298,7 @@
           <a:p>
             <a:fld id="{EBEDA52C-3EEE-4289-818C-901C0A7814FE}" type="datetime1">
               <a:rPr lang="en-US" altLang="zh-CN" smtClean="0"/>
-              <a:t>8/21/2017</a:t>
+              <a:t>8/22/2017</a:t>
             </a:fld>
             <a:endParaRPr lang="en-US"/>
           </a:p>
@@ -2552,7 +2552,7 @@
           <a:p>
             <a:fld id="{09EF5D7F-EA15-485C-85DD-8FDC010A62D4}" type="datetime1">
               <a:rPr lang="en-US" altLang="zh-CN" smtClean="0"/>
-              <a:t>8/21/2017</a:t>
+              <a:t>8/22/2017</a:t>
             </a:fld>
             <a:endParaRPr lang="en-US"/>
           </a:p>
@@ -2792,7 +2792,7 @@
           <a:p>
             <a:fld id="{9541C2B2-0BAB-4CD4-83EE-25F1A7138896}" type="datetime1">
               <a:rPr lang="en-US" altLang="zh-CN" smtClean="0"/>
-              <a:t>8/21/2017</a:t>
+              <a:t>8/22/2017</a:t>
             </a:fld>
             <a:endParaRPr lang="en-US"/>
           </a:p>
@@ -3167,7 +3167,7 @@
           <a:p>
             <a:fld id="{7DEA23E7-D0FC-41DC-8745-BE6FC447B182}" type="datetime1">
               <a:rPr lang="en-US" altLang="zh-CN" smtClean="0"/>
-              <a:t>8/21/2017</a:t>
+              <a:t>8/22/2017</a:t>
             </a:fld>
             <a:endParaRPr lang="en-US"/>
           </a:p>
@@ -3952,7 +3952,7 @@
           <a:p>
             <a:fld id="{5DEA8378-5F33-490B-8120-8DE6B7EE2781}" type="datetime1">
               <a:rPr lang="en-US" altLang="zh-CN" smtClean="0"/>
-              <a:t>8/21/2017</a:t>
+              <a:t>8/22/2017</a:t>
             </a:fld>
             <a:endParaRPr lang="en-US"/>
           </a:p>
@@ -4206,7 +4206,7 @@
           <a:p>
             <a:fld id="{38DD30CF-78A7-4C73-91B4-38D3E3317745}" type="datetime1">
               <a:rPr lang="en-US" altLang="zh-CN" smtClean="0"/>
-              <a:t>8/21/2017</a:t>
+              <a:t>8/22/2017</a:t>
             </a:fld>
             <a:endParaRPr lang="en-US"/>
           </a:p>
@@ -4309,7 +4309,7 @@
           <a:p>
             <a:fld id="{A1BE0A72-8501-4974-A7B7-5BD248ABBAFC}" type="datetime1">
               <a:rPr lang="zh-CN" altLang="en-US" smtClean="0"/>
-              <a:t>2017/8/21</a:t>
+              <a:t>2017/8/22</a:t>
             </a:fld>
             <a:endParaRPr lang="zh-CN" altLang="en-US"/>
           </a:p>
@@ -4570,7 +4570,7 @@
           <a:p>
             <a:fld id="{0B7E01DD-16D0-4DBA-9C1A-51468BA0B73A}" type="datetime1">
               <a:rPr lang="en-US" altLang="zh-CN" smtClean="0"/>
-              <a:t>8/21/2017</a:t>
+              <a:t>8/22/2017</a:t>
             </a:fld>
             <a:endParaRPr lang="en-US"/>
           </a:p>
@@ -4748,7 +4748,7 @@
           <a:p>
             <a:fld id="{B587E63F-0E62-4A50-901F-E071D77F7634}" type="datetime1">
               <a:rPr lang="en-US" altLang="zh-CN" smtClean="0"/>
-              <a:t>8/21/2017</a:t>
+              <a:t>8/22/2017</a:t>
             </a:fld>
             <a:endParaRPr lang="en-US"/>
           </a:p>
@@ -4936,7 +4936,7 @@
           <a:p>
             <a:fld id="{BD8521E8-9297-400B-AD8C-0A4D05699D33}" type="datetime1">
               <a:rPr lang="en-US" altLang="zh-CN" smtClean="0"/>
-              <a:t>8/21/2017</a:t>
+              <a:t>8/22/2017</a:t>
             </a:fld>
             <a:endParaRPr lang="en-US"/>
           </a:p>
@@ -5167,7 +5167,7 @@
           <a:p>
             <a:fld id="{ED5513C8-E3A4-4D78-B249-887659A958FF}" type="datetime1">
               <a:rPr lang="en-US" altLang="zh-CN" smtClean="0"/>
-              <a:t>8/21/2017</a:t>
+              <a:t>8/22/2017</a:t>
             </a:fld>
             <a:endParaRPr lang="en-US"/>
           </a:p>
@@ -5345,7 +5345,7 @@
           <a:p>
             <a:fld id="{EBEDA52C-3EEE-4289-818C-901C0A7814FE}" type="datetime1">
               <a:rPr lang="en-US" altLang="zh-CN" smtClean="0"/>
-              <a:t>8/21/2017</a:t>
+              <a:t>8/22/2017</a:t>
             </a:fld>
             <a:endParaRPr lang="en-US"/>
           </a:p>
@@ -5599,7 +5599,7 @@
           <a:p>
             <a:fld id="{09EF5D7F-EA15-485C-85DD-8FDC010A62D4}" type="datetime1">
               <a:rPr lang="en-US" altLang="zh-CN" smtClean="0"/>
-              <a:t>8/21/2017</a:t>
+              <a:t>8/22/2017</a:t>
             </a:fld>
             <a:endParaRPr lang="en-US"/>
           </a:p>
@@ -5839,7 +5839,7 @@
           <a:p>
             <a:fld id="{9541C2B2-0BAB-4CD4-83EE-25F1A7138896}" type="datetime1">
               <a:rPr lang="en-US" altLang="zh-CN" smtClean="0"/>
-              <a:t>8/21/2017</a:t>
+              <a:t>8/22/2017</a:t>
             </a:fld>
             <a:endParaRPr lang="en-US"/>
           </a:p>
@@ -6214,7 +6214,7 @@
           <a:p>
             <a:fld id="{7DEA23E7-D0FC-41DC-8745-BE6FC447B182}" type="datetime1">
               <a:rPr lang="en-US" altLang="zh-CN" smtClean="0"/>
-              <a:t>8/21/2017</a:t>
+              <a:t>8/22/2017</a:t>
             </a:fld>
             <a:endParaRPr lang="en-US"/>
           </a:p>
@@ -6999,7 +6999,7 @@
           <a:p>
             <a:fld id="{A1BE0A72-8501-4974-A7B7-5BD248ABBAFC}" type="datetime1">
               <a:rPr lang="zh-CN" altLang="en-US" smtClean="0"/>
-              <a:t>2017/8/21</a:t>
+              <a:t>2017/8/22</a:t>
             </a:fld>
             <a:endParaRPr lang="zh-CN" altLang="en-US"/>
           </a:p>
@@ -7052,7 +7052,7 @@
           <a:p>
             <a:fld id="{5DEA8378-5F33-490B-8120-8DE6B7EE2781}" type="datetime1">
               <a:rPr lang="en-US" altLang="zh-CN" smtClean="0"/>
-              <a:t>8/21/2017</a:t>
+              <a:t>8/22/2017</a:t>
             </a:fld>
             <a:endParaRPr lang="en-US"/>
           </a:p>
@@ -7306,7 +7306,7 @@
           <a:p>
             <a:fld id="{38DD30CF-78A7-4C73-91B4-38D3E3317745}" type="datetime1">
               <a:rPr lang="en-US" altLang="zh-CN" smtClean="0"/>
-              <a:t>8/21/2017</a:t>
+              <a:t>8/22/2017</a:t>
             </a:fld>
             <a:endParaRPr lang="en-US"/>
           </a:p>
@@ -7571,7 +7571,7 @@
           <a:p>
             <a:fld id="{0B7E01DD-16D0-4DBA-9C1A-51468BA0B73A}" type="datetime1">
               <a:rPr lang="en-US" altLang="zh-CN" smtClean="0"/>
-              <a:t>8/21/2017</a:t>
+              <a:t>8/22/2017</a:t>
             </a:fld>
             <a:endParaRPr lang="en-US"/>
           </a:p>
@@ -7749,7 +7749,7 @@
           <a:p>
             <a:fld id="{B587E63F-0E62-4A50-901F-E071D77F7634}" type="datetime1">
               <a:rPr lang="en-US" altLang="zh-CN" smtClean="0"/>
-              <a:t>8/21/2017</a:t>
+              <a:t>8/22/2017</a:t>
             </a:fld>
             <a:endParaRPr lang="en-US"/>
           </a:p>
@@ -7937,7 +7937,7 @@
           <a:p>
             <a:fld id="{BD8521E8-9297-400B-AD8C-0A4D05699D33}" type="datetime1">
               <a:rPr lang="en-US" altLang="zh-CN" smtClean="0"/>
-              <a:t>8/21/2017</a:t>
+              <a:t>8/22/2017</a:t>
             </a:fld>
             <a:endParaRPr lang="en-US"/>
           </a:p>
@@ -8040,7 +8040,7 @@
           <a:p>
             <a:fld id="{EF452D9C-F9EB-4417-9C3A-C876C2AF9415}" type="datetime1">
               <a:rPr lang="zh-CN" altLang="en-US" smtClean="0"/>
-              <a:t>2017/8/21</a:t>
+              <a:t>2017/8/22</a:t>
             </a:fld>
             <a:endParaRPr lang="zh-CN" altLang="en-US"/>
           </a:p>
@@ -8226,7 +8226,7 @@
           <a:p>
             <a:fld id="{2F2E9289-9B4C-49AE-BDDA-70D6EDC89D17}" type="datetime1">
               <a:rPr lang="zh-CN" altLang="en-US" smtClean="0"/>
-              <a:t>2017/8/21</a:t>
+              <a:t>2017/8/22</a:t>
             </a:fld>
             <a:endParaRPr lang="zh-CN" altLang="en-US"/>
           </a:p>
@@ -8396,7 +8396,7 @@
           <a:p>
             <a:fld id="{2F2E9289-9B4C-49AE-BDDA-70D6EDC89D17}" type="datetime1">
               <a:rPr lang="zh-CN" altLang="en-US" smtClean="0"/>
-              <a:t>2017/8/21</a:t>
+              <a:t>2017/8/22</a:t>
             </a:fld>
             <a:endParaRPr lang="zh-CN" altLang="en-US"/>
           </a:p>
@@ -8632,7 +8632,7 @@
           <a:p>
             <a:fld id="{8C5BA751-A251-47D6-8494-C134D9EBED5F}" type="datetime1">
               <a:rPr lang="zh-CN" altLang="en-US" smtClean="0"/>
-              <a:t>2017/8/21</a:t>
+              <a:t>2017/8/22</a:t>
             </a:fld>
             <a:endParaRPr lang="zh-CN" altLang="en-US"/>
           </a:p>
@@ -8988,7 +8988,7 @@
           <a:p>
             <a:fld id="{C46E2078-F302-4651-A2A2-2FC6C4E1A3F1}" type="datetime1">
               <a:rPr lang="zh-CN" altLang="en-US" smtClean="0"/>
-              <a:t>2017/8/21</a:t>
+              <a:t>2017/8/22</a:t>
             </a:fld>
             <a:endParaRPr lang="zh-CN" altLang="en-US"/>
           </a:p>
@@ -9110,7 +9110,7 @@
               <a:pPr>
                 <a:defRPr/>
               </a:pPr>
-              <a:t>2017/8/21</a:t>
+              <a:t>2017/8/22</a:t>
             </a:fld>
             <a:endParaRPr lang="zh-CN" altLang="en-US"/>
           </a:p>
@@ -9258,7 +9258,7 @@
           <a:p>
             <a:fld id="{A1BE0A72-8501-4974-A7B7-5BD248ABBAFC}" type="datetime1">
               <a:rPr lang="zh-CN" altLang="en-US" smtClean="0"/>
-              <a:t>2017/8/21</a:t>
+              <a:t>2017/8/22</a:t>
             </a:fld>
             <a:endParaRPr lang="zh-CN" altLang="en-US"/>
           </a:p>
@@ -9772,7 +9772,7 @@
           <a:p>
             <a:fld id="{A1BE0A72-8501-4974-A7B7-5BD248ABBAFC}" type="datetime1">
               <a:rPr lang="zh-CN" altLang="en-US" smtClean="0"/>
-              <a:t>2017/8/21</a:t>
+              <a:t>2017/8/22</a:t>
             </a:fld>
             <a:endParaRPr lang="zh-CN" altLang="en-US"/>
           </a:p>
@@ -10378,7 +10378,7 @@
           <a:p>
             <a:fld id="{7A78726F-0AD2-4A20-BC72-263D2D3F3A2F}" type="datetime1">
               <a:rPr lang="en-US" altLang="zh-CN" smtClean="0"/>
-              <a:t>8/21/2017</a:t>
+              <a:t>8/22/2017</a:t>
             </a:fld>
             <a:endParaRPr lang="en-US"/>
           </a:p>
@@ -11359,7 +11359,7 @@
           <a:p>
             <a:fld id="{A1BE0A72-8501-4974-A7B7-5BD248ABBAFC}" type="datetime1">
               <a:rPr lang="zh-CN" altLang="en-US" smtClean="0"/>
-              <a:t>2017/8/21</a:t>
+              <a:t>2017/8/22</a:t>
             </a:fld>
             <a:endParaRPr lang="zh-CN" altLang="en-US"/>
           </a:p>
@@ -11965,7 +11965,7 @@
           <a:p>
             <a:fld id="{7A78726F-0AD2-4A20-BC72-263D2D3F3A2F}" type="datetime1">
               <a:rPr lang="en-US" altLang="zh-CN" smtClean="0"/>
-              <a:t>8/21/2017</a:t>
+              <a:t>8/22/2017</a:t>
             </a:fld>
             <a:endParaRPr lang="en-US"/>
           </a:p>
@@ -16498,6 +16498,17 @@
           </a:lstStyle>
           <a:p>
             <a:r>
+              <a:rPr lang="en-US" altLang="zh-CN" dirty="0"/>
+              <a:t>CURL</a:t>
+            </a:r>
+            <a:r>
+              <a:rPr lang="zh-CN" altLang="en-US" dirty="0"/>
+              <a:t>上传与下载文件</a:t>
+            </a:r>
+            <a:endParaRPr lang="en-US" altLang="zh-CN" dirty="0"/>
+          </a:p>
+          <a:p>
+            <a:r>
               <a:rPr lang="zh-CN" altLang="en-US" dirty="0"/>
               <a:t>上传与获取素材</a:t>
             </a:r>
@@ -16506,14 +16517,7 @@
           <a:p>
             <a:r>
               <a:rPr lang="zh-CN" altLang="en-US" dirty="0"/>
-              <a:t>上传与编辑图文素材</a:t>
-            </a:r>
-            <a:endParaRPr lang="en-US" altLang="zh-CN" dirty="0"/>
-          </a:p>
-          <a:p>
-            <a:r>
-              <a:rPr lang="zh-CN" altLang="en-US" dirty="0"/>
-              <a:t>获取列表与删除素材</a:t>
+              <a:t>素材列表与图文素材</a:t>
             </a:r>
             <a:endParaRPr lang="en-US" altLang="zh-CN" dirty="0"/>
           </a:p>

--- a/第7讲 素材与图文消息.pptx
+++ b/第7讲 素材与图文消息.pptx
@@ -9,42 +9,35 @@
     <p:sldMasterId id="2147483691" r:id="rId5"/>
   </p:sldMasterIdLst>
   <p:notesMasterIdLst>
-    <p:notesMasterId r:id="rId31"/>
+    <p:notesMasterId r:id="rId24"/>
   </p:notesMasterIdLst>
   <p:handoutMasterIdLst>
-    <p:handoutMasterId r:id="rId32"/>
+    <p:handoutMasterId r:id="rId25"/>
   </p:handoutMasterIdLst>
   <p:sldIdLst>
     <p:sldId id="257" r:id="rId6"/>
     <p:sldId id="446" r:id="rId7"/>
     <p:sldId id="454" r:id="rId8"/>
     <p:sldId id="451" r:id="rId9"/>
-    <p:sldId id="483" r:id="rId10"/>
-    <p:sldId id="496" r:id="rId11"/>
-    <p:sldId id="484" r:id="rId12"/>
-    <p:sldId id="485" r:id="rId13"/>
-    <p:sldId id="500" r:id="rId14"/>
-    <p:sldId id="497" r:id="rId15"/>
-    <p:sldId id="499" r:id="rId16"/>
+    <p:sldId id="500" r:id="rId10"/>
+    <p:sldId id="501" r:id="rId11"/>
+    <p:sldId id="503" r:id="rId12"/>
+    <p:sldId id="460" r:id="rId13"/>
+    <p:sldId id="495" r:id="rId14"/>
+    <p:sldId id="483" r:id="rId15"/>
+    <p:sldId id="496" r:id="rId16"/>
     <p:sldId id="498" r:id="rId17"/>
-    <p:sldId id="481" r:id="rId18"/>
-    <p:sldId id="482" r:id="rId19"/>
-    <p:sldId id="501" r:id="rId20"/>
-    <p:sldId id="502" r:id="rId21"/>
-    <p:sldId id="460" r:id="rId22"/>
-    <p:sldId id="490" r:id="rId23"/>
-    <p:sldId id="491" r:id="rId24"/>
-    <p:sldId id="492" r:id="rId25"/>
-    <p:sldId id="452" r:id="rId26"/>
-    <p:sldId id="493" r:id="rId27"/>
-    <p:sldId id="494" r:id="rId28"/>
-    <p:sldId id="495" r:id="rId29"/>
-    <p:sldId id="311" r:id="rId30"/>
+    <p:sldId id="452" r:id="rId18"/>
+    <p:sldId id="491" r:id="rId19"/>
+    <p:sldId id="499" r:id="rId20"/>
+    <p:sldId id="493" r:id="rId21"/>
+    <p:sldId id="494" r:id="rId22"/>
+    <p:sldId id="311" r:id="rId23"/>
   </p:sldIdLst>
   <p:sldSz cx="12192000" cy="6858000"/>
   <p:notesSz cx="6858000" cy="9144000"/>
   <p:custDataLst>
-    <p:tags r:id="rId33"/>
+    <p:tags r:id="rId26"/>
   </p:custDataLst>
   <p:defaultTextStyle>
     <a:defPPr>
@@ -275,7 +268,7 @@
           <a:p>
             <a:fld id="{2B71C804-97F5-4B36-A7AC-EEEC7F44F6C2}" type="datetimeFigureOut">
               <a:rPr lang="zh-CN" altLang="en-US" smtClean="0"/>
-              <a:t>2017/8/22</a:t>
+              <a:t>2017/8/28</a:t>
             </a:fld>
             <a:endParaRPr lang="zh-CN" altLang="en-US"/>
           </a:p>
@@ -441,7 +434,7 @@
           <a:p>
             <a:fld id="{0568D9C6-D8DC-4CC3-8480-E0C4DBA1CC07}" type="datetimeFigureOut">
               <a:rPr lang="zh-CN" altLang="en-US" smtClean="0"/>
-              <a:t>2017/8/22</a:t>
+              <a:t>2017/8/28</a:t>
             </a:fld>
             <a:endParaRPr lang="zh-CN" altLang="en-US"/>
           </a:p>
@@ -710,90 +703,6 @@
 </file>
 
 <file path=ppt/notesSlides/notesSlide1.xml><?xml version="1.0" encoding="utf-8"?>
-<p:notes xmlns:a="http://schemas.openxmlformats.org/drawingml/2006/main" xmlns:r="http://schemas.openxmlformats.org/officeDocument/2006/relationships" xmlns:p="http://schemas.openxmlformats.org/presentationml/2006/main">
-  <p:cSld>
-    <p:spTree>
-      <p:nvGrpSpPr>
-        <p:cNvPr id="1" name=""/>
-        <p:cNvGrpSpPr/>
-        <p:nvPr/>
-      </p:nvGrpSpPr>
-      <p:grpSpPr>
-        <a:xfrm>
-          <a:off x="0" y="0"/>
-          <a:ext cx="0" cy="0"/>
-          <a:chOff x="0" y="0"/>
-          <a:chExt cx="0" cy="0"/>
-        </a:xfrm>
-      </p:grpSpPr>
-      <p:sp>
-        <p:nvSpPr>
-          <p:cNvPr id="2" name="幻灯片图像占位符 1"/>
-          <p:cNvSpPr>
-            <a:spLocks noGrp="1" noRot="1" noChangeAspect="1"/>
-          </p:cNvSpPr>
-          <p:nvPr>
-            <p:ph type="sldImg"/>
-          </p:nvPr>
-        </p:nvSpPr>
-        <p:spPr/>
-      </p:sp>
-      <p:sp>
-        <p:nvSpPr>
-          <p:cNvPr id="3" name="备注占位符 2"/>
-          <p:cNvSpPr>
-            <a:spLocks noGrp="1"/>
-          </p:cNvSpPr>
-          <p:nvPr>
-            <p:ph type="body" idx="1"/>
-          </p:nvPr>
-        </p:nvSpPr>
-        <p:spPr/>
-        <p:txBody>
-          <a:bodyPr/>
-          <a:lstStyle/>
-          <a:p>
-            <a:endParaRPr lang="zh-CN" altLang="en-US"/>
-          </a:p>
-        </p:txBody>
-      </p:sp>
-      <p:sp>
-        <p:nvSpPr>
-          <p:cNvPr id="4" name="灯片编号占位符 3"/>
-          <p:cNvSpPr>
-            <a:spLocks noGrp="1"/>
-          </p:cNvSpPr>
-          <p:nvPr>
-            <p:ph type="sldNum" sz="quarter" idx="10"/>
-          </p:nvPr>
-        </p:nvSpPr>
-        <p:spPr/>
-        <p:txBody>
-          <a:bodyPr/>
-          <a:lstStyle/>
-          <a:p>
-            <a:fld id="{10E9C519-C3B1-4654-8EF9-A227F461FE5A}" type="slidenum">
-              <a:rPr lang="zh-CN" altLang="en-US" smtClean="0"/>
-              <a:t>16</a:t>
-            </a:fld>
-            <a:endParaRPr lang="zh-CN" altLang="en-US"/>
-          </a:p>
-        </p:txBody>
-      </p:sp>
-    </p:spTree>
-    <p:extLst>
-      <p:ext uri="{BB962C8B-B14F-4D97-AF65-F5344CB8AC3E}">
-        <p14:creationId xmlns:p14="http://schemas.microsoft.com/office/powerpoint/2010/main" val="3090702883"/>
-      </p:ext>
-    </p:extLst>
-  </p:cSld>
-  <p:clrMapOvr>
-    <a:masterClrMapping/>
-  </p:clrMapOvr>
-</p:notes>
-</file>
-
-<file path=ppt/notesSlides/notesSlide2.xml><?xml version="1.0" encoding="utf-8"?>
 <p:notes xmlns:a="http://schemas.openxmlformats.org/drawingml/2006/main" xmlns:r="http://schemas.openxmlformats.org/officeDocument/2006/relationships" xmlns:p="http://schemas.openxmlformats.org/presentationml/2006/main" showMasterSp="0">
   <p:cSld>
     <p:bg bwMode="auto">
@@ -1036,7 +945,7 @@
                 <a:ea typeface="宋体" charset="-122"/>
               </a:rPr>
               <a:pPr algn="r" eaLnBrk="1" hangingPunct="1"/>
-              <a:t>25</a:t>
+              <a:t>18</a:t>
             </a:fld>
             <a:endParaRPr lang="zh-CN" altLang="en-US" sz="1200">
               <a:latin typeface="Calibri" pitchFamily="34" charset="0"/>
@@ -1138,7 +1047,7 @@
           <a:p>
             <a:fld id="{DB9D664F-4C68-42D2-B189-678958EFAFDA}" type="datetime1">
               <a:rPr lang="zh-CN" altLang="en-US" smtClean="0"/>
-              <a:t>2017/8/22</a:t>
+              <a:t>2017/8/28</a:t>
             </a:fld>
             <a:endParaRPr lang="zh-CN" altLang="en-US"/>
           </a:p>
@@ -2120,7 +2029,7 @@
           <a:p>
             <a:fld id="{ED5513C8-E3A4-4D78-B249-887659A958FF}" type="datetime1">
               <a:rPr lang="en-US" altLang="zh-CN" smtClean="0"/>
-              <a:t>8/22/2017</a:t>
+              <a:t>8/28/2017</a:t>
             </a:fld>
             <a:endParaRPr lang="en-US"/>
           </a:p>
@@ -2298,7 +2207,7 @@
           <a:p>
             <a:fld id="{EBEDA52C-3EEE-4289-818C-901C0A7814FE}" type="datetime1">
               <a:rPr lang="en-US" altLang="zh-CN" smtClean="0"/>
-              <a:t>8/22/2017</a:t>
+              <a:t>8/28/2017</a:t>
             </a:fld>
             <a:endParaRPr lang="en-US"/>
           </a:p>
@@ -2552,7 +2461,7 @@
           <a:p>
             <a:fld id="{09EF5D7F-EA15-485C-85DD-8FDC010A62D4}" type="datetime1">
               <a:rPr lang="en-US" altLang="zh-CN" smtClean="0"/>
-              <a:t>8/22/2017</a:t>
+              <a:t>8/28/2017</a:t>
             </a:fld>
             <a:endParaRPr lang="en-US"/>
           </a:p>
@@ -2792,7 +2701,7 @@
           <a:p>
             <a:fld id="{9541C2B2-0BAB-4CD4-83EE-25F1A7138896}" type="datetime1">
               <a:rPr lang="en-US" altLang="zh-CN" smtClean="0"/>
-              <a:t>8/22/2017</a:t>
+              <a:t>8/28/2017</a:t>
             </a:fld>
             <a:endParaRPr lang="en-US"/>
           </a:p>
@@ -3167,7 +3076,7 @@
           <a:p>
             <a:fld id="{7DEA23E7-D0FC-41DC-8745-BE6FC447B182}" type="datetime1">
               <a:rPr lang="en-US" altLang="zh-CN" smtClean="0"/>
-              <a:t>8/22/2017</a:t>
+              <a:t>8/28/2017</a:t>
             </a:fld>
             <a:endParaRPr lang="en-US"/>
           </a:p>
@@ -3952,7 +3861,7 @@
           <a:p>
             <a:fld id="{5DEA8378-5F33-490B-8120-8DE6B7EE2781}" type="datetime1">
               <a:rPr lang="en-US" altLang="zh-CN" smtClean="0"/>
-              <a:t>8/22/2017</a:t>
+              <a:t>8/28/2017</a:t>
             </a:fld>
             <a:endParaRPr lang="en-US"/>
           </a:p>
@@ -4206,7 +4115,7 @@
           <a:p>
             <a:fld id="{38DD30CF-78A7-4C73-91B4-38D3E3317745}" type="datetime1">
               <a:rPr lang="en-US" altLang="zh-CN" smtClean="0"/>
-              <a:t>8/22/2017</a:t>
+              <a:t>8/28/2017</a:t>
             </a:fld>
             <a:endParaRPr lang="en-US"/>
           </a:p>
@@ -4309,7 +4218,7 @@
           <a:p>
             <a:fld id="{A1BE0A72-8501-4974-A7B7-5BD248ABBAFC}" type="datetime1">
               <a:rPr lang="zh-CN" altLang="en-US" smtClean="0"/>
-              <a:t>2017/8/22</a:t>
+              <a:t>2017/8/28</a:t>
             </a:fld>
             <a:endParaRPr lang="zh-CN" altLang="en-US"/>
           </a:p>
@@ -4570,7 +4479,7 @@
           <a:p>
             <a:fld id="{0B7E01DD-16D0-4DBA-9C1A-51468BA0B73A}" type="datetime1">
               <a:rPr lang="en-US" altLang="zh-CN" smtClean="0"/>
-              <a:t>8/22/2017</a:t>
+              <a:t>8/28/2017</a:t>
             </a:fld>
             <a:endParaRPr lang="en-US"/>
           </a:p>
@@ -4748,7 +4657,7 @@
           <a:p>
             <a:fld id="{B587E63F-0E62-4A50-901F-E071D77F7634}" type="datetime1">
               <a:rPr lang="en-US" altLang="zh-CN" smtClean="0"/>
-              <a:t>8/22/2017</a:t>
+              <a:t>8/28/2017</a:t>
             </a:fld>
             <a:endParaRPr lang="en-US"/>
           </a:p>
@@ -4936,7 +4845,7 @@
           <a:p>
             <a:fld id="{BD8521E8-9297-400B-AD8C-0A4D05699D33}" type="datetime1">
               <a:rPr lang="en-US" altLang="zh-CN" smtClean="0"/>
-              <a:t>8/22/2017</a:t>
+              <a:t>8/28/2017</a:t>
             </a:fld>
             <a:endParaRPr lang="en-US"/>
           </a:p>
@@ -5167,7 +5076,7 @@
           <a:p>
             <a:fld id="{ED5513C8-E3A4-4D78-B249-887659A958FF}" type="datetime1">
               <a:rPr lang="en-US" altLang="zh-CN" smtClean="0"/>
-              <a:t>8/22/2017</a:t>
+              <a:t>8/28/2017</a:t>
             </a:fld>
             <a:endParaRPr lang="en-US"/>
           </a:p>
@@ -5345,7 +5254,7 @@
           <a:p>
             <a:fld id="{EBEDA52C-3EEE-4289-818C-901C0A7814FE}" type="datetime1">
               <a:rPr lang="en-US" altLang="zh-CN" smtClean="0"/>
-              <a:t>8/22/2017</a:t>
+              <a:t>8/28/2017</a:t>
             </a:fld>
             <a:endParaRPr lang="en-US"/>
           </a:p>
@@ -5599,7 +5508,7 @@
           <a:p>
             <a:fld id="{09EF5D7F-EA15-485C-85DD-8FDC010A62D4}" type="datetime1">
               <a:rPr lang="en-US" altLang="zh-CN" smtClean="0"/>
-              <a:t>8/22/2017</a:t>
+              <a:t>8/28/2017</a:t>
             </a:fld>
             <a:endParaRPr lang="en-US"/>
           </a:p>
@@ -5839,7 +5748,7 @@
           <a:p>
             <a:fld id="{9541C2B2-0BAB-4CD4-83EE-25F1A7138896}" type="datetime1">
               <a:rPr lang="en-US" altLang="zh-CN" smtClean="0"/>
-              <a:t>8/22/2017</a:t>
+              <a:t>8/28/2017</a:t>
             </a:fld>
             <a:endParaRPr lang="en-US"/>
           </a:p>
@@ -6214,7 +6123,7 @@
           <a:p>
             <a:fld id="{7DEA23E7-D0FC-41DC-8745-BE6FC447B182}" type="datetime1">
               <a:rPr lang="en-US" altLang="zh-CN" smtClean="0"/>
-              <a:t>8/22/2017</a:t>
+              <a:t>8/28/2017</a:t>
             </a:fld>
             <a:endParaRPr lang="en-US"/>
           </a:p>
@@ -6999,7 +6908,7 @@
           <a:p>
             <a:fld id="{A1BE0A72-8501-4974-A7B7-5BD248ABBAFC}" type="datetime1">
               <a:rPr lang="zh-CN" altLang="en-US" smtClean="0"/>
-              <a:t>2017/8/22</a:t>
+              <a:t>2017/8/28</a:t>
             </a:fld>
             <a:endParaRPr lang="zh-CN" altLang="en-US"/>
           </a:p>
@@ -7052,7 +6961,7 @@
           <a:p>
             <a:fld id="{5DEA8378-5F33-490B-8120-8DE6B7EE2781}" type="datetime1">
               <a:rPr lang="en-US" altLang="zh-CN" smtClean="0"/>
-              <a:t>8/22/2017</a:t>
+              <a:t>8/28/2017</a:t>
             </a:fld>
             <a:endParaRPr lang="en-US"/>
           </a:p>
@@ -7306,7 +7215,7 @@
           <a:p>
             <a:fld id="{38DD30CF-78A7-4C73-91B4-38D3E3317745}" type="datetime1">
               <a:rPr lang="en-US" altLang="zh-CN" smtClean="0"/>
-              <a:t>8/22/2017</a:t>
+              <a:t>8/28/2017</a:t>
             </a:fld>
             <a:endParaRPr lang="en-US"/>
           </a:p>
@@ -7571,7 +7480,7 @@
           <a:p>
             <a:fld id="{0B7E01DD-16D0-4DBA-9C1A-51468BA0B73A}" type="datetime1">
               <a:rPr lang="en-US" altLang="zh-CN" smtClean="0"/>
-              <a:t>8/22/2017</a:t>
+              <a:t>8/28/2017</a:t>
             </a:fld>
             <a:endParaRPr lang="en-US"/>
           </a:p>
@@ -7749,7 +7658,7 @@
           <a:p>
             <a:fld id="{B587E63F-0E62-4A50-901F-E071D77F7634}" type="datetime1">
               <a:rPr lang="en-US" altLang="zh-CN" smtClean="0"/>
-              <a:t>8/22/2017</a:t>
+              <a:t>8/28/2017</a:t>
             </a:fld>
             <a:endParaRPr lang="en-US"/>
           </a:p>
@@ -7937,7 +7846,7 @@
           <a:p>
             <a:fld id="{BD8521E8-9297-400B-AD8C-0A4D05699D33}" type="datetime1">
               <a:rPr lang="en-US" altLang="zh-CN" smtClean="0"/>
-              <a:t>8/22/2017</a:t>
+              <a:t>8/28/2017</a:t>
             </a:fld>
             <a:endParaRPr lang="en-US"/>
           </a:p>
@@ -8040,7 +7949,7 @@
           <a:p>
             <a:fld id="{EF452D9C-F9EB-4417-9C3A-C876C2AF9415}" type="datetime1">
               <a:rPr lang="zh-CN" altLang="en-US" smtClean="0"/>
-              <a:t>2017/8/22</a:t>
+              <a:t>2017/8/28</a:t>
             </a:fld>
             <a:endParaRPr lang="zh-CN" altLang="en-US"/>
           </a:p>
@@ -8226,7 +8135,7 @@
           <a:p>
             <a:fld id="{2F2E9289-9B4C-49AE-BDDA-70D6EDC89D17}" type="datetime1">
               <a:rPr lang="zh-CN" altLang="en-US" smtClean="0"/>
-              <a:t>2017/8/22</a:t>
+              <a:t>2017/8/28</a:t>
             </a:fld>
             <a:endParaRPr lang="zh-CN" altLang="en-US"/>
           </a:p>
@@ -8396,7 +8305,7 @@
           <a:p>
             <a:fld id="{2F2E9289-9B4C-49AE-BDDA-70D6EDC89D17}" type="datetime1">
               <a:rPr lang="zh-CN" altLang="en-US" smtClean="0"/>
-              <a:t>2017/8/22</a:t>
+              <a:t>2017/8/28</a:t>
             </a:fld>
             <a:endParaRPr lang="zh-CN" altLang="en-US"/>
           </a:p>
@@ -8632,7 +8541,7 @@
           <a:p>
             <a:fld id="{8C5BA751-A251-47D6-8494-C134D9EBED5F}" type="datetime1">
               <a:rPr lang="zh-CN" altLang="en-US" smtClean="0"/>
-              <a:t>2017/8/22</a:t>
+              <a:t>2017/8/28</a:t>
             </a:fld>
             <a:endParaRPr lang="zh-CN" altLang="en-US"/>
           </a:p>
@@ -8988,7 +8897,7 @@
           <a:p>
             <a:fld id="{C46E2078-F302-4651-A2A2-2FC6C4E1A3F1}" type="datetime1">
               <a:rPr lang="zh-CN" altLang="en-US" smtClean="0"/>
-              <a:t>2017/8/22</a:t>
+              <a:t>2017/8/28</a:t>
             </a:fld>
             <a:endParaRPr lang="zh-CN" altLang="en-US"/>
           </a:p>
@@ -9110,7 +9019,7 @@
               <a:pPr>
                 <a:defRPr/>
               </a:pPr>
-              <a:t>2017/8/22</a:t>
+              <a:t>2017/8/28</a:t>
             </a:fld>
             <a:endParaRPr lang="zh-CN" altLang="en-US"/>
           </a:p>
@@ -9258,7 +9167,7 @@
           <a:p>
             <a:fld id="{A1BE0A72-8501-4974-A7B7-5BD248ABBAFC}" type="datetime1">
               <a:rPr lang="zh-CN" altLang="en-US" smtClean="0"/>
-              <a:t>2017/8/22</a:t>
+              <a:t>2017/8/28</a:t>
             </a:fld>
             <a:endParaRPr lang="zh-CN" altLang="en-US"/>
           </a:p>
@@ -9772,7 +9681,7 @@
           <a:p>
             <a:fld id="{A1BE0A72-8501-4974-A7B7-5BD248ABBAFC}" type="datetime1">
               <a:rPr lang="zh-CN" altLang="en-US" smtClean="0"/>
-              <a:t>2017/8/22</a:t>
+              <a:t>2017/8/28</a:t>
             </a:fld>
             <a:endParaRPr lang="zh-CN" altLang="en-US"/>
           </a:p>
@@ -10378,7 +10287,7 @@
           <a:p>
             <a:fld id="{7A78726F-0AD2-4A20-BC72-263D2D3F3A2F}" type="datetime1">
               <a:rPr lang="en-US" altLang="zh-CN" smtClean="0"/>
-              <a:t>8/22/2017</a:t>
+              <a:t>8/28/2017</a:t>
             </a:fld>
             <a:endParaRPr lang="en-US"/>
           </a:p>
@@ -11359,7 +11268,7 @@
           <a:p>
             <a:fld id="{A1BE0A72-8501-4974-A7B7-5BD248ABBAFC}" type="datetime1">
               <a:rPr lang="zh-CN" altLang="en-US" smtClean="0"/>
-              <a:t>2017/8/22</a:t>
+              <a:t>2017/8/28</a:t>
             </a:fld>
             <a:endParaRPr lang="zh-CN" altLang="en-US"/>
           </a:p>
@@ -11965,7 +11874,7 @@
           <a:p>
             <a:fld id="{7A78726F-0AD2-4A20-BC72-263D2D3F3A2F}" type="datetime1">
               <a:rPr lang="en-US" altLang="zh-CN" smtClean="0"/>
-              <a:t>8/22/2017</a:t>
+              <a:t>8/28/2017</a:t>
             </a:fld>
             <a:endParaRPr lang="en-US"/>
           </a:p>
@@ -12929,14 +12838,632 @@
             <p:ph sz="quarter" idx="13"/>
           </p:nvPr>
         </p:nvSpPr>
-        <p:spPr/>
+        <p:spPr>
+          <a:xfrm>
+            <a:off x="1054100" y="543636"/>
+            <a:ext cx="5966810" cy="685800"/>
+          </a:xfrm>
+        </p:spPr>
         <p:txBody>
           <a:bodyPr/>
           <a:lstStyle/>
           <a:p>
             <a:r>
               <a:rPr lang="zh-CN" altLang="en-US" b="0" dirty="0"/>
-              <a:t>新增永久素材</a:t>
+              <a:t>素材类型与限制条件</a:t>
+            </a:r>
+          </a:p>
+        </p:txBody>
+      </p:sp>
+      <p:sp>
+        <p:nvSpPr>
+          <p:cNvPr id="3" name="文本框 2">
+            <a:extLst>
+              <a:ext uri="{FF2B5EF4-FFF2-40B4-BE49-F238E27FC236}">
+                <a16:creationId xmlns:a16="http://schemas.microsoft.com/office/drawing/2014/main" id="{C1426E23-23DF-477F-BFED-07730504AD7E}"/>
+              </a:ext>
+            </a:extLst>
+          </p:cNvPr>
+          <p:cNvSpPr txBox="1"/>
+          <p:nvPr/>
+        </p:nvSpPr>
+        <p:spPr>
+          <a:xfrm>
+            <a:off x="1054100" y="1597572"/>
+            <a:ext cx="10538810" cy="4725461"/>
+          </a:xfrm>
+          <a:prstGeom prst="rect">
+            <a:avLst/>
+          </a:prstGeom>
+          <a:noFill/>
+        </p:spPr>
+        <p:txBody>
+          <a:bodyPr wrap="square" rtlCol="0">
+            <a:spAutoFit/>
+          </a:bodyPr>
+          <a:lstStyle/>
+          <a:p>
+            <a:pPr marL="285750" indent="-285750">
+              <a:lnSpc>
+                <a:spcPts val="2800"/>
+              </a:lnSpc>
+              <a:buFont typeface="Arial" panose="020B0604020202020204" pitchFamily="34" charset="0"/>
+              <a:buChar char="•"/>
+            </a:pPr>
+            <a:r>
+              <a:rPr lang="zh-CN" altLang="en-US" dirty="0">
+                <a:latin typeface="微软雅黑" panose="020B0503020204020204" pitchFamily="34" charset="-122"/>
+                <a:ea typeface="微软雅黑" panose="020B0503020204020204" pitchFamily="34" charset="-122"/>
+              </a:rPr>
+              <a:t>最近更新：永久图片素材新增后，将带有</a:t>
+            </a:r>
+            <a:r>
+              <a:rPr lang="en-US" altLang="zh-CN" dirty="0">
+                <a:latin typeface="微软雅黑" panose="020B0503020204020204" pitchFamily="34" charset="-122"/>
+                <a:ea typeface="微软雅黑" panose="020B0503020204020204" pitchFamily="34" charset="-122"/>
+              </a:rPr>
+              <a:t>URL</a:t>
+            </a:r>
+            <a:r>
+              <a:rPr lang="zh-CN" altLang="en-US" dirty="0">
+                <a:latin typeface="微软雅黑" panose="020B0503020204020204" pitchFamily="34" charset="-122"/>
+                <a:ea typeface="微软雅黑" panose="020B0503020204020204" pitchFamily="34" charset="-122"/>
+              </a:rPr>
+              <a:t>返回给开发者，开发者可以在腾讯系域名内使用（腾讯系域名外使用，图片将被屏蔽）。</a:t>
+            </a:r>
+            <a:endParaRPr lang="en-US" altLang="zh-CN" dirty="0">
+              <a:latin typeface="微软雅黑" panose="020B0503020204020204" pitchFamily="34" charset="-122"/>
+              <a:ea typeface="微软雅黑" panose="020B0503020204020204" pitchFamily="34" charset="-122"/>
+            </a:endParaRPr>
+          </a:p>
+          <a:p>
+            <a:pPr marL="285750" indent="-285750">
+              <a:lnSpc>
+                <a:spcPts val="2800"/>
+              </a:lnSpc>
+              <a:buFont typeface="Arial" panose="020B0604020202020204" pitchFamily="34" charset="0"/>
+              <a:buChar char="•"/>
+            </a:pPr>
+            <a:r>
+              <a:rPr lang="zh-CN" altLang="en-US" dirty="0">
+                <a:latin typeface="微软雅黑" panose="020B0503020204020204" pitchFamily="34" charset="-122"/>
+                <a:ea typeface="微软雅黑" panose="020B0503020204020204" pitchFamily="34" charset="-122"/>
+              </a:rPr>
+              <a:t>公众号的素材库保存总数量有上限：图文消息素材、图片素材上限为</a:t>
+            </a:r>
+            <a:r>
+              <a:rPr lang="en-US" altLang="zh-CN" dirty="0">
+                <a:latin typeface="微软雅黑" panose="020B0503020204020204" pitchFamily="34" charset="-122"/>
+                <a:ea typeface="微软雅黑" panose="020B0503020204020204" pitchFamily="34" charset="-122"/>
+              </a:rPr>
+              <a:t>5000</a:t>
+            </a:r>
+            <a:r>
+              <a:rPr lang="zh-CN" altLang="en-US" dirty="0">
+                <a:latin typeface="微软雅黑" panose="020B0503020204020204" pitchFamily="34" charset="-122"/>
+                <a:ea typeface="微软雅黑" panose="020B0503020204020204" pitchFamily="34" charset="-122"/>
+              </a:rPr>
+              <a:t>，其他类型为</a:t>
+            </a:r>
+            <a:r>
+              <a:rPr lang="en-US" altLang="zh-CN" dirty="0">
+                <a:latin typeface="微软雅黑" panose="020B0503020204020204" pitchFamily="34" charset="-122"/>
+                <a:ea typeface="微软雅黑" panose="020B0503020204020204" pitchFamily="34" charset="-122"/>
+              </a:rPr>
+              <a:t>1000</a:t>
+            </a:r>
+          </a:p>
+          <a:p>
+            <a:pPr marL="285750" indent="-285750">
+              <a:lnSpc>
+                <a:spcPts val="2800"/>
+              </a:lnSpc>
+              <a:buFont typeface="Arial" panose="020B0604020202020204" pitchFamily="34" charset="0"/>
+              <a:buChar char="•"/>
+            </a:pPr>
+            <a:r>
+              <a:rPr lang="zh-CN" altLang="en-US" dirty="0">
+                <a:latin typeface="微软雅黑" panose="020B0503020204020204" pitchFamily="34" charset="-122"/>
+                <a:ea typeface="微软雅黑" panose="020B0503020204020204" pitchFamily="34" charset="-122"/>
+              </a:rPr>
+              <a:t>素材的格式大小等要求与公众平台官网一致：</a:t>
+            </a:r>
+          </a:p>
+          <a:p>
+            <a:pPr lvl="1">
+              <a:lnSpc>
+                <a:spcPts val="2800"/>
+              </a:lnSpc>
+            </a:pPr>
+            <a:r>
+              <a:rPr lang="zh-CN" altLang="en-US" sz="1600" dirty="0">
+                <a:latin typeface="微软雅黑" panose="020B0503020204020204" pitchFamily="34" charset="-122"/>
+                <a:ea typeface="微软雅黑" panose="020B0503020204020204" pitchFamily="34" charset="-122"/>
+              </a:rPr>
+              <a:t>图片（</a:t>
+            </a:r>
+            <a:r>
+              <a:rPr lang="en-US" altLang="zh-CN" sz="1600" dirty="0">
+                <a:latin typeface="微软雅黑" panose="020B0503020204020204" pitchFamily="34" charset="-122"/>
+                <a:ea typeface="微软雅黑" panose="020B0503020204020204" pitchFamily="34" charset="-122"/>
+              </a:rPr>
+              <a:t>image</a:t>
+            </a:r>
+            <a:r>
+              <a:rPr lang="zh-CN" altLang="en-US" sz="1600" dirty="0">
+                <a:latin typeface="微软雅黑" panose="020B0503020204020204" pitchFamily="34" charset="-122"/>
+                <a:ea typeface="微软雅黑" panose="020B0503020204020204" pitchFamily="34" charset="-122"/>
+              </a:rPr>
+              <a:t>）</a:t>
+            </a:r>
+            <a:r>
+              <a:rPr lang="en-US" altLang="zh-CN" sz="1600" dirty="0">
+                <a:latin typeface="微软雅黑" panose="020B0503020204020204" pitchFamily="34" charset="-122"/>
+                <a:ea typeface="微软雅黑" panose="020B0503020204020204" pitchFamily="34" charset="-122"/>
+              </a:rPr>
+              <a:t>: 2M</a:t>
+            </a:r>
+            <a:r>
+              <a:rPr lang="zh-CN" altLang="en-US" sz="1600" dirty="0">
+                <a:latin typeface="微软雅黑" panose="020B0503020204020204" pitchFamily="34" charset="-122"/>
+                <a:ea typeface="微软雅黑" panose="020B0503020204020204" pitchFamily="34" charset="-122"/>
+              </a:rPr>
+              <a:t>，支持</a:t>
+            </a:r>
+            <a:r>
+              <a:rPr lang="en-US" altLang="zh-CN" sz="1600" dirty="0">
+                <a:latin typeface="微软雅黑" panose="020B0503020204020204" pitchFamily="34" charset="-122"/>
+                <a:ea typeface="微软雅黑" panose="020B0503020204020204" pitchFamily="34" charset="-122"/>
+              </a:rPr>
+              <a:t>bmp/</a:t>
+            </a:r>
+            <a:r>
+              <a:rPr lang="en-US" altLang="zh-CN" sz="1600" dirty="0" err="1">
+                <a:latin typeface="微软雅黑" panose="020B0503020204020204" pitchFamily="34" charset="-122"/>
+                <a:ea typeface="微软雅黑" panose="020B0503020204020204" pitchFamily="34" charset="-122"/>
+              </a:rPr>
+              <a:t>png</a:t>
+            </a:r>
+            <a:r>
+              <a:rPr lang="en-US" altLang="zh-CN" sz="1600" dirty="0">
+                <a:latin typeface="微软雅黑" panose="020B0503020204020204" pitchFamily="34" charset="-122"/>
+                <a:ea typeface="微软雅黑" panose="020B0503020204020204" pitchFamily="34" charset="-122"/>
+              </a:rPr>
+              <a:t>/jpeg/jpg/gif</a:t>
+            </a:r>
+            <a:r>
+              <a:rPr lang="zh-CN" altLang="en-US" sz="1600" dirty="0">
+                <a:latin typeface="微软雅黑" panose="020B0503020204020204" pitchFamily="34" charset="-122"/>
+                <a:ea typeface="微软雅黑" panose="020B0503020204020204" pitchFamily="34" charset="-122"/>
+              </a:rPr>
+              <a:t>格式</a:t>
+            </a:r>
+          </a:p>
+          <a:p>
+            <a:pPr lvl="1">
+              <a:lnSpc>
+                <a:spcPts val="2800"/>
+              </a:lnSpc>
+            </a:pPr>
+            <a:r>
+              <a:rPr lang="zh-CN" altLang="en-US" sz="1600" dirty="0">
+                <a:latin typeface="微软雅黑" panose="020B0503020204020204" pitchFamily="34" charset="-122"/>
+                <a:ea typeface="微软雅黑" panose="020B0503020204020204" pitchFamily="34" charset="-122"/>
+              </a:rPr>
+              <a:t>语音（</a:t>
+            </a:r>
+            <a:r>
+              <a:rPr lang="en-US" altLang="zh-CN" sz="1600" dirty="0">
+                <a:latin typeface="微软雅黑" panose="020B0503020204020204" pitchFamily="34" charset="-122"/>
+                <a:ea typeface="微软雅黑" panose="020B0503020204020204" pitchFamily="34" charset="-122"/>
+              </a:rPr>
+              <a:t>voice</a:t>
+            </a:r>
+            <a:r>
+              <a:rPr lang="zh-CN" altLang="en-US" sz="1600" dirty="0">
+                <a:latin typeface="微软雅黑" panose="020B0503020204020204" pitchFamily="34" charset="-122"/>
+                <a:ea typeface="微软雅黑" panose="020B0503020204020204" pitchFamily="34" charset="-122"/>
+              </a:rPr>
+              <a:t>）：</a:t>
+            </a:r>
+            <a:r>
+              <a:rPr lang="en-US" altLang="zh-CN" sz="1600" dirty="0">
+                <a:latin typeface="微软雅黑" panose="020B0503020204020204" pitchFamily="34" charset="-122"/>
+                <a:ea typeface="微软雅黑" panose="020B0503020204020204" pitchFamily="34" charset="-122"/>
+              </a:rPr>
+              <a:t>2M</a:t>
+            </a:r>
+            <a:r>
+              <a:rPr lang="zh-CN" altLang="en-US" sz="1600" dirty="0">
+                <a:latin typeface="微软雅黑" panose="020B0503020204020204" pitchFamily="34" charset="-122"/>
+                <a:ea typeface="微软雅黑" panose="020B0503020204020204" pitchFamily="34" charset="-122"/>
+              </a:rPr>
+              <a:t>，播放长度不超过</a:t>
+            </a:r>
+            <a:r>
+              <a:rPr lang="en-US" altLang="zh-CN" sz="1600" dirty="0">
+                <a:latin typeface="微软雅黑" panose="020B0503020204020204" pitchFamily="34" charset="-122"/>
+                <a:ea typeface="微软雅黑" panose="020B0503020204020204" pitchFamily="34" charset="-122"/>
+              </a:rPr>
+              <a:t>60s</a:t>
+            </a:r>
+            <a:r>
+              <a:rPr lang="zh-CN" altLang="en-US" sz="1600" dirty="0">
+                <a:latin typeface="微软雅黑" panose="020B0503020204020204" pitchFamily="34" charset="-122"/>
+                <a:ea typeface="微软雅黑" panose="020B0503020204020204" pitchFamily="34" charset="-122"/>
+              </a:rPr>
+              <a:t>，</a:t>
+            </a:r>
+            <a:r>
+              <a:rPr lang="en-US" altLang="zh-CN" sz="1600" dirty="0">
+                <a:latin typeface="微软雅黑" panose="020B0503020204020204" pitchFamily="34" charset="-122"/>
+                <a:ea typeface="微软雅黑" panose="020B0503020204020204" pitchFamily="34" charset="-122"/>
+              </a:rPr>
+              <a:t>mp3/</a:t>
+            </a:r>
+            <a:r>
+              <a:rPr lang="en-US" altLang="zh-CN" sz="1600" dirty="0" err="1">
+                <a:latin typeface="微软雅黑" panose="020B0503020204020204" pitchFamily="34" charset="-122"/>
+                <a:ea typeface="微软雅黑" panose="020B0503020204020204" pitchFamily="34" charset="-122"/>
+              </a:rPr>
+              <a:t>wma</a:t>
+            </a:r>
+            <a:r>
+              <a:rPr lang="en-US" altLang="zh-CN" sz="1600" dirty="0">
+                <a:latin typeface="微软雅黑" panose="020B0503020204020204" pitchFamily="34" charset="-122"/>
+                <a:ea typeface="微软雅黑" panose="020B0503020204020204" pitchFamily="34" charset="-122"/>
+              </a:rPr>
+              <a:t>/wav/</a:t>
+            </a:r>
+            <a:r>
+              <a:rPr lang="en-US" altLang="zh-CN" sz="1600" dirty="0" err="1">
+                <a:latin typeface="微软雅黑" panose="020B0503020204020204" pitchFamily="34" charset="-122"/>
+                <a:ea typeface="微软雅黑" panose="020B0503020204020204" pitchFamily="34" charset="-122"/>
+              </a:rPr>
+              <a:t>amr</a:t>
+            </a:r>
+            <a:r>
+              <a:rPr lang="zh-CN" altLang="en-US" sz="1600" dirty="0">
+                <a:latin typeface="微软雅黑" panose="020B0503020204020204" pitchFamily="34" charset="-122"/>
+                <a:ea typeface="微软雅黑" panose="020B0503020204020204" pitchFamily="34" charset="-122"/>
+              </a:rPr>
+              <a:t>格式</a:t>
+            </a:r>
+            <a:endParaRPr lang="en-US" altLang="zh-CN" sz="1600" dirty="0">
+              <a:latin typeface="微软雅黑" panose="020B0503020204020204" pitchFamily="34" charset="-122"/>
+              <a:ea typeface="微软雅黑" panose="020B0503020204020204" pitchFamily="34" charset="-122"/>
+            </a:endParaRPr>
+          </a:p>
+          <a:p>
+            <a:pPr lvl="1">
+              <a:lnSpc>
+                <a:spcPts val="2800"/>
+              </a:lnSpc>
+            </a:pPr>
+            <a:r>
+              <a:rPr lang="zh-CN" altLang="en-US" sz="1600" dirty="0">
+                <a:latin typeface="微软雅黑" panose="020B0503020204020204" pitchFamily="34" charset="-122"/>
+                <a:ea typeface="微软雅黑" panose="020B0503020204020204" pitchFamily="34" charset="-122"/>
+              </a:rPr>
+              <a:t>视频（</a:t>
+            </a:r>
+            <a:r>
+              <a:rPr lang="en-US" altLang="zh-CN" sz="1600" dirty="0">
+                <a:latin typeface="微软雅黑" panose="020B0503020204020204" pitchFamily="34" charset="-122"/>
+                <a:ea typeface="微软雅黑" panose="020B0503020204020204" pitchFamily="34" charset="-122"/>
+              </a:rPr>
+              <a:t>video</a:t>
+            </a:r>
+            <a:r>
+              <a:rPr lang="zh-CN" altLang="en-US" sz="1600" dirty="0">
+                <a:latin typeface="微软雅黑" panose="020B0503020204020204" pitchFamily="34" charset="-122"/>
+                <a:ea typeface="微软雅黑" panose="020B0503020204020204" pitchFamily="34" charset="-122"/>
+              </a:rPr>
+              <a:t>）：</a:t>
+            </a:r>
+            <a:r>
+              <a:rPr lang="en-US" altLang="zh-CN" sz="1600" dirty="0">
+                <a:latin typeface="微软雅黑" panose="020B0503020204020204" pitchFamily="34" charset="-122"/>
+                <a:ea typeface="微软雅黑" panose="020B0503020204020204" pitchFamily="34" charset="-122"/>
+              </a:rPr>
+              <a:t>10MB</a:t>
+            </a:r>
+            <a:r>
+              <a:rPr lang="zh-CN" altLang="en-US" sz="1600" dirty="0">
+                <a:latin typeface="微软雅黑" panose="020B0503020204020204" pitchFamily="34" charset="-122"/>
+                <a:ea typeface="微软雅黑" panose="020B0503020204020204" pitchFamily="34" charset="-122"/>
+              </a:rPr>
+              <a:t>，支持</a:t>
+            </a:r>
+            <a:r>
+              <a:rPr lang="en-US" altLang="zh-CN" sz="1600" dirty="0">
+                <a:latin typeface="微软雅黑" panose="020B0503020204020204" pitchFamily="34" charset="-122"/>
+                <a:ea typeface="微软雅黑" panose="020B0503020204020204" pitchFamily="34" charset="-122"/>
+              </a:rPr>
+              <a:t>MP4</a:t>
+            </a:r>
+            <a:r>
+              <a:rPr lang="zh-CN" altLang="en-US" sz="1600" dirty="0">
+                <a:latin typeface="微软雅黑" panose="020B0503020204020204" pitchFamily="34" charset="-122"/>
+                <a:ea typeface="微软雅黑" panose="020B0503020204020204" pitchFamily="34" charset="-122"/>
+              </a:rPr>
+              <a:t>格式</a:t>
+            </a:r>
+          </a:p>
+          <a:p>
+            <a:pPr lvl="1">
+              <a:lnSpc>
+                <a:spcPts val="2800"/>
+              </a:lnSpc>
+            </a:pPr>
+            <a:r>
+              <a:rPr lang="zh-CN" altLang="en-US" sz="1600" dirty="0">
+                <a:latin typeface="微软雅黑" panose="020B0503020204020204" pitchFamily="34" charset="-122"/>
+                <a:ea typeface="微软雅黑" panose="020B0503020204020204" pitchFamily="34" charset="-122"/>
+              </a:rPr>
+              <a:t>缩略图（</a:t>
+            </a:r>
+            <a:r>
+              <a:rPr lang="en-US" altLang="zh-CN" sz="1600" dirty="0">
+                <a:latin typeface="微软雅黑" panose="020B0503020204020204" pitchFamily="34" charset="-122"/>
+                <a:ea typeface="微软雅黑" panose="020B0503020204020204" pitchFamily="34" charset="-122"/>
+              </a:rPr>
+              <a:t>thumb</a:t>
+            </a:r>
+            <a:r>
+              <a:rPr lang="zh-CN" altLang="en-US" sz="1600" dirty="0">
+                <a:latin typeface="微软雅黑" panose="020B0503020204020204" pitchFamily="34" charset="-122"/>
+                <a:ea typeface="微软雅黑" panose="020B0503020204020204" pitchFamily="34" charset="-122"/>
+              </a:rPr>
+              <a:t>）：</a:t>
+            </a:r>
+            <a:r>
+              <a:rPr lang="en-US" altLang="zh-CN" sz="1600" dirty="0">
+                <a:latin typeface="微软雅黑" panose="020B0503020204020204" pitchFamily="34" charset="-122"/>
+                <a:ea typeface="微软雅黑" panose="020B0503020204020204" pitchFamily="34" charset="-122"/>
+              </a:rPr>
+              <a:t>64KB</a:t>
+            </a:r>
+            <a:r>
+              <a:rPr lang="zh-CN" altLang="en-US" sz="1600" dirty="0">
+                <a:latin typeface="微软雅黑" panose="020B0503020204020204" pitchFamily="34" charset="-122"/>
+                <a:ea typeface="微软雅黑" panose="020B0503020204020204" pitchFamily="34" charset="-122"/>
+              </a:rPr>
+              <a:t>，支持</a:t>
+            </a:r>
+            <a:r>
+              <a:rPr lang="en-US" altLang="zh-CN" sz="1600" dirty="0">
+                <a:latin typeface="微软雅黑" panose="020B0503020204020204" pitchFamily="34" charset="-122"/>
+                <a:ea typeface="微软雅黑" panose="020B0503020204020204" pitchFamily="34" charset="-122"/>
+              </a:rPr>
+              <a:t>JPG</a:t>
+            </a:r>
+            <a:r>
+              <a:rPr lang="zh-CN" altLang="en-US" sz="1600" dirty="0">
+                <a:latin typeface="微软雅黑" panose="020B0503020204020204" pitchFamily="34" charset="-122"/>
+                <a:ea typeface="微软雅黑" panose="020B0503020204020204" pitchFamily="34" charset="-122"/>
+              </a:rPr>
+              <a:t>格式</a:t>
+            </a:r>
+          </a:p>
+          <a:p>
+            <a:pPr marL="285750" indent="-285750">
+              <a:lnSpc>
+                <a:spcPts val="2800"/>
+              </a:lnSpc>
+              <a:buFont typeface="Arial" panose="020B0604020202020204" pitchFamily="34" charset="0"/>
+              <a:buChar char="•"/>
+            </a:pPr>
+            <a:r>
+              <a:rPr lang="zh-CN" altLang="en-US" dirty="0">
+                <a:latin typeface="微软雅黑" panose="020B0503020204020204" pitchFamily="34" charset="-122"/>
+                <a:ea typeface="微软雅黑" panose="020B0503020204020204" pitchFamily="34" charset="-122"/>
+              </a:rPr>
+              <a:t>图文消息的具体内容中，微信后台将过滤外部的图片链接，图片</a:t>
+            </a:r>
+            <a:r>
+              <a:rPr lang="en-US" altLang="zh-CN" dirty="0" err="1">
+                <a:latin typeface="微软雅黑" panose="020B0503020204020204" pitchFamily="34" charset="-122"/>
+                <a:ea typeface="微软雅黑" panose="020B0503020204020204" pitchFamily="34" charset="-122"/>
+              </a:rPr>
+              <a:t>url</a:t>
+            </a:r>
+            <a:r>
+              <a:rPr lang="zh-CN" altLang="en-US" dirty="0">
+                <a:latin typeface="微软雅黑" panose="020B0503020204020204" pitchFamily="34" charset="-122"/>
+                <a:ea typeface="微软雅黑" panose="020B0503020204020204" pitchFamily="34" charset="-122"/>
+              </a:rPr>
+              <a:t>需通过</a:t>
+            </a:r>
+            <a:r>
+              <a:rPr lang="en-US" altLang="zh-CN" dirty="0">
+                <a:latin typeface="微软雅黑" panose="020B0503020204020204" pitchFamily="34" charset="-122"/>
+                <a:ea typeface="微软雅黑" panose="020B0503020204020204" pitchFamily="34" charset="-122"/>
+              </a:rPr>
+              <a:t>"</a:t>
+            </a:r>
+            <a:r>
+              <a:rPr lang="zh-CN" altLang="en-US" dirty="0">
+                <a:latin typeface="微软雅黑" panose="020B0503020204020204" pitchFamily="34" charset="-122"/>
+                <a:ea typeface="微软雅黑" panose="020B0503020204020204" pitchFamily="34" charset="-122"/>
+              </a:rPr>
+              <a:t>上传图文消息内的图片获取</a:t>
+            </a:r>
+            <a:r>
+              <a:rPr lang="en-US" altLang="zh-CN" dirty="0">
+                <a:latin typeface="微软雅黑" panose="020B0503020204020204" pitchFamily="34" charset="-122"/>
+                <a:ea typeface="微软雅黑" panose="020B0503020204020204" pitchFamily="34" charset="-122"/>
+              </a:rPr>
+              <a:t>URL"</a:t>
+            </a:r>
+            <a:r>
+              <a:rPr lang="zh-CN" altLang="en-US" dirty="0">
+                <a:latin typeface="微软雅黑" panose="020B0503020204020204" pitchFamily="34" charset="-122"/>
+                <a:ea typeface="微软雅黑" panose="020B0503020204020204" pitchFamily="34" charset="-122"/>
+              </a:rPr>
+              <a:t>接口上传图片获取。</a:t>
+            </a:r>
+            <a:endParaRPr lang="en-US" altLang="zh-CN" dirty="0">
+              <a:latin typeface="微软雅黑" panose="020B0503020204020204" pitchFamily="34" charset="-122"/>
+              <a:ea typeface="微软雅黑" panose="020B0503020204020204" pitchFamily="34" charset="-122"/>
+            </a:endParaRPr>
+          </a:p>
+          <a:p>
+            <a:pPr marL="285750" indent="-285750">
+              <a:lnSpc>
+                <a:spcPts val="2800"/>
+              </a:lnSpc>
+              <a:buFont typeface="Arial" panose="020B0604020202020204" pitchFamily="34" charset="0"/>
+              <a:buChar char="•"/>
+            </a:pPr>
+            <a:r>
+              <a:rPr lang="en-US" altLang="zh-CN" dirty="0">
+                <a:latin typeface="微软雅黑" panose="020B0503020204020204" pitchFamily="34" charset="-122"/>
+                <a:ea typeface="微软雅黑" panose="020B0503020204020204" pitchFamily="34" charset="-122"/>
+              </a:rPr>
+              <a:t>"</a:t>
+            </a:r>
+            <a:r>
+              <a:rPr lang="zh-CN" altLang="en-US" dirty="0">
+                <a:latin typeface="微软雅黑" panose="020B0503020204020204" pitchFamily="34" charset="-122"/>
+                <a:ea typeface="微软雅黑" panose="020B0503020204020204" pitchFamily="34" charset="-122"/>
+              </a:rPr>
+              <a:t>上传图文消息内的图片获取</a:t>
+            </a:r>
+            <a:r>
+              <a:rPr lang="en-US" altLang="zh-CN" dirty="0">
+                <a:latin typeface="微软雅黑" panose="020B0503020204020204" pitchFamily="34" charset="-122"/>
+                <a:ea typeface="微软雅黑" panose="020B0503020204020204" pitchFamily="34" charset="-122"/>
+              </a:rPr>
+              <a:t>URL"</a:t>
+            </a:r>
+            <a:r>
+              <a:rPr lang="zh-CN" altLang="en-US" dirty="0">
+                <a:latin typeface="微软雅黑" panose="020B0503020204020204" pitchFamily="34" charset="-122"/>
+                <a:ea typeface="微软雅黑" panose="020B0503020204020204" pitchFamily="34" charset="-122"/>
+              </a:rPr>
+              <a:t>接口所上传的图片，不占用公众号的素材库中图片数量的</a:t>
+            </a:r>
+            <a:r>
+              <a:rPr lang="en-US" altLang="zh-CN" dirty="0">
+                <a:latin typeface="微软雅黑" panose="020B0503020204020204" pitchFamily="34" charset="-122"/>
+                <a:ea typeface="微软雅黑" panose="020B0503020204020204" pitchFamily="34" charset="-122"/>
+              </a:rPr>
+              <a:t>5000</a:t>
+            </a:r>
+            <a:r>
+              <a:rPr lang="zh-CN" altLang="en-US" dirty="0">
+                <a:latin typeface="微软雅黑" panose="020B0503020204020204" pitchFamily="34" charset="-122"/>
+                <a:ea typeface="微软雅黑" panose="020B0503020204020204" pitchFamily="34" charset="-122"/>
+              </a:rPr>
+              <a:t>个的限制，图片仅支持</a:t>
+            </a:r>
+            <a:r>
+              <a:rPr lang="en-US" altLang="zh-CN" dirty="0">
+                <a:latin typeface="微软雅黑" panose="020B0503020204020204" pitchFamily="34" charset="-122"/>
+                <a:ea typeface="微软雅黑" panose="020B0503020204020204" pitchFamily="34" charset="-122"/>
+              </a:rPr>
+              <a:t>jpg/</a:t>
+            </a:r>
+            <a:r>
+              <a:rPr lang="en-US" altLang="zh-CN" dirty="0" err="1">
+                <a:latin typeface="微软雅黑" panose="020B0503020204020204" pitchFamily="34" charset="-122"/>
+                <a:ea typeface="微软雅黑" panose="020B0503020204020204" pitchFamily="34" charset="-122"/>
+              </a:rPr>
+              <a:t>png</a:t>
+            </a:r>
+            <a:r>
+              <a:rPr lang="zh-CN" altLang="en-US" dirty="0">
+                <a:latin typeface="微软雅黑" panose="020B0503020204020204" pitchFamily="34" charset="-122"/>
+                <a:ea typeface="微软雅黑" panose="020B0503020204020204" pitchFamily="34" charset="-122"/>
+              </a:rPr>
+              <a:t>格式，大小必须在</a:t>
+            </a:r>
+            <a:r>
+              <a:rPr lang="en-US" altLang="zh-CN" dirty="0">
+                <a:latin typeface="微软雅黑" panose="020B0503020204020204" pitchFamily="34" charset="-122"/>
+                <a:ea typeface="微软雅黑" panose="020B0503020204020204" pitchFamily="34" charset="-122"/>
+              </a:rPr>
+              <a:t>1MB</a:t>
+            </a:r>
+            <a:r>
+              <a:rPr lang="zh-CN" altLang="en-US" dirty="0">
+                <a:latin typeface="微软雅黑" panose="020B0503020204020204" pitchFamily="34" charset="-122"/>
+                <a:ea typeface="微软雅黑" panose="020B0503020204020204" pitchFamily="34" charset="-122"/>
+              </a:rPr>
+              <a:t>以下。</a:t>
+            </a:r>
+            <a:endParaRPr lang="en-US" altLang="zh-CN" dirty="0">
+              <a:latin typeface="微软雅黑" panose="020B0503020204020204" pitchFamily="34" charset="-122"/>
+              <a:ea typeface="微软雅黑" panose="020B0503020204020204" pitchFamily="34" charset="-122"/>
+            </a:endParaRPr>
+          </a:p>
+          <a:p>
+            <a:pPr marL="285750" indent="-285750">
+              <a:lnSpc>
+                <a:spcPts val="2800"/>
+              </a:lnSpc>
+              <a:buFont typeface="Arial" panose="020B0604020202020204" pitchFamily="34" charset="0"/>
+              <a:buChar char="•"/>
+            </a:pPr>
+            <a:r>
+              <a:rPr lang="zh-CN" altLang="en-US" dirty="0">
+                <a:latin typeface="微软雅黑" panose="020B0503020204020204" pitchFamily="34" charset="-122"/>
+                <a:ea typeface="微软雅黑" panose="020B0503020204020204" pitchFamily="34" charset="-122"/>
+              </a:rPr>
+              <a:t>图文消息支持正文中插入自己帐号和其他公众号已群发文章链接的能力。</a:t>
+            </a:r>
+          </a:p>
+        </p:txBody>
+      </p:sp>
+    </p:spTree>
+    <p:extLst>
+      <p:ext uri="{BB962C8B-B14F-4D97-AF65-F5344CB8AC3E}">
+        <p14:creationId xmlns:p14="http://schemas.microsoft.com/office/powerpoint/2010/main" val="1966892384"/>
+      </p:ext>
+    </p:extLst>
+  </p:cSld>
+  <p:clrMapOvr>
+    <a:masterClrMapping/>
+  </p:clrMapOvr>
+</p:sld>
+</file>
+
+<file path=ppt/slides/slide11.xml><?xml version="1.0" encoding="utf-8"?>
+<p:sld xmlns:a="http://schemas.openxmlformats.org/drawingml/2006/main" xmlns:r="http://schemas.openxmlformats.org/officeDocument/2006/relationships" xmlns:p="http://schemas.openxmlformats.org/presentationml/2006/main">
+  <p:cSld>
+    <p:spTree>
+      <p:nvGrpSpPr>
+        <p:cNvPr id="1" name=""/>
+        <p:cNvGrpSpPr/>
+        <p:nvPr/>
+      </p:nvGrpSpPr>
+      <p:grpSpPr>
+        <a:xfrm>
+          <a:off x="0" y="0"/>
+          <a:ext cx="0" cy="0"/>
+          <a:chOff x="0" y="0"/>
+          <a:chExt cx="0" cy="0"/>
+        </a:xfrm>
+      </p:grpSpPr>
+      <p:sp>
+        <p:nvSpPr>
+          <p:cNvPr id="2" name="内容占位符 1"/>
+          <p:cNvSpPr>
+            <a:spLocks noGrp="1"/>
+          </p:cNvSpPr>
+          <p:nvPr>
+            <p:ph sz="quarter" idx="13"/>
+          </p:nvPr>
+        </p:nvSpPr>
+        <p:spPr/>
+        <p:txBody>
+          <a:bodyPr/>
+          <a:lstStyle/>
+          <a:p>
+            <a:r>
+              <a:rPr lang="zh-CN" altLang="en-US" b="0" dirty="0"/>
+              <a:t>新增图片素材</a:t>
             </a:r>
           </a:p>
         </p:txBody>
@@ -12956,7 +13483,7 @@
         <p:spPr>
           <a:xfrm>
             <a:off x="1054100" y="1671145"/>
-            <a:ext cx="10594427" cy="707886"/>
+            <a:ext cx="10594427" cy="1323439"/>
           </a:xfrm>
           <a:prstGeom prst="rect">
             <a:avLst/>
@@ -12969,6 +13496,10 @@
           </a:bodyPr>
           <a:lstStyle/>
           <a:p>
+            <a:pPr marL="342900" indent="-342900">
+              <a:buFont typeface="Arial" panose="020B0604020202020204" pitchFamily="34" charset="0"/>
+              <a:buChar char="•"/>
+            </a:pPr>
             <a:r>
               <a:rPr lang="zh-CN" altLang="en-US" sz="2000" dirty="0">
                 <a:latin typeface="微软雅黑" panose="020B0503020204020204" pitchFamily="34" charset="-122"/>
@@ -12982,25 +13513,48 @@
             </a:endParaRPr>
           </a:p>
           <a:p>
+            <a:pPr lvl="1"/>
+            <a:r>
+              <a:rPr lang="en-US" altLang="zh-CN" sz="2000" dirty="0">
+                <a:ea typeface="微软雅黑" panose="020B0503020204020204" pitchFamily="34" charset="-122"/>
+                <a:hlinkClick r:id="rId2"/>
+              </a:rPr>
+              <a:t>https://api.weixin.qq.com/cgi-bin/</a:t>
+            </a:r>
+            <a:r>
+              <a:rPr lang="en-US" altLang="zh-CN" sz="2000" dirty="0">
+                <a:hlinkClick r:id="rId2"/>
+              </a:rPr>
+              <a:t>material/add_material</a:t>
+            </a:r>
+            <a:r>
+              <a:rPr lang="en-US" altLang="zh-CN" sz="2000" dirty="0">
+                <a:ea typeface="微软雅黑" panose="020B0503020204020204" pitchFamily="34" charset="-122"/>
+                <a:hlinkClick r:id="rId2"/>
+              </a:rPr>
+              <a:t>?access_token=ACCESS_TOKEN&amp;type=TYPE</a:t>
+            </a:r>
+            <a:endParaRPr lang="en-US" altLang="zh-CN" sz="2000" dirty="0">
+              <a:ea typeface="微软雅黑" panose="020B0503020204020204" pitchFamily="34" charset="-122"/>
+            </a:endParaRPr>
+          </a:p>
+          <a:p>
+            <a:pPr marL="342900" indent="-342900">
+              <a:buFont typeface="Arial" panose="020B0604020202020204" pitchFamily="34" charset="0"/>
+              <a:buChar char="•"/>
+            </a:pPr>
             <a:r>
               <a:rPr lang="en-US" altLang="zh-CN" sz="2000" dirty="0">
                 <a:ea typeface="微软雅黑" panose="020B0503020204020204" pitchFamily="34" charset="-122"/>
               </a:rPr>
-              <a:t>https://api.weixin.qq.com/cgi-bin/</a:t>
-            </a:r>
-            <a:r>
-              <a:rPr lang="en-US" altLang="zh-CN" sz="2000" dirty="0"/>
-              <a:t>material/add_material</a:t>
-            </a:r>
-            <a:r>
-              <a:rPr lang="en-US" altLang="zh-CN" sz="2000" dirty="0">
+              <a:t>Type=image</a:t>
+            </a:r>
+            <a:r>
+              <a:rPr lang="zh-CN" altLang="en-US" sz="2000" dirty="0">
                 <a:ea typeface="微软雅黑" panose="020B0503020204020204" pitchFamily="34" charset="-122"/>
               </a:rPr>
-              <a:t>?access_token=ACCESS_TOKEN&amp;type=TYPE</a:t>
-            </a:r>
-            <a:endParaRPr lang="zh-CN" altLang="en-US" sz="2000" dirty="0">
-              <a:ea typeface="微软雅黑" panose="020B0503020204020204" pitchFamily="34" charset="-122"/>
-            </a:endParaRPr>
+              <a:t>表示上传图片</a:t>
+            </a:r>
           </a:p>
         </p:txBody>
       </p:sp>
@@ -13019,13 +13573,13 @@
           <p:nvPr>
             <p:extLst>
               <p:ext uri="{D42A27DB-BD31-4B8C-83A1-F6EECF244321}">
-                <p14:modId xmlns:p14="http://schemas.microsoft.com/office/powerpoint/2010/main" val="3187636619"/>
+                <p14:modId xmlns:p14="http://schemas.microsoft.com/office/powerpoint/2010/main" val="3187876682"/>
               </p:ext>
             </p:extLst>
           </p:nvPr>
         </p:nvGraphicFramePr>
         <p:xfrm>
-          <a:off x="1082566" y="2846732"/>
+          <a:off x="1003737" y="3201061"/>
           <a:ext cx="10565961" cy="2011680"/>
         </p:xfrm>
         <a:graphic>
@@ -13336,7 +13890,7 @@
                     <a:p>
                       <a:pPr latinLnBrk="1"/>
                       <a:r>
-                        <a:rPr lang="zh-CN" altLang="en-US">
+                        <a:rPr lang="zh-CN" altLang="en-US" dirty="0">
                           <a:solidFill>
                             <a:srgbClr val="333333"/>
                           </a:solidFill>
@@ -13346,7 +13900,7 @@
                         </a:rPr>
                         <a:t>是</a:t>
                       </a:r>
-                      <a:endParaRPr lang="zh-CN" altLang="en-US">
+                      <a:endParaRPr lang="zh-CN" altLang="en-US" dirty="0">
                         <a:effectLst/>
                       </a:endParaRPr>
                     </a:p>
@@ -13666,7 +14220,7 @@
         </p:nvSpPr>
         <p:spPr>
           <a:xfrm>
-            <a:off x="1054100" y="5326113"/>
+            <a:off x="1003737" y="5611249"/>
             <a:ext cx="10184525" cy="646331"/>
           </a:xfrm>
           <a:prstGeom prst="rect">
@@ -13770,552 +14324,7 @@
     </p:spTree>
     <p:extLst>
       <p:ext uri="{BB962C8B-B14F-4D97-AF65-F5344CB8AC3E}">
-        <p14:creationId xmlns:p14="http://schemas.microsoft.com/office/powerpoint/2010/main" val="1661104459"/>
-      </p:ext>
-    </p:extLst>
-  </p:cSld>
-  <p:clrMapOvr>
-    <a:masterClrMapping/>
-  </p:clrMapOvr>
-</p:sld>
-</file>
-
-<file path=ppt/slides/slide11.xml><?xml version="1.0" encoding="utf-8"?>
-<p:sld xmlns:a="http://schemas.openxmlformats.org/drawingml/2006/main" xmlns:r="http://schemas.openxmlformats.org/officeDocument/2006/relationships" xmlns:p="http://schemas.openxmlformats.org/presentationml/2006/main">
-  <p:cSld>
-    <p:spTree>
-      <p:nvGrpSpPr>
-        <p:cNvPr id="1" name=""/>
-        <p:cNvGrpSpPr/>
-        <p:nvPr/>
-      </p:nvGrpSpPr>
-      <p:grpSpPr>
-        <a:xfrm>
-          <a:off x="0" y="0"/>
-          <a:ext cx="0" cy="0"/>
-          <a:chOff x="0" y="0"/>
-          <a:chExt cx="0" cy="0"/>
-        </a:xfrm>
-      </p:grpSpPr>
-      <p:sp>
-        <p:nvSpPr>
-          <p:cNvPr id="2" name="内容占位符 1">
-            <a:extLst>
-              <a:ext uri="{FF2B5EF4-FFF2-40B4-BE49-F238E27FC236}">
-                <a16:creationId xmlns:a16="http://schemas.microsoft.com/office/drawing/2014/main" id="{77316A6D-0C36-47E3-B5D5-E07726538A3D}"/>
-              </a:ext>
-            </a:extLst>
-          </p:cNvPr>
-          <p:cNvSpPr>
-            <a:spLocks noGrp="1"/>
-          </p:cNvSpPr>
-          <p:nvPr>
-            <p:ph sz="quarter" idx="13"/>
-          </p:nvPr>
-        </p:nvSpPr>
-        <p:spPr>
-          <a:xfrm>
-            <a:off x="1054100" y="543636"/>
-            <a:ext cx="7143970" cy="685800"/>
-          </a:xfrm>
-        </p:spPr>
-        <p:txBody>
-          <a:bodyPr/>
-          <a:lstStyle/>
-          <a:p>
-            <a:r>
-              <a:rPr lang="zh-CN" altLang="en-US" b="0" dirty="0"/>
-              <a:t>永久视频素材特别注意</a:t>
-            </a:r>
-          </a:p>
-        </p:txBody>
-      </p:sp>
-      <p:sp>
-        <p:nvSpPr>
-          <p:cNvPr id="4" name="文本框 3">
-            <a:extLst>
-              <a:ext uri="{FF2B5EF4-FFF2-40B4-BE49-F238E27FC236}">
-                <a16:creationId xmlns:a16="http://schemas.microsoft.com/office/drawing/2014/main" id="{3585BEFC-1158-4929-8A3E-4F118F9C3586}"/>
-              </a:ext>
-            </a:extLst>
-          </p:cNvPr>
-          <p:cNvSpPr txBox="1"/>
-          <p:nvPr/>
-        </p:nvSpPr>
-        <p:spPr>
-          <a:xfrm>
-            <a:off x="1135117" y="1849821"/>
-            <a:ext cx="10499835" cy="2031325"/>
-          </a:xfrm>
-          <a:prstGeom prst="rect">
-            <a:avLst/>
-          </a:prstGeom>
-          <a:noFill/>
-        </p:spPr>
-        <p:txBody>
-          <a:bodyPr wrap="square" rtlCol="0">
-            <a:spAutoFit/>
-          </a:bodyPr>
-          <a:lstStyle/>
-          <a:p>
-            <a:pPr marL="285750" indent="-285750">
-              <a:lnSpc>
-                <a:spcPct val="150000"/>
-              </a:lnSpc>
-              <a:buFont typeface="Arial" panose="020B0604020202020204" pitchFamily="34" charset="0"/>
-              <a:buChar char="•"/>
-            </a:pPr>
-            <a:r>
-              <a:rPr lang="zh-CN" altLang="en-US" dirty="0">
-                <a:latin typeface="微软雅黑" panose="020B0503020204020204" pitchFamily="34" charset="-122"/>
-                <a:ea typeface="微软雅黑" panose="020B0503020204020204" pitchFamily="34" charset="-122"/>
-              </a:rPr>
-              <a:t>在上传视频素材时需要</a:t>
-            </a:r>
-            <a:r>
-              <a:rPr lang="en-US" altLang="zh-CN" dirty="0">
-                <a:latin typeface="微软雅黑" panose="020B0503020204020204" pitchFamily="34" charset="-122"/>
-                <a:ea typeface="微软雅黑" panose="020B0503020204020204" pitchFamily="34" charset="-122"/>
-              </a:rPr>
-              <a:t>POST</a:t>
-            </a:r>
-            <a:r>
-              <a:rPr lang="zh-CN" altLang="en-US" dirty="0">
-                <a:latin typeface="微软雅黑" panose="020B0503020204020204" pitchFamily="34" charset="-122"/>
-                <a:ea typeface="微软雅黑" panose="020B0503020204020204" pitchFamily="34" charset="-122"/>
-              </a:rPr>
-              <a:t>另一个表单，</a:t>
-            </a:r>
-            <a:r>
-              <a:rPr lang="en-US" altLang="zh-CN" dirty="0">
-                <a:latin typeface="微软雅黑" panose="020B0503020204020204" pitchFamily="34" charset="-122"/>
-                <a:ea typeface="微软雅黑" panose="020B0503020204020204" pitchFamily="34" charset="-122"/>
-              </a:rPr>
-              <a:t>id</a:t>
-            </a:r>
-            <a:r>
-              <a:rPr lang="zh-CN" altLang="en-US" dirty="0">
-                <a:latin typeface="微软雅黑" panose="020B0503020204020204" pitchFamily="34" charset="-122"/>
-                <a:ea typeface="微软雅黑" panose="020B0503020204020204" pitchFamily="34" charset="-122"/>
-              </a:rPr>
-              <a:t>为</a:t>
-            </a:r>
-            <a:r>
-              <a:rPr lang="en-US" altLang="zh-CN" dirty="0">
-                <a:latin typeface="微软雅黑" panose="020B0503020204020204" pitchFamily="34" charset="-122"/>
-                <a:ea typeface="微软雅黑" panose="020B0503020204020204" pitchFamily="34" charset="-122"/>
-              </a:rPr>
-              <a:t>description</a:t>
-            </a:r>
-            <a:r>
-              <a:rPr lang="zh-CN" altLang="en-US" dirty="0">
-                <a:latin typeface="微软雅黑" panose="020B0503020204020204" pitchFamily="34" charset="-122"/>
-                <a:ea typeface="微软雅黑" panose="020B0503020204020204" pitchFamily="34" charset="-122"/>
-              </a:rPr>
-              <a:t>，包含素材的描述信息，内容格式为</a:t>
-            </a:r>
-            <a:r>
-              <a:rPr lang="en-US" altLang="zh-CN" dirty="0">
-                <a:latin typeface="微软雅黑" panose="020B0503020204020204" pitchFamily="34" charset="-122"/>
-                <a:ea typeface="微软雅黑" panose="020B0503020204020204" pitchFamily="34" charset="-122"/>
-              </a:rPr>
-              <a:t>JSON</a:t>
-            </a:r>
-            <a:r>
-              <a:rPr lang="zh-CN" altLang="en-US" dirty="0">
-                <a:latin typeface="微软雅黑" panose="020B0503020204020204" pitchFamily="34" charset="-122"/>
-                <a:ea typeface="微软雅黑" panose="020B0503020204020204" pitchFamily="34" charset="-122"/>
-              </a:rPr>
-              <a:t>，格式如下：</a:t>
-            </a:r>
-            <a:endParaRPr lang="en-US" altLang="zh-CN" dirty="0">
-              <a:latin typeface="微软雅黑" panose="020B0503020204020204" pitchFamily="34" charset="-122"/>
-              <a:ea typeface="微软雅黑" panose="020B0503020204020204" pitchFamily="34" charset="-122"/>
-            </a:endParaRPr>
-          </a:p>
-          <a:p>
-            <a:pPr lvl="1"/>
-            <a:r>
-              <a:rPr lang="en-US" altLang="zh-CN" dirty="0"/>
-              <a:t>{</a:t>
-            </a:r>
-            <a:br>
-              <a:rPr lang="en-US" altLang="zh-CN" dirty="0"/>
-            </a:br>
-            <a:r>
-              <a:rPr lang="en-US" altLang="zh-CN" dirty="0"/>
-              <a:t> "</a:t>
-            </a:r>
-            <a:r>
-              <a:rPr lang="en-US" altLang="zh-CN" dirty="0" err="1"/>
-              <a:t>title":VIDEO_TITLE</a:t>
-            </a:r>
-            <a:r>
-              <a:rPr lang="en-US" altLang="zh-CN" dirty="0"/>
-              <a:t>,</a:t>
-            </a:r>
-            <a:br>
-              <a:rPr lang="en-US" altLang="zh-CN" dirty="0"/>
-            </a:br>
-            <a:r>
-              <a:rPr lang="en-US" altLang="zh-CN" dirty="0"/>
-              <a:t> "</a:t>
-            </a:r>
-            <a:r>
-              <a:rPr lang="en-US" altLang="zh-CN" dirty="0" err="1"/>
-              <a:t>introduction":INTRODUCTION</a:t>
-            </a:r>
-            <a:br>
-              <a:rPr lang="en-US" altLang="zh-CN" dirty="0"/>
-            </a:br>
-            <a:r>
-              <a:rPr lang="en-US" altLang="zh-CN" dirty="0"/>
-              <a:t>}</a:t>
-            </a:r>
-          </a:p>
-        </p:txBody>
-      </p:sp>
-      <p:graphicFrame>
-        <p:nvGraphicFramePr>
-          <p:cNvPr id="5" name="表格 4">
-            <a:extLst>
-              <a:ext uri="{FF2B5EF4-FFF2-40B4-BE49-F238E27FC236}">
-                <a16:creationId xmlns:a16="http://schemas.microsoft.com/office/drawing/2014/main" id="{C4C40C5C-D7A1-4FE0-B30F-1882FD22AFCC}"/>
-              </a:ext>
-            </a:extLst>
-          </p:cNvPr>
-          <p:cNvGraphicFramePr>
-            <a:graphicFrameLocks noGrp="1"/>
-          </p:cNvGraphicFramePr>
-          <p:nvPr>
-            <p:extLst>
-              <p:ext uri="{D42A27DB-BD31-4B8C-83A1-F6EECF244321}">
-                <p14:modId xmlns:p14="http://schemas.microsoft.com/office/powerpoint/2010/main" val="3422079546"/>
-              </p:ext>
-            </p:extLst>
-          </p:nvPr>
-        </p:nvGraphicFramePr>
-        <p:xfrm>
-          <a:off x="1135116" y="4608792"/>
-          <a:ext cx="8492358" cy="1097280"/>
-        </p:xfrm>
-        <a:graphic>
-          <a:graphicData uri="http://schemas.openxmlformats.org/drawingml/2006/table">
-            <a:tbl>
-              <a:tblPr/>
-              <a:tblGrid>
-                <a:gridCol w="2830786">
-                  <a:extLst>
-                    <a:ext uri="{9D8B030D-6E8A-4147-A177-3AD203B41FA5}">
-                      <a16:colId xmlns:a16="http://schemas.microsoft.com/office/drawing/2014/main" val="945280750"/>
-                    </a:ext>
-                  </a:extLst>
-                </a:gridCol>
-                <a:gridCol w="2830786">
-                  <a:extLst>
-                    <a:ext uri="{9D8B030D-6E8A-4147-A177-3AD203B41FA5}">
-                      <a16:colId xmlns:a16="http://schemas.microsoft.com/office/drawing/2014/main" val="415342022"/>
-                    </a:ext>
-                  </a:extLst>
-                </a:gridCol>
-                <a:gridCol w="2830786">
-                  <a:extLst>
-                    <a:ext uri="{9D8B030D-6E8A-4147-A177-3AD203B41FA5}">
-                      <a16:colId xmlns:a16="http://schemas.microsoft.com/office/drawing/2014/main" val="1634021886"/>
-                    </a:ext>
-                  </a:extLst>
-                </a:gridCol>
-              </a:tblGrid>
-              <a:tr h="0">
-                <a:tc>
-                  <a:txBody>
-                    <a:bodyPr/>
-                    <a:lstStyle/>
-                    <a:p>
-                      <a:pPr latinLnBrk="1"/>
-                      <a:r>
-                        <a:rPr lang="zh-CN" altLang="en-US" b="1" dirty="0">
-                          <a:effectLst/>
-                        </a:rPr>
-                        <a:t>参数</a:t>
-                      </a:r>
-                    </a:p>
-                  </a:txBody>
-                  <a:tcPr>
-                    <a:lnL>
-                      <a:noFill/>
-                    </a:lnL>
-                    <a:lnR>
-                      <a:noFill/>
-                    </a:lnR>
-                    <a:lnT>
-                      <a:noFill/>
-                    </a:lnT>
-                    <a:lnB>
-                      <a:noFill/>
-                    </a:lnB>
-                  </a:tcPr>
-                </a:tc>
-                <a:tc>
-                  <a:txBody>
-                    <a:bodyPr/>
-                    <a:lstStyle/>
-                    <a:p>
-                      <a:pPr latinLnBrk="1"/>
-                      <a:r>
-                        <a:rPr lang="zh-CN" altLang="en-US" b="1" dirty="0">
-                          <a:effectLst/>
-                        </a:rPr>
-                        <a:t>是否必须</a:t>
-                      </a:r>
-                    </a:p>
-                  </a:txBody>
-                  <a:tcPr>
-                    <a:lnL>
-                      <a:noFill/>
-                    </a:lnL>
-                    <a:lnR>
-                      <a:noFill/>
-                    </a:lnR>
-                    <a:lnT>
-                      <a:noFill/>
-                    </a:lnT>
-                    <a:lnB>
-                      <a:noFill/>
-                    </a:lnB>
-                  </a:tcPr>
-                </a:tc>
-                <a:tc>
-                  <a:txBody>
-                    <a:bodyPr/>
-                    <a:lstStyle/>
-                    <a:p>
-                      <a:pPr latinLnBrk="1"/>
-                      <a:r>
-                        <a:rPr lang="zh-CN" altLang="en-US" b="1" dirty="0">
-                          <a:effectLst/>
-                        </a:rPr>
-                        <a:t>说明</a:t>
-                      </a:r>
-                    </a:p>
-                  </a:txBody>
-                  <a:tcPr>
-                    <a:lnL>
-                      <a:noFill/>
-                    </a:lnL>
-                    <a:lnR>
-                      <a:noFill/>
-                    </a:lnR>
-                    <a:lnT>
-                      <a:noFill/>
-                    </a:lnT>
-                    <a:lnB>
-                      <a:noFill/>
-                    </a:lnB>
-                  </a:tcPr>
-                </a:tc>
-                <a:extLst>
-                  <a:ext uri="{0D108BD9-81ED-4DB2-BD59-A6C34878D82A}">
-                    <a16:rowId xmlns:a16="http://schemas.microsoft.com/office/drawing/2014/main" val="3449674363"/>
-                  </a:ext>
-                </a:extLst>
-              </a:tr>
-              <a:tr h="0">
-                <a:tc>
-                  <a:txBody>
-                    <a:bodyPr/>
-                    <a:lstStyle/>
-                    <a:p>
-                      <a:pPr latinLnBrk="1"/>
-                      <a:r>
-                        <a:rPr lang="en-US" dirty="0">
-                          <a:effectLst/>
-                        </a:rPr>
-                        <a:t>title</a:t>
-                      </a:r>
-                    </a:p>
-                  </a:txBody>
-                  <a:tcPr>
-                    <a:lnL>
-                      <a:noFill/>
-                    </a:lnL>
-                    <a:lnR>
-                      <a:noFill/>
-                    </a:lnR>
-                    <a:lnT>
-                      <a:noFill/>
-                    </a:lnT>
-                    <a:lnB>
-                      <a:noFill/>
-                    </a:lnB>
-                  </a:tcPr>
-                </a:tc>
-                <a:tc>
-                  <a:txBody>
-                    <a:bodyPr/>
-                    <a:lstStyle/>
-                    <a:p>
-                      <a:pPr latinLnBrk="1"/>
-                      <a:r>
-                        <a:rPr lang="zh-CN" altLang="en-US" dirty="0">
-                          <a:effectLst/>
-                        </a:rPr>
-                        <a:t>是</a:t>
-                      </a:r>
-                    </a:p>
-                  </a:txBody>
-                  <a:tcPr>
-                    <a:lnL>
-                      <a:noFill/>
-                    </a:lnL>
-                    <a:lnR>
-                      <a:noFill/>
-                    </a:lnR>
-                    <a:lnT>
-                      <a:noFill/>
-                    </a:lnT>
-                    <a:lnB>
-                      <a:noFill/>
-                    </a:lnB>
-                  </a:tcPr>
-                </a:tc>
-                <a:tc>
-                  <a:txBody>
-                    <a:bodyPr/>
-                    <a:lstStyle/>
-                    <a:p>
-                      <a:pPr latinLnBrk="1"/>
-                      <a:r>
-                        <a:rPr lang="zh-CN" altLang="en-US">
-                          <a:effectLst/>
-                        </a:rPr>
-                        <a:t>视频素材的标题</a:t>
-                      </a:r>
-                    </a:p>
-                  </a:txBody>
-                  <a:tcPr>
-                    <a:lnL>
-                      <a:noFill/>
-                    </a:lnL>
-                    <a:lnR>
-                      <a:noFill/>
-                    </a:lnR>
-                    <a:lnT>
-                      <a:noFill/>
-                    </a:lnT>
-                    <a:lnB>
-                      <a:noFill/>
-                    </a:lnB>
-                  </a:tcPr>
-                </a:tc>
-                <a:extLst>
-                  <a:ext uri="{0D108BD9-81ED-4DB2-BD59-A6C34878D82A}">
-                    <a16:rowId xmlns:a16="http://schemas.microsoft.com/office/drawing/2014/main" val="1117101852"/>
-                  </a:ext>
-                </a:extLst>
-              </a:tr>
-              <a:tr h="0">
-                <a:tc>
-                  <a:txBody>
-                    <a:bodyPr/>
-                    <a:lstStyle/>
-                    <a:p>
-                      <a:pPr latinLnBrk="1"/>
-                      <a:r>
-                        <a:rPr lang="en-US">
-                          <a:effectLst/>
-                        </a:rPr>
-                        <a:t>introduction</a:t>
-                      </a:r>
-                    </a:p>
-                  </a:txBody>
-                  <a:tcPr>
-                    <a:lnL>
-                      <a:noFill/>
-                    </a:lnL>
-                    <a:lnR>
-                      <a:noFill/>
-                    </a:lnR>
-                    <a:lnT>
-                      <a:noFill/>
-                    </a:lnT>
-                    <a:lnB>
-                      <a:noFill/>
-                    </a:lnB>
-                  </a:tcPr>
-                </a:tc>
-                <a:tc>
-                  <a:txBody>
-                    <a:bodyPr/>
-                    <a:lstStyle/>
-                    <a:p>
-                      <a:pPr latinLnBrk="1"/>
-                      <a:r>
-                        <a:rPr lang="zh-CN" altLang="en-US">
-                          <a:effectLst/>
-                        </a:rPr>
-                        <a:t>是</a:t>
-                      </a:r>
-                    </a:p>
-                  </a:txBody>
-                  <a:tcPr>
-                    <a:lnL>
-                      <a:noFill/>
-                    </a:lnL>
-                    <a:lnR>
-                      <a:noFill/>
-                    </a:lnR>
-                    <a:lnT>
-                      <a:noFill/>
-                    </a:lnT>
-                    <a:lnB>
-                      <a:noFill/>
-                    </a:lnB>
-                  </a:tcPr>
-                </a:tc>
-                <a:tc>
-                  <a:txBody>
-                    <a:bodyPr/>
-                    <a:lstStyle/>
-                    <a:p>
-                      <a:pPr latinLnBrk="1"/>
-                      <a:r>
-                        <a:rPr lang="zh-CN" altLang="en-US" dirty="0">
-                          <a:effectLst/>
-                        </a:rPr>
-                        <a:t>视频素材的描述</a:t>
-                      </a:r>
-                    </a:p>
-                  </a:txBody>
-                  <a:tcPr>
-                    <a:lnL>
-                      <a:noFill/>
-                    </a:lnL>
-                    <a:lnR>
-                      <a:noFill/>
-                    </a:lnR>
-                    <a:lnT>
-                      <a:noFill/>
-                    </a:lnT>
-                    <a:lnB>
-                      <a:noFill/>
-                    </a:lnB>
-                  </a:tcPr>
-                </a:tc>
-                <a:extLst>
-                  <a:ext uri="{0D108BD9-81ED-4DB2-BD59-A6C34878D82A}">
-                    <a16:rowId xmlns:a16="http://schemas.microsoft.com/office/drawing/2014/main" val="48875618"/>
-                  </a:ext>
-                </a:extLst>
-              </a:tr>
-            </a:tbl>
-          </a:graphicData>
-        </a:graphic>
-      </p:graphicFrame>
-    </p:spTree>
-    <p:extLst>
-      <p:ext uri="{BB962C8B-B14F-4D97-AF65-F5344CB8AC3E}">
-        <p14:creationId xmlns:p14="http://schemas.microsoft.com/office/powerpoint/2010/main" val="836277351"/>
+        <p14:creationId xmlns:p14="http://schemas.microsoft.com/office/powerpoint/2010/main" val="1622660930"/>
       </p:ext>
     </p:extLst>
   </p:cSld>
@@ -14364,7 +14373,7 @@
           <a:p>
             <a:r>
               <a:rPr lang="zh-CN" altLang="en-US" b="0" dirty="0"/>
-              <a:t>新增永久素材返回值</a:t>
+              <a:t>新增图片素材返回值</a:t>
             </a:r>
           </a:p>
         </p:txBody>
@@ -14508,11 +14517,7 @@
             <a:graphicFrameLocks noGrp="1"/>
           </p:cNvGraphicFramePr>
           <p:nvPr>
-            <p:extLst>
-              <p:ext uri="{D42A27DB-BD31-4B8C-83A1-F6EECF244321}">
-                <p14:modId xmlns:p14="http://schemas.microsoft.com/office/powerpoint/2010/main" val="1192458842"/>
-              </p:ext>
-            </p:extLst>
+            <p:extLst/>
           </p:nvPr>
         </p:nvGraphicFramePr>
         <p:xfrm>
@@ -14759,7 +14764,7 @@
     </p:spTree>
     <p:extLst>
       <p:ext uri="{BB962C8B-B14F-4D97-AF65-F5344CB8AC3E}">
-        <p14:creationId xmlns:p14="http://schemas.microsoft.com/office/powerpoint/2010/main" val="3678439236"/>
+        <p14:creationId xmlns:p14="http://schemas.microsoft.com/office/powerpoint/2010/main" val="408406755"/>
       </p:ext>
     </p:extLst>
   </p:cSld>
@@ -14796,24 +14801,29 @@
             <p:ph sz="quarter" idx="13"/>
           </p:nvPr>
         </p:nvSpPr>
-        <p:spPr/>
+        <p:spPr>
+          <a:xfrm>
+            <a:off x="1054100" y="543636"/>
+            <a:ext cx="7304088" cy="685800"/>
+          </a:xfrm>
+        </p:spPr>
         <p:txBody>
           <a:bodyPr/>
           <a:lstStyle/>
           <a:p>
             <a:r>
-              <a:rPr lang="zh-CN" altLang="en-US" b="0" dirty="0"/>
-              <a:t>获取永久素材</a:t>
-            </a:r>
-          </a:p>
-        </p:txBody>
-      </p:sp>
-      <p:sp>
-        <p:nvSpPr>
-          <p:cNvPr id="4" name="文本框 3">
+              <a:rPr lang="zh-CN" altLang="en-US" dirty="0"/>
+              <a:t>第三讲</a:t>
+            </a:r>
+          </a:p>
+        </p:txBody>
+      </p:sp>
+      <p:sp>
+        <p:nvSpPr>
+          <p:cNvPr id="5" name="文本框 4">
             <a:extLst>
               <a:ext uri="{FF2B5EF4-FFF2-40B4-BE49-F238E27FC236}">
-                <a16:creationId xmlns:a16="http://schemas.microsoft.com/office/drawing/2014/main" id="{0374DD1B-217B-4C1B-95A8-3BF601597954}"/>
+                <a16:creationId xmlns:a16="http://schemas.microsoft.com/office/drawing/2014/main" id="{6DB6797D-C322-4CC6-9C30-59CB8031C73D}"/>
               </a:ext>
             </a:extLst>
           </p:cNvPr>
@@ -14822,8 +14832,8 @@
         </p:nvSpPr>
         <p:spPr>
           <a:xfrm>
-            <a:off x="1250731" y="1650124"/>
-            <a:ext cx="10005848" cy="1754326"/>
+            <a:off x="4058444" y="2343152"/>
+            <a:ext cx="5385594" cy="1950662"/>
           </a:xfrm>
           <a:prstGeom prst="rect">
             <a:avLst/>
@@ -14836,6 +14846,194 @@
           </a:bodyPr>
           <a:lstStyle/>
           <a:p>
+            <a:pPr marL="514350" indent="-514350">
+              <a:lnSpc>
+                <a:spcPct val="200000"/>
+              </a:lnSpc>
+              <a:buFont typeface="+mj-ea"/>
+              <a:buAutoNum type="ea1JpnChsDbPeriod"/>
+            </a:pPr>
+            <a:r>
+              <a:rPr lang="en-US" altLang="zh-CN" sz="2000" dirty="0">
+                <a:solidFill>
+                  <a:schemeClr val="tx1">
+                    <a:lumMod val="65000"/>
+                    <a:lumOff val="35000"/>
+                  </a:schemeClr>
+                </a:solidFill>
+                <a:latin typeface="微软雅黑" panose="020B0503020204020204" pitchFamily="34" charset="-122"/>
+                <a:ea typeface="微软雅黑" panose="020B0503020204020204" pitchFamily="34" charset="-122"/>
+              </a:rPr>
+              <a:t>CURL</a:t>
+            </a:r>
+            <a:r>
+              <a:rPr lang="zh-CN" altLang="en-US" sz="2000" dirty="0">
+                <a:solidFill>
+                  <a:schemeClr val="tx1">
+                    <a:lumMod val="65000"/>
+                    <a:lumOff val="35000"/>
+                  </a:schemeClr>
+                </a:solidFill>
+                <a:latin typeface="微软雅黑" panose="020B0503020204020204" pitchFamily="34" charset="-122"/>
+                <a:ea typeface="微软雅黑" panose="020B0503020204020204" pitchFamily="34" charset="-122"/>
+              </a:rPr>
+              <a:t>上传与下载文件</a:t>
+            </a:r>
+            <a:endParaRPr lang="en-US" altLang="zh-CN" sz="2000" dirty="0">
+              <a:solidFill>
+                <a:schemeClr val="tx1">
+                  <a:lumMod val="65000"/>
+                  <a:lumOff val="35000"/>
+                </a:schemeClr>
+              </a:solidFill>
+              <a:latin typeface="微软雅黑" panose="020B0503020204020204" pitchFamily="34" charset="-122"/>
+              <a:ea typeface="微软雅黑" panose="020B0503020204020204" pitchFamily="34" charset="-122"/>
+            </a:endParaRPr>
+          </a:p>
+          <a:p>
+            <a:pPr marL="514350" indent="-514350">
+              <a:lnSpc>
+                <a:spcPct val="200000"/>
+              </a:lnSpc>
+              <a:buFont typeface="+mj-ea"/>
+              <a:buAutoNum type="ea1JpnChsDbPeriod"/>
+            </a:pPr>
+            <a:r>
+              <a:rPr lang="zh-CN" altLang="en-US" sz="2000" dirty="0">
+                <a:solidFill>
+                  <a:schemeClr val="tx1">
+                    <a:lumMod val="65000"/>
+                    <a:lumOff val="35000"/>
+                  </a:schemeClr>
+                </a:solidFill>
+                <a:latin typeface="微软雅黑" panose="020B0503020204020204" pitchFamily="34" charset="-122"/>
+                <a:ea typeface="微软雅黑" panose="020B0503020204020204" pitchFamily="34" charset="-122"/>
+              </a:rPr>
+              <a:t>上传素材</a:t>
+            </a:r>
+            <a:endParaRPr lang="en-US" altLang="zh-CN" sz="2000" dirty="0">
+              <a:solidFill>
+                <a:schemeClr val="tx1">
+                  <a:lumMod val="65000"/>
+                  <a:lumOff val="35000"/>
+                </a:schemeClr>
+              </a:solidFill>
+              <a:latin typeface="微软雅黑" panose="020B0503020204020204" pitchFamily="34" charset="-122"/>
+              <a:ea typeface="微软雅黑" panose="020B0503020204020204" pitchFamily="34" charset="-122"/>
+            </a:endParaRPr>
+          </a:p>
+          <a:p>
+            <a:pPr marL="514350" indent="-514350">
+              <a:lnSpc>
+                <a:spcPct val="200000"/>
+              </a:lnSpc>
+              <a:buFont typeface="+mj-ea"/>
+              <a:buAutoNum type="ea1JpnChsDbPeriod"/>
+            </a:pPr>
+            <a:r>
+              <a:rPr lang="zh-CN" altLang="en-US" sz="2400" dirty="0">
+                <a:solidFill>
+                  <a:schemeClr val="accent6">
+                    <a:lumMod val="75000"/>
+                  </a:schemeClr>
+                </a:solidFill>
+                <a:latin typeface="微软雅黑" panose="020B0503020204020204" pitchFamily="34" charset="-122"/>
+                <a:ea typeface="微软雅黑" panose="020B0503020204020204" pitchFamily="34" charset="-122"/>
+              </a:rPr>
+              <a:t>获取与删除素材</a:t>
+            </a:r>
+            <a:endParaRPr lang="en-US" altLang="zh-CN" sz="2400" dirty="0">
+              <a:solidFill>
+                <a:schemeClr val="accent6">
+                  <a:lumMod val="75000"/>
+                </a:schemeClr>
+              </a:solidFill>
+              <a:latin typeface="微软雅黑" panose="020B0503020204020204" pitchFamily="34" charset="-122"/>
+              <a:ea typeface="微软雅黑" panose="020B0503020204020204" pitchFamily="34" charset="-122"/>
+            </a:endParaRPr>
+          </a:p>
+        </p:txBody>
+      </p:sp>
+    </p:spTree>
+    <p:extLst>
+      <p:ext uri="{BB962C8B-B14F-4D97-AF65-F5344CB8AC3E}">
+        <p14:creationId xmlns:p14="http://schemas.microsoft.com/office/powerpoint/2010/main" val="1928010297"/>
+      </p:ext>
+    </p:extLst>
+  </p:cSld>
+  <p:clrMapOvr>
+    <a:masterClrMapping/>
+  </p:clrMapOvr>
+</p:sld>
+</file>
+
+<file path=ppt/slides/slide14.xml><?xml version="1.0" encoding="utf-8"?>
+<p:sld xmlns:a="http://schemas.openxmlformats.org/drawingml/2006/main" xmlns:r="http://schemas.openxmlformats.org/officeDocument/2006/relationships" xmlns:p="http://schemas.openxmlformats.org/presentationml/2006/main">
+  <p:cSld>
+    <p:spTree>
+      <p:nvGrpSpPr>
+        <p:cNvPr id="1" name=""/>
+        <p:cNvGrpSpPr/>
+        <p:nvPr/>
+      </p:nvGrpSpPr>
+      <p:grpSpPr>
+        <a:xfrm>
+          <a:off x="0" y="0"/>
+          <a:ext cx="0" cy="0"/>
+          <a:chOff x="0" y="0"/>
+          <a:chExt cx="0" cy="0"/>
+        </a:xfrm>
+      </p:grpSpPr>
+      <p:sp>
+        <p:nvSpPr>
+          <p:cNvPr id="2" name="内容占位符 1"/>
+          <p:cNvSpPr>
+            <a:spLocks noGrp="1"/>
+          </p:cNvSpPr>
+          <p:nvPr>
+            <p:ph sz="quarter" idx="13"/>
+          </p:nvPr>
+        </p:nvSpPr>
+        <p:spPr/>
+        <p:txBody>
+          <a:bodyPr/>
+          <a:lstStyle/>
+          <a:p>
+            <a:r>
+              <a:rPr lang="zh-CN" altLang="en-US" b="0" dirty="0"/>
+              <a:t>获取图文素材</a:t>
+            </a:r>
+          </a:p>
+        </p:txBody>
+      </p:sp>
+      <p:sp>
+        <p:nvSpPr>
+          <p:cNvPr id="3" name="文本框 2">
+            <a:extLst>
+              <a:ext uri="{FF2B5EF4-FFF2-40B4-BE49-F238E27FC236}">
+                <a16:creationId xmlns:a16="http://schemas.microsoft.com/office/drawing/2014/main" id="{6E6FFBD2-226E-4D25-BDD8-A0652E8272C2}"/>
+              </a:ext>
+            </a:extLst>
+          </p:cNvPr>
+          <p:cNvSpPr txBox="1"/>
+          <p:nvPr/>
+        </p:nvSpPr>
+        <p:spPr>
+          <a:xfrm>
+            <a:off x="1054100" y="1632156"/>
+            <a:ext cx="9370142" cy="1754326"/>
+          </a:xfrm>
+          <a:prstGeom prst="rect">
+            <a:avLst/>
+          </a:prstGeom>
+          <a:noFill/>
+        </p:spPr>
+        <p:txBody>
+          <a:bodyPr wrap="square" rtlCol="0">
+            <a:spAutoFit/>
+          </a:bodyPr>
+          <a:lstStyle/>
+          <a:p>
             <a:pPr marL="285750" indent="-285750">
               <a:buFont typeface="Arial" panose="020B0604020202020204" pitchFamily="34" charset="0"/>
               <a:buChar char="•"/>
@@ -14855,19 +15053,26 @@
           <a:p>
             <a:pPr lvl="1"/>
             <a:r>
-              <a:rPr lang="en-US" altLang="zh-CN" dirty="0"/>
+              <a:rPr lang="en-US" altLang="zh-CN" dirty="0">
+                <a:hlinkClick r:id="rId2"/>
+              </a:rPr>
               <a:t>https://api.weixin.qq.com/cgi-bin/material/get_material?access_token=ACCESS_TOKEN</a:t>
             </a:r>
+            <a:endParaRPr lang="en-US" altLang="zh-CN" dirty="0"/>
           </a:p>
           <a:p>
             <a:pPr lvl="1"/>
+            <a:r>
+              <a:rPr lang="zh-CN" altLang="en-US" dirty="0"/>
+              <a:t>同时</a:t>
+            </a:r>
             <a:r>
               <a:rPr lang="en-US" altLang="zh-CN" dirty="0"/>
               <a:t>POST</a:t>
             </a:r>
             <a:r>
               <a:rPr lang="zh-CN" altLang="en-US" dirty="0"/>
-              <a:t>提交数据：</a:t>
+              <a:t>提交</a:t>
             </a:r>
             <a:endParaRPr lang="en-US" altLang="zh-CN" dirty="0"/>
           </a:p>
@@ -14895,15 +15100,16 @@
               <a:rPr lang="en-US" altLang="zh-CN" dirty="0"/>
               <a:t>}</a:t>
             </a:r>
+            <a:endParaRPr lang="zh-CN" altLang="en-US" dirty="0"/>
           </a:p>
         </p:txBody>
       </p:sp>
       <p:graphicFrame>
         <p:nvGraphicFramePr>
-          <p:cNvPr id="5" name="表格 4">
+          <p:cNvPr id="4" name="表格 3">
             <a:extLst>
               <a:ext uri="{FF2B5EF4-FFF2-40B4-BE49-F238E27FC236}">
-                <a16:creationId xmlns:a16="http://schemas.microsoft.com/office/drawing/2014/main" id="{2BF3DEAB-BB21-4B62-A666-EBADC8B0376C}"/>
+                <a16:creationId xmlns:a16="http://schemas.microsoft.com/office/drawing/2014/main" id="{C2FE3DA1-939C-4C2B-8D0E-85D9767CF758}"/>
               </a:ext>
             </a:extLst>
           </p:cNvPr>
@@ -14913,38 +15119,38 @@
           <p:nvPr>
             <p:extLst>
               <p:ext uri="{D42A27DB-BD31-4B8C-83A1-F6EECF244321}">
-                <p14:modId xmlns:p14="http://schemas.microsoft.com/office/powerpoint/2010/main" val="1951168730"/>
+                <p14:modId xmlns:p14="http://schemas.microsoft.com/office/powerpoint/2010/main" val="4039416867"/>
               </p:ext>
             </p:extLst>
           </p:nvPr>
         </p:nvGraphicFramePr>
         <p:xfrm>
-          <a:off x="1250730" y="3704376"/>
-          <a:ext cx="9543393" cy="1097280"/>
+          <a:off x="1054099" y="3590797"/>
+          <a:ext cx="10715112" cy="1097280"/>
         </p:xfrm>
         <a:graphic>
           <a:graphicData uri="http://schemas.openxmlformats.org/drawingml/2006/table">
             <a:tbl>
               <a:tblPr/>
               <a:tblGrid>
-                <a:gridCol w="3181131">
+                <a:gridCol w="3571704">
                   <a:extLst>
                     <a:ext uri="{9D8B030D-6E8A-4147-A177-3AD203B41FA5}">
-                      <a16:colId xmlns:a16="http://schemas.microsoft.com/office/drawing/2014/main" val="1180363473"/>
+                      <a16:colId xmlns:a16="http://schemas.microsoft.com/office/drawing/2014/main" val="855258337"/>
                     </a:ext>
                   </a:extLst>
                 </a:gridCol>
-                <a:gridCol w="3181131">
+                <a:gridCol w="3571704">
                   <a:extLst>
                     <a:ext uri="{9D8B030D-6E8A-4147-A177-3AD203B41FA5}">
-                      <a16:colId xmlns:a16="http://schemas.microsoft.com/office/drawing/2014/main" val="2290606644"/>
+                      <a16:colId xmlns:a16="http://schemas.microsoft.com/office/drawing/2014/main" val="945796081"/>
                     </a:ext>
                   </a:extLst>
                 </a:gridCol>
-                <a:gridCol w="3181131">
+                <a:gridCol w="3571704">
                   <a:extLst>
                     <a:ext uri="{9D8B030D-6E8A-4147-A177-3AD203B41FA5}">
-                      <a16:colId xmlns:a16="http://schemas.microsoft.com/office/drawing/2014/main" val="3685767141"/>
+                      <a16:colId xmlns:a16="http://schemas.microsoft.com/office/drawing/2014/main" val="536910189"/>
                     </a:ext>
                   </a:extLst>
                 </a:gridCol>
@@ -15039,7 +15245,7 @@
                 </a:tc>
                 <a:extLst>
                   <a:ext uri="{0D108BD9-81ED-4DB2-BD59-A6C34878D82A}">
-                    <a16:rowId xmlns:a16="http://schemas.microsoft.com/office/drawing/2014/main" val="2394397194"/>
+                    <a16:rowId xmlns:a16="http://schemas.microsoft.com/office/drawing/2014/main" val="1004372255"/>
                   </a:ext>
                 </a:extLst>
               </a:tr>
@@ -15133,7 +15339,7 @@
                 </a:tc>
                 <a:extLst>
                   <a:ext uri="{0D108BD9-81ED-4DB2-BD59-A6C34878D82A}">
-                    <a16:rowId xmlns:a16="http://schemas.microsoft.com/office/drawing/2014/main" val="1788938502"/>
+                    <a16:rowId xmlns:a16="http://schemas.microsoft.com/office/drawing/2014/main" val="1117150513"/>
                   </a:ext>
                 </a:extLst>
               </a:tr>
@@ -15236,7 +15442,7 @@
                 </a:tc>
                 <a:extLst>
                   <a:ext uri="{0D108BD9-81ED-4DB2-BD59-A6C34878D82A}">
-                    <a16:rowId xmlns:a16="http://schemas.microsoft.com/office/drawing/2014/main" val="939553846"/>
+                    <a16:rowId xmlns:a16="http://schemas.microsoft.com/office/drawing/2014/main" val="2942330176"/>
                   </a:ext>
                 </a:extLst>
               </a:tr>
@@ -15246,10 +15452,10 @@
       </p:graphicFrame>
       <p:sp>
         <p:nvSpPr>
-          <p:cNvPr id="6" name="文本框 5">
+          <p:cNvPr id="5" name="文本框 4">
             <a:extLst>
               <a:ext uri="{FF2B5EF4-FFF2-40B4-BE49-F238E27FC236}">
-                <a16:creationId xmlns:a16="http://schemas.microsoft.com/office/drawing/2014/main" id="{A5C7E145-752F-4D67-8D20-9CD1BC15D446}"/>
+                <a16:creationId xmlns:a16="http://schemas.microsoft.com/office/drawing/2014/main" id="{49909415-842D-42BE-86B6-317B82A6210D}"/>
               </a:ext>
             </a:extLst>
           </p:cNvPr>
@@ -15258,8 +15464,8 @@
         </p:nvSpPr>
         <p:spPr>
           <a:xfrm>
-            <a:off x="1345324" y="5192110"/>
-            <a:ext cx="8702566" cy="369332"/>
+            <a:off x="1054099" y="5053781"/>
+            <a:ext cx="9977695" cy="646331"/>
           </a:xfrm>
           <a:prstGeom prst="rect">
             <a:avLst/>
@@ -15272,37 +15478,17 @@
           </a:bodyPr>
           <a:lstStyle/>
           <a:p>
-            <a:pPr marL="285750" indent="-285750">
-              <a:buFont typeface="Arial" panose="020B0604020202020204" pitchFamily="34" charset="0"/>
-              <a:buChar char="•"/>
-            </a:pPr>
-            <a:r>
-              <a:rPr lang="en-US" altLang="zh-CN" dirty="0" err="1">
-                <a:latin typeface="Calibri" panose="020F0502020204030204" pitchFamily="34" charset="0"/>
-                <a:ea typeface="微软雅黑" panose="020B0503020204020204" pitchFamily="34" charset="-122"/>
-              </a:rPr>
-              <a:t>Media_id</a:t>
-            </a:r>
-            <a:r>
-              <a:rPr lang="zh-CN" altLang="en-US" dirty="0">
-                <a:latin typeface="Calibri" panose="020F0502020204030204" pitchFamily="34" charset="0"/>
-                <a:ea typeface="微软雅黑" panose="020B0503020204020204" pitchFamily="34" charset="-122"/>
-              </a:rPr>
-              <a:t>要使用</a:t>
-            </a:r>
-            <a:r>
-              <a:rPr lang="en-US" altLang="zh-CN" dirty="0">
-                <a:latin typeface="Calibri" panose="020F0502020204030204" pitchFamily="34" charset="0"/>
-                <a:ea typeface="微软雅黑" panose="020B0503020204020204" pitchFamily="34" charset="-122"/>
-              </a:rPr>
-              <a:t>post</a:t>
-            </a:r>
-            <a:r>
-              <a:rPr lang="zh-CN" altLang="en-US" dirty="0">
-                <a:latin typeface="Calibri" panose="020F0502020204030204" pitchFamily="34" charset="0"/>
-                <a:ea typeface="微软雅黑" panose="020B0503020204020204" pitchFamily="34" charset="-122"/>
-              </a:rPr>
-              <a:t>提交</a:t>
+            <a:r>
+              <a:rPr lang="zh-CN" altLang="en-US" dirty="0"/>
+              <a:t>不需要指定素材类型，微信服务器在读取信息的时候就能够判断出是什么类型，而上传的时候已经记录了资源类型，并且生成了</a:t>
+            </a:r>
+            <a:r>
+              <a:rPr lang="en-US" altLang="zh-CN" dirty="0" err="1"/>
+              <a:t>media_id</a:t>
+            </a:r>
+            <a:r>
+              <a:rPr lang="zh-CN" altLang="en-US" dirty="0"/>
+              <a:t>。</a:t>
             </a:r>
           </a:p>
         </p:txBody>
@@ -15310,303 +15496,7 @@
     </p:spTree>
     <p:extLst>
       <p:ext uri="{BB962C8B-B14F-4D97-AF65-F5344CB8AC3E}">
-        <p14:creationId xmlns:p14="http://schemas.microsoft.com/office/powerpoint/2010/main" val="3493166946"/>
-      </p:ext>
-    </p:extLst>
-  </p:cSld>
-  <p:clrMapOvr>
-    <a:masterClrMapping/>
-  </p:clrMapOvr>
-</p:sld>
-</file>
-
-<file path=ppt/slides/slide14.xml><?xml version="1.0" encoding="utf-8"?>
-<p:sld xmlns:a="http://schemas.openxmlformats.org/drawingml/2006/main" xmlns:r="http://schemas.openxmlformats.org/officeDocument/2006/relationships" xmlns:p="http://schemas.openxmlformats.org/presentationml/2006/main">
-  <p:cSld>
-    <p:spTree>
-      <p:nvGrpSpPr>
-        <p:cNvPr id="1" name=""/>
-        <p:cNvGrpSpPr/>
-        <p:nvPr/>
-      </p:nvGrpSpPr>
-      <p:grpSpPr>
-        <a:xfrm>
-          <a:off x="0" y="0"/>
-          <a:ext cx="0" cy="0"/>
-          <a:chOff x="0" y="0"/>
-          <a:chExt cx="0" cy="0"/>
-        </a:xfrm>
-      </p:grpSpPr>
-      <p:sp>
-        <p:nvSpPr>
-          <p:cNvPr id="2" name="内容占位符 1"/>
-          <p:cNvSpPr>
-            <a:spLocks noGrp="1"/>
-          </p:cNvSpPr>
-          <p:nvPr>
-            <p:ph sz="quarter" idx="13"/>
-          </p:nvPr>
-        </p:nvSpPr>
-        <p:spPr>
-          <a:xfrm>
-            <a:off x="1054099" y="543636"/>
-            <a:ext cx="6155997" cy="685800"/>
-          </a:xfrm>
-        </p:spPr>
-        <p:txBody>
-          <a:bodyPr/>
-          <a:lstStyle/>
-          <a:p>
-            <a:r>
-              <a:rPr lang="zh-CN" altLang="en-US" b="0" dirty="0"/>
-              <a:t>获取永久素材的返回值</a:t>
-            </a:r>
-          </a:p>
-        </p:txBody>
-      </p:sp>
-      <p:sp>
-        <p:nvSpPr>
-          <p:cNvPr id="4" name="文本框 3"/>
-          <p:cNvSpPr txBox="1"/>
-          <p:nvPr/>
-        </p:nvSpPr>
-        <p:spPr>
-          <a:xfrm>
-            <a:off x="1239837" y="1671639"/>
-            <a:ext cx="8418513" cy="4985980"/>
-          </a:xfrm>
-          <a:prstGeom prst="rect">
-            <a:avLst/>
-          </a:prstGeom>
-          <a:noFill/>
-        </p:spPr>
-        <p:txBody>
-          <a:bodyPr wrap="square" rtlCol="0">
-            <a:spAutoFit/>
-          </a:bodyPr>
-          <a:lstStyle/>
-          <a:p>
-            <a:pPr marL="285750" indent="-285750">
-              <a:lnSpc>
-                <a:spcPct val="150000"/>
-              </a:lnSpc>
-              <a:buFont typeface="Arial" panose="020B0604020202020204" pitchFamily="34" charset="0"/>
-              <a:buChar char="•"/>
-            </a:pPr>
-            <a:r>
-              <a:rPr lang="zh-CN" altLang="en-US" sz="2000" dirty="0">
-                <a:latin typeface="微软雅黑" panose="020B0503020204020204" pitchFamily="34" charset="-122"/>
-                <a:ea typeface="微软雅黑" panose="020B0503020204020204" pitchFamily="34" charset="-122"/>
-              </a:rPr>
-              <a:t>图文素材</a:t>
-            </a:r>
-            <a:endParaRPr lang="en-US" altLang="zh-CN" sz="2000" dirty="0">
-              <a:latin typeface="微软雅黑" panose="020B0503020204020204" pitchFamily="34" charset="-122"/>
-              <a:ea typeface="微软雅黑" panose="020B0503020204020204" pitchFamily="34" charset="-122"/>
-            </a:endParaRPr>
-          </a:p>
-          <a:p>
-            <a:pPr lvl="1"/>
-            <a:r>
-              <a:rPr lang="en-US" altLang="zh-CN" dirty="0"/>
-              <a:t>{</a:t>
-            </a:r>
-            <a:br>
-              <a:rPr lang="en-US" altLang="zh-CN" dirty="0"/>
-            </a:br>
-            <a:r>
-              <a:rPr lang="en-US" altLang="zh-CN" dirty="0"/>
-              <a:t>"</a:t>
-            </a:r>
-            <a:r>
-              <a:rPr lang="en-US" altLang="zh-CN" dirty="0" err="1"/>
-              <a:t>news_item</a:t>
-            </a:r>
-            <a:r>
-              <a:rPr lang="en-US" altLang="zh-CN" dirty="0"/>
-              <a:t>":</a:t>
-            </a:r>
-            <a:br>
-              <a:rPr lang="en-US" altLang="zh-CN" dirty="0"/>
-            </a:br>
-            <a:r>
-              <a:rPr lang="en-US" altLang="zh-CN" dirty="0"/>
-              <a:t>[</a:t>
-            </a:r>
-            <a:br>
-              <a:rPr lang="en-US" altLang="zh-CN" dirty="0"/>
-            </a:br>
-            <a:r>
-              <a:rPr lang="en-US" altLang="zh-CN" dirty="0"/>
-              <a:t>    {</a:t>
-            </a:r>
-            <a:br>
-              <a:rPr lang="en-US" altLang="zh-CN" dirty="0"/>
-            </a:br>
-            <a:r>
-              <a:rPr lang="en-US" altLang="zh-CN" dirty="0"/>
-              <a:t>    "</a:t>
-            </a:r>
-            <a:r>
-              <a:rPr lang="en-US" altLang="zh-CN" dirty="0" err="1"/>
-              <a:t>title":TITLE</a:t>
-            </a:r>
-            <a:r>
-              <a:rPr lang="en-US" altLang="zh-CN" dirty="0"/>
-              <a:t>,</a:t>
-            </a:r>
-            <a:br>
-              <a:rPr lang="en-US" altLang="zh-CN" dirty="0"/>
-            </a:br>
-            <a:r>
-              <a:rPr lang="en-US" altLang="zh-CN" dirty="0"/>
-              <a:t>    "</a:t>
-            </a:r>
-            <a:r>
-              <a:rPr lang="en-US" altLang="zh-CN" dirty="0" err="1"/>
-              <a:t>thumb_media_id</a:t>
-            </a:r>
-            <a:r>
-              <a:rPr lang="en-US" altLang="zh-CN" dirty="0"/>
-              <a:t>"::THUMB_MEDIA_ID,</a:t>
-            </a:r>
-            <a:br>
-              <a:rPr lang="en-US" altLang="zh-CN" dirty="0"/>
-            </a:br>
-            <a:r>
-              <a:rPr lang="en-US" altLang="zh-CN" dirty="0"/>
-              <a:t>    "</a:t>
-            </a:r>
-            <a:r>
-              <a:rPr lang="en-US" altLang="zh-CN" dirty="0" err="1"/>
-              <a:t>show_cover_pic":SHOW_COVER_PIC</a:t>
-            </a:r>
-            <a:r>
-              <a:rPr lang="en-US" altLang="zh-CN" dirty="0"/>
-              <a:t>(0/1),</a:t>
-            </a:r>
-            <a:br>
-              <a:rPr lang="en-US" altLang="zh-CN" dirty="0"/>
-            </a:br>
-            <a:r>
-              <a:rPr lang="en-US" altLang="zh-CN" dirty="0"/>
-              <a:t>    "</a:t>
-            </a:r>
-            <a:r>
-              <a:rPr lang="en-US" altLang="zh-CN" dirty="0" err="1"/>
-              <a:t>author":AUTHOR</a:t>
-            </a:r>
-            <a:r>
-              <a:rPr lang="en-US" altLang="zh-CN" dirty="0"/>
-              <a:t>,</a:t>
-            </a:r>
-            <a:br>
-              <a:rPr lang="en-US" altLang="zh-CN" dirty="0"/>
-            </a:br>
-            <a:r>
-              <a:rPr lang="en-US" altLang="zh-CN" dirty="0"/>
-              <a:t>    "</a:t>
-            </a:r>
-            <a:r>
-              <a:rPr lang="en-US" altLang="zh-CN" dirty="0" err="1"/>
-              <a:t>digest":DIGEST</a:t>
-            </a:r>
-            <a:r>
-              <a:rPr lang="en-US" altLang="zh-CN" dirty="0"/>
-              <a:t>,</a:t>
-            </a:r>
-            <a:br>
-              <a:rPr lang="en-US" altLang="zh-CN" dirty="0"/>
-            </a:br>
-            <a:r>
-              <a:rPr lang="en-US" altLang="zh-CN" dirty="0"/>
-              <a:t>    "</a:t>
-            </a:r>
-            <a:r>
-              <a:rPr lang="en-US" altLang="zh-CN" dirty="0" err="1"/>
-              <a:t>content":CONTENT</a:t>
-            </a:r>
-            <a:r>
-              <a:rPr lang="en-US" altLang="zh-CN" dirty="0"/>
-              <a:t>,</a:t>
-            </a:r>
-            <a:br>
-              <a:rPr lang="en-US" altLang="zh-CN" dirty="0"/>
-            </a:br>
-            <a:r>
-              <a:rPr lang="en-US" altLang="zh-CN" dirty="0"/>
-              <a:t>    "</a:t>
-            </a:r>
-            <a:r>
-              <a:rPr lang="en-US" altLang="zh-CN" dirty="0" err="1"/>
-              <a:t>url</a:t>
-            </a:r>
-            <a:r>
-              <a:rPr lang="en-US" altLang="zh-CN" dirty="0"/>
-              <a:t>":URL,</a:t>
-            </a:r>
-            <a:br>
-              <a:rPr lang="en-US" altLang="zh-CN" dirty="0"/>
-            </a:br>
-            <a:r>
-              <a:rPr lang="en-US" altLang="zh-CN" dirty="0"/>
-              <a:t>    "content_source_</a:t>
-            </a:r>
-            <a:r>
-              <a:rPr lang="en-US" altLang="zh-CN" dirty="0" err="1"/>
-              <a:t>url</a:t>
-            </a:r>
-            <a:r>
-              <a:rPr lang="en-US" altLang="zh-CN" dirty="0"/>
-              <a:t>":CONTENT_SOURCE_URL</a:t>
-            </a:r>
-            <a:br>
-              <a:rPr lang="en-US" altLang="zh-CN" dirty="0"/>
-            </a:br>
-            <a:r>
-              <a:rPr lang="en-US" altLang="zh-CN" dirty="0"/>
-              <a:t>    },</a:t>
-            </a:r>
-            <a:br>
-              <a:rPr lang="en-US" altLang="zh-CN" dirty="0"/>
-            </a:br>
-            <a:r>
-              <a:rPr lang="en-US" altLang="zh-CN" dirty="0"/>
-              <a:t>    //</a:t>
-            </a:r>
-            <a:r>
-              <a:rPr lang="zh-CN" altLang="en-US" dirty="0"/>
-              <a:t>多图文消息有多篇文章</a:t>
-            </a:r>
-            <a:br>
-              <a:rPr lang="zh-CN" altLang="en-US" dirty="0"/>
-            </a:br>
-            <a:r>
-              <a:rPr lang="zh-CN" altLang="en-US" dirty="0"/>
-              <a:t> </a:t>
-            </a:r>
-            <a:r>
-              <a:rPr lang="en-US" altLang="zh-CN" dirty="0"/>
-              <a:t>]</a:t>
-            </a:r>
-            <a:br>
-              <a:rPr lang="en-US" altLang="zh-CN" dirty="0"/>
-            </a:br>
-            <a:r>
-              <a:rPr lang="en-US" altLang="zh-CN" dirty="0"/>
-              <a:t>}</a:t>
-            </a:r>
-            <a:endParaRPr lang="en-US" altLang="zh-CN" dirty="0">
-              <a:latin typeface="微软雅黑" panose="020B0503020204020204" pitchFamily="34" charset="-122"/>
-              <a:ea typeface="微软雅黑" panose="020B0503020204020204" pitchFamily="34" charset="-122"/>
-            </a:endParaRPr>
-          </a:p>
-        </p:txBody>
-      </p:sp>
-    </p:spTree>
-    <p:extLst>
-      <p:ext uri="{BB962C8B-B14F-4D97-AF65-F5344CB8AC3E}">
-        <p14:creationId xmlns:p14="http://schemas.microsoft.com/office/powerpoint/2010/main" val="2865911590"/>
+        <p14:creationId xmlns:p14="http://schemas.microsoft.com/office/powerpoint/2010/main" val="441567551"/>
       </p:ext>
     </p:extLst>
   </p:cSld>
@@ -15655,7 +15545,7 @@
           <a:p>
             <a:r>
               <a:rPr lang="zh-CN" altLang="en-US" b="0" dirty="0"/>
-              <a:t>获取永久素材的返回值</a:t>
+              <a:t>获取图文素材的返回值</a:t>
             </a:r>
           </a:p>
         </p:txBody>
@@ -15669,7 +15559,7 @@
         <p:spPr>
           <a:xfrm>
             <a:off x="1239837" y="1671639"/>
-            <a:ext cx="8418513" cy="4985980"/>
+            <a:ext cx="8418513" cy="4524315"/>
           </a:xfrm>
           <a:prstGeom prst="rect">
             <a:avLst/>
@@ -15682,27 +15572,6 @@
           </a:bodyPr>
           <a:lstStyle/>
           <a:p>
-            <a:pPr marL="285750" indent="-285750">
-              <a:lnSpc>
-                <a:spcPct val="150000"/>
-              </a:lnSpc>
-              <a:buFont typeface="Arial" panose="020B0604020202020204" pitchFamily="34" charset="0"/>
-              <a:buChar char="•"/>
-            </a:pPr>
-            <a:r>
-              <a:rPr lang="zh-CN" altLang="en-US" sz="2000" dirty="0">
-                <a:latin typeface="微软雅黑" panose="020B0503020204020204" pitchFamily="34" charset="-122"/>
-                <a:ea typeface="微软雅黑" panose="020B0503020204020204" pitchFamily="34" charset="-122"/>
-              </a:rPr>
-              <a:t>图文素材</a:t>
-            </a:r>
-            <a:endParaRPr lang="en-US" altLang="zh-CN" sz="2000" dirty="0">
-              <a:latin typeface="微软雅黑" panose="020B0503020204020204" pitchFamily="34" charset="-122"/>
-              <a:ea typeface="微软雅黑" panose="020B0503020204020204" pitchFamily="34" charset="-122"/>
-            </a:endParaRPr>
-          </a:p>
-          <a:p>
-            <a:pPr lvl="1"/>
             <a:r>
               <a:rPr lang="en-US" altLang="zh-CN" dirty="0"/>
               <a:t>{</a:t>
@@ -15902,7 +15771,7 @@
     </p:spTree>
     <p:extLst>
       <p:ext uri="{BB962C8B-B14F-4D97-AF65-F5344CB8AC3E}">
-        <p14:creationId xmlns:p14="http://schemas.microsoft.com/office/powerpoint/2010/main" val="2116931305"/>
+        <p14:creationId xmlns:p14="http://schemas.microsoft.com/office/powerpoint/2010/main" val="606119938"/>
       </p:ext>
     </p:extLst>
   </p:cSld>
@@ -15939,33 +15808,34 @@
             <p:ph sz="quarter" idx="13"/>
           </p:nvPr>
         </p:nvSpPr>
+        <p:spPr/>
+        <p:txBody>
+          <a:bodyPr/>
+          <a:lstStyle/>
+          <a:p>
+            <a:r>
+              <a:rPr lang="zh-CN" altLang="en-US" b="0" dirty="0"/>
+              <a:t>删除素材</a:t>
+            </a:r>
+          </a:p>
+        </p:txBody>
+      </p:sp>
+      <p:sp>
+        <p:nvSpPr>
+          <p:cNvPr id="3" name="文本框 2">
+            <a:extLst>
+              <a:ext uri="{FF2B5EF4-FFF2-40B4-BE49-F238E27FC236}">
+                <a16:creationId xmlns:a16="http://schemas.microsoft.com/office/drawing/2014/main" id="{AD128D2E-9B72-46C5-AD87-9F3AD5508822}"/>
+              </a:ext>
+            </a:extLst>
+          </p:cNvPr>
+          <p:cNvSpPr txBox="1"/>
+          <p:nvPr/>
+        </p:nvSpPr>
         <p:spPr>
           <a:xfrm>
-            <a:off x="1054099" y="543636"/>
-            <a:ext cx="6155997" cy="685800"/>
-          </a:xfrm>
-        </p:spPr>
-        <p:txBody>
-          <a:bodyPr/>
-          <a:lstStyle/>
-          <a:p>
-            <a:r>
-              <a:rPr lang="zh-CN" altLang="en-US" b="0" dirty="0"/>
-              <a:t>获取永久素材的返回值</a:t>
-            </a:r>
-          </a:p>
-        </p:txBody>
-      </p:sp>
-      <p:sp>
-        <p:nvSpPr>
-          <p:cNvPr id="4" name="文本框 3"/>
-          <p:cNvSpPr txBox="1"/>
-          <p:nvPr/>
-        </p:nvSpPr>
-        <p:spPr>
-          <a:xfrm>
-            <a:off x="1239837" y="1671639"/>
-            <a:ext cx="8418513" cy="3323987"/>
+            <a:off x="1054100" y="1710813"/>
+            <a:ext cx="10282494" cy="1785104"/>
           </a:xfrm>
           <a:prstGeom prst="rect">
             <a:avLst/>
@@ -15979,88 +15849,6 @@
           <a:lstStyle/>
           <a:p>
             <a:pPr marL="285750" indent="-285750">
-              <a:lnSpc>
-                <a:spcPct val="150000"/>
-              </a:lnSpc>
-              <a:buFont typeface="Arial" panose="020B0604020202020204" pitchFamily="34" charset="0"/>
-              <a:buChar char="•"/>
-            </a:pPr>
-            <a:r>
-              <a:rPr lang="zh-CN" altLang="en-US" sz="2000" dirty="0">
-                <a:latin typeface="微软雅黑" panose="020B0503020204020204" pitchFamily="34" charset="-122"/>
-                <a:ea typeface="微软雅黑" panose="020B0503020204020204" pitchFamily="34" charset="-122"/>
-              </a:rPr>
-              <a:t>视频消息素材</a:t>
-            </a:r>
-            <a:endParaRPr lang="en-US" altLang="zh-CN" sz="2000" dirty="0">
-              <a:latin typeface="微软雅黑" panose="020B0503020204020204" pitchFamily="34" charset="-122"/>
-              <a:ea typeface="微软雅黑" panose="020B0503020204020204" pitchFamily="34" charset="-122"/>
-            </a:endParaRPr>
-          </a:p>
-          <a:p>
-            <a:pPr lvl="1"/>
-            <a:r>
-              <a:rPr lang="en-US" altLang="zh-CN" dirty="0"/>
-              <a:t>{</a:t>
-            </a:r>
-            <a:br>
-              <a:rPr lang="en-US" altLang="zh-CN" dirty="0"/>
-            </a:br>
-            <a:r>
-              <a:rPr lang="en-US" altLang="zh-CN" dirty="0"/>
-              <a:t> "</a:t>
-            </a:r>
-            <a:r>
-              <a:rPr lang="en-US" altLang="zh-CN" dirty="0" err="1"/>
-              <a:t>title":TITLE</a:t>
-            </a:r>
-            <a:r>
-              <a:rPr lang="en-US" altLang="zh-CN" dirty="0"/>
-              <a:t>,</a:t>
-            </a:r>
-            <a:br>
-              <a:rPr lang="en-US" altLang="zh-CN" dirty="0"/>
-            </a:br>
-            <a:r>
-              <a:rPr lang="en-US" altLang="zh-CN" dirty="0"/>
-              <a:t> "</a:t>
-            </a:r>
-            <a:r>
-              <a:rPr lang="en-US" altLang="zh-CN" dirty="0" err="1"/>
-              <a:t>description":DESCRIPTION</a:t>
-            </a:r>
-            <a:r>
-              <a:rPr lang="en-US" altLang="zh-CN" dirty="0"/>
-              <a:t>,</a:t>
-            </a:r>
-            <a:br>
-              <a:rPr lang="en-US" altLang="zh-CN" dirty="0"/>
-            </a:br>
-            <a:r>
-              <a:rPr lang="en-US" altLang="zh-CN" dirty="0"/>
-              <a:t> "down_</a:t>
-            </a:r>
-            <a:r>
-              <a:rPr lang="en-US" altLang="zh-CN" dirty="0" err="1"/>
-              <a:t>url</a:t>
-            </a:r>
-            <a:r>
-              <a:rPr lang="en-US" altLang="zh-CN" dirty="0"/>
-              <a:t>":DOWN_URL,</a:t>
-            </a:r>
-            <a:br>
-              <a:rPr lang="en-US" altLang="zh-CN" dirty="0"/>
-            </a:br>
-            <a:r>
-              <a:rPr lang="en-US" altLang="zh-CN" dirty="0"/>
-              <a:t>}</a:t>
-            </a:r>
-          </a:p>
-          <a:p>
-            <a:pPr marL="285750" indent="-285750">
-              <a:lnSpc>
-                <a:spcPct val="150000"/>
-              </a:lnSpc>
               <a:buFont typeface="Arial" panose="020B0604020202020204" pitchFamily="34" charset="0"/>
               <a:buChar char="•"/>
             </a:pPr>
@@ -16069,7 +15857,7 @@
                 <a:latin typeface="微软雅黑" panose="020B0503020204020204" pitchFamily="34" charset="-122"/>
                 <a:ea typeface="微软雅黑" panose="020B0503020204020204" pitchFamily="34" charset="-122"/>
               </a:rPr>
-              <a:t>其他类型的素材直接返回文件内容，然后直接保存为文件</a:t>
+              <a:t>删除素材接口</a:t>
             </a:r>
             <a:endParaRPr lang="en-US" altLang="zh-CN" dirty="0">
               <a:latin typeface="微软雅黑" panose="020B0503020204020204" pitchFamily="34" charset="-122"/>
@@ -16077,10 +15865,430 @@
             </a:endParaRPr>
           </a:p>
           <a:p>
+            <a:pPr lvl="1"/>
+            <a:r>
+              <a:rPr lang="en-US" altLang="zh-CN" dirty="0">
+                <a:hlinkClick r:id="rId2"/>
+              </a:rPr>
+              <a:t>https://api.weixin.qq.com/cgi-bin/material/del_material?access_token=ACCESS_TOKEN</a:t>
+            </a:r>
+            <a:endParaRPr lang="en-US" altLang="zh-CN" dirty="0"/>
+          </a:p>
+          <a:p>
+            <a:pPr lvl="1"/>
+            <a:r>
+              <a:rPr lang="en-US" altLang="zh-CN" dirty="0"/>
+              <a:t>POST</a:t>
+            </a:r>
+            <a:r>
+              <a:rPr lang="zh-CN" altLang="en-US" dirty="0"/>
+              <a:t>提交参数</a:t>
+            </a:r>
+            <a:endParaRPr lang="en-US" altLang="zh-CN" dirty="0"/>
+          </a:p>
+          <a:p>
+            <a:pPr lvl="1"/>
+            <a:r>
+              <a:rPr lang="en-US" altLang="zh-CN" dirty="0"/>
+              <a:t>{</a:t>
+            </a:r>
+            <a:br>
+              <a:rPr lang="en-US" altLang="zh-CN" dirty="0"/>
+            </a:br>
+            <a:r>
+              <a:rPr lang="en-US" altLang="zh-CN" dirty="0"/>
+              <a:t>"</a:t>
+            </a:r>
+            <a:r>
+              <a:rPr lang="en-US" altLang="zh-CN" dirty="0" err="1"/>
+              <a:t>media_id":MEDIA_ID</a:t>
+            </a:r>
+            <a:br>
+              <a:rPr lang="en-US" altLang="zh-CN" dirty="0"/>
+            </a:br>
+            <a:r>
+              <a:rPr lang="en-US" altLang="zh-CN" dirty="0"/>
+              <a:t>}</a:t>
+            </a:r>
+            <a:endParaRPr lang="zh-CN" altLang="en-US" dirty="0"/>
+          </a:p>
+        </p:txBody>
+      </p:sp>
+      <p:graphicFrame>
+        <p:nvGraphicFramePr>
+          <p:cNvPr id="4" name="表格 3">
+            <a:extLst>
+              <a:ext uri="{FF2B5EF4-FFF2-40B4-BE49-F238E27FC236}">
+                <a16:creationId xmlns:a16="http://schemas.microsoft.com/office/drawing/2014/main" id="{A2537DC6-3D50-43ED-9F25-5BD8F3A65C6A}"/>
+              </a:ext>
+            </a:extLst>
+          </p:cNvPr>
+          <p:cNvGraphicFramePr>
+            <a:graphicFrameLocks noGrp="1"/>
+          </p:cNvGraphicFramePr>
+          <p:nvPr>
+            <p:extLst>
+              <p:ext uri="{D42A27DB-BD31-4B8C-83A1-F6EECF244321}">
+                <p14:modId xmlns:p14="http://schemas.microsoft.com/office/powerpoint/2010/main" val="3409248167"/>
+              </p:ext>
+            </p:extLst>
+          </p:nvPr>
+        </p:nvGraphicFramePr>
+        <p:xfrm>
+          <a:off x="1054099" y="3659623"/>
+          <a:ext cx="10577460" cy="1097280"/>
+        </p:xfrm>
+        <a:graphic>
+          <a:graphicData uri="http://schemas.openxmlformats.org/drawingml/2006/table">
+            <a:tbl>
+              <a:tblPr/>
+              <a:tblGrid>
+                <a:gridCol w="3525820">
+                  <a:extLst>
+                    <a:ext uri="{9D8B030D-6E8A-4147-A177-3AD203B41FA5}">
+                      <a16:colId xmlns:a16="http://schemas.microsoft.com/office/drawing/2014/main" val="971843131"/>
+                    </a:ext>
+                  </a:extLst>
+                </a:gridCol>
+                <a:gridCol w="3525820">
+                  <a:extLst>
+                    <a:ext uri="{9D8B030D-6E8A-4147-A177-3AD203B41FA5}">
+                      <a16:colId xmlns:a16="http://schemas.microsoft.com/office/drawing/2014/main" val="3246742417"/>
+                    </a:ext>
+                  </a:extLst>
+                </a:gridCol>
+                <a:gridCol w="3525820">
+                  <a:extLst>
+                    <a:ext uri="{9D8B030D-6E8A-4147-A177-3AD203B41FA5}">
+                      <a16:colId xmlns:a16="http://schemas.microsoft.com/office/drawing/2014/main" val="525573269"/>
+                    </a:ext>
+                  </a:extLst>
+                </a:gridCol>
+              </a:tblGrid>
+              <a:tr h="0">
+                <a:tc>
+                  <a:txBody>
+                    <a:bodyPr/>
+                    <a:lstStyle/>
+                    <a:p>
+                      <a:pPr latinLnBrk="1"/>
+                      <a:r>
+                        <a:rPr lang="zh-CN" altLang="en-US">
+                          <a:effectLst/>
+                        </a:rPr>
+                        <a:t>参数</a:t>
+                      </a:r>
+                    </a:p>
+                  </a:txBody>
+                  <a:tcPr>
+                    <a:lnL>
+                      <a:noFill/>
+                    </a:lnL>
+                    <a:lnR>
+                      <a:noFill/>
+                    </a:lnR>
+                    <a:lnT>
+                      <a:noFill/>
+                    </a:lnT>
+                    <a:lnB>
+                      <a:noFill/>
+                    </a:lnB>
+                  </a:tcPr>
+                </a:tc>
+                <a:tc>
+                  <a:txBody>
+                    <a:bodyPr/>
+                    <a:lstStyle/>
+                    <a:p>
+                      <a:pPr latinLnBrk="1"/>
+                      <a:r>
+                        <a:rPr lang="zh-CN" altLang="en-US">
+                          <a:effectLst/>
+                        </a:rPr>
+                        <a:t>是否必须</a:t>
+                      </a:r>
+                    </a:p>
+                  </a:txBody>
+                  <a:tcPr>
+                    <a:lnL>
+                      <a:noFill/>
+                    </a:lnL>
+                    <a:lnR>
+                      <a:noFill/>
+                    </a:lnR>
+                    <a:lnT>
+                      <a:noFill/>
+                    </a:lnT>
+                    <a:lnB>
+                      <a:noFill/>
+                    </a:lnB>
+                  </a:tcPr>
+                </a:tc>
+                <a:tc>
+                  <a:txBody>
+                    <a:bodyPr/>
+                    <a:lstStyle/>
+                    <a:p>
+                      <a:pPr latinLnBrk="1"/>
+                      <a:r>
+                        <a:rPr lang="zh-CN" altLang="en-US">
+                          <a:effectLst/>
+                        </a:rPr>
+                        <a:t>说明</a:t>
+                      </a:r>
+                    </a:p>
+                  </a:txBody>
+                  <a:tcPr>
+                    <a:lnL>
+                      <a:noFill/>
+                    </a:lnL>
+                    <a:lnR>
+                      <a:noFill/>
+                    </a:lnR>
+                    <a:lnT>
+                      <a:noFill/>
+                    </a:lnT>
+                    <a:lnB>
+                      <a:noFill/>
+                    </a:lnB>
+                  </a:tcPr>
+                </a:tc>
+                <a:extLst>
+                  <a:ext uri="{0D108BD9-81ED-4DB2-BD59-A6C34878D82A}">
+                    <a16:rowId xmlns:a16="http://schemas.microsoft.com/office/drawing/2014/main" val="2902664534"/>
+                  </a:ext>
+                </a:extLst>
+              </a:tr>
+              <a:tr h="0">
+                <a:tc>
+                  <a:txBody>
+                    <a:bodyPr/>
+                    <a:lstStyle/>
+                    <a:p>
+                      <a:pPr latinLnBrk="1"/>
+                      <a:r>
+                        <a:rPr lang="en-US">
+                          <a:effectLst/>
+                        </a:rPr>
+                        <a:t>access_token</a:t>
+                      </a:r>
+                    </a:p>
+                  </a:txBody>
+                  <a:tcPr>
+                    <a:lnL>
+                      <a:noFill/>
+                    </a:lnL>
+                    <a:lnR>
+                      <a:noFill/>
+                    </a:lnR>
+                    <a:lnT>
+                      <a:noFill/>
+                    </a:lnT>
+                    <a:lnB>
+                      <a:noFill/>
+                    </a:lnB>
+                  </a:tcPr>
+                </a:tc>
+                <a:tc>
+                  <a:txBody>
+                    <a:bodyPr/>
+                    <a:lstStyle/>
+                    <a:p>
+                      <a:pPr latinLnBrk="1"/>
+                      <a:r>
+                        <a:rPr lang="zh-CN" altLang="en-US">
+                          <a:effectLst/>
+                        </a:rPr>
+                        <a:t>是</a:t>
+                      </a:r>
+                    </a:p>
+                  </a:txBody>
+                  <a:tcPr>
+                    <a:lnL>
+                      <a:noFill/>
+                    </a:lnL>
+                    <a:lnR>
+                      <a:noFill/>
+                    </a:lnR>
+                    <a:lnT>
+                      <a:noFill/>
+                    </a:lnT>
+                    <a:lnB>
+                      <a:noFill/>
+                    </a:lnB>
+                  </a:tcPr>
+                </a:tc>
+                <a:tc>
+                  <a:txBody>
+                    <a:bodyPr/>
+                    <a:lstStyle/>
+                    <a:p>
+                      <a:pPr latinLnBrk="1"/>
+                      <a:r>
+                        <a:rPr lang="zh-CN" altLang="en-US">
+                          <a:effectLst/>
+                        </a:rPr>
+                        <a:t>调用接口凭证</a:t>
+                      </a:r>
+                    </a:p>
+                  </a:txBody>
+                  <a:tcPr>
+                    <a:lnL>
+                      <a:noFill/>
+                    </a:lnL>
+                    <a:lnR>
+                      <a:noFill/>
+                    </a:lnR>
+                    <a:lnT>
+                      <a:noFill/>
+                    </a:lnT>
+                    <a:lnB>
+                      <a:noFill/>
+                    </a:lnB>
+                  </a:tcPr>
+                </a:tc>
+                <a:extLst>
+                  <a:ext uri="{0D108BD9-81ED-4DB2-BD59-A6C34878D82A}">
+                    <a16:rowId xmlns:a16="http://schemas.microsoft.com/office/drawing/2014/main" val="484623636"/>
+                  </a:ext>
+                </a:extLst>
+              </a:tr>
+              <a:tr h="0">
+                <a:tc>
+                  <a:txBody>
+                    <a:bodyPr/>
+                    <a:lstStyle/>
+                    <a:p>
+                      <a:pPr latinLnBrk="1"/>
+                      <a:r>
+                        <a:rPr lang="en-US">
+                          <a:effectLst/>
+                        </a:rPr>
+                        <a:t>media_id</a:t>
+                      </a:r>
+                    </a:p>
+                  </a:txBody>
+                  <a:tcPr>
+                    <a:lnL>
+                      <a:noFill/>
+                    </a:lnL>
+                    <a:lnR>
+                      <a:noFill/>
+                    </a:lnR>
+                    <a:lnT>
+                      <a:noFill/>
+                    </a:lnT>
+                    <a:lnB>
+                      <a:noFill/>
+                    </a:lnB>
+                  </a:tcPr>
+                </a:tc>
+                <a:tc>
+                  <a:txBody>
+                    <a:bodyPr/>
+                    <a:lstStyle/>
+                    <a:p>
+                      <a:pPr latinLnBrk="1"/>
+                      <a:r>
+                        <a:rPr lang="zh-CN" altLang="en-US">
+                          <a:effectLst/>
+                        </a:rPr>
+                        <a:t>是</a:t>
+                      </a:r>
+                    </a:p>
+                  </a:txBody>
+                  <a:tcPr>
+                    <a:lnL>
+                      <a:noFill/>
+                    </a:lnL>
+                    <a:lnR>
+                      <a:noFill/>
+                    </a:lnR>
+                    <a:lnT>
+                      <a:noFill/>
+                    </a:lnT>
+                    <a:lnB>
+                      <a:noFill/>
+                    </a:lnB>
+                  </a:tcPr>
+                </a:tc>
+                <a:tc>
+                  <a:txBody>
+                    <a:bodyPr/>
+                    <a:lstStyle/>
+                    <a:p>
+                      <a:pPr latinLnBrk="1"/>
+                      <a:r>
+                        <a:rPr lang="zh-CN" altLang="en-US" dirty="0">
+                          <a:effectLst/>
+                        </a:rPr>
+                        <a:t>要获取的素材的</a:t>
+                      </a:r>
+                      <a:r>
+                        <a:rPr lang="en-US" dirty="0" err="1">
+                          <a:effectLst/>
+                        </a:rPr>
+                        <a:t>media_id</a:t>
+                      </a:r>
+                      <a:endParaRPr lang="en-US" dirty="0">
+                        <a:effectLst/>
+                      </a:endParaRPr>
+                    </a:p>
+                  </a:txBody>
+                  <a:tcPr>
+                    <a:lnL>
+                      <a:noFill/>
+                    </a:lnL>
+                    <a:lnR>
+                      <a:noFill/>
+                    </a:lnR>
+                    <a:lnT>
+                      <a:noFill/>
+                    </a:lnT>
+                    <a:lnB>
+                      <a:noFill/>
+                    </a:lnB>
+                  </a:tcPr>
+                </a:tc>
+                <a:extLst>
+                  <a:ext uri="{0D108BD9-81ED-4DB2-BD59-A6C34878D82A}">
+                    <a16:rowId xmlns:a16="http://schemas.microsoft.com/office/drawing/2014/main" val="2236776437"/>
+                  </a:ext>
+                </a:extLst>
+              </a:tr>
+            </a:tbl>
+          </a:graphicData>
+        </a:graphic>
+      </p:graphicFrame>
+      <p:sp>
+        <p:nvSpPr>
+          <p:cNvPr id="5" name="文本框 4">
+            <a:extLst>
+              <a:ext uri="{FF2B5EF4-FFF2-40B4-BE49-F238E27FC236}">
+                <a16:creationId xmlns:a16="http://schemas.microsoft.com/office/drawing/2014/main" id="{E75021A7-2067-4EA8-86DD-C1BC81578EFD}"/>
+              </a:ext>
+            </a:extLst>
+          </p:cNvPr>
+          <p:cNvSpPr txBox="1"/>
+          <p:nvPr/>
+        </p:nvSpPr>
+        <p:spPr>
+          <a:xfrm>
+            <a:off x="1054099" y="4920609"/>
+            <a:ext cx="8306211" cy="1754326"/>
+          </a:xfrm>
+          <a:prstGeom prst="rect">
+            <a:avLst/>
+          </a:prstGeom>
+          <a:noFill/>
+        </p:spPr>
+        <p:txBody>
+          <a:bodyPr wrap="square" rtlCol="0">
+            <a:spAutoFit/>
+          </a:bodyPr>
+          <a:lstStyle/>
+          <a:p>
             <a:pPr marL="285750" indent="-285750">
-              <a:lnSpc>
-                <a:spcPct val="150000"/>
-              </a:lnSpc>
               <a:buFont typeface="Arial" panose="020B0604020202020204" pitchFamily="34" charset="0"/>
               <a:buChar char="•"/>
             </a:pPr>
@@ -16089,7 +16297,7 @@
                 <a:latin typeface="微软雅黑" panose="020B0503020204020204" pitchFamily="34" charset="-122"/>
                 <a:ea typeface="微软雅黑" panose="020B0503020204020204" pitchFamily="34" charset="-122"/>
               </a:rPr>
-              <a:t>错误的情况返回</a:t>
+              <a:t>返回值</a:t>
             </a:r>
             <a:endParaRPr lang="en-US" altLang="zh-CN" dirty="0">
               <a:latin typeface="微软雅黑" panose="020B0503020204020204" pitchFamily="34" charset="-122"/>
@@ -16100,33 +16308,72 @@
             <a:pPr lvl="1"/>
             <a:r>
               <a:rPr lang="en-US" altLang="zh-CN" dirty="0"/>
-              <a:t>{"errcode":40007,"errmsg":"invalid </a:t>
+              <a:t>{</a:t>
+            </a:r>
+            <a:br>
+              <a:rPr lang="en-US" altLang="zh-CN" dirty="0"/>
+            </a:br>
+            <a:r>
+              <a:rPr lang="en-US" altLang="zh-CN" dirty="0"/>
+              <a:t>   "</a:t>
             </a:r>
             <a:r>
               <a:rPr lang="en-US" altLang="zh-CN" dirty="0" err="1"/>
-              <a:t>media_id</a:t>
+              <a:t>errcode</a:t>
             </a:r>
             <a:r>
               <a:rPr lang="en-US" altLang="zh-CN" dirty="0"/>
-              <a:t>"}</a:t>
-            </a:r>
-            <a:endParaRPr lang="en-US" altLang="zh-CN" dirty="0">
-              <a:latin typeface="微软雅黑" panose="020B0503020204020204" pitchFamily="34" charset="-122"/>
-              <a:ea typeface="微软雅黑" panose="020B0503020204020204" pitchFamily="34" charset="-122"/>
-            </a:endParaRPr>
-          </a:p>
-          <a:p>
-            <a:endParaRPr lang="en-US" altLang="zh-CN" dirty="0">
-              <a:latin typeface="微软雅黑" panose="020B0503020204020204" pitchFamily="34" charset="-122"/>
-              <a:ea typeface="微软雅黑" panose="020B0503020204020204" pitchFamily="34" charset="-122"/>
-            </a:endParaRPr>
+              <a:t>":ERRCODE,</a:t>
+            </a:r>
+            <a:br>
+              <a:rPr lang="en-US" altLang="zh-CN" dirty="0"/>
+            </a:br>
+            <a:r>
+              <a:rPr lang="en-US" altLang="zh-CN" dirty="0"/>
+              <a:t>   "</a:t>
+            </a:r>
+            <a:r>
+              <a:rPr lang="en-US" altLang="zh-CN" dirty="0" err="1"/>
+              <a:t>errmsg</a:t>
+            </a:r>
+            <a:r>
+              <a:rPr lang="en-US" altLang="zh-CN" dirty="0"/>
+              <a:t>":ERRMSG</a:t>
+            </a:r>
+            <a:br>
+              <a:rPr lang="en-US" altLang="zh-CN" dirty="0"/>
+            </a:br>
+            <a:r>
+              <a:rPr lang="en-US" altLang="zh-CN" dirty="0"/>
+              <a:t>}</a:t>
+            </a:r>
+          </a:p>
+          <a:p>
+            <a:pPr lvl="1"/>
+            <a:r>
+              <a:rPr lang="zh-CN" altLang="en-US" dirty="0"/>
+              <a:t>正常则</a:t>
+            </a:r>
+            <a:r>
+              <a:rPr lang="en-US" altLang="zh-CN" dirty="0" err="1"/>
+              <a:t>errcode</a:t>
+            </a:r>
+            <a:r>
+              <a:rPr lang="zh-CN" altLang="en-US" dirty="0"/>
+              <a:t>为</a:t>
+            </a:r>
+            <a:r>
+              <a:rPr lang="en-US" altLang="zh-CN" dirty="0"/>
+              <a:t>0</a:t>
+            </a:r>
+            <a:endParaRPr lang="zh-CN" altLang="en-US" dirty="0"/>
           </a:p>
         </p:txBody>
       </p:sp>
     </p:spTree>
     <p:extLst>
       <p:ext uri="{BB962C8B-B14F-4D97-AF65-F5344CB8AC3E}">
-        <p14:creationId xmlns:p14="http://schemas.microsoft.com/office/powerpoint/2010/main" val="1008748315"/>
+        <p14:creationId xmlns:p14="http://schemas.microsoft.com/office/powerpoint/2010/main" val="1916290633"/>
       </p:ext>
     </p:extLst>
   </p:cSld>
@@ -16169,690 +16416,6 @@
           <a:lstStyle/>
           <a:p>
             <a:r>
-              <a:rPr lang="zh-CN" altLang="en-US" dirty="0"/>
-              <a:t>第二讲</a:t>
-            </a:r>
-          </a:p>
-        </p:txBody>
-      </p:sp>
-      <p:sp>
-        <p:nvSpPr>
-          <p:cNvPr id="4" name="文本框 3">
-            <a:extLst>
-              <a:ext uri="{FF2B5EF4-FFF2-40B4-BE49-F238E27FC236}">
-                <a16:creationId xmlns:a16="http://schemas.microsoft.com/office/drawing/2014/main" id="{7F93AF9A-5FDE-4BDC-9C03-D2E27C069035}"/>
-              </a:ext>
-            </a:extLst>
-          </p:cNvPr>
-          <p:cNvSpPr txBox="1"/>
-          <p:nvPr/>
-        </p:nvSpPr>
-        <p:spPr>
-          <a:xfrm>
-            <a:off x="4058444" y="2343152"/>
-            <a:ext cx="5385594" cy="2062103"/>
-          </a:xfrm>
-          <a:prstGeom prst="rect">
-            <a:avLst/>
-          </a:prstGeom>
-          <a:noFill/>
-        </p:spPr>
-        <p:txBody>
-          <a:bodyPr wrap="square" rtlCol="0">
-            <a:spAutoFit/>
-          </a:bodyPr>
-          <a:lstStyle/>
-          <a:p>
-            <a:pPr marL="514350" indent="-514350">
-              <a:lnSpc>
-                <a:spcPct val="200000"/>
-              </a:lnSpc>
-              <a:buFont typeface="+mj-ea"/>
-              <a:buAutoNum type="ea1JpnChsDbPeriod"/>
-            </a:pPr>
-            <a:r>
-              <a:rPr lang="zh-CN" altLang="en-US" sz="2000" dirty="0">
-                <a:solidFill>
-                  <a:schemeClr val="tx1">
-                    <a:lumMod val="65000"/>
-                    <a:lumOff val="35000"/>
-                  </a:schemeClr>
-                </a:solidFill>
-                <a:latin typeface="微软雅黑" panose="020B0503020204020204" pitchFamily="34" charset="-122"/>
-                <a:ea typeface="微软雅黑" panose="020B0503020204020204" pitchFamily="34" charset="-122"/>
-              </a:rPr>
-              <a:t>上传与获取素材</a:t>
-            </a:r>
-            <a:endParaRPr lang="en-US" altLang="zh-CN" sz="2000" dirty="0">
-              <a:solidFill>
-                <a:schemeClr val="tx1">
-                  <a:lumMod val="65000"/>
-                  <a:lumOff val="35000"/>
-                </a:schemeClr>
-              </a:solidFill>
-              <a:latin typeface="微软雅黑" panose="020B0503020204020204" pitchFamily="34" charset="-122"/>
-              <a:ea typeface="微软雅黑" panose="020B0503020204020204" pitchFamily="34" charset="-122"/>
-            </a:endParaRPr>
-          </a:p>
-          <a:p>
-            <a:pPr marL="514350" indent="-514350">
-              <a:lnSpc>
-                <a:spcPct val="200000"/>
-              </a:lnSpc>
-              <a:buFont typeface="+mj-ea"/>
-              <a:buAutoNum type="ea1JpnChsDbPeriod"/>
-            </a:pPr>
-            <a:r>
-              <a:rPr lang="zh-CN" altLang="en-US" sz="2400" dirty="0">
-                <a:solidFill>
-                  <a:schemeClr val="accent6">
-                    <a:lumMod val="75000"/>
-                  </a:schemeClr>
-                </a:solidFill>
-                <a:latin typeface="微软雅黑" panose="020B0503020204020204" pitchFamily="34" charset="-122"/>
-                <a:ea typeface="微软雅黑" panose="020B0503020204020204" pitchFamily="34" charset="-122"/>
-              </a:rPr>
-              <a:t>上传与编辑图文素材</a:t>
-            </a:r>
-            <a:endParaRPr lang="en-US" altLang="zh-CN" sz="2400" dirty="0">
-              <a:solidFill>
-                <a:schemeClr val="accent6">
-                  <a:lumMod val="75000"/>
-                </a:schemeClr>
-              </a:solidFill>
-              <a:latin typeface="微软雅黑" panose="020B0503020204020204" pitchFamily="34" charset="-122"/>
-              <a:ea typeface="微软雅黑" panose="020B0503020204020204" pitchFamily="34" charset="-122"/>
-            </a:endParaRPr>
-          </a:p>
-          <a:p>
-            <a:pPr marL="514350" indent="-514350">
-              <a:lnSpc>
-                <a:spcPct val="200000"/>
-              </a:lnSpc>
-              <a:buFont typeface="+mj-ea"/>
-              <a:buAutoNum type="ea1JpnChsDbPeriod"/>
-            </a:pPr>
-            <a:r>
-              <a:rPr lang="zh-CN" altLang="en-US" sz="2000" dirty="0">
-                <a:solidFill>
-                  <a:schemeClr val="tx1">
-                    <a:lumMod val="65000"/>
-                    <a:lumOff val="35000"/>
-                  </a:schemeClr>
-                </a:solidFill>
-                <a:latin typeface="微软雅黑" panose="020B0503020204020204" pitchFamily="34" charset="-122"/>
-                <a:ea typeface="微软雅黑" panose="020B0503020204020204" pitchFamily="34" charset="-122"/>
-              </a:rPr>
-              <a:t>获取列表与删除素材</a:t>
-            </a:r>
-            <a:endParaRPr lang="en-US" altLang="zh-CN" sz="2000" dirty="0">
-              <a:solidFill>
-                <a:schemeClr val="tx1">
-                  <a:lumMod val="65000"/>
-                  <a:lumOff val="35000"/>
-                </a:schemeClr>
-              </a:solidFill>
-              <a:latin typeface="微软雅黑" panose="020B0503020204020204" pitchFamily="34" charset="-122"/>
-              <a:ea typeface="微软雅黑" panose="020B0503020204020204" pitchFamily="34" charset="-122"/>
-            </a:endParaRPr>
-          </a:p>
-        </p:txBody>
-      </p:sp>
-    </p:spTree>
-    <p:extLst>
-      <p:ext uri="{BB962C8B-B14F-4D97-AF65-F5344CB8AC3E}">
-        <p14:creationId xmlns:p14="http://schemas.microsoft.com/office/powerpoint/2010/main" val="2999457395"/>
-      </p:ext>
-    </p:extLst>
-  </p:cSld>
-  <p:clrMapOvr>
-    <a:masterClrMapping/>
-  </p:clrMapOvr>
-</p:sld>
-</file>
-
-<file path=ppt/slides/slide18.xml><?xml version="1.0" encoding="utf-8"?>
-<p:sld xmlns:a="http://schemas.openxmlformats.org/drawingml/2006/main" xmlns:r="http://schemas.openxmlformats.org/officeDocument/2006/relationships" xmlns:p="http://schemas.openxmlformats.org/presentationml/2006/main">
-  <p:cSld>
-    <p:spTree>
-      <p:nvGrpSpPr>
-        <p:cNvPr id="1" name=""/>
-        <p:cNvGrpSpPr/>
-        <p:nvPr/>
-      </p:nvGrpSpPr>
-      <p:grpSpPr>
-        <a:xfrm>
-          <a:off x="0" y="0"/>
-          <a:ext cx="0" cy="0"/>
-          <a:chOff x="0" y="0"/>
-          <a:chExt cx="0" cy="0"/>
-        </a:xfrm>
-      </p:grpSpPr>
-      <p:sp>
-        <p:nvSpPr>
-          <p:cNvPr id="2" name="内容占位符 1"/>
-          <p:cNvSpPr>
-            <a:spLocks noGrp="1"/>
-          </p:cNvSpPr>
-          <p:nvPr>
-            <p:ph sz="quarter" idx="13"/>
-          </p:nvPr>
-        </p:nvSpPr>
-        <p:spPr/>
-        <p:txBody>
-          <a:bodyPr/>
-          <a:lstStyle/>
-          <a:p>
-            <a:r>
-              <a:rPr lang="zh-CN" altLang="en-US" b="0" dirty="0"/>
-              <a:t>上传图文素材</a:t>
-            </a:r>
-          </a:p>
-        </p:txBody>
-      </p:sp>
-    </p:spTree>
-    <p:extLst>
-      <p:ext uri="{BB962C8B-B14F-4D97-AF65-F5344CB8AC3E}">
-        <p14:creationId xmlns:p14="http://schemas.microsoft.com/office/powerpoint/2010/main" val="1245494618"/>
-      </p:ext>
-    </p:extLst>
-  </p:cSld>
-  <p:clrMapOvr>
-    <a:masterClrMapping/>
-  </p:clrMapOvr>
-</p:sld>
-</file>
-
-<file path=ppt/slides/slide19.xml><?xml version="1.0" encoding="utf-8"?>
-<p:sld xmlns:a="http://schemas.openxmlformats.org/drawingml/2006/main" xmlns:r="http://schemas.openxmlformats.org/officeDocument/2006/relationships" xmlns:p="http://schemas.openxmlformats.org/presentationml/2006/main">
-  <p:cSld>
-    <p:spTree>
-      <p:nvGrpSpPr>
-        <p:cNvPr id="1" name=""/>
-        <p:cNvGrpSpPr/>
-        <p:nvPr/>
-      </p:nvGrpSpPr>
-      <p:grpSpPr>
-        <a:xfrm>
-          <a:off x="0" y="0"/>
-          <a:ext cx="0" cy="0"/>
-          <a:chOff x="0" y="0"/>
-          <a:chExt cx="0" cy="0"/>
-        </a:xfrm>
-      </p:grpSpPr>
-      <p:sp>
-        <p:nvSpPr>
-          <p:cNvPr id="2" name="内容占位符 1"/>
-          <p:cNvSpPr>
-            <a:spLocks noGrp="1"/>
-          </p:cNvSpPr>
-          <p:nvPr>
-            <p:ph sz="quarter" idx="13"/>
-          </p:nvPr>
-        </p:nvSpPr>
-        <p:spPr/>
-        <p:txBody>
-          <a:bodyPr/>
-          <a:lstStyle/>
-          <a:p>
-            <a:r>
-              <a:rPr lang="zh-CN" altLang="en-US" b="0" dirty="0"/>
-              <a:t>获取图文素材</a:t>
-            </a:r>
-          </a:p>
-        </p:txBody>
-      </p:sp>
-    </p:spTree>
-    <p:extLst>
-      <p:ext uri="{BB962C8B-B14F-4D97-AF65-F5344CB8AC3E}">
-        <p14:creationId xmlns:p14="http://schemas.microsoft.com/office/powerpoint/2010/main" val="441567551"/>
-      </p:ext>
-    </p:extLst>
-  </p:cSld>
-  <p:clrMapOvr>
-    <a:masterClrMapping/>
-  </p:clrMapOvr>
-</p:sld>
-</file>
-
-<file path=ppt/slides/slide2.xml><?xml version="1.0" encoding="utf-8"?>
-<p:sld xmlns:a="http://schemas.openxmlformats.org/drawingml/2006/main" xmlns:r="http://schemas.openxmlformats.org/officeDocument/2006/relationships" xmlns:p="http://schemas.openxmlformats.org/presentationml/2006/main">
-  <p:cSld>
-    <p:spTree>
-      <p:nvGrpSpPr>
-        <p:cNvPr id="1" name=""/>
-        <p:cNvGrpSpPr/>
-        <p:nvPr/>
-      </p:nvGrpSpPr>
-      <p:grpSpPr>
-        <a:xfrm>
-          <a:off x="0" y="0"/>
-          <a:ext cx="0" cy="0"/>
-          <a:chOff x="0" y="0"/>
-          <a:chExt cx="0" cy="0"/>
-        </a:xfrm>
-      </p:grpSpPr>
-      <p:sp>
-        <p:nvSpPr>
-          <p:cNvPr id="2" name="内容占位符 1"/>
-          <p:cNvSpPr>
-            <a:spLocks noGrp="1"/>
-          </p:cNvSpPr>
-          <p:nvPr>
-            <p:ph sz="quarter" idx="13"/>
-          </p:nvPr>
-        </p:nvSpPr>
-        <p:spPr/>
-        <p:txBody>
-          <a:bodyPr/>
-          <a:lstStyle/>
-          <a:p>
-            <a:r>
-              <a:rPr lang="zh-CN" altLang="en-US" b="0" dirty="0"/>
-              <a:t>本次课程目录</a:t>
-            </a:r>
-          </a:p>
-        </p:txBody>
-      </p:sp>
-      <p:sp>
-        <p:nvSpPr>
-          <p:cNvPr id="4" name="文本框 3"/>
-          <p:cNvSpPr txBox="1"/>
-          <p:nvPr/>
-        </p:nvSpPr>
-        <p:spPr>
-          <a:xfrm>
-            <a:off x="4047934" y="2343152"/>
-            <a:ext cx="5385594" cy="2308324"/>
-          </a:xfrm>
-          <a:prstGeom prst="rect">
-            <a:avLst/>
-          </a:prstGeom>
-          <a:noFill/>
-        </p:spPr>
-        <p:txBody>
-          <a:bodyPr wrap="square" rtlCol="0">
-            <a:spAutoFit/>
-          </a:bodyPr>
-          <a:lstStyle>
-            <a:defPPr>
-              <a:defRPr lang="zh-CN"/>
-            </a:defPPr>
-            <a:lvl1pPr marL="514350" indent="-514350">
-              <a:lnSpc>
-                <a:spcPct val="200000"/>
-              </a:lnSpc>
-              <a:buFont typeface="+mj-ea"/>
-              <a:buAutoNum type="ea1JpnChsDbPeriod"/>
-              <a:defRPr sz="2400">
-                <a:solidFill>
-                  <a:schemeClr val="tx1">
-                    <a:lumMod val="65000"/>
-                    <a:lumOff val="35000"/>
-                  </a:schemeClr>
-                </a:solidFill>
-                <a:latin typeface="微软雅黑" panose="020B0503020204020204" pitchFamily="34" charset="-122"/>
-                <a:ea typeface="微软雅黑" panose="020B0503020204020204" pitchFamily="34" charset="-122"/>
-              </a:defRPr>
-            </a:lvl1pPr>
-          </a:lstStyle>
-          <a:p>
-            <a:r>
-              <a:rPr lang="en-US" altLang="zh-CN" dirty="0"/>
-              <a:t>CURL</a:t>
-            </a:r>
-            <a:r>
-              <a:rPr lang="zh-CN" altLang="en-US" dirty="0"/>
-              <a:t>上传与下载文件</a:t>
-            </a:r>
-            <a:endParaRPr lang="en-US" altLang="zh-CN" dirty="0"/>
-          </a:p>
-          <a:p>
-            <a:r>
-              <a:rPr lang="zh-CN" altLang="en-US" dirty="0"/>
-              <a:t>上传与获取素材</a:t>
-            </a:r>
-            <a:endParaRPr lang="en-US" altLang="zh-CN" dirty="0"/>
-          </a:p>
-          <a:p>
-            <a:r>
-              <a:rPr lang="zh-CN" altLang="en-US" dirty="0"/>
-              <a:t>素材列表与图文素材</a:t>
-            </a:r>
-            <a:endParaRPr lang="en-US" altLang="zh-CN" dirty="0"/>
-          </a:p>
-        </p:txBody>
-      </p:sp>
-    </p:spTree>
-    <p:extLst>
-      <p:ext uri="{BB962C8B-B14F-4D97-AF65-F5344CB8AC3E}">
-        <p14:creationId xmlns:p14="http://schemas.microsoft.com/office/powerpoint/2010/main" val="714534542"/>
-      </p:ext>
-    </p:extLst>
-  </p:cSld>
-  <p:clrMapOvr>
-    <a:masterClrMapping/>
-  </p:clrMapOvr>
-</p:sld>
-</file>
-
-<file path=ppt/slides/slide20.xml><?xml version="1.0" encoding="utf-8"?>
-<p:sld xmlns:a="http://schemas.openxmlformats.org/drawingml/2006/main" xmlns:r="http://schemas.openxmlformats.org/officeDocument/2006/relationships" xmlns:p="http://schemas.openxmlformats.org/presentationml/2006/main">
-  <p:cSld>
-    <p:spTree>
-      <p:nvGrpSpPr>
-        <p:cNvPr id="1" name=""/>
-        <p:cNvGrpSpPr/>
-        <p:nvPr/>
-      </p:nvGrpSpPr>
-      <p:grpSpPr>
-        <a:xfrm>
-          <a:off x="0" y="0"/>
-          <a:ext cx="0" cy="0"/>
-          <a:chOff x="0" y="0"/>
-          <a:chExt cx="0" cy="0"/>
-        </a:xfrm>
-      </p:grpSpPr>
-      <p:sp>
-        <p:nvSpPr>
-          <p:cNvPr id="2" name="内容占位符 1"/>
-          <p:cNvSpPr>
-            <a:spLocks noGrp="1"/>
-          </p:cNvSpPr>
-          <p:nvPr>
-            <p:ph sz="quarter" idx="13"/>
-          </p:nvPr>
-        </p:nvSpPr>
-        <p:spPr/>
-        <p:txBody>
-          <a:bodyPr/>
-          <a:lstStyle/>
-          <a:p>
-            <a:r>
-              <a:rPr lang="zh-CN" altLang="en-US" b="0" dirty="0"/>
-              <a:t>编辑图文素材</a:t>
-            </a:r>
-          </a:p>
-        </p:txBody>
-      </p:sp>
-    </p:spTree>
-    <p:extLst>
-      <p:ext uri="{BB962C8B-B14F-4D97-AF65-F5344CB8AC3E}">
-        <p14:creationId xmlns:p14="http://schemas.microsoft.com/office/powerpoint/2010/main" val="2714002118"/>
-      </p:ext>
-    </p:extLst>
-  </p:cSld>
-  <p:clrMapOvr>
-    <a:masterClrMapping/>
-  </p:clrMapOvr>
-</p:sld>
-</file>
-
-<file path=ppt/slides/slide21.xml><?xml version="1.0" encoding="utf-8"?>
-<p:sld xmlns:a="http://schemas.openxmlformats.org/drawingml/2006/main" xmlns:r="http://schemas.openxmlformats.org/officeDocument/2006/relationships" xmlns:p="http://schemas.openxmlformats.org/presentationml/2006/main">
-  <p:cSld>
-    <p:spTree>
-      <p:nvGrpSpPr>
-        <p:cNvPr id="1" name=""/>
-        <p:cNvGrpSpPr/>
-        <p:nvPr/>
-      </p:nvGrpSpPr>
-      <p:grpSpPr>
-        <a:xfrm>
-          <a:off x="0" y="0"/>
-          <a:ext cx="0" cy="0"/>
-          <a:chOff x="0" y="0"/>
-          <a:chExt cx="0" cy="0"/>
-        </a:xfrm>
-      </p:grpSpPr>
-      <p:sp>
-        <p:nvSpPr>
-          <p:cNvPr id="2" name="内容占位符 1"/>
-          <p:cNvSpPr>
-            <a:spLocks noGrp="1"/>
-          </p:cNvSpPr>
-          <p:nvPr>
-            <p:ph sz="quarter" idx="13"/>
-          </p:nvPr>
-        </p:nvSpPr>
-        <p:spPr>
-          <a:xfrm>
-            <a:off x="1054100" y="543636"/>
-            <a:ext cx="7304088" cy="685800"/>
-          </a:xfrm>
-        </p:spPr>
-        <p:txBody>
-          <a:bodyPr/>
-          <a:lstStyle/>
-          <a:p>
-            <a:r>
-              <a:rPr lang="zh-CN" altLang="en-US" dirty="0"/>
-              <a:t>第三讲</a:t>
-            </a:r>
-          </a:p>
-        </p:txBody>
-      </p:sp>
-      <p:sp>
-        <p:nvSpPr>
-          <p:cNvPr id="5" name="文本框 4">
-            <a:extLst>
-              <a:ext uri="{FF2B5EF4-FFF2-40B4-BE49-F238E27FC236}">
-                <a16:creationId xmlns:a16="http://schemas.microsoft.com/office/drawing/2014/main" id="{6DB6797D-C322-4CC6-9C30-59CB8031C73D}"/>
-              </a:ext>
-            </a:extLst>
-          </p:cNvPr>
-          <p:cNvSpPr txBox="1"/>
-          <p:nvPr/>
-        </p:nvSpPr>
-        <p:spPr>
-          <a:xfrm>
-            <a:off x="4058444" y="2343152"/>
-            <a:ext cx="5385594" cy="2062103"/>
-          </a:xfrm>
-          <a:prstGeom prst="rect">
-            <a:avLst/>
-          </a:prstGeom>
-          <a:noFill/>
-        </p:spPr>
-        <p:txBody>
-          <a:bodyPr wrap="square" rtlCol="0">
-            <a:spAutoFit/>
-          </a:bodyPr>
-          <a:lstStyle/>
-          <a:p>
-            <a:pPr marL="514350" indent="-514350">
-              <a:lnSpc>
-                <a:spcPct val="200000"/>
-              </a:lnSpc>
-              <a:buFont typeface="+mj-ea"/>
-              <a:buAutoNum type="ea1JpnChsDbPeriod"/>
-            </a:pPr>
-            <a:r>
-              <a:rPr lang="zh-CN" altLang="en-US" sz="2000" dirty="0">
-                <a:solidFill>
-                  <a:schemeClr val="tx1">
-                    <a:lumMod val="65000"/>
-                    <a:lumOff val="35000"/>
-                  </a:schemeClr>
-                </a:solidFill>
-                <a:latin typeface="微软雅黑" panose="020B0503020204020204" pitchFamily="34" charset="-122"/>
-                <a:ea typeface="微软雅黑" panose="020B0503020204020204" pitchFamily="34" charset="-122"/>
-              </a:rPr>
-              <a:t>上传与获取素材</a:t>
-            </a:r>
-            <a:endParaRPr lang="en-US" altLang="zh-CN" sz="2000" dirty="0">
-              <a:solidFill>
-                <a:schemeClr val="tx1">
-                  <a:lumMod val="65000"/>
-                  <a:lumOff val="35000"/>
-                </a:schemeClr>
-              </a:solidFill>
-              <a:latin typeface="微软雅黑" panose="020B0503020204020204" pitchFamily="34" charset="-122"/>
-              <a:ea typeface="微软雅黑" panose="020B0503020204020204" pitchFamily="34" charset="-122"/>
-            </a:endParaRPr>
-          </a:p>
-          <a:p>
-            <a:pPr marL="514350" indent="-514350">
-              <a:lnSpc>
-                <a:spcPct val="200000"/>
-              </a:lnSpc>
-              <a:buFont typeface="+mj-ea"/>
-              <a:buAutoNum type="ea1JpnChsDbPeriod"/>
-            </a:pPr>
-            <a:r>
-              <a:rPr lang="zh-CN" altLang="en-US" sz="2000" dirty="0">
-                <a:solidFill>
-                  <a:schemeClr val="tx1">
-                    <a:lumMod val="65000"/>
-                    <a:lumOff val="35000"/>
-                  </a:schemeClr>
-                </a:solidFill>
-                <a:latin typeface="微软雅黑" panose="020B0503020204020204" pitchFamily="34" charset="-122"/>
-                <a:ea typeface="微软雅黑" panose="020B0503020204020204" pitchFamily="34" charset="-122"/>
-              </a:rPr>
-              <a:t>上传与编辑图文素材</a:t>
-            </a:r>
-            <a:endParaRPr lang="en-US" altLang="zh-CN" sz="2000" dirty="0">
-              <a:solidFill>
-                <a:schemeClr val="tx1">
-                  <a:lumMod val="65000"/>
-                  <a:lumOff val="35000"/>
-                </a:schemeClr>
-              </a:solidFill>
-              <a:latin typeface="微软雅黑" panose="020B0503020204020204" pitchFamily="34" charset="-122"/>
-              <a:ea typeface="微软雅黑" panose="020B0503020204020204" pitchFamily="34" charset="-122"/>
-            </a:endParaRPr>
-          </a:p>
-          <a:p>
-            <a:pPr marL="514350" indent="-514350">
-              <a:lnSpc>
-                <a:spcPct val="200000"/>
-              </a:lnSpc>
-              <a:buFont typeface="+mj-ea"/>
-              <a:buAutoNum type="ea1JpnChsDbPeriod"/>
-            </a:pPr>
-            <a:r>
-              <a:rPr lang="zh-CN" altLang="en-US" sz="2400" dirty="0">
-                <a:solidFill>
-                  <a:schemeClr val="accent6">
-                    <a:lumMod val="75000"/>
-                  </a:schemeClr>
-                </a:solidFill>
-                <a:latin typeface="微软雅黑" panose="020B0503020204020204" pitchFamily="34" charset="-122"/>
-                <a:ea typeface="微软雅黑" panose="020B0503020204020204" pitchFamily="34" charset="-122"/>
-              </a:rPr>
-              <a:t>获取列表与删除素材</a:t>
-            </a:r>
-            <a:endParaRPr lang="en-US" altLang="zh-CN" sz="2400" dirty="0">
-              <a:solidFill>
-                <a:schemeClr val="accent6">
-                  <a:lumMod val="75000"/>
-                </a:schemeClr>
-              </a:solidFill>
-              <a:latin typeface="微软雅黑" panose="020B0503020204020204" pitchFamily="34" charset="-122"/>
-              <a:ea typeface="微软雅黑" panose="020B0503020204020204" pitchFamily="34" charset="-122"/>
-            </a:endParaRPr>
-          </a:p>
-        </p:txBody>
-      </p:sp>
-    </p:spTree>
-    <p:extLst>
-      <p:ext uri="{BB962C8B-B14F-4D97-AF65-F5344CB8AC3E}">
-        <p14:creationId xmlns:p14="http://schemas.microsoft.com/office/powerpoint/2010/main" val="1928010297"/>
-      </p:ext>
-    </p:extLst>
-  </p:cSld>
-  <p:clrMapOvr>
-    <a:masterClrMapping/>
-  </p:clrMapOvr>
-</p:sld>
-</file>
-
-<file path=ppt/slides/slide22.xml><?xml version="1.0" encoding="utf-8"?>
-<p:sld xmlns:a="http://schemas.openxmlformats.org/drawingml/2006/main" xmlns:r="http://schemas.openxmlformats.org/officeDocument/2006/relationships" xmlns:p="http://schemas.openxmlformats.org/presentationml/2006/main">
-  <p:cSld>
-    <p:spTree>
-      <p:nvGrpSpPr>
-        <p:cNvPr id="1" name=""/>
-        <p:cNvGrpSpPr/>
-        <p:nvPr/>
-      </p:nvGrpSpPr>
-      <p:grpSpPr>
-        <a:xfrm>
-          <a:off x="0" y="0"/>
-          <a:ext cx="0" cy="0"/>
-          <a:chOff x="0" y="0"/>
-          <a:chExt cx="0" cy="0"/>
-        </a:xfrm>
-      </p:grpSpPr>
-      <p:sp>
-        <p:nvSpPr>
-          <p:cNvPr id="2" name="内容占位符 1"/>
-          <p:cNvSpPr>
-            <a:spLocks noGrp="1"/>
-          </p:cNvSpPr>
-          <p:nvPr>
-            <p:ph sz="quarter" idx="13"/>
-          </p:nvPr>
-        </p:nvSpPr>
-        <p:spPr/>
-        <p:txBody>
-          <a:bodyPr/>
-          <a:lstStyle/>
-          <a:p>
-            <a:r>
-              <a:rPr lang="zh-CN" altLang="en-US" b="0" dirty="0"/>
-              <a:t>获取素材数量</a:t>
-            </a:r>
-          </a:p>
-        </p:txBody>
-      </p:sp>
-    </p:spTree>
-    <p:extLst>
-      <p:ext uri="{BB962C8B-B14F-4D97-AF65-F5344CB8AC3E}">
-        <p14:creationId xmlns:p14="http://schemas.microsoft.com/office/powerpoint/2010/main" val="1916290633"/>
-      </p:ext>
-    </p:extLst>
-  </p:cSld>
-  <p:clrMapOvr>
-    <a:masterClrMapping/>
-  </p:clrMapOvr>
-</p:sld>
-</file>
-
-<file path=ppt/slides/slide23.xml><?xml version="1.0" encoding="utf-8"?>
-<p:sld xmlns:a="http://schemas.openxmlformats.org/drawingml/2006/main" xmlns:r="http://schemas.openxmlformats.org/officeDocument/2006/relationships" xmlns:p="http://schemas.openxmlformats.org/presentationml/2006/main">
-  <p:cSld>
-    <p:spTree>
-      <p:nvGrpSpPr>
-        <p:cNvPr id="1" name=""/>
-        <p:cNvGrpSpPr/>
-        <p:nvPr/>
-      </p:nvGrpSpPr>
-      <p:grpSpPr>
-        <a:xfrm>
-          <a:off x="0" y="0"/>
-          <a:ext cx="0" cy="0"/>
-          <a:chOff x="0" y="0"/>
-          <a:chExt cx="0" cy="0"/>
-        </a:xfrm>
-      </p:grpSpPr>
-      <p:sp>
-        <p:nvSpPr>
-          <p:cNvPr id="2" name="内容占位符 1"/>
-          <p:cNvSpPr>
-            <a:spLocks noGrp="1"/>
-          </p:cNvSpPr>
-          <p:nvPr>
-            <p:ph sz="quarter" idx="13"/>
-          </p:nvPr>
-        </p:nvSpPr>
-        <p:spPr/>
-        <p:txBody>
-          <a:bodyPr/>
-          <a:lstStyle/>
-          <a:p>
-            <a:r>
               <a:rPr lang="zh-CN" altLang="en-US" b="0" dirty="0"/>
               <a:t>获取素材列表</a:t>
             </a:r>
@@ -16872,59 +16435,7 @@
 </p:sld>
 </file>
 
-<file path=ppt/slides/slide24.xml><?xml version="1.0" encoding="utf-8"?>
-<p:sld xmlns:a="http://schemas.openxmlformats.org/drawingml/2006/main" xmlns:r="http://schemas.openxmlformats.org/officeDocument/2006/relationships" xmlns:p="http://schemas.openxmlformats.org/presentationml/2006/main">
-  <p:cSld>
-    <p:spTree>
-      <p:nvGrpSpPr>
-        <p:cNvPr id="1" name=""/>
-        <p:cNvGrpSpPr/>
-        <p:nvPr/>
-      </p:nvGrpSpPr>
-      <p:grpSpPr>
-        <a:xfrm>
-          <a:off x="0" y="0"/>
-          <a:ext cx="0" cy="0"/>
-          <a:chOff x="0" y="0"/>
-          <a:chExt cx="0" cy="0"/>
-        </a:xfrm>
-      </p:grpSpPr>
-      <p:sp>
-        <p:nvSpPr>
-          <p:cNvPr id="2" name="内容占位符 1"/>
-          <p:cNvSpPr>
-            <a:spLocks noGrp="1"/>
-          </p:cNvSpPr>
-          <p:nvPr>
-            <p:ph sz="quarter" idx="13"/>
-          </p:nvPr>
-        </p:nvSpPr>
-        <p:spPr/>
-        <p:txBody>
-          <a:bodyPr/>
-          <a:lstStyle/>
-          <a:p>
-            <a:r>
-              <a:rPr lang="zh-CN" altLang="en-US" b="0" dirty="0"/>
-              <a:t>删除永久素材</a:t>
-            </a:r>
-          </a:p>
-        </p:txBody>
-      </p:sp>
-    </p:spTree>
-    <p:extLst>
-      <p:ext uri="{BB962C8B-B14F-4D97-AF65-F5344CB8AC3E}">
-        <p14:creationId xmlns:p14="http://schemas.microsoft.com/office/powerpoint/2010/main" val="1938055799"/>
-      </p:ext>
-    </p:extLst>
-  </p:cSld>
-  <p:clrMapOvr>
-    <a:masterClrMapping/>
-  </p:clrMapOvr>
-</p:sld>
-</file>
-
-<file path=ppt/slides/slide25.xml><?xml version="1.0" encoding="utf-8"?>
+<file path=ppt/slides/slide18.xml><?xml version="1.0" encoding="utf-8"?>
 <p:sld xmlns:a="http://schemas.openxmlformats.org/drawingml/2006/main" xmlns:r="http://schemas.openxmlformats.org/officeDocument/2006/relationships" xmlns:p="http://schemas.openxmlformats.org/presentationml/2006/main">
   <p:cSld>
     <p:spTree>
@@ -17625,6 +17136,127 @@
 </p:sld>
 </file>
 
+<file path=ppt/slides/slide2.xml><?xml version="1.0" encoding="utf-8"?>
+<p:sld xmlns:a="http://schemas.openxmlformats.org/drawingml/2006/main" xmlns:r="http://schemas.openxmlformats.org/officeDocument/2006/relationships" xmlns:p="http://schemas.openxmlformats.org/presentationml/2006/main">
+  <p:cSld>
+    <p:spTree>
+      <p:nvGrpSpPr>
+        <p:cNvPr id="1" name=""/>
+        <p:cNvGrpSpPr/>
+        <p:nvPr/>
+      </p:nvGrpSpPr>
+      <p:grpSpPr>
+        <a:xfrm>
+          <a:off x="0" y="0"/>
+          <a:ext cx="0" cy="0"/>
+          <a:chOff x="0" y="0"/>
+          <a:chExt cx="0" cy="0"/>
+        </a:xfrm>
+      </p:grpSpPr>
+      <p:sp>
+        <p:nvSpPr>
+          <p:cNvPr id="2" name="内容占位符 1"/>
+          <p:cNvSpPr>
+            <a:spLocks noGrp="1"/>
+          </p:cNvSpPr>
+          <p:nvPr>
+            <p:ph sz="quarter" idx="13"/>
+          </p:nvPr>
+        </p:nvSpPr>
+        <p:spPr/>
+        <p:txBody>
+          <a:bodyPr/>
+          <a:lstStyle/>
+          <a:p>
+            <a:r>
+              <a:rPr lang="zh-CN" altLang="en-US" b="0" dirty="0"/>
+              <a:t>本次课程目录</a:t>
+            </a:r>
+          </a:p>
+        </p:txBody>
+      </p:sp>
+      <p:sp>
+        <p:nvSpPr>
+          <p:cNvPr id="4" name="文本框 3"/>
+          <p:cNvSpPr txBox="1"/>
+          <p:nvPr/>
+        </p:nvSpPr>
+        <p:spPr>
+          <a:xfrm>
+            <a:off x="4047934" y="2343152"/>
+            <a:ext cx="5385594" cy="2308324"/>
+          </a:xfrm>
+          <a:prstGeom prst="rect">
+            <a:avLst/>
+          </a:prstGeom>
+          <a:noFill/>
+        </p:spPr>
+        <p:txBody>
+          <a:bodyPr wrap="square" rtlCol="0">
+            <a:spAutoFit/>
+          </a:bodyPr>
+          <a:lstStyle>
+            <a:defPPr>
+              <a:defRPr lang="zh-CN"/>
+            </a:defPPr>
+            <a:lvl1pPr marL="514350" indent="-514350">
+              <a:lnSpc>
+                <a:spcPct val="200000"/>
+              </a:lnSpc>
+              <a:buFont typeface="+mj-ea"/>
+              <a:buAutoNum type="ea1JpnChsDbPeriod"/>
+              <a:defRPr sz="2400">
+                <a:solidFill>
+                  <a:schemeClr val="tx1">
+                    <a:lumMod val="65000"/>
+                    <a:lumOff val="35000"/>
+                  </a:schemeClr>
+                </a:solidFill>
+                <a:latin typeface="微软雅黑" panose="020B0503020204020204" pitchFamily="34" charset="-122"/>
+                <a:ea typeface="微软雅黑" panose="020B0503020204020204" pitchFamily="34" charset="-122"/>
+              </a:defRPr>
+            </a:lvl1pPr>
+          </a:lstStyle>
+          <a:p>
+            <a:r>
+              <a:rPr lang="en-US" altLang="zh-CN" dirty="0"/>
+              <a:t>CURL</a:t>
+            </a:r>
+            <a:r>
+              <a:rPr lang="zh-CN" altLang="en-US" dirty="0"/>
+              <a:t>上传与下载文件</a:t>
+            </a:r>
+            <a:endParaRPr lang="en-US" altLang="zh-CN" dirty="0"/>
+          </a:p>
+          <a:p>
+            <a:r>
+              <a:rPr lang="zh-CN" altLang="en-US" dirty="0"/>
+              <a:t>上传素材</a:t>
+            </a:r>
+            <a:endParaRPr lang="en-US" altLang="zh-CN" dirty="0"/>
+          </a:p>
+          <a:p>
+            <a:r>
+              <a:rPr lang="zh-CN" altLang="en-US" dirty="0"/>
+              <a:t>获取与删除素材</a:t>
+            </a:r>
+            <a:endParaRPr lang="en-US" altLang="zh-CN" dirty="0"/>
+          </a:p>
+        </p:txBody>
+      </p:sp>
+    </p:spTree>
+    <p:extLst>
+      <p:ext uri="{BB962C8B-B14F-4D97-AF65-F5344CB8AC3E}">
+        <p14:creationId xmlns:p14="http://schemas.microsoft.com/office/powerpoint/2010/main" val="714534542"/>
+      </p:ext>
+    </p:extLst>
+  </p:cSld>
+  <p:clrMapOvr>
+    <a:masterClrMapping/>
+  </p:clrMapOvr>
+</p:sld>
+</file>
+
 <file path=ppt/slides/slide3.xml><?xml version="1.0" encoding="utf-8"?>
 <p:sld xmlns:a="http://schemas.openxmlformats.org/drawingml/2006/main" xmlns:r="http://schemas.openxmlformats.org/officeDocument/2006/relationships" xmlns:p="http://schemas.openxmlformats.org/presentationml/2006/main" show="0">
   <p:cSld>
@@ -17730,7 +17362,7 @@
         <p:spPr>
           <a:xfrm>
             <a:off x="4058444" y="2343152"/>
-            <a:ext cx="5385594" cy="1969257"/>
+            <a:ext cx="5385594" cy="2062103"/>
           </a:xfrm>
           <a:prstGeom prst="rect">
             <a:avLst/>
@@ -17750,6 +17382,18 @@
               <a:buFont typeface="+mj-ea"/>
               <a:buAutoNum type="ea1JpnChsDbPeriod"/>
             </a:pPr>
+            <a:r>
+              <a:rPr lang="en-US" altLang="zh-CN" sz="2400" dirty="0">
+                <a:solidFill>
+                  <a:schemeClr val="accent6">
+                    <a:lumMod val="75000"/>
+                  </a:schemeClr>
+                </a:solidFill>
+                <a:latin typeface="微软雅黑" panose="020B0503020204020204" pitchFamily="34" charset="-122"/>
+                <a:ea typeface="微软雅黑" panose="020B0503020204020204" pitchFamily="34" charset="-122"/>
+              </a:rPr>
+              <a:t>CURL</a:t>
+            </a:r>
             <a:r>
               <a:rPr lang="zh-CN" altLang="en-US" sz="2400" dirty="0">
                 <a:solidFill>
@@ -17760,7 +17404,7 @@
                 <a:latin typeface="微软雅黑" panose="020B0503020204020204" pitchFamily="34" charset="-122"/>
                 <a:ea typeface="微软雅黑" panose="020B0503020204020204" pitchFamily="34" charset="-122"/>
               </a:rPr>
-              <a:t>上传与获取素材</a:t>
+              <a:t>上传与下载文件</a:t>
             </a:r>
             <a:endParaRPr lang="en-US" altLang="zh-CN" sz="2400" dirty="0">
               <a:solidFill>
@@ -17791,7 +17435,7 @@
                 <a:latin typeface="微软雅黑" panose="020B0503020204020204" pitchFamily="34" charset="-122"/>
                 <a:ea typeface="微软雅黑" panose="020B0503020204020204" pitchFamily="34" charset="-122"/>
               </a:rPr>
-              <a:t>上传与编辑图文素材</a:t>
+              <a:t>上传素材</a:t>
             </a:r>
             <a:endParaRPr lang="en-US" altLang="zh-CN" sz="2000" dirty="0">
               <a:solidFill>
@@ -17823,7 +17467,7 @@
                 <a:latin typeface="微软雅黑" panose="020B0503020204020204" pitchFamily="34" charset="-122"/>
                 <a:ea typeface="微软雅黑" panose="020B0503020204020204" pitchFamily="34" charset="-122"/>
               </a:rPr>
-              <a:t>获取列表与删除素材</a:t>
+              <a:t>获取与删除素材</a:t>
             </a:r>
             <a:endParaRPr lang="en-US" altLang="zh-CN" sz="2000" dirty="0">
               <a:solidFill>
@@ -17878,29 +17522,64 @@
             <p:ph sz="quarter" idx="13"/>
           </p:nvPr>
         </p:nvSpPr>
+        <p:spPr/>
+        <p:txBody>
+          <a:bodyPr/>
+          <a:lstStyle/>
+          <a:p>
+            <a:r>
+              <a:rPr lang="en-US" altLang="zh-CN" b="0" dirty="0"/>
+              <a:t>CURL</a:t>
+            </a:r>
+            <a:r>
+              <a:rPr lang="zh-CN" altLang="en-US" b="0" dirty="0"/>
+              <a:t>上传文件</a:t>
+            </a:r>
+          </a:p>
+        </p:txBody>
+      </p:sp>
+      <p:pic>
+        <p:nvPicPr>
+          <p:cNvPr id="5" name="图片 4">
+            <a:extLst>
+              <a:ext uri="{FF2B5EF4-FFF2-40B4-BE49-F238E27FC236}">
+                <a16:creationId xmlns:a16="http://schemas.microsoft.com/office/drawing/2014/main" id="{ECB02456-771D-4A3C-9B63-1EE085465B49}"/>
+              </a:ext>
+            </a:extLst>
+          </p:cNvPr>
+          <p:cNvPicPr>
+            <a:picLocks noChangeAspect="1"/>
+          </p:cNvPicPr>
+          <p:nvPr/>
+        </p:nvPicPr>
+        <p:blipFill>
+          <a:blip r:embed="rId2">
+            <a:extLst>
+              <a:ext uri="{28A0092B-C50C-407E-A947-70E740481C1C}">
+                <a14:useLocalDpi xmlns:a14="http://schemas.microsoft.com/office/drawing/2010/main" val="0"/>
+              </a:ext>
+            </a:extLst>
+          </a:blip>
+          <a:stretch>
+            <a:fillRect/>
+          </a:stretch>
+        </p:blipFill>
         <p:spPr>
           <a:xfrm>
-            <a:off x="1054100" y="543636"/>
-            <a:ext cx="5966810" cy="685800"/>
+            <a:off x="1054099" y="1638422"/>
+            <a:ext cx="10457237" cy="2943409"/>
           </a:xfrm>
+          <a:prstGeom prst="rect">
+            <a:avLst/>
+          </a:prstGeom>
         </p:spPr>
-        <p:txBody>
-          <a:bodyPr/>
-          <a:lstStyle/>
-          <a:p>
-            <a:r>
-              <a:rPr lang="zh-CN" altLang="en-US" b="0" dirty="0"/>
-              <a:t>素材类型与限制条件</a:t>
-            </a:r>
-          </a:p>
-        </p:txBody>
-      </p:sp>
-      <p:sp>
-        <p:nvSpPr>
-          <p:cNvPr id="3" name="文本框 2">
+      </p:pic>
+      <p:sp>
+        <p:nvSpPr>
+          <p:cNvPr id="6" name="文本框 5">
             <a:extLst>
               <a:ext uri="{FF2B5EF4-FFF2-40B4-BE49-F238E27FC236}">
-                <a16:creationId xmlns:a16="http://schemas.microsoft.com/office/drawing/2014/main" id="{C1426E23-23DF-477F-BFED-07730504AD7E}"/>
+                <a16:creationId xmlns:a16="http://schemas.microsoft.com/office/drawing/2014/main" id="{125CE053-5F3A-4A70-853C-982E51224D16}"/>
               </a:ext>
             </a:extLst>
           </p:cNvPr>
@@ -17909,8 +17588,8 @@
         </p:nvSpPr>
         <p:spPr>
           <a:xfrm>
-            <a:off x="1054100" y="1597572"/>
-            <a:ext cx="10538810" cy="4725461"/>
+            <a:off x="1054099" y="5063613"/>
+            <a:ext cx="8286546" cy="646331"/>
           </a:xfrm>
           <a:prstGeom prst="rect">
             <a:avLst/>
@@ -17924,534 +17603,52 @@
           <a:lstStyle/>
           <a:p>
             <a:pPr marL="285750" indent="-285750">
-              <a:lnSpc>
-                <a:spcPts val="2800"/>
-              </a:lnSpc>
               <a:buFont typeface="Arial" panose="020B0604020202020204" pitchFamily="34" charset="0"/>
               <a:buChar char="•"/>
             </a:pPr>
             <a:r>
-              <a:rPr lang="zh-CN" altLang="en-US" dirty="0">
-                <a:latin typeface="微软雅黑" panose="020B0503020204020204" pitchFamily="34" charset="-122"/>
-                <a:ea typeface="微软雅黑" panose="020B0503020204020204" pitchFamily="34" charset="-122"/>
-              </a:rPr>
-              <a:t>最近更新：永久图片素材新增后，将带有</a:t>
-            </a:r>
-            <a:r>
-              <a:rPr lang="en-US" altLang="zh-CN" dirty="0">
-                <a:latin typeface="微软雅黑" panose="020B0503020204020204" pitchFamily="34" charset="-122"/>
-                <a:ea typeface="微软雅黑" panose="020B0503020204020204" pitchFamily="34" charset="-122"/>
-              </a:rPr>
-              <a:t>URL</a:t>
-            </a:r>
-            <a:r>
-              <a:rPr lang="zh-CN" altLang="en-US" dirty="0">
-                <a:latin typeface="微软雅黑" panose="020B0503020204020204" pitchFamily="34" charset="-122"/>
-                <a:ea typeface="微软雅黑" panose="020B0503020204020204" pitchFamily="34" charset="-122"/>
-              </a:rPr>
-              <a:t>返回给开发者，开发者可以在腾讯系域名内使用（腾讯系域名外使用，图片将被屏蔽）。</a:t>
-            </a:r>
-            <a:endParaRPr lang="en-US" altLang="zh-CN" dirty="0">
-              <a:latin typeface="微软雅黑" panose="020B0503020204020204" pitchFamily="34" charset="-122"/>
-              <a:ea typeface="微软雅黑" panose="020B0503020204020204" pitchFamily="34" charset="-122"/>
-            </a:endParaRPr>
-          </a:p>
-          <a:p>
-            <a:pPr marL="285750" indent="-285750">
-              <a:lnSpc>
-                <a:spcPts val="2800"/>
-              </a:lnSpc>
-              <a:buFont typeface="Arial" panose="020B0604020202020204" pitchFamily="34" charset="0"/>
-              <a:buChar char="•"/>
-            </a:pPr>
-            <a:r>
-              <a:rPr lang="zh-CN" altLang="en-US" dirty="0">
-                <a:latin typeface="微软雅黑" panose="020B0503020204020204" pitchFamily="34" charset="-122"/>
-                <a:ea typeface="微软雅黑" panose="020B0503020204020204" pitchFamily="34" charset="-122"/>
-              </a:rPr>
-              <a:t>公众号的素材库保存总数量有上限：图文消息素材、图片素材上限为</a:t>
-            </a:r>
-            <a:r>
-              <a:rPr lang="en-US" altLang="zh-CN" dirty="0">
-                <a:latin typeface="微软雅黑" panose="020B0503020204020204" pitchFamily="34" charset="-122"/>
-                <a:ea typeface="微软雅黑" panose="020B0503020204020204" pitchFamily="34" charset="-122"/>
-              </a:rPr>
-              <a:t>5000</a:t>
-            </a:r>
-            <a:r>
-              <a:rPr lang="zh-CN" altLang="en-US" dirty="0">
-                <a:latin typeface="微软雅黑" panose="020B0503020204020204" pitchFamily="34" charset="-122"/>
-                <a:ea typeface="微软雅黑" panose="020B0503020204020204" pitchFamily="34" charset="-122"/>
-              </a:rPr>
-              <a:t>，其他类型为</a:t>
-            </a:r>
-            <a:r>
-              <a:rPr lang="en-US" altLang="zh-CN" dirty="0">
-                <a:latin typeface="微软雅黑" panose="020B0503020204020204" pitchFamily="34" charset="-122"/>
-                <a:ea typeface="微软雅黑" panose="020B0503020204020204" pitchFamily="34" charset="-122"/>
-              </a:rPr>
-              <a:t>1000</a:t>
-            </a:r>
-          </a:p>
-          <a:p>
-            <a:pPr marL="285750" indent="-285750">
-              <a:lnSpc>
-                <a:spcPts val="2800"/>
-              </a:lnSpc>
-              <a:buFont typeface="Arial" panose="020B0604020202020204" pitchFamily="34" charset="0"/>
-              <a:buChar char="•"/>
-            </a:pPr>
-            <a:r>
-              <a:rPr lang="zh-CN" altLang="en-US" dirty="0">
-                <a:latin typeface="微软雅黑" panose="020B0503020204020204" pitchFamily="34" charset="-122"/>
-                <a:ea typeface="微软雅黑" panose="020B0503020204020204" pitchFamily="34" charset="-122"/>
-              </a:rPr>
-              <a:t>素材的格式大小等要求与公众平台官网一致：</a:t>
-            </a:r>
-          </a:p>
-          <a:p>
-            <a:pPr lvl="1">
-              <a:lnSpc>
-                <a:spcPts val="2800"/>
-              </a:lnSpc>
-            </a:pPr>
-            <a:r>
-              <a:rPr lang="zh-CN" altLang="en-US" sz="1600" dirty="0">
-                <a:latin typeface="微软雅黑" panose="020B0503020204020204" pitchFamily="34" charset="-122"/>
-                <a:ea typeface="微软雅黑" panose="020B0503020204020204" pitchFamily="34" charset="-122"/>
-              </a:rPr>
-              <a:t>图片（</a:t>
-            </a:r>
-            <a:r>
-              <a:rPr lang="en-US" altLang="zh-CN" sz="1600" dirty="0">
-                <a:latin typeface="微软雅黑" panose="020B0503020204020204" pitchFamily="34" charset="-122"/>
-                <a:ea typeface="微软雅黑" panose="020B0503020204020204" pitchFamily="34" charset="-122"/>
-              </a:rPr>
-              <a:t>image</a:t>
-            </a:r>
-            <a:r>
-              <a:rPr lang="zh-CN" altLang="en-US" sz="1600" dirty="0">
-                <a:latin typeface="微软雅黑" panose="020B0503020204020204" pitchFamily="34" charset="-122"/>
-                <a:ea typeface="微软雅黑" panose="020B0503020204020204" pitchFamily="34" charset="-122"/>
-              </a:rPr>
-              <a:t>）</a:t>
-            </a:r>
-            <a:r>
-              <a:rPr lang="en-US" altLang="zh-CN" sz="1600" dirty="0">
-                <a:latin typeface="微软雅黑" panose="020B0503020204020204" pitchFamily="34" charset="-122"/>
-                <a:ea typeface="微软雅黑" panose="020B0503020204020204" pitchFamily="34" charset="-122"/>
-              </a:rPr>
-              <a:t>: 2M</a:t>
-            </a:r>
-            <a:r>
-              <a:rPr lang="zh-CN" altLang="en-US" sz="1600" dirty="0">
-                <a:latin typeface="微软雅黑" panose="020B0503020204020204" pitchFamily="34" charset="-122"/>
-                <a:ea typeface="微软雅黑" panose="020B0503020204020204" pitchFamily="34" charset="-122"/>
-              </a:rPr>
-              <a:t>，支持</a:t>
-            </a:r>
-            <a:r>
-              <a:rPr lang="en-US" altLang="zh-CN" sz="1600" dirty="0">
-                <a:latin typeface="微软雅黑" panose="020B0503020204020204" pitchFamily="34" charset="-122"/>
-                <a:ea typeface="微软雅黑" panose="020B0503020204020204" pitchFamily="34" charset="-122"/>
-              </a:rPr>
-              <a:t>bmp/</a:t>
-            </a:r>
-            <a:r>
-              <a:rPr lang="en-US" altLang="zh-CN" sz="1600" dirty="0" err="1">
-                <a:latin typeface="微软雅黑" panose="020B0503020204020204" pitchFamily="34" charset="-122"/>
-                <a:ea typeface="微软雅黑" panose="020B0503020204020204" pitchFamily="34" charset="-122"/>
-              </a:rPr>
-              <a:t>png</a:t>
-            </a:r>
-            <a:r>
-              <a:rPr lang="en-US" altLang="zh-CN" sz="1600" dirty="0">
-                <a:latin typeface="微软雅黑" panose="020B0503020204020204" pitchFamily="34" charset="-122"/>
-                <a:ea typeface="微软雅黑" panose="020B0503020204020204" pitchFamily="34" charset="-122"/>
-              </a:rPr>
-              <a:t>/jpeg/jpg/gif</a:t>
-            </a:r>
-            <a:r>
-              <a:rPr lang="zh-CN" altLang="en-US" sz="1600" dirty="0">
-                <a:latin typeface="微软雅黑" panose="020B0503020204020204" pitchFamily="34" charset="-122"/>
-                <a:ea typeface="微软雅黑" panose="020B0503020204020204" pitchFamily="34" charset="-122"/>
-              </a:rPr>
-              <a:t>格式</a:t>
-            </a:r>
-          </a:p>
-          <a:p>
-            <a:pPr lvl="1">
-              <a:lnSpc>
-                <a:spcPts val="2800"/>
-              </a:lnSpc>
-            </a:pPr>
-            <a:r>
-              <a:rPr lang="zh-CN" altLang="en-US" sz="1600" dirty="0">
-                <a:latin typeface="微软雅黑" panose="020B0503020204020204" pitchFamily="34" charset="-122"/>
-                <a:ea typeface="微软雅黑" panose="020B0503020204020204" pitchFamily="34" charset="-122"/>
-              </a:rPr>
-              <a:t>语音（</a:t>
-            </a:r>
-            <a:r>
-              <a:rPr lang="en-US" altLang="zh-CN" sz="1600" dirty="0">
-                <a:latin typeface="微软雅黑" panose="020B0503020204020204" pitchFamily="34" charset="-122"/>
-                <a:ea typeface="微软雅黑" panose="020B0503020204020204" pitchFamily="34" charset="-122"/>
-              </a:rPr>
-              <a:t>voice</a:t>
-            </a:r>
-            <a:r>
-              <a:rPr lang="zh-CN" altLang="en-US" sz="1600" dirty="0">
-                <a:latin typeface="微软雅黑" panose="020B0503020204020204" pitchFamily="34" charset="-122"/>
-                <a:ea typeface="微软雅黑" panose="020B0503020204020204" pitchFamily="34" charset="-122"/>
-              </a:rPr>
-              <a:t>）：</a:t>
-            </a:r>
-            <a:r>
-              <a:rPr lang="en-US" altLang="zh-CN" sz="1600" dirty="0">
-                <a:latin typeface="微软雅黑" panose="020B0503020204020204" pitchFamily="34" charset="-122"/>
-                <a:ea typeface="微软雅黑" panose="020B0503020204020204" pitchFamily="34" charset="-122"/>
-              </a:rPr>
-              <a:t>2M</a:t>
-            </a:r>
-            <a:r>
-              <a:rPr lang="zh-CN" altLang="en-US" sz="1600" dirty="0">
-                <a:latin typeface="微软雅黑" panose="020B0503020204020204" pitchFamily="34" charset="-122"/>
-                <a:ea typeface="微软雅黑" panose="020B0503020204020204" pitchFamily="34" charset="-122"/>
-              </a:rPr>
-              <a:t>，播放长度不超过</a:t>
-            </a:r>
-            <a:r>
-              <a:rPr lang="en-US" altLang="zh-CN" sz="1600" dirty="0">
-                <a:latin typeface="微软雅黑" panose="020B0503020204020204" pitchFamily="34" charset="-122"/>
-                <a:ea typeface="微软雅黑" panose="020B0503020204020204" pitchFamily="34" charset="-122"/>
-              </a:rPr>
-              <a:t>60s</a:t>
-            </a:r>
-            <a:r>
-              <a:rPr lang="zh-CN" altLang="en-US" sz="1600" dirty="0">
-                <a:latin typeface="微软雅黑" panose="020B0503020204020204" pitchFamily="34" charset="-122"/>
-                <a:ea typeface="微软雅黑" panose="020B0503020204020204" pitchFamily="34" charset="-122"/>
-              </a:rPr>
-              <a:t>，</a:t>
-            </a:r>
-            <a:r>
-              <a:rPr lang="en-US" altLang="zh-CN" sz="1600" dirty="0">
-                <a:latin typeface="微软雅黑" panose="020B0503020204020204" pitchFamily="34" charset="-122"/>
-                <a:ea typeface="微软雅黑" panose="020B0503020204020204" pitchFamily="34" charset="-122"/>
-              </a:rPr>
-              <a:t>mp3/</a:t>
-            </a:r>
-            <a:r>
-              <a:rPr lang="en-US" altLang="zh-CN" sz="1600" dirty="0" err="1">
-                <a:latin typeface="微软雅黑" panose="020B0503020204020204" pitchFamily="34" charset="-122"/>
-                <a:ea typeface="微软雅黑" panose="020B0503020204020204" pitchFamily="34" charset="-122"/>
-              </a:rPr>
-              <a:t>wma</a:t>
-            </a:r>
-            <a:r>
-              <a:rPr lang="en-US" altLang="zh-CN" sz="1600" dirty="0">
-                <a:latin typeface="微软雅黑" panose="020B0503020204020204" pitchFamily="34" charset="-122"/>
-                <a:ea typeface="微软雅黑" panose="020B0503020204020204" pitchFamily="34" charset="-122"/>
-              </a:rPr>
-              <a:t>/wav/</a:t>
-            </a:r>
-            <a:r>
-              <a:rPr lang="en-US" altLang="zh-CN" sz="1600" dirty="0" err="1">
-                <a:latin typeface="微软雅黑" panose="020B0503020204020204" pitchFamily="34" charset="-122"/>
-                <a:ea typeface="微软雅黑" panose="020B0503020204020204" pitchFamily="34" charset="-122"/>
-              </a:rPr>
-              <a:t>amr</a:t>
-            </a:r>
-            <a:r>
-              <a:rPr lang="zh-CN" altLang="en-US" sz="1600" dirty="0">
-                <a:latin typeface="微软雅黑" panose="020B0503020204020204" pitchFamily="34" charset="-122"/>
-                <a:ea typeface="微软雅黑" panose="020B0503020204020204" pitchFamily="34" charset="-122"/>
-              </a:rPr>
-              <a:t>格式</a:t>
-            </a:r>
-            <a:endParaRPr lang="en-US" altLang="zh-CN" sz="1600" dirty="0">
-              <a:latin typeface="微软雅黑" panose="020B0503020204020204" pitchFamily="34" charset="-122"/>
-              <a:ea typeface="微软雅黑" panose="020B0503020204020204" pitchFamily="34" charset="-122"/>
-            </a:endParaRPr>
-          </a:p>
-          <a:p>
-            <a:pPr lvl="1">
-              <a:lnSpc>
-                <a:spcPts val="2800"/>
-              </a:lnSpc>
-            </a:pPr>
-            <a:r>
-              <a:rPr lang="zh-CN" altLang="en-US" sz="1600" dirty="0">
-                <a:latin typeface="微软雅黑" panose="020B0503020204020204" pitchFamily="34" charset="-122"/>
-                <a:ea typeface="微软雅黑" panose="020B0503020204020204" pitchFamily="34" charset="-122"/>
-              </a:rPr>
-              <a:t>视频（</a:t>
-            </a:r>
-            <a:r>
-              <a:rPr lang="en-US" altLang="zh-CN" sz="1600" dirty="0">
-                <a:latin typeface="微软雅黑" panose="020B0503020204020204" pitchFamily="34" charset="-122"/>
-                <a:ea typeface="微软雅黑" panose="020B0503020204020204" pitchFamily="34" charset="-122"/>
-              </a:rPr>
-              <a:t>video</a:t>
-            </a:r>
-            <a:r>
-              <a:rPr lang="zh-CN" altLang="en-US" sz="1600" dirty="0">
-                <a:latin typeface="微软雅黑" panose="020B0503020204020204" pitchFamily="34" charset="-122"/>
-                <a:ea typeface="微软雅黑" panose="020B0503020204020204" pitchFamily="34" charset="-122"/>
-              </a:rPr>
-              <a:t>）：</a:t>
-            </a:r>
-            <a:r>
-              <a:rPr lang="en-US" altLang="zh-CN" sz="1600" dirty="0">
-                <a:latin typeface="微软雅黑" panose="020B0503020204020204" pitchFamily="34" charset="-122"/>
-                <a:ea typeface="微软雅黑" panose="020B0503020204020204" pitchFamily="34" charset="-122"/>
-              </a:rPr>
-              <a:t>10MB</a:t>
-            </a:r>
-            <a:r>
-              <a:rPr lang="zh-CN" altLang="en-US" sz="1600" dirty="0">
-                <a:latin typeface="微软雅黑" panose="020B0503020204020204" pitchFamily="34" charset="-122"/>
-                <a:ea typeface="微软雅黑" panose="020B0503020204020204" pitchFamily="34" charset="-122"/>
-              </a:rPr>
-              <a:t>，支持</a:t>
-            </a:r>
-            <a:r>
-              <a:rPr lang="en-US" altLang="zh-CN" sz="1600" dirty="0">
-                <a:latin typeface="微软雅黑" panose="020B0503020204020204" pitchFamily="34" charset="-122"/>
-                <a:ea typeface="微软雅黑" panose="020B0503020204020204" pitchFamily="34" charset="-122"/>
-              </a:rPr>
-              <a:t>MP4</a:t>
-            </a:r>
-            <a:r>
-              <a:rPr lang="zh-CN" altLang="en-US" sz="1600" dirty="0">
-                <a:latin typeface="微软雅黑" panose="020B0503020204020204" pitchFamily="34" charset="-122"/>
-                <a:ea typeface="微软雅黑" panose="020B0503020204020204" pitchFamily="34" charset="-122"/>
-              </a:rPr>
-              <a:t>格式</a:t>
-            </a:r>
-          </a:p>
-          <a:p>
-            <a:pPr lvl="1">
-              <a:lnSpc>
-                <a:spcPts val="2800"/>
-              </a:lnSpc>
-            </a:pPr>
-            <a:r>
-              <a:rPr lang="zh-CN" altLang="en-US" sz="1600" dirty="0">
-                <a:latin typeface="微软雅黑" panose="020B0503020204020204" pitchFamily="34" charset="-122"/>
-                <a:ea typeface="微软雅黑" panose="020B0503020204020204" pitchFamily="34" charset="-122"/>
-              </a:rPr>
-              <a:t>缩略图（</a:t>
-            </a:r>
-            <a:r>
-              <a:rPr lang="en-US" altLang="zh-CN" sz="1600" dirty="0">
-                <a:latin typeface="微软雅黑" panose="020B0503020204020204" pitchFamily="34" charset="-122"/>
-                <a:ea typeface="微软雅黑" panose="020B0503020204020204" pitchFamily="34" charset="-122"/>
-              </a:rPr>
-              <a:t>thumb</a:t>
-            </a:r>
-            <a:r>
-              <a:rPr lang="zh-CN" altLang="en-US" sz="1600" dirty="0">
-                <a:latin typeface="微软雅黑" panose="020B0503020204020204" pitchFamily="34" charset="-122"/>
-                <a:ea typeface="微软雅黑" panose="020B0503020204020204" pitchFamily="34" charset="-122"/>
-              </a:rPr>
-              <a:t>）：</a:t>
-            </a:r>
-            <a:r>
-              <a:rPr lang="en-US" altLang="zh-CN" sz="1600" dirty="0">
-                <a:latin typeface="微软雅黑" panose="020B0503020204020204" pitchFamily="34" charset="-122"/>
-                <a:ea typeface="微软雅黑" panose="020B0503020204020204" pitchFamily="34" charset="-122"/>
-              </a:rPr>
-              <a:t>64KB</a:t>
-            </a:r>
-            <a:r>
-              <a:rPr lang="zh-CN" altLang="en-US" sz="1600" dirty="0">
-                <a:latin typeface="微软雅黑" panose="020B0503020204020204" pitchFamily="34" charset="-122"/>
-                <a:ea typeface="微软雅黑" panose="020B0503020204020204" pitchFamily="34" charset="-122"/>
-              </a:rPr>
-              <a:t>，支持</a:t>
-            </a:r>
-            <a:r>
-              <a:rPr lang="en-US" altLang="zh-CN" sz="1600" dirty="0">
-                <a:latin typeface="微软雅黑" panose="020B0503020204020204" pitchFamily="34" charset="-122"/>
-                <a:ea typeface="微软雅黑" panose="020B0503020204020204" pitchFamily="34" charset="-122"/>
-              </a:rPr>
-              <a:t>JPG</a:t>
-            </a:r>
-            <a:r>
-              <a:rPr lang="zh-CN" altLang="en-US" sz="1600" dirty="0">
-                <a:latin typeface="微软雅黑" panose="020B0503020204020204" pitchFamily="34" charset="-122"/>
-                <a:ea typeface="微软雅黑" panose="020B0503020204020204" pitchFamily="34" charset="-122"/>
-              </a:rPr>
-              <a:t>格式</a:t>
-            </a:r>
-          </a:p>
-          <a:p>
-            <a:pPr marL="285750" indent="-285750">
-              <a:lnSpc>
-                <a:spcPts val="2800"/>
-              </a:lnSpc>
-              <a:buFont typeface="Arial" panose="020B0604020202020204" pitchFamily="34" charset="0"/>
-              <a:buChar char="•"/>
-            </a:pPr>
-            <a:r>
-              <a:rPr lang="zh-CN" altLang="en-US" dirty="0">
-                <a:latin typeface="微软雅黑" panose="020B0503020204020204" pitchFamily="34" charset="-122"/>
-                <a:ea typeface="微软雅黑" panose="020B0503020204020204" pitchFamily="34" charset="-122"/>
-              </a:rPr>
-              <a:t>图文消息的具体内容中，微信后台将过滤外部的图片链接，图片</a:t>
-            </a:r>
-            <a:r>
-              <a:rPr lang="en-US" altLang="zh-CN" dirty="0" err="1">
-                <a:latin typeface="微软雅黑" panose="020B0503020204020204" pitchFamily="34" charset="-122"/>
-                <a:ea typeface="微软雅黑" panose="020B0503020204020204" pitchFamily="34" charset="-122"/>
-              </a:rPr>
-              <a:t>url</a:t>
-            </a:r>
-            <a:r>
-              <a:rPr lang="zh-CN" altLang="en-US" dirty="0">
-                <a:latin typeface="微软雅黑" panose="020B0503020204020204" pitchFamily="34" charset="-122"/>
-                <a:ea typeface="微软雅黑" panose="020B0503020204020204" pitchFamily="34" charset="-122"/>
-              </a:rPr>
-              <a:t>需通过</a:t>
-            </a:r>
-            <a:r>
-              <a:rPr lang="en-US" altLang="zh-CN" dirty="0">
-                <a:latin typeface="微软雅黑" panose="020B0503020204020204" pitchFamily="34" charset="-122"/>
-                <a:ea typeface="微软雅黑" panose="020B0503020204020204" pitchFamily="34" charset="-122"/>
-              </a:rPr>
-              <a:t>"</a:t>
-            </a:r>
-            <a:r>
-              <a:rPr lang="zh-CN" altLang="en-US" dirty="0">
-                <a:latin typeface="微软雅黑" panose="020B0503020204020204" pitchFamily="34" charset="-122"/>
-                <a:ea typeface="微软雅黑" panose="020B0503020204020204" pitchFamily="34" charset="-122"/>
-              </a:rPr>
-              <a:t>上传图文消息内的图片获取</a:t>
-            </a:r>
-            <a:r>
-              <a:rPr lang="en-US" altLang="zh-CN" dirty="0">
-                <a:latin typeface="微软雅黑" panose="020B0503020204020204" pitchFamily="34" charset="-122"/>
-                <a:ea typeface="微软雅黑" panose="020B0503020204020204" pitchFamily="34" charset="-122"/>
-              </a:rPr>
-              <a:t>URL"</a:t>
-            </a:r>
-            <a:r>
-              <a:rPr lang="zh-CN" altLang="en-US" dirty="0">
-                <a:latin typeface="微软雅黑" panose="020B0503020204020204" pitchFamily="34" charset="-122"/>
-                <a:ea typeface="微软雅黑" panose="020B0503020204020204" pitchFamily="34" charset="-122"/>
-              </a:rPr>
-              <a:t>接口上传图片获取。</a:t>
-            </a:r>
-            <a:endParaRPr lang="en-US" altLang="zh-CN" dirty="0">
-              <a:latin typeface="微软雅黑" panose="020B0503020204020204" pitchFamily="34" charset="-122"/>
-              <a:ea typeface="微软雅黑" panose="020B0503020204020204" pitchFamily="34" charset="-122"/>
-            </a:endParaRPr>
-          </a:p>
-          <a:p>
-            <a:pPr marL="285750" indent="-285750">
-              <a:lnSpc>
-                <a:spcPts val="2800"/>
-              </a:lnSpc>
-              <a:buFont typeface="Arial" panose="020B0604020202020204" pitchFamily="34" charset="0"/>
-              <a:buChar char="•"/>
-            </a:pPr>
-            <a:r>
-              <a:rPr lang="en-US" altLang="zh-CN" dirty="0">
-                <a:latin typeface="微软雅黑" panose="020B0503020204020204" pitchFamily="34" charset="-122"/>
-                <a:ea typeface="微软雅黑" panose="020B0503020204020204" pitchFamily="34" charset="-122"/>
-              </a:rPr>
-              <a:t>"</a:t>
-            </a:r>
-            <a:r>
-              <a:rPr lang="zh-CN" altLang="en-US" dirty="0">
-                <a:latin typeface="微软雅黑" panose="020B0503020204020204" pitchFamily="34" charset="-122"/>
-                <a:ea typeface="微软雅黑" panose="020B0503020204020204" pitchFamily="34" charset="-122"/>
-              </a:rPr>
-              <a:t>上传图文消息内的图片获取</a:t>
-            </a:r>
-            <a:r>
-              <a:rPr lang="en-US" altLang="zh-CN" dirty="0">
-                <a:latin typeface="微软雅黑" panose="020B0503020204020204" pitchFamily="34" charset="-122"/>
-                <a:ea typeface="微软雅黑" panose="020B0503020204020204" pitchFamily="34" charset="-122"/>
-              </a:rPr>
-              <a:t>URL"</a:t>
-            </a:r>
-            <a:r>
-              <a:rPr lang="zh-CN" altLang="en-US" dirty="0">
-                <a:latin typeface="微软雅黑" panose="020B0503020204020204" pitchFamily="34" charset="-122"/>
-                <a:ea typeface="微软雅黑" panose="020B0503020204020204" pitchFamily="34" charset="-122"/>
-              </a:rPr>
-              <a:t>接口所上传的图片，不占用公众号的素材库中图片数量的</a:t>
-            </a:r>
-            <a:r>
-              <a:rPr lang="en-US" altLang="zh-CN" dirty="0">
-                <a:latin typeface="微软雅黑" panose="020B0503020204020204" pitchFamily="34" charset="-122"/>
-                <a:ea typeface="微软雅黑" panose="020B0503020204020204" pitchFamily="34" charset="-122"/>
-              </a:rPr>
-              <a:t>5000</a:t>
-            </a:r>
-            <a:r>
-              <a:rPr lang="zh-CN" altLang="en-US" dirty="0">
-                <a:latin typeface="微软雅黑" panose="020B0503020204020204" pitchFamily="34" charset="-122"/>
-                <a:ea typeface="微软雅黑" panose="020B0503020204020204" pitchFamily="34" charset="-122"/>
-              </a:rPr>
-              <a:t>个的限制，图片仅支持</a:t>
-            </a:r>
-            <a:r>
-              <a:rPr lang="en-US" altLang="zh-CN" dirty="0">
-                <a:latin typeface="微软雅黑" panose="020B0503020204020204" pitchFamily="34" charset="-122"/>
-                <a:ea typeface="微软雅黑" panose="020B0503020204020204" pitchFamily="34" charset="-122"/>
-              </a:rPr>
-              <a:t>jpg/</a:t>
-            </a:r>
-            <a:r>
-              <a:rPr lang="en-US" altLang="zh-CN" dirty="0" err="1">
-                <a:latin typeface="微软雅黑" panose="020B0503020204020204" pitchFamily="34" charset="-122"/>
-                <a:ea typeface="微软雅黑" panose="020B0503020204020204" pitchFamily="34" charset="-122"/>
-              </a:rPr>
-              <a:t>png</a:t>
-            </a:r>
-            <a:r>
-              <a:rPr lang="zh-CN" altLang="en-US" dirty="0">
-                <a:latin typeface="微软雅黑" panose="020B0503020204020204" pitchFamily="34" charset="-122"/>
-                <a:ea typeface="微软雅黑" panose="020B0503020204020204" pitchFamily="34" charset="-122"/>
-              </a:rPr>
-              <a:t>格式，大小必须在</a:t>
-            </a:r>
-            <a:r>
-              <a:rPr lang="en-US" altLang="zh-CN" dirty="0">
-                <a:latin typeface="微软雅黑" panose="020B0503020204020204" pitchFamily="34" charset="-122"/>
-                <a:ea typeface="微软雅黑" panose="020B0503020204020204" pitchFamily="34" charset="-122"/>
-              </a:rPr>
-              <a:t>1MB</a:t>
-            </a:r>
-            <a:r>
-              <a:rPr lang="zh-CN" altLang="en-US" dirty="0">
-                <a:latin typeface="微软雅黑" panose="020B0503020204020204" pitchFamily="34" charset="-122"/>
-                <a:ea typeface="微软雅黑" panose="020B0503020204020204" pitchFamily="34" charset="-122"/>
-              </a:rPr>
-              <a:t>以下。</a:t>
-            </a:r>
-            <a:endParaRPr lang="en-US" altLang="zh-CN" dirty="0">
-              <a:latin typeface="微软雅黑" panose="020B0503020204020204" pitchFamily="34" charset="-122"/>
-              <a:ea typeface="微软雅黑" panose="020B0503020204020204" pitchFamily="34" charset="-122"/>
-            </a:endParaRPr>
-          </a:p>
-          <a:p>
-            <a:pPr marL="285750" indent="-285750">
-              <a:lnSpc>
-                <a:spcPts val="2800"/>
-              </a:lnSpc>
-              <a:buFont typeface="Arial" panose="020B0604020202020204" pitchFamily="34" charset="0"/>
-              <a:buChar char="•"/>
-            </a:pPr>
-            <a:r>
-              <a:rPr lang="zh-CN" altLang="en-US" dirty="0">
-                <a:latin typeface="微软雅黑" panose="020B0503020204020204" pitchFamily="34" charset="-122"/>
-                <a:ea typeface="微软雅黑" panose="020B0503020204020204" pitchFamily="34" charset="-122"/>
-              </a:rPr>
-              <a:t>图文消息支持正文中插入自己帐号和其他公众号已群发文章链接的能力。</a:t>
+              <a:rPr lang="zh-CN" altLang="en-US" dirty="0"/>
+              <a:t>注意：如果使用</a:t>
+            </a:r>
+            <a:r>
+              <a:rPr lang="en-US" altLang="zh-CN" dirty="0"/>
+              <a:t>PHP</a:t>
+            </a:r>
+            <a:r>
+              <a:rPr lang="zh-CN" altLang="en-US" dirty="0"/>
+              <a:t>内置的</a:t>
+            </a:r>
+            <a:r>
+              <a:rPr lang="en-US" altLang="zh-CN" dirty="0"/>
+              <a:t>CURL</a:t>
+            </a:r>
+            <a:r>
+              <a:rPr lang="zh-CN" altLang="en-US" dirty="0"/>
+              <a:t>模块，则需要设置</a:t>
+            </a:r>
+            <a:r>
+              <a:rPr lang="en-US" altLang="zh-CN" dirty="0"/>
+              <a:t>CURLOPT_POST</a:t>
+            </a:r>
+            <a:r>
+              <a:rPr lang="zh-CN" altLang="en-US" dirty="0"/>
+              <a:t>为</a:t>
+            </a:r>
+            <a:r>
+              <a:rPr lang="en-US" altLang="zh-CN" dirty="0"/>
+              <a:t>true</a:t>
+            </a:r>
+            <a:r>
+              <a:rPr lang="zh-CN" altLang="en-US" dirty="0"/>
+              <a:t>，设置</a:t>
+            </a:r>
+            <a:r>
+              <a:rPr lang="en-US" altLang="zh-CN" dirty="0"/>
+              <a:t>CURLOPT_POSTFIELDS</a:t>
+            </a:r>
+            <a:r>
+              <a:rPr lang="zh-CN" altLang="en-US" dirty="0"/>
+              <a:t>为要提交的数据。</a:t>
             </a:r>
           </a:p>
         </p:txBody>
@@ -18459,7 +17656,7 @@
     </p:spTree>
     <p:extLst>
       <p:ext uri="{BB962C8B-B14F-4D97-AF65-F5344CB8AC3E}">
-        <p14:creationId xmlns:p14="http://schemas.microsoft.com/office/powerpoint/2010/main" val="1966892384"/>
+        <p14:creationId xmlns:p14="http://schemas.microsoft.com/office/powerpoint/2010/main" val="1039703437"/>
       </p:ext>
     </p:extLst>
   </p:cSld>
@@ -18502,667 +17699,22 @@
           <a:lstStyle/>
           <a:p>
             <a:r>
+              <a:rPr lang="en-US" altLang="zh-CN" b="0" dirty="0"/>
+              <a:t>CURL</a:t>
+            </a:r>
+            <a:r>
               <a:rPr lang="zh-CN" altLang="en-US" b="0" dirty="0"/>
-              <a:t>新增临时素材</a:t>
-            </a:r>
-          </a:p>
-        </p:txBody>
-      </p:sp>
-      <p:graphicFrame>
-        <p:nvGraphicFramePr>
-          <p:cNvPr id="3" name="表格 2">
+              <a:t>下载文件</a:t>
+            </a:r>
+          </a:p>
+        </p:txBody>
+      </p:sp>
+      <p:sp>
+        <p:nvSpPr>
+          <p:cNvPr id="3" name="文本框 2">
             <a:extLst>
               <a:ext uri="{FF2B5EF4-FFF2-40B4-BE49-F238E27FC236}">
-                <a16:creationId xmlns:a16="http://schemas.microsoft.com/office/drawing/2014/main" id="{3B949F7B-E970-4EC2-9248-8AA47FCF4891}"/>
-              </a:ext>
-            </a:extLst>
-          </p:cNvPr>
-          <p:cNvGraphicFramePr>
-            <a:graphicFrameLocks noGrp="1"/>
-          </p:cNvGraphicFramePr>
-          <p:nvPr>
-            <p:extLst>
-              <p:ext uri="{D42A27DB-BD31-4B8C-83A1-F6EECF244321}">
-                <p14:modId xmlns:p14="http://schemas.microsoft.com/office/powerpoint/2010/main" val="10538658"/>
-              </p:ext>
-            </p:extLst>
-          </p:nvPr>
-        </p:nvGraphicFramePr>
-        <p:xfrm>
-          <a:off x="1054100" y="2846732"/>
-          <a:ext cx="10307584" cy="2011680"/>
-        </p:xfrm>
-        <a:graphic>
-          <a:graphicData uri="http://schemas.openxmlformats.org/drawingml/2006/table">
-            <a:tbl>
-              <a:tblPr/>
-              <a:tblGrid>
-                <a:gridCol w="1661296">
-                  <a:extLst>
-                    <a:ext uri="{9D8B030D-6E8A-4147-A177-3AD203B41FA5}">
-                      <a16:colId xmlns:a16="http://schemas.microsoft.com/office/drawing/2014/main" val="3958263068"/>
-                    </a:ext>
-                  </a:extLst>
-                </a:gridCol>
-                <a:gridCol w="1135227">
-                  <a:extLst>
-                    <a:ext uri="{9D8B030D-6E8A-4147-A177-3AD203B41FA5}">
-                      <a16:colId xmlns:a16="http://schemas.microsoft.com/office/drawing/2014/main" val="4038092584"/>
-                    </a:ext>
-                  </a:extLst>
-                </a:gridCol>
-                <a:gridCol w="7511061">
-                  <a:extLst>
-                    <a:ext uri="{9D8B030D-6E8A-4147-A177-3AD203B41FA5}">
-                      <a16:colId xmlns:a16="http://schemas.microsoft.com/office/drawing/2014/main" val="1216537340"/>
-                    </a:ext>
-                  </a:extLst>
-                </a:gridCol>
-              </a:tblGrid>
-              <a:tr h="0">
-                <a:tc>
-                  <a:txBody>
-                    <a:bodyPr/>
-                    <a:lstStyle/>
-                    <a:p>
-                      <a:pPr latinLnBrk="1"/>
-                      <a:r>
-                        <a:rPr lang="zh-CN" altLang="en-US" b="1">
-                          <a:solidFill>
-                            <a:srgbClr val="333333"/>
-                          </a:solidFill>
-                          <a:effectLst/>
-                          <a:latin typeface="微软雅黑" panose="020B0503020204020204" pitchFamily="34" charset="-122"/>
-                          <a:ea typeface="微软雅黑" panose="020B0503020204020204" pitchFamily="34" charset="-122"/>
-                        </a:rPr>
-                        <a:t>参数</a:t>
-                      </a:r>
-                      <a:endParaRPr lang="zh-CN" altLang="en-US">
-                        <a:effectLst/>
-                      </a:endParaRPr>
-                    </a:p>
-                  </a:txBody>
-                  <a:tcPr>
-                    <a:lnL>
-                      <a:noFill/>
-                    </a:lnL>
-                    <a:lnR>
-                      <a:noFill/>
-                    </a:lnR>
-                    <a:lnT>
-                      <a:noFill/>
-                    </a:lnT>
-                    <a:lnB>
-                      <a:noFill/>
-                    </a:lnB>
-                  </a:tcPr>
-                </a:tc>
-                <a:tc>
-                  <a:txBody>
-                    <a:bodyPr/>
-                    <a:lstStyle/>
-                    <a:p>
-                      <a:pPr latinLnBrk="1"/>
-                      <a:r>
-                        <a:rPr lang="zh-CN" altLang="en-US" b="1">
-                          <a:solidFill>
-                            <a:srgbClr val="333333"/>
-                          </a:solidFill>
-                          <a:effectLst/>
-                          <a:latin typeface="微软雅黑" panose="020B0503020204020204" pitchFamily="34" charset="-122"/>
-                          <a:ea typeface="微软雅黑" panose="020B0503020204020204" pitchFamily="34" charset="-122"/>
-                        </a:rPr>
-                        <a:t>是否必须</a:t>
-                      </a:r>
-                      <a:endParaRPr lang="zh-CN" altLang="en-US">
-                        <a:effectLst/>
-                      </a:endParaRPr>
-                    </a:p>
-                  </a:txBody>
-                  <a:tcPr>
-                    <a:lnL>
-                      <a:noFill/>
-                    </a:lnL>
-                    <a:lnR>
-                      <a:noFill/>
-                    </a:lnR>
-                    <a:lnT>
-                      <a:noFill/>
-                    </a:lnT>
-                    <a:lnB>
-                      <a:noFill/>
-                    </a:lnB>
-                  </a:tcPr>
-                </a:tc>
-                <a:tc>
-                  <a:txBody>
-                    <a:bodyPr/>
-                    <a:lstStyle/>
-                    <a:p>
-                      <a:pPr latinLnBrk="1"/>
-                      <a:r>
-                        <a:rPr lang="zh-CN" altLang="en-US" b="1">
-                          <a:solidFill>
-                            <a:srgbClr val="333333"/>
-                          </a:solidFill>
-                          <a:effectLst/>
-                          <a:latin typeface="微软雅黑" panose="020B0503020204020204" pitchFamily="34" charset="-122"/>
-                          <a:ea typeface="微软雅黑" panose="020B0503020204020204" pitchFamily="34" charset="-122"/>
-                        </a:rPr>
-                        <a:t>说明</a:t>
-                      </a:r>
-                      <a:endParaRPr lang="zh-CN" altLang="en-US">
-                        <a:effectLst/>
-                      </a:endParaRPr>
-                    </a:p>
-                  </a:txBody>
-                  <a:tcPr>
-                    <a:lnL>
-                      <a:noFill/>
-                    </a:lnL>
-                    <a:lnR>
-                      <a:noFill/>
-                    </a:lnR>
-                    <a:lnT>
-                      <a:noFill/>
-                    </a:lnT>
-                    <a:lnB>
-                      <a:noFill/>
-                    </a:lnB>
-                  </a:tcPr>
-                </a:tc>
-                <a:extLst>
-                  <a:ext uri="{0D108BD9-81ED-4DB2-BD59-A6C34878D82A}">
-                    <a16:rowId xmlns:a16="http://schemas.microsoft.com/office/drawing/2014/main" val="2468957463"/>
-                  </a:ext>
-                </a:extLst>
-              </a:tr>
-              <a:tr h="0">
-                <a:tc>
-                  <a:txBody>
-                    <a:bodyPr/>
-                    <a:lstStyle/>
-                    <a:p>
-                      <a:pPr latinLnBrk="1"/>
-                      <a:r>
-                        <a:rPr lang="en-US">
-                          <a:solidFill>
-                            <a:srgbClr val="333333"/>
-                          </a:solidFill>
-                          <a:effectLst/>
-                          <a:latin typeface="微软雅黑" panose="020B0503020204020204" pitchFamily="34" charset="-122"/>
-                          <a:ea typeface="微软雅黑" panose="020B0503020204020204" pitchFamily="34" charset="-122"/>
-                        </a:rPr>
-                        <a:t>access_token</a:t>
-                      </a:r>
-                      <a:endParaRPr lang="en-US">
-                        <a:effectLst/>
-                      </a:endParaRPr>
-                    </a:p>
-                  </a:txBody>
-                  <a:tcPr>
-                    <a:lnL>
-                      <a:noFill/>
-                    </a:lnL>
-                    <a:lnR>
-                      <a:noFill/>
-                    </a:lnR>
-                    <a:lnT>
-                      <a:noFill/>
-                    </a:lnT>
-                    <a:lnB>
-                      <a:noFill/>
-                    </a:lnB>
-                  </a:tcPr>
-                </a:tc>
-                <a:tc>
-                  <a:txBody>
-                    <a:bodyPr/>
-                    <a:lstStyle/>
-                    <a:p>
-                      <a:pPr latinLnBrk="1"/>
-                      <a:r>
-                        <a:rPr lang="zh-CN" altLang="en-US">
-                          <a:solidFill>
-                            <a:srgbClr val="333333"/>
-                          </a:solidFill>
-                          <a:effectLst/>
-                          <a:latin typeface="微软雅黑" panose="020B0503020204020204" pitchFamily="34" charset="-122"/>
-                          <a:ea typeface="微软雅黑" panose="020B0503020204020204" pitchFamily="34" charset="-122"/>
-                        </a:rPr>
-                        <a:t>是</a:t>
-                      </a:r>
-                      <a:endParaRPr lang="zh-CN" altLang="en-US">
-                        <a:effectLst/>
-                      </a:endParaRPr>
-                    </a:p>
-                  </a:txBody>
-                  <a:tcPr>
-                    <a:lnL>
-                      <a:noFill/>
-                    </a:lnL>
-                    <a:lnR>
-                      <a:noFill/>
-                    </a:lnR>
-                    <a:lnT>
-                      <a:noFill/>
-                    </a:lnT>
-                    <a:lnB>
-                      <a:noFill/>
-                    </a:lnB>
-                  </a:tcPr>
-                </a:tc>
-                <a:tc>
-                  <a:txBody>
-                    <a:bodyPr/>
-                    <a:lstStyle/>
-                    <a:p>
-                      <a:pPr latinLnBrk="1"/>
-                      <a:r>
-                        <a:rPr lang="zh-CN" altLang="en-US" dirty="0">
-                          <a:solidFill>
-                            <a:srgbClr val="333333"/>
-                          </a:solidFill>
-                          <a:effectLst/>
-                          <a:latin typeface="微软雅黑" panose="020B0503020204020204" pitchFamily="34" charset="-122"/>
-                          <a:ea typeface="微软雅黑" panose="020B0503020204020204" pitchFamily="34" charset="-122"/>
-                        </a:rPr>
-                        <a:t>调用接口凭证</a:t>
-                      </a:r>
-                      <a:endParaRPr lang="zh-CN" altLang="en-US" dirty="0">
-                        <a:effectLst/>
-                      </a:endParaRPr>
-                    </a:p>
-                  </a:txBody>
-                  <a:tcPr>
-                    <a:lnL>
-                      <a:noFill/>
-                    </a:lnL>
-                    <a:lnR>
-                      <a:noFill/>
-                    </a:lnR>
-                    <a:lnT>
-                      <a:noFill/>
-                    </a:lnT>
-                    <a:lnB>
-                      <a:noFill/>
-                    </a:lnB>
-                  </a:tcPr>
-                </a:tc>
-                <a:extLst>
-                  <a:ext uri="{0D108BD9-81ED-4DB2-BD59-A6C34878D82A}">
-                    <a16:rowId xmlns:a16="http://schemas.microsoft.com/office/drawing/2014/main" val="2781616844"/>
-                  </a:ext>
-                </a:extLst>
-              </a:tr>
-              <a:tr h="0">
-                <a:tc>
-                  <a:txBody>
-                    <a:bodyPr/>
-                    <a:lstStyle/>
-                    <a:p>
-                      <a:pPr latinLnBrk="1"/>
-                      <a:r>
-                        <a:rPr lang="en-US" dirty="0">
-                          <a:solidFill>
-                            <a:srgbClr val="333333"/>
-                          </a:solidFill>
-                          <a:effectLst/>
-                          <a:latin typeface="微软雅黑" panose="020B0503020204020204" pitchFamily="34" charset="-122"/>
-                          <a:ea typeface="微软雅黑" panose="020B0503020204020204" pitchFamily="34" charset="-122"/>
-                        </a:rPr>
-                        <a:t>type</a:t>
-                      </a:r>
-                      <a:endParaRPr lang="en-US" dirty="0">
-                        <a:effectLst/>
-                      </a:endParaRPr>
-                    </a:p>
-                  </a:txBody>
-                  <a:tcPr>
-                    <a:lnL>
-                      <a:noFill/>
-                    </a:lnL>
-                    <a:lnR>
-                      <a:noFill/>
-                    </a:lnR>
-                    <a:lnT>
-                      <a:noFill/>
-                    </a:lnT>
-                    <a:lnB>
-                      <a:noFill/>
-                    </a:lnB>
-                  </a:tcPr>
-                </a:tc>
-                <a:tc>
-                  <a:txBody>
-                    <a:bodyPr/>
-                    <a:lstStyle/>
-                    <a:p>
-                      <a:pPr latinLnBrk="1"/>
-                      <a:r>
-                        <a:rPr lang="zh-CN" altLang="en-US">
-                          <a:effectLst/>
-                          <a:latin typeface="微软雅黑" panose="020B0503020204020204" pitchFamily="34" charset="-122"/>
-                          <a:ea typeface="微软雅黑" panose="020B0503020204020204" pitchFamily="34" charset="-122"/>
-                        </a:rPr>
-                        <a:t>是</a:t>
-                      </a:r>
-                      <a:br>
-                        <a:rPr lang="zh-CN" altLang="en-US">
-                          <a:effectLst/>
-                          <a:latin typeface="微软雅黑" panose="020B0503020204020204" pitchFamily="34" charset="-122"/>
-                          <a:ea typeface="微软雅黑" panose="020B0503020204020204" pitchFamily="34" charset="-122"/>
-                        </a:rPr>
-                      </a:br>
-                      <a:endParaRPr lang="zh-CN" altLang="en-US">
-                        <a:effectLst/>
-                      </a:endParaRPr>
-                    </a:p>
-                  </a:txBody>
-                  <a:tcPr>
-                    <a:lnL>
-                      <a:noFill/>
-                    </a:lnL>
-                    <a:lnR>
-                      <a:noFill/>
-                    </a:lnR>
-                    <a:lnT>
-                      <a:noFill/>
-                    </a:lnT>
-                    <a:lnB>
-                      <a:noFill/>
-                    </a:lnB>
-                  </a:tcPr>
-                </a:tc>
-                <a:tc>
-                  <a:txBody>
-                    <a:bodyPr/>
-                    <a:lstStyle/>
-                    <a:p>
-                      <a:pPr latinLnBrk="1"/>
-                      <a:r>
-                        <a:rPr lang="zh-CN" altLang="en-US" dirty="0">
-                          <a:solidFill>
-                            <a:srgbClr val="333333"/>
-                          </a:solidFill>
-                          <a:effectLst/>
-                          <a:latin typeface="微软雅黑" panose="020B0503020204020204" pitchFamily="34" charset="-122"/>
-                          <a:ea typeface="微软雅黑" panose="020B0503020204020204" pitchFamily="34" charset="-122"/>
-                        </a:rPr>
-                        <a:t>媒体文件类型，分别有图片（</a:t>
-                      </a:r>
-                      <a:r>
-                        <a:rPr lang="en-US" altLang="zh-CN" dirty="0">
-                          <a:solidFill>
-                            <a:srgbClr val="333333"/>
-                          </a:solidFill>
-                          <a:effectLst/>
-                          <a:latin typeface="微软雅黑" panose="020B0503020204020204" pitchFamily="34" charset="-122"/>
-                          <a:ea typeface="微软雅黑" panose="020B0503020204020204" pitchFamily="34" charset="-122"/>
-                        </a:rPr>
-                        <a:t>image</a:t>
-                      </a:r>
-                      <a:r>
-                        <a:rPr lang="zh-CN" altLang="en-US" dirty="0">
-                          <a:solidFill>
-                            <a:srgbClr val="333333"/>
-                          </a:solidFill>
-                          <a:effectLst/>
-                          <a:latin typeface="微软雅黑" panose="020B0503020204020204" pitchFamily="34" charset="-122"/>
-                          <a:ea typeface="微软雅黑" panose="020B0503020204020204" pitchFamily="34" charset="-122"/>
-                        </a:rPr>
-                        <a:t>）、语音（</a:t>
-                      </a:r>
-                      <a:r>
-                        <a:rPr lang="en-US" altLang="zh-CN" dirty="0">
-                          <a:solidFill>
-                            <a:srgbClr val="333333"/>
-                          </a:solidFill>
-                          <a:effectLst/>
-                          <a:latin typeface="微软雅黑" panose="020B0503020204020204" pitchFamily="34" charset="-122"/>
-                          <a:ea typeface="微软雅黑" panose="020B0503020204020204" pitchFamily="34" charset="-122"/>
-                        </a:rPr>
-                        <a:t>voice</a:t>
-                      </a:r>
-                      <a:r>
-                        <a:rPr lang="zh-CN" altLang="en-US" dirty="0">
-                          <a:solidFill>
-                            <a:srgbClr val="333333"/>
-                          </a:solidFill>
-                          <a:effectLst/>
-                          <a:latin typeface="微软雅黑" panose="020B0503020204020204" pitchFamily="34" charset="-122"/>
-                          <a:ea typeface="微软雅黑" panose="020B0503020204020204" pitchFamily="34" charset="-122"/>
-                        </a:rPr>
-                        <a:t>）、视频（</a:t>
-                      </a:r>
-                      <a:r>
-                        <a:rPr lang="en-US" altLang="zh-CN" dirty="0">
-                          <a:solidFill>
-                            <a:srgbClr val="333333"/>
-                          </a:solidFill>
-                          <a:effectLst/>
-                          <a:latin typeface="微软雅黑" panose="020B0503020204020204" pitchFamily="34" charset="-122"/>
-                          <a:ea typeface="微软雅黑" panose="020B0503020204020204" pitchFamily="34" charset="-122"/>
-                        </a:rPr>
-                        <a:t>video</a:t>
-                      </a:r>
-                      <a:r>
-                        <a:rPr lang="zh-CN" altLang="en-US" dirty="0">
-                          <a:solidFill>
-                            <a:srgbClr val="333333"/>
-                          </a:solidFill>
-                          <a:effectLst/>
-                          <a:latin typeface="微软雅黑" panose="020B0503020204020204" pitchFamily="34" charset="-122"/>
-                          <a:ea typeface="微软雅黑" panose="020B0503020204020204" pitchFamily="34" charset="-122"/>
-                        </a:rPr>
-                        <a:t>）和缩略图（</a:t>
-                      </a:r>
-                      <a:r>
-                        <a:rPr lang="en-US" altLang="zh-CN" dirty="0">
-                          <a:solidFill>
-                            <a:srgbClr val="333333"/>
-                          </a:solidFill>
-                          <a:effectLst/>
-                          <a:latin typeface="微软雅黑" panose="020B0503020204020204" pitchFamily="34" charset="-122"/>
-                          <a:ea typeface="微软雅黑" panose="020B0503020204020204" pitchFamily="34" charset="-122"/>
-                        </a:rPr>
-                        <a:t>thumb</a:t>
-                      </a:r>
-                      <a:r>
-                        <a:rPr lang="zh-CN" altLang="en-US" dirty="0">
-                          <a:solidFill>
-                            <a:srgbClr val="333333"/>
-                          </a:solidFill>
-                          <a:effectLst/>
-                          <a:latin typeface="微软雅黑" panose="020B0503020204020204" pitchFamily="34" charset="-122"/>
-                          <a:ea typeface="微软雅黑" panose="020B0503020204020204" pitchFamily="34" charset="-122"/>
-                        </a:rPr>
-                        <a:t>）</a:t>
-                      </a:r>
-                      <a:endParaRPr lang="zh-CN" altLang="en-US" dirty="0">
-                        <a:effectLst/>
-                      </a:endParaRPr>
-                    </a:p>
-                  </a:txBody>
-                  <a:tcPr>
-                    <a:lnL>
-                      <a:noFill/>
-                    </a:lnL>
-                    <a:lnR>
-                      <a:noFill/>
-                    </a:lnR>
-                    <a:lnT>
-                      <a:noFill/>
-                    </a:lnT>
-                    <a:lnB>
-                      <a:noFill/>
-                    </a:lnB>
-                  </a:tcPr>
-                </a:tc>
-                <a:extLst>
-                  <a:ext uri="{0D108BD9-81ED-4DB2-BD59-A6C34878D82A}">
-                    <a16:rowId xmlns:a16="http://schemas.microsoft.com/office/drawing/2014/main" val="708245944"/>
-                  </a:ext>
-                </a:extLst>
-              </a:tr>
-              <a:tr h="0">
-                <a:tc>
-                  <a:txBody>
-                    <a:bodyPr/>
-                    <a:lstStyle/>
-                    <a:p>
-                      <a:pPr latinLnBrk="1"/>
-                      <a:r>
-                        <a:rPr lang="en-US">
-                          <a:solidFill>
-                            <a:srgbClr val="333333"/>
-                          </a:solidFill>
-                          <a:effectLst/>
-                          <a:latin typeface="微软雅黑" panose="020B0503020204020204" pitchFamily="34" charset="-122"/>
-                          <a:ea typeface="微软雅黑" panose="020B0503020204020204" pitchFamily="34" charset="-122"/>
-                        </a:rPr>
-                        <a:t>media</a:t>
-                      </a:r>
-                      <a:endParaRPr lang="en-US">
-                        <a:effectLst/>
-                      </a:endParaRPr>
-                    </a:p>
-                  </a:txBody>
-                  <a:tcPr>
-                    <a:lnL>
-                      <a:noFill/>
-                    </a:lnL>
-                    <a:lnR>
-                      <a:noFill/>
-                    </a:lnR>
-                    <a:lnT>
-                      <a:noFill/>
-                    </a:lnT>
-                    <a:lnB>
-                      <a:noFill/>
-                    </a:lnB>
-                  </a:tcPr>
-                </a:tc>
-                <a:tc>
-                  <a:txBody>
-                    <a:bodyPr/>
-                    <a:lstStyle/>
-                    <a:p>
-                      <a:pPr latinLnBrk="1"/>
-                      <a:r>
-                        <a:rPr lang="zh-CN" altLang="en-US" dirty="0">
-                          <a:effectLst/>
-                          <a:latin typeface="微软雅黑" panose="020B0503020204020204" pitchFamily="34" charset="-122"/>
-                          <a:ea typeface="微软雅黑" panose="020B0503020204020204" pitchFamily="34" charset="-122"/>
-                        </a:rPr>
-                        <a:t>是</a:t>
-                      </a:r>
-                      <a:endParaRPr lang="zh-CN" altLang="en-US" dirty="0">
-                        <a:effectLst/>
-                      </a:endParaRPr>
-                    </a:p>
-                  </a:txBody>
-                  <a:tcPr>
-                    <a:lnL>
-                      <a:noFill/>
-                    </a:lnL>
-                    <a:lnR>
-                      <a:noFill/>
-                    </a:lnR>
-                    <a:lnT>
-                      <a:noFill/>
-                    </a:lnT>
-                    <a:lnB>
-                      <a:noFill/>
-                    </a:lnB>
-                  </a:tcPr>
-                </a:tc>
-                <a:tc>
-                  <a:txBody>
-                    <a:bodyPr/>
-                    <a:lstStyle/>
-                    <a:p>
-                      <a:pPr latinLnBrk="1"/>
-                      <a:r>
-                        <a:rPr lang="en-US" dirty="0">
-                          <a:solidFill>
-                            <a:srgbClr val="333333"/>
-                          </a:solidFill>
-                          <a:effectLst/>
-                          <a:latin typeface="微软雅黑" panose="020B0503020204020204" pitchFamily="34" charset="-122"/>
-                          <a:ea typeface="微软雅黑" panose="020B0503020204020204" pitchFamily="34" charset="-122"/>
-                        </a:rPr>
-                        <a:t>form-data</a:t>
-                      </a:r>
-                      <a:r>
-                        <a:rPr lang="zh-CN" altLang="en-US" dirty="0">
-                          <a:solidFill>
-                            <a:srgbClr val="333333"/>
-                          </a:solidFill>
-                          <a:effectLst/>
-                          <a:latin typeface="微软雅黑" panose="020B0503020204020204" pitchFamily="34" charset="-122"/>
-                          <a:ea typeface="微软雅黑" panose="020B0503020204020204" pitchFamily="34" charset="-122"/>
-                        </a:rPr>
-                        <a:t>中媒体文件标识，有</a:t>
-                      </a:r>
-                      <a:r>
-                        <a:rPr lang="en-US" dirty="0" err="1">
-                          <a:solidFill>
-                            <a:srgbClr val="333333"/>
-                          </a:solidFill>
-                          <a:effectLst/>
-                          <a:latin typeface="微软雅黑" panose="020B0503020204020204" pitchFamily="34" charset="-122"/>
-                          <a:ea typeface="微软雅黑" panose="020B0503020204020204" pitchFamily="34" charset="-122"/>
-                        </a:rPr>
-                        <a:t>filename、filelength、content-type</a:t>
-                      </a:r>
-                      <a:r>
-                        <a:rPr lang="zh-CN" altLang="en-US" dirty="0">
-                          <a:solidFill>
-                            <a:srgbClr val="333333"/>
-                          </a:solidFill>
-                          <a:effectLst/>
-                          <a:latin typeface="微软雅黑" panose="020B0503020204020204" pitchFamily="34" charset="-122"/>
-                          <a:ea typeface="微软雅黑" panose="020B0503020204020204" pitchFamily="34" charset="-122"/>
-                        </a:rPr>
-                        <a:t>等信息</a:t>
-                      </a:r>
-                      <a:endParaRPr lang="zh-CN" altLang="en-US" dirty="0">
-                        <a:effectLst/>
-                      </a:endParaRPr>
-                    </a:p>
-                  </a:txBody>
-                  <a:tcPr>
-                    <a:lnL>
-                      <a:noFill/>
-                    </a:lnL>
-                    <a:lnR>
-                      <a:noFill/>
-                    </a:lnR>
-                    <a:lnT>
-                      <a:noFill/>
-                    </a:lnT>
-                    <a:lnB>
-                      <a:noFill/>
-                    </a:lnB>
-                  </a:tcPr>
-                </a:tc>
-                <a:extLst>
-                  <a:ext uri="{0D108BD9-81ED-4DB2-BD59-A6C34878D82A}">
-                    <a16:rowId xmlns:a16="http://schemas.microsoft.com/office/drawing/2014/main" val="1036566162"/>
-                  </a:ext>
-                </a:extLst>
-              </a:tr>
-            </a:tbl>
-          </a:graphicData>
-        </a:graphic>
-      </p:graphicFrame>
-      <p:sp>
-        <p:nvSpPr>
-          <p:cNvPr id="4" name="文本框 3">
-            <a:extLst>
-              <a:ext uri="{FF2B5EF4-FFF2-40B4-BE49-F238E27FC236}">
-                <a16:creationId xmlns:a16="http://schemas.microsoft.com/office/drawing/2014/main" id="{0DF5F0CD-F162-42D3-9496-1F0940D8C2DB}"/>
+                <a16:creationId xmlns:a16="http://schemas.microsoft.com/office/drawing/2014/main" id="{8A712BF0-CC34-4F68-8122-7C591B22A08A}"/>
               </a:ext>
             </a:extLst>
           </p:cNvPr>
@@ -19172,7 +17724,7 @@
         <p:spPr>
           <a:xfrm>
             <a:off x="1054100" y="1671145"/>
-            <a:ext cx="10594427" cy="707886"/>
+            <a:ext cx="10594427" cy="400110"/>
           </a:xfrm>
           <a:prstGeom prst="rect">
             <a:avLst/>
@@ -19185,150 +17737,64 @@
           </a:bodyPr>
           <a:lstStyle/>
           <a:p>
+            <a:pPr marL="342900" indent="-342900">
+              <a:buFont typeface="Arial" panose="020B0604020202020204" pitchFamily="34" charset="0"/>
+              <a:buChar char="•"/>
+            </a:pPr>
             <a:r>
               <a:rPr lang="zh-CN" altLang="en-US" sz="2000" dirty="0">
                 <a:latin typeface="微软雅黑" panose="020B0503020204020204" pitchFamily="34" charset="-122"/>
                 <a:ea typeface="微软雅黑" panose="020B0503020204020204" pitchFamily="34" charset="-122"/>
               </a:rPr>
-              <a:t>调用接口：</a:t>
+              <a:t>这种情况是直接读取数据到内存，然后保存为文件，对于大文件不适用。</a:t>
             </a:r>
             <a:endParaRPr lang="en-US" altLang="zh-CN" sz="2000" dirty="0">
               <a:latin typeface="微软雅黑" panose="020B0503020204020204" pitchFamily="34" charset="-122"/>
               <a:ea typeface="微软雅黑" panose="020B0503020204020204" pitchFamily="34" charset="-122"/>
             </a:endParaRPr>
           </a:p>
-          <a:p>
-            <a:r>
-              <a:rPr lang="en-US" altLang="zh-CN" sz="2000" dirty="0">
-                <a:ea typeface="微软雅黑" panose="020B0503020204020204" pitchFamily="34" charset="-122"/>
-              </a:rPr>
-              <a:t>https://api.weixin.qq.com/cgi-bin/media/upload?access_token=ACCESS_TOKEN&amp;type=TYPE</a:t>
-            </a:r>
-            <a:endParaRPr lang="zh-CN" altLang="en-US" sz="2000" dirty="0">
-              <a:ea typeface="微软雅黑" panose="020B0503020204020204" pitchFamily="34" charset="-122"/>
-            </a:endParaRPr>
-          </a:p>
-        </p:txBody>
-      </p:sp>
-      <p:sp>
-        <p:nvSpPr>
-          <p:cNvPr id="5" name="文本框 4">
+        </p:txBody>
+      </p:sp>
+      <p:pic>
+        <p:nvPicPr>
+          <p:cNvPr id="5" name="图片 4">
             <a:extLst>
               <a:ext uri="{FF2B5EF4-FFF2-40B4-BE49-F238E27FC236}">
-                <a16:creationId xmlns:a16="http://schemas.microsoft.com/office/drawing/2014/main" id="{181A6C90-BE8F-48FE-85DF-42F1DD5D942C}"/>
+                <a16:creationId xmlns:a16="http://schemas.microsoft.com/office/drawing/2014/main" id="{72B3B0D9-1A19-45E0-AF3F-751D0F391581}"/>
               </a:ext>
             </a:extLst>
           </p:cNvPr>
-          <p:cNvSpPr txBox="1"/>
+          <p:cNvPicPr>
+            <a:picLocks noChangeAspect="1"/>
+          </p:cNvPicPr>
           <p:nvPr/>
-        </p:nvSpPr>
+        </p:nvPicPr>
+        <p:blipFill>
+          <a:blip r:embed="rId2">
+            <a:extLst>
+              <a:ext uri="{28A0092B-C50C-407E-A947-70E740481C1C}">
+                <a14:useLocalDpi xmlns:a14="http://schemas.microsoft.com/office/drawing/2010/main" val="0"/>
+              </a:ext>
+            </a:extLst>
+          </a:blip>
+          <a:stretch>
+            <a:fillRect/>
+          </a:stretch>
+        </p:blipFill>
         <p:spPr>
           <a:xfrm>
-            <a:off x="1054100" y="5326113"/>
-            <a:ext cx="10184525" cy="646331"/>
+            <a:off x="1054100" y="2677570"/>
+            <a:ext cx="8293265" cy="3270946"/>
           </a:xfrm>
           <a:prstGeom prst="rect">
             <a:avLst/>
           </a:prstGeom>
-          <a:noFill/>
         </p:spPr>
-        <p:txBody>
-          <a:bodyPr wrap="square" rtlCol="0">
-            <a:spAutoFit/>
-          </a:bodyPr>
-          <a:lstStyle/>
-          <a:p>
-            <a:r>
-              <a:rPr lang="en-US" altLang="zh-CN" dirty="0">
-                <a:latin typeface="微软雅黑" panose="020B0503020204020204" pitchFamily="34" charset="-122"/>
-                <a:ea typeface="微软雅黑" panose="020B0503020204020204" pitchFamily="34" charset="-122"/>
-              </a:rPr>
-              <a:t>Media</a:t>
-            </a:r>
-            <a:r>
-              <a:rPr lang="zh-CN" altLang="en-US" dirty="0">
-                <a:latin typeface="微软雅黑" panose="020B0503020204020204" pitchFamily="34" charset="-122"/>
-                <a:ea typeface="微软雅黑" panose="020B0503020204020204" pitchFamily="34" charset="-122"/>
-              </a:rPr>
-              <a:t>参数：使用</a:t>
-            </a:r>
-            <a:r>
-              <a:rPr lang="en-US" altLang="zh-CN" dirty="0">
-                <a:latin typeface="微软雅黑" panose="020B0503020204020204" pitchFamily="34" charset="-122"/>
-                <a:ea typeface="微软雅黑" panose="020B0503020204020204" pitchFamily="34" charset="-122"/>
-              </a:rPr>
-              <a:t>post</a:t>
-            </a:r>
-            <a:r>
-              <a:rPr lang="zh-CN" altLang="en-US" dirty="0">
-                <a:latin typeface="微软雅黑" panose="020B0503020204020204" pitchFamily="34" charset="-122"/>
-                <a:ea typeface="微软雅黑" panose="020B0503020204020204" pitchFamily="34" charset="-122"/>
-              </a:rPr>
-              <a:t>提交的文件，并非在</a:t>
-            </a:r>
-            <a:r>
-              <a:rPr lang="en-US" altLang="zh-CN" dirty="0" err="1">
-                <a:latin typeface="微软雅黑" panose="020B0503020204020204" pitchFamily="34" charset="-122"/>
-                <a:ea typeface="微软雅黑" panose="020B0503020204020204" pitchFamily="34" charset="-122"/>
-              </a:rPr>
-              <a:t>url</a:t>
-            </a:r>
-            <a:r>
-              <a:rPr lang="zh-CN" altLang="en-US" dirty="0">
-                <a:latin typeface="微软雅黑" panose="020B0503020204020204" pitchFamily="34" charset="-122"/>
-                <a:ea typeface="微软雅黑" panose="020B0503020204020204" pitchFamily="34" charset="-122"/>
-              </a:rPr>
-              <a:t>的参数里，而</a:t>
-            </a:r>
-            <a:r>
-              <a:rPr lang="en-US" altLang="zh-CN" dirty="0" err="1">
-                <a:latin typeface="微软雅黑" panose="020B0503020204020204" pitchFamily="34" charset="-122"/>
-                <a:ea typeface="微软雅黑" panose="020B0503020204020204" pitchFamily="34" charset="-122"/>
-              </a:rPr>
-              <a:t>access_token</a:t>
-            </a:r>
-            <a:r>
-              <a:rPr lang="zh-CN" altLang="en-US" dirty="0">
-                <a:latin typeface="微软雅黑" panose="020B0503020204020204" pitchFamily="34" charset="-122"/>
-                <a:ea typeface="微软雅黑" panose="020B0503020204020204" pitchFamily="34" charset="-122"/>
-              </a:rPr>
-              <a:t>与</a:t>
-            </a:r>
-            <a:r>
-              <a:rPr lang="en-US" altLang="zh-CN" dirty="0">
-                <a:latin typeface="微软雅黑" panose="020B0503020204020204" pitchFamily="34" charset="-122"/>
-                <a:ea typeface="微软雅黑" panose="020B0503020204020204" pitchFamily="34" charset="-122"/>
-              </a:rPr>
-              <a:t>type</a:t>
-            </a:r>
-            <a:r>
-              <a:rPr lang="zh-CN" altLang="en-US" dirty="0">
-                <a:latin typeface="微软雅黑" panose="020B0503020204020204" pitchFamily="34" charset="-122"/>
-                <a:ea typeface="微软雅黑" panose="020B0503020204020204" pitchFamily="34" charset="-122"/>
-              </a:rPr>
-              <a:t>直接使用</a:t>
-            </a:r>
-            <a:r>
-              <a:rPr lang="en-US" altLang="zh-CN" dirty="0" err="1">
-                <a:latin typeface="微软雅黑" panose="020B0503020204020204" pitchFamily="34" charset="-122"/>
-                <a:ea typeface="微软雅黑" panose="020B0503020204020204" pitchFamily="34" charset="-122"/>
-              </a:rPr>
-              <a:t>url</a:t>
-            </a:r>
-            <a:r>
-              <a:rPr lang="zh-CN" altLang="en-US" dirty="0">
-                <a:latin typeface="微软雅黑" panose="020B0503020204020204" pitchFamily="34" charset="-122"/>
-                <a:ea typeface="微软雅黑" panose="020B0503020204020204" pitchFamily="34" charset="-122"/>
-              </a:rPr>
-              <a:t>传递参数值</a:t>
-            </a:r>
-          </a:p>
-        </p:txBody>
-      </p:sp>
+      </p:pic>
     </p:spTree>
     <p:extLst>
       <p:ext uri="{BB962C8B-B14F-4D97-AF65-F5344CB8AC3E}">
-        <p14:creationId xmlns:p14="http://schemas.microsoft.com/office/powerpoint/2010/main" val="1954155199"/>
+        <p14:creationId xmlns:p14="http://schemas.microsoft.com/office/powerpoint/2010/main" val="864353320"/>
       </p:ext>
     </p:extLst>
   </p:cSld>
@@ -19365,19 +17831,18 @@
             <p:ph sz="quarter" idx="13"/>
           </p:nvPr>
         </p:nvSpPr>
-        <p:spPr>
-          <a:xfrm>
-            <a:off x="1054099" y="543636"/>
-            <a:ext cx="6103445" cy="685800"/>
-          </a:xfrm>
-        </p:spPr>
+        <p:spPr/>
         <p:txBody>
           <a:bodyPr/>
           <a:lstStyle/>
           <a:p>
             <a:r>
+              <a:rPr lang="en-US" altLang="zh-CN" b="0" dirty="0"/>
+              <a:t>CURL</a:t>
+            </a:r>
+            <a:r>
               <a:rPr lang="zh-CN" altLang="en-US" b="0" dirty="0"/>
-              <a:t>新增临时素材返回值</a:t>
+              <a:t>下载文件</a:t>
             </a:r>
           </a:p>
         </p:txBody>
@@ -19387,7 +17852,7 @@
           <p:cNvPr id="3" name="文本框 2">
             <a:extLst>
               <a:ext uri="{FF2B5EF4-FFF2-40B4-BE49-F238E27FC236}">
-                <a16:creationId xmlns:a16="http://schemas.microsoft.com/office/drawing/2014/main" id="{D63C6118-FB8B-4457-A5F6-FF2B3FC277F2}"/>
+                <a16:creationId xmlns:a16="http://schemas.microsoft.com/office/drawing/2014/main" id="{8A712BF0-CC34-4F68-8122-7C591B22A08A}"/>
               </a:ext>
             </a:extLst>
           </p:cNvPr>
@@ -19396,8 +17861,8 @@
         </p:nvSpPr>
         <p:spPr>
           <a:xfrm>
-            <a:off x="1054099" y="1618592"/>
-            <a:ext cx="10321158" cy="1200329"/>
+            <a:off x="1054100" y="1671145"/>
+            <a:ext cx="10594427" cy="707886"/>
           </a:xfrm>
           <a:prstGeom prst="rect">
             <a:avLst/>
@@ -19410,529 +17875,106 @@
           </a:bodyPr>
           <a:lstStyle/>
           <a:p>
-            <a:pPr marL="285750" indent="-285750">
+            <a:pPr marL="342900" indent="-342900">
               <a:buFont typeface="Arial" panose="020B0604020202020204" pitchFamily="34" charset="0"/>
               <a:buChar char="•"/>
             </a:pPr>
             <a:r>
-              <a:rPr lang="zh-CN" altLang="en-US" dirty="0">
-                <a:latin typeface="Calibri" panose="020F0502020204030204" pitchFamily="34" charset="0"/>
+              <a:rPr lang="zh-CN" altLang="en-US" sz="2000" dirty="0">
+                <a:latin typeface="微软雅黑" panose="020B0503020204020204" pitchFamily="34" charset="-122"/>
                 <a:ea typeface="微软雅黑" panose="020B0503020204020204" pitchFamily="34" charset="-122"/>
               </a:rPr>
-              <a:t>正确返回：</a:t>
-            </a:r>
-            <a:endParaRPr lang="en-US" altLang="zh-CN" dirty="0">
-              <a:latin typeface="Calibri" panose="020F0502020204030204" pitchFamily="34" charset="0"/>
+              <a:t>让</a:t>
+            </a:r>
+            <a:r>
+              <a:rPr lang="en-US" altLang="zh-CN" sz="2000" dirty="0">
+                <a:latin typeface="微软雅黑" panose="020B0503020204020204" pitchFamily="34" charset="-122"/>
+                <a:ea typeface="微软雅黑" panose="020B0503020204020204" pitchFamily="34" charset="-122"/>
+              </a:rPr>
+              <a:t>CURL</a:t>
+            </a:r>
+            <a:r>
+              <a:rPr lang="zh-CN" altLang="en-US" sz="2000" dirty="0">
+                <a:latin typeface="微软雅黑" panose="020B0503020204020204" pitchFamily="34" charset="-122"/>
+                <a:ea typeface="微软雅黑" panose="020B0503020204020204" pitchFamily="34" charset="-122"/>
+              </a:rPr>
+              <a:t>自动处理数据。使用</a:t>
+            </a:r>
+            <a:r>
+              <a:rPr lang="en-US" altLang="zh-CN" sz="2000" dirty="0">
+                <a:latin typeface="微软雅黑" panose="020B0503020204020204" pitchFamily="34" charset="-122"/>
+                <a:ea typeface="微软雅黑" panose="020B0503020204020204" pitchFamily="34" charset="-122"/>
+              </a:rPr>
+              <a:t>CURLOPT_FILE</a:t>
+            </a:r>
+            <a:r>
+              <a:rPr lang="zh-CN" altLang="en-US" sz="2000" dirty="0">
+                <a:latin typeface="微软雅黑" panose="020B0503020204020204" pitchFamily="34" charset="-122"/>
+                <a:ea typeface="微软雅黑" panose="020B0503020204020204" pitchFamily="34" charset="-122"/>
+              </a:rPr>
+              <a:t>选项设置为文件描述符，</a:t>
+            </a:r>
+            <a:r>
+              <a:rPr lang="en-US" altLang="zh-CN" sz="2000" dirty="0">
+                <a:latin typeface="微软雅黑" panose="020B0503020204020204" pitchFamily="34" charset="-122"/>
+                <a:ea typeface="微软雅黑" panose="020B0503020204020204" pitchFamily="34" charset="-122"/>
+              </a:rPr>
+              <a:t>CURL</a:t>
+            </a:r>
+            <a:r>
+              <a:rPr lang="zh-CN" altLang="en-US" sz="2000" dirty="0">
+                <a:latin typeface="微软雅黑" panose="020B0503020204020204" pitchFamily="34" charset="-122"/>
+                <a:ea typeface="微软雅黑" panose="020B0503020204020204" pitchFamily="34" charset="-122"/>
+              </a:rPr>
+              <a:t>会自动把数据写入到文件中。</a:t>
+            </a:r>
+            <a:endParaRPr lang="en-US" altLang="zh-CN" sz="2000" dirty="0">
+              <a:latin typeface="微软雅黑" panose="020B0503020204020204" pitchFamily="34" charset="-122"/>
               <a:ea typeface="微软雅黑" panose="020B0503020204020204" pitchFamily="34" charset="-122"/>
             </a:endParaRPr>
           </a:p>
-          <a:p>
-            <a:pPr lvl="1"/>
-            <a:r>
-              <a:rPr lang="en-US" altLang="zh-CN" dirty="0">
-                <a:latin typeface="Calibri" panose="020F0502020204030204" pitchFamily="34" charset="0"/>
-                <a:ea typeface="微软雅黑" panose="020B0503020204020204" pitchFamily="34" charset="-122"/>
-              </a:rPr>
-              <a:t>{"type":"TYPE","media_id":"MEDIA_ID","created_at":123456789}</a:t>
-            </a:r>
-          </a:p>
-          <a:p>
-            <a:pPr marL="285750" indent="-285750">
-              <a:buFont typeface="Arial" panose="020B0604020202020204" pitchFamily="34" charset="0"/>
-              <a:buChar char="•"/>
-            </a:pPr>
-            <a:r>
-              <a:rPr lang="zh-CN" altLang="en-US" dirty="0">
-                <a:latin typeface="Calibri" panose="020F0502020204030204" pitchFamily="34" charset="0"/>
-                <a:ea typeface="微软雅黑" panose="020B0503020204020204" pitchFamily="34" charset="-122"/>
-              </a:rPr>
-              <a:t>错误返回：</a:t>
-            </a:r>
-            <a:endParaRPr lang="en-US" altLang="zh-CN" dirty="0">
-              <a:latin typeface="Calibri" panose="020F0502020204030204" pitchFamily="34" charset="0"/>
-              <a:ea typeface="微软雅黑" panose="020B0503020204020204" pitchFamily="34" charset="-122"/>
-            </a:endParaRPr>
-          </a:p>
-          <a:p>
-            <a:pPr lvl="1"/>
-            <a:r>
-              <a:rPr lang="en-US" altLang="zh-CN" dirty="0">
-                <a:latin typeface="Calibri" panose="020F0502020204030204" pitchFamily="34" charset="0"/>
-                <a:ea typeface="微软雅黑" panose="020B0503020204020204" pitchFamily="34" charset="-122"/>
-              </a:rPr>
-              <a:t>{"errcode":40004,"errmsg":"invalid media type"}</a:t>
-            </a:r>
-            <a:endParaRPr lang="zh-CN" altLang="en-US" dirty="0">
-              <a:latin typeface="Calibri" panose="020F0502020204030204" pitchFamily="34" charset="0"/>
-              <a:ea typeface="微软雅黑" panose="020B0503020204020204" pitchFamily="34" charset="-122"/>
-            </a:endParaRPr>
-          </a:p>
-        </p:txBody>
-      </p:sp>
-      <p:graphicFrame>
-        <p:nvGraphicFramePr>
-          <p:cNvPr id="4" name="表格 3">
+        </p:txBody>
+      </p:sp>
+      <p:pic>
+        <p:nvPicPr>
+          <p:cNvPr id="6" name="图片 5">
             <a:extLst>
               <a:ext uri="{FF2B5EF4-FFF2-40B4-BE49-F238E27FC236}">
-                <a16:creationId xmlns:a16="http://schemas.microsoft.com/office/drawing/2014/main" id="{888F4F43-824D-4F26-8BA5-EB59159E4575}"/>
+                <a16:creationId xmlns:a16="http://schemas.microsoft.com/office/drawing/2014/main" id="{1254BC40-B592-411A-90EB-02E52B19BB60}"/>
               </a:ext>
             </a:extLst>
           </p:cNvPr>
-          <p:cNvGraphicFramePr>
-            <a:graphicFrameLocks noGrp="1"/>
-          </p:cNvGraphicFramePr>
-          <p:nvPr>
-            <p:extLst>
-              <p:ext uri="{D42A27DB-BD31-4B8C-83A1-F6EECF244321}">
-                <p14:modId xmlns:p14="http://schemas.microsoft.com/office/powerpoint/2010/main" val="174868602"/>
-              </p:ext>
-            </p:extLst>
-          </p:nvPr>
-        </p:nvGraphicFramePr>
-        <p:xfrm>
-          <a:off x="1054099" y="3498899"/>
-          <a:ext cx="10212991" cy="1737360"/>
-        </p:xfrm>
-        <a:graphic>
-          <a:graphicData uri="http://schemas.openxmlformats.org/drawingml/2006/table">
-            <a:tbl>
-              <a:tblPr/>
-              <a:tblGrid>
-                <a:gridCol w="1665428">
-                  <a:extLst>
-                    <a:ext uri="{9D8B030D-6E8A-4147-A177-3AD203B41FA5}">
-                      <a16:colId xmlns:a16="http://schemas.microsoft.com/office/drawing/2014/main" val="614110908"/>
-                    </a:ext>
-                  </a:extLst>
-                </a:gridCol>
-                <a:gridCol w="8547563">
-                  <a:extLst>
-                    <a:ext uri="{9D8B030D-6E8A-4147-A177-3AD203B41FA5}">
-                      <a16:colId xmlns:a16="http://schemas.microsoft.com/office/drawing/2014/main" val="1163936019"/>
-                    </a:ext>
-                  </a:extLst>
-                </a:gridCol>
-              </a:tblGrid>
-              <a:tr h="0">
-                <a:tc>
-                  <a:txBody>
-                    <a:bodyPr/>
-                    <a:lstStyle/>
-                    <a:p>
-                      <a:pPr latinLnBrk="1"/>
-                      <a:r>
-                        <a:rPr lang="zh-CN" altLang="en-US" b="1" dirty="0">
-                          <a:solidFill>
-                            <a:srgbClr val="333333"/>
-                          </a:solidFill>
-                          <a:effectLst/>
-                          <a:latin typeface="微软雅黑" panose="020B0503020204020204" pitchFamily="34" charset="-122"/>
-                          <a:ea typeface="微软雅黑" panose="020B0503020204020204" pitchFamily="34" charset="-122"/>
-                        </a:rPr>
-                        <a:t>参数</a:t>
-                      </a:r>
-                      <a:endParaRPr lang="zh-CN" altLang="en-US" dirty="0">
-                        <a:effectLst/>
-                      </a:endParaRPr>
-                    </a:p>
-                  </a:txBody>
-                  <a:tcPr>
-                    <a:lnL>
-                      <a:noFill/>
-                    </a:lnL>
-                    <a:lnR>
-                      <a:noFill/>
-                    </a:lnR>
-                    <a:lnT>
-                      <a:noFill/>
-                    </a:lnT>
-                    <a:lnB>
-                      <a:noFill/>
-                    </a:lnB>
-                  </a:tcPr>
-                </a:tc>
-                <a:tc>
-                  <a:txBody>
-                    <a:bodyPr/>
-                    <a:lstStyle/>
-                    <a:p>
-                      <a:pPr latinLnBrk="1"/>
-                      <a:r>
-                        <a:rPr lang="zh-CN" altLang="en-US" b="1" dirty="0">
-                          <a:solidFill>
-                            <a:srgbClr val="333333"/>
-                          </a:solidFill>
-                          <a:effectLst/>
-                          <a:latin typeface="微软雅黑" panose="020B0503020204020204" pitchFamily="34" charset="-122"/>
-                          <a:ea typeface="微软雅黑" panose="020B0503020204020204" pitchFamily="34" charset="-122"/>
-                        </a:rPr>
-                        <a:t>描述</a:t>
-                      </a:r>
-                      <a:endParaRPr lang="zh-CN" altLang="en-US" dirty="0">
-                        <a:effectLst/>
-                      </a:endParaRPr>
-                    </a:p>
-                  </a:txBody>
-                  <a:tcPr>
-                    <a:lnL>
-                      <a:noFill/>
-                    </a:lnL>
-                    <a:lnR>
-                      <a:noFill/>
-                    </a:lnR>
-                    <a:lnT>
-                      <a:noFill/>
-                    </a:lnT>
-                    <a:lnB>
-                      <a:noFill/>
-                    </a:lnB>
-                  </a:tcPr>
-                </a:tc>
-                <a:extLst>
-                  <a:ext uri="{0D108BD9-81ED-4DB2-BD59-A6C34878D82A}">
-                    <a16:rowId xmlns:a16="http://schemas.microsoft.com/office/drawing/2014/main" val="2980929180"/>
-                  </a:ext>
-                </a:extLst>
-              </a:tr>
-              <a:tr h="0">
-                <a:tc>
-                  <a:txBody>
-                    <a:bodyPr/>
-                    <a:lstStyle/>
-                    <a:p>
-                      <a:pPr latinLnBrk="1"/>
-                      <a:r>
-                        <a:rPr lang="en-US">
-                          <a:solidFill>
-                            <a:srgbClr val="333333"/>
-                          </a:solidFill>
-                          <a:effectLst/>
-                          <a:latin typeface="微软雅黑" panose="020B0503020204020204" pitchFamily="34" charset="-122"/>
-                          <a:ea typeface="微软雅黑" panose="020B0503020204020204" pitchFamily="34" charset="-122"/>
-                        </a:rPr>
-                        <a:t>type</a:t>
-                      </a:r>
-                      <a:endParaRPr lang="en-US">
-                        <a:effectLst/>
-                      </a:endParaRPr>
-                    </a:p>
-                  </a:txBody>
-                  <a:tcPr>
-                    <a:lnL>
-                      <a:noFill/>
-                    </a:lnL>
-                    <a:lnR>
-                      <a:noFill/>
-                    </a:lnR>
-                    <a:lnT>
-                      <a:noFill/>
-                    </a:lnT>
-                    <a:lnB>
-                      <a:noFill/>
-                    </a:lnB>
-                  </a:tcPr>
-                </a:tc>
-                <a:tc>
-                  <a:txBody>
-                    <a:bodyPr/>
-                    <a:lstStyle/>
-                    <a:p>
-                      <a:pPr latinLnBrk="1"/>
-                      <a:r>
-                        <a:rPr lang="zh-CN" altLang="en-US">
-                          <a:solidFill>
-                            <a:srgbClr val="333333"/>
-                          </a:solidFill>
-                          <a:effectLst/>
-                          <a:latin typeface="微软雅黑" panose="020B0503020204020204" pitchFamily="34" charset="-122"/>
-                          <a:ea typeface="微软雅黑" panose="020B0503020204020204" pitchFamily="34" charset="-122"/>
-                        </a:rPr>
-                        <a:t>媒体文件类型，分别有图片（</a:t>
-                      </a:r>
-                      <a:r>
-                        <a:rPr lang="en-US" altLang="zh-CN">
-                          <a:solidFill>
-                            <a:srgbClr val="333333"/>
-                          </a:solidFill>
-                          <a:effectLst/>
-                          <a:latin typeface="微软雅黑" panose="020B0503020204020204" pitchFamily="34" charset="-122"/>
-                          <a:ea typeface="微软雅黑" panose="020B0503020204020204" pitchFamily="34" charset="-122"/>
-                        </a:rPr>
-                        <a:t>image</a:t>
-                      </a:r>
-                      <a:r>
-                        <a:rPr lang="zh-CN" altLang="en-US">
-                          <a:solidFill>
-                            <a:srgbClr val="333333"/>
-                          </a:solidFill>
-                          <a:effectLst/>
-                          <a:latin typeface="微软雅黑" panose="020B0503020204020204" pitchFamily="34" charset="-122"/>
-                          <a:ea typeface="微软雅黑" panose="020B0503020204020204" pitchFamily="34" charset="-122"/>
-                        </a:rPr>
-                        <a:t>）、语音（</a:t>
-                      </a:r>
-                      <a:r>
-                        <a:rPr lang="en-US" altLang="zh-CN">
-                          <a:solidFill>
-                            <a:srgbClr val="333333"/>
-                          </a:solidFill>
-                          <a:effectLst/>
-                          <a:latin typeface="微软雅黑" panose="020B0503020204020204" pitchFamily="34" charset="-122"/>
-                          <a:ea typeface="微软雅黑" panose="020B0503020204020204" pitchFamily="34" charset="-122"/>
-                        </a:rPr>
-                        <a:t>voice</a:t>
-                      </a:r>
-                      <a:r>
-                        <a:rPr lang="zh-CN" altLang="en-US">
-                          <a:solidFill>
-                            <a:srgbClr val="333333"/>
-                          </a:solidFill>
-                          <a:effectLst/>
-                          <a:latin typeface="微软雅黑" panose="020B0503020204020204" pitchFamily="34" charset="-122"/>
-                          <a:ea typeface="微软雅黑" panose="020B0503020204020204" pitchFamily="34" charset="-122"/>
-                        </a:rPr>
-                        <a:t>）、视频（</a:t>
-                      </a:r>
-                      <a:r>
-                        <a:rPr lang="en-US" altLang="zh-CN">
-                          <a:solidFill>
-                            <a:srgbClr val="333333"/>
-                          </a:solidFill>
-                          <a:effectLst/>
-                          <a:latin typeface="微软雅黑" panose="020B0503020204020204" pitchFamily="34" charset="-122"/>
-                          <a:ea typeface="微软雅黑" panose="020B0503020204020204" pitchFamily="34" charset="-122"/>
-                        </a:rPr>
-                        <a:t>video</a:t>
-                      </a:r>
-                      <a:r>
-                        <a:rPr lang="zh-CN" altLang="en-US">
-                          <a:solidFill>
-                            <a:srgbClr val="333333"/>
-                          </a:solidFill>
-                          <a:effectLst/>
-                          <a:latin typeface="微软雅黑" panose="020B0503020204020204" pitchFamily="34" charset="-122"/>
-                          <a:ea typeface="微软雅黑" panose="020B0503020204020204" pitchFamily="34" charset="-122"/>
-                        </a:rPr>
-                        <a:t>）和缩略图（</a:t>
-                      </a:r>
-                      <a:r>
-                        <a:rPr lang="en-US" altLang="zh-CN">
-                          <a:solidFill>
-                            <a:srgbClr val="333333"/>
-                          </a:solidFill>
-                          <a:effectLst/>
-                          <a:latin typeface="微软雅黑" panose="020B0503020204020204" pitchFamily="34" charset="-122"/>
-                          <a:ea typeface="微软雅黑" panose="020B0503020204020204" pitchFamily="34" charset="-122"/>
-                        </a:rPr>
-                        <a:t>thumb</a:t>
-                      </a:r>
-                      <a:r>
-                        <a:rPr lang="zh-CN" altLang="en-US">
-                          <a:solidFill>
-                            <a:srgbClr val="333333"/>
-                          </a:solidFill>
-                          <a:effectLst/>
-                          <a:latin typeface="微软雅黑" panose="020B0503020204020204" pitchFamily="34" charset="-122"/>
-                          <a:ea typeface="微软雅黑" panose="020B0503020204020204" pitchFamily="34" charset="-122"/>
-                        </a:rPr>
-                        <a:t>，主要用于视频与音乐格式的缩略图）</a:t>
-                      </a:r>
-                      <a:endParaRPr lang="zh-CN" altLang="en-US">
-                        <a:effectLst/>
-                      </a:endParaRPr>
-                    </a:p>
-                  </a:txBody>
-                  <a:tcPr>
-                    <a:lnL>
-                      <a:noFill/>
-                    </a:lnL>
-                    <a:lnR>
-                      <a:noFill/>
-                    </a:lnR>
-                    <a:lnT>
-                      <a:noFill/>
-                    </a:lnT>
-                    <a:lnB>
-                      <a:noFill/>
-                    </a:lnB>
-                  </a:tcPr>
-                </a:tc>
-                <a:extLst>
-                  <a:ext uri="{0D108BD9-81ED-4DB2-BD59-A6C34878D82A}">
-                    <a16:rowId xmlns:a16="http://schemas.microsoft.com/office/drawing/2014/main" val="1762771441"/>
-                  </a:ext>
-                </a:extLst>
-              </a:tr>
-              <a:tr h="0">
-                <a:tc>
-                  <a:txBody>
-                    <a:bodyPr/>
-                    <a:lstStyle/>
-                    <a:p>
-                      <a:pPr latinLnBrk="1"/>
-                      <a:r>
-                        <a:rPr lang="en-US">
-                          <a:solidFill>
-                            <a:srgbClr val="333333"/>
-                          </a:solidFill>
-                          <a:effectLst/>
-                          <a:latin typeface="微软雅黑" panose="020B0503020204020204" pitchFamily="34" charset="-122"/>
-                          <a:ea typeface="微软雅黑" panose="020B0503020204020204" pitchFamily="34" charset="-122"/>
-                        </a:rPr>
-                        <a:t>media_id</a:t>
-                      </a:r>
-                      <a:endParaRPr lang="en-US">
-                        <a:effectLst/>
-                      </a:endParaRPr>
-                    </a:p>
-                  </a:txBody>
-                  <a:tcPr>
-                    <a:lnL>
-                      <a:noFill/>
-                    </a:lnL>
-                    <a:lnR>
-                      <a:noFill/>
-                    </a:lnR>
-                    <a:lnT>
-                      <a:noFill/>
-                    </a:lnT>
-                    <a:lnB>
-                      <a:noFill/>
-                    </a:lnB>
-                  </a:tcPr>
-                </a:tc>
-                <a:tc>
-                  <a:txBody>
-                    <a:bodyPr/>
-                    <a:lstStyle/>
-                    <a:p>
-                      <a:pPr latinLnBrk="1"/>
-                      <a:r>
-                        <a:rPr lang="zh-CN" altLang="en-US">
-                          <a:solidFill>
-                            <a:srgbClr val="333333"/>
-                          </a:solidFill>
-                          <a:effectLst/>
-                          <a:latin typeface="微软雅黑" panose="020B0503020204020204" pitchFamily="34" charset="-122"/>
-                          <a:ea typeface="微软雅黑" panose="020B0503020204020204" pitchFamily="34" charset="-122"/>
-                        </a:rPr>
-                        <a:t>媒体文件上传后，获取标识</a:t>
-                      </a:r>
-                      <a:endParaRPr lang="zh-CN" altLang="en-US">
-                        <a:effectLst/>
-                      </a:endParaRPr>
-                    </a:p>
-                  </a:txBody>
-                  <a:tcPr>
-                    <a:lnL>
-                      <a:noFill/>
-                    </a:lnL>
-                    <a:lnR>
-                      <a:noFill/>
-                    </a:lnR>
-                    <a:lnT>
-                      <a:noFill/>
-                    </a:lnT>
-                    <a:lnB>
-                      <a:noFill/>
-                    </a:lnB>
-                  </a:tcPr>
-                </a:tc>
-                <a:extLst>
-                  <a:ext uri="{0D108BD9-81ED-4DB2-BD59-A6C34878D82A}">
-                    <a16:rowId xmlns:a16="http://schemas.microsoft.com/office/drawing/2014/main" val="2081725337"/>
-                  </a:ext>
-                </a:extLst>
-              </a:tr>
-              <a:tr h="0">
-                <a:tc>
-                  <a:txBody>
-                    <a:bodyPr/>
-                    <a:lstStyle/>
-                    <a:p>
-                      <a:pPr latinLnBrk="1"/>
-                      <a:r>
-                        <a:rPr lang="en-US">
-                          <a:solidFill>
-                            <a:srgbClr val="333333"/>
-                          </a:solidFill>
-                          <a:effectLst/>
-                          <a:latin typeface="微软雅黑" panose="020B0503020204020204" pitchFamily="34" charset="-122"/>
-                          <a:ea typeface="微软雅黑" panose="020B0503020204020204" pitchFamily="34" charset="-122"/>
-                        </a:rPr>
-                        <a:t>created_at</a:t>
-                      </a:r>
-                      <a:endParaRPr lang="en-US">
-                        <a:effectLst/>
-                      </a:endParaRPr>
-                    </a:p>
-                  </a:txBody>
-                  <a:tcPr>
-                    <a:lnL>
-                      <a:noFill/>
-                    </a:lnL>
-                    <a:lnR>
-                      <a:noFill/>
-                    </a:lnR>
-                    <a:lnT>
-                      <a:noFill/>
-                    </a:lnT>
-                    <a:lnB>
-                      <a:noFill/>
-                    </a:lnB>
-                  </a:tcPr>
-                </a:tc>
-                <a:tc>
-                  <a:txBody>
-                    <a:bodyPr/>
-                    <a:lstStyle/>
-                    <a:p>
-                      <a:pPr latinLnBrk="1"/>
-                      <a:r>
-                        <a:rPr lang="zh-CN" altLang="en-US" dirty="0">
-                          <a:solidFill>
-                            <a:srgbClr val="333333"/>
-                          </a:solidFill>
-                          <a:effectLst/>
-                          <a:latin typeface="微软雅黑" panose="020B0503020204020204" pitchFamily="34" charset="-122"/>
-                          <a:ea typeface="微软雅黑" panose="020B0503020204020204" pitchFamily="34" charset="-122"/>
-                        </a:rPr>
-                        <a:t>媒体文件上传时间戳</a:t>
-                      </a:r>
-                      <a:endParaRPr lang="zh-CN" altLang="en-US" dirty="0">
-                        <a:effectLst/>
-                      </a:endParaRPr>
-                    </a:p>
-                  </a:txBody>
-                  <a:tcPr>
-                    <a:lnL>
-                      <a:noFill/>
-                    </a:lnL>
-                    <a:lnR>
-                      <a:noFill/>
-                    </a:lnR>
-                    <a:lnT>
-                      <a:noFill/>
-                    </a:lnT>
-                    <a:lnB>
-                      <a:noFill/>
-                    </a:lnB>
-                  </a:tcPr>
-                </a:tc>
-                <a:extLst>
-                  <a:ext uri="{0D108BD9-81ED-4DB2-BD59-A6C34878D82A}">
-                    <a16:rowId xmlns:a16="http://schemas.microsoft.com/office/drawing/2014/main" val="2423830183"/>
-                  </a:ext>
-                </a:extLst>
-              </a:tr>
-            </a:tbl>
-          </a:graphicData>
-        </a:graphic>
-      </p:graphicFrame>
+          <p:cNvPicPr>
+            <a:picLocks noChangeAspect="1"/>
+          </p:cNvPicPr>
+          <p:nvPr/>
+        </p:nvPicPr>
+        <p:blipFill>
+          <a:blip r:embed="rId2">
+            <a:extLst>
+              <a:ext uri="{28A0092B-C50C-407E-A947-70E740481C1C}">
+                <a14:useLocalDpi xmlns:a14="http://schemas.microsoft.com/office/drawing/2010/main" val="0"/>
+              </a:ext>
+            </a:extLst>
+          </a:blip>
+          <a:stretch>
+            <a:fillRect/>
+          </a:stretch>
+        </p:blipFill>
+        <p:spPr>
+          <a:xfrm>
+            <a:off x="1054100" y="2662206"/>
+            <a:ext cx="5948142" cy="3581277"/>
+          </a:xfrm>
+          <a:prstGeom prst="rect">
+            <a:avLst/>
+          </a:prstGeom>
+        </p:spPr>
+      </p:pic>
     </p:spTree>
     <p:extLst>
       <p:ext uri="{BB962C8B-B14F-4D97-AF65-F5344CB8AC3E}">
-        <p14:creationId xmlns:p14="http://schemas.microsoft.com/office/powerpoint/2010/main" val="3252339481"/>
+        <p14:creationId xmlns:p14="http://schemas.microsoft.com/office/powerpoint/2010/main" val="2220617582"/>
       </p:ext>
     </p:extLst>
   </p:cSld>
@@ -19975,18 +18017,18 @@
           <a:lstStyle/>
           <a:p>
             <a:r>
-              <a:rPr lang="zh-CN" altLang="en-US" b="0" dirty="0"/>
-              <a:t>获取临时素材</a:t>
-            </a:r>
-          </a:p>
-        </p:txBody>
-      </p:sp>
-      <p:sp>
-        <p:nvSpPr>
-          <p:cNvPr id="3" name="文本框 2">
+              <a:rPr lang="zh-CN" altLang="en-US" dirty="0"/>
+              <a:t>第二讲</a:t>
+            </a:r>
+          </a:p>
+        </p:txBody>
+      </p:sp>
+      <p:sp>
+        <p:nvSpPr>
+          <p:cNvPr id="4" name="文本框 3">
             <a:extLst>
               <a:ext uri="{FF2B5EF4-FFF2-40B4-BE49-F238E27FC236}">
-                <a16:creationId xmlns:a16="http://schemas.microsoft.com/office/drawing/2014/main" id="{9D670161-9A43-4A3A-A16D-246D8BA33B25}"/>
+                <a16:creationId xmlns:a16="http://schemas.microsoft.com/office/drawing/2014/main" id="{7F93AF9A-5FDE-4BDC-9C03-D2E27C069035}"/>
               </a:ext>
             </a:extLst>
           </p:cNvPr>
@@ -19995,8 +18037,8 @@
         </p:nvSpPr>
         <p:spPr>
           <a:xfrm>
-            <a:off x="1156138" y="1765738"/>
-            <a:ext cx="10405241" cy="646331"/>
+            <a:off x="4058444" y="2343152"/>
+            <a:ext cx="5385594" cy="1969257"/>
           </a:xfrm>
           <a:prstGeom prst="rect">
             <a:avLst/>
@@ -20009,446 +18051,118 @@
           </a:bodyPr>
           <a:lstStyle/>
           <a:p>
-            <a:pPr marL="285750" indent="-285750">
-              <a:buFont typeface="Arial" panose="020B0604020202020204" pitchFamily="34" charset="0"/>
-              <a:buChar char="•"/>
+            <a:pPr marL="514350" indent="-514350">
+              <a:lnSpc>
+                <a:spcPct val="200000"/>
+              </a:lnSpc>
+              <a:buFont typeface="+mj-ea"/>
+              <a:buAutoNum type="ea1JpnChsDbPeriod"/>
             </a:pPr>
             <a:r>
-              <a:rPr lang="zh-CN" altLang="en-US" dirty="0">
+              <a:rPr lang="en-US" altLang="zh-CN" sz="2000" dirty="0">
+                <a:solidFill>
+                  <a:schemeClr val="tx1">
+                    <a:lumMod val="65000"/>
+                    <a:lumOff val="35000"/>
+                  </a:schemeClr>
+                </a:solidFill>
                 <a:latin typeface="微软雅黑" panose="020B0503020204020204" pitchFamily="34" charset="-122"/>
                 <a:ea typeface="微软雅黑" panose="020B0503020204020204" pitchFamily="34" charset="-122"/>
               </a:rPr>
-              <a:t>调用接口：</a:t>
-            </a:r>
-            <a:endParaRPr lang="en-US" altLang="zh-CN" dirty="0">
+              <a:t>CURL</a:t>
+            </a:r>
+            <a:r>
+              <a:rPr lang="zh-CN" altLang="en-US" sz="2000" dirty="0">
+                <a:solidFill>
+                  <a:schemeClr val="tx1">
+                    <a:lumMod val="65000"/>
+                    <a:lumOff val="35000"/>
+                  </a:schemeClr>
+                </a:solidFill>
+                <a:latin typeface="微软雅黑" panose="020B0503020204020204" pitchFamily="34" charset="-122"/>
+                <a:ea typeface="微软雅黑" panose="020B0503020204020204" pitchFamily="34" charset="-122"/>
+              </a:rPr>
+              <a:t>上传与下载文件</a:t>
+            </a:r>
+            <a:endParaRPr lang="en-US" altLang="zh-CN" sz="2000" dirty="0">
+              <a:solidFill>
+                <a:schemeClr val="tx1">
+                  <a:lumMod val="65000"/>
+                  <a:lumOff val="35000"/>
+                </a:schemeClr>
+              </a:solidFill>
               <a:latin typeface="微软雅黑" panose="020B0503020204020204" pitchFamily="34" charset="-122"/>
               <a:ea typeface="微软雅黑" panose="020B0503020204020204" pitchFamily="34" charset="-122"/>
             </a:endParaRPr>
           </a:p>
           <a:p>
-            <a:r>
-              <a:rPr lang="en-US" altLang="zh-CN" dirty="0"/>
-              <a:t>https://api.weixin.qq.com/cgi-bin/media/get?access_token=ACCESS_TOKEN&amp;media_id=MEDIA_ID</a:t>
-            </a:r>
-            <a:endParaRPr lang="zh-CN" altLang="en-US" dirty="0"/>
-          </a:p>
-        </p:txBody>
-      </p:sp>
-      <p:graphicFrame>
-        <p:nvGraphicFramePr>
-          <p:cNvPr id="4" name="表格 3">
-            <a:extLst>
-              <a:ext uri="{FF2B5EF4-FFF2-40B4-BE49-F238E27FC236}">
-                <a16:creationId xmlns:a16="http://schemas.microsoft.com/office/drawing/2014/main" id="{3296CC3B-3F2B-4518-BFD4-01D36817BBD7}"/>
-              </a:ext>
-            </a:extLst>
-          </p:cNvPr>
-          <p:cNvGraphicFramePr>
-            <a:graphicFrameLocks noGrp="1"/>
-          </p:cNvGraphicFramePr>
-          <p:nvPr>
-            <p:extLst>
-              <p:ext uri="{D42A27DB-BD31-4B8C-83A1-F6EECF244321}">
-                <p14:modId xmlns:p14="http://schemas.microsoft.com/office/powerpoint/2010/main" val="471225372"/>
-              </p:ext>
-            </p:extLst>
-          </p:nvPr>
-        </p:nvGraphicFramePr>
-        <p:xfrm>
-          <a:off x="1156138" y="3452654"/>
-          <a:ext cx="9711558" cy="1097280"/>
-        </p:xfrm>
-        <a:graphic>
-          <a:graphicData uri="http://schemas.openxmlformats.org/drawingml/2006/table">
-            <a:tbl>
-              <a:tblPr/>
-              <a:tblGrid>
-                <a:gridCol w="3237186">
-                  <a:extLst>
-                    <a:ext uri="{9D8B030D-6E8A-4147-A177-3AD203B41FA5}">
-                      <a16:colId xmlns:a16="http://schemas.microsoft.com/office/drawing/2014/main" val="1582392098"/>
-                    </a:ext>
-                  </a:extLst>
-                </a:gridCol>
-                <a:gridCol w="3237186">
-                  <a:extLst>
-                    <a:ext uri="{9D8B030D-6E8A-4147-A177-3AD203B41FA5}">
-                      <a16:colId xmlns:a16="http://schemas.microsoft.com/office/drawing/2014/main" val="3912508748"/>
-                    </a:ext>
-                  </a:extLst>
-                </a:gridCol>
-                <a:gridCol w="3237186">
-                  <a:extLst>
-                    <a:ext uri="{9D8B030D-6E8A-4147-A177-3AD203B41FA5}">
-                      <a16:colId xmlns:a16="http://schemas.microsoft.com/office/drawing/2014/main" val="1603735424"/>
-                    </a:ext>
-                  </a:extLst>
-                </a:gridCol>
-              </a:tblGrid>
-              <a:tr h="0">
-                <a:tc>
-                  <a:txBody>
-                    <a:bodyPr/>
-                    <a:lstStyle/>
-                    <a:p>
-                      <a:pPr latinLnBrk="1"/>
-                      <a:r>
-                        <a:rPr lang="zh-CN" altLang="en-US" b="1" dirty="0">
-                          <a:effectLst/>
-                          <a:latin typeface="微软雅黑" panose="020B0503020204020204" pitchFamily="34" charset="-122"/>
-                          <a:ea typeface="微软雅黑" panose="020B0503020204020204" pitchFamily="34" charset="-122"/>
-                        </a:rPr>
-                        <a:t>参数</a:t>
-                      </a:r>
-                      <a:endParaRPr lang="zh-CN" altLang="en-US" b="1" dirty="0">
-                        <a:effectLst/>
-                      </a:endParaRPr>
-                    </a:p>
-                  </a:txBody>
-                  <a:tcPr>
-                    <a:lnL>
-                      <a:noFill/>
-                    </a:lnL>
-                    <a:lnR>
-                      <a:noFill/>
-                    </a:lnR>
-                    <a:lnT>
-                      <a:noFill/>
-                    </a:lnT>
-                    <a:lnB>
-                      <a:noFill/>
-                    </a:lnB>
-                  </a:tcPr>
-                </a:tc>
-                <a:tc>
-                  <a:txBody>
-                    <a:bodyPr/>
-                    <a:lstStyle/>
-                    <a:p>
-                      <a:pPr latinLnBrk="1"/>
-                      <a:r>
-                        <a:rPr lang="zh-CN" altLang="en-US" b="1">
-                          <a:effectLst/>
-                          <a:latin typeface="微软雅黑" panose="020B0503020204020204" pitchFamily="34" charset="-122"/>
-                          <a:ea typeface="微软雅黑" panose="020B0503020204020204" pitchFamily="34" charset="-122"/>
-                        </a:rPr>
-                        <a:t>是否必须</a:t>
-                      </a:r>
-                      <a:endParaRPr lang="zh-CN" altLang="en-US" b="1">
-                        <a:effectLst/>
-                      </a:endParaRPr>
-                    </a:p>
-                  </a:txBody>
-                  <a:tcPr>
-                    <a:lnL>
-                      <a:noFill/>
-                    </a:lnL>
-                    <a:lnR>
-                      <a:noFill/>
-                    </a:lnR>
-                    <a:lnT>
-                      <a:noFill/>
-                    </a:lnT>
-                    <a:lnB>
-                      <a:noFill/>
-                    </a:lnB>
-                  </a:tcPr>
-                </a:tc>
-                <a:tc>
-                  <a:txBody>
-                    <a:bodyPr/>
-                    <a:lstStyle/>
-                    <a:p>
-                      <a:pPr latinLnBrk="1"/>
-                      <a:r>
-                        <a:rPr lang="zh-CN" altLang="en-US" b="1" dirty="0">
-                          <a:effectLst/>
-                          <a:latin typeface="微软雅黑" panose="020B0503020204020204" pitchFamily="34" charset="-122"/>
-                          <a:ea typeface="微软雅黑" panose="020B0503020204020204" pitchFamily="34" charset="-122"/>
-                        </a:rPr>
-                        <a:t>说明</a:t>
-                      </a:r>
-                      <a:endParaRPr lang="zh-CN" altLang="en-US" b="1" dirty="0">
-                        <a:effectLst/>
-                      </a:endParaRPr>
-                    </a:p>
-                  </a:txBody>
-                  <a:tcPr>
-                    <a:lnL>
-                      <a:noFill/>
-                    </a:lnL>
-                    <a:lnR>
-                      <a:noFill/>
-                    </a:lnR>
-                    <a:lnT>
-                      <a:noFill/>
-                    </a:lnT>
-                    <a:lnB>
-                      <a:noFill/>
-                    </a:lnB>
-                  </a:tcPr>
-                </a:tc>
-                <a:extLst>
-                  <a:ext uri="{0D108BD9-81ED-4DB2-BD59-A6C34878D82A}">
-                    <a16:rowId xmlns:a16="http://schemas.microsoft.com/office/drawing/2014/main" val="422565784"/>
-                  </a:ext>
-                </a:extLst>
-              </a:tr>
-              <a:tr h="0">
-                <a:tc>
-                  <a:txBody>
-                    <a:bodyPr/>
-                    <a:lstStyle/>
-                    <a:p>
-                      <a:pPr latinLnBrk="1"/>
-                      <a:r>
-                        <a:rPr lang="en-US">
-                          <a:solidFill>
-                            <a:srgbClr val="333333"/>
-                          </a:solidFill>
-                          <a:effectLst/>
-                          <a:latin typeface="微软雅黑" panose="020B0503020204020204" pitchFamily="34" charset="-122"/>
-                          <a:ea typeface="微软雅黑" panose="020B0503020204020204" pitchFamily="34" charset="-122"/>
-                        </a:rPr>
-                        <a:t>access_token</a:t>
-                      </a:r>
-                      <a:endParaRPr lang="en-US">
-                        <a:effectLst/>
-                      </a:endParaRPr>
-                    </a:p>
-                  </a:txBody>
-                  <a:tcPr>
-                    <a:lnL>
-                      <a:noFill/>
-                    </a:lnL>
-                    <a:lnR>
-                      <a:noFill/>
-                    </a:lnR>
-                    <a:lnT>
-                      <a:noFill/>
-                    </a:lnT>
-                    <a:lnB>
-                      <a:noFill/>
-                    </a:lnB>
-                  </a:tcPr>
-                </a:tc>
-                <a:tc>
-                  <a:txBody>
-                    <a:bodyPr/>
-                    <a:lstStyle/>
-                    <a:p>
-                      <a:pPr latinLnBrk="1"/>
-                      <a:r>
-                        <a:rPr lang="zh-CN" altLang="en-US">
-                          <a:solidFill>
-                            <a:srgbClr val="333333"/>
-                          </a:solidFill>
-                          <a:effectLst/>
-                          <a:latin typeface="微软雅黑" panose="020B0503020204020204" pitchFamily="34" charset="-122"/>
-                          <a:ea typeface="微软雅黑" panose="020B0503020204020204" pitchFamily="34" charset="-122"/>
-                        </a:rPr>
-                        <a:t>是</a:t>
-                      </a:r>
-                      <a:endParaRPr lang="zh-CN" altLang="en-US">
-                        <a:effectLst/>
-                      </a:endParaRPr>
-                    </a:p>
-                  </a:txBody>
-                  <a:tcPr>
-                    <a:lnL>
-                      <a:noFill/>
-                    </a:lnL>
-                    <a:lnR>
-                      <a:noFill/>
-                    </a:lnR>
-                    <a:lnT>
-                      <a:noFill/>
-                    </a:lnT>
-                    <a:lnB>
-                      <a:noFill/>
-                    </a:lnB>
-                  </a:tcPr>
-                </a:tc>
-                <a:tc>
-                  <a:txBody>
-                    <a:bodyPr/>
-                    <a:lstStyle/>
-                    <a:p>
-                      <a:pPr latinLnBrk="1"/>
-                      <a:r>
-                        <a:rPr lang="zh-CN" altLang="en-US">
-                          <a:solidFill>
-                            <a:srgbClr val="333333"/>
-                          </a:solidFill>
-                          <a:effectLst/>
-                          <a:latin typeface="微软雅黑" panose="020B0503020204020204" pitchFamily="34" charset="-122"/>
-                          <a:ea typeface="微软雅黑" panose="020B0503020204020204" pitchFamily="34" charset="-122"/>
-                        </a:rPr>
-                        <a:t>调用接口凭证</a:t>
-                      </a:r>
-                      <a:endParaRPr lang="zh-CN" altLang="en-US">
-                        <a:effectLst/>
-                      </a:endParaRPr>
-                    </a:p>
-                  </a:txBody>
-                  <a:tcPr>
-                    <a:lnL>
-                      <a:noFill/>
-                    </a:lnL>
-                    <a:lnR>
-                      <a:noFill/>
-                    </a:lnR>
-                    <a:lnT>
-                      <a:noFill/>
-                    </a:lnT>
-                    <a:lnB>
-                      <a:noFill/>
-                    </a:lnB>
-                  </a:tcPr>
-                </a:tc>
-                <a:extLst>
-                  <a:ext uri="{0D108BD9-81ED-4DB2-BD59-A6C34878D82A}">
-                    <a16:rowId xmlns:a16="http://schemas.microsoft.com/office/drawing/2014/main" val="2873256701"/>
-                  </a:ext>
-                </a:extLst>
-              </a:tr>
-              <a:tr h="0">
-                <a:tc>
-                  <a:txBody>
-                    <a:bodyPr/>
-                    <a:lstStyle/>
-                    <a:p>
-                      <a:pPr latinLnBrk="1"/>
-                      <a:r>
-                        <a:rPr lang="en-US">
-                          <a:solidFill>
-                            <a:srgbClr val="333333"/>
-                          </a:solidFill>
-                          <a:effectLst/>
-                          <a:latin typeface="微软雅黑" panose="020B0503020204020204" pitchFamily="34" charset="-122"/>
-                          <a:ea typeface="微软雅黑" panose="020B0503020204020204" pitchFamily="34" charset="-122"/>
-                        </a:rPr>
-                        <a:t>media_id</a:t>
-                      </a:r>
-                      <a:endParaRPr lang="en-US">
-                        <a:effectLst/>
-                      </a:endParaRPr>
-                    </a:p>
-                  </a:txBody>
-                  <a:tcPr>
-                    <a:lnL>
-                      <a:noFill/>
-                    </a:lnL>
-                    <a:lnR>
-                      <a:noFill/>
-                    </a:lnR>
-                    <a:lnT>
-                      <a:noFill/>
-                    </a:lnT>
-                    <a:lnB>
-                      <a:noFill/>
-                    </a:lnB>
-                  </a:tcPr>
-                </a:tc>
-                <a:tc>
-                  <a:txBody>
-                    <a:bodyPr/>
-                    <a:lstStyle/>
-                    <a:p>
-                      <a:pPr latinLnBrk="1"/>
-                      <a:r>
-                        <a:rPr lang="zh-CN" altLang="en-US">
-                          <a:solidFill>
-                            <a:srgbClr val="333333"/>
-                          </a:solidFill>
-                          <a:effectLst/>
-                          <a:latin typeface="微软雅黑" panose="020B0503020204020204" pitchFamily="34" charset="-122"/>
-                          <a:ea typeface="微软雅黑" panose="020B0503020204020204" pitchFamily="34" charset="-122"/>
-                        </a:rPr>
-                        <a:t>是</a:t>
-                      </a:r>
-                      <a:endParaRPr lang="zh-CN" altLang="en-US">
-                        <a:effectLst/>
-                      </a:endParaRPr>
-                    </a:p>
-                  </a:txBody>
-                  <a:tcPr>
-                    <a:lnL>
-                      <a:noFill/>
-                    </a:lnL>
-                    <a:lnR>
-                      <a:noFill/>
-                    </a:lnR>
-                    <a:lnT>
-                      <a:noFill/>
-                    </a:lnT>
-                    <a:lnB>
-                      <a:noFill/>
-                    </a:lnB>
-                  </a:tcPr>
-                </a:tc>
-                <a:tc>
-                  <a:txBody>
-                    <a:bodyPr/>
-                    <a:lstStyle/>
-                    <a:p>
-                      <a:pPr latinLnBrk="1"/>
-                      <a:r>
-                        <a:rPr lang="zh-CN" altLang="en-US" dirty="0">
-                          <a:solidFill>
-                            <a:srgbClr val="333333"/>
-                          </a:solidFill>
-                          <a:effectLst/>
-                          <a:latin typeface="微软雅黑" panose="020B0503020204020204" pitchFamily="34" charset="-122"/>
-                          <a:ea typeface="微软雅黑" panose="020B0503020204020204" pitchFamily="34" charset="-122"/>
-                        </a:rPr>
-                        <a:t>媒体文件</a:t>
-                      </a:r>
-                      <a:r>
-                        <a:rPr lang="en-US" dirty="0">
-                          <a:solidFill>
-                            <a:srgbClr val="333333"/>
-                          </a:solidFill>
-                          <a:effectLst/>
-                          <a:latin typeface="微软雅黑" panose="020B0503020204020204" pitchFamily="34" charset="-122"/>
-                          <a:ea typeface="微软雅黑" panose="020B0503020204020204" pitchFamily="34" charset="-122"/>
-                        </a:rPr>
-                        <a:t>ID</a:t>
-                      </a:r>
-                      <a:endParaRPr lang="en-US" dirty="0">
-                        <a:effectLst/>
-                      </a:endParaRPr>
-                    </a:p>
-                  </a:txBody>
-                  <a:tcPr>
-                    <a:lnL>
-                      <a:noFill/>
-                    </a:lnL>
-                    <a:lnR>
-                      <a:noFill/>
-                    </a:lnR>
-                    <a:lnT>
-                      <a:noFill/>
-                    </a:lnT>
-                    <a:lnB>
-                      <a:noFill/>
-                    </a:lnB>
-                  </a:tcPr>
-                </a:tc>
-                <a:extLst>
-                  <a:ext uri="{0D108BD9-81ED-4DB2-BD59-A6C34878D82A}">
-                    <a16:rowId xmlns:a16="http://schemas.microsoft.com/office/drawing/2014/main" val="4271009232"/>
-                  </a:ext>
-                </a:extLst>
-              </a:tr>
-            </a:tbl>
-          </a:graphicData>
-        </a:graphic>
-      </p:graphicFrame>
+            <a:pPr marL="514350" indent="-514350">
+              <a:lnSpc>
+                <a:spcPct val="200000"/>
+              </a:lnSpc>
+              <a:buFont typeface="+mj-ea"/>
+              <a:buAutoNum type="ea1JpnChsDbPeriod"/>
+            </a:pPr>
+            <a:r>
+              <a:rPr lang="zh-CN" altLang="en-US" sz="2400" dirty="0">
+                <a:solidFill>
+                  <a:schemeClr val="accent6">
+                    <a:lumMod val="75000"/>
+                  </a:schemeClr>
+                </a:solidFill>
+                <a:latin typeface="微软雅黑" panose="020B0503020204020204" pitchFamily="34" charset="-122"/>
+                <a:ea typeface="微软雅黑" panose="020B0503020204020204" pitchFamily="34" charset="-122"/>
+              </a:rPr>
+              <a:t>上传素材</a:t>
+            </a:r>
+            <a:endParaRPr lang="en-US" altLang="zh-CN" sz="2400" dirty="0">
+              <a:solidFill>
+                <a:schemeClr val="accent6">
+                  <a:lumMod val="75000"/>
+                </a:schemeClr>
+              </a:solidFill>
+              <a:latin typeface="微软雅黑" panose="020B0503020204020204" pitchFamily="34" charset="-122"/>
+              <a:ea typeface="微软雅黑" panose="020B0503020204020204" pitchFamily="34" charset="-122"/>
+            </a:endParaRPr>
+          </a:p>
+          <a:p>
+            <a:pPr marL="514350" indent="-514350">
+              <a:lnSpc>
+                <a:spcPct val="200000"/>
+              </a:lnSpc>
+              <a:buFont typeface="+mj-ea"/>
+              <a:buAutoNum type="ea1JpnChsDbPeriod"/>
+            </a:pPr>
+            <a:r>
+              <a:rPr lang="zh-CN" altLang="en-US" sz="2000" dirty="0">
+                <a:solidFill>
+                  <a:schemeClr val="tx1">
+                    <a:lumMod val="65000"/>
+                    <a:lumOff val="35000"/>
+                  </a:schemeClr>
+                </a:solidFill>
+                <a:latin typeface="微软雅黑" panose="020B0503020204020204" pitchFamily="34" charset="-122"/>
+                <a:ea typeface="微软雅黑" panose="020B0503020204020204" pitchFamily="34" charset="-122"/>
+              </a:rPr>
+              <a:t>获取与删除素材</a:t>
+            </a:r>
+            <a:endParaRPr lang="en-US" altLang="zh-CN" sz="2000" dirty="0">
+              <a:solidFill>
+                <a:schemeClr val="tx1">
+                  <a:lumMod val="65000"/>
+                  <a:lumOff val="35000"/>
+                </a:schemeClr>
+              </a:solidFill>
+              <a:latin typeface="微软雅黑" panose="020B0503020204020204" pitchFamily="34" charset="-122"/>
+              <a:ea typeface="微软雅黑" panose="020B0503020204020204" pitchFamily="34" charset="-122"/>
+            </a:endParaRPr>
+          </a:p>
+        </p:txBody>
+      </p:sp>
     </p:spTree>
     <p:extLst>
       <p:ext uri="{BB962C8B-B14F-4D97-AF65-F5344CB8AC3E}">
-        <p14:creationId xmlns:p14="http://schemas.microsoft.com/office/powerpoint/2010/main" val="2378468044"/>
+        <p14:creationId xmlns:p14="http://schemas.microsoft.com/office/powerpoint/2010/main" val="2999457395"/>
       </p:ext>
     </p:extLst>
   </p:cSld>
@@ -20485,19 +18199,14 @@
             <p:ph sz="quarter" idx="13"/>
           </p:nvPr>
         </p:nvSpPr>
-        <p:spPr>
-          <a:xfrm>
-            <a:off x="1054100" y="543636"/>
-            <a:ext cx="5525376" cy="685800"/>
-          </a:xfrm>
-        </p:spPr>
+        <p:spPr/>
         <p:txBody>
           <a:bodyPr/>
           <a:lstStyle/>
           <a:p>
             <a:r>
               <a:rPr lang="zh-CN" altLang="en-US" b="0" dirty="0"/>
-              <a:t>获取临时素材返回值</a:t>
+              <a:t>注意！</a:t>
             </a:r>
           </a:p>
         </p:txBody>
@@ -20507,7 +18216,7 @@
           <p:cNvPr id="3" name="文本框 2">
             <a:extLst>
               <a:ext uri="{FF2B5EF4-FFF2-40B4-BE49-F238E27FC236}">
-                <a16:creationId xmlns:a16="http://schemas.microsoft.com/office/drawing/2014/main" id="{9D670161-9A43-4A3A-A16D-246D8BA33B25}"/>
+                <a16:creationId xmlns:a16="http://schemas.microsoft.com/office/drawing/2014/main" id="{8A712BF0-CC34-4F68-8122-7C591B22A08A}"/>
               </a:ext>
             </a:extLst>
           </p:cNvPr>
@@ -20516,8 +18225,8 @@
         </p:nvSpPr>
         <p:spPr>
           <a:xfrm>
-            <a:off x="1156138" y="1713186"/>
-            <a:ext cx="10405241" cy="4247317"/>
+            <a:off x="1054100" y="1671145"/>
+            <a:ext cx="10594427" cy="400110"/>
           </a:xfrm>
           <a:prstGeom prst="rect">
             <a:avLst/>
@@ -20530,171 +18239,28 @@
           </a:bodyPr>
           <a:lstStyle/>
           <a:p>
-            <a:pPr marL="285750" indent="-285750">
-              <a:lnSpc>
-                <a:spcPct val="150000"/>
-              </a:lnSpc>
+            <a:pPr marL="342900" indent="-342900">
               <a:buFont typeface="Arial" panose="020B0604020202020204" pitchFamily="34" charset="0"/>
               <a:buChar char="•"/>
             </a:pPr>
             <a:r>
-              <a:rPr lang="zh-CN" altLang="en-US" dirty="0">
+              <a:rPr lang="zh-CN" altLang="en-US" sz="2000" dirty="0">
                 <a:latin typeface="微软雅黑" panose="020B0503020204020204" pitchFamily="34" charset="-122"/>
                 <a:ea typeface="微软雅黑" panose="020B0503020204020204" pitchFamily="34" charset="-122"/>
               </a:rPr>
-              <a:t>正确返回返回</a:t>
-            </a:r>
-            <a:r>
-              <a:rPr lang="en-US" altLang="zh-CN" dirty="0">
-                <a:latin typeface="微软雅黑" panose="020B0503020204020204" pitchFamily="34" charset="-122"/>
-                <a:ea typeface="微软雅黑" panose="020B0503020204020204" pitchFamily="34" charset="-122"/>
-              </a:rPr>
-              <a:t>HTTP</a:t>
-            </a:r>
-            <a:r>
-              <a:rPr lang="zh-CN" altLang="en-US" dirty="0">
-                <a:latin typeface="微软雅黑" panose="020B0503020204020204" pitchFamily="34" charset="-122"/>
-                <a:ea typeface="微软雅黑" panose="020B0503020204020204" pitchFamily="34" charset="-122"/>
-              </a:rPr>
-              <a:t>头如下</a:t>
-            </a:r>
-            <a:endParaRPr lang="en-US" altLang="zh-CN" dirty="0">
+              <a:t>这里演示的内容是新增永久素材的接口，不涉及临时素材的接口。</a:t>
+            </a:r>
+            <a:endParaRPr lang="en-US" altLang="zh-CN" sz="2000" dirty="0">
               <a:latin typeface="微软雅黑" panose="020B0503020204020204" pitchFamily="34" charset="-122"/>
               <a:ea typeface="微软雅黑" panose="020B0503020204020204" pitchFamily="34" charset="-122"/>
             </a:endParaRPr>
           </a:p>
-          <a:p>
-            <a:pPr lvl="1"/>
-            <a:r>
-              <a:rPr lang="en-US" altLang="zh-CN" dirty="0"/>
-              <a:t>HTTP/1.1 200 OK</a:t>
-            </a:r>
-          </a:p>
-          <a:p>
-            <a:pPr lvl="1"/>
-            <a:r>
-              <a:rPr lang="en-US" altLang="zh-CN" dirty="0"/>
-              <a:t>Connection: close</a:t>
-            </a:r>
-          </a:p>
-          <a:p>
-            <a:pPr lvl="1"/>
-            <a:r>
-              <a:rPr lang="en-US" altLang="zh-CN" dirty="0"/>
-              <a:t>Content-Type: image/jpeg </a:t>
-            </a:r>
-          </a:p>
-          <a:p>
-            <a:pPr lvl="1"/>
-            <a:r>
-              <a:rPr lang="en-US" altLang="zh-CN" dirty="0"/>
-              <a:t>Content-disposition: attachment; filename="MEDIA_ID.jpg"</a:t>
-            </a:r>
-          </a:p>
-          <a:p>
-            <a:pPr lvl="1"/>
-            <a:r>
-              <a:rPr lang="en-US" altLang="zh-CN" dirty="0"/>
-              <a:t>Date: Sun, 06 Jan 2013 10:20:18 GMT</a:t>
-            </a:r>
-          </a:p>
-          <a:p>
-            <a:pPr lvl="1"/>
-            <a:r>
-              <a:rPr lang="en-US" altLang="zh-CN" dirty="0"/>
-              <a:t>Cache-Control: no-cache, must-revalidate</a:t>
-            </a:r>
-          </a:p>
-          <a:p>
-            <a:pPr lvl="1"/>
-            <a:r>
-              <a:rPr lang="en-US" altLang="zh-CN" dirty="0"/>
-              <a:t>Content-Length: 339721</a:t>
-            </a:r>
-          </a:p>
-          <a:p>
-            <a:pPr marL="285750" indent="-285750">
-              <a:lnSpc>
-                <a:spcPct val="150000"/>
-              </a:lnSpc>
-              <a:buFont typeface="Arial" panose="020B0604020202020204" pitchFamily="34" charset="0"/>
-              <a:buChar char="•"/>
-            </a:pPr>
-            <a:r>
-              <a:rPr lang="zh-CN" altLang="en-US" dirty="0">
-                <a:ea typeface="微软雅黑" panose="020B0503020204020204" pitchFamily="34" charset="-122"/>
-              </a:rPr>
-              <a:t>！注意如果是视频消息则会返回</a:t>
-            </a:r>
-            <a:endParaRPr lang="en-US" altLang="zh-CN" dirty="0">
-              <a:ea typeface="微软雅黑" panose="020B0503020204020204" pitchFamily="34" charset="-122"/>
-            </a:endParaRPr>
-          </a:p>
-          <a:p>
-            <a:pPr lvl="1"/>
-            <a:r>
-              <a:rPr lang="en-US" altLang="zh-CN" dirty="0"/>
-              <a:t>{</a:t>
-            </a:r>
-            <a:br>
-              <a:rPr lang="en-US" altLang="zh-CN" dirty="0"/>
-            </a:br>
-            <a:r>
-              <a:rPr lang="en-US" altLang="zh-CN" dirty="0"/>
-              <a:t> "video_</a:t>
-            </a:r>
-            <a:r>
-              <a:rPr lang="en-US" altLang="zh-CN" dirty="0" err="1"/>
-              <a:t>url</a:t>
-            </a:r>
-            <a:r>
-              <a:rPr lang="en-US" altLang="zh-CN" dirty="0"/>
-              <a:t>":DOWN_URL</a:t>
-            </a:r>
-            <a:br>
-              <a:rPr lang="en-US" altLang="zh-CN" dirty="0"/>
-            </a:br>
-            <a:r>
-              <a:rPr lang="en-US" altLang="zh-CN" dirty="0"/>
-              <a:t>}</a:t>
-            </a:r>
-          </a:p>
-          <a:p>
-            <a:pPr marL="285750" indent="-285750">
-              <a:buFont typeface="Arial" panose="020B0604020202020204" pitchFamily="34" charset="0"/>
-              <a:buChar char="•"/>
-            </a:pPr>
-            <a:r>
-              <a:rPr lang="zh-CN" altLang="en-US" dirty="0">
-                <a:ea typeface="微软雅黑" panose="020B0503020204020204" pitchFamily="34" charset="-122"/>
-              </a:rPr>
-              <a:t>错误返回</a:t>
-            </a:r>
-            <a:endParaRPr lang="en-US" altLang="zh-CN" dirty="0">
-              <a:ea typeface="微软雅黑" panose="020B0503020204020204" pitchFamily="34" charset="-122"/>
-            </a:endParaRPr>
-          </a:p>
-          <a:p>
-            <a:pPr lvl="1"/>
-            <a:r>
-              <a:rPr lang="en-US" altLang="zh-CN" dirty="0"/>
-              <a:t>{"errcode":40007,"errmsg":"invalid </a:t>
-            </a:r>
-            <a:r>
-              <a:rPr lang="en-US" altLang="zh-CN" dirty="0" err="1"/>
-              <a:t>media_id</a:t>
-            </a:r>
-            <a:r>
-              <a:rPr lang="en-US" altLang="zh-CN" dirty="0"/>
-              <a:t>"}</a:t>
-            </a:r>
-          </a:p>
         </p:txBody>
       </p:sp>
     </p:spTree>
     <p:extLst>
       <p:ext uri="{BB962C8B-B14F-4D97-AF65-F5344CB8AC3E}">
-        <p14:creationId xmlns:p14="http://schemas.microsoft.com/office/powerpoint/2010/main" val="1127036405"/>
+        <p14:creationId xmlns:p14="http://schemas.microsoft.com/office/powerpoint/2010/main" val="703811849"/>
       </p:ext>
     </p:extLst>
   </p:cSld>

--- a/第7讲 素材与图文消息.pptx
+++ b/第7讲 素材与图文消息.pptx
@@ -9,10 +9,10 @@
     <p:sldMasterId id="2147483691" r:id="rId5"/>
   </p:sldMasterIdLst>
   <p:notesMasterIdLst>
-    <p:notesMasterId r:id="rId24"/>
+    <p:notesMasterId r:id="rId26"/>
   </p:notesMasterIdLst>
   <p:handoutMasterIdLst>
-    <p:handoutMasterId r:id="rId25"/>
+    <p:handoutMasterId r:id="rId27"/>
   </p:handoutMasterIdLst>
   <p:sldIdLst>
     <p:sldId id="257" r:id="rId6"/>
@@ -27,17 +27,19 @@
     <p:sldId id="483" r:id="rId15"/>
     <p:sldId id="496" r:id="rId16"/>
     <p:sldId id="498" r:id="rId17"/>
-    <p:sldId id="452" r:id="rId18"/>
-    <p:sldId id="491" r:id="rId19"/>
-    <p:sldId id="499" r:id="rId20"/>
-    <p:sldId id="493" r:id="rId21"/>
-    <p:sldId id="494" r:id="rId22"/>
-    <p:sldId id="311" r:id="rId23"/>
+    <p:sldId id="504" r:id="rId18"/>
+    <p:sldId id="505" r:id="rId19"/>
+    <p:sldId id="452" r:id="rId20"/>
+    <p:sldId id="491" r:id="rId21"/>
+    <p:sldId id="499" r:id="rId22"/>
+    <p:sldId id="493" r:id="rId23"/>
+    <p:sldId id="494" r:id="rId24"/>
+    <p:sldId id="311" r:id="rId25"/>
   </p:sldIdLst>
   <p:sldSz cx="12192000" cy="6858000"/>
   <p:notesSz cx="6858000" cy="9144000"/>
   <p:custDataLst>
-    <p:tags r:id="rId26"/>
+    <p:tags r:id="rId28"/>
   </p:custDataLst>
   <p:defaultTextStyle>
     <a:defPPr>
@@ -268,7 +270,7 @@
           <a:p>
             <a:fld id="{2B71C804-97F5-4B36-A7AC-EEEC7F44F6C2}" type="datetimeFigureOut">
               <a:rPr lang="zh-CN" altLang="en-US" smtClean="0"/>
-              <a:t>2017/8/28</a:t>
+              <a:t>2017/8/29</a:t>
             </a:fld>
             <a:endParaRPr lang="zh-CN" altLang="en-US"/>
           </a:p>
@@ -434,7 +436,7 @@
           <a:p>
             <a:fld id="{0568D9C6-D8DC-4CC3-8480-E0C4DBA1CC07}" type="datetimeFigureOut">
               <a:rPr lang="zh-CN" altLang="en-US" smtClean="0"/>
-              <a:t>2017/8/28</a:t>
+              <a:t>2017/8/29</a:t>
             </a:fld>
             <a:endParaRPr lang="zh-CN" altLang="en-US"/>
           </a:p>
@@ -945,7 +947,7 @@
                 <a:ea typeface="宋体" charset="-122"/>
               </a:rPr>
               <a:pPr algn="r" eaLnBrk="1" hangingPunct="1"/>
-              <a:t>18</a:t>
+              <a:t>20</a:t>
             </a:fld>
             <a:endParaRPr lang="zh-CN" altLang="en-US" sz="1200">
               <a:latin typeface="Calibri" pitchFamily="34" charset="0"/>
@@ -1047,7 +1049,7 @@
           <a:p>
             <a:fld id="{DB9D664F-4C68-42D2-B189-678958EFAFDA}" type="datetime1">
               <a:rPr lang="zh-CN" altLang="en-US" smtClean="0"/>
-              <a:t>2017/8/28</a:t>
+              <a:t>2017/8/29</a:t>
             </a:fld>
             <a:endParaRPr lang="zh-CN" altLang="en-US"/>
           </a:p>
@@ -2029,7 +2031,7 @@
           <a:p>
             <a:fld id="{ED5513C8-E3A4-4D78-B249-887659A958FF}" type="datetime1">
               <a:rPr lang="en-US" altLang="zh-CN" smtClean="0"/>
-              <a:t>8/28/2017</a:t>
+              <a:t>8/29/2017</a:t>
             </a:fld>
             <a:endParaRPr lang="en-US"/>
           </a:p>
@@ -2207,7 +2209,7 @@
           <a:p>
             <a:fld id="{EBEDA52C-3EEE-4289-818C-901C0A7814FE}" type="datetime1">
               <a:rPr lang="en-US" altLang="zh-CN" smtClean="0"/>
-              <a:t>8/28/2017</a:t>
+              <a:t>8/29/2017</a:t>
             </a:fld>
             <a:endParaRPr lang="en-US"/>
           </a:p>
@@ -2461,7 +2463,7 @@
           <a:p>
             <a:fld id="{09EF5D7F-EA15-485C-85DD-8FDC010A62D4}" type="datetime1">
               <a:rPr lang="en-US" altLang="zh-CN" smtClean="0"/>
-              <a:t>8/28/2017</a:t>
+              <a:t>8/29/2017</a:t>
             </a:fld>
             <a:endParaRPr lang="en-US"/>
           </a:p>
@@ -2701,7 +2703,7 @@
           <a:p>
             <a:fld id="{9541C2B2-0BAB-4CD4-83EE-25F1A7138896}" type="datetime1">
               <a:rPr lang="en-US" altLang="zh-CN" smtClean="0"/>
-              <a:t>8/28/2017</a:t>
+              <a:t>8/29/2017</a:t>
             </a:fld>
             <a:endParaRPr lang="en-US"/>
           </a:p>
@@ -3076,7 +3078,7 @@
           <a:p>
             <a:fld id="{7DEA23E7-D0FC-41DC-8745-BE6FC447B182}" type="datetime1">
               <a:rPr lang="en-US" altLang="zh-CN" smtClean="0"/>
-              <a:t>8/28/2017</a:t>
+              <a:t>8/29/2017</a:t>
             </a:fld>
             <a:endParaRPr lang="en-US"/>
           </a:p>
@@ -3861,7 +3863,7 @@
           <a:p>
             <a:fld id="{5DEA8378-5F33-490B-8120-8DE6B7EE2781}" type="datetime1">
               <a:rPr lang="en-US" altLang="zh-CN" smtClean="0"/>
-              <a:t>8/28/2017</a:t>
+              <a:t>8/29/2017</a:t>
             </a:fld>
             <a:endParaRPr lang="en-US"/>
           </a:p>
@@ -4115,7 +4117,7 @@
           <a:p>
             <a:fld id="{38DD30CF-78A7-4C73-91B4-38D3E3317745}" type="datetime1">
               <a:rPr lang="en-US" altLang="zh-CN" smtClean="0"/>
-              <a:t>8/28/2017</a:t>
+              <a:t>8/29/2017</a:t>
             </a:fld>
             <a:endParaRPr lang="en-US"/>
           </a:p>
@@ -4218,7 +4220,7 @@
           <a:p>
             <a:fld id="{A1BE0A72-8501-4974-A7B7-5BD248ABBAFC}" type="datetime1">
               <a:rPr lang="zh-CN" altLang="en-US" smtClean="0"/>
-              <a:t>2017/8/28</a:t>
+              <a:t>2017/8/29</a:t>
             </a:fld>
             <a:endParaRPr lang="zh-CN" altLang="en-US"/>
           </a:p>
@@ -4479,7 +4481,7 @@
           <a:p>
             <a:fld id="{0B7E01DD-16D0-4DBA-9C1A-51468BA0B73A}" type="datetime1">
               <a:rPr lang="en-US" altLang="zh-CN" smtClean="0"/>
-              <a:t>8/28/2017</a:t>
+              <a:t>8/29/2017</a:t>
             </a:fld>
             <a:endParaRPr lang="en-US"/>
           </a:p>
@@ -4657,7 +4659,7 @@
           <a:p>
             <a:fld id="{B587E63F-0E62-4A50-901F-E071D77F7634}" type="datetime1">
               <a:rPr lang="en-US" altLang="zh-CN" smtClean="0"/>
-              <a:t>8/28/2017</a:t>
+              <a:t>8/29/2017</a:t>
             </a:fld>
             <a:endParaRPr lang="en-US"/>
           </a:p>
@@ -4845,7 +4847,7 @@
           <a:p>
             <a:fld id="{BD8521E8-9297-400B-AD8C-0A4D05699D33}" type="datetime1">
               <a:rPr lang="en-US" altLang="zh-CN" smtClean="0"/>
-              <a:t>8/28/2017</a:t>
+              <a:t>8/29/2017</a:t>
             </a:fld>
             <a:endParaRPr lang="en-US"/>
           </a:p>
@@ -5076,7 +5078,7 @@
           <a:p>
             <a:fld id="{ED5513C8-E3A4-4D78-B249-887659A958FF}" type="datetime1">
               <a:rPr lang="en-US" altLang="zh-CN" smtClean="0"/>
-              <a:t>8/28/2017</a:t>
+              <a:t>8/29/2017</a:t>
             </a:fld>
             <a:endParaRPr lang="en-US"/>
           </a:p>
@@ -5254,7 +5256,7 @@
           <a:p>
             <a:fld id="{EBEDA52C-3EEE-4289-818C-901C0A7814FE}" type="datetime1">
               <a:rPr lang="en-US" altLang="zh-CN" smtClean="0"/>
-              <a:t>8/28/2017</a:t>
+              <a:t>8/29/2017</a:t>
             </a:fld>
             <a:endParaRPr lang="en-US"/>
           </a:p>
@@ -5508,7 +5510,7 @@
           <a:p>
             <a:fld id="{09EF5D7F-EA15-485C-85DD-8FDC010A62D4}" type="datetime1">
               <a:rPr lang="en-US" altLang="zh-CN" smtClean="0"/>
-              <a:t>8/28/2017</a:t>
+              <a:t>8/29/2017</a:t>
             </a:fld>
             <a:endParaRPr lang="en-US"/>
           </a:p>
@@ -5748,7 +5750,7 @@
           <a:p>
             <a:fld id="{9541C2B2-0BAB-4CD4-83EE-25F1A7138896}" type="datetime1">
               <a:rPr lang="en-US" altLang="zh-CN" smtClean="0"/>
-              <a:t>8/28/2017</a:t>
+              <a:t>8/29/2017</a:t>
             </a:fld>
             <a:endParaRPr lang="en-US"/>
           </a:p>
@@ -6123,7 +6125,7 @@
           <a:p>
             <a:fld id="{7DEA23E7-D0FC-41DC-8745-BE6FC447B182}" type="datetime1">
               <a:rPr lang="en-US" altLang="zh-CN" smtClean="0"/>
-              <a:t>8/28/2017</a:t>
+              <a:t>8/29/2017</a:t>
             </a:fld>
             <a:endParaRPr lang="en-US"/>
           </a:p>
@@ -6908,7 +6910,7 @@
           <a:p>
             <a:fld id="{A1BE0A72-8501-4974-A7B7-5BD248ABBAFC}" type="datetime1">
               <a:rPr lang="zh-CN" altLang="en-US" smtClean="0"/>
-              <a:t>2017/8/28</a:t>
+              <a:t>2017/8/29</a:t>
             </a:fld>
             <a:endParaRPr lang="zh-CN" altLang="en-US"/>
           </a:p>
@@ -6961,7 +6963,7 @@
           <a:p>
             <a:fld id="{5DEA8378-5F33-490B-8120-8DE6B7EE2781}" type="datetime1">
               <a:rPr lang="en-US" altLang="zh-CN" smtClean="0"/>
-              <a:t>8/28/2017</a:t>
+              <a:t>8/29/2017</a:t>
             </a:fld>
             <a:endParaRPr lang="en-US"/>
           </a:p>
@@ -7215,7 +7217,7 @@
           <a:p>
             <a:fld id="{38DD30CF-78A7-4C73-91B4-38D3E3317745}" type="datetime1">
               <a:rPr lang="en-US" altLang="zh-CN" smtClean="0"/>
-              <a:t>8/28/2017</a:t>
+              <a:t>8/29/2017</a:t>
             </a:fld>
             <a:endParaRPr lang="en-US"/>
           </a:p>
@@ -7480,7 +7482,7 @@
           <a:p>
             <a:fld id="{0B7E01DD-16D0-4DBA-9C1A-51468BA0B73A}" type="datetime1">
               <a:rPr lang="en-US" altLang="zh-CN" smtClean="0"/>
-              <a:t>8/28/2017</a:t>
+              <a:t>8/29/2017</a:t>
             </a:fld>
             <a:endParaRPr lang="en-US"/>
           </a:p>
@@ -7658,7 +7660,7 @@
           <a:p>
             <a:fld id="{B587E63F-0E62-4A50-901F-E071D77F7634}" type="datetime1">
               <a:rPr lang="en-US" altLang="zh-CN" smtClean="0"/>
-              <a:t>8/28/2017</a:t>
+              <a:t>8/29/2017</a:t>
             </a:fld>
             <a:endParaRPr lang="en-US"/>
           </a:p>
@@ -7846,7 +7848,7 @@
           <a:p>
             <a:fld id="{BD8521E8-9297-400B-AD8C-0A4D05699D33}" type="datetime1">
               <a:rPr lang="en-US" altLang="zh-CN" smtClean="0"/>
-              <a:t>8/28/2017</a:t>
+              <a:t>8/29/2017</a:t>
             </a:fld>
             <a:endParaRPr lang="en-US"/>
           </a:p>
@@ -7949,7 +7951,7 @@
           <a:p>
             <a:fld id="{EF452D9C-F9EB-4417-9C3A-C876C2AF9415}" type="datetime1">
               <a:rPr lang="zh-CN" altLang="en-US" smtClean="0"/>
-              <a:t>2017/8/28</a:t>
+              <a:t>2017/8/29</a:t>
             </a:fld>
             <a:endParaRPr lang="zh-CN" altLang="en-US"/>
           </a:p>
@@ -8135,7 +8137,7 @@
           <a:p>
             <a:fld id="{2F2E9289-9B4C-49AE-BDDA-70D6EDC89D17}" type="datetime1">
               <a:rPr lang="zh-CN" altLang="en-US" smtClean="0"/>
-              <a:t>2017/8/28</a:t>
+              <a:t>2017/8/29</a:t>
             </a:fld>
             <a:endParaRPr lang="zh-CN" altLang="en-US"/>
           </a:p>
@@ -8305,7 +8307,7 @@
           <a:p>
             <a:fld id="{2F2E9289-9B4C-49AE-BDDA-70D6EDC89D17}" type="datetime1">
               <a:rPr lang="zh-CN" altLang="en-US" smtClean="0"/>
-              <a:t>2017/8/28</a:t>
+              <a:t>2017/8/29</a:t>
             </a:fld>
             <a:endParaRPr lang="zh-CN" altLang="en-US"/>
           </a:p>
@@ -8541,7 +8543,7 @@
           <a:p>
             <a:fld id="{8C5BA751-A251-47D6-8494-C134D9EBED5F}" type="datetime1">
               <a:rPr lang="zh-CN" altLang="en-US" smtClean="0"/>
-              <a:t>2017/8/28</a:t>
+              <a:t>2017/8/29</a:t>
             </a:fld>
             <a:endParaRPr lang="zh-CN" altLang="en-US"/>
           </a:p>
@@ -8897,7 +8899,7 @@
           <a:p>
             <a:fld id="{C46E2078-F302-4651-A2A2-2FC6C4E1A3F1}" type="datetime1">
               <a:rPr lang="zh-CN" altLang="en-US" smtClean="0"/>
-              <a:t>2017/8/28</a:t>
+              <a:t>2017/8/29</a:t>
             </a:fld>
             <a:endParaRPr lang="zh-CN" altLang="en-US"/>
           </a:p>
@@ -9019,7 +9021,7 @@
               <a:pPr>
                 <a:defRPr/>
               </a:pPr>
-              <a:t>2017/8/28</a:t>
+              <a:t>2017/8/29</a:t>
             </a:fld>
             <a:endParaRPr lang="zh-CN" altLang="en-US"/>
           </a:p>
@@ -9167,7 +9169,7 @@
           <a:p>
             <a:fld id="{A1BE0A72-8501-4974-A7B7-5BD248ABBAFC}" type="datetime1">
               <a:rPr lang="zh-CN" altLang="en-US" smtClean="0"/>
-              <a:t>2017/8/28</a:t>
+              <a:t>2017/8/29</a:t>
             </a:fld>
             <a:endParaRPr lang="zh-CN" altLang="en-US"/>
           </a:p>
@@ -9681,7 +9683,7 @@
           <a:p>
             <a:fld id="{A1BE0A72-8501-4974-A7B7-5BD248ABBAFC}" type="datetime1">
               <a:rPr lang="zh-CN" altLang="en-US" smtClean="0"/>
-              <a:t>2017/8/28</a:t>
+              <a:t>2017/8/29</a:t>
             </a:fld>
             <a:endParaRPr lang="zh-CN" altLang="en-US"/>
           </a:p>
@@ -10287,7 +10289,7 @@
           <a:p>
             <a:fld id="{7A78726F-0AD2-4A20-BC72-263D2D3F3A2F}" type="datetime1">
               <a:rPr lang="en-US" altLang="zh-CN" smtClean="0"/>
-              <a:t>8/28/2017</a:t>
+              <a:t>8/29/2017</a:t>
             </a:fld>
             <a:endParaRPr lang="en-US"/>
           </a:p>
@@ -11268,7 +11270,7 @@
           <a:p>
             <a:fld id="{A1BE0A72-8501-4974-A7B7-5BD248ABBAFC}" type="datetime1">
               <a:rPr lang="zh-CN" altLang="en-US" smtClean="0"/>
-              <a:t>2017/8/28</a:t>
+              <a:t>2017/8/29</a:t>
             </a:fld>
             <a:endParaRPr lang="zh-CN" altLang="en-US"/>
           </a:p>
@@ -11874,7 +11876,7 @@
           <a:p>
             <a:fld id="{7A78726F-0AD2-4A20-BC72-263D2D3F3A2F}" type="datetime1">
               <a:rPr lang="en-US" altLang="zh-CN" smtClean="0"/>
-              <a:t>8/28/2017</a:t>
+              <a:t>8/29/2017</a:t>
             </a:fld>
             <a:endParaRPr lang="en-US"/>
           </a:p>
@@ -12892,28 +12894,49 @@
             </a:pPr>
             <a:r>
               <a:rPr lang="zh-CN" altLang="en-US" dirty="0">
-                <a:latin typeface="微软雅黑" panose="020B0503020204020204" pitchFamily="34" charset="-122"/>
-                <a:ea typeface="微软雅黑" panose="020B0503020204020204" pitchFamily="34" charset="-122"/>
+                <a:latin typeface="Tahoma" panose="020B0604030504040204" pitchFamily="34" charset="0"/>
+                <a:ea typeface="新宋体" panose="02010609030101010101" pitchFamily="49" charset="-122"/>
               </a:rPr>
-              <a:t>最近更新：永久图片素材新增后，将带有</a:t>
+              <a:t>最近更新：永久图片素材新增后，将</a:t>
+            </a:r>
+            <a:r>
+              <a:rPr lang="zh-CN" altLang="en-US" dirty="0">
+                <a:latin typeface="Calibri" panose="020F0502020204030204" pitchFamily="34" charset="0"/>
+                <a:ea typeface="新宋体" panose="02010609030101010101" pitchFamily="49" charset="-122"/>
+              </a:rPr>
+              <a:t>带有</a:t>
             </a:r>
             <a:r>
               <a:rPr lang="en-US" altLang="zh-CN" dirty="0">
-                <a:latin typeface="微软雅黑" panose="020B0503020204020204" pitchFamily="34" charset="-122"/>
-                <a:ea typeface="微软雅黑" panose="020B0503020204020204" pitchFamily="34" charset="-122"/>
+                <a:latin typeface="Calibri" panose="020F0502020204030204" pitchFamily="34" charset="0"/>
+                <a:ea typeface="新宋体" panose="02010609030101010101" pitchFamily="49" charset="-122"/>
               </a:rPr>
               <a:t>URL</a:t>
             </a:r>
             <a:r>
               <a:rPr lang="zh-CN" altLang="en-US" dirty="0">
-                <a:latin typeface="微软雅黑" panose="020B0503020204020204" pitchFamily="34" charset="-122"/>
-                <a:ea typeface="微软雅黑" panose="020B0503020204020204" pitchFamily="34" charset="-122"/>
+                <a:latin typeface="Calibri" panose="020F0502020204030204" pitchFamily="34" charset="0"/>
+                <a:ea typeface="新宋体" panose="02010609030101010101" pitchFamily="49" charset="-122"/>
               </a:rPr>
-              <a:t>返回给开发者，开发者可以在腾讯系域名内使用（腾讯系域名外使用，图片将被屏蔽）。</a:t>
+              <a:t>返回</a:t>
+            </a:r>
+            <a:r>
+              <a:rPr lang="zh-CN" altLang="en-US" dirty="0">
+                <a:latin typeface="Tahoma" panose="020B0604030504040204" pitchFamily="34" charset="0"/>
+                <a:ea typeface="新宋体" panose="02010609030101010101" pitchFamily="49" charset="-122"/>
+              </a:rPr>
+              <a:t>给开发者，开发者可以在腾讯系域名内使用（腾讯</a:t>
+            </a:r>
+            <a:r>
+              <a:rPr lang="zh-CN" altLang="en-US" dirty="0">
+                <a:latin typeface="Calibri" panose="020F0502020204030204" pitchFamily="34" charset="0"/>
+                <a:ea typeface="新宋体" panose="02010609030101010101" pitchFamily="49" charset="-122"/>
+              </a:rPr>
+              <a:t>系域名外使用，图片将被屏蔽）。</a:t>
             </a:r>
             <a:endParaRPr lang="en-US" altLang="zh-CN" dirty="0">
-              <a:latin typeface="微软雅黑" panose="020B0503020204020204" pitchFamily="34" charset="-122"/>
-              <a:ea typeface="微软雅黑" panose="020B0503020204020204" pitchFamily="34" charset="-122"/>
+              <a:latin typeface="Calibri" panose="020F0502020204030204" pitchFamily="34" charset="0"/>
+              <a:ea typeface="新宋体" panose="02010609030101010101" pitchFamily="49" charset="-122"/>
             </a:endParaRPr>
           </a:p>
           <a:p>
@@ -12926,29 +12949,29 @@
             </a:pPr>
             <a:r>
               <a:rPr lang="zh-CN" altLang="en-US" dirty="0">
-                <a:latin typeface="微软雅黑" panose="020B0503020204020204" pitchFamily="34" charset="-122"/>
-                <a:ea typeface="微软雅黑" panose="020B0503020204020204" pitchFamily="34" charset="-122"/>
+                <a:latin typeface="Calibri" panose="020F0502020204030204" pitchFamily="34" charset="0"/>
+                <a:ea typeface="新宋体" panose="02010609030101010101" pitchFamily="49" charset="-122"/>
               </a:rPr>
               <a:t>公众号的素材库保存总数量有上限：图文消息素材、图片素材上限为</a:t>
             </a:r>
             <a:r>
               <a:rPr lang="en-US" altLang="zh-CN" dirty="0">
-                <a:latin typeface="微软雅黑" panose="020B0503020204020204" pitchFamily="34" charset="-122"/>
-                <a:ea typeface="微软雅黑" panose="020B0503020204020204" pitchFamily="34" charset="-122"/>
+                <a:latin typeface="Calibri" panose="020F0502020204030204" pitchFamily="34" charset="0"/>
+                <a:ea typeface="新宋体" panose="02010609030101010101" pitchFamily="49" charset="-122"/>
               </a:rPr>
               <a:t>5000</a:t>
             </a:r>
             <a:r>
               <a:rPr lang="zh-CN" altLang="en-US" dirty="0">
-                <a:latin typeface="微软雅黑" panose="020B0503020204020204" pitchFamily="34" charset="-122"/>
-                <a:ea typeface="微软雅黑" panose="020B0503020204020204" pitchFamily="34" charset="-122"/>
+                <a:latin typeface="Calibri" panose="020F0502020204030204" pitchFamily="34" charset="0"/>
+                <a:ea typeface="新宋体" panose="02010609030101010101" pitchFamily="49" charset="-122"/>
               </a:rPr>
               <a:t>，其他类型为</a:t>
             </a:r>
             <a:r>
               <a:rPr lang="en-US" altLang="zh-CN" dirty="0">
-                <a:latin typeface="微软雅黑" panose="020B0503020204020204" pitchFamily="34" charset="-122"/>
-                <a:ea typeface="微软雅黑" panose="020B0503020204020204" pitchFamily="34" charset="-122"/>
+                <a:latin typeface="Calibri" panose="020F0502020204030204" pitchFamily="34" charset="0"/>
+                <a:ea typeface="新宋体" panose="02010609030101010101" pitchFamily="49" charset="-122"/>
               </a:rPr>
               <a:t>1000</a:t>
             </a:r>
@@ -12963,8 +12986,8 @@
             </a:pPr>
             <a:r>
               <a:rPr lang="zh-CN" altLang="en-US" dirty="0">
-                <a:latin typeface="微软雅黑" panose="020B0503020204020204" pitchFamily="34" charset="-122"/>
-                <a:ea typeface="微软雅黑" panose="020B0503020204020204" pitchFamily="34" charset="-122"/>
+                <a:latin typeface="Calibri" panose="020F0502020204030204" pitchFamily="34" charset="0"/>
+                <a:ea typeface="新宋体" panose="02010609030101010101" pitchFamily="49" charset="-122"/>
               </a:rPr>
               <a:t>素材的格式大小等要求与公众平台官网一致：</a:t>
             </a:r>
@@ -12977,64 +13000,64 @@
             </a:pPr>
             <a:r>
               <a:rPr lang="zh-CN" altLang="en-US" sz="1600" dirty="0">
-                <a:latin typeface="微软雅黑" panose="020B0503020204020204" pitchFamily="34" charset="-122"/>
-                <a:ea typeface="微软雅黑" panose="020B0503020204020204" pitchFamily="34" charset="-122"/>
+                <a:latin typeface="Calibri" panose="020F0502020204030204" pitchFamily="34" charset="0"/>
+                <a:ea typeface="新宋体" panose="02010609030101010101" pitchFamily="49" charset="-122"/>
               </a:rPr>
               <a:t>图片（</a:t>
             </a:r>
             <a:r>
               <a:rPr lang="en-US" altLang="zh-CN" sz="1600" dirty="0">
-                <a:latin typeface="微软雅黑" panose="020B0503020204020204" pitchFamily="34" charset="-122"/>
-                <a:ea typeface="微软雅黑" panose="020B0503020204020204" pitchFamily="34" charset="-122"/>
+                <a:latin typeface="Calibri" panose="020F0502020204030204" pitchFamily="34" charset="0"/>
+                <a:ea typeface="新宋体" panose="02010609030101010101" pitchFamily="49" charset="-122"/>
               </a:rPr>
               <a:t>image</a:t>
             </a:r>
             <a:r>
               <a:rPr lang="zh-CN" altLang="en-US" sz="1600" dirty="0">
-                <a:latin typeface="微软雅黑" panose="020B0503020204020204" pitchFamily="34" charset="-122"/>
-                <a:ea typeface="微软雅黑" panose="020B0503020204020204" pitchFamily="34" charset="-122"/>
+                <a:latin typeface="Calibri" panose="020F0502020204030204" pitchFamily="34" charset="0"/>
+                <a:ea typeface="新宋体" panose="02010609030101010101" pitchFamily="49" charset="-122"/>
               </a:rPr>
               <a:t>）</a:t>
             </a:r>
             <a:r>
               <a:rPr lang="en-US" altLang="zh-CN" sz="1600" dirty="0">
-                <a:latin typeface="微软雅黑" panose="020B0503020204020204" pitchFamily="34" charset="-122"/>
-                <a:ea typeface="微软雅黑" panose="020B0503020204020204" pitchFamily="34" charset="-122"/>
+                <a:latin typeface="Calibri" panose="020F0502020204030204" pitchFamily="34" charset="0"/>
+                <a:ea typeface="新宋体" panose="02010609030101010101" pitchFamily="49" charset="-122"/>
               </a:rPr>
               <a:t>: 2M</a:t>
             </a:r>
             <a:r>
               <a:rPr lang="zh-CN" altLang="en-US" sz="1600" dirty="0">
-                <a:latin typeface="微软雅黑" panose="020B0503020204020204" pitchFamily="34" charset="-122"/>
-                <a:ea typeface="微软雅黑" panose="020B0503020204020204" pitchFamily="34" charset="-122"/>
+                <a:latin typeface="Calibri" panose="020F0502020204030204" pitchFamily="34" charset="0"/>
+                <a:ea typeface="新宋体" panose="02010609030101010101" pitchFamily="49" charset="-122"/>
               </a:rPr>
               <a:t>，支持</a:t>
             </a:r>
             <a:r>
               <a:rPr lang="en-US" altLang="zh-CN" sz="1600" dirty="0">
-                <a:latin typeface="微软雅黑" panose="020B0503020204020204" pitchFamily="34" charset="-122"/>
-                <a:ea typeface="微软雅黑" panose="020B0503020204020204" pitchFamily="34" charset="-122"/>
+                <a:latin typeface="Calibri" panose="020F0502020204030204" pitchFamily="34" charset="0"/>
+                <a:ea typeface="新宋体" panose="02010609030101010101" pitchFamily="49" charset="-122"/>
               </a:rPr>
               <a:t>bmp/</a:t>
             </a:r>
             <a:r>
               <a:rPr lang="en-US" altLang="zh-CN" sz="1600" dirty="0" err="1">
-                <a:latin typeface="微软雅黑" panose="020B0503020204020204" pitchFamily="34" charset="-122"/>
-                <a:ea typeface="微软雅黑" panose="020B0503020204020204" pitchFamily="34" charset="-122"/>
+                <a:latin typeface="Calibri" panose="020F0502020204030204" pitchFamily="34" charset="0"/>
+                <a:ea typeface="新宋体" panose="02010609030101010101" pitchFamily="49" charset="-122"/>
               </a:rPr>
               <a:t>png</a:t>
             </a:r>
             <a:r>
               <a:rPr lang="en-US" altLang="zh-CN" sz="1600" dirty="0">
-                <a:latin typeface="微软雅黑" panose="020B0503020204020204" pitchFamily="34" charset="-122"/>
-                <a:ea typeface="微软雅黑" panose="020B0503020204020204" pitchFamily="34" charset="-122"/>
+                <a:latin typeface="Calibri" panose="020F0502020204030204" pitchFamily="34" charset="0"/>
+                <a:ea typeface="新宋体" panose="02010609030101010101" pitchFamily="49" charset="-122"/>
               </a:rPr>
               <a:t>/jpeg/jpg/gif</a:t>
             </a:r>
             <a:r>
               <a:rPr lang="zh-CN" altLang="en-US" sz="1600" dirty="0">
-                <a:latin typeface="微软雅黑" panose="020B0503020204020204" pitchFamily="34" charset="-122"/>
-                <a:ea typeface="微软雅黑" panose="020B0503020204020204" pitchFamily="34" charset="-122"/>
+                <a:latin typeface="Calibri" panose="020F0502020204030204" pitchFamily="34" charset="0"/>
+                <a:ea typeface="新宋体" panose="02010609030101010101" pitchFamily="49" charset="-122"/>
               </a:rPr>
               <a:t>格式</a:t>
             </a:r>
@@ -13047,91 +13070,91 @@
             </a:pPr>
             <a:r>
               <a:rPr lang="zh-CN" altLang="en-US" sz="1600" dirty="0">
-                <a:latin typeface="微软雅黑" panose="020B0503020204020204" pitchFamily="34" charset="-122"/>
-                <a:ea typeface="微软雅黑" panose="020B0503020204020204" pitchFamily="34" charset="-122"/>
+                <a:latin typeface="Calibri" panose="020F0502020204030204" pitchFamily="34" charset="0"/>
+                <a:ea typeface="新宋体" panose="02010609030101010101" pitchFamily="49" charset="-122"/>
               </a:rPr>
               <a:t>语音（</a:t>
             </a:r>
             <a:r>
               <a:rPr lang="en-US" altLang="zh-CN" sz="1600" dirty="0">
-                <a:latin typeface="微软雅黑" panose="020B0503020204020204" pitchFamily="34" charset="-122"/>
-                <a:ea typeface="微软雅黑" panose="020B0503020204020204" pitchFamily="34" charset="-122"/>
+                <a:latin typeface="Calibri" panose="020F0502020204030204" pitchFamily="34" charset="0"/>
+                <a:ea typeface="新宋体" panose="02010609030101010101" pitchFamily="49" charset="-122"/>
               </a:rPr>
               <a:t>voice</a:t>
             </a:r>
             <a:r>
               <a:rPr lang="zh-CN" altLang="en-US" sz="1600" dirty="0">
-                <a:latin typeface="微软雅黑" panose="020B0503020204020204" pitchFamily="34" charset="-122"/>
-                <a:ea typeface="微软雅黑" panose="020B0503020204020204" pitchFamily="34" charset="-122"/>
+                <a:latin typeface="Calibri" panose="020F0502020204030204" pitchFamily="34" charset="0"/>
+                <a:ea typeface="新宋体" panose="02010609030101010101" pitchFamily="49" charset="-122"/>
               </a:rPr>
               <a:t>）：</a:t>
             </a:r>
             <a:r>
               <a:rPr lang="en-US" altLang="zh-CN" sz="1600" dirty="0">
-                <a:latin typeface="微软雅黑" panose="020B0503020204020204" pitchFamily="34" charset="-122"/>
-                <a:ea typeface="微软雅黑" panose="020B0503020204020204" pitchFamily="34" charset="-122"/>
+                <a:latin typeface="Calibri" panose="020F0502020204030204" pitchFamily="34" charset="0"/>
+                <a:ea typeface="新宋体" panose="02010609030101010101" pitchFamily="49" charset="-122"/>
               </a:rPr>
               <a:t>2M</a:t>
             </a:r>
             <a:r>
               <a:rPr lang="zh-CN" altLang="en-US" sz="1600" dirty="0">
-                <a:latin typeface="微软雅黑" panose="020B0503020204020204" pitchFamily="34" charset="-122"/>
-                <a:ea typeface="微软雅黑" panose="020B0503020204020204" pitchFamily="34" charset="-122"/>
+                <a:latin typeface="Calibri" panose="020F0502020204030204" pitchFamily="34" charset="0"/>
+                <a:ea typeface="新宋体" panose="02010609030101010101" pitchFamily="49" charset="-122"/>
               </a:rPr>
               <a:t>，播放长度不超过</a:t>
             </a:r>
             <a:r>
               <a:rPr lang="en-US" altLang="zh-CN" sz="1600" dirty="0">
-                <a:latin typeface="微软雅黑" panose="020B0503020204020204" pitchFamily="34" charset="-122"/>
-                <a:ea typeface="微软雅黑" panose="020B0503020204020204" pitchFamily="34" charset="-122"/>
+                <a:latin typeface="Calibri" panose="020F0502020204030204" pitchFamily="34" charset="0"/>
+                <a:ea typeface="新宋体" panose="02010609030101010101" pitchFamily="49" charset="-122"/>
               </a:rPr>
               <a:t>60s</a:t>
             </a:r>
             <a:r>
               <a:rPr lang="zh-CN" altLang="en-US" sz="1600" dirty="0">
-                <a:latin typeface="微软雅黑" panose="020B0503020204020204" pitchFamily="34" charset="-122"/>
-                <a:ea typeface="微软雅黑" panose="020B0503020204020204" pitchFamily="34" charset="-122"/>
+                <a:latin typeface="Calibri" panose="020F0502020204030204" pitchFamily="34" charset="0"/>
+                <a:ea typeface="新宋体" panose="02010609030101010101" pitchFamily="49" charset="-122"/>
               </a:rPr>
               <a:t>，</a:t>
             </a:r>
             <a:r>
               <a:rPr lang="en-US" altLang="zh-CN" sz="1600" dirty="0">
-                <a:latin typeface="微软雅黑" panose="020B0503020204020204" pitchFamily="34" charset="-122"/>
-                <a:ea typeface="微软雅黑" panose="020B0503020204020204" pitchFamily="34" charset="-122"/>
+                <a:latin typeface="Calibri" panose="020F0502020204030204" pitchFamily="34" charset="0"/>
+                <a:ea typeface="新宋体" panose="02010609030101010101" pitchFamily="49" charset="-122"/>
               </a:rPr>
               <a:t>mp3/</a:t>
             </a:r>
             <a:r>
               <a:rPr lang="en-US" altLang="zh-CN" sz="1600" dirty="0" err="1">
-                <a:latin typeface="微软雅黑" panose="020B0503020204020204" pitchFamily="34" charset="-122"/>
-                <a:ea typeface="微软雅黑" panose="020B0503020204020204" pitchFamily="34" charset="-122"/>
+                <a:latin typeface="Calibri" panose="020F0502020204030204" pitchFamily="34" charset="0"/>
+                <a:ea typeface="新宋体" panose="02010609030101010101" pitchFamily="49" charset="-122"/>
               </a:rPr>
               <a:t>wma</a:t>
             </a:r>
             <a:r>
               <a:rPr lang="en-US" altLang="zh-CN" sz="1600" dirty="0">
-                <a:latin typeface="微软雅黑" panose="020B0503020204020204" pitchFamily="34" charset="-122"/>
-                <a:ea typeface="微软雅黑" panose="020B0503020204020204" pitchFamily="34" charset="-122"/>
+                <a:latin typeface="Calibri" panose="020F0502020204030204" pitchFamily="34" charset="0"/>
+                <a:ea typeface="新宋体" panose="02010609030101010101" pitchFamily="49" charset="-122"/>
               </a:rPr>
               <a:t>/wav/</a:t>
             </a:r>
             <a:r>
               <a:rPr lang="en-US" altLang="zh-CN" sz="1600" dirty="0" err="1">
-                <a:latin typeface="微软雅黑" panose="020B0503020204020204" pitchFamily="34" charset="-122"/>
-                <a:ea typeface="微软雅黑" panose="020B0503020204020204" pitchFamily="34" charset="-122"/>
+                <a:latin typeface="Calibri" panose="020F0502020204030204" pitchFamily="34" charset="0"/>
+                <a:ea typeface="新宋体" panose="02010609030101010101" pitchFamily="49" charset="-122"/>
               </a:rPr>
               <a:t>amr</a:t>
             </a:r>
             <a:r>
               <a:rPr lang="zh-CN" altLang="en-US" sz="1600" dirty="0">
-                <a:latin typeface="微软雅黑" panose="020B0503020204020204" pitchFamily="34" charset="-122"/>
-                <a:ea typeface="微软雅黑" panose="020B0503020204020204" pitchFamily="34" charset="-122"/>
+                <a:latin typeface="Calibri" panose="020F0502020204030204" pitchFamily="34" charset="0"/>
+                <a:ea typeface="新宋体" panose="02010609030101010101" pitchFamily="49" charset="-122"/>
               </a:rPr>
               <a:t>格式</a:t>
             </a:r>
             <a:endParaRPr lang="en-US" altLang="zh-CN" sz="1600" dirty="0">
-              <a:latin typeface="微软雅黑" panose="020B0503020204020204" pitchFamily="34" charset="-122"/>
-              <a:ea typeface="微软雅黑" panose="020B0503020204020204" pitchFamily="34" charset="-122"/>
+              <a:latin typeface="Calibri" panose="020F0502020204030204" pitchFamily="34" charset="0"/>
+              <a:ea typeface="新宋体" panose="02010609030101010101" pitchFamily="49" charset="-122"/>
             </a:endParaRPr>
           </a:p>
           <a:p>
@@ -13142,50 +13165,50 @@
             </a:pPr>
             <a:r>
               <a:rPr lang="zh-CN" altLang="en-US" sz="1600" dirty="0">
-                <a:latin typeface="微软雅黑" panose="020B0503020204020204" pitchFamily="34" charset="-122"/>
-                <a:ea typeface="微软雅黑" panose="020B0503020204020204" pitchFamily="34" charset="-122"/>
+                <a:latin typeface="Calibri" panose="020F0502020204030204" pitchFamily="34" charset="0"/>
+                <a:ea typeface="新宋体" panose="02010609030101010101" pitchFamily="49" charset="-122"/>
               </a:rPr>
               <a:t>视频（</a:t>
             </a:r>
             <a:r>
               <a:rPr lang="en-US" altLang="zh-CN" sz="1600" dirty="0">
-                <a:latin typeface="微软雅黑" panose="020B0503020204020204" pitchFamily="34" charset="-122"/>
-                <a:ea typeface="微软雅黑" panose="020B0503020204020204" pitchFamily="34" charset="-122"/>
+                <a:latin typeface="Calibri" panose="020F0502020204030204" pitchFamily="34" charset="0"/>
+                <a:ea typeface="新宋体" panose="02010609030101010101" pitchFamily="49" charset="-122"/>
               </a:rPr>
               <a:t>video</a:t>
             </a:r>
             <a:r>
               <a:rPr lang="zh-CN" altLang="en-US" sz="1600" dirty="0">
-                <a:latin typeface="微软雅黑" panose="020B0503020204020204" pitchFamily="34" charset="-122"/>
-                <a:ea typeface="微软雅黑" panose="020B0503020204020204" pitchFamily="34" charset="-122"/>
+                <a:latin typeface="Calibri" panose="020F0502020204030204" pitchFamily="34" charset="0"/>
+                <a:ea typeface="新宋体" panose="02010609030101010101" pitchFamily="49" charset="-122"/>
               </a:rPr>
               <a:t>）：</a:t>
             </a:r>
             <a:r>
               <a:rPr lang="en-US" altLang="zh-CN" sz="1600" dirty="0">
-                <a:latin typeface="微软雅黑" panose="020B0503020204020204" pitchFamily="34" charset="-122"/>
-                <a:ea typeface="微软雅黑" panose="020B0503020204020204" pitchFamily="34" charset="-122"/>
+                <a:latin typeface="Calibri" panose="020F0502020204030204" pitchFamily="34" charset="0"/>
+                <a:ea typeface="新宋体" panose="02010609030101010101" pitchFamily="49" charset="-122"/>
               </a:rPr>
               <a:t>10MB</a:t>
             </a:r>
             <a:r>
               <a:rPr lang="zh-CN" altLang="en-US" sz="1600" dirty="0">
-                <a:latin typeface="微软雅黑" panose="020B0503020204020204" pitchFamily="34" charset="-122"/>
-                <a:ea typeface="微软雅黑" panose="020B0503020204020204" pitchFamily="34" charset="-122"/>
+                <a:latin typeface="Calibri" panose="020F0502020204030204" pitchFamily="34" charset="0"/>
+                <a:ea typeface="新宋体" panose="02010609030101010101" pitchFamily="49" charset="-122"/>
               </a:rPr>
               <a:t>，支持</a:t>
             </a:r>
             <a:r>
               <a:rPr lang="en-US" altLang="zh-CN" sz="1600" dirty="0">
-                <a:latin typeface="微软雅黑" panose="020B0503020204020204" pitchFamily="34" charset="-122"/>
-                <a:ea typeface="微软雅黑" panose="020B0503020204020204" pitchFamily="34" charset="-122"/>
+                <a:latin typeface="Calibri" panose="020F0502020204030204" pitchFamily="34" charset="0"/>
+                <a:ea typeface="新宋体" panose="02010609030101010101" pitchFamily="49" charset="-122"/>
               </a:rPr>
               <a:t>MP4</a:t>
             </a:r>
             <a:r>
               <a:rPr lang="zh-CN" altLang="en-US" sz="1600" dirty="0">
-                <a:latin typeface="微软雅黑" panose="020B0503020204020204" pitchFamily="34" charset="-122"/>
-                <a:ea typeface="微软雅黑" panose="020B0503020204020204" pitchFamily="34" charset="-122"/>
+                <a:latin typeface="Calibri" panose="020F0502020204030204" pitchFamily="34" charset="0"/>
+                <a:ea typeface="新宋体" panose="02010609030101010101" pitchFamily="49" charset="-122"/>
               </a:rPr>
               <a:t>格式</a:t>
             </a:r>
@@ -13198,50 +13221,50 @@
             </a:pPr>
             <a:r>
               <a:rPr lang="zh-CN" altLang="en-US" sz="1600" dirty="0">
-                <a:latin typeface="微软雅黑" panose="020B0503020204020204" pitchFamily="34" charset="-122"/>
-                <a:ea typeface="微软雅黑" panose="020B0503020204020204" pitchFamily="34" charset="-122"/>
+                <a:latin typeface="Calibri" panose="020F0502020204030204" pitchFamily="34" charset="0"/>
+                <a:ea typeface="新宋体" panose="02010609030101010101" pitchFamily="49" charset="-122"/>
               </a:rPr>
               <a:t>缩略图（</a:t>
             </a:r>
             <a:r>
               <a:rPr lang="en-US" altLang="zh-CN" sz="1600" dirty="0">
-                <a:latin typeface="微软雅黑" panose="020B0503020204020204" pitchFamily="34" charset="-122"/>
-                <a:ea typeface="微软雅黑" panose="020B0503020204020204" pitchFamily="34" charset="-122"/>
+                <a:latin typeface="Calibri" panose="020F0502020204030204" pitchFamily="34" charset="0"/>
+                <a:ea typeface="新宋体" panose="02010609030101010101" pitchFamily="49" charset="-122"/>
               </a:rPr>
               <a:t>thumb</a:t>
             </a:r>
             <a:r>
               <a:rPr lang="zh-CN" altLang="en-US" sz="1600" dirty="0">
-                <a:latin typeface="微软雅黑" panose="020B0503020204020204" pitchFamily="34" charset="-122"/>
-                <a:ea typeface="微软雅黑" panose="020B0503020204020204" pitchFamily="34" charset="-122"/>
+                <a:latin typeface="Calibri" panose="020F0502020204030204" pitchFamily="34" charset="0"/>
+                <a:ea typeface="新宋体" panose="02010609030101010101" pitchFamily="49" charset="-122"/>
               </a:rPr>
               <a:t>）：</a:t>
             </a:r>
             <a:r>
               <a:rPr lang="en-US" altLang="zh-CN" sz="1600" dirty="0">
-                <a:latin typeface="微软雅黑" panose="020B0503020204020204" pitchFamily="34" charset="-122"/>
-                <a:ea typeface="微软雅黑" panose="020B0503020204020204" pitchFamily="34" charset="-122"/>
+                <a:latin typeface="Calibri" panose="020F0502020204030204" pitchFamily="34" charset="0"/>
+                <a:ea typeface="新宋体" panose="02010609030101010101" pitchFamily="49" charset="-122"/>
               </a:rPr>
               <a:t>64KB</a:t>
             </a:r>
             <a:r>
               <a:rPr lang="zh-CN" altLang="en-US" sz="1600" dirty="0">
-                <a:latin typeface="微软雅黑" panose="020B0503020204020204" pitchFamily="34" charset="-122"/>
-                <a:ea typeface="微软雅黑" panose="020B0503020204020204" pitchFamily="34" charset="-122"/>
+                <a:latin typeface="Calibri" panose="020F0502020204030204" pitchFamily="34" charset="0"/>
+                <a:ea typeface="新宋体" panose="02010609030101010101" pitchFamily="49" charset="-122"/>
               </a:rPr>
               <a:t>，支持</a:t>
             </a:r>
             <a:r>
               <a:rPr lang="en-US" altLang="zh-CN" sz="1600" dirty="0">
-                <a:latin typeface="微软雅黑" panose="020B0503020204020204" pitchFamily="34" charset="-122"/>
-                <a:ea typeface="微软雅黑" panose="020B0503020204020204" pitchFamily="34" charset="-122"/>
+                <a:latin typeface="Calibri" panose="020F0502020204030204" pitchFamily="34" charset="0"/>
+                <a:ea typeface="新宋体" panose="02010609030101010101" pitchFamily="49" charset="-122"/>
               </a:rPr>
               <a:t>JPG</a:t>
             </a:r>
             <a:r>
               <a:rPr lang="zh-CN" altLang="en-US" sz="1600" dirty="0">
-                <a:latin typeface="微软雅黑" panose="020B0503020204020204" pitchFamily="34" charset="-122"/>
-                <a:ea typeface="微软雅黑" panose="020B0503020204020204" pitchFamily="34" charset="-122"/>
+                <a:latin typeface="Calibri" panose="020F0502020204030204" pitchFamily="34" charset="0"/>
+                <a:ea typeface="新宋体" panose="02010609030101010101" pitchFamily="49" charset="-122"/>
               </a:rPr>
               <a:t>格式</a:t>
             </a:r>
@@ -13256,56 +13279,56 @@
             </a:pPr>
             <a:r>
               <a:rPr lang="zh-CN" altLang="en-US" dirty="0">
-                <a:latin typeface="微软雅黑" panose="020B0503020204020204" pitchFamily="34" charset="-122"/>
-                <a:ea typeface="微软雅黑" panose="020B0503020204020204" pitchFamily="34" charset="-122"/>
+                <a:latin typeface="Calibri" panose="020F0502020204030204" pitchFamily="34" charset="0"/>
+                <a:ea typeface="新宋体" panose="02010609030101010101" pitchFamily="49" charset="-122"/>
               </a:rPr>
               <a:t>图文消息的具体内容中，微信后台将过滤外部的图片链接，图片</a:t>
             </a:r>
             <a:r>
               <a:rPr lang="en-US" altLang="zh-CN" dirty="0" err="1">
-                <a:latin typeface="微软雅黑" panose="020B0503020204020204" pitchFamily="34" charset="-122"/>
-                <a:ea typeface="微软雅黑" panose="020B0503020204020204" pitchFamily="34" charset="-122"/>
+                <a:latin typeface="Calibri" panose="020F0502020204030204" pitchFamily="34" charset="0"/>
+                <a:ea typeface="新宋体" panose="02010609030101010101" pitchFamily="49" charset="-122"/>
               </a:rPr>
               <a:t>url</a:t>
             </a:r>
             <a:r>
               <a:rPr lang="zh-CN" altLang="en-US" dirty="0">
-                <a:latin typeface="微软雅黑" panose="020B0503020204020204" pitchFamily="34" charset="-122"/>
-                <a:ea typeface="微软雅黑" panose="020B0503020204020204" pitchFamily="34" charset="-122"/>
+                <a:latin typeface="Calibri" panose="020F0502020204030204" pitchFamily="34" charset="0"/>
+                <a:ea typeface="新宋体" panose="02010609030101010101" pitchFamily="49" charset="-122"/>
               </a:rPr>
               <a:t>需通过</a:t>
             </a:r>
             <a:r>
               <a:rPr lang="en-US" altLang="zh-CN" dirty="0">
-                <a:latin typeface="微软雅黑" panose="020B0503020204020204" pitchFamily="34" charset="-122"/>
-                <a:ea typeface="微软雅黑" panose="020B0503020204020204" pitchFamily="34" charset="-122"/>
+                <a:latin typeface="Calibri" panose="020F0502020204030204" pitchFamily="34" charset="0"/>
+                <a:ea typeface="新宋体" panose="02010609030101010101" pitchFamily="49" charset="-122"/>
               </a:rPr>
               <a:t>"</a:t>
             </a:r>
             <a:r>
               <a:rPr lang="zh-CN" altLang="en-US" dirty="0">
-                <a:latin typeface="微软雅黑" panose="020B0503020204020204" pitchFamily="34" charset="-122"/>
-                <a:ea typeface="微软雅黑" panose="020B0503020204020204" pitchFamily="34" charset="-122"/>
+                <a:latin typeface="Calibri" panose="020F0502020204030204" pitchFamily="34" charset="0"/>
+                <a:ea typeface="新宋体" panose="02010609030101010101" pitchFamily="49" charset="-122"/>
               </a:rPr>
               <a:t>上传图文消息内的图片获取</a:t>
             </a:r>
             <a:r>
               <a:rPr lang="en-US" altLang="zh-CN" dirty="0">
-                <a:latin typeface="微软雅黑" panose="020B0503020204020204" pitchFamily="34" charset="-122"/>
-                <a:ea typeface="微软雅黑" panose="020B0503020204020204" pitchFamily="34" charset="-122"/>
+                <a:latin typeface="Calibri" panose="020F0502020204030204" pitchFamily="34" charset="0"/>
+                <a:ea typeface="新宋体" panose="02010609030101010101" pitchFamily="49" charset="-122"/>
               </a:rPr>
               <a:t>URL"</a:t>
             </a:r>
             <a:r>
               <a:rPr lang="zh-CN" altLang="en-US" dirty="0">
-                <a:latin typeface="微软雅黑" panose="020B0503020204020204" pitchFamily="34" charset="-122"/>
-                <a:ea typeface="微软雅黑" panose="020B0503020204020204" pitchFamily="34" charset="-122"/>
+                <a:latin typeface="Calibri" panose="020F0502020204030204" pitchFamily="34" charset="0"/>
+                <a:ea typeface="新宋体" panose="02010609030101010101" pitchFamily="49" charset="-122"/>
               </a:rPr>
               <a:t>接口上传图片获取。</a:t>
             </a:r>
             <a:endParaRPr lang="en-US" altLang="zh-CN" dirty="0">
-              <a:latin typeface="微软雅黑" panose="020B0503020204020204" pitchFamily="34" charset="-122"/>
-              <a:ea typeface="微软雅黑" panose="020B0503020204020204" pitchFamily="34" charset="-122"/>
+              <a:latin typeface="Calibri" panose="020F0502020204030204" pitchFamily="34" charset="0"/>
+              <a:ea typeface="新宋体" panose="02010609030101010101" pitchFamily="49" charset="-122"/>
             </a:endParaRPr>
           </a:p>
           <a:p>
@@ -13318,84 +13341,84 @@
             </a:pPr>
             <a:r>
               <a:rPr lang="en-US" altLang="zh-CN" dirty="0">
-                <a:latin typeface="微软雅黑" panose="020B0503020204020204" pitchFamily="34" charset="-122"/>
-                <a:ea typeface="微软雅黑" panose="020B0503020204020204" pitchFamily="34" charset="-122"/>
+                <a:latin typeface="Calibri" panose="020F0502020204030204" pitchFamily="34" charset="0"/>
+                <a:ea typeface="新宋体" panose="02010609030101010101" pitchFamily="49" charset="-122"/>
               </a:rPr>
               <a:t>"</a:t>
             </a:r>
             <a:r>
               <a:rPr lang="zh-CN" altLang="en-US" dirty="0">
-                <a:latin typeface="微软雅黑" panose="020B0503020204020204" pitchFamily="34" charset="-122"/>
-                <a:ea typeface="微软雅黑" panose="020B0503020204020204" pitchFamily="34" charset="-122"/>
+                <a:latin typeface="Calibri" panose="020F0502020204030204" pitchFamily="34" charset="0"/>
+                <a:ea typeface="新宋体" panose="02010609030101010101" pitchFamily="49" charset="-122"/>
               </a:rPr>
               <a:t>上传图文消息内的图片获取</a:t>
             </a:r>
             <a:r>
               <a:rPr lang="en-US" altLang="zh-CN" dirty="0">
-                <a:latin typeface="微软雅黑" panose="020B0503020204020204" pitchFamily="34" charset="-122"/>
-                <a:ea typeface="微软雅黑" panose="020B0503020204020204" pitchFamily="34" charset="-122"/>
+                <a:latin typeface="Calibri" panose="020F0502020204030204" pitchFamily="34" charset="0"/>
+                <a:ea typeface="新宋体" panose="02010609030101010101" pitchFamily="49" charset="-122"/>
               </a:rPr>
               <a:t>URL"</a:t>
             </a:r>
             <a:r>
               <a:rPr lang="zh-CN" altLang="en-US" dirty="0">
-                <a:latin typeface="微软雅黑" panose="020B0503020204020204" pitchFamily="34" charset="-122"/>
-                <a:ea typeface="微软雅黑" panose="020B0503020204020204" pitchFamily="34" charset="-122"/>
+                <a:latin typeface="Calibri" panose="020F0502020204030204" pitchFamily="34" charset="0"/>
+                <a:ea typeface="新宋体" panose="02010609030101010101" pitchFamily="49" charset="-122"/>
               </a:rPr>
               <a:t>接口所上传的图片，不占用公众号的素材库中图片数量的</a:t>
             </a:r>
             <a:r>
               <a:rPr lang="en-US" altLang="zh-CN" dirty="0">
-                <a:latin typeface="微软雅黑" panose="020B0503020204020204" pitchFamily="34" charset="-122"/>
-                <a:ea typeface="微软雅黑" panose="020B0503020204020204" pitchFamily="34" charset="-122"/>
+                <a:latin typeface="Calibri" panose="020F0502020204030204" pitchFamily="34" charset="0"/>
+                <a:ea typeface="新宋体" panose="02010609030101010101" pitchFamily="49" charset="-122"/>
               </a:rPr>
               <a:t>5000</a:t>
             </a:r>
             <a:r>
               <a:rPr lang="zh-CN" altLang="en-US" dirty="0">
-                <a:latin typeface="微软雅黑" panose="020B0503020204020204" pitchFamily="34" charset="-122"/>
-                <a:ea typeface="微软雅黑" panose="020B0503020204020204" pitchFamily="34" charset="-122"/>
+                <a:latin typeface="Calibri" panose="020F0502020204030204" pitchFamily="34" charset="0"/>
+                <a:ea typeface="新宋体" panose="02010609030101010101" pitchFamily="49" charset="-122"/>
               </a:rPr>
               <a:t>个的限制，图片仅支持</a:t>
             </a:r>
             <a:r>
               <a:rPr lang="en-US" altLang="zh-CN" dirty="0">
-                <a:latin typeface="微软雅黑" panose="020B0503020204020204" pitchFamily="34" charset="-122"/>
-                <a:ea typeface="微软雅黑" panose="020B0503020204020204" pitchFamily="34" charset="-122"/>
+                <a:latin typeface="Calibri" panose="020F0502020204030204" pitchFamily="34" charset="0"/>
+                <a:ea typeface="新宋体" panose="02010609030101010101" pitchFamily="49" charset="-122"/>
               </a:rPr>
               <a:t>jpg/</a:t>
             </a:r>
             <a:r>
               <a:rPr lang="en-US" altLang="zh-CN" dirty="0" err="1">
-                <a:latin typeface="微软雅黑" panose="020B0503020204020204" pitchFamily="34" charset="-122"/>
-                <a:ea typeface="微软雅黑" panose="020B0503020204020204" pitchFamily="34" charset="-122"/>
+                <a:latin typeface="Calibri" panose="020F0502020204030204" pitchFamily="34" charset="0"/>
+                <a:ea typeface="新宋体" panose="02010609030101010101" pitchFamily="49" charset="-122"/>
               </a:rPr>
               <a:t>png</a:t>
             </a:r>
             <a:r>
               <a:rPr lang="zh-CN" altLang="en-US" dirty="0">
-                <a:latin typeface="微软雅黑" panose="020B0503020204020204" pitchFamily="34" charset="-122"/>
-                <a:ea typeface="微软雅黑" panose="020B0503020204020204" pitchFamily="34" charset="-122"/>
+                <a:latin typeface="Calibri" panose="020F0502020204030204" pitchFamily="34" charset="0"/>
+                <a:ea typeface="新宋体" panose="02010609030101010101" pitchFamily="49" charset="-122"/>
               </a:rPr>
               <a:t>格式，大小必须在</a:t>
             </a:r>
             <a:r>
               <a:rPr lang="en-US" altLang="zh-CN" dirty="0">
-                <a:latin typeface="微软雅黑" panose="020B0503020204020204" pitchFamily="34" charset="-122"/>
-                <a:ea typeface="微软雅黑" panose="020B0503020204020204" pitchFamily="34" charset="-122"/>
+                <a:latin typeface="Calibri" panose="020F0502020204030204" pitchFamily="34" charset="0"/>
+                <a:ea typeface="新宋体" panose="02010609030101010101" pitchFamily="49" charset="-122"/>
               </a:rPr>
               <a:t>1MB</a:t>
             </a:r>
             <a:r>
               <a:rPr lang="zh-CN" altLang="en-US" dirty="0">
-                <a:latin typeface="微软雅黑" panose="020B0503020204020204" pitchFamily="34" charset="-122"/>
-                <a:ea typeface="微软雅黑" panose="020B0503020204020204" pitchFamily="34" charset="-122"/>
+                <a:latin typeface="Calibri" panose="020F0502020204030204" pitchFamily="34" charset="0"/>
+                <a:ea typeface="新宋体" panose="02010609030101010101" pitchFamily="49" charset="-122"/>
               </a:rPr>
               <a:t>以下。</a:t>
             </a:r>
             <a:endParaRPr lang="en-US" altLang="zh-CN" dirty="0">
-              <a:latin typeface="微软雅黑" panose="020B0503020204020204" pitchFamily="34" charset="-122"/>
-              <a:ea typeface="微软雅黑" panose="020B0503020204020204" pitchFamily="34" charset="-122"/>
+              <a:latin typeface="Calibri" panose="020F0502020204030204" pitchFamily="34" charset="0"/>
+              <a:ea typeface="新宋体" panose="02010609030101010101" pitchFamily="49" charset="-122"/>
             </a:endParaRPr>
           </a:p>
           <a:p>
@@ -13408,8 +13431,8 @@
             </a:pPr>
             <a:r>
               <a:rPr lang="zh-CN" altLang="en-US" dirty="0">
-                <a:latin typeface="微软雅黑" panose="020B0503020204020204" pitchFamily="34" charset="-122"/>
-                <a:ea typeface="微软雅黑" panose="020B0503020204020204" pitchFamily="34" charset="-122"/>
+                <a:latin typeface="Calibri" panose="020F0502020204030204" pitchFamily="34" charset="0"/>
+                <a:ea typeface="新宋体" panose="02010609030101010101" pitchFamily="49" charset="-122"/>
               </a:rPr>
               <a:t>图文消息支持正文中插入自己帐号和其他公众号已群发文章链接的能力。</a:t>
             </a:r>
@@ -13547,7 +13570,7 @@
               <a:rPr lang="en-US" altLang="zh-CN" sz="2000" dirty="0">
                 <a:ea typeface="微软雅黑" panose="020B0503020204020204" pitchFamily="34" charset="-122"/>
               </a:rPr>
-              <a:t>Type=image</a:t>
+              <a:t>type=image</a:t>
             </a:r>
             <a:r>
               <a:rPr lang="zh-CN" altLang="en-US" sz="2000" dirty="0">
@@ -14803,6 +14826,1625 @@
         </p:nvSpPr>
         <p:spPr>
           <a:xfrm>
+            <a:off x="1054099" y="543636"/>
+            <a:ext cx="6103445" cy="685800"/>
+          </a:xfrm>
+        </p:spPr>
+        <p:txBody>
+          <a:bodyPr/>
+          <a:lstStyle/>
+          <a:p>
+            <a:r>
+              <a:rPr lang="zh-CN" altLang="en-US" b="0" dirty="0"/>
+              <a:t>上传图文素材</a:t>
+            </a:r>
+          </a:p>
+        </p:txBody>
+      </p:sp>
+      <p:sp>
+        <p:nvSpPr>
+          <p:cNvPr id="3" name="文本框 2">
+            <a:extLst>
+              <a:ext uri="{FF2B5EF4-FFF2-40B4-BE49-F238E27FC236}">
+                <a16:creationId xmlns:a16="http://schemas.microsoft.com/office/drawing/2014/main" id="{D63C6118-FB8B-4457-A5F6-FF2B3FC277F2}"/>
+              </a:ext>
+            </a:extLst>
+          </p:cNvPr>
+          <p:cNvSpPr txBox="1"/>
+          <p:nvPr/>
+        </p:nvSpPr>
+        <p:spPr>
+          <a:xfrm>
+            <a:off x="1054099" y="1625798"/>
+            <a:ext cx="10439813" cy="4616648"/>
+          </a:xfrm>
+          <a:prstGeom prst="rect">
+            <a:avLst/>
+          </a:prstGeom>
+          <a:noFill/>
+        </p:spPr>
+        <p:txBody>
+          <a:bodyPr wrap="square" rtlCol="0">
+            <a:spAutoFit/>
+          </a:bodyPr>
+          <a:lstStyle/>
+          <a:p>
+            <a:pPr marL="285750" indent="-285750">
+              <a:buFont typeface="Arial" panose="020B0604020202020204" pitchFamily="34" charset="0"/>
+              <a:buChar char="•"/>
+            </a:pPr>
+            <a:r>
+              <a:rPr lang="zh-CN" altLang="en-US" dirty="0">
+                <a:latin typeface="Calibri" panose="020F0502020204030204" pitchFamily="34" charset="0"/>
+                <a:ea typeface="微软雅黑" panose="020B0503020204020204" pitchFamily="34" charset="-122"/>
+              </a:rPr>
+              <a:t>调用接口</a:t>
+            </a:r>
+            <a:endParaRPr lang="en-US" altLang="zh-CN" dirty="0">
+              <a:latin typeface="Calibri" panose="020F0502020204030204" pitchFamily="34" charset="0"/>
+              <a:ea typeface="微软雅黑" panose="020B0503020204020204" pitchFamily="34" charset="-122"/>
+            </a:endParaRPr>
+          </a:p>
+          <a:p>
+            <a:pPr lvl="1"/>
+            <a:r>
+              <a:rPr lang="en-US" altLang="zh-CN" sz="1600" dirty="0"/>
+              <a:t>https://api.weixin.qq.com/cgi-bin/material/add_news?access_token=ACCESS_TOKEN</a:t>
+            </a:r>
+          </a:p>
+          <a:p>
+            <a:pPr marL="285750" indent="-285750">
+              <a:buFont typeface="Arial" panose="020B0604020202020204" pitchFamily="34" charset="0"/>
+              <a:buChar char="•"/>
+            </a:pPr>
+            <a:r>
+              <a:rPr lang="en-US" altLang="zh-CN" dirty="0">
+                <a:latin typeface="Calibri" panose="020F0502020204030204" pitchFamily="34" charset="0"/>
+                <a:ea typeface="微软雅黑" panose="020B0503020204020204" pitchFamily="34" charset="-122"/>
+              </a:rPr>
+              <a:t>POST</a:t>
+            </a:r>
+            <a:r>
+              <a:rPr lang="zh-CN" altLang="en-US" dirty="0">
+                <a:latin typeface="Calibri" panose="020F0502020204030204" pitchFamily="34" charset="0"/>
+                <a:ea typeface="微软雅黑" panose="020B0503020204020204" pitchFamily="34" charset="-122"/>
+              </a:rPr>
+              <a:t>提交数据</a:t>
+            </a:r>
+            <a:r>
+              <a:rPr lang="zh-CN" altLang="en-US" dirty="0"/>
+              <a:t>：</a:t>
+            </a:r>
+            <a:endParaRPr lang="en-US" altLang="zh-CN" dirty="0"/>
+          </a:p>
+          <a:p>
+            <a:pPr lvl="1"/>
+            <a:r>
+              <a:rPr lang="en-US" altLang="zh-CN" sz="1600" dirty="0"/>
+              <a:t>{</a:t>
+            </a:r>
+          </a:p>
+          <a:p>
+            <a:pPr lvl="1"/>
+            <a:r>
+              <a:rPr lang="en-US" altLang="zh-CN" sz="1600" dirty="0"/>
+              <a:t>  "articles": [{</a:t>
+            </a:r>
+          </a:p>
+          <a:p>
+            <a:pPr lvl="1"/>
+            <a:r>
+              <a:rPr lang="en-US" altLang="zh-CN" sz="1600" dirty="0"/>
+              <a:t>       "title": TITLE,</a:t>
+            </a:r>
+          </a:p>
+          <a:p>
+            <a:pPr lvl="1"/>
+            <a:r>
+              <a:rPr lang="en-US" altLang="zh-CN" sz="1600" dirty="0"/>
+              <a:t>       "</a:t>
+            </a:r>
+            <a:r>
+              <a:rPr lang="en-US" altLang="zh-CN" sz="1600" dirty="0" err="1"/>
+              <a:t>thumb_media_id</a:t>
+            </a:r>
+            <a:r>
+              <a:rPr lang="en-US" altLang="zh-CN" sz="1600" dirty="0"/>
+              <a:t>": THUMB_MEDIA_ID,</a:t>
+            </a:r>
+          </a:p>
+          <a:p>
+            <a:pPr lvl="1"/>
+            <a:r>
+              <a:rPr lang="en-US" altLang="zh-CN" sz="1600" dirty="0"/>
+              <a:t>       "author": AUTHOR,</a:t>
+            </a:r>
+          </a:p>
+          <a:p>
+            <a:pPr lvl="1"/>
+            <a:r>
+              <a:rPr lang="en-US" altLang="zh-CN" sz="1600" dirty="0"/>
+              <a:t>       "digest": DIGEST,</a:t>
+            </a:r>
+          </a:p>
+          <a:p>
+            <a:pPr lvl="1"/>
+            <a:r>
+              <a:rPr lang="en-US" altLang="zh-CN" sz="1600" dirty="0"/>
+              <a:t>       "</a:t>
+            </a:r>
+            <a:r>
+              <a:rPr lang="en-US" altLang="zh-CN" sz="1600" dirty="0" err="1"/>
+              <a:t>show_cover_pic</a:t>
+            </a:r>
+            <a:r>
+              <a:rPr lang="en-US" altLang="zh-CN" sz="1600" dirty="0"/>
+              <a:t>": SHOW_COVER_PIC(0 / 1),</a:t>
+            </a:r>
+          </a:p>
+          <a:p>
+            <a:pPr lvl="1"/>
+            <a:r>
+              <a:rPr lang="en-US" altLang="zh-CN" sz="1600" dirty="0"/>
+              <a:t>       "content": CONTENT,</a:t>
+            </a:r>
+          </a:p>
+          <a:p>
+            <a:pPr lvl="1"/>
+            <a:r>
+              <a:rPr lang="en-US" altLang="zh-CN" sz="1600" dirty="0"/>
+              <a:t>       "</a:t>
+            </a:r>
+            <a:r>
+              <a:rPr lang="en-US" altLang="zh-CN" sz="1600" dirty="0" err="1"/>
+              <a:t>content_source_url</a:t>
+            </a:r>
+            <a:r>
+              <a:rPr lang="en-US" altLang="zh-CN" sz="1600" dirty="0"/>
+              <a:t>": CONTENT_SOURCE_URL</a:t>
+            </a:r>
+          </a:p>
+          <a:p>
+            <a:pPr lvl="1"/>
+            <a:r>
+              <a:rPr lang="en-US" altLang="zh-CN" sz="1600" dirty="0"/>
+              <a:t>    },</a:t>
+            </a:r>
+          </a:p>
+          <a:p>
+            <a:pPr lvl="1"/>
+            <a:r>
+              <a:rPr lang="en-US" altLang="zh-CN" sz="1600" dirty="0"/>
+              <a:t>    //</a:t>
+            </a:r>
+            <a:r>
+              <a:rPr lang="zh-CN" altLang="en-US" sz="1600" dirty="0"/>
+              <a:t>若新增的是多图文素材，则此处应还有几段</a:t>
+            </a:r>
+            <a:r>
+              <a:rPr lang="en-US" altLang="zh-CN" sz="1600" dirty="0"/>
+              <a:t>articles</a:t>
+            </a:r>
+            <a:r>
+              <a:rPr lang="zh-CN" altLang="en-US" sz="1600" dirty="0"/>
+              <a:t>结构</a:t>
+            </a:r>
+          </a:p>
+          <a:p>
+            <a:pPr lvl="1"/>
+            <a:r>
+              <a:rPr lang="zh-CN" altLang="en-US" sz="1600" dirty="0"/>
+              <a:t> </a:t>
+            </a:r>
+            <a:r>
+              <a:rPr lang="en-US" altLang="zh-CN" sz="1600" dirty="0"/>
+              <a:t>]</a:t>
+            </a:r>
+          </a:p>
+          <a:p>
+            <a:pPr lvl="1"/>
+            <a:r>
+              <a:rPr lang="en-US" altLang="zh-CN" sz="1600" dirty="0"/>
+              <a:t>}</a:t>
+            </a:r>
+            <a:endParaRPr lang="en-US" altLang="zh-CN" sz="1600" dirty="0">
+              <a:latin typeface="Calibri" panose="020F0502020204030204" pitchFamily="34" charset="0"/>
+              <a:ea typeface="微软雅黑" panose="020B0503020204020204" pitchFamily="34" charset="-122"/>
+            </a:endParaRPr>
+          </a:p>
+          <a:p>
+            <a:pPr marL="285750" indent="-285750">
+              <a:buFont typeface="Arial" panose="020B0604020202020204" pitchFamily="34" charset="0"/>
+              <a:buChar char="•"/>
+            </a:pPr>
+            <a:r>
+              <a:rPr lang="zh-CN" altLang="en-US" dirty="0">
+                <a:latin typeface="Calibri" panose="020F0502020204030204" pitchFamily="34" charset="0"/>
+                <a:ea typeface="微软雅黑" panose="020B0503020204020204" pitchFamily="34" charset="-122"/>
+              </a:rPr>
+              <a:t>返回值：</a:t>
+            </a:r>
+            <a:endParaRPr lang="en-US" altLang="zh-CN" dirty="0">
+              <a:latin typeface="Calibri" panose="020F0502020204030204" pitchFamily="34" charset="0"/>
+              <a:ea typeface="微软雅黑" panose="020B0503020204020204" pitchFamily="34" charset="-122"/>
+            </a:endParaRPr>
+          </a:p>
+          <a:p>
+            <a:pPr lvl="1"/>
+            <a:r>
+              <a:rPr lang="en-US" altLang="zh-CN" sz="1600" dirty="0"/>
+              <a:t>{ "</a:t>
+            </a:r>
+            <a:r>
+              <a:rPr lang="en-US" altLang="zh-CN" sz="1600" dirty="0" err="1"/>
+              <a:t>media_id":MEDIA_ID</a:t>
+            </a:r>
+            <a:r>
+              <a:rPr lang="en-US" altLang="zh-CN" sz="1600" dirty="0"/>
+              <a:t> }</a:t>
+            </a:r>
+          </a:p>
+        </p:txBody>
+      </p:sp>
+    </p:spTree>
+    <p:extLst>
+      <p:ext uri="{BB962C8B-B14F-4D97-AF65-F5344CB8AC3E}">
+        <p14:creationId xmlns:p14="http://schemas.microsoft.com/office/powerpoint/2010/main" val="1156705992"/>
+      </p:ext>
+    </p:extLst>
+  </p:cSld>
+  <p:clrMapOvr>
+    <a:masterClrMapping/>
+  </p:clrMapOvr>
+</p:sld>
+</file>
+
+<file path=ppt/slides/slide14.xml><?xml version="1.0" encoding="utf-8"?>
+<p:sld xmlns:a="http://schemas.openxmlformats.org/drawingml/2006/main" xmlns:r="http://schemas.openxmlformats.org/officeDocument/2006/relationships" xmlns:p="http://schemas.openxmlformats.org/presentationml/2006/main">
+  <p:cSld>
+    <p:spTree>
+      <p:nvGrpSpPr>
+        <p:cNvPr id="1" name=""/>
+        <p:cNvGrpSpPr/>
+        <p:nvPr/>
+      </p:nvGrpSpPr>
+      <p:grpSpPr>
+        <a:xfrm>
+          <a:off x="0" y="0"/>
+          <a:ext cx="0" cy="0"/>
+          <a:chOff x="0" y="0"/>
+          <a:chExt cx="0" cy="0"/>
+        </a:xfrm>
+      </p:grpSpPr>
+      <p:sp>
+        <p:nvSpPr>
+          <p:cNvPr id="2" name="内容占位符 1"/>
+          <p:cNvSpPr>
+            <a:spLocks noGrp="1"/>
+          </p:cNvSpPr>
+          <p:nvPr>
+            <p:ph sz="quarter" idx="13"/>
+          </p:nvPr>
+        </p:nvSpPr>
+        <p:spPr>
+          <a:xfrm>
+            <a:off x="1054099" y="543636"/>
+            <a:ext cx="6103445" cy="685800"/>
+          </a:xfrm>
+        </p:spPr>
+        <p:txBody>
+          <a:bodyPr/>
+          <a:lstStyle/>
+          <a:p>
+            <a:r>
+              <a:rPr lang="zh-CN" altLang="en-US" b="0" dirty="0"/>
+              <a:t>上传图文素材参数说明</a:t>
+            </a:r>
+          </a:p>
+        </p:txBody>
+      </p:sp>
+      <p:graphicFrame>
+        <p:nvGraphicFramePr>
+          <p:cNvPr id="4" name="表格 3">
+            <a:extLst>
+              <a:ext uri="{FF2B5EF4-FFF2-40B4-BE49-F238E27FC236}">
+                <a16:creationId xmlns:a16="http://schemas.microsoft.com/office/drawing/2014/main" id="{C3DF4D16-4233-4D5C-AE96-7649A6404619}"/>
+              </a:ext>
+            </a:extLst>
+          </p:cNvPr>
+          <p:cNvGraphicFramePr>
+            <a:graphicFrameLocks noGrp="1"/>
+          </p:cNvGraphicFramePr>
+          <p:nvPr>
+            <p:extLst>
+              <p:ext uri="{D42A27DB-BD31-4B8C-83A1-F6EECF244321}">
+                <p14:modId xmlns:p14="http://schemas.microsoft.com/office/powerpoint/2010/main" val="860935001"/>
+              </p:ext>
+            </p:extLst>
+          </p:nvPr>
+        </p:nvGraphicFramePr>
+        <p:xfrm>
+          <a:off x="1054099" y="1634653"/>
+          <a:ext cx="10449643" cy="4962791"/>
+        </p:xfrm>
+        <a:graphic>
+          <a:graphicData uri="http://schemas.openxmlformats.org/drawingml/2006/table">
+            <a:tbl>
+              <a:tblPr/>
+              <a:tblGrid>
+                <a:gridCol w="2347862">
+                  <a:extLst>
+                    <a:ext uri="{9D8B030D-6E8A-4147-A177-3AD203B41FA5}">
+                      <a16:colId xmlns:a16="http://schemas.microsoft.com/office/drawing/2014/main" val="3376635018"/>
+                    </a:ext>
+                  </a:extLst>
+                </a:gridCol>
+                <a:gridCol w="1440752">
+                  <a:extLst>
+                    <a:ext uri="{9D8B030D-6E8A-4147-A177-3AD203B41FA5}">
+                      <a16:colId xmlns:a16="http://schemas.microsoft.com/office/drawing/2014/main" val="3980789510"/>
+                    </a:ext>
+                  </a:extLst>
+                </a:gridCol>
+                <a:gridCol w="6661029">
+                  <a:extLst>
+                    <a:ext uri="{9D8B030D-6E8A-4147-A177-3AD203B41FA5}">
+                      <a16:colId xmlns:a16="http://schemas.microsoft.com/office/drawing/2014/main" val="2756460825"/>
+                    </a:ext>
+                  </a:extLst>
+                </a:gridCol>
+              </a:tblGrid>
+              <a:tr h="551311">
+                <a:tc>
+                  <a:txBody>
+                    <a:bodyPr/>
+                    <a:lstStyle/>
+                    <a:p>
+                      <a:pPr latinLnBrk="1"/>
+                      <a:r>
+                        <a:rPr lang="zh-CN" altLang="en-US" sz="1600" b="1" dirty="0">
+                          <a:effectLst/>
+                        </a:rPr>
+                        <a:t>参数</a:t>
+                      </a:r>
+                    </a:p>
+                  </a:txBody>
+                  <a:tcPr marL="70183" marR="70183" marT="35091" marB="35091">
+                    <a:lnL>
+                      <a:noFill/>
+                    </a:lnL>
+                    <a:lnR>
+                      <a:noFill/>
+                    </a:lnR>
+                    <a:lnT>
+                      <a:noFill/>
+                    </a:lnT>
+                    <a:lnB>
+                      <a:noFill/>
+                    </a:lnB>
+                  </a:tcPr>
+                </a:tc>
+                <a:tc>
+                  <a:txBody>
+                    <a:bodyPr/>
+                    <a:lstStyle/>
+                    <a:p>
+                      <a:pPr latinLnBrk="1"/>
+                      <a:r>
+                        <a:rPr lang="zh-CN" altLang="en-US" sz="1600" b="1" dirty="0">
+                          <a:effectLst/>
+                        </a:rPr>
+                        <a:t>是否必须</a:t>
+                      </a:r>
+                    </a:p>
+                  </a:txBody>
+                  <a:tcPr marL="70183" marR="70183" marT="35091" marB="35091">
+                    <a:lnL>
+                      <a:noFill/>
+                    </a:lnL>
+                    <a:lnR>
+                      <a:noFill/>
+                    </a:lnR>
+                    <a:lnT>
+                      <a:noFill/>
+                    </a:lnT>
+                    <a:lnB>
+                      <a:noFill/>
+                    </a:lnB>
+                  </a:tcPr>
+                </a:tc>
+                <a:tc>
+                  <a:txBody>
+                    <a:bodyPr/>
+                    <a:lstStyle/>
+                    <a:p>
+                      <a:pPr latinLnBrk="1"/>
+                      <a:r>
+                        <a:rPr lang="zh-CN" altLang="en-US" sz="1600" b="1" dirty="0">
+                          <a:effectLst/>
+                        </a:rPr>
+                        <a:t>说明</a:t>
+                      </a:r>
+                    </a:p>
+                  </a:txBody>
+                  <a:tcPr marL="70183" marR="70183" marT="35091" marB="35091">
+                    <a:lnL>
+                      <a:noFill/>
+                    </a:lnL>
+                    <a:lnR>
+                      <a:noFill/>
+                    </a:lnR>
+                    <a:lnT>
+                      <a:noFill/>
+                    </a:lnT>
+                    <a:lnB>
+                      <a:noFill/>
+                    </a:lnB>
+                  </a:tcPr>
+                </a:tc>
+                <a:extLst>
+                  <a:ext uri="{0D108BD9-81ED-4DB2-BD59-A6C34878D82A}">
+                    <a16:rowId xmlns:a16="http://schemas.microsoft.com/office/drawing/2014/main" val="2303651640"/>
+                  </a:ext>
+                </a:extLst>
+              </a:tr>
+              <a:tr h="357425">
+                <a:tc>
+                  <a:txBody>
+                    <a:bodyPr/>
+                    <a:lstStyle/>
+                    <a:p>
+                      <a:pPr latinLnBrk="1"/>
+                      <a:r>
+                        <a:rPr lang="en-US" sz="1600" dirty="0">
+                          <a:solidFill>
+                            <a:srgbClr val="333333"/>
+                          </a:solidFill>
+                          <a:effectLst/>
+                          <a:latin typeface="Microsoft Yahei" panose="020B0503020204020204" pitchFamily="34" charset="-122"/>
+                          <a:ea typeface="Microsoft Yahei" panose="020B0503020204020204" pitchFamily="34" charset="-122"/>
+                        </a:rPr>
+                        <a:t>title</a:t>
+                      </a:r>
+                      <a:endParaRPr lang="en-US" sz="1600" dirty="0">
+                        <a:effectLst/>
+                      </a:endParaRPr>
+                    </a:p>
+                  </a:txBody>
+                  <a:tcPr marL="70183" marR="70183" marT="35091" marB="35091">
+                    <a:lnL>
+                      <a:noFill/>
+                    </a:lnL>
+                    <a:lnR>
+                      <a:noFill/>
+                    </a:lnR>
+                    <a:lnT>
+                      <a:noFill/>
+                    </a:lnT>
+                    <a:lnB>
+                      <a:noFill/>
+                    </a:lnB>
+                  </a:tcPr>
+                </a:tc>
+                <a:tc>
+                  <a:txBody>
+                    <a:bodyPr/>
+                    <a:lstStyle/>
+                    <a:p>
+                      <a:pPr latinLnBrk="1"/>
+                      <a:r>
+                        <a:rPr lang="zh-CN" altLang="en-US" sz="1600">
+                          <a:effectLst/>
+                        </a:rPr>
+                        <a:t>是</a:t>
+                      </a:r>
+                    </a:p>
+                  </a:txBody>
+                  <a:tcPr marL="70183" marR="70183" marT="35091" marB="35091">
+                    <a:lnL>
+                      <a:noFill/>
+                    </a:lnL>
+                    <a:lnR>
+                      <a:noFill/>
+                    </a:lnR>
+                    <a:lnT>
+                      <a:noFill/>
+                    </a:lnT>
+                    <a:lnB>
+                      <a:noFill/>
+                    </a:lnB>
+                  </a:tcPr>
+                </a:tc>
+                <a:tc>
+                  <a:txBody>
+                    <a:bodyPr/>
+                    <a:lstStyle/>
+                    <a:p>
+                      <a:pPr latinLnBrk="1"/>
+                      <a:r>
+                        <a:rPr lang="zh-CN" altLang="en-US" sz="1600" dirty="0">
+                          <a:solidFill>
+                            <a:srgbClr val="333333"/>
+                          </a:solidFill>
+                          <a:effectLst/>
+                          <a:latin typeface="Microsoft Yahei" panose="020B0503020204020204" pitchFamily="34" charset="-122"/>
+                          <a:ea typeface="Microsoft Yahei" panose="020B0503020204020204" pitchFamily="34" charset="-122"/>
+                        </a:rPr>
+                        <a:t>标题</a:t>
+                      </a:r>
+                      <a:endParaRPr lang="zh-CN" altLang="en-US" sz="1600" dirty="0">
+                        <a:effectLst/>
+                      </a:endParaRPr>
+                    </a:p>
+                  </a:txBody>
+                  <a:tcPr marL="70183" marR="70183" marT="35091" marB="35091">
+                    <a:lnL>
+                      <a:noFill/>
+                    </a:lnL>
+                    <a:lnR>
+                      <a:noFill/>
+                    </a:lnR>
+                    <a:lnT>
+                      <a:noFill/>
+                    </a:lnT>
+                    <a:lnB>
+                      <a:noFill/>
+                    </a:lnB>
+                  </a:tcPr>
+                </a:tc>
+                <a:extLst>
+                  <a:ext uri="{0D108BD9-81ED-4DB2-BD59-A6C34878D82A}">
+                    <a16:rowId xmlns:a16="http://schemas.microsoft.com/office/drawing/2014/main" val="3260798645"/>
+                  </a:ext>
+                </a:extLst>
+              </a:tr>
+              <a:tr h="551311">
+                <a:tc>
+                  <a:txBody>
+                    <a:bodyPr/>
+                    <a:lstStyle/>
+                    <a:p>
+                      <a:pPr latinLnBrk="1"/>
+                      <a:r>
+                        <a:rPr lang="en-US" sz="1600" dirty="0" err="1">
+                          <a:solidFill>
+                            <a:srgbClr val="333333"/>
+                          </a:solidFill>
+                          <a:effectLst/>
+                          <a:latin typeface="Microsoft Yahei" panose="020B0503020204020204" pitchFamily="34" charset="-122"/>
+                          <a:ea typeface="Microsoft Yahei" panose="020B0503020204020204" pitchFamily="34" charset="-122"/>
+                        </a:rPr>
+                        <a:t>thumb_media_id</a:t>
+                      </a:r>
+                      <a:endParaRPr lang="en-US" sz="1600" dirty="0">
+                        <a:effectLst/>
+                      </a:endParaRPr>
+                    </a:p>
+                  </a:txBody>
+                  <a:tcPr marL="70183" marR="70183" marT="35091" marB="35091">
+                    <a:lnL>
+                      <a:noFill/>
+                    </a:lnL>
+                    <a:lnR>
+                      <a:noFill/>
+                    </a:lnR>
+                    <a:lnT>
+                      <a:noFill/>
+                    </a:lnT>
+                    <a:lnB>
+                      <a:noFill/>
+                    </a:lnB>
+                  </a:tcPr>
+                </a:tc>
+                <a:tc>
+                  <a:txBody>
+                    <a:bodyPr/>
+                    <a:lstStyle/>
+                    <a:p>
+                      <a:pPr latinLnBrk="1"/>
+                      <a:r>
+                        <a:rPr lang="zh-CN" altLang="en-US" sz="1600">
+                          <a:effectLst/>
+                        </a:rPr>
+                        <a:t>是</a:t>
+                      </a:r>
+                    </a:p>
+                  </a:txBody>
+                  <a:tcPr marL="70183" marR="70183" marT="35091" marB="35091">
+                    <a:lnL>
+                      <a:noFill/>
+                    </a:lnL>
+                    <a:lnR>
+                      <a:noFill/>
+                    </a:lnR>
+                    <a:lnT>
+                      <a:noFill/>
+                    </a:lnT>
+                    <a:lnB>
+                      <a:noFill/>
+                    </a:lnB>
+                  </a:tcPr>
+                </a:tc>
+                <a:tc>
+                  <a:txBody>
+                    <a:bodyPr/>
+                    <a:lstStyle/>
+                    <a:p>
+                      <a:pPr latinLnBrk="1"/>
+                      <a:r>
+                        <a:rPr lang="zh-CN" altLang="en-US" sz="1600" dirty="0">
+                          <a:solidFill>
+                            <a:srgbClr val="333333"/>
+                          </a:solidFill>
+                          <a:effectLst/>
+                          <a:latin typeface="Microsoft Yahei" panose="020B0503020204020204" pitchFamily="34" charset="-122"/>
+                          <a:ea typeface="Microsoft Yahei" panose="020B0503020204020204" pitchFamily="34" charset="-122"/>
+                        </a:rPr>
+                        <a:t>图文消息的封面图片素材</a:t>
+                      </a:r>
+                      <a:r>
+                        <a:rPr lang="en-US" altLang="zh-CN" sz="1600" dirty="0">
+                          <a:solidFill>
+                            <a:srgbClr val="333333"/>
+                          </a:solidFill>
+                          <a:effectLst/>
+                          <a:latin typeface="Microsoft Yahei" panose="020B0503020204020204" pitchFamily="34" charset="-122"/>
+                          <a:ea typeface="Microsoft Yahei" panose="020B0503020204020204" pitchFamily="34" charset="-122"/>
+                        </a:rPr>
+                        <a:t>id</a:t>
+                      </a:r>
+                      <a:r>
+                        <a:rPr lang="zh-CN" altLang="en-US" sz="1600" dirty="0">
+                          <a:solidFill>
+                            <a:srgbClr val="333333"/>
+                          </a:solidFill>
+                          <a:effectLst/>
+                          <a:latin typeface="Microsoft Yahei" panose="020B0503020204020204" pitchFamily="34" charset="-122"/>
+                          <a:ea typeface="Microsoft Yahei" panose="020B0503020204020204" pitchFamily="34" charset="-122"/>
+                        </a:rPr>
+                        <a:t>（必须是永久</a:t>
+                      </a:r>
+                      <a:r>
+                        <a:rPr lang="en-US" altLang="zh-CN" sz="1600" dirty="0" err="1">
+                          <a:solidFill>
+                            <a:srgbClr val="333333"/>
+                          </a:solidFill>
+                          <a:effectLst/>
+                          <a:latin typeface="Microsoft Yahei" panose="020B0503020204020204" pitchFamily="34" charset="-122"/>
+                          <a:ea typeface="Microsoft Yahei" panose="020B0503020204020204" pitchFamily="34" charset="-122"/>
+                        </a:rPr>
+                        <a:t>mediaID</a:t>
+                      </a:r>
+                      <a:r>
+                        <a:rPr lang="zh-CN" altLang="en-US" sz="1600" dirty="0">
+                          <a:solidFill>
+                            <a:srgbClr val="333333"/>
+                          </a:solidFill>
+                          <a:effectLst/>
+                          <a:latin typeface="Microsoft Yahei" panose="020B0503020204020204" pitchFamily="34" charset="-122"/>
+                          <a:ea typeface="Microsoft Yahei" panose="020B0503020204020204" pitchFamily="34" charset="-122"/>
+                        </a:rPr>
+                        <a:t>）</a:t>
+                      </a:r>
+                      <a:endParaRPr lang="zh-CN" altLang="en-US" sz="1600" dirty="0">
+                        <a:effectLst/>
+                      </a:endParaRPr>
+                    </a:p>
+                  </a:txBody>
+                  <a:tcPr marL="70183" marR="70183" marT="35091" marB="35091">
+                    <a:lnL>
+                      <a:noFill/>
+                    </a:lnL>
+                    <a:lnR>
+                      <a:noFill/>
+                    </a:lnR>
+                    <a:lnT>
+                      <a:noFill/>
+                    </a:lnT>
+                    <a:lnB>
+                      <a:noFill/>
+                    </a:lnB>
+                  </a:tcPr>
+                </a:tc>
+                <a:extLst>
+                  <a:ext uri="{0D108BD9-81ED-4DB2-BD59-A6C34878D82A}">
+                    <a16:rowId xmlns:a16="http://schemas.microsoft.com/office/drawing/2014/main" val="2298188416"/>
+                  </a:ext>
+                </a:extLst>
+              </a:tr>
+              <a:tr h="352394">
+                <a:tc>
+                  <a:txBody>
+                    <a:bodyPr/>
+                    <a:lstStyle/>
+                    <a:p>
+                      <a:pPr latinLnBrk="1"/>
+                      <a:r>
+                        <a:rPr lang="en-US" sz="1600">
+                          <a:solidFill>
+                            <a:srgbClr val="333333"/>
+                          </a:solidFill>
+                          <a:effectLst/>
+                          <a:latin typeface="Microsoft Yahei" panose="020B0503020204020204" pitchFamily="34" charset="-122"/>
+                          <a:ea typeface="Microsoft Yahei" panose="020B0503020204020204" pitchFamily="34" charset="-122"/>
+                        </a:rPr>
+                        <a:t>author</a:t>
+                      </a:r>
+                      <a:endParaRPr lang="en-US" sz="1600">
+                        <a:effectLst/>
+                      </a:endParaRPr>
+                    </a:p>
+                  </a:txBody>
+                  <a:tcPr marL="70183" marR="70183" marT="35091" marB="35091">
+                    <a:lnL>
+                      <a:noFill/>
+                    </a:lnL>
+                    <a:lnR>
+                      <a:noFill/>
+                    </a:lnR>
+                    <a:lnT>
+                      <a:noFill/>
+                    </a:lnT>
+                    <a:lnB>
+                      <a:noFill/>
+                    </a:lnB>
+                  </a:tcPr>
+                </a:tc>
+                <a:tc>
+                  <a:txBody>
+                    <a:bodyPr/>
+                    <a:lstStyle/>
+                    <a:p>
+                      <a:pPr latinLnBrk="1"/>
+                      <a:r>
+                        <a:rPr lang="zh-CN" altLang="en-US" sz="1600">
+                          <a:effectLst/>
+                        </a:rPr>
+                        <a:t>否</a:t>
+                      </a:r>
+                    </a:p>
+                  </a:txBody>
+                  <a:tcPr marL="70183" marR="70183" marT="35091" marB="35091">
+                    <a:lnL>
+                      <a:noFill/>
+                    </a:lnL>
+                    <a:lnR>
+                      <a:noFill/>
+                    </a:lnR>
+                    <a:lnT>
+                      <a:noFill/>
+                    </a:lnT>
+                    <a:lnB>
+                      <a:noFill/>
+                    </a:lnB>
+                  </a:tcPr>
+                </a:tc>
+                <a:tc>
+                  <a:txBody>
+                    <a:bodyPr/>
+                    <a:lstStyle/>
+                    <a:p>
+                      <a:pPr latinLnBrk="1"/>
+                      <a:r>
+                        <a:rPr lang="zh-CN" altLang="en-US" sz="1600" dirty="0">
+                          <a:solidFill>
+                            <a:srgbClr val="333333"/>
+                          </a:solidFill>
+                          <a:effectLst/>
+                          <a:latin typeface="Microsoft Yahei" panose="020B0503020204020204" pitchFamily="34" charset="-122"/>
+                          <a:ea typeface="Microsoft Yahei" panose="020B0503020204020204" pitchFamily="34" charset="-122"/>
+                        </a:rPr>
+                        <a:t>作者</a:t>
+                      </a:r>
+                      <a:endParaRPr lang="zh-CN" altLang="en-US" sz="1600" dirty="0">
+                        <a:effectLst/>
+                      </a:endParaRPr>
+                    </a:p>
+                  </a:txBody>
+                  <a:tcPr marL="70183" marR="70183" marT="35091" marB="35091">
+                    <a:lnL>
+                      <a:noFill/>
+                    </a:lnL>
+                    <a:lnR>
+                      <a:noFill/>
+                    </a:lnR>
+                    <a:lnT>
+                      <a:noFill/>
+                    </a:lnT>
+                    <a:lnB>
+                      <a:noFill/>
+                    </a:lnB>
+                  </a:tcPr>
+                </a:tc>
+                <a:extLst>
+                  <a:ext uri="{0D108BD9-81ED-4DB2-BD59-A6C34878D82A}">
+                    <a16:rowId xmlns:a16="http://schemas.microsoft.com/office/drawing/2014/main" val="457669327"/>
+                  </a:ext>
+                </a:extLst>
+              </a:tr>
+              <a:tr h="787588">
+                <a:tc>
+                  <a:txBody>
+                    <a:bodyPr/>
+                    <a:lstStyle/>
+                    <a:p>
+                      <a:pPr latinLnBrk="1"/>
+                      <a:r>
+                        <a:rPr lang="en-US" sz="1600">
+                          <a:solidFill>
+                            <a:srgbClr val="333333"/>
+                          </a:solidFill>
+                          <a:effectLst/>
+                          <a:latin typeface="Microsoft Yahei" panose="020B0503020204020204" pitchFamily="34" charset="-122"/>
+                          <a:ea typeface="Microsoft Yahei" panose="020B0503020204020204" pitchFamily="34" charset="-122"/>
+                        </a:rPr>
+                        <a:t>digest</a:t>
+                      </a:r>
+                      <a:endParaRPr lang="en-US" sz="1600">
+                        <a:effectLst/>
+                      </a:endParaRPr>
+                    </a:p>
+                  </a:txBody>
+                  <a:tcPr marL="70183" marR="70183" marT="35091" marB="35091">
+                    <a:lnL>
+                      <a:noFill/>
+                    </a:lnL>
+                    <a:lnR>
+                      <a:noFill/>
+                    </a:lnR>
+                    <a:lnT>
+                      <a:noFill/>
+                    </a:lnT>
+                    <a:lnB>
+                      <a:noFill/>
+                    </a:lnB>
+                  </a:tcPr>
+                </a:tc>
+                <a:tc>
+                  <a:txBody>
+                    <a:bodyPr/>
+                    <a:lstStyle/>
+                    <a:p>
+                      <a:pPr latinLnBrk="1"/>
+                      <a:r>
+                        <a:rPr lang="zh-CN" altLang="en-US" sz="1600">
+                          <a:effectLst/>
+                        </a:rPr>
+                        <a:t>否</a:t>
+                      </a:r>
+                    </a:p>
+                  </a:txBody>
+                  <a:tcPr marL="70183" marR="70183" marT="35091" marB="35091">
+                    <a:lnL>
+                      <a:noFill/>
+                    </a:lnL>
+                    <a:lnR>
+                      <a:noFill/>
+                    </a:lnR>
+                    <a:lnT>
+                      <a:noFill/>
+                    </a:lnT>
+                    <a:lnB>
+                      <a:noFill/>
+                    </a:lnB>
+                  </a:tcPr>
+                </a:tc>
+                <a:tc>
+                  <a:txBody>
+                    <a:bodyPr/>
+                    <a:lstStyle/>
+                    <a:p>
+                      <a:pPr latinLnBrk="1"/>
+                      <a:r>
+                        <a:rPr lang="zh-CN" altLang="en-US" sz="1600" dirty="0">
+                          <a:solidFill>
+                            <a:srgbClr val="333333"/>
+                          </a:solidFill>
+                          <a:effectLst/>
+                          <a:latin typeface="Microsoft Yahei" panose="020B0503020204020204" pitchFamily="34" charset="-122"/>
+                          <a:ea typeface="Microsoft Yahei" panose="020B0503020204020204" pitchFamily="34" charset="-122"/>
+                        </a:rPr>
+                        <a:t>图文消息的摘要，仅有单图文消息才有摘要，多图文此处为空。如果本字段为没有填写，则默认抓取正文前</a:t>
+                      </a:r>
+                      <a:r>
+                        <a:rPr lang="en-US" altLang="zh-CN" sz="1600" dirty="0">
+                          <a:solidFill>
+                            <a:srgbClr val="333333"/>
+                          </a:solidFill>
+                          <a:effectLst/>
+                          <a:latin typeface="Microsoft Yahei" panose="020B0503020204020204" pitchFamily="34" charset="-122"/>
+                          <a:ea typeface="Microsoft Yahei" panose="020B0503020204020204" pitchFamily="34" charset="-122"/>
+                        </a:rPr>
+                        <a:t>64</a:t>
+                      </a:r>
+                      <a:r>
+                        <a:rPr lang="zh-CN" altLang="en-US" sz="1600" dirty="0">
+                          <a:solidFill>
+                            <a:srgbClr val="333333"/>
+                          </a:solidFill>
+                          <a:effectLst/>
+                          <a:latin typeface="Microsoft Yahei" panose="020B0503020204020204" pitchFamily="34" charset="-122"/>
+                          <a:ea typeface="Microsoft Yahei" panose="020B0503020204020204" pitchFamily="34" charset="-122"/>
+                        </a:rPr>
+                        <a:t>个字。</a:t>
+                      </a:r>
+                      <a:endParaRPr lang="zh-CN" altLang="en-US" sz="1600" dirty="0">
+                        <a:effectLst/>
+                      </a:endParaRPr>
+                    </a:p>
+                  </a:txBody>
+                  <a:tcPr marL="70183" marR="70183" marT="35091" marB="35091">
+                    <a:lnL>
+                      <a:noFill/>
+                    </a:lnL>
+                    <a:lnR>
+                      <a:noFill/>
+                    </a:lnR>
+                    <a:lnT>
+                      <a:noFill/>
+                    </a:lnT>
+                    <a:lnB>
+                      <a:noFill/>
+                    </a:lnB>
+                  </a:tcPr>
+                </a:tc>
+                <a:extLst>
+                  <a:ext uri="{0D108BD9-81ED-4DB2-BD59-A6C34878D82A}">
+                    <a16:rowId xmlns:a16="http://schemas.microsoft.com/office/drawing/2014/main" val="73389405"/>
+                  </a:ext>
+                </a:extLst>
+              </a:tr>
+              <a:tr h="551311">
+                <a:tc>
+                  <a:txBody>
+                    <a:bodyPr/>
+                    <a:lstStyle/>
+                    <a:p>
+                      <a:pPr latinLnBrk="1"/>
+                      <a:r>
+                        <a:rPr lang="en-US" sz="1600">
+                          <a:solidFill>
+                            <a:srgbClr val="333333"/>
+                          </a:solidFill>
+                          <a:effectLst/>
+                          <a:latin typeface="Microsoft Yahei" panose="020B0503020204020204" pitchFamily="34" charset="-122"/>
+                          <a:ea typeface="Microsoft Yahei" panose="020B0503020204020204" pitchFamily="34" charset="-122"/>
+                        </a:rPr>
+                        <a:t>show_cover_pic</a:t>
+                      </a:r>
+                      <a:endParaRPr lang="en-US" sz="1600">
+                        <a:effectLst/>
+                      </a:endParaRPr>
+                    </a:p>
+                  </a:txBody>
+                  <a:tcPr marL="70183" marR="70183" marT="35091" marB="35091">
+                    <a:lnL>
+                      <a:noFill/>
+                    </a:lnL>
+                    <a:lnR>
+                      <a:noFill/>
+                    </a:lnR>
+                    <a:lnT>
+                      <a:noFill/>
+                    </a:lnT>
+                    <a:lnB>
+                      <a:noFill/>
+                    </a:lnB>
+                  </a:tcPr>
+                </a:tc>
+                <a:tc>
+                  <a:txBody>
+                    <a:bodyPr/>
+                    <a:lstStyle/>
+                    <a:p>
+                      <a:pPr latinLnBrk="1"/>
+                      <a:r>
+                        <a:rPr lang="zh-CN" altLang="en-US" sz="1600">
+                          <a:effectLst/>
+                        </a:rPr>
+                        <a:t>是</a:t>
+                      </a:r>
+                    </a:p>
+                  </a:txBody>
+                  <a:tcPr marL="70183" marR="70183" marT="35091" marB="35091">
+                    <a:lnL>
+                      <a:noFill/>
+                    </a:lnL>
+                    <a:lnR>
+                      <a:noFill/>
+                    </a:lnR>
+                    <a:lnT>
+                      <a:noFill/>
+                    </a:lnT>
+                    <a:lnB>
+                      <a:noFill/>
+                    </a:lnB>
+                  </a:tcPr>
+                </a:tc>
+                <a:tc>
+                  <a:txBody>
+                    <a:bodyPr/>
+                    <a:lstStyle/>
+                    <a:p>
+                      <a:pPr latinLnBrk="1"/>
+                      <a:r>
+                        <a:rPr lang="zh-CN" altLang="en-US" sz="1600" dirty="0">
+                          <a:solidFill>
+                            <a:srgbClr val="333333"/>
+                          </a:solidFill>
+                          <a:effectLst/>
+                          <a:latin typeface="Microsoft Yahei" panose="020B0503020204020204" pitchFamily="34" charset="-122"/>
+                          <a:ea typeface="Microsoft Yahei" panose="020B0503020204020204" pitchFamily="34" charset="-122"/>
+                        </a:rPr>
+                        <a:t>是否显示封面，</a:t>
+                      </a:r>
+                      <a:r>
+                        <a:rPr lang="en-US" altLang="zh-CN" sz="1600" dirty="0">
+                          <a:solidFill>
+                            <a:srgbClr val="333333"/>
+                          </a:solidFill>
+                          <a:effectLst/>
+                          <a:latin typeface="Microsoft Yahei" panose="020B0503020204020204" pitchFamily="34" charset="-122"/>
+                          <a:ea typeface="Microsoft Yahei" panose="020B0503020204020204" pitchFamily="34" charset="-122"/>
+                        </a:rPr>
+                        <a:t>0</a:t>
+                      </a:r>
+                      <a:r>
+                        <a:rPr lang="zh-CN" altLang="en-US" sz="1600" dirty="0">
+                          <a:solidFill>
+                            <a:srgbClr val="333333"/>
+                          </a:solidFill>
+                          <a:effectLst/>
+                          <a:latin typeface="Microsoft Yahei" panose="020B0503020204020204" pitchFamily="34" charset="-122"/>
+                          <a:ea typeface="Microsoft Yahei" panose="020B0503020204020204" pitchFamily="34" charset="-122"/>
+                        </a:rPr>
+                        <a:t>为</a:t>
+                      </a:r>
+                      <a:r>
+                        <a:rPr lang="en-US" altLang="zh-CN" sz="1600" dirty="0">
+                          <a:solidFill>
+                            <a:srgbClr val="333333"/>
+                          </a:solidFill>
+                          <a:effectLst/>
+                          <a:latin typeface="Microsoft Yahei" panose="020B0503020204020204" pitchFamily="34" charset="-122"/>
+                          <a:ea typeface="Microsoft Yahei" panose="020B0503020204020204" pitchFamily="34" charset="-122"/>
+                        </a:rPr>
+                        <a:t>false</a:t>
+                      </a:r>
+                      <a:r>
+                        <a:rPr lang="zh-CN" altLang="en-US" sz="1600" dirty="0">
+                          <a:solidFill>
+                            <a:srgbClr val="333333"/>
+                          </a:solidFill>
+                          <a:effectLst/>
+                          <a:latin typeface="Microsoft Yahei" panose="020B0503020204020204" pitchFamily="34" charset="-122"/>
+                          <a:ea typeface="Microsoft Yahei" panose="020B0503020204020204" pitchFamily="34" charset="-122"/>
+                        </a:rPr>
+                        <a:t>，即不显示，</a:t>
+                      </a:r>
+                      <a:r>
+                        <a:rPr lang="en-US" altLang="zh-CN" sz="1600" dirty="0">
+                          <a:solidFill>
+                            <a:srgbClr val="333333"/>
+                          </a:solidFill>
+                          <a:effectLst/>
+                          <a:latin typeface="Microsoft Yahei" panose="020B0503020204020204" pitchFamily="34" charset="-122"/>
+                          <a:ea typeface="Microsoft Yahei" panose="020B0503020204020204" pitchFamily="34" charset="-122"/>
+                        </a:rPr>
+                        <a:t>1</a:t>
+                      </a:r>
+                      <a:r>
+                        <a:rPr lang="zh-CN" altLang="en-US" sz="1600" dirty="0">
+                          <a:solidFill>
+                            <a:srgbClr val="333333"/>
+                          </a:solidFill>
+                          <a:effectLst/>
+                          <a:latin typeface="Microsoft Yahei" panose="020B0503020204020204" pitchFamily="34" charset="-122"/>
+                          <a:ea typeface="Microsoft Yahei" panose="020B0503020204020204" pitchFamily="34" charset="-122"/>
+                        </a:rPr>
+                        <a:t>为</a:t>
+                      </a:r>
+                      <a:r>
+                        <a:rPr lang="en-US" altLang="zh-CN" sz="1600" dirty="0">
+                          <a:solidFill>
+                            <a:srgbClr val="333333"/>
+                          </a:solidFill>
+                          <a:effectLst/>
+                          <a:latin typeface="Microsoft Yahei" panose="020B0503020204020204" pitchFamily="34" charset="-122"/>
+                          <a:ea typeface="Microsoft Yahei" panose="020B0503020204020204" pitchFamily="34" charset="-122"/>
+                        </a:rPr>
+                        <a:t>true</a:t>
+                      </a:r>
+                      <a:r>
+                        <a:rPr lang="zh-CN" altLang="en-US" sz="1600" dirty="0">
+                          <a:solidFill>
+                            <a:srgbClr val="333333"/>
+                          </a:solidFill>
+                          <a:effectLst/>
+                          <a:latin typeface="Microsoft Yahei" panose="020B0503020204020204" pitchFamily="34" charset="-122"/>
+                          <a:ea typeface="Microsoft Yahei" panose="020B0503020204020204" pitchFamily="34" charset="-122"/>
+                        </a:rPr>
+                        <a:t>，即显示</a:t>
+                      </a:r>
+                      <a:endParaRPr lang="zh-CN" altLang="en-US" sz="1600" dirty="0">
+                        <a:effectLst/>
+                      </a:endParaRPr>
+                    </a:p>
+                  </a:txBody>
+                  <a:tcPr marL="70183" marR="70183" marT="35091" marB="35091">
+                    <a:lnL>
+                      <a:noFill/>
+                    </a:lnL>
+                    <a:lnR>
+                      <a:noFill/>
+                    </a:lnR>
+                    <a:lnT>
+                      <a:noFill/>
+                    </a:lnT>
+                    <a:lnB>
+                      <a:noFill/>
+                    </a:lnB>
+                  </a:tcPr>
+                </a:tc>
+                <a:extLst>
+                  <a:ext uri="{0D108BD9-81ED-4DB2-BD59-A6C34878D82A}">
+                    <a16:rowId xmlns:a16="http://schemas.microsoft.com/office/drawing/2014/main" val="1826641790"/>
+                  </a:ext>
+                </a:extLst>
+              </a:tr>
+              <a:tr h="1260140">
+                <a:tc>
+                  <a:txBody>
+                    <a:bodyPr/>
+                    <a:lstStyle/>
+                    <a:p>
+                      <a:pPr latinLnBrk="1"/>
+                      <a:r>
+                        <a:rPr lang="en-US" sz="1600" dirty="0">
+                          <a:solidFill>
+                            <a:srgbClr val="333333"/>
+                          </a:solidFill>
+                          <a:effectLst/>
+                          <a:latin typeface="Microsoft Yahei" panose="020B0503020204020204" pitchFamily="34" charset="-122"/>
+                          <a:ea typeface="Microsoft Yahei" panose="020B0503020204020204" pitchFamily="34" charset="-122"/>
+                        </a:rPr>
+                        <a:t>content</a:t>
+                      </a:r>
+                      <a:endParaRPr lang="en-US" sz="1600" dirty="0">
+                        <a:effectLst/>
+                      </a:endParaRPr>
+                    </a:p>
+                  </a:txBody>
+                  <a:tcPr marL="70183" marR="70183" marT="35091" marB="35091">
+                    <a:lnL>
+                      <a:noFill/>
+                    </a:lnL>
+                    <a:lnR>
+                      <a:noFill/>
+                    </a:lnR>
+                    <a:lnT>
+                      <a:noFill/>
+                    </a:lnT>
+                    <a:lnB>
+                      <a:noFill/>
+                    </a:lnB>
+                  </a:tcPr>
+                </a:tc>
+                <a:tc>
+                  <a:txBody>
+                    <a:bodyPr/>
+                    <a:lstStyle/>
+                    <a:p>
+                      <a:pPr latinLnBrk="1"/>
+                      <a:r>
+                        <a:rPr lang="zh-CN" altLang="en-US" sz="1600">
+                          <a:effectLst/>
+                        </a:rPr>
+                        <a:t>是</a:t>
+                      </a:r>
+                    </a:p>
+                  </a:txBody>
+                  <a:tcPr marL="70183" marR="70183" marT="35091" marB="35091">
+                    <a:lnL>
+                      <a:noFill/>
+                    </a:lnL>
+                    <a:lnR>
+                      <a:noFill/>
+                    </a:lnR>
+                    <a:lnT>
+                      <a:noFill/>
+                    </a:lnT>
+                    <a:lnB>
+                      <a:noFill/>
+                    </a:lnB>
+                  </a:tcPr>
+                </a:tc>
+                <a:tc>
+                  <a:txBody>
+                    <a:bodyPr/>
+                    <a:lstStyle/>
+                    <a:p>
+                      <a:pPr latinLnBrk="1"/>
+                      <a:r>
+                        <a:rPr lang="zh-CN" altLang="en-US" sz="1600" dirty="0">
+                          <a:solidFill>
+                            <a:srgbClr val="333333"/>
+                          </a:solidFill>
+                          <a:effectLst/>
+                          <a:latin typeface="Microsoft Yahei" panose="020B0503020204020204" pitchFamily="34" charset="-122"/>
+                          <a:ea typeface="Microsoft Yahei" panose="020B0503020204020204" pitchFamily="34" charset="-122"/>
+                        </a:rPr>
+                        <a:t>图文消息的具体内容，支持</a:t>
+                      </a:r>
+                      <a:r>
+                        <a:rPr lang="en-US" altLang="zh-CN" sz="1600" dirty="0">
+                          <a:solidFill>
+                            <a:srgbClr val="333333"/>
+                          </a:solidFill>
+                          <a:effectLst/>
+                          <a:latin typeface="Microsoft Yahei" panose="020B0503020204020204" pitchFamily="34" charset="-122"/>
+                          <a:ea typeface="Microsoft Yahei" panose="020B0503020204020204" pitchFamily="34" charset="-122"/>
+                        </a:rPr>
+                        <a:t>HTML</a:t>
+                      </a:r>
+                      <a:r>
+                        <a:rPr lang="zh-CN" altLang="en-US" sz="1600" dirty="0">
+                          <a:solidFill>
+                            <a:srgbClr val="333333"/>
+                          </a:solidFill>
+                          <a:effectLst/>
+                          <a:latin typeface="Microsoft Yahei" panose="020B0503020204020204" pitchFamily="34" charset="-122"/>
+                          <a:ea typeface="Microsoft Yahei" panose="020B0503020204020204" pitchFamily="34" charset="-122"/>
+                        </a:rPr>
+                        <a:t>标签，必须少于</a:t>
+                      </a:r>
+                      <a:r>
+                        <a:rPr lang="en-US" altLang="zh-CN" sz="1600" dirty="0">
+                          <a:solidFill>
+                            <a:srgbClr val="333333"/>
+                          </a:solidFill>
+                          <a:effectLst/>
+                          <a:latin typeface="Microsoft Yahei" panose="020B0503020204020204" pitchFamily="34" charset="-122"/>
+                          <a:ea typeface="Microsoft Yahei" panose="020B0503020204020204" pitchFamily="34" charset="-122"/>
+                        </a:rPr>
+                        <a:t>2</a:t>
+                      </a:r>
+                      <a:r>
+                        <a:rPr lang="zh-CN" altLang="en-US" sz="1600" dirty="0">
+                          <a:solidFill>
+                            <a:srgbClr val="333333"/>
+                          </a:solidFill>
+                          <a:effectLst/>
+                          <a:latin typeface="Microsoft Yahei" panose="020B0503020204020204" pitchFamily="34" charset="-122"/>
+                          <a:ea typeface="Microsoft Yahei" panose="020B0503020204020204" pitchFamily="34" charset="-122"/>
+                        </a:rPr>
+                        <a:t>万字符，小于</a:t>
+                      </a:r>
+                      <a:r>
+                        <a:rPr lang="en-US" altLang="zh-CN" sz="1600" dirty="0">
+                          <a:solidFill>
+                            <a:srgbClr val="333333"/>
+                          </a:solidFill>
+                          <a:effectLst/>
+                          <a:latin typeface="Microsoft Yahei" panose="020B0503020204020204" pitchFamily="34" charset="-122"/>
+                          <a:ea typeface="Microsoft Yahei" panose="020B0503020204020204" pitchFamily="34" charset="-122"/>
+                        </a:rPr>
+                        <a:t>1M</a:t>
+                      </a:r>
+                      <a:r>
+                        <a:rPr lang="zh-CN" altLang="en-US" sz="1600" dirty="0">
+                          <a:solidFill>
+                            <a:srgbClr val="333333"/>
+                          </a:solidFill>
+                          <a:effectLst/>
+                          <a:latin typeface="Microsoft Yahei" panose="020B0503020204020204" pitchFamily="34" charset="-122"/>
+                          <a:ea typeface="Microsoft Yahei" panose="020B0503020204020204" pitchFamily="34" charset="-122"/>
+                        </a:rPr>
+                        <a:t>，且此处会去除</a:t>
+                      </a:r>
+                      <a:r>
+                        <a:rPr lang="en-US" altLang="zh-CN" sz="1600" dirty="0">
+                          <a:solidFill>
+                            <a:srgbClr val="333333"/>
+                          </a:solidFill>
+                          <a:effectLst/>
+                          <a:latin typeface="Microsoft Yahei" panose="020B0503020204020204" pitchFamily="34" charset="-122"/>
+                          <a:ea typeface="Microsoft Yahei" panose="020B0503020204020204" pitchFamily="34" charset="-122"/>
+                        </a:rPr>
+                        <a:t>JS,</a:t>
+                      </a:r>
+                      <a:r>
+                        <a:rPr lang="zh-CN" altLang="en-US" sz="1600" dirty="0">
+                          <a:solidFill>
+                            <a:srgbClr val="333333"/>
+                          </a:solidFill>
+                          <a:effectLst/>
+                          <a:latin typeface="Microsoft Yahei" panose="020B0503020204020204" pitchFamily="34" charset="-122"/>
+                          <a:ea typeface="Microsoft Yahei" panose="020B0503020204020204" pitchFamily="34" charset="-122"/>
+                        </a:rPr>
+                        <a:t>涉及图片</a:t>
+                      </a:r>
+                      <a:r>
+                        <a:rPr lang="en-US" altLang="zh-CN" sz="1600" dirty="0" err="1">
+                          <a:solidFill>
+                            <a:srgbClr val="333333"/>
+                          </a:solidFill>
+                          <a:effectLst/>
+                          <a:latin typeface="Microsoft Yahei" panose="020B0503020204020204" pitchFamily="34" charset="-122"/>
+                          <a:ea typeface="Microsoft Yahei" panose="020B0503020204020204" pitchFamily="34" charset="-122"/>
+                        </a:rPr>
+                        <a:t>url</a:t>
+                      </a:r>
+                      <a:r>
+                        <a:rPr lang="zh-CN" altLang="en-US" sz="1600" dirty="0">
+                          <a:solidFill>
+                            <a:srgbClr val="333333"/>
+                          </a:solidFill>
+                          <a:effectLst/>
+                          <a:latin typeface="Microsoft Yahei" panose="020B0503020204020204" pitchFamily="34" charset="-122"/>
+                          <a:ea typeface="Microsoft Yahei" panose="020B0503020204020204" pitchFamily="34" charset="-122"/>
+                        </a:rPr>
+                        <a:t>必须来源</a:t>
+                      </a:r>
+                      <a:r>
+                        <a:rPr lang="en-US" altLang="zh-CN" sz="1600" dirty="0">
+                          <a:solidFill>
+                            <a:srgbClr val="333333"/>
+                          </a:solidFill>
+                          <a:effectLst/>
+                          <a:latin typeface="微软雅黑" panose="020B0503020204020204" pitchFamily="34" charset="-122"/>
+                          <a:ea typeface="微软雅黑" panose="020B0503020204020204" pitchFamily="34" charset="-122"/>
+                        </a:rPr>
+                        <a:t>"</a:t>
+                      </a:r>
+                      <a:r>
+                        <a:rPr lang="zh-CN" altLang="en-US" sz="1600" dirty="0">
+                          <a:solidFill>
+                            <a:srgbClr val="333333"/>
+                          </a:solidFill>
+                          <a:effectLst/>
+                          <a:latin typeface="微软雅黑" panose="020B0503020204020204" pitchFamily="34" charset="-122"/>
+                          <a:ea typeface="微软雅黑" panose="020B0503020204020204" pitchFamily="34" charset="-122"/>
+                        </a:rPr>
+                        <a:t>上传图文消息内的图片获取</a:t>
+                      </a:r>
+                      <a:r>
+                        <a:rPr lang="en-US" altLang="zh-CN" sz="1600" dirty="0">
+                          <a:solidFill>
+                            <a:srgbClr val="333333"/>
+                          </a:solidFill>
+                          <a:effectLst/>
+                          <a:latin typeface="微软雅黑" panose="020B0503020204020204" pitchFamily="34" charset="-122"/>
+                          <a:ea typeface="微软雅黑" panose="020B0503020204020204" pitchFamily="34" charset="-122"/>
+                        </a:rPr>
+                        <a:t>URL"</a:t>
+                      </a:r>
+                      <a:r>
+                        <a:rPr lang="zh-CN" altLang="en-US" sz="1600" dirty="0">
+                          <a:solidFill>
+                            <a:srgbClr val="333333"/>
+                          </a:solidFill>
+                          <a:effectLst/>
+                          <a:latin typeface="微软雅黑" panose="020B0503020204020204" pitchFamily="34" charset="-122"/>
+                          <a:ea typeface="微软雅黑" panose="020B0503020204020204" pitchFamily="34" charset="-122"/>
+                        </a:rPr>
+                        <a:t>接口获取。外部图片</a:t>
+                      </a:r>
+                      <a:r>
+                        <a:rPr lang="en-US" altLang="zh-CN" sz="1600" dirty="0" err="1">
+                          <a:solidFill>
+                            <a:srgbClr val="333333"/>
+                          </a:solidFill>
+                          <a:effectLst/>
+                          <a:latin typeface="微软雅黑" panose="020B0503020204020204" pitchFamily="34" charset="-122"/>
+                          <a:ea typeface="微软雅黑" panose="020B0503020204020204" pitchFamily="34" charset="-122"/>
+                        </a:rPr>
+                        <a:t>url</a:t>
+                      </a:r>
+                      <a:r>
+                        <a:rPr lang="zh-CN" altLang="en-US" sz="1600" dirty="0">
+                          <a:solidFill>
+                            <a:srgbClr val="333333"/>
+                          </a:solidFill>
+                          <a:effectLst/>
+                          <a:latin typeface="微软雅黑" panose="020B0503020204020204" pitchFamily="34" charset="-122"/>
+                          <a:ea typeface="微软雅黑" panose="020B0503020204020204" pitchFamily="34" charset="-122"/>
+                        </a:rPr>
+                        <a:t>将被过滤。</a:t>
+                      </a:r>
+                      <a:endParaRPr lang="zh-CN" altLang="en-US" sz="1600" dirty="0">
+                        <a:effectLst/>
+                      </a:endParaRPr>
+                    </a:p>
+                  </a:txBody>
+                  <a:tcPr marL="70183" marR="70183" marT="35091" marB="35091">
+                    <a:lnL>
+                      <a:noFill/>
+                    </a:lnL>
+                    <a:lnR>
+                      <a:noFill/>
+                    </a:lnR>
+                    <a:lnT>
+                      <a:noFill/>
+                    </a:lnT>
+                    <a:lnB>
+                      <a:noFill/>
+                    </a:lnB>
+                  </a:tcPr>
+                </a:tc>
+                <a:extLst>
+                  <a:ext uri="{0D108BD9-81ED-4DB2-BD59-A6C34878D82A}">
+                    <a16:rowId xmlns:a16="http://schemas.microsoft.com/office/drawing/2014/main" val="4287610029"/>
+                  </a:ext>
+                </a:extLst>
+              </a:tr>
+              <a:tr h="551311">
+                <a:tc>
+                  <a:txBody>
+                    <a:bodyPr/>
+                    <a:lstStyle/>
+                    <a:p>
+                      <a:pPr latinLnBrk="1"/>
+                      <a:r>
+                        <a:rPr lang="en-US" sz="1600">
+                          <a:solidFill>
+                            <a:srgbClr val="333333"/>
+                          </a:solidFill>
+                          <a:effectLst/>
+                          <a:latin typeface="Microsoft Yahei" panose="020B0503020204020204" pitchFamily="34" charset="-122"/>
+                          <a:ea typeface="Microsoft Yahei" panose="020B0503020204020204" pitchFamily="34" charset="-122"/>
+                        </a:rPr>
+                        <a:t>content_source_url</a:t>
+                      </a:r>
+                      <a:endParaRPr lang="en-US" sz="1600">
+                        <a:effectLst/>
+                      </a:endParaRPr>
+                    </a:p>
+                  </a:txBody>
+                  <a:tcPr marL="70183" marR="70183" marT="35091" marB="35091">
+                    <a:lnL>
+                      <a:noFill/>
+                    </a:lnL>
+                    <a:lnR>
+                      <a:noFill/>
+                    </a:lnR>
+                    <a:lnT>
+                      <a:noFill/>
+                    </a:lnT>
+                    <a:lnB>
+                      <a:noFill/>
+                    </a:lnB>
+                  </a:tcPr>
+                </a:tc>
+                <a:tc>
+                  <a:txBody>
+                    <a:bodyPr/>
+                    <a:lstStyle/>
+                    <a:p>
+                      <a:pPr latinLnBrk="1"/>
+                      <a:r>
+                        <a:rPr lang="zh-CN" altLang="en-US" sz="1600">
+                          <a:effectLst/>
+                        </a:rPr>
+                        <a:t>是</a:t>
+                      </a:r>
+                    </a:p>
+                  </a:txBody>
+                  <a:tcPr marL="70183" marR="70183" marT="35091" marB="35091">
+                    <a:lnL>
+                      <a:noFill/>
+                    </a:lnL>
+                    <a:lnR>
+                      <a:noFill/>
+                    </a:lnR>
+                    <a:lnT>
+                      <a:noFill/>
+                    </a:lnT>
+                    <a:lnB>
+                      <a:noFill/>
+                    </a:lnB>
+                  </a:tcPr>
+                </a:tc>
+                <a:tc>
+                  <a:txBody>
+                    <a:bodyPr/>
+                    <a:lstStyle/>
+                    <a:p>
+                      <a:pPr latinLnBrk="1"/>
+                      <a:r>
+                        <a:rPr lang="zh-CN" altLang="en-US" sz="1600" dirty="0">
+                          <a:solidFill>
+                            <a:srgbClr val="333333"/>
+                          </a:solidFill>
+                          <a:effectLst/>
+                          <a:latin typeface="Microsoft Yahei" panose="020B0503020204020204" pitchFamily="34" charset="-122"/>
+                          <a:ea typeface="Microsoft Yahei" panose="020B0503020204020204" pitchFamily="34" charset="-122"/>
+                        </a:rPr>
+                        <a:t>图文消息的原文地址，即点击“阅读原文”后的</a:t>
+                      </a:r>
+                      <a:r>
+                        <a:rPr lang="en-US" altLang="zh-CN" sz="1600" dirty="0">
+                          <a:solidFill>
+                            <a:srgbClr val="333333"/>
+                          </a:solidFill>
+                          <a:effectLst/>
+                          <a:latin typeface="Microsoft Yahei" panose="020B0503020204020204" pitchFamily="34" charset="-122"/>
+                          <a:ea typeface="Microsoft Yahei" panose="020B0503020204020204" pitchFamily="34" charset="-122"/>
+                        </a:rPr>
+                        <a:t>URL</a:t>
+                      </a:r>
+                      <a:endParaRPr lang="zh-CN" altLang="en-US" sz="1600" dirty="0">
+                        <a:effectLst/>
+                      </a:endParaRPr>
+                    </a:p>
+                  </a:txBody>
+                  <a:tcPr marL="70183" marR="70183" marT="35091" marB="35091">
+                    <a:lnL>
+                      <a:noFill/>
+                    </a:lnL>
+                    <a:lnR>
+                      <a:noFill/>
+                    </a:lnR>
+                    <a:lnT>
+                      <a:noFill/>
+                    </a:lnT>
+                    <a:lnB>
+                      <a:noFill/>
+                    </a:lnB>
+                  </a:tcPr>
+                </a:tc>
+                <a:extLst>
+                  <a:ext uri="{0D108BD9-81ED-4DB2-BD59-A6C34878D82A}">
+                    <a16:rowId xmlns:a16="http://schemas.microsoft.com/office/drawing/2014/main" val="852870573"/>
+                  </a:ext>
+                </a:extLst>
+              </a:tr>
+            </a:tbl>
+          </a:graphicData>
+        </a:graphic>
+      </p:graphicFrame>
+    </p:spTree>
+    <p:extLst>
+      <p:ext uri="{BB962C8B-B14F-4D97-AF65-F5344CB8AC3E}">
+        <p14:creationId xmlns:p14="http://schemas.microsoft.com/office/powerpoint/2010/main" val="2205485431"/>
+      </p:ext>
+    </p:extLst>
+  </p:cSld>
+  <p:clrMapOvr>
+    <a:masterClrMapping/>
+  </p:clrMapOvr>
+</p:sld>
+</file>
+
+<file path=ppt/slides/slide15.xml><?xml version="1.0" encoding="utf-8"?>
+<p:sld xmlns:a="http://schemas.openxmlformats.org/drawingml/2006/main" xmlns:r="http://schemas.openxmlformats.org/officeDocument/2006/relationships" xmlns:p="http://schemas.openxmlformats.org/presentationml/2006/main">
+  <p:cSld>
+    <p:spTree>
+      <p:nvGrpSpPr>
+        <p:cNvPr id="1" name=""/>
+        <p:cNvGrpSpPr/>
+        <p:nvPr/>
+      </p:nvGrpSpPr>
+      <p:grpSpPr>
+        <a:xfrm>
+          <a:off x="0" y="0"/>
+          <a:ext cx="0" cy="0"/>
+          <a:chOff x="0" y="0"/>
+          <a:chExt cx="0" cy="0"/>
+        </a:xfrm>
+      </p:grpSpPr>
+      <p:sp>
+        <p:nvSpPr>
+          <p:cNvPr id="2" name="内容占位符 1"/>
+          <p:cNvSpPr>
+            <a:spLocks noGrp="1"/>
+          </p:cNvSpPr>
+          <p:nvPr>
+            <p:ph sz="quarter" idx="13"/>
+          </p:nvPr>
+        </p:nvSpPr>
+        <p:spPr>
+          <a:xfrm>
             <a:off x="1054100" y="543636"/>
             <a:ext cx="7304088" cy="685800"/>
           </a:xfrm>
@@ -14967,7 +16609,7 @@
 </p:sld>
 </file>
 
-<file path=ppt/slides/slide14.xml><?xml version="1.0" encoding="utf-8"?>
+<file path=ppt/slides/slide16.xml><?xml version="1.0" encoding="utf-8"?>
 <p:sld xmlns:a="http://schemas.openxmlformats.org/drawingml/2006/main" xmlns:r="http://schemas.openxmlformats.org/officeDocument/2006/relationships" xmlns:p="http://schemas.openxmlformats.org/presentationml/2006/main">
   <p:cSld>
     <p:spTree>
@@ -15506,7 +17148,7 @@
 </p:sld>
 </file>
 
-<file path=ppt/slides/slide15.xml><?xml version="1.0" encoding="utf-8"?>
+<file path=ppt/slides/slide17.xml><?xml version="1.0" encoding="utf-8"?>
 <p:sld xmlns:a="http://schemas.openxmlformats.org/drawingml/2006/main" xmlns:r="http://schemas.openxmlformats.org/officeDocument/2006/relationships" xmlns:p="http://schemas.openxmlformats.org/presentationml/2006/main">
   <p:cSld>
     <p:spTree>
@@ -15781,7 +17423,7 @@
 </p:sld>
 </file>
 
-<file path=ppt/slides/slide16.xml><?xml version="1.0" encoding="utf-8"?>
+<file path=ppt/slides/slide18.xml><?xml version="1.0" encoding="utf-8"?>
 <p:sld xmlns:a="http://schemas.openxmlformats.org/drawingml/2006/main" xmlns:r="http://schemas.openxmlformats.org/officeDocument/2006/relationships" xmlns:p="http://schemas.openxmlformats.org/presentationml/2006/main">
   <p:cSld>
     <p:spTree>
@@ -16383,7 +18025,7 @@
 </p:sld>
 </file>
 
-<file path=ppt/slides/slide17.xml><?xml version="1.0" encoding="utf-8"?>
+<file path=ppt/slides/slide19.xml><?xml version="1.0" encoding="utf-8"?>
 <p:sld xmlns:a="http://schemas.openxmlformats.org/drawingml/2006/main" xmlns:r="http://schemas.openxmlformats.org/officeDocument/2006/relationships" xmlns:p="http://schemas.openxmlformats.org/presentationml/2006/main">
   <p:cSld>
     <p:spTree>
@@ -16435,7 +18077,128 @@
 </p:sld>
 </file>
 
-<file path=ppt/slides/slide18.xml><?xml version="1.0" encoding="utf-8"?>
+<file path=ppt/slides/slide2.xml><?xml version="1.0" encoding="utf-8"?>
+<p:sld xmlns:a="http://schemas.openxmlformats.org/drawingml/2006/main" xmlns:r="http://schemas.openxmlformats.org/officeDocument/2006/relationships" xmlns:p="http://schemas.openxmlformats.org/presentationml/2006/main">
+  <p:cSld>
+    <p:spTree>
+      <p:nvGrpSpPr>
+        <p:cNvPr id="1" name=""/>
+        <p:cNvGrpSpPr/>
+        <p:nvPr/>
+      </p:nvGrpSpPr>
+      <p:grpSpPr>
+        <a:xfrm>
+          <a:off x="0" y="0"/>
+          <a:ext cx="0" cy="0"/>
+          <a:chOff x="0" y="0"/>
+          <a:chExt cx="0" cy="0"/>
+        </a:xfrm>
+      </p:grpSpPr>
+      <p:sp>
+        <p:nvSpPr>
+          <p:cNvPr id="2" name="内容占位符 1"/>
+          <p:cNvSpPr>
+            <a:spLocks noGrp="1"/>
+          </p:cNvSpPr>
+          <p:nvPr>
+            <p:ph sz="quarter" idx="13"/>
+          </p:nvPr>
+        </p:nvSpPr>
+        <p:spPr/>
+        <p:txBody>
+          <a:bodyPr/>
+          <a:lstStyle/>
+          <a:p>
+            <a:r>
+              <a:rPr lang="zh-CN" altLang="en-US" b="0" dirty="0"/>
+              <a:t>本次课程目录</a:t>
+            </a:r>
+          </a:p>
+        </p:txBody>
+      </p:sp>
+      <p:sp>
+        <p:nvSpPr>
+          <p:cNvPr id="4" name="文本框 3"/>
+          <p:cNvSpPr txBox="1"/>
+          <p:nvPr/>
+        </p:nvSpPr>
+        <p:spPr>
+          <a:xfrm>
+            <a:off x="4047934" y="2343152"/>
+            <a:ext cx="5385594" cy="2308324"/>
+          </a:xfrm>
+          <a:prstGeom prst="rect">
+            <a:avLst/>
+          </a:prstGeom>
+          <a:noFill/>
+        </p:spPr>
+        <p:txBody>
+          <a:bodyPr wrap="square" rtlCol="0">
+            <a:spAutoFit/>
+          </a:bodyPr>
+          <a:lstStyle>
+            <a:defPPr>
+              <a:defRPr lang="zh-CN"/>
+            </a:defPPr>
+            <a:lvl1pPr marL="514350" indent="-514350">
+              <a:lnSpc>
+                <a:spcPct val="200000"/>
+              </a:lnSpc>
+              <a:buFont typeface="+mj-ea"/>
+              <a:buAutoNum type="ea1JpnChsDbPeriod"/>
+              <a:defRPr sz="2400">
+                <a:solidFill>
+                  <a:schemeClr val="tx1">
+                    <a:lumMod val="65000"/>
+                    <a:lumOff val="35000"/>
+                  </a:schemeClr>
+                </a:solidFill>
+                <a:latin typeface="微软雅黑" panose="020B0503020204020204" pitchFamily="34" charset="-122"/>
+                <a:ea typeface="微软雅黑" panose="020B0503020204020204" pitchFamily="34" charset="-122"/>
+              </a:defRPr>
+            </a:lvl1pPr>
+          </a:lstStyle>
+          <a:p>
+            <a:r>
+              <a:rPr lang="en-US" altLang="zh-CN" dirty="0"/>
+              <a:t>CURL</a:t>
+            </a:r>
+            <a:r>
+              <a:rPr lang="zh-CN" altLang="en-US" dirty="0"/>
+              <a:t>上传与下载文件</a:t>
+            </a:r>
+            <a:endParaRPr lang="en-US" altLang="zh-CN" dirty="0"/>
+          </a:p>
+          <a:p>
+            <a:r>
+              <a:rPr lang="zh-CN" altLang="en-US" dirty="0"/>
+              <a:t>上传素材</a:t>
+            </a:r>
+            <a:endParaRPr lang="en-US" altLang="zh-CN" dirty="0"/>
+          </a:p>
+          <a:p>
+            <a:r>
+              <a:rPr lang="zh-CN" altLang="en-US" dirty="0"/>
+              <a:t>获取与删除素材</a:t>
+            </a:r>
+            <a:endParaRPr lang="en-US" altLang="zh-CN" dirty="0"/>
+          </a:p>
+        </p:txBody>
+      </p:sp>
+    </p:spTree>
+    <p:extLst>
+      <p:ext uri="{BB962C8B-B14F-4D97-AF65-F5344CB8AC3E}">
+        <p14:creationId xmlns:p14="http://schemas.microsoft.com/office/powerpoint/2010/main" val="714534542"/>
+      </p:ext>
+    </p:extLst>
+  </p:cSld>
+  <p:clrMapOvr>
+    <a:masterClrMapping/>
+  </p:clrMapOvr>
+</p:sld>
+</file>
+
+<file path=ppt/slides/slide20.xml><?xml version="1.0" encoding="utf-8"?>
 <p:sld xmlns:a="http://schemas.openxmlformats.org/drawingml/2006/main" xmlns:r="http://schemas.openxmlformats.org/officeDocument/2006/relationships" xmlns:p="http://schemas.openxmlformats.org/presentationml/2006/main">
   <p:cSld>
     <p:spTree>
@@ -17127,127 +18890,6 @@
     <p:extLst>
       <p:ext uri="{BB962C8B-B14F-4D97-AF65-F5344CB8AC3E}">
         <p14:creationId xmlns:p14="http://schemas.microsoft.com/office/powerpoint/2010/main" val="2401724521"/>
-      </p:ext>
-    </p:extLst>
-  </p:cSld>
-  <p:clrMapOvr>
-    <a:masterClrMapping/>
-  </p:clrMapOvr>
-</p:sld>
-</file>
-
-<file path=ppt/slides/slide2.xml><?xml version="1.0" encoding="utf-8"?>
-<p:sld xmlns:a="http://schemas.openxmlformats.org/drawingml/2006/main" xmlns:r="http://schemas.openxmlformats.org/officeDocument/2006/relationships" xmlns:p="http://schemas.openxmlformats.org/presentationml/2006/main">
-  <p:cSld>
-    <p:spTree>
-      <p:nvGrpSpPr>
-        <p:cNvPr id="1" name=""/>
-        <p:cNvGrpSpPr/>
-        <p:nvPr/>
-      </p:nvGrpSpPr>
-      <p:grpSpPr>
-        <a:xfrm>
-          <a:off x="0" y="0"/>
-          <a:ext cx="0" cy="0"/>
-          <a:chOff x="0" y="0"/>
-          <a:chExt cx="0" cy="0"/>
-        </a:xfrm>
-      </p:grpSpPr>
-      <p:sp>
-        <p:nvSpPr>
-          <p:cNvPr id="2" name="内容占位符 1"/>
-          <p:cNvSpPr>
-            <a:spLocks noGrp="1"/>
-          </p:cNvSpPr>
-          <p:nvPr>
-            <p:ph sz="quarter" idx="13"/>
-          </p:nvPr>
-        </p:nvSpPr>
-        <p:spPr/>
-        <p:txBody>
-          <a:bodyPr/>
-          <a:lstStyle/>
-          <a:p>
-            <a:r>
-              <a:rPr lang="zh-CN" altLang="en-US" b="0" dirty="0"/>
-              <a:t>本次课程目录</a:t>
-            </a:r>
-          </a:p>
-        </p:txBody>
-      </p:sp>
-      <p:sp>
-        <p:nvSpPr>
-          <p:cNvPr id="4" name="文本框 3"/>
-          <p:cNvSpPr txBox="1"/>
-          <p:nvPr/>
-        </p:nvSpPr>
-        <p:spPr>
-          <a:xfrm>
-            <a:off x="4047934" y="2343152"/>
-            <a:ext cx="5385594" cy="2308324"/>
-          </a:xfrm>
-          <a:prstGeom prst="rect">
-            <a:avLst/>
-          </a:prstGeom>
-          <a:noFill/>
-        </p:spPr>
-        <p:txBody>
-          <a:bodyPr wrap="square" rtlCol="0">
-            <a:spAutoFit/>
-          </a:bodyPr>
-          <a:lstStyle>
-            <a:defPPr>
-              <a:defRPr lang="zh-CN"/>
-            </a:defPPr>
-            <a:lvl1pPr marL="514350" indent="-514350">
-              <a:lnSpc>
-                <a:spcPct val="200000"/>
-              </a:lnSpc>
-              <a:buFont typeface="+mj-ea"/>
-              <a:buAutoNum type="ea1JpnChsDbPeriod"/>
-              <a:defRPr sz="2400">
-                <a:solidFill>
-                  <a:schemeClr val="tx1">
-                    <a:lumMod val="65000"/>
-                    <a:lumOff val="35000"/>
-                  </a:schemeClr>
-                </a:solidFill>
-                <a:latin typeface="微软雅黑" panose="020B0503020204020204" pitchFamily="34" charset="-122"/>
-                <a:ea typeface="微软雅黑" panose="020B0503020204020204" pitchFamily="34" charset="-122"/>
-              </a:defRPr>
-            </a:lvl1pPr>
-          </a:lstStyle>
-          <a:p>
-            <a:r>
-              <a:rPr lang="en-US" altLang="zh-CN" dirty="0"/>
-              <a:t>CURL</a:t>
-            </a:r>
-            <a:r>
-              <a:rPr lang="zh-CN" altLang="en-US" dirty="0"/>
-              <a:t>上传与下载文件</a:t>
-            </a:r>
-            <a:endParaRPr lang="en-US" altLang="zh-CN" dirty="0"/>
-          </a:p>
-          <a:p>
-            <a:r>
-              <a:rPr lang="zh-CN" altLang="en-US" dirty="0"/>
-              <a:t>上传素材</a:t>
-            </a:r>
-            <a:endParaRPr lang="en-US" altLang="zh-CN" dirty="0"/>
-          </a:p>
-          <a:p>
-            <a:r>
-              <a:rPr lang="zh-CN" altLang="en-US" dirty="0"/>
-              <a:t>获取与删除素材</a:t>
-            </a:r>
-            <a:endParaRPr lang="en-US" altLang="zh-CN" dirty="0"/>
-          </a:p>
-        </p:txBody>
-      </p:sp>
-    </p:spTree>
-    <p:extLst>
-      <p:ext uri="{BB962C8B-B14F-4D97-AF65-F5344CB8AC3E}">
-        <p14:creationId xmlns:p14="http://schemas.microsoft.com/office/powerpoint/2010/main" val="714534542"/>
       </p:ext>
     </p:extLst>
   </p:cSld>
